--- a/doc/React.pptx
+++ b/doc/React.pptx
@@ -21,14 +21,14 @@
     <p:sldId id="285" r:id="rId12"/>
     <p:sldId id="283" r:id="rId13"/>
     <p:sldId id="297" r:id="rId14"/>
-    <p:sldId id="274" r:id="rId15"/>
-    <p:sldId id="282" r:id="rId16"/>
-    <p:sldId id="272" r:id="rId17"/>
-    <p:sldId id="286" r:id="rId18"/>
-    <p:sldId id="288" r:id="rId19"/>
-    <p:sldId id="287" r:id="rId20"/>
-    <p:sldId id="284" r:id="rId21"/>
-    <p:sldId id="275" r:id="rId22"/>
+    <p:sldId id="298" r:id="rId15"/>
+    <p:sldId id="286" r:id="rId16"/>
+    <p:sldId id="299" r:id="rId17"/>
+    <p:sldId id="300" r:id="rId18"/>
+    <p:sldId id="274" r:id="rId19"/>
+    <p:sldId id="288" r:id="rId20"/>
+    <p:sldId id="287" r:id="rId21"/>
+    <p:sldId id="284" r:id="rId22"/>
     <p:sldId id="276" r:id="rId23"/>
     <p:sldId id="277" r:id="rId24"/>
     <p:sldId id="278" r:id="rId25"/>
@@ -232,6 +232,28 @@
 </p188:cmLst>
 </file>
 
+<file path=ppt/comments/modernComment_11E_1E39252E.xml><?xml version="1.0" encoding="utf-8"?>
+<p188:cmLst xmlns:a="http://schemas.openxmlformats.org/drawingml/2006/main" xmlns:r="http://schemas.openxmlformats.org/officeDocument/2006/relationships" xmlns:p188="http://schemas.microsoft.com/office/powerpoint/2018/8/main">
+  <p188:cm id="{0D227A14-39F7-4A0D-A000-8C0C01B5EA55}" authorId="{4DC68FF1-9336-A390-AB80-FC8E420981B7}" created="2023-04-13T15:25:44.894">
+    <ac:deMkLst xmlns:ac="http://schemas.microsoft.com/office/drawing/2013/main/command">
+      <pc:docMk xmlns:pc="http://schemas.microsoft.com/office/powerpoint/2013/main/command"/>
+      <pc:sldMk xmlns:pc="http://schemas.microsoft.com/office/powerpoint/2013/main/command" cId="507061550" sldId="286"/>
+      <ac:picMk id="5" creationId="{EB3FCB4F-99C4-FE3D-9666-CFE94256CE59}"/>
+    </ac:deMkLst>
+    <p188:txBody>
+      <a:bodyPr/>
+      <a:lstStyle/>
+      <a:p>
+        <a:r>
+          <a:rPr lang="en-CA"/>
+          <a:t>Webpack needs node.js</a:t>
+        </a:r>
+      </a:p>
+    </p188:txBody>
+  </p188:cm>
+</p188:cmLst>
+</file>
+
 <file path=ppt/comments/modernComment_123_34328D60.xml><?xml version="1.0" encoding="utf-8"?>
 <p188:cmLst xmlns:a="http://schemas.openxmlformats.org/drawingml/2006/main" xmlns:r="http://schemas.openxmlformats.org/officeDocument/2006/relationships" xmlns:p188="http://schemas.microsoft.com/office/powerpoint/2018/8/main">
   <p188:cm id="{FDC11D92-A0DF-44F7-84EF-BD722AEC8E52}" authorId="{4DC68FF1-9336-A390-AB80-FC8E420981B7}" created="2023-04-12T16:55:48.417">
@@ -361,6 +383,28 @@
 </p188:cmLst>
 </file>
 
+<file path=ppt/comments/modernComment_12C_4880FF8E.xml><?xml version="1.0" encoding="utf-8"?>
+<p188:cmLst xmlns:a="http://schemas.openxmlformats.org/drawingml/2006/main" xmlns:r="http://schemas.openxmlformats.org/officeDocument/2006/relationships" xmlns:p188="http://schemas.microsoft.com/office/powerpoint/2018/8/main">
+  <p188:cm id="{F4E459CD-8DB4-4EA3-B3F3-448E78C2ED49}" authorId="{4DC68FF1-9336-A390-AB80-FC8E420981B7}" created="2023-04-13T17:01:28.924">
+    <ac:deMkLst xmlns:ac="http://schemas.microsoft.com/office/drawing/2013/main/command">
+      <pc:docMk xmlns:pc="http://schemas.microsoft.com/office/powerpoint/2013/main/command"/>
+      <pc:sldMk xmlns:pc="http://schemas.microsoft.com/office/powerpoint/2013/main/command" cId="1216413582" sldId="300"/>
+      <ac:spMk id="21" creationId="{46AA9909-603C-7BFC-AEC2-C45E2E2CDBBD}"/>
+    </ac:deMkLst>
+    <p188:txBody>
+      <a:bodyPr/>
+      <a:lstStyle/>
+      <a:p>
+        <a:r>
+          <a:rPr lang="en-CA"/>
+          <a:t>Any update requires a page refresh which you don’t have to using our project which comes with a hot deployment server</a:t>
+        </a:r>
+      </a:p>
+    </p188:txBody>
+  </p188:cm>
+</p188:cmLst>
+</file>
+
 <file path=ppt/notesMasters/notesMaster1.xml><?xml version="1.0" encoding="utf-8"?>
 <p:notesMaster xmlns:a="http://schemas.openxmlformats.org/drawingml/2006/main" xmlns:r="http://schemas.openxmlformats.org/officeDocument/2006/relationships" xmlns:p="http://schemas.openxmlformats.org/presentationml/2006/main">
   <p:cSld>
@@ -443,7 +487,7 @@
           <a:p>
             <a:fld id="{9D05FE6B-B11E-48FE-8BE6-CD3E02338538}" type="datetimeFigureOut">
               <a:rPr lang="en-CA" smtClean="0"/>
-              <a:t>2023-04-12</a:t>
+              <a:t>2023-04-13</a:t>
             </a:fld>
             <a:endParaRPr lang="en-CA"/>
           </a:p>
@@ -3841,7 +3885,7 @@
       <p:bldP spid="11" grpId="0"/>
       <p:bldP spid="3" grpId="0"/>
       <p:bldP spid="6" grpId="0"/>
-      <p:bldP spid="9" grpId="0"/>
+      <p:bldP spid="9" grpId="0" animBg="1"/>
     </p:bldLst>
   </p:timing>
   <p:extLst>
@@ -4919,6 +4963,4190 @@
       </p:grpSpPr>
       <p:sp>
         <p:nvSpPr>
+          <p:cNvPr id="3" name="TextBox 2">
+            <a:extLst>
+              <a:ext uri="{FF2B5EF4-FFF2-40B4-BE49-F238E27FC236}">
+                <a16:creationId xmlns:a16="http://schemas.microsoft.com/office/drawing/2014/main" id="{FDEAEC41-339D-F872-DD4F-C2356F66CFB9}"/>
+              </a:ext>
+            </a:extLst>
+          </p:cNvPr>
+          <p:cNvSpPr txBox="1"/>
+          <p:nvPr/>
+        </p:nvSpPr>
+        <p:spPr>
+          <a:xfrm>
+            <a:off x="58257" y="389213"/>
+            <a:ext cx="7580793" cy="1446550"/>
+          </a:xfrm>
+          <a:prstGeom prst="rect">
+            <a:avLst/>
+          </a:prstGeom>
+          <a:noFill/>
+        </p:spPr>
+        <p:txBody>
+          <a:bodyPr wrap="square">
+            <a:spAutoFit/>
+          </a:bodyPr>
+          <a:lstStyle/>
+          <a:p>
+            <a:pPr algn="ctr"/>
+            <a:r>
+              <a:rPr lang="en-CA" sz="4400" dirty="0">
+                <a:latin typeface="MS Shell Dlg 2" panose="020B0604030504040204" pitchFamily="34" charset="0"/>
+              </a:rPr>
+              <a:t>2- push your code to GitHub.</a:t>
+            </a:r>
+          </a:p>
+          <a:p>
+            <a:pPr algn="ctr"/>
+            <a:r>
+              <a:rPr lang="en-CA" sz="4400" dirty="0">
+                <a:latin typeface="MS Shell Dlg 2" panose="020B0604030504040204" pitchFamily="34" charset="0"/>
+              </a:rPr>
+              <a:t>[Optional]</a:t>
+            </a:r>
+            <a:endParaRPr lang="en-CA" sz="4400" dirty="0"/>
+          </a:p>
+        </p:txBody>
+      </p:sp>
+      <p:sp>
+        <p:nvSpPr>
+          <p:cNvPr id="6" name="TextBox 5">
+            <a:extLst>
+              <a:ext uri="{FF2B5EF4-FFF2-40B4-BE49-F238E27FC236}">
+                <a16:creationId xmlns:a16="http://schemas.microsoft.com/office/drawing/2014/main" id="{B2161D61-ED55-8DA7-0474-98106AE40FE4}"/>
+              </a:ext>
+            </a:extLst>
+          </p:cNvPr>
+          <p:cNvSpPr txBox="1"/>
+          <p:nvPr/>
+        </p:nvSpPr>
+        <p:spPr>
+          <a:xfrm>
+            <a:off x="273072" y="2155785"/>
+            <a:ext cx="7428022" cy="646331"/>
+          </a:xfrm>
+          <a:prstGeom prst="rect">
+            <a:avLst/>
+          </a:prstGeom>
+          <a:noFill/>
+        </p:spPr>
+        <p:txBody>
+          <a:bodyPr wrap="square" rtlCol="0">
+            <a:spAutoFit/>
+          </a:bodyPr>
+          <a:lstStyle/>
+          <a:p>
+            <a:r>
+              <a:rPr lang="en-CA" dirty="0"/>
+              <a:t>There are many ways to do:</a:t>
+            </a:r>
+          </a:p>
+          <a:p>
+            <a:r>
+              <a:rPr lang="en-CA" dirty="0"/>
+              <a:t>One way would be to create a new repo on GitHub: </a:t>
+            </a:r>
+            <a:r>
+              <a:rPr lang="en-CA" dirty="0">
+                <a:highlight>
+                  <a:srgbClr val="FFFF00"/>
+                </a:highlight>
+              </a:rPr>
+              <a:t>hackathon-react</a:t>
+            </a:r>
+          </a:p>
+        </p:txBody>
+      </p:sp>
+      <p:sp>
+        <p:nvSpPr>
+          <p:cNvPr id="8" name="Rectangle 1">
+            <a:extLst>
+              <a:ext uri="{FF2B5EF4-FFF2-40B4-BE49-F238E27FC236}">
+                <a16:creationId xmlns:a16="http://schemas.microsoft.com/office/drawing/2014/main" id="{8B7A05A2-3D79-D8C1-65B2-618E899C0945}"/>
+              </a:ext>
+            </a:extLst>
+          </p:cNvPr>
+          <p:cNvSpPr>
+            <a:spLocks noChangeArrowheads="1"/>
+          </p:cNvSpPr>
+          <p:nvPr/>
+        </p:nvSpPr>
+        <p:spPr bwMode="auto">
+          <a:xfrm>
+            <a:off x="326986" y="5032236"/>
+            <a:ext cx="7295745" cy="1815882"/>
+          </a:xfrm>
+          <a:prstGeom prst="rect">
+            <a:avLst/>
+          </a:prstGeom>
+          <a:noFill/>
+          <a:ln>
+            <a:noFill/>
+          </a:ln>
+          <a:effectLst/>
+          <a:extLst>
+            <a:ext uri="{909E8E84-426E-40DD-AFC4-6F175D3DCCD1}">
+              <a14:hiddenFill xmlns:a14="http://schemas.microsoft.com/office/drawing/2010/main">
+                <a:solidFill>
+                  <a:schemeClr val="accent1"/>
+                </a:solidFill>
+              </a14:hiddenFill>
+            </a:ext>
+            <a:ext uri="{91240B29-F687-4F45-9708-019B960494DF}">
+              <a14:hiddenLine xmlns:a14="http://schemas.microsoft.com/office/drawing/2010/main" w="9525">
+                <a:solidFill>
+                  <a:schemeClr val="tx1"/>
+                </a:solidFill>
+                <a:miter lim="800000"/>
+                <a:headEnd/>
+                <a:tailEnd/>
+              </a14:hiddenLine>
+            </a:ext>
+            <a:ext uri="{AF507438-7753-43E0-B8FC-AC1667EBCBE1}">
+              <a14:hiddenEffects xmlns:a14="http://schemas.microsoft.com/office/drawing/2010/main">
+                <a:effectLst>
+                  <a:outerShdw dist="35921" dir="2700000" algn="ctr" rotWithShape="0">
+                    <a:schemeClr val="bg2"/>
+                  </a:outerShdw>
+                </a:effectLst>
+              </a14:hiddenEffects>
+            </a:ext>
+          </a:extLst>
+        </p:spPr>
+        <p:txBody>
+          <a:bodyPr vert="horz" wrap="square" lIns="91440" tIns="45720" rIns="91440" bIns="45720" numCol="1" anchor="ctr" anchorCtr="0" compatLnSpc="1">
+            <a:prstTxWarp prst="textNoShape">
+              <a:avLst/>
+            </a:prstTxWarp>
+            <a:spAutoFit/>
+          </a:bodyPr>
+          <a:lstStyle/>
+          <a:p>
+            <a:pPr lvl="0" defTabSz="914400" eaLnBrk="0" fontAlgn="base" hangingPunct="0">
+              <a:spcBef>
+                <a:spcPct val="0"/>
+              </a:spcBef>
+              <a:spcAft>
+                <a:spcPct val="0"/>
+              </a:spcAft>
+            </a:pPr>
+            <a:r>
+              <a:rPr kumimoji="0" lang="en-CA" altLang="en-US" sz="1400" b="0" i="0" u="none" strike="noStrike" cap="none" normalizeH="0" baseline="0" dirty="0">
+                <a:ln>
+                  <a:noFill/>
+                </a:ln>
+                <a:solidFill>
+                  <a:srgbClr val="00B050"/>
+                </a:solidFill>
+                <a:effectLst/>
+                <a:latin typeface="Arial Unicode MS"/>
+              </a:rPr>
+              <a:t>//</a:t>
+            </a:r>
+            <a:r>
+              <a:rPr lang="en-CA" sz="1400" dirty="0">
+                <a:solidFill>
+                  <a:srgbClr val="00B050"/>
+                </a:solidFill>
+              </a:rPr>
+              <a:t>run the following</a:t>
+            </a:r>
+            <a:br>
+              <a:rPr lang="en-CA" sz="1400" dirty="0"/>
+            </a:br>
+            <a:r>
+              <a:rPr kumimoji="0" lang="en-US" altLang="en-US" sz="1400" b="0" i="0" u="none" strike="noStrike" cap="none" normalizeH="0" baseline="0" dirty="0">
+                <a:ln>
+                  <a:noFill/>
+                </a:ln>
+                <a:solidFill>
+                  <a:schemeClr val="tx1"/>
+                </a:solidFill>
+                <a:effectLst/>
+                <a:latin typeface="Arial Unicode MS"/>
+              </a:rPr>
+              <a:t>echo "# hackathon-react project" &gt;&gt; README.md </a:t>
+            </a:r>
+            <a:r>
+              <a:rPr kumimoji="0" lang="en-US" altLang="en-US" sz="1400" b="0" i="0" u="none" strike="noStrike" cap="none" normalizeH="0" baseline="0" dirty="0">
+                <a:ln>
+                  <a:noFill/>
+                </a:ln>
+                <a:solidFill>
+                  <a:srgbClr val="00B050"/>
+                </a:solidFill>
+                <a:effectLst/>
+                <a:latin typeface="Arial Unicode MS"/>
+              </a:rPr>
+              <a:t>//create a readme file</a:t>
+            </a:r>
+            <a:br>
+              <a:rPr kumimoji="0" lang="en-US" altLang="en-US" sz="1400" b="0" i="0" u="none" strike="noStrike" cap="none" normalizeH="0" baseline="0" dirty="0">
+                <a:ln>
+                  <a:noFill/>
+                </a:ln>
+                <a:solidFill>
+                  <a:schemeClr val="tx1"/>
+                </a:solidFill>
+                <a:effectLst/>
+                <a:latin typeface="Arial Unicode MS"/>
+              </a:rPr>
+            </a:br>
+            <a:r>
+              <a:rPr kumimoji="0" lang="en-US" altLang="en-US" sz="1400" b="0" i="0" u="none" strike="noStrike" cap="none" normalizeH="0" baseline="0" dirty="0">
+                <a:ln>
+                  <a:noFill/>
+                </a:ln>
+                <a:solidFill>
+                  <a:schemeClr val="tx1"/>
+                </a:solidFill>
+                <a:effectLst/>
+                <a:latin typeface="Arial Unicode MS"/>
+              </a:rPr>
+              <a:t>git init </a:t>
+            </a:r>
+            <a:r>
+              <a:rPr kumimoji="0" lang="en-US" altLang="en-US" sz="1400" b="0" i="0" u="none" strike="noStrike" cap="none" normalizeH="0" baseline="0" dirty="0">
+                <a:ln>
+                  <a:noFill/>
+                </a:ln>
+                <a:solidFill>
+                  <a:srgbClr val="00B050"/>
+                </a:solidFill>
+                <a:effectLst/>
+                <a:latin typeface="Arial Unicode MS"/>
+              </a:rPr>
+              <a:t>//initialize local repo</a:t>
+            </a:r>
+            <a:br>
+              <a:rPr kumimoji="0" lang="en-US" altLang="en-US" sz="1400" b="0" i="0" u="none" strike="noStrike" cap="none" normalizeH="0" baseline="0" dirty="0">
+                <a:ln>
+                  <a:noFill/>
+                </a:ln>
+                <a:solidFill>
+                  <a:schemeClr val="tx1"/>
+                </a:solidFill>
+                <a:effectLst/>
+                <a:latin typeface="Arial Unicode MS"/>
+              </a:rPr>
+            </a:br>
+            <a:r>
+              <a:rPr kumimoji="0" lang="en-US" altLang="en-US" sz="1400" b="0" i="0" u="none" strike="noStrike" cap="none" normalizeH="0" baseline="0" dirty="0">
+                <a:ln>
+                  <a:noFill/>
+                </a:ln>
+                <a:solidFill>
+                  <a:schemeClr val="tx1"/>
+                </a:solidFill>
+                <a:effectLst/>
+                <a:latin typeface="Arial Unicode MS"/>
+              </a:rPr>
+              <a:t>git add . –A     </a:t>
+            </a:r>
+            <a:r>
+              <a:rPr kumimoji="0" lang="en-US" altLang="en-US" sz="1400" b="0" i="0" u="none" strike="noStrike" cap="none" normalizeH="0" baseline="0" dirty="0">
+                <a:ln>
+                  <a:noFill/>
+                </a:ln>
+                <a:solidFill>
+                  <a:srgbClr val="00B050"/>
+                </a:solidFill>
+                <a:effectLst/>
+                <a:latin typeface="Arial Unicode MS"/>
+              </a:rPr>
+              <a:t> //add all changes to staging</a:t>
+            </a:r>
+            <a:r>
+              <a:rPr kumimoji="0" lang="en-US" altLang="en-US" sz="1400" b="0" i="0" u="none" strike="noStrike" cap="none" normalizeH="0" dirty="0">
+                <a:ln>
+                  <a:noFill/>
+                </a:ln>
+                <a:solidFill>
+                  <a:srgbClr val="00B050"/>
+                </a:solidFill>
+                <a:effectLst/>
+                <a:latin typeface="Arial Unicode MS"/>
+              </a:rPr>
+              <a:t> area starting with the current directory.</a:t>
+            </a:r>
+            <a:br>
+              <a:rPr kumimoji="0" lang="en-US" altLang="en-US" sz="1400" b="0" i="0" u="none" strike="noStrike" cap="none" normalizeH="0" baseline="0" dirty="0">
+                <a:ln>
+                  <a:noFill/>
+                </a:ln>
+                <a:solidFill>
+                  <a:schemeClr val="tx1"/>
+                </a:solidFill>
+                <a:effectLst/>
+                <a:latin typeface="Arial Unicode MS"/>
+              </a:rPr>
+            </a:br>
+            <a:r>
+              <a:rPr kumimoji="0" lang="en-US" altLang="en-US" sz="1400" b="0" i="0" u="none" strike="noStrike" cap="none" normalizeH="0" baseline="0" dirty="0">
+                <a:ln>
+                  <a:noFill/>
+                </a:ln>
+                <a:solidFill>
+                  <a:schemeClr val="tx1"/>
+                </a:solidFill>
+                <a:effectLst/>
+                <a:latin typeface="Arial Unicode MS"/>
+              </a:rPr>
+              <a:t>git commit -m “initial</a:t>
+            </a:r>
+            <a:r>
+              <a:rPr kumimoji="0" lang="en-US" altLang="en-US" sz="1400" b="0" i="0" u="none" strike="noStrike" cap="none" normalizeH="0" dirty="0">
+                <a:ln>
+                  <a:noFill/>
+                </a:ln>
+                <a:solidFill>
+                  <a:schemeClr val="tx1"/>
+                </a:solidFill>
+                <a:effectLst/>
+                <a:latin typeface="Arial Unicode MS"/>
+              </a:rPr>
+              <a:t> commit</a:t>
+            </a:r>
+            <a:r>
+              <a:rPr kumimoji="0" lang="en-US" altLang="en-US" sz="1400" b="0" i="0" u="none" strike="noStrike" cap="none" normalizeH="0" baseline="0" dirty="0">
+                <a:ln>
+                  <a:noFill/>
+                </a:ln>
+                <a:solidFill>
+                  <a:schemeClr val="tx1"/>
+                </a:solidFill>
+                <a:effectLst/>
+                <a:latin typeface="Arial Unicode MS"/>
+              </a:rPr>
+              <a:t>" </a:t>
+            </a:r>
+            <a:r>
+              <a:rPr kumimoji="0" lang="en-US" altLang="en-US" sz="1400" b="0" i="0" u="none" strike="noStrike" cap="none" normalizeH="0" baseline="0" dirty="0">
+                <a:ln>
+                  <a:noFill/>
+                </a:ln>
+                <a:solidFill>
+                  <a:srgbClr val="00B050"/>
+                </a:solidFill>
+                <a:effectLst/>
+                <a:latin typeface="Arial Unicode MS"/>
+              </a:rPr>
+              <a:t>//commit all staged</a:t>
+            </a:r>
+            <a:r>
+              <a:rPr kumimoji="0" lang="en-US" altLang="en-US" sz="1400" b="0" i="0" u="none" strike="noStrike" cap="none" normalizeH="0" dirty="0">
+                <a:ln>
+                  <a:noFill/>
+                </a:ln>
+                <a:solidFill>
+                  <a:srgbClr val="00B050"/>
+                </a:solidFill>
+                <a:effectLst/>
+                <a:latin typeface="Arial Unicode MS"/>
+              </a:rPr>
+              <a:t> items</a:t>
+            </a:r>
+            <a:br>
+              <a:rPr kumimoji="0" lang="en-US" altLang="en-US" sz="1400" b="0" i="0" u="none" strike="noStrike" cap="none" normalizeH="0" baseline="0" dirty="0">
+                <a:ln>
+                  <a:noFill/>
+                </a:ln>
+                <a:solidFill>
+                  <a:schemeClr val="tx1"/>
+                </a:solidFill>
+                <a:effectLst/>
+                <a:latin typeface="Arial Unicode MS"/>
+              </a:rPr>
+            </a:br>
+            <a:r>
+              <a:rPr kumimoji="0" lang="en-US" altLang="en-US" sz="1400" b="0" i="0" u="none" strike="noStrike" cap="none" normalizeH="0" baseline="0" dirty="0">
+                <a:ln>
+                  <a:noFill/>
+                </a:ln>
+                <a:solidFill>
+                  <a:schemeClr val="tx1"/>
+                </a:solidFill>
+                <a:effectLst/>
+                <a:latin typeface="Arial Unicode MS"/>
+              </a:rPr>
+              <a:t>git remote add origin </a:t>
+            </a:r>
+            <a:r>
+              <a:rPr kumimoji="0" lang="en-US" altLang="en-US" sz="1400" b="0" i="0" u="none" strike="noStrike" cap="none" normalizeH="0" baseline="0" dirty="0" err="1">
+                <a:ln>
+                  <a:noFill/>
+                </a:ln>
+                <a:solidFill>
+                  <a:schemeClr val="tx1"/>
+                </a:solidFill>
+                <a:effectLst/>
+                <a:latin typeface="Arial Unicode MS"/>
+                <a:hlinkClick r:id="rId2"/>
+              </a:rPr>
+              <a:t>git@github.com:</a:t>
+            </a:r>
+            <a:r>
+              <a:rPr kumimoji="0" lang="en-US" altLang="en-US" sz="1400" b="0" i="0" u="none" strike="noStrike" cap="none" normalizeH="0" baseline="0" dirty="0" err="1">
+                <a:ln>
+                  <a:noFill/>
+                </a:ln>
+                <a:solidFill>
+                  <a:schemeClr val="tx1"/>
+                </a:solidFill>
+                <a:effectLst/>
+                <a:highlight>
+                  <a:srgbClr val="FF0000"/>
+                </a:highlight>
+                <a:latin typeface="Arial Unicode MS"/>
+                <a:hlinkClick r:id="rId2"/>
+              </a:rPr>
+              <a:t>account-name</a:t>
+            </a:r>
+            <a:r>
+              <a:rPr kumimoji="0" lang="en-US" altLang="en-US" sz="1400" b="0" i="0" u="none" strike="noStrike" cap="none" normalizeH="0" baseline="0" dirty="0">
+                <a:ln>
+                  <a:noFill/>
+                </a:ln>
+                <a:solidFill>
+                  <a:schemeClr val="tx1"/>
+                </a:solidFill>
+                <a:effectLst/>
+                <a:latin typeface="Arial Unicode MS"/>
+                <a:hlinkClick r:id="rId2"/>
+              </a:rPr>
+              <a:t>/hackathon-react</a:t>
+            </a:r>
+            <a:r>
+              <a:rPr kumimoji="0" lang="en-US" altLang="en-US" sz="1400" b="0" i="0" u="none" strike="noStrike" cap="none" normalizeH="0" baseline="0" dirty="0">
+                <a:ln>
+                  <a:noFill/>
+                </a:ln>
+                <a:solidFill>
+                  <a:schemeClr val="tx1"/>
+                </a:solidFill>
+                <a:effectLst/>
+                <a:latin typeface="Arial Unicode MS"/>
+              </a:rPr>
+              <a:t>  </a:t>
+            </a:r>
+            <a:r>
+              <a:rPr kumimoji="0" lang="en-US" altLang="en-US" sz="1400" b="0" i="0" u="none" strike="noStrike" cap="none" normalizeH="0" baseline="0" dirty="0">
+                <a:ln>
+                  <a:noFill/>
+                </a:ln>
+                <a:solidFill>
+                  <a:srgbClr val="00B050"/>
+                </a:solidFill>
+                <a:effectLst/>
+                <a:latin typeface="Arial Unicode MS"/>
+              </a:rPr>
+              <a:t>//define remote repo</a:t>
+            </a:r>
+            <a:br>
+              <a:rPr kumimoji="0" lang="en-US" altLang="en-US" sz="1400" b="0" i="0" u="none" strike="noStrike" cap="none" normalizeH="0" baseline="0" dirty="0">
+                <a:ln>
+                  <a:noFill/>
+                </a:ln>
+                <a:solidFill>
+                  <a:schemeClr val="tx1"/>
+                </a:solidFill>
+                <a:effectLst/>
+                <a:latin typeface="Arial Unicode MS"/>
+              </a:rPr>
+            </a:br>
+            <a:r>
+              <a:rPr lang="en-US" altLang="en-US" sz="1400" dirty="0">
+                <a:latin typeface="Arial Unicode MS"/>
+              </a:rPr>
+              <a:t>git branch -M main </a:t>
+            </a:r>
+            <a:r>
+              <a:rPr lang="en-US" altLang="en-US" sz="1400" dirty="0">
+                <a:solidFill>
+                  <a:srgbClr val="00B050"/>
+                </a:solidFill>
+                <a:latin typeface="Arial Unicode MS"/>
+              </a:rPr>
+              <a:t>//rename the master branch to main [you can keep master though]</a:t>
+            </a:r>
+            <a:br>
+              <a:rPr kumimoji="0" lang="en-US" altLang="en-US" sz="1400" b="0" i="0" u="none" strike="noStrike" cap="none" normalizeH="0" baseline="0" dirty="0">
+                <a:ln>
+                  <a:noFill/>
+                </a:ln>
+                <a:solidFill>
+                  <a:schemeClr val="tx1"/>
+                </a:solidFill>
+                <a:effectLst/>
+                <a:latin typeface="Arial Unicode MS"/>
+              </a:rPr>
+            </a:br>
+            <a:r>
+              <a:rPr kumimoji="0" lang="en-US" altLang="en-US" sz="1400" b="0" i="0" u="none" strike="noStrike" cap="none" normalizeH="0" baseline="0" dirty="0">
+                <a:ln>
+                  <a:noFill/>
+                </a:ln>
+                <a:solidFill>
+                  <a:schemeClr val="tx1"/>
+                </a:solidFill>
+                <a:effectLst/>
+                <a:latin typeface="Arial Unicode MS"/>
+              </a:rPr>
+              <a:t>git</a:t>
+            </a:r>
+            <a:r>
+              <a:rPr kumimoji="0" lang="en-US" altLang="en-US" sz="1400" b="0" i="0" u="none" strike="noStrike" cap="none" normalizeH="0" dirty="0">
+                <a:ln>
+                  <a:noFill/>
+                </a:ln>
+                <a:solidFill>
+                  <a:schemeClr val="tx1"/>
+                </a:solidFill>
+                <a:effectLst/>
+                <a:latin typeface="Arial Unicode MS"/>
+              </a:rPr>
+              <a:t> </a:t>
+            </a:r>
+            <a:r>
+              <a:rPr kumimoji="0" lang="en-US" altLang="en-US" sz="1400" b="0" i="0" u="none" strike="noStrike" cap="none" normalizeH="0" baseline="0" dirty="0">
+                <a:ln>
+                  <a:noFill/>
+                </a:ln>
+                <a:solidFill>
+                  <a:schemeClr val="tx1"/>
+                </a:solidFill>
+                <a:effectLst/>
+                <a:latin typeface="Arial Unicode MS"/>
+              </a:rPr>
+              <a:t>push -u origin main</a:t>
+            </a:r>
+            <a:r>
+              <a:rPr kumimoji="0" lang="en-US" altLang="en-US" sz="900" b="0" i="0" u="none" strike="noStrike" cap="none" normalizeH="0" baseline="0" dirty="0">
+                <a:ln>
+                  <a:noFill/>
+                </a:ln>
+                <a:solidFill>
+                  <a:schemeClr val="tx1"/>
+                </a:solidFill>
+                <a:effectLst/>
+              </a:rPr>
+              <a:t> </a:t>
+            </a:r>
+            <a:r>
+              <a:rPr lang="en-US" altLang="en-US" sz="1000" dirty="0">
+                <a:solidFill>
+                  <a:srgbClr val="00B050"/>
+                </a:solidFill>
+                <a:latin typeface="Arial Unicode MS"/>
+              </a:rPr>
+              <a:t>//push to main [later</a:t>
+            </a:r>
+            <a:r>
+              <a:rPr lang="en-US" altLang="en-US" sz="1000" dirty="0">
+                <a:latin typeface="Arial Unicode MS"/>
+              </a:rPr>
+              <a:t>, git push </a:t>
+            </a:r>
+            <a:r>
+              <a:rPr lang="en-US" altLang="en-US" sz="1000" dirty="0">
+                <a:solidFill>
+                  <a:srgbClr val="00B050"/>
+                </a:solidFill>
+                <a:latin typeface="Arial Unicode MS"/>
+              </a:rPr>
+              <a:t>Is enough as you have defined the upstream branch using –u]</a:t>
+            </a:r>
+            <a:endParaRPr lang="en-US" altLang="en-US" sz="1400" dirty="0">
+              <a:solidFill>
+                <a:srgbClr val="00B050"/>
+              </a:solidFill>
+              <a:latin typeface="Arial Unicode MS"/>
+            </a:endParaRPr>
+          </a:p>
+        </p:txBody>
+      </p:sp>
+      <p:sp>
+        <p:nvSpPr>
+          <p:cNvPr id="10" name="Rectangle 1">
+            <a:extLst>
+              <a:ext uri="{FF2B5EF4-FFF2-40B4-BE49-F238E27FC236}">
+                <a16:creationId xmlns:a16="http://schemas.microsoft.com/office/drawing/2014/main" id="{E68813EE-3FEB-0184-F06D-05FFEEFED292}"/>
+              </a:ext>
+            </a:extLst>
+          </p:cNvPr>
+          <p:cNvSpPr>
+            <a:spLocks noChangeArrowheads="1"/>
+          </p:cNvSpPr>
+          <p:nvPr/>
+        </p:nvSpPr>
+        <p:spPr bwMode="auto">
+          <a:xfrm>
+            <a:off x="318812" y="3138332"/>
+            <a:ext cx="1547218" cy="307777"/>
+          </a:xfrm>
+          <a:prstGeom prst="rect">
+            <a:avLst/>
+          </a:prstGeom>
+          <a:noFill/>
+          <a:ln>
+            <a:noFill/>
+          </a:ln>
+          <a:effectLst/>
+          <a:extLst>
+            <a:ext uri="{909E8E84-426E-40DD-AFC4-6F175D3DCCD1}">
+              <a14:hiddenFill xmlns:a14="http://schemas.microsoft.com/office/drawing/2010/main">
+                <a:solidFill>
+                  <a:schemeClr val="accent1"/>
+                </a:solidFill>
+              </a14:hiddenFill>
+            </a:ext>
+            <a:ext uri="{91240B29-F687-4F45-9708-019B960494DF}">
+              <a14:hiddenLine xmlns:a14="http://schemas.microsoft.com/office/drawing/2010/main" w="9525">
+                <a:solidFill>
+                  <a:schemeClr val="tx1"/>
+                </a:solidFill>
+                <a:miter lim="800000"/>
+                <a:headEnd/>
+                <a:tailEnd/>
+              </a14:hiddenLine>
+            </a:ext>
+            <a:ext uri="{AF507438-7753-43E0-B8FC-AC1667EBCBE1}">
+              <a14:hiddenEffects xmlns:a14="http://schemas.microsoft.com/office/drawing/2010/main">
+                <a:effectLst>
+                  <a:outerShdw dist="35921" dir="2700000" algn="ctr" rotWithShape="0">
+                    <a:schemeClr val="bg2"/>
+                  </a:outerShdw>
+                </a:effectLst>
+              </a14:hiddenEffects>
+            </a:ext>
+          </a:extLst>
+        </p:spPr>
+        <p:txBody>
+          <a:bodyPr vert="horz" wrap="none" lIns="91440" tIns="45720" rIns="91440" bIns="45720" numCol="1" anchor="ctr" anchorCtr="0" compatLnSpc="1">
+            <a:prstTxWarp prst="textNoShape">
+              <a:avLst/>
+            </a:prstTxWarp>
+            <a:spAutoFit/>
+          </a:bodyPr>
+          <a:lstStyle/>
+          <a:p>
+            <a:pPr marL="0" marR="0" lvl="0" indent="0" algn="l" defTabSz="914400" rtl="0" eaLnBrk="0" fontAlgn="base" latinLnBrk="0" hangingPunct="0">
+              <a:lnSpc>
+                <a:spcPct val="100000"/>
+              </a:lnSpc>
+              <a:spcBef>
+                <a:spcPct val="0"/>
+              </a:spcBef>
+              <a:spcAft>
+                <a:spcPct val="0"/>
+              </a:spcAft>
+              <a:buClrTx/>
+              <a:buSzTx/>
+              <a:buFontTx/>
+              <a:buNone/>
+              <a:tabLst/>
+            </a:pPr>
+            <a:r>
+              <a:rPr lang="en-CA" altLang="en-US" sz="1400" dirty="0">
+                <a:latin typeface="Arial Unicode MS"/>
+              </a:rPr>
+              <a:t>Open git terminal</a:t>
+            </a:r>
+            <a:endParaRPr kumimoji="0" lang="en-US" altLang="en-US" sz="3200" b="0" i="0" u="none" strike="noStrike" cap="none" normalizeH="0" baseline="0" dirty="0">
+              <a:ln>
+                <a:noFill/>
+              </a:ln>
+              <a:effectLst/>
+              <a:latin typeface="Arial" panose="020B0604020202020204" pitchFamily="34" charset="0"/>
+            </a:endParaRPr>
+          </a:p>
+        </p:txBody>
+      </p:sp>
+      <p:sp>
+        <p:nvSpPr>
+          <p:cNvPr id="13" name="Rectangle 1">
+            <a:extLst>
+              <a:ext uri="{FF2B5EF4-FFF2-40B4-BE49-F238E27FC236}">
+                <a16:creationId xmlns:a16="http://schemas.microsoft.com/office/drawing/2014/main" id="{7F88E7E9-C84D-3E1D-D323-2A533D7530DC}"/>
+              </a:ext>
+            </a:extLst>
+          </p:cNvPr>
+          <p:cNvSpPr>
+            <a:spLocks noChangeArrowheads="1"/>
+          </p:cNvSpPr>
+          <p:nvPr/>
+        </p:nvSpPr>
+        <p:spPr bwMode="auto">
+          <a:xfrm>
+            <a:off x="326986" y="3657261"/>
+            <a:ext cx="3078087" cy="307777"/>
+          </a:xfrm>
+          <a:prstGeom prst="rect">
+            <a:avLst/>
+          </a:prstGeom>
+          <a:noFill/>
+          <a:ln>
+            <a:noFill/>
+          </a:ln>
+          <a:effectLst/>
+          <a:extLst>
+            <a:ext uri="{909E8E84-426E-40DD-AFC4-6F175D3DCCD1}">
+              <a14:hiddenFill xmlns:a14="http://schemas.microsoft.com/office/drawing/2010/main">
+                <a:solidFill>
+                  <a:schemeClr val="accent1"/>
+                </a:solidFill>
+              </a14:hiddenFill>
+            </a:ext>
+            <a:ext uri="{91240B29-F687-4F45-9708-019B960494DF}">
+              <a14:hiddenLine xmlns:a14="http://schemas.microsoft.com/office/drawing/2010/main" w="9525">
+                <a:solidFill>
+                  <a:schemeClr val="tx1"/>
+                </a:solidFill>
+                <a:miter lim="800000"/>
+                <a:headEnd/>
+                <a:tailEnd/>
+              </a14:hiddenLine>
+            </a:ext>
+            <a:ext uri="{AF507438-7753-43E0-B8FC-AC1667EBCBE1}">
+              <a14:hiddenEffects xmlns:a14="http://schemas.microsoft.com/office/drawing/2010/main">
+                <a:effectLst>
+                  <a:outerShdw dist="35921" dir="2700000" algn="ctr" rotWithShape="0">
+                    <a:schemeClr val="bg2"/>
+                  </a:outerShdw>
+                </a:effectLst>
+              </a14:hiddenEffects>
+            </a:ext>
+          </a:extLst>
+        </p:spPr>
+        <p:txBody>
+          <a:bodyPr vert="horz" wrap="none" lIns="91440" tIns="45720" rIns="91440" bIns="45720" numCol="1" anchor="ctr" anchorCtr="0" compatLnSpc="1">
+            <a:prstTxWarp prst="textNoShape">
+              <a:avLst/>
+            </a:prstTxWarp>
+            <a:spAutoFit/>
+          </a:bodyPr>
+          <a:lstStyle/>
+          <a:p>
+            <a:pPr marL="0" marR="0" lvl="0" indent="0" algn="l" defTabSz="914400" rtl="0" eaLnBrk="0" fontAlgn="base" latinLnBrk="0" hangingPunct="0">
+              <a:lnSpc>
+                <a:spcPct val="100000"/>
+              </a:lnSpc>
+              <a:spcBef>
+                <a:spcPct val="0"/>
+              </a:spcBef>
+              <a:spcAft>
+                <a:spcPct val="0"/>
+              </a:spcAft>
+              <a:buClrTx/>
+              <a:buSzTx/>
+              <a:buFontTx/>
+              <a:buNone/>
+              <a:tabLst/>
+            </a:pPr>
+            <a:r>
+              <a:rPr lang="en-CA" altLang="en-US" sz="1400" dirty="0">
+                <a:latin typeface="Arial Unicode MS"/>
+              </a:rPr>
+              <a:t>Change directory to hackathon-react</a:t>
+            </a:r>
+            <a:endParaRPr kumimoji="0" lang="en-US" altLang="en-US" sz="3200" b="0" i="0" u="none" strike="noStrike" cap="none" normalizeH="0" baseline="0" dirty="0">
+              <a:ln>
+                <a:noFill/>
+              </a:ln>
+              <a:effectLst/>
+              <a:latin typeface="Arial" panose="020B0604020202020204" pitchFamily="34" charset="0"/>
+            </a:endParaRPr>
+          </a:p>
+        </p:txBody>
+      </p:sp>
+      <p:sp>
+        <p:nvSpPr>
+          <p:cNvPr id="15" name="Rectangle 1">
+            <a:extLst>
+              <a:ext uri="{FF2B5EF4-FFF2-40B4-BE49-F238E27FC236}">
+                <a16:creationId xmlns:a16="http://schemas.microsoft.com/office/drawing/2014/main" id="{1EB0F432-96DC-1412-6B59-77ED3EF9AC78}"/>
+              </a:ext>
+            </a:extLst>
+          </p:cNvPr>
+          <p:cNvSpPr>
+            <a:spLocks noChangeArrowheads="1"/>
+          </p:cNvSpPr>
+          <p:nvPr/>
+        </p:nvSpPr>
+        <p:spPr bwMode="auto">
+          <a:xfrm>
+            <a:off x="339653" y="4123264"/>
+            <a:ext cx="5738713" cy="677108"/>
+          </a:xfrm>
+          <a:prstGeom prst="rect">
+            <a:avLst/>
+          </a:prstGeom>
+          <a:noFill/>
+          <a:ln>
+            <a:noFill/>
+          </a:ln>
+          <a:effectLst/>
+          <a:extLst>
+            <a:ext uri="{909E8E84-426E-40DD-AFC4-6F175D3DCCD1}">
+              <a14:hiddenFill xmlns:a14="http://schemas.microsoft.com/office/drawing/2010/main">
+                <a:solidFill>
+                  <a:schemeClr val="accent1"/>
+                </a:solidFill>
+              </a14:hiddenFill>
+            </a:ext>
+            <a:ext uri="{91240B29-F687-4F45-9708-019B960494DF}">
+              <a14:hiddenLine xmlns:a14="http://schemas.microsoft.com/office/drawing/2010/main" w="9525">
+                <a:solidFill>
+                  <a:schemeClr val="tx1"/>
+                </a:solidFill>
+                <a:miter lim="800000"/>
+                <a:headEnd/>
+                <a:tailEnd/>
+              </a14:hiddenLine>
+            </a:ext>
+            <a:ext uri="{AF507438-7753-43E0-B8FC-AC1667EBCBE1}">
+              <a14:hiddenEffects xmlns:a14="http://schemas.microsoft.com/office/drawing/2010/main">
+                <a:effectLst>
+                  <a:outerShdw dist="35921" dir="2700000" algn="ctr" rotWithShape="0">
+                    <a:schemeClr val="bg2"/>
+                  </a:outerShdw>
+                </a:effectLst>
+              </a14:hiddenEffects>
+            </a:ext>
+          </a:extLst>
+        </p:spPr>
+        <p:txBody>
+          <a:bodyPr vert="horz" wrap="square" lIns="91440" tIns="45720" rIns="91440" bIns="45720" numCol="1" anchor="ctr" anchorCtr="0" compatLnSpc="1">
+            <a:prstTxWarp prst="textNoShape">
+              <a:avLst/>
+            </a:prstTxWarp>
+            <a:spAutoFit/>
+          </a:bodyPr>
+          <a:lstStyle/>
+          <a:p>
+            <a:pPr marL="0" marR="0" lvl="0" indent="0" algn="l" defTabSz="914400" rtl="0" eaLnBrk="0" fontAlgn="base" latinLnBrk="0" hangingPunct="0">
+              <a:lnSpc>
+                <a:spcPct val="100000"/>
+              </a:lnSpc>
+              <a:spcBef>
+                <a:spcPct val="0"/>
+              </a:spcBef>
+              <a:spcAft>
+                <a:spcPct val="0"/>
+              </a:spcAft>
+              <a:buClrTx/>
+              <a:buSzTx/>
+              <a:buFontTx/>
+              <a:buNone/>
+              <a:tabLst/>
+            </a:pPr>
+            <a:r>
+              <a:rPr lang="en-CA" altLang="en-US" sz="1200" dirty="0">
+                <a:solidFill>
+                  <a:srgbClr val="00B050"/>
+                </a:solidFill>
+                <a:latin typeface="Arial Unicode MS"/>
+              </a:rPr>
+              <a:t>Create a .dockerignore file and add node_modules to it </a:t>
+            </a:r>
+            <a:r>
+              <a:rPr lang="en-CA" altLang="en-US" sz="1200" dirty="0">
+                <a:solidFill>
+                  <a:srgbClr val="00B050"/>
+                </a:solidFill>
+                <a:highlight>
+                  <a:srgbClr val="FFFF00"/>
+                </a:highlight>
+                <a:latin typeface="Arial Unicode MS"/>
+              </a:rPr>
+              <a:t>[if no ignore file was created by creact-react-app under tracker-frontend]</a:t>
+            </a:r>
+          </a:p>
+          <a:p>
+            <a:pPr lvl="0" defTabSz="914400" eaLnBrk="0" fontAlgn="base" hangingPunct="0">
+              <a:spcBef>
+                <a:spcPct val="0"/>
+              </a:spcBef>
+              <a:spcAft>
+                <a:spcPct val="0"/>
+              </a:spcAft>
+            </a:pPr>
+            <a:r>
+              <a:rPr lang="en-CA" altLang="en-US" sz="1400" dirty="0">
+                <a:latin typeface="Arial Unicode MS"/>
+              </a:rPr>
+              <a:t>echo “./tracker-frontend/node_modules” &gt; .dockerignore</a:t>
+            </a:r>
+          </a:p>
+        </p:txBody>
+      </p:sp>
+      <p:sp>
+        <p:nvSpPr>
+          <p:cNvPr id="16" name="Rectangle 1">
+            <a:extLst>
+              <a:ext uri="{FF2B5EF4-FFF2-40B4-BE49-F238E27FC236}">
+                <a16:creationId xmlns:a16="http://schemas.microsoft.com/office/drawing/2014/main" id="{F2CBE78B-4DAC-45CA-DF66-777FA25AEE4D}"/>
+              </a:ext>
+            </a:extLst>
+          </p:cNvPr>
+          <p:cNvSpPr>
+            <a:spLocks noChangeArrowheads="1"/>
+          </p:cNvSpPr>
+          <p:nvPr/>
+        </p:nvSpPr>
+        <p:spPr bwMode="auto">
+          <a:xfrm>
+            <a:off x="318812" y="7030492"/>
+            <a:ext cx="7356501" cy="307777"/>
+          </a:xfrm>
+          <a:prstGeom prst="rect">
+            <a:avLst/>
+          </a:prstGeom>
+          <a:noFill/>
+          <a:ln>
+            <a:noFill/>
+          </a:ln>
+          <a:effectLst/>
+          <a:extLst>
+            <a:ext uri="{909E8E84-426E-40DD-AFC4-6F175D3DCCD1}">
+              <a14:hiddenFill xmlns:a14="http://schemas.microsoft.com/office/drawing/2010/main">
+                <a:solidFill>
+                  <a:schemeClr val="accent1"/>
+                </a:solidFill>
+              </a14:hiddenFill>
+            </a:ext>
+            <a:ext uri="{91240B29-F687-4F45-9708-019B960494DF}">
+              <a14:hiddenLine xmlns:a14="http://schemas.microsoft.com/office/drawing/2010/main" w="9525">
+                <a:solidFill>
+                  <a:schemeClr val="tx1"/>
+                </a:solidFill>
+                <a:miter lim="800000"/>
+                <a:headEnd/>
+                <a:tailEnd/>
+              </a14:hiddenLine>
+            </a:ext>
+            <a:ext uri="{AF507438-7753-43E0-B8FC-AC1667EBCBE1}">
+              <a14:hiddenEffects xmlns:a14="http://schemas.microsoft.com/office/drawing/2010/main">
+                <a:effectLst>
+                  <a:outerShdw dist="35921" dir="2700000" algn="ctr" rotWithShape="0">
+                    <a:schemeClr val="bg2"/>
+                  </a:outerShdw>
+                </a:effectLst>
+              </a14:hiddenEffects>
+            </a:ext>
+          </a:extLst>
+        </p:spPr>
+        <p:txBody>
+          <a:bodyPr vert="horz" wrap="none" lIns="91440" tIns="45720" rIns="91440" bIns="45720" numCol="1" anchor="ctr" anchorCtr="0" compatLnSpc="1">
+            <a:prstTxWarp prst="textNoShape">
+              <a:avLst/>
+            </a:prstTxWarp>
+            <a:spAutoFit/>
+          </a:bodyPr>
+          <a:lstStyle/>
+          <a:p>
+            <a:pPr marL="0" marR="0" lvl="0" indent="0" algn="l" defTabSz="914400" rtl="0" eaLnBrk="0" fontAlgn="base" latinLnBrk="0" hangingPunct="0">
+              <a:lnSpc>
+                <a:spcPct val="100000"/>
+              </a:lnSpc>
+              <a:spcBef>
+                <a:spcPct val="0"/>
+              </a:spcBef>
+              <a:spcAft>
+                <a:spcPct val="0"/>
+              </a:spcAft>
+              <a:buClrTx/>
+              <a:buSzTx/>
+              <a:buFontTx/>
+              <a:buNone/>
+              <a:tabLst/>
+            </a:pPr>
+            <a:r>
+              <a:rPr lang="en-CA" altLang="en-US" sz="1400" dirty="0">
+                <a:latin typeface="Arial Unicode MS"/>
+              </a:rPr>
+              <a:t>From now on, you can deliver your changes anytime you please. Will not remind you again.</a:t>
+            </a:r>
+            <a:endParaRPr kumimoji="0" lang="en-US" altLang="en-US" sz="3200" b="0" i="0" u="none" strike="noStrike" cap="none" normalizeH="0" baseline="0" dirty="0">
+              <a:ln>
+                <a:noFill/>
+              </a:ln>
+              <a:effectLst/>
+              <a:latin typeface="Arial" panose="020B0604020202020204" pitchFamily="34" charset="0"/>
+            </a:endParaRPr>
+          </a:p>
+        </p:txBody>
+      </p:sp>
+    </p:spTree>
+    <p:extLst>
+      <p:ext uri="{BB962C8B-B14F-4D97-AF65-F5344CB8AC3E}">
+        <p14:creationId xmlns:p14="http://schemas.microsoft.com/office/powerpoint/2010/main" val="496415087"/>
+      </p:ext>
+    </p:extLst>
+  </p:cSld>
+  <p:clrMapOvr>
+    <a:masterClrMapping/>
+  </p:clrMapOvr>
+  <p:timing>
+    <p:tnLst>
+      <p:par>
+        <p:cTn id="1" dur="indefinite" restart="never" nodeType="tmRoot">
+          <p:childTnLst>
+            <p:seq concurrent="1" nextAc="seek">
+              <p:cTn id="2" dur="indefinite" nodeType="mainSeq">
+                <p:childTnLst>
+                  <p:par>
+                    <p:cTn id="3" fill="hold">
+                      <p:stCondLst>
+                        <p:cond delay="indefinite"/>
+                      </p:stCondLst>
+                      <p:childTnLst>
+                        <p:par>
+                          <p:cTn id="4" fill="hold">
+                            <p:stCondLst>
+                              <p:cond delay="0"/>
+                            </p:stCondLst>
+                            <p:childTnLst>
+                              <p:par>
+                                <p:cTn id="5" presetID="1" presetClass="entr" presetSubtype="0" fill="hold" grpId="0" nodeType="clickEffect">
+                                  <p:stCondLst>
+                                    <p:cond delay="0"/>
+                                  </p:stCondLst>
+                                  <p:childTnLst>
+                                    <p:set>
+                                      <p:cBhvr>
+                                        <p:cTn id="6" dur="1" fill="hold">
+                                          <p:stCondLst>
+                                            <p:cond delay="0"/>
+                                          </p:stCondLst>
+                                        </p:cTn>
+                                        <p:tgtEl>
+                                          <p:spTgt spid="6"/>
+                                        </p:tgtEl>
+                                        <p:attrNameLst>
+                                          <p:attrName>style.visibility</p:attrName>
+                                        </p:attrNameLst>
+                                      </p:cBhvr>
+                                      <p:to>
+                                        <p:strVal val="visible"/>
+                                      </p:to>
+                                    </p:set>
+                                  </p:childTnLst>
+                                </p:cTn>
+                              </p:par>
+                            </p:childTnLst>
+                          </p:cTn>
+                        </p:par>
+                      </p:childTnLst>
+                    </p:cTn>
+                  </p:par>
+                  <p:par>
+                    <p:cTn id="7" fill="hold">
+                      <p:stCondLst>
+                        <p:cond delay="indefinite"/>
+                      </p:stCondLst>
+                      <p:childTnLst>
+                        <p:par>
+                          <p:cTn id="8" fill="hold">
+                            <p:stCondLst>
+                              <p:cond delay="0"/>
+                            </p:stCondLst>
+                            <p:childTnLst>
+                              <p:par>
+                                <p:cTn id="9" presetID="1" presetClass="entr" presetSubtype="0" fill="hold" grpId="0" nodeType="clickEffect">
+                                  <p:stCondLst>
+                                    <p:cond delay="0"/>
+                                  </p:stCondLst>
+                                  <p:childTnLst>
+                                    <p:set>
+                                      <p:cBhvr>
+                                        <p:cTn id="10" dur="1" fill="hold">
+                                          <p:stCondLst>
+                                            <p:cond delay="0"/>
+                                          </p:stCondLst>
+                                        </p:cTn>
+                                        <p:tgtEl>
+                                          <p:spTgt spid="10"/>
+                                        </p:tgtEl>
+                                        <p:attrNameLst>
+                                          <p:attrName>style.visibility</p:attrName>
+                                        </p:attrNameLst>
+                                      </p:cBhvr>
+                                      <p:to>
+                                        <p:strVal val="visible"/>
+                                      </p:to>
+                                    </p:set>
+                                  </p:childTnLst>
+                                </p:cTn>
+                              </p:par>
+                            </p:childTnLst>
+                          </p:cTn>
+                        </p:par>
+                      </p:childTnLst>
+                    </p:cTn>
+                  </p:par>
+                  <p:par>
+                    <p:cTn id="11" fill="hold">
+                      <p:stCondLst>
+                        <p:cond delay="indefinite"/>
+                      </p:stCondLst>
+                      <p:childTnLst>
+                        <p:par>
+                          <p:cTn id="12" fill="hold">
+                            <p:stCondLst>
+                              <p:cond delay="0"/>
+                            </p:stCondLst>
+                            <p:childTnLst>
+                              <p:par>
+                                <p:cTn id="13" presetID="1" presetClass="entr" presetSubtype="0" fill="hold" grpId="0" nodeType="clickEffect">
+                                  <p:stCondLst>
+                                    <p:cond delay="0"/>
+                                  </p:stCondLst>
+                                  <p:childTnLst>
+                                    <p:set>
+                                      <p:cBhvr>
+                                        <p:cTn id="14" dur="1" fill="hold">
+                                          <p:stCondLst>
+                                            <p:cond delay="0"/>
+                                          </p:stCondLst>
+                                        </p:cTn>
+                                        <p:tgtEl>
+                                          <p:spTgt spid="13"/>
+                                        </p:tgtEl>
+                                        <p:attrNameLst>
+                                          <p:attrName>style.visibility</p:attrName>
+                                        </p:attrNameLst>
+                                      </p:cBhvr>
+                                      <p:to>
+                                        <p:strVal val="visible"/>
+                                      </p:to>
+                                    </p:set>
+                                  </p:childTnLst>
+                                </p:cTn>
+                              </p:par>
+                            </p:childTnLst>
+                          </p:cTn>
+                        </p:par>
+                      </p:childTnLst>
+                    </p:cTn>
+                  </p:par>
+                  <p:par>
+                    <p:cTn id="15" fill="hold">
+                      <p:stCondLst>
+                        <p:cond delay="indefinite"/>
+                      </p:stCondLst>
+                      <p:childTnLst>
+                        <p:par>
+                          <p:cTn id="16" fill="hold">
+                            <p:stCondLst>
+                              <p:cond delay="0"/>
+                            </p:stCondLst>
+                            <p:childTnLst>
+                              <p:par>
+                                <p:cTn id="17" presetID="1" presetClass="entr" presetSubtype="0" fill="hold" grpId="0" nodeType="clickEffect">
+                                  <p:stCondLst>
+                                    <p:cond delay="0"/>
+                                  </p:stCondLst>
+                                  <p:childTnLst>
+                                    <p:set>
+                                      <p:cBhvr>
+                                        <p:cTn id="18" dur="1" fill="hold">
+                                          <p:stCondLst>
+                                            <p:cond delay="0"/>
+                                          </p:stCondLst>
+                                        </p:cTn>
+                                        <p:tgtEl>
+                                          <p:spTgt spid="15"/>
+                                        </p:tgtEl>
+                                        <p:attrNameLst>
+                                          <p:attrName>style.visibility</p:attrName>
+                                        </p:attrNameLst>
+                                      </p:cBhvr>
+                                      <p:to>
+                                        <p:strVal val="visible"/>
+                                      </p:to>
+                                    </p:set>
+                                  </p:childTnLst>
+                                </p:cTn>
+                              </p:par>
+                            </p:childTnLst>
+                          </p:cTn>
+                        </p:par>
+                      </p:childTnLst>
+                    </p:cTn>
+                  </p:par>
+                  <p:par>
+                    <p:cTn id="19" fill="hold">
+                      <p:stCondLst>
+                        <p:cond delay="indefinite"/>
+                      </p:stCondLst>
+                      <p:childTnLst>
+                        <p:par>
+                          <p:cTn id="20" fill="hold">
+                            <p:stCondLst>
+                              <p:cond delay="0"/>
+                            </p:stCondLst>
+                            <p:childTnLst>
+                              <p:par>
+                                <p:cTn id="21" presetID="1" presetClass="entr" presetSubtype="0" fill="hold" grpId="0" nodeType="clickEffect">
+                                  <p:stCondLst>
+                                    <p:cond delay="0"/>
+                                  </p:stCondLst>
+                                  <p:childTnLst>
+                                    <p:set>
+                                      <p:cBhvr>
+                                        <p:cTn id="22" dur="1" fill="hold">
+                                          <p:stCondLst>
+                                            <p:cond delay="0"/>
+                                          </p:stCondLst>
+                                        </p:cTn>
+                                        <p:tgtEl>
+                                          <p:spTgt spid="8"/>
+                                        </p:tgtEl>
+                                        <p:attrNameLst>
+                                          <p:attrName>style.visibility</p:attrName>
+                                        </p:attrNameLst>
+                                      </p:cBhvr>
+                                      <p:to>
+                                        <p:strVal val="visible"/>
+                                      </p:to>
+                                    </p:set>
+                                  </p:childTnLst>
+                                </p:cTn>
+                              </p:par>
+                            </p:childTnLst>
+                          </p:cTn>
+                        </p:par>
+                      </p:childTnLst>
+                    </p:cTn>
+                  </p:par>
+                  <p:par>
+                    <p:cTn id="23" fill="hold">
+                      <p:stCondLst>
+                        <p:cond delay="indefinite"/>
+                      </p:stCondLst>
+                      <p:childTnLst>
+                        <p:par>
+                          <p:cTn id="24" fill="hold">
+                            <p:stCondLst>
+                              <p:cond delay="0"/>
+                            </p:stCondLst>
+                            <p:childTnLst>
+                              <p:par>
+                                <p:cTn id="25" presetID="1" presetClass="entr" presetSubtype="0" fill="hold" grpId="0" nodeType="clickEffect">
+                                  <p:stCondLst>
+                                    <p:cond delay="0"/>
+                                  </p:stCondLst>
+                                  <p:childTnLst>
+                                    <p:set>
+                                      <p:cBhvr>
+                                        <p:cTn id="26" dur="1" fill="hold">
+                                          <p:stCondLst>
+                                            <p:cond delay="0"/>
+                                          </p:stCondLst>
+                                        </p:cTn>
+                                        <p:tgtEl>
+                                          <p:spTgt spid="16"/>
+                                        </p:tgtEl>
+                                        <p:attrNameLst>
+                                          <p:attrName>style.visibility</p:attrName>
+                                        </p:attrNameLst>
+                                      </p:cBhvr>
+                                      <p:to>
+                                        <p:strVal val="visible"/>
+                                      </p:to>
+                                    </p:set>
+                                  </p:childTnLst>
+                                </p:cTn>
+                              </p:par>
+                            </p:childTnLst>
+                          </p:cTn>
+                        </p:par>
+                      </p:childTnLst>
+                    </p:cTn>
+                  </p:par>
+                </p:childTnLst>
+              </p:cTn>
+              <p:prevCondLst>
+                <p:cond evt="onPrev" delay="0">
+                  <p:tgtEl>
+                    <p:sldTgt/>
+                  </p:tgtEl>
+                </p:cond>
+              </p:prevCondLst>
+              <p:nextCondLst>
+                <p:cond evt="onNext" delay="0">
+                  <p:tgtEl>
+                    <p:sldTgt/>
+                  </p:tgtEl>
+                </p:cond>
+              </p:nextCondLst>
+            </p:seq>
+          </p:childTnLst>
+        </p:cTn>
+      </p:par>
+    </p:tnLst>
+    <p:bldLst>
+      <p:bldP spid="6" grpId="0"/>
+      <p:bldP spid="8" grpId="0"/>
+      <p:bldP spid="10" grpId="0"/>
+      <p:bldP spid="13" grpId="0"/>
+      <p:bldP spid="15" grpId="0"/>
+      <p:bldP spid="16" grpId="0"/>
+    </p:bldLst>
+  </p:timing>
+</p:sld>
+</file>
+
+<file path=ppt/slides/slide15.xml><?xml version="1.0" encoding="utf-8"?>
+<p:sld xmlns:a="http://schemas.openxmlformats.org/drawingml/2006/main" xmlns:r="http://schemas.openxmlformats.org/officeDocument/2006/relationships" xmlns:p="http://schemas.openxmlformats.org/presentationml/2006/main">
+  <p:cSld>
+    <p:spTree>
+      <p:nvGrpSpPr>
+        <p:cNvPr id="1" name=""/>
+        <p:cNvGrpSpPr/>
+        <p:nvPr/>
+      </p:nvGrpSpPr>
+      <p:grpSpPr>
+        <a:xfrm>
+          <a:off x="0" y="0"/>
+          <a:ext cx="0" cy="0"/>
+          <a:chOff x="0" y="0"/>
+          <a:chExt cx="0" cy="0"/>
+        </a:xfrm>
+      </p:grpSpPr>
+      <p:pic>
+        <p:nvPicPr>
+          <p:cNvPr id="8" name="Picture 7">
+            <a:extLst>
+              <a:ext uri="{FF2B5EF4-FFF2-40B4-BE49-F238E27FC236}">
+                <a16:creationId xmlns:a16="http://schemas.microsoft.com/office/drawing/2014/main" id="{32C46E17-702B-3D82-DF10-227FEAC2D131}"/>
+              </a:ext>
+            </a:extLst>
+          </p:cNvPr>
+          <p:cNvPicPr>
+            <a:picLocks noChangeAspect="1"/>
+          </p:cNvPicPr>
+          <p:nvPr/>
+        </p:nvPicPr>
+        <p:blipFill>
+          <a:blip r:embed="rId3"/>
+          <a:stretch>
+            <a:fillRect/>
+          </a:stretch>
+        </p:blipFill>
+        <p:spPr>
+          <a:xfrm>
+            <a:off x="452359" y="2302785"/>
+            <a:ext cx="2190750" cy="2190750"/>
+          </a:xfrm>
+          <a:prstGeom prst="rect">
+            <a:avLst/>
+          </a:prstGeom>
+        </p:spPr>
+      </p:pic>
+      <p:pic>
+        <p:nvPicPr>
+          <p:cNvPr id="14" name="Picture 13">
+            <a:extLst>
+              <a:ext uri="{FF2B5EF4-FFF2-40B4-BE49-F238E27FC236}">
+                <a16:creationId xmlns:a16="http://schemas.microsoft.com/office/drawing/2014/main" id="{E8674C97-D652-5D93-4613-489DDC2FA6CC}"/>
+              </a:ext>
+            </a:extLst>
+          </p:cNvPr>
+          <p:cNvPicPr>
+            <a:picLocks noChangeAspect="1"/>
+          </p:cNvPicPr>
+          <p:nvPr/>
+        </p:nvPicPr>
+        <p:blipFill>
+          <a:blip r:embed="rId4"/>
+          <a:stretch>
+            <a:fillRect/>
+          </a:stretch>
+        </p:blipFill>
+        <p:spPr>
+          <a:xfrm>
+            <a:off x="3886200" y="2302785"/>
+            <a:ext cx="2314575" cy="3981450"/>
+          </a:xfrm>
+          <a:prstGeom prst="rect">
+            <a:avLst/>
+          </a:prstGeom>
+        </p:spPr>
+      </p:pic>
+      <p:cxnSp>
+        <p:nvCxnSpPr>
+          <p:cNvPr id="16" name="Connector: Elbow 15">
+            <a:extLst>
+              <a:ext uri="{FF2B5EF4-FFF2-40B4-BE49-F238E27FC236}">
+                <a16:creationId xmlns:a16="http://schemas.microsoft.com/office/drawing/2014/main" id="{F9849134-F2E1-27D6-FC0D-001BA524FEC4}"/>
+              </a:ext>
+            </a:extLst>
+          </p:cNvPr>
+          <p:cNvCxnSpPr>
+            <a:cxnSpLocks/>
+            <a:endCxn id="14" idx="1"/>
+          </p:cNvCxnSpPr>
+          <p:nvPr/>
+        </p:nvCxnSpPr>
+        <p:spPr>
+          <a:xfrm>
+            <a:off x="1990491" y="2446285"/>
+            <a:ext cx="1895709" cy="1847225"/>
+          </a:xfrm>
+          <a:prstGeom prst="bentConnector3">
+            <a:avLst/>
+          </a:prstGeom>
+          <a:ln>
+            <a:tailEnd type="triangle"/>
+          </a:ln>
+        </p:spPr>
+        <p:style>
+          <a:lnRef idx="1">
+            <a:schemeClr val="accent1"/>
+          </a:lnRef>
+          <a:fillRef idx="0">
+            <a:schemeClr val="accent1"/>
+          </a:fillRef>
+          <a:effectRef idx="0">
+            <a:schemeClr val="accent1"/>
+          </a:effectRef>
+          <a:fontRef idx="minor">
+            <a:schemeClr val="tx1"/>
+          </a:fontRef>
+        </p:style>
+      </p:cxnSp>
+      <p:sp>
+        <p:nvSpPr>
+          <p:cNvPr id="20" name="Rectangle 19">
+            <a:extLst>
+              <a:ext uri="{FF2B5EF4-FFF2-40B4-BE49-F238E27FC236}">
+                <a16:creationId xmlns:a16="http://schemas.microsoft.com/office/drawing/2014/main" id="{73833828-55BA-075C-2FAC-DA17ABE2F4F0}"/>
+              </a:ext>
+            </a:extLst>
+          </p:cNvPr>
+          <p:cNvSpPr/>
+          <p:nvPr/>
+        </p:nvSpPr>
+        <p:spPr>
+          <a:xfrm>
+            <a:off x="226503" y="110151"/>
+            <a:ext cx="6765570" cy="1323439"/>
+          </a:xfrm>
+          <a:prstGeom prst="rect">
+            <a:avLst/>
+          </a:prstGeom>
+          <a:noFill/>
+        </p:spPr>
+        <p:txBody>
+          <a:bodyPr wrap="none" lIns="91440" tIns="45720" rIns="91440" bIns="45720">
+            <a:spAutoFit/>
+          </a:bodyPr>
+          <a:lstStyle/>
+          <a:p>
+            <a:pPr algn="ctr"/>
+            <a:r>
+              <a:rPr lang="en-US" sz="4000" b="0" cap="none" spc="0" dirty="0">
+                <a:ln w="0"/>
+                <a:solidFill>
+                  <a:schemeClr val="tx1"/>
+                </a:solidFill>
+                <a:effectLst>
+                  <a:outerShdw blurRad="38100" dist="19050" dir="2700000" algn="tl" rotWithShape="0">
+                    <a:schemeClr val="dk1">
+                      <a:alpha val="40000"/>
+                    </a:schemeClr>
+                  </a:outerShdw>
+                </a:effectLst>
+              </a:rPr>
+              <a:t>The most important libraries</a:t>
+            </a:r>
+          </a:p>
+          <a:p>
+            <a:pPr algn="ctr"/>
+            <a:r>
+              <a:rPr lang="en-US" sz="4000" dirty="0">
+                <a:ln w="0"/>
+                <a:effectLst>
+                  <a:outerShdw blurRad="38100" dist="19050" dir="2700000" algn="tl" rotWithShape="0">
+                    <a:schemeClr val="dk1">
+                      <a:alpha val="40000"/>
+                    </a:schemeClr>
+                  </a:outerShdw>
+                </a:effectLst>
+              </a:rPr>
+              <a:t>we will use</a:t>
+            </a:r>
+            <a:endParaRPr lang="en-US" sz="4000" b="0" cap="none" spc="0" dirty="0">
+              <a:ln w="0"/>
+              <a:solidFill>
+                <a:schemeClr val="tx1"/>
+              </a:solidFill>
+              <a:effectLst>
+                <a:outerShdw blurRad="38100" dist="19050" dir="2700000" algn="tl" rotWithShape="0">
+                  <a:schemeClr val="dk1">
+                    <a:alpha val="40000"/>
+                  </a:schemeClr>
+                </a:outerShdw>
+              </a:effectLst>
+            </a:endParaRPr>
+          </a:p>
+        </p:txBody>
+      </p:sp>
+      <p:sp>
+        <p:nvSpPr>
+          <p:cNvPr id="3" name="Rectangle 2">
+            <a:extLst>
+              <a:ext uri="{FF2B5EF4-FFF2-40B4-BE49-F238E27FC236}">
+                <a16:creationId xmlns:a16="http://schemas.microsoft.com/office/drawing/2014/main" id="{E591361D-7684-D950-22C9-7B4304CDA557}"/>
+              </a:ext>
+            </a:extLst>
+          </p:cNvPr>
+          <p:cNvSpPr/>
+          <p:nvPr/>
+        </p:nvSpPr>
+        <p:spPr>
+          <a:xfrm>
+            <a:off x="3322928" y="1680360"/>
+            <a:ext cx="3813673" cy="584775"/>
+          </a:xfrm>
+          <a:prstGeom prst="rect">
+            <a:avLst/>
+          </a:prstGeom>
+          <a:noFill/>
+        </p:spPr>
+        <p:txBody>
+          <a:bodyPr wrap="none" lIns="91440" tIns="45720" rIns="91440" bIns="45720">
+            <a:spAutoFit/>
+          </a:bodyPr>
+          <a:lstStyle/>
+          <a:p>
+            <a:pPr algn="ctr"/>
+            <a:r>
+              <a:rPr lang="en-US" sz="3200" b="0" cap="none" spc="0" dirty="0">
+                <a:ln w="0"/>
+                <a:solidFill>
+                  <a:srgbClr val="C00000"/>
+                </a:solidFill>
+                <a:effectLst>
+                  <a:outerShdw blurRad="38100" dist="19050" dir="2700000" algn="tl" rotWithShape="0">
+                    <a:schemeClr val="dk1">
+                      <a:alpha val="40000"/>
+                    </a:schemeClr>
+                  </a:outerShdw>
+                </a:effectLst>
+              </a:rPr>
+              <a:t>Explicitly via import</a:t>
+            </a:r>
+          </a:p>
+        </p:txBody>
+      </p:sp>
+      <p:pic>
+        <p:nvPicPr>
+          <p:cNvPr id="5" name="Picture 4">
+            <a:extLst>
+              <a:ext uri="{FF2B5EF4-FFF2-40B4-BE49-F238E27FC236}">
+                <a16:creationId xmlns:a16="http://schemas.microsoft.com/office/drawing/2014/main" id="{EB3FCB4F-99C4-FE3D-9666-CFE94256CE59}"/>
+              </a:ext>
+            </a:extLst>
+          </p:cNvPr>
+          <p:cNvPicPr>
+            <a:picLocks noChangeAspect="1"/>
+          </p:cNvPicPr>
+          <p:nvPr/>
+        </p:nvPicPr>
+        <p:blipFill>
+          <a:blip r:embed="rId5"/>
+          <a:stretch>
+            <a:fillRect/>
+          </a:stretch>
+        </p:blipFill>
+        <p:spPr>
+          <a:xfrm>
+            <a:off x="3886200" y="7231310"/>
+            <a:ext cx="2332099" cy="2449585"/>
+          </a:xfrm>
+          <a:prstGeom prst="rect">
+            <a:avLst/>
+          </a:prstGeom>
+        </p:spPr>
+      </p:pic>
+      <p:sp>
+        <p:nvSpPr>
+          <p:cNvPr id="6" name="Rectangle 5">
+            <a:extLst>
+              <a:ext uri="{FF2B5EF4-FFF2-40B4-BE49-F238E27FC236}">
+                <a16:creationId xmlns:a16="http://schemas.microsoft.com/office/drawing/2014/main" id="{3CC99D14-D4BD-7D0D-BEBD-33E1F06997AA}"/>
+              </a:ext>
+            </a:extLst>
+          </p:cNvPr>
+          <p:cNvSpPr/>
+          <p:nvPr/>
+        </p:nvSpPr>
+        <p:spPr>
+          <a:xfrm>
+            <a:off x="28181" y="8427184"/>
+            <a:ext cx="3730087" cy="1631216"/>
+          </a:xfrm>
+          <a:prstGeom prst="rect">
+            <a:avLst/>
+          </a:prstGeom>
+          <a:noFill/>
+        </p:spPr>
+        <p:txBody>
+          <a:bodyPr wrap="square" lIns="91440" tIns="45720" rIns="91440" bIns="45720">
+            <a:spAutoFit/>
+          </a:bodyPr>
+          <a:lstStyle/>
+          <a:p>
+            <a:pPr algn="ctr"/>
+            <a:r>
+              <a:rPr lang="en-US" sz="2000" b="0" cap="none" spc="0" dirty="0">
+                <a:ln w="0"/>
+                <a:solidFill>
+                  <a:schemeClr val="tx1">
+                    <a:lumMod val="85000"/>
+                    <a:lumOff val="15000"/>
+                  </a:schemeClr>
+                </a:solidFill>
+                <a:effectLst>
+                  <a:outerShdw blurRad="38100" dist="19050" dir="2700000" algn="tl" rotWithShape="0">
+                    <a:schemeClr val="dk1">
+                      <a:alpha val="40000"/>
+                    </a:schemeClr>
+                  </a:outerShdw>
+                </a:effectLst>
+              </a:rPr>
+              <a:t>Bundling tool helping us to use “import“ as it searches within node_modules. Otherwise, we need to specify location of libraries explicitly.</a:t>
+            </a:r>
+          </a:p>
+        </p:txBody>
+      </p:sp>
+      <p:cxnSp>
+        <p:nvCxnSpPr>
+          <p:cNvPr id="7" name="Connector: Elbow 6">
+            <a:extLst>
+              <a:ext uri="{FF2B5EF4-FFF2-40B4-BE49-F238E27FC236}">
+                <a16:creationId xmlns:a16="http://schemas.microsoft.com/office/drawing/2014/main" id="{E500D8C6-2E10-2FDB-EDD8-7FD2403BC33D}"/>
+              </a:ext>
+            </a:extLst>
+          </p:cNvPr>
+          <p:cNvCxnSpPr>
+            <a:cxnSpLocks/>
+            <a:endCxn id="5" idx="1"/>
+          </p:cNvCxnSpPr>
+          <p:nvPr/>
+        </p:nvCxnSpPr>
+        <p:spPr>
+          <a:xfrm rot="16200000" flipH="1">
+            <a:off x="-8990" y="4560913"/>
+            <a:ext cx="6009816" cy="1780563"/>
+          </a:xfrm>
+          <a:prstGeom prst="bentConnector2">
+            <a:avLst/>
+          </a:prstGeom>
+          <a:ln>
+            <a:tailEnd type="triangle"/>
+          </a:ln>
+        </p:spPr>
+        <p:style>
+          <a:lnRef idx="1">
+            <a:schemeClr val="accent1"/>
+          </a:lnRef>
+          <a:fillRef idx="0">
+            <a:schemeClr val="accent1"/>
+          </a:fillRef>
+          <a:effectRef idx="0">
+            <a:schemeClr val="accent1"/>
+          </a:effectRef>
+          <a:fontRef idx="minor">
+            <a:schemeClr val="tx1"/>
+          </a:fontRef>
+        </p:style>
+      </p:cxnSp>
+      <p:sp>
+        <p:nvSpPr>
+          <p:cNvPr id="13" name="Rectangle 12">
+            <a:extLst>
+              <a:ext uri="{FF2B5EF4-FFF2-40B4-BE49-F238E27FC236}">
+                <a16:creationId xmlns:a16="http://schemas.microsoft.com/office/drawing/2014/main" id="{A7D90707-0C36-A397-728A-47533F35570F}"/>
+              </a:ext>
+            </a:extLst>
+          </p:cNvPr>
+          <p:cNvSpPr/>
+          <p:nvPr/>
+        </p:nvSpPr>
+        <p:spPr>
+          <a:xfrm>
+            <a:off x="1477567" y="6604243"/>
+            <a:ext cx="6266652" cy="584775"/>
+          </a:xfrm>
+          <a:prstGeom prst="rect">
+            <a:avLst/>
+          </a:prstGeom>
+          <a:noFill/>
+        </p:spPr>
+        <p:txBody>
+          <a:bodyPr wrap="none" lIns="91440" tIns="45720" rIns="91440" bIns="45720">
+            <a:spAutoFit/>
+          </a:bodyPr>
+          <a:lstStyle/>
+          <a:p>
+            <a:pPr algn="ctr"/>
+            <a:r>
+              <a:rPr lang="en-US" sz="3200" b="0" cap="none" spc="0" dirty="0">
+                <a:ln w="0"/>
+                <a:solidFill>
+                  <a:srgbClr val="C00000"/>
+                </a:solidFill>
+                <a:effectLst>
+                  <a:outerShdw blurRad="38100" dist="19050" dir="2700000" algn="tl" rotWithShape="0">
+                    <a:schemeClr val="dk1">
+                      <a:alpha val="40000"/>
+                    </a:schemeClr>
+                  </a:outerShdw>
+                </a:effectLst>
+              </a:rPr>
+              <a:t>Implicitly: required to use import</a:t>
+            </a:r>
+          </a:p>
+        </p:txBody>
+      </p:sp>
+    </p:spTree>
+    <p:extLst>
+      <p:ext uri="{BB962C8B-B14F-4D97-AF65-F5344CB8AC3E}">
+        <p14:creationId xmlns:p14="http://schemas.microsoft.com/office/powerpoint/2010/main" val="507061550"/>
+      </p:ext>
+    </p:extLst>
+  </p:cSld>
+  <p:clrMapOvr>
+    <a:masterClrMapping/>
+  </p:clrMapOvr>
+  <p:timing>
+    <p:tnLst>
+      <p:par>
+        <p:cTn id="1" dur="indefinite" restart="never" nodeType="tmRoot">
+          <p:childTnLst>
+            <p:seq concurrent="1" nextAc="seek">
+              <p:cTn id="2" dur="indefinite" nodeType="mainSeq">
+                <p:childTnLst>
+                  <p:par>
+                    <p:cTn id="3" fill="hold">
+                      <p:stCondLst>
+                        <p:cond delay="indefinite"/>
+                      </p:stCondLst>
+                      <p:childTnLst>
+                        <p:par>
+                          <p:cTn id="4" fill="hold">
+                            <p:stCondLst>
+                              <p:cond delay="0"/>
+                            </p:stCondLst>
+                            <p:childTnLst>
+                              <p:par>
+                                <p:cTn id="5" presetID="1" presetClass="entr" presetSubtype="0" fill="hold" nodeType="clickEffect">
+                                  <p:stCondLst>
+                                    <p:cond delay="0"/>
+                                  </p:stCondLst>
+                                  <p:childTnLst>
+                                    <p:set>
+                                      <p:cBhvr>
+                                        <p:cTn id="6" dur="1" fill="hold">
+                                          <p:stCondLst>
+                                            <p:cond delay="0"/>
+                                          </p:stCondLst>
+                                        </p:cTn>
+                                        <p:tgtEl>
+                                          <p:spTgt spid="8"/>
+                                        </p:tgtEl>
+                                        <p:attrNameLst>
+                                          <p:attrName>style.visibility</p:attrName>
+                                        </p:attrNameLst>
+                                      </p:cBhvr>
+                                      <p:to>
+                                        <p:strVal val="visible"/>
+                                      </p:to>
+                                    </p:set>
+                                  </p:childTnLst>
+                                </p:cTn>
+                              </p:par>
+                            </p:childTnLst>
+                          </p:cTn>
+                        </p:par>
+                      </p:childTnLst>
+                    </p:cTn>
+                  </p:par>
+                  <p:par>
+                    <p:cTn id="7" fill="hold">
+                      <p:stCondLst>
+                        <p:cond delay="indefinite"/>
+                      </p:stCondLst>
+                      <p:childTnLst>
+                        <p:par>
+                          <p:cTn id="8" fill="hold">
+                            <p:stCondLst>
+                              <p:cond delay="0"/>
+                            </p:stCondLst>
+                            <p:childTnLst>
+                              <p:par>
+                                <p:cTn id="9" presetID="1" presetClass="entr" presetSubtype="0" fill="hold" nodeType="clickEffect">
+                                  <p:stCondLst>
+                                    <p:cond delay="0"/>
+                                  </p:stCondLst>
+                                  <p:childTnLst>
+                                    <p:set>
+                                      <p:cBhvr>
+                                        <p:cTn id="10" dur="1" fill="hold">
+                                          <p:stCondLst>
+                                            <p:cond delay="0"/>
+                                          </p:stCondLst>
+                                        </p:cTn>
+                                        <p:tgtEl>
+                                          <p:spTgt spid="16"/>
+                                        </p:tgtEl>
+                                        <p:attrNameLst>
+                                          <p:attrName>style.visibility</p:attrName>
+                                        </p:attrNameLst>
+                                      </p:cBhvr>
+                                      <p:to>
+                                        <p:strVal val="visible"/>
+                                      </p:to>
+                                    </p:set>
+                                  </p:childTnLst>
+                                </p:cTn>
+                              </p:par>
+                              <p:par>
+                                <p:cTn id="11" presetID="1" presetClass="entr" presetSubtype="0" fill="hold" nodeType="withEffect">
+                                  <p:stCondLst>
+                                    <p:cond delay="0"/>
+                                  </p:stCondLst>
+                                  <p:childTnLst>
+                                    <p:set>
+                                      <p:cBhvr>
+                                        <p:cTn id="12" dur="1" fill="hold">
+                                          <p:stCondLst>
+                                            <p:cond delay="0"/>
+                                          </p:stCondLst>
+                                        </p:cTn>
+                                        <p:tgtEl>
+                                          <p:spTgt spid="14"/>
+                                        </p:tgtEl>
+                                        <p:attrNameLst>
+                                          <p:attrName>style.visibility</p:attrName>
+                                        </p:attrNameLst>
+                                      </p:cBhvr>
+                                      <p:to>
+                                        <p:strVal val="visible"/>
+                                      </p:to>
+                                    </p:set>
+                                  </p:childTnLst>
+                                </p:cTn>
+                              </p:par>
+                            </p:childTnLst>
+                          </p:cTn>
+                        </p:par>
+                      </p:childTnLst>
+                    </p:cTn>
+                  </p:par>
+                  <p:par>
+                    <p:cTn id="13" fill="hold">
+                      <p:stCondLst>
+                        <p:cond delay="indefinite"/>
+                      </p:stCondLst>
+                      <p:childTnLst>
+                        <p:par>
+                          <p:cTn id="14" fill="hold">
+                            <p:stCondLst>
+                              <p:cond delay="0"/>
+                            </p:stCondLst>
+                            <p:childTnLst>
+                              <p:par>
+                                <p:cTn id="15" presetID="1" presetClass="entr" presetSubtype="0" fill="hold" grpId="0" nodeType="clickEffect">
+                                  <p:stCondLst>
+                                    <p:cond delay="0"/>
+                                  </p:stCondLst>
+                                  <p:childTnLst>
+                                    <p:set>
+                                      <p:cBhvr>
+                                        <p:cTn id="16" dur="1" fill="hold">
+                                          <p:stCondLst>
+                                            <p:cond delay="0"/>
+                                          </p:stCondLst>
+                                        </p:cTn>
+                                        <p:tgtEl>
+                                          <p:spTgt spid="3"/>
+                                        </p:tgtEl>
+                                        <p:attrNameLst>
+                                          <p:attrName>style.visibility</p:attrName>
+                                        </p:attrNameLst>
+                                      </p:cBhvr>
+                                      <p:to>
+                                        <p:strVal val="visible"/>
+                                      </p:to>
+                                    </p:set>
+                                  </p:childTnLst>
+                                </p:cTn>
+                              </p:par>
+                            </p:childTnLst>
+                          </p:cTn>
+                        </p:par>
+                      </p:childTnLst>
+                    </p:cTn>
+                  </p:par>
+                  <p:par>
+                    <p:cTn id="17" fill="hold">
+                      <p:stCondLst>
+                        <p:cond delay="indefinite"/>
+                      </p:stCondLst>
+                      <p:childTnLst>
+                        <p:par>
+                          <p:cTn id="18" fill="hold">
+                            <p:stCondLst>
+                              <p:cond delay="0"/>
+                            </p:stCondLst>
+                            <p:childTnLst>
+                              <p:par>
+                                <p:cTn id="19" presetID="1" presetClass="entr" presetSubtype="0" fill="hold" nodeType="clickEffect">
+                                  <p:stCondLst>
+                                    <p:cond delay="0"/>
+                                  </p:stCondLst>
+                                  <p:childTnLst>
+                                    <p:set>
+                                      <p:cBhvr>
+                                        <p:cTn id="20" dur="1" fill="hold">
+                                          <p:stCondLst>
+                                            <p:cond delay="0"/>
+                                          </p:stCondLst>
+                                        </p:cTn>
+                                        <p:tgtEl>
+                                          <p:spTgt spid="7"/>
+                                        </p:tgtEl>
+                                        <p:attrNameLst>
+                                          <p:attrName>style.visibility</p:attrName>
+                                        </p:attrNameLst>
+                                      </p:cBhvr>
+                                      <p:to>
+                                        <p:strVal val="visible"/>
+                                      </p:to>
+                                    </p:set>
+                                  </p:childTnLst>
+                                </p:cTn>
+                              </p:par>
+                              <p:par>
+                                <p:cTn id="21" presetID="1" presetClass="entr" presetSubtype="0" fill="hold" nodeType="withEffect">
+                                  <p:stCondLst>
+                                    <p:cond delay="0"/>
+                                  </p:stCondLst>
+                                  <p:childTnLst>
+                                    <p:set>
+                                      <p:cBhvr>
+                                        <p:cTn id="22" dur="1" fill="hold">
+                                          <p:stCondLst>
+                                            <p:cond delay="0"/>
+                                          </p:stCondLst>
+                                        </p:cTn>
+                                        <p:tgtEl>
+                                          <p:spTgt spid="5"/>
+                                        </p:tgtEl>
+                                        <p:attrNameLst>
+                                          <p:attrName>style.visibility</p:attrName>
+                                        </p:attrNameLst>
+                                      </p:cBhvr>
+                                      <p:to>
+                                        <p:strVal val="visible"/>
+                                      </p:to>
+                                    </p:set>
+                                  </p:childTnLst>
+                                </p:cTn>
+                              </p:par>
+                            </p:childTnLst>
+                          </p:cTn>
+                        </p:par>
+                      </p:childTnLst>
+                    </p:cTn>
+                  </p:par>
+                  <p:par>
+                    <p:cTn id="23" fill="hold">
+                      <p:stCondLst>
+                        <p:cond delay="indefinite"/>
+                      </p:stCondLst>
+                      <p:childTnLst>
+                        <p:par>
+                          <p:cTn id="24" fill="hold">
+                            <p:stCondLst>
+                              <p:cond delay="0"/>
+                            </p:stCondLst>
+                            <p:childTnLst>
+                              <p:par>
+                                <p:cTn id="25" presetID="1" presetClass="entr" presetSubtype="0" fill="hold" grpId="0" nodeType="clickEffect">
+                                  <p:stCondLst>
+                                    <p:cond delay="0"/>
+                                  </p:stCondLst>
+                                  <p:childTnLst>
+                                    <p:set>
+                                      <p:cBhvr>
+                                        <p:cTn id="26" dur="1" fill="hold">
+                                          <p:stCondLst>
+                                            <p:cond delay="0"/>
+                                          </p:stCondLst>
+                                        </p:cTn>
+                                        <p:tgtEl>
+                                          <p:spTgt spid="6"/>
+                                        </p:tgtEl>
+                                        <p:attrNameLst>
+                                          <p:attrName>style.visibility</p:attrName>
+                                        </p:attrNameLst>
+                                      </p:cBhvr>
+                                      <p:to>
+                                        <p:strVal val="visible"/>
+                                      </p:to>
+                                    </p:set>
+                                  </p:childTnLst>
+                                </p:cTn>
+                              </p:par>
+                            </p:childTnLst>
+                          </p:cTn>
+                        </p:par>
+                      </p:childTnLst>
+                    </p:cTn>
+                  </p:par>
+                  <p:par>
+                    <p:cTn id="27" fill="hold">
+                      <p:stCondLst>
+                        <p:cond delay="indefinite"/>
+                      </p:stCondLst>
+                      <p:childTnLst>
+                        <p:par>
+                          <p:cTn id="28" fill="hold">
+                            <p:stCondLst>
+                              <p:cond delay="0"/>
+                            </p:stCondLst>
+                            <p:childTnLst>
+                              <p:par>
+                                <p:cTn id="29" presetID="1" presetClass="entr" presetSubtype="0" fill="hold" grpId="0" nodeType="clickEffect">
+                                  <p:stCondLst>
+                                    <p:cond delay="0"/>
+                                  </p:stCondLst>
+                                  <p:childTnLst>
+                                    <p:set>
+                                      <p:cBhvr>
+                                        <p:cTn id="30" dur="1" fill="hold">
+                                          <p:stCondLst>
+                                            <p:cond delay="0"/>
+                                          </p:stCondLst>
+                                        </p:cTn>
+                                        <p:tgtEl>
+                                          <p:spTgt spid="13"/>
+                                        </p:tgtEl>
+                                        <p:attrNameLst>
+                                          <p:attrName>style.visibility</p:attrName>
+                                        </p:attrNameLst>
+                                      </p:cBhvr>
+                                      <p:to>
+                                        <p:strVal val="visible"/>
+                                      </p:to>
+                                    </p:set>
+                                  </p:childTnLst>
+                                </p:cTn>
+                              </p:par>
+                            </p:childTnLst>
+                          </p:cTn>
+                        </p:par>
+                      </p:childTnLst>
+                    </p:cTn>
+                  </p:par>
+                </p:childTnLst>
+              </p:cTn>
+              <p:prevCondLst>
+                <p:cond evt="onPrev" delay="0">
+                  <p:tgtEl>
+                    <p:sldTgt/>
+                  </p:tgtEl>
+                </p:cond>
+              </p:prevCondLst>
+              <p:nextCondLst>
+                <p:cond evt="onNext" delay="0">
+                  <p:tgtEl>
+                    <p:sldTgt/>
+                  </p:tgtEl>
+                </p:cond>
+              </p:nextCondLst>
+            </p:seq>
+          </p:childTnLst>
+        </p:cTn>
+      </p:par>
+    </p:tnLst>
+    <p:bldLst>
+      <p:bldP spid="3" grpId="0"/>
+      <p:bldP spid="6" grpId="0"/>
+      <p:bldP spid="13" grpId="0"/>
+    </p:bldLst>
+  </p:timing>
+  <p:extLst>
+    <p:ext uri="{6950BFC3-D8DA-4A85-94F7-54DA5524770B}">
+      <p188:commentRel xmlns:p188="http://schemas.microsoft.com/office/powerpoint/2018/8/main" r:id="rId2"/>
+    </p:ext>
+  </p:extLst>
+</p:sld>
+</file>
+
+<file path=ppt/slides/slide16.xml><?xml version="1.0" encoding="utf-8"?>
+<p:sld xmlns:a="http://schemas.openxmlformats.org/drawingml/2006/main" xmlns:r="http://schemas.openxmlformats.org/officeDocument/2006/relationships" xmlns:p="http://schemas.openxmlformats.org/presentationml/2006/main">
+  <p:cSld>
+    <p:spTree>
+      <p:nvGrpSpPr>
+        <p:cNvPr id="1" name=""/>
+        <p:cNvGrpSpPr/>
+        <p:nvPr/>
+      </p:nvGrpSpPr>
+      <p:grpSpPr>
+        <a:xfrm>
+          <a:off x="0" y="0"/>
+          <a:ext cx="0" cy="0"/>
+          <a:chOff x="0" y="0"/>
+          <a:chExt cx="0" cy="0"/>
+        </a:xfrm>
+      </p:grpSpPr>
+      <p:sp>
+        <p:nvSpPr>
+          <p:cNvPr id="3" name="TextBox 2">
+            <a:extLst>
+              <a:ext uri="{FF2B5EF4-FFF2-40B4-BE49-F238E27FC236}">
+                <a16:creationId xmlns:a16="http://schemas.microsoft.com/office/drawing/2014/main" id="{FDEAEC41-339D-F872-DD4F-C2356F66CFB9}"/>
+              </a:ext>
+            </a:extLst>
+          </p:cNvPr>
+          <p:cNvSpPr txBox="1"/>
+          <p:nvPr/>
+        </p:nvSpPr>
+        <p:spPr>
+          <a:xfrm>
+            <a:off x="269756" y="0"/>
+            <a:ext cx="6729547" cy="2308324"/>
+          </a:xfrm>
+          <a:prstGeom prst="rect">
+            <a:avLst/>
+          </a:prstGeom>
+          <a:noFill/>
+        </p:spPr>
+        <p:txBody>
+          <a:bodyPr wrap="square">
+            <a:spAutoFit/>
+          </a:bodyPr>
+          <a:lstStyle/>
+          <a:p>
+            <a:pPr algn="ctr"/>
+            <a:r>
+              <a:rPr lang="en-CA" sz="4800" dirty="0">
+                <a:solidFill>
+                  <a:srgbClr val="C00000"/>
+                </a:solidFill>
+                <a:effectLst/>
+                <a:latin typeface="MS Shell Dlg 2" panose="020B0604030504040204" pitchFamily="34" charset="0"/>
+              </a:rPr>
+              <a:t>Do we need Node.js, webpack or VSCode to build a React app?</a:t>
+            </a:r>
+            <a:endParaRPr lang="en-CA" sz="4800" dirty="0">
+              <a:solidFill>
+                <a:srgbClr val="C00000"/>
+              </a:solidFill>
+            </a:endParaRPr>
+          </a:p>
+        </p:txBody>
+      </p:sp>
+      <p:sp>
+        <p:nvSpPr>
+          <p:cNvPr id="2" name="TextBox 1">
+            <a:extLst>
+              <a:ext uri="{FF2B5EF4-FFF2-40B4-BE49-F238E27FC236}">
+                <a16:creationId xmlns:a16="http://schemas.microsoft.com/office/drawing/2014/main" id="{F9FBDB29-6442-9BD0-F3D1-ED16CF26B739}"/>
+              </a:ext>
+            </a:extLst>
+          </p:cNvPr>
+          <p:cNvSpPr txBox="1"/>
+          <p:nvPr/>
+        </p:nvSpPr>
+        <p:spPr>
+          <a:xfrm>
+            <a:off x="269756" y="2437680"/>
+            <a:ext cx="7095778" cy="3785652"/>
+          </a:xfrm>
+          <a:prstGeom prst="rect">
+            <a:avLst/>
+          </a:prstGeom>
+          <a:noFill/>
+        </p:spPr>
+        <p:txBody>
+          <a:bodyPr wrap="square">
+            <a:spAutoFit/>
+          </a:bodyPr>
+          <a:lstStyle/>
+          <a:p>
+            <a:pPr algn="ctr"/>
+            <a:r>
+              <a:rPr lang="en-CA" sz="4800" dirty="0">
+                <a:latin typeface="MS Shell Dlg 2" panose="020B0604030504040204" pitchFamily="34" charset="0"/>
+              </a:rPr>
+              <a:t>The answer should be the same if I ask you, </a:t>
+            </a:r>
+            <a:r>
+              <a:rPr lang="en-CA" sz="4800" dirty="0">
+                <a:solidFill>
+                  <a:srgbClr val="C00000"/>
+                </a:solidFill>
+                <a:latin typeface="MS Shell Dlg 2" panose="020B0604030504040204" pitchFamily="34" charset="0"/>
+              </a:rPr>
+              <a:t>d</a:t>
+            </a:r>
+            <a:r>
+              <a:rPr lang="en-CA" sz="4800" dirty="0">
+                <a:solidFill>
+                  <a:srgbClr val="C00000"/>
+                </a:solidFill>
+                <a:effectLst/>
+                <a:latin typeface="MS Shell Dlg 2" panose="020B0604030504040204" pitchFamily="34" charset="0"/>
+              </a:rPr>
+              <a:t>o we need eclipse, maven or hibernate to build a Java app?</a:t>
+            </a:r>
+            <a:endParaRPr lang="en-CA" sz="4800" dirty="0"/>
+          </a:p>
+        </p:txBody>
+      </p:sp>
+      <p:sp>
+        <p:nvSpPr>
+          <p:cNvPr id="4" name="TextBox 3">
+            <a:extLst>
+              <a:ext uri="{FF2B5EF4-FFF2-40B4-BE49-F238E27FC236}">
+                <a16:creationId xmlns:a16="http://schemas.microsoft.com/office/drawing/2014/main" id="{C8F1B24D-6AAF-9CC1-7296-01C4CC468EA7}"/>
+              </a:ext>
+            </a:extLst>
+          </p:cNvPr>
+          <p:cNvSpPr txBox="1"/>
+          <p:nvPr/>
+        </p:nvSpPr>
+        <p:spPr>
+          <a:xfrm>
+            <a:off x="635987" y="6352688"/>
+            <a:ext cx="6729547" cy="3477875"/>
+          </a:xfrm>
+          <a:prstGeom prst="rect">
+            <a:avLst/>
+          </a:prstGeom>
+          <a:noFill/>
+        </p:spPr>
+        <p:txBody>
+          <a:bodyPr wrap="square">
+            <a:spAutoFit/>
+          </a:bodyPr>
+          <a:lstStyle/>
+          <a:p>
+            <a:pPr algn="ctr"/>
+            <a:r>
+              <a:rPr lang="en-CA" sz="4400" dirty="0">
+                <a:effectLst/>
+                <a:latin typeface="MS Shell Dlg 2" panose="020B0604030504040204" pitchFamily="34" charset="0"/>
+              </a:rPr>
+              <a:t>Let’s have a simple example to illustrate how this can be done and understand a bit about Components.</a:t>
+            </a:r>
+            <a:endParaRPr lang="en-CA" sz="4400" dirty="0"/>
+          </a:p>
+        </p:txBody>
+      </p:sp>
+    </p:spTree>
+    <p:extLst>
+      <p:ext uri="{BB962C8B-B14F-4D97-AF65-F5344CB8AC3E}">
+        <p14:creationId xmlns:p14="http://schemas.microsoft.com/office/powerpoint/2010/main" val="3714479550"/>
+      </p:ext>
+    </p:extLst>
+  </p:cSld>
+  <p:clrMapOvr>
+    <a:masterClrMapping/>
+  </p:clrMapOvr>
+  <p:timing>
+    <p:tnLst>
+      <p:par>
+        <p:cTn id="1" dur="indefinite" restart="never" nodeType="tmRoot">
+          <p:childTnLst>
+            <p:seq concurrent="1" nextAc="seek">
+              <p:cTn id="2" dur="indefinite" nodeType="mainSeq">
+                <p:childTnLst>
+                  <p:par>
+                    <p:cTn id="3" fill="hold">
+                      <p:stCondLst>
+                        <p:cond delay="indefinite"/>
+                      </p:stCondLst>
+                      <p:childTnLst>
+                        <p:par>
+                          <p:cTn id="4" fill="hold">
+                            <p:stCondLst>
+                              <p:cond delay="0"/>
+                            </p:stCondLst>
+                            <p:childTnLst>
+                              <p:par>
+                                <p:cTn id="5" presetID="1" presetClass="entr" presetSubtype="0" fill="hold" grpId="0" nodeType="clickEffect">
+                                  <p:stCondLst>
+                                    <p:cond delay="0"/>
+                                  </p:stCondLst>
+                                  <p:childTnLst>
+                                    <p:set>
+                                      <p:cBhvr>
+                                        <p:cTn id="6" dur="1" fill="hold">
+                                          <p:stCondLst>
+                                            <p:cond delay="0"/>
+                                          </p:stCondLst>
+                                        </p:cTn>
+                                        <p:tgtEl>
+                                          <p:spTgt spid="2"/>
+                                        </p:tgtEl>
+                                        <p:attrNameLst>
+                                          <p:attrName>style.visibility</p:attrName>
+                                        </p:attrNameLst>
+                                      </p:cBhvr>
+                                      <p:to>
+                                        <p:strVal val="visible"/>
+                                      </p:to>
+                                    </p:set>
+                                  </p:childTnLst>
+                                </p:cTn>
+                              </p:par>
+                            </p:childTnLst>
+                          </p:cTn>
+                        </p:par>
+                      </p:childTnLst>
+                    </p:cTn>
+                  </p:par>
+                  <p:par>
+                    <p:cTn id="7" fill="hold">
+                      <p:stCondLst>
+                        <p:cond delay="indefinite"/>
+                      </p:stCondLst>
+                      <p:childTnLst>
+                        <p:par>
+                          <p:cTn id="8" fill="hold">
+                            <p:stCondLst>
+                              <p:cond delay="0"/>
+                            </p:stCondLst>
+                            <p:childTnLst>
+                              <p:par>
+                                <p:cTn id="9" presetID="1" presetClass="entr" presetSubtype="0" fill="hold" grpId="0" nodeType="clickEffect">
+                                  <p:stCondLst>
+                                    <p:cond delay="0"/>
+                                  </p:stCondLst>
+                                  <p:childTnLst>
+                                    <p:set>
+                                      <p:cBhvr>
+                                        <p:cTn id="10" dur="1" fill="hold">
+                                          <p:stCondLst>
+                                            <p:cond delay="0"/>
+                                          </p:stCondLst>
+                                        </p:cTn>
+                                        <p:tgtEl>
+                                          <p:spTgt spid="4"/>
+                                        </p:tgtEl>
+                                        <p:attrNameLst>
+                                          <p:attrName>style.visibility</p:attrName>
+                                        </p:attrNameLst>
+                                      </p:cBhvr>
+                                      <p:to>
+                                        <p:strVal val="visible"/>
+                                      </p:to>
+                                    </p:set>
+                                  </p:childTnLst>
+                                </p:cTn>
+                              </p:par>
+                            </p:childTnLst>
+                          </p:cTn>
+                        </p:par>
+                      </p:childTnLst>
+                    </p:cTn>
+                  </p:par>
+                </p:childTnLst>
+              </p:cTn>
+              <p:prevCondLst>
+                <p:cond evt="onPrev" delay="0">
+                  <p:tgtEl>
+                    <p:sldTgt/>
+                  </p:tgtEl>
+                </p:cond>
+              </p:prevCondLst>
+              <p:nextCondLst>
+                <p:cond evt="onNext" delay="0">
+                  <p:tgtEl>
+                    <p:sldTgt/>
+                  </p:tgtEl>
+                </p:cond>
+              </p:nextCondLst>
+            </p:seq>
+          </p:childTnLst>
+        </p:cTn>
+      </p:par>
+    </p:tnLst>
+    <p:bldLst>
+      <p:bldP spid="2" grpId="0"/>
+      <p:bldP spid="4" grpId="0"/>
+    </p:bldLst>
+  </p:timing>
+</p:sld>
+</file>
+
+<file path=ppt/slides/slide17.xml><?xml version="1.0" encoding="utf-8"?>
+<p:sld xmlns:a="http://schemas.openxmlformats.org/drawingml/2006/main" xmlns:r="http://schemas.openxmlformats.org/officeDocument/2006/relationships" xmlns:p="http://schemas.openxmlformats.org/presentationml/2006/main">
+  <p:cSld>
+    <p:spTree>
+      <p:nvGrpSpPr>
+        <p:cNvPr id="1" name=""/>
+        <p:cNvGrpSpPr/>
+        <p:nvPr/>
+      </p:nvGrpSpPr>
+      <p:grpSpPr>
+        <a:xfrm>
+          <a:off x="0" y="0"/>
+          <a:ext cx="0" cy="0"/>
+          <a:chOff x="0" y="0"/>
+          <a:chExt cx="0" cy="0"/>
+        </a:xfrm>
+      </p:grpSpPr>
+      <p:sp>
+        <p:nvSpPr>
+          <p:cNvPr id="4" name="TextBox 3">
+            <a:extLst>
+              <a:ext uri="{FF2B5EF4-FFF2-40B4-BE49-F238E27FC236}">
+                <a16:creationId xmlns:a16="http://schemas.microsoft.com/office/drawing/2014/main" id="{4C6E400A-0ABF-55CD-79AC-CE996901367E}"/>
+              </a:ext>
+            </a:extLst>
+          </p:cNvPr>
+          <p:cNvSpPr txBox="1"/>
+          <p:nvPr/>
+        </p:nvSpPr>
+        <p:spPr>
+          <a:xfrm>
+            <a:off x="129261" y="23247"/>
+            <a:ext cx="6729547" cy="400110"/>
+          </a:xfrm>
+          <a:prstGeom prst="rect">
+            <a:avLst/>
+          </a:prstGeom>
+          <a:noFill/>
+        </p:spPr>
+        <p:txBody>
+          <a:bodyPr wrap="square">
+            <a:spAutoFit/>
+          </a:bodyPr>
+          <a:lstStyle/>
+          <a:p>
+            <a:r>
+              <a:rPr lang="en-CA" sz="2000" dirty="0">
+                <a:effectLst/>
+                <a:latin typeface="MS Shell Dlg 2" panose="020B0604030504040204" pitchFamily="34" charset="0"/>
+              </a:rPr>
+              <a:t>Change directory to hackathon-react</a:t>
+            </a:r>
+            <a:endParaRPr lang="en-CA" sz="2000" dirty="0"/>
+          </a:p>
+        </p:txBody>
+      </p:sp>
+      <p:sp>
+        <p:nvSpPr>
+          <p:cNvPr id="5" name="TextBox 4">
+            <a:extLst>
+              <a:ext uri="{FF2B5EF4-FFF2-40B4-BE49-F238E27FC236}">
+                <a16:creationId xmlns:a16="http://schemas.microsoft.com/office/drawing/2014/main" id="{6F92D687-8510-87BC-604A-5706F237346E}"/>
+              </a:ext>
+            </a:extLst>
+          </p:cNvPr>
+          <p:cNvSpPr txBox="1"/>
+          <p:nvPr/>
+        </p:nvSpPr>
+        <p:spPr>
+          <a:xfrm>
+            <a:off x="129260" y="423357"/>
+            <a:ext cx="6729547" cy="400110"/>
+          </a:xfrm>
+          <a:prstGeom prst="rect">
+            <a:avLst/>
+          </a:prstGeom>
+          <a:noFill/>
+        </p:spPr>
+        <p:txBody>
+          <a:bodyPr wrap="square">
+            <a:spAutoFit/>
+          </a:bodyPr>
+          <a:lstStyle/>
+          <a:p>
+            <a:r>
+              <a:rPr lang="en-CA" sz="2000" dirty="0">
+                <a:effectLst/>
+                <a:latin typeface="MS Shell Dlg 2" panose="020B0604030504040204" pitchFamily="34" charset="0"/>
+              </a:rPr>
+              <a:t>Create a folder test</a:t>
+            </a:r>
+            <a:endParaRPr lang="en-CA" sz="2000" dirty="0"/>
+          </a:p>
+        </p:txBody>
+      </p:sp>
+      <p:sp>
+        <p:nvSpPr>
+          <p:cNvPr id="6" name="TextBox 5">
+            <a:extLst>
+              <a:ext uri="{FF2B5EF4-FFF2-40B4-BE49-F238E27FC236}">
+                <a16:creationId xmlns:a16="http://schemas.microsoft.com/office/drawing/2014/main" id="{EEBEFA98-EC35-C87C-76B6-2A6CFE6E4D69}"/>
+              </a:ext>
+            </a:extLst>
+          </p:cNvPr>
+          <p:cNvSpPr txBox="1"/>
+          <p:nvPr/>
+        </p:nvSpPr>
+        <p:spPr>
+          <a:xfrm>
+            <a:off x="129260" y="823467"/>
+            <a:ext cx="6729547" cy="400110"/>
+          </a:xfrm>
+          <a:prstGeom prst="rect">
+            <a:avLst/>
+          </a:prstGeom>
+          <a:noFill/>
+        </p:spPr>
+        <p:txBody>
+          <a:bodyPr wrap="square">
+            <a:spAutoFit/>
+          </a:bodyPr>
+          <a:lstStyle/>
+          <a:p>
+            <a:r>
+              <a:rPr lang="en-CA" sz="2000" dirty="0">
+                <a:effectLst/>
+                <a:latin typeface="MS Shell Dlg 2" panose="020B0604030504040204" pitchFamily="34" charset="0"/>
+              </a:rPr>
+              <a:t>Create an </a:t>
+            </a:r>
+            <a:r>
+              <a:rPr lang="en-CA" sz="2000" dirty="0">
+                <a:latin typeface="MS Shell Dlg 2" panose="020B0604030504040204" pitchFamily="34" charset="0"/>
+              </a:rPr>
+              <a:t>html file within that folder as below</a:t>
+            </a:r>
+            <a:endParaRPr lang="en-CA" sz="2000" dirty="0"/>
+          </a:p>
+        </p:txBody>
+      </p:sp>
+      <p:sp>
+        <p:nvSpPr>
+          <p:cNvPr id="8" name="TextBox 7">
+            <a:extLst>
+              <a:ext uri="{FF2B5EF4-FFF2-40B4-BE49-F238E27FC236}">
+                <a16:creationId xmlns:a16="http://schemas.microsoft.com/office/drawing/2014/main" id="{8610BB9C-8CC5-F27A-82CB-04F06AA175EF}"/>
+              </a:ext>
+            </a:extLst>
+          </p:cNvPr>
+          <p:cNvSpPr txBox="1"/>
+          <p:nvPr/>
+        </p:nvSpPr>
+        <p:spPr>
+          <a:xfrm>
+            <a:off x="129260" y="1253342"/>
+            <a:ext cx="7551672" cy="3231654"/>
+          </a:xfrm>
+          <a:prstGeom prst="rect">
+            <a:avLst/>
+          </a:prstGeom>
+          <a:noFill/>
+          <a:ln w="38100">
+            <a:solidFill>
+              <a:srgbClr val="252526"/>
+            </a:solidFill>
+          </a:ln>
+        </p:spPr>
+        <p:txBody>
+          <a:bodyPr wrap="square">
+            <a:spAutoFit/>
+          </a:bodyPr>
+          <a:lstStyle/>
+          <a:p>
+            <a:r>
+              <a:rPr lang="en-US" b="0" dirty="0">
+                <a:effectLst/>
+                <a:latin typeface="Consolas" panose="020B0609020204030204" pitchFamily="49" charset="0"/>
+              </a:rPr>
+              <a:t>&lt;!doctype html&gt;</a:t>
+            </a:r>
+          </a:p>
+          <a:p>
+            <a:r>
+              <a:rPr lang="en-US" b="0" dirty="0">
+                <a:effectLst/>
+                <a:latin typeface="Consolas" panose="020B0609020204030204" pitchFamily="49" charset="0"/>
+              </a:rPr>
+              <a:t>&lt;head&gt;</a:t>
+            </a:r>
+          </a:p>
+          <a:p>
+            <a:r>
+              <a:rPr lang="en-US" b="0" dirty="0">
+                <a:effectLst/>
+                <a:latin typeface="Consolas" panose="020B0609020204030204" pitchFamily="49" charset="0"/>
+              </a:rPr>
+              <a:t>    &lt;title&gt;Test&lt;/title&gt;</a:t>
+            </a:r>
+          </a:p>
+          <a:p>
+            <a:r>
+              <a:rPr lang="en-US" sz="1200" dirty="0">
+                <a:latin typeface="Consolas" panose="020B0609020204030204" pitchFamily="49" charset="0"/>
+              </a:rPr>
+              <a:t>&lt;link type="text/</a:t>
+            </a:r>
+            <a:r>
+              <a:rPr lang="en-US" sz="1200" dirty="0" err="1">
+                <a:latin typeface="Consolas" panose="020B0609020204030204" pitchFamily="49" charset="0"/>
+              </a:rPr>
+              <a:t>css</a:t>
+            </a:r>
+            <a:r>
+              <a:rPr lang="en-US" sz="1200" dirty="0">
+                <a:latin typeface="Consolas" panose="020B0609020204030204" pitchFamily="49" charset="0"/>
+              </a:rPr>
+              <a:t>" </a:t>
+            </a:r>
+            <a:r>
+              <a:rPr lang="en-US" sz="1200" dirty="0" err="1">
+                <a:latin typeface="Consolas" panose="020B0609020204030204" pitchFamily="49" charset="0"/>
+              </a:rPr>
+              <a:t>rel</a:t>
+            </a:r>
+            <a:r>
+              <a:rPr lang="en-US" sz="1200" dirty="0">
+                <a:latin typeface="Consolas" panose="020B0609020204030204" pitchFamily="49" charset="0"/>
+              </a:rPr>
+              <a:t>="stylesheet" </a:t>
+            </a:r>
+            <a:r>
+              <a:rPr lang="en-US" sz="1200" dirty="0" err="1">
+                <a:latin typeface="Consolas" panose="020B0609020204030204" pitchFamily="49" charset="0"/>
+              </a:rPr>
+              <a:t>href</a:t>
+            </a:r>
+            <a:r>
+              <a:rPr lang="en-US" sz="1200" dirty="0">
+                <a:latin typeface="Consolas" panose="020B0609020204030204" pitchFamily="49" charset="0"/>
+              </a:rPr>
+              <a:t>="app.css"/&gt; </a:t>
+            </a:r>
+          </a:p>
+          <a:p>
+            <a:r>
+              <a:rPr lang="en-US" sz="1200" b="0" dirty="0">
+                <a:effectLst/>
+                <a:latin typeface="Consolas" panose="020B0609020204030204" pitchFamily="49" charset="0"/>
+              </a:rPr>
+              <a:t>&lt;script </a:t>
+            </a:r>
+            <a:r>
+              <a:rPr lang="en-US" sz="1200" b="0" dirty="0" err="1">
+                <a:effectLst/>
+                <a:latin typeface="Consolas" panose="020B0609020204030204" pitchFamily="49" charset="0"/>
+              </a:rPr>
+              <a:t>src</a:t>
+            </a:r>
+            <a:r>
+              <a:rPr lang="en-US" sz="1200" b="0" dirty="0">
+                <a:effectLst/>
+                <a:latin typeface="Consolas" panose="020B0609020204030204" pitchFamily="49" charset="0"/>
+              </a:rPr>
+              <a:t>="https://unpkg.com/react@16/</a:t>
+            </a:r>
+            <a:r>
+              <a:rPr lang="en-US" sz="1200" b="0" dirty="0" err="1">
+                <a:effectLst/>
+                <a:latin typeface="Consolas" panose="020B0609020204030204" pitchFamily="49" charset="0"/>
+              </a:rPr>
+              <a:t>umd</a:t>
+            </a:r>
+            <a:r>
+              <a:rPr lang="en-US" sz="1200" b="0" dirty="0">
+                <a:effectLst/>
+                <a:latin typeface="Consolas" panose="020B0609020204030204" pitchFamily="49" charset="0"/>
+              </a:rPr>
+              <a:t>/react.production.min.js"&gt;&lt;/script&gt;</a:t>
+            </a:r>
+          </a:p>
+          <a:p>
+            <a:r>
+              <a:rPr lang="en-US" sz="1200" b="0" dirty="0">
+                <a:effectLst/>
+                <a:latin typeface="Consolas" panose="020B0609020204030204" pitchFamily="49" charset="0"/>
+              </a:rPr>
+              <a:t>&lt;script </a:t>
+            </a:r>
+            <a:r>
+              <a:rPr lang="en-US" sz="1200" b="0" dirty="0" err="1">
+                <a:effectLst/>
+                <a:latin typeface="Consolas" panose="020B0609020204030204" pitchFamily="49" charset="0"/>
+              </a:rPr>
+              <a:t>src</a:t>
+            </a:r>
+            <a:r>
+              <a:rPr lang="en-US" sz="1200" b="0" dirty="0">
+                <a:effectLst/>
+                <a:latin typeface="Consolas" panose="020B0609020204030204" pitchFamily="49" charset="0"/>
+              </a:rPr>
+              <a:t>="https://unpkg.com/react-dom@16/</a:t>
+            </a:r>
+            <a:r>
+              <a:rPr lang="en-US" sz="1200" b="0" dirty="0" err="1">
+                <a:effectLst/>
+                <a:latin typeface="Consolas" panose="020B0609020204030204" pitchFamily="49" charset="0"/>
+              </a:rPr>
+              <a:t>umd</a:t>
+            </a:r>
+            <a:r>
+              <a:rPr lang="en-US" sz="1200" b="0" dirty="0">
+                <a:effectLst/>
+                <a:latin typeface="Consolas" panose="020B0609020204030204" pitchFamily="49" charset="0"/>
+              </a:rPr>
+              <a:t>/react-dom.production.min.js"&gt;&lt;/script&gt;</a:t>
+            </a:r>
+          </a:p>
+          <a:p>
+            <a:r>
+              <a:rPr lang="en-US" b="0" dirty="0">
+                <a:effectLst/>
+                <a:latin typeface="Consolas" panose="020B0609020204030204" pitchFamily="49" charset="0"/>
+              </a:rPr>
+              <a:t>&lt;/head&gt;</a:t>
+            </a:r>
+          </a:p>
+          <a:p>
+            <a:r>
+              <a:rPr lang="en-US" b="0" dirty="0">
+                <a:effectLst/>
+                <a:latin typeface="Consolas" panose="020B0609020204030204" pitchFamily="49" charset="0"/>
+              </a:rPr>
+              <a:t>&lt;body&gt;</a:t>
+            </a:r>
+          </a:p>
+          <a:p>
+            <a:r>
+              <a:rPr lang="en-US" b="0" dirty="0">
+                <a:effectLst/>
+                <a:latin typeface="Consolas" panose="020B0609020204030204" pitchFamily="49" charset="0"/>
+              </a:rPr>
+              <a:t>    &lt;div id="root"/&gt;</a:t>
+            </a:r>
+          </a:p>
+          <a:p>
+            <a:r>
+              <a:rPr lang="en-US" b="0" dirty="0">
+                <a:effectLst/>
+                <a:latin typeface="Consolas" panose="020B0609020204030204" pitchFamily="49" charset="0"/>
+              </a:rPr>
+              <a:t>    &lt;script </a:t>
+            </a:r>
+            <a:r>
+              <a:rPr lang="en-US" b="0" dirty="0" err="1">
+                <a:effectLst/>
+                <a:latin typeface="Consolas" panose="020B0609020204030204" pitchFamily="49" charset="0"/>
+              </a:rPr>
+              <a:t>src</a:t>
+            </a:r>
+            <a:r>
+              <a:rPr lang="en-US" b="0" dirty="0">
+                <a:effectLst/>
+                <a:latin typeface="Consolas" panose="020B0609020204030204" pitchFamily="49" charset="0"/>
+              </a:rPr>
+              <a:t>="./app.js"&gt;&lt;/script&gt;</a:t>
+            </a:r>
+          </a:p>
+          <a:p>
+            <a:r>
+              <a:rPr lang="en-US" b="0" dirty="0">
+                <a:effectLst/>
+                <a:latin typeface="Consolas" panose="020B0609020204030204" pitchFamily="49" charset="0"/>
+              </a:rPr>
+              <a:t>&lt;/body&gt;</a:t>
+            </a:r>
+          </a:p>
+          <a:p>
+            <a:r>
+              <a:rPr lang="en-US" b="0" dirty="0">
+                <a:effectLst/>
+                <a:latin typeface="Consolas" panose="020B0609020204030204" pitchFamily="49" charset="0"/>
+              </a:rPr>
+              <a:t>&lt;/html&gt;</a:t>
+            </a:r>
+          </a:p>
+        </p:txBody>
+      </p:sp>
+      <p:sp>
+        <p:nvSpPr>
+          <p:cNvPr id="9" name="TextBox 8">
+            <a:extLst>
+              <a:ext uri="{FF2B5EF4-FFF2-40B4-BE49-F238E27FC236}">
+                <a16:creationId xmlns:a16="http://schemas.microsoft.com/office/drawing/2014/main" id="{99268DDD-08A6-FD99-4FEC-EE2202E8065A}"/>
+              </a:ext>
+            </a:extLst>
+          </p:cNvPr>
+          <p:cNvSpPr txBox="1"/>
+          <p:nvPr/>
+        </p:nvSpPr>
+        <p:spPr>
+          <a:xfrm>
+            <a:off x="110363" y="4590709"/>
+            <a:ext cx="7551672" cy="400110"/>
+          </a:xfrm>
+          <a:prstGeom prst="rect">
+            <a:avLst/>
+          </a:prstGeom>
+          <a:noFill/>
+        </p:spPr>
+        <p:txBody>
+          <a:bodyPr wrap="square">
+            <a:spAutoFit/>
+          </a:bodyPr>
+          <a:lstStyle/>
+          <a:p>
+            <a:r>
+              <a:rPr lang="en-CA" sz="2000" dirty="0">
+                <a:effectLst/>
+                <a:latin typeface="MS Shell Dlg 2" panose="020B0604030504040204" pitchFamily="34" charset="0"/>
+              </a:rPr>
+              <a:t>Create app.css </a:t>
+            </a:r>
+            <a:r>
+              <a:rPr lang="en-CA" sz="2000" dirty="0">
+                <a:latin typeface="MS Shell Dlg 2" panose="020B0604030504040204" pitchFamily="34" charset="0"/>
+              </a:rPr>
+              <a:t>file in the same folder as below </a:t>
+            </a:r>
+            <a:r>
+              <a:rPr lang="en-CA" sz="2000" dirty="0">
+                <a:solidFill>
+                  <a:schemeClr val="bg1">
+                    <a:lumMod val="65000"/>
+                  </a:schemeClr>
+                </a:solidFill>
+                <a:latin typeface="MS Shell Dlg 2" panose="020B0604030504040204" pitchFamily="34" charset="0"/>
+              </a:rPr>
+              <a:t>[decoration step]</a:t>
+            </a:r>
+            <a:endParaRPr lang="en-CA" sz="2000" dirty="0">
+              <a:solidFill>
+                <a:schemeClr val="bg1">
+                  <a:lumMod val="65000"/>
+                </a:schemeClr>
+              </a:solidFill>
+            </a:endParaRPr>
+          </a:p>
+        </p:txBody>
+      </p:sp>
+      <p:sp>
+        <p:nvSpPr>
+          <p:cNvPr id="11" name="TextBox 10">
+            <a:extLst>
+              <a:ext uri="{FF2B5EF4-FFF2-40B4-BE49-F238E27FC236}">
+                <a16:creationId xmlns:a16="http://schemas.microsoft.com/office/drawing/2014/main" id="{E220C442-CBA2-D0E1-DD19-D9B40A585D1A}"/>
+              </a:ext>
+            </a:extLst>
+          </p:cNvPr>
+          <p:cNvSpPr txBox="1"/>
+          <p:nvPr/>
+        </p:nvSpPr>
+        <p:spPr>
+          <a:xfrm>
+            <a:off x="129260" y="5019883"/>
+            <a:ext cx="7393587" cy="1077218"/>
+          </a:xfrm>
+          <a:prstGeom prst="rect">
+            <a:avLst/>
+          </a:prstGeom>
+          <a:noFill/>
+          <a:ln w="38100">
+            <a:solidFill>
+              <a:schemeClr val="tx1"/>
+            </a:solidFill>
+          </a:ln>
+        </p:spPr>
+        <p:txBody>
+          <a:bodyPr wrap="square">
+            <a:spAutoFit/>
+          </a:bodyPr>
+          <a:lstStyle/>
+          <a:p>
+            <a:r>
+              <a:rPr lang="en-CA" sz="1600" b="0" dirty="0">
+                <a:effectLst/>
+                <a:latin typeface="Consolas" panose="020B0609020204030204" pitchFamily="49" charset="0"/>
+              </a:rPr>
+              <a:t>header :</a:t>
+            </a:r>
+          </a:p>
+          <a:p>
+            <a:r>
+              <a:rPr lang="en-CA" sz="1600" dirty="0">
+                <a:latin typeface="Consolas" panose="020B0609020204030204" pitchFamily="49" charset="0"/>
+              </a:rPr>
+              <a:t>{</a:t>
+            </a:r>
+          </a:p>
+          <a:p>
+            <a:r>
+              <a:rPr lang="en-CA" sz="1600" b="0" dirty="0">
+                <a:effectLst/>
+                <a:latin typeface="Consolas" panose="020B0609020204030204" pitchFamily="49" charset="0"/>
+              </a:rPr>
+              <a:t> color: red;</a:t>
+            </a:r>
+          </a:p>
+          <a:p>
+            <a:r>
+              <a:rPr lang="en-CA" sz="1600" dirty="0">
+                <a:latin typeface="Consolas" panose="020B0609020204030204" pitchFamily="49" charset="0"/>
+              </a:rPr>
+              <a:t>}</a:t>
+            </a:r>
+            <a:endParaRPr lang="en-CA" sz="1600" b="0" dirty="0">
+              <a:effectLst/>
+              <a:latin typeface="Consolas" panose="020B0609020204030204" pitchFamily="49" charset="0"/>
+            </a:endParaRPr>
+          </a:p>
+        </p:txBody>
+      </p:sp>
+      <p:sp>
+        <p:nvSpPr>
+          <p:cNvPr id="12" name="TextBox 11">
+            <a:extLst>
+              <a:ext uri="{FF2B5EF4-FFF2-40B4-BE49-F238E27FC236}">
+                <a16:creationId xmlns:a16="http://schemas.microsoft.com/office/drawing/2014/main" id="{76FB22D8-0031-FCCB-2DA3-D76E11382FA6}"/>
+              </a:ext>
+            </a:extLst>
+          </p:cNvPr>
+          <p:cNvSpPr txBox="1"/>
+          <p:nvPr/>
+        </p:nvSpPr>
+        <p:spPr>
+          <a:xfrm>
+            <a:off x="0" y="6329558"/>
+            <a:ext cx="6729547" cy="400110"/>
+          </a:xfrm>
+          <a:prstGeom prst="rect">
+            <a:avLst/>
+          </a:prstGeom>
+          <a:noFill/>
+        </p:spPr>
+        <p:txBody>
+          <a:bodyPr wrap="square">
+            <a:spAutoFit/>
+          </a:bodyPr>
+          <a:lstStyle/>
+          <a:p>
+            <a:r>
+              <a:rPr lang="en-CA" sz="2000" dirty="0">
+                <a:effectLst/>
+                <a:latin typeface="MS Shell Dlg 2" panose="020B0604030504040204" pitchFamily="34" charset="0"/>
+              </a:rPr>
+              <a:t>Create app.js </a:t>
+            </a:r>
+            <a:r>
+              <a:rPr lang="en-CA" sz="2000" dirty="0">
+                <a:latin typeface="MS Shell Dlg 2" panose="020B0604030504040204" pitchFamily="34" charset="0"/>
+              </a:rPr>
+              <a:t>file in the same folder as below</a:t>
+            </a:r>
+            <a:endParaRPr lang="en-CA" sz="2000" dirty="0"/>
+          </a:p>
+        </p:txBody>
+      </p:sp>
+      <p:sp>
+        <p:nvSpPr>
+          <p:cNvPr id="13" name="TextBox 12">
+            <a:extLst>
+              <a:ext uri="{FF2B5EF4-FFF2-40B4-BE49-F238E27FC236}">
+                <a16:creationId xmlns:a16="http://schemas.microsoft.com/office/drawing/2014/main" id="{69840F52-F5F1-161E-A4D9-C08C21514965}"/>
+              </a:ext>
+            </a:extLst>
+          </p:cNvPr>
+          <p:cNvSpPr txBox="1"/>
+          <p:nvPr/>
+        </p:nvSpPr>
+        <p:spPr>
+          <a:xfrm>
+            <a:off x="110362" y="6758732"/>
+            <a:ext cx="7393587" cy="584775"/>
+          </a:xfrm>
+          <a:prstGeom prst="rect">
+            <a:avLst/>
+          </a:prstGeom>
+          <a:noFill/>
+          <a:ln w="38100">
+            <a:solidFill>
+              <a:schemeClr val="tx1"/>
+            </a:solidFill>
+          </a:ln>
+        </p:spPr>
+        <p:txBody>
+          <a:bodyPr wrap="square">
+            <a:spAutoFit/>
+          </a:bodyPr>
+          <a:lstStyle/>
+          <a:p>
+            <a:r>
+              <a:rPr lang="en-CA" sz="1600" b="0" dirty="0">
+                <a:effectLst/>
+                <a:latin typeface="Consolas" panose="020B0609020204030204" pitchFamily="49" charset="0"/>
+              </a:rPr>
+              <a:t>var h1Element = </a:t>
+            </a:r>
+            <a:r>
+              <a:rPr lang="en-CA" sz="1600" b="0" dirty="0">
+                <a:effectLst/>
+                <a:highlight>
+                  <a:srgbClr val="FFFF00"/>
+                </a:highlight>
+                <a:latin typeface="Consolas" panose="020B0609020204030204" pitchFamily="49" charset="0"/>
+              </a:rPr>
+              <a:t>React.createElement</a:t>
+            </a:r>
+            <a:r>
+              <a:rPr lang="en-CA" sz="1600" b="0" dirty="0">
+                <a:effectLst/>
+                <a:latin typeface="Consolas" panose="020B0609020204030204" pitchFamily="49" charset="0"/>
+              </a:rPr>
+              <a:t>('h1', {</a:t>
+            </a:r>
+            <a:r>
+              <a:rPr lang="en-CA" sz="1600" b="0" dirty="0" err="1">
+                <a:effectLst/>
+                <a:latin typeface="Consolas" panose="020B0609020204030204" pitchFamily="49" charset="0"/>
+              </a:rPr>
+              <a:t>className:'header</a:t>
+            </a:r>
+            <a:r>
+              <a:rPr lang="en-CA" sz="1600" b="0" dirty="0">
+                <a:effectLst/>
+                <a:latin typeface="Consolas" panose="020B0609020204030204" pitchFamily="49" charset="0"/>
+              </a:rPr>
+              <a:t>'},'A Simple </a:t>
+            </a:r>
+            <a:r>
+              <a:rPr lang="en-CA" sz="1600" dirty="0">
+                <a:latin typeface="Consolas" panose="020B0609020204030204" pitchFamily="49" charset="0"/>
+              </a:rPr>
+              <a:t>React Example');</a:t>
+            </a:r>
+            <a:endParaRPr lang="en-CA" sz="1600" b="0" dirty="0">
+              <a:effectLst/>
+              <a:latin typeface="Consolas" panose="020B0609020204030204" pitchFamily="49" charset="0"/>
+            </a:endParaRPr>
+          </a:p>
+        </p:txBody>
+      </p:sp>
+      <p:sp>
+        <p:nvSpPr>
+          <p:cNvPr id="14" name="Rectangle: Rounded Corners 13">
+            <a:extLst>
+              <a:ext uri="{FF2B5EF4-FFF2-40B4-BE49-F238E27FC236}">
+                <a16:creationId xmlns:a16="http://schemas.microsoft.com/office/drawing/2014/main" id="{267A97FA-4F0C-15BB-55B2-17A0F851B144}"/>
+              </a:ext>
+            </a:extLst>
+          </p:cNvPr>
+          <p:cNvSpPr/>
+          <p:nvPr/>
+        </p:nvSpPr>
+        <p:spPr>
+          <a:xfrm>
+            <a:off x="208302" y="2281672"/>
+            <a:ext cx="7314544" cy="394283"/>
+          </a:xfrm>
+          <a:prstGeom prst="roundRect">
+            <a:avLst/>
+          </a:prstGeom>
+          <a:noFill/>
+        </p:spPr>
+        <p:style>
+          <a:lnRef idx="2">
+            <a:schemeClr val="accent1">
+              <a:shade val="50000"/>
+            </a:schemeClr>
+          </a:lnRef>
+          <a:fillRef idx="1">
+            <a:schemeClr val="accent1"/>
+          </a:fillRef>
+          <a:effectRef idx="0">
+            <a:schemeClr val="accent1"/>
+          </a:effectRef>
+          <a:fontRef idx="minor">
+            <a:schemeClr val="lt1"/>
+          </a:fontRef>
+        </p:style>
+        <p:txBody>
+          <a:bodyPr rtlCol="0" anchor="ctr"/>
+          <a:lstStyle/>
+          <a:p>
+            <a:pPr algn="ctr"/>
+            <a:endParaRPr lang="en-CA"/>
+          </a:p>
+        </p:txBody>
+      </p:sp>
+      <p:sp>
+        <p:nvSpPr>
+          <p:cNvPr id="15" name="TextBox 14">
+            <a:extLst>
+              <a:ext uri="{FF2B5EF4-FFF2-40B4-BE49-F238E27FC236}">
+                <a16:creationId xmlns:a16="http://schemas.microsoft.com/office/drawing/2014/main" id="{3D64171B-D506-8EBE-B709-EFE68F81FB78}"/>
+              </a:ext>
+            </a:extLst>
+          </p:cNvPr>
+          <p:cNvSpPr txBox="1"/>
+          <p:nvPr/>
+        </p:nvSpPr>
+        <p:spPr>
+          <a:xfrm>
+            <a:off x="110362" y="7482796"/>
+            <a:ext cx="4740593" cy="369332"/>
+          </a:xfrm>
+          <a:prstGeom prst="rect">
+            <a:avLst/>
+          </a:prstGeom>
+          <a:noFill/>
+        </p:spPr>
+        <p:txBody>
+          <a:bodyPr wrap="none" rtlCol="0">
+            <a:spAutoFit/>
+          </a:bodyPr>
+          <a:lstStyle/>
+          <a:p>
+            <a:r>
+              <a:rPr lang="en-CA" b="1" dirty="0"/>
+              <a:t>h1</a:t>
+            </a:r>
+            <a:r>
+              <a:rPr lang="en-CA" dirty="0"/>
+              <a:t>:     </a:t>
+            </a:r>
+            <a:r>
+              <a:rPr lang="en-CA" dirty="0">
+                <a:solidFill>
+                  <a:srgbClr val="00B050"/>
+                </a:solidFill>
+              </a:rPr>
+              <a:t>//type  -  The element I want to create</a:t>
+            </a:r>
+          </a:p>
+        </p:txBody>
+      </p:sp>
+      <p:sp>
+        <p:nvSpPr>
+          <p:cNvPr id="16" name="TextBox 15">
+            <a:extLst>
+              <a:ext uri="{FF2B5EF4-FFF2-40B4-BE49-F238E27FC236}">
+                <a16:creationId xmlns:a16="http://schemas.microsoft.com/office/drawing/2014/main" id="{4DEF44A3-A54A-657D-35FD-2B804AD28569}"/>
+              </a:ext>
+            </a:extLst>
+          </p:cNvPr>
+          <p:cNvSpPr txBox="1"/>
+          <p:nvPr/>
+        </p:nvSpPr>
+        <p:spPr>
+          <a:xfrm>
+            <a:off x="110362" y="7895951"/>
+            <a:ext cx="4481099" cy="369332"/>
+          </a:xfrm>
+          <a:prstGeom prst="rect">
+            <a:avLst/>
+          </a:prstGeom>
+          <a:noFill/>
+        </p:spPr>
+        <p:txBody>
+          <a:bodyPr wrap="none" rtlCol="0">
+            <a:spAutoFit/>
+          </a:bodyPr>
+          <a:lstStyle/>
+          <a:p>
+            <a:r>
+              <a:rPr lang="en-CA" b="1" dirty="0"/>
+              <a:t>{}:</a:t>
+            </a:r>
+            <a:r>
+              <a:rPr lang="en-CA" dirty="0"/>
+              <a:t>   </a:t>
+            </a:r>
+            <a:r>
+              <a:rPr lang="en-CA" dirty="0">
+                <a:solidFill>
+                  <a:srgbClr val="00B050"/>
+                </a:solidFill>
+              </a:rPr>
+              <a:t>//properties  of the element to create</a:t>
+            </a:r>
+          </a:p>
+        </p:txBody>
+      </p:sp>
+      <p:sp>
+        <p:nvSpPr>
+          <p:cNvPr id="17" name="TextBox 16">
+            <a:extLst>
+              <a:ext uri="{FF2B5EF4-FFF2-40B4-BE49-F238E27FC236}">
+                <a16:creationId xmlns:a16="http://schemas.microsoft.com/office/drawing/2014/main" id="{A3AEC4C1-59A9-5F5D-0671-57D021E1E855}"/>
+              </a:ext>
+            </a:extLst>
+          </p:cNvPr>
+          <p:cNvSpPr txBox="1"/>
+          <p:nvPr/>
+        </p:nvSpPr>
+        <p:spPr>
+          <a:xfrm>
+            <a:off x="110362" y="8294347"/>
+            <a:ext cx="6421951" cy="369332"/>
+          </a:xfrm>
+          <a:prstGeom prst="rect">
+            <a:avLst/>
+          </a:prstGeom>
+          <a:noFill/>
+        </p:spPr>
+        <p:txBody>
+          <a:bodyPr wrap="none" rtlCol="0">
+            <a:spAutoFit/>
+          </a:bodyPr>
+          <a:lstStyle/>
+          <a:p>
+            <a:r>
+              <a:rPr lang="en-CA" b="1" dirty="0">
+                <a:latin typeface="Consolas" panose="020B0609020204030204" pitchFamily="49" charset="0"/>
+              </a:rPr>
+              <a:t>A Simple React Example</a:t>
+            </a:r>
+            <a:r>
+              <a:rPr lang="en-CA" dirty="0"/>
+              <a:t>: </a:t>
+            </a:r>
+            <a:r>
+              <a:rPr lang="en-CA" dirty="0">
+                <a:solidFill>
+                  <a:srgbClr val="00B050"/>
+                </a:solidFill>
+              </a:rPr>
+              <a:t>//Children: Text, other elements</a:t>
+            </a:r>
+          </a:p>
+        </p:txBody>
+      </p:sp>
+      <p:sp>
+        <p:nvSpPr>
+          <p:cNvPr id="18" name="TextBox 17">
+            <a:extLst>
+              <a:ext uri="{FF2B5EF4-FFF2-40B4-BE49-F238E27FC236}">
+                <a16:creationId xmlns:a16="http://schemas.microsoft.com/office/drawing/2014/main" id="{A94AE978-980A-F55E-BA1E-F99723336A97}"/>
+              </a:ext>
+            </a:extLst>
+          </p:cNvPr>
+          <p:cNvSpPr txBox="1"/>
+          <p:nvPr/>
+        </p:nvSpPr>
+        <p:spPr>
+          <a:xfrm>
+            <a:off x="0" y="8652348"/>
+            <a:ext cx="7522846" cy="707886"/>
+          </a:xfrm>
+          <a:prstGeom prst="rect">
+            <a:avLst/>
+          </a:prstGeom>
+          <a:noFill/>
+        </p:spPr>
+        <p:txBody>
+          <a:bodyPr wrap="square">
+            <a:spAutoFit/>
+          </a:bodyPr>
+          <a:lstStyle/>
+          <a:p>
+            <a:r>
+              <a:rPr lang="en-CA" sz="2000" dirty="0">
+                <a:solidFill>
+                  <a:srgbClr val="C00000"/>
+                </a:solidFill>
+                <a:effectLst/>
+                <a:latin typeface="MS Shell Dlg 2" panose="020B0604030504040204" pitchFamily="34" charset="0"/>
+              </a:rPr>
+              <a:t>Where to add this new element to our html? </a:t>
+            </a:r>
+          </a:p>
+          <a:p>
+            <a:r>
+              <a:rPr lang="en-CA" sz="2000" dirty="0">
+                <a:effectLst/>
+                <a:latin typeface="MS Shell Dlg 2" panose="020B0604030504040204" pitchFamily="34" charset="0"/>
+              </a:rPr>
+              <a:t>Append the following to app.js</a:t>
+            </a:r>
+            <a:endParaRPr lang="en-CA" sz="2000" dirty="0"/>
+          </a:p>
+        </p:txBody>
+      </p:sp>
+      <p:sp>
+        <p:nvSpPr>
+          <p:cNvPr id="20" name="TextBox 19">
+            <a:extLst>
+              <a:ext uri="{FF2B5EF4-FFF2-40B4-BE49-F238E27FC236}">
+                <a16:creationId xmlns:a16="http://schemas.microsoft.com/office/drawing/2014/main" id="{F4ACBAFD-E515-454C-9A1D-7FC5FAD98A83}"/>
+              </a:ext>
+            </a:extLst>
+          </p:cNvPr>
+          <p:cNvSpPr txBox="1"/>
+          <p:nvPr/>
+        </p:nvSpPr>
+        <p:spPr>
+          <a:xfrm>
+            <a:off x="110361" y="9497920"/>
+            <a:ext cx="7393587" cy="369332"/>
+          </a:xfrm>
+          <a:prstGeom prst="rect">
+            <a:avLst/>
+          </a:prstGeom>
+          <a:noFill/>
+          <a:ln w="38100">
+            <a:solidFill>
+              <a:schemeClr val="tx1"/>
+            </a:solidFill>
+          </a:ln>
+        </p:spPr>
+        <p:txBody>
+          <a:bodyPr wrap="square">
+            <a:spAutoFit/>
+          </a:bodyPr>
+          <a:lstStyle/>
+          <a:p>
+            <a:r>
+              <a:rPr lang="en-CA" dirty="0" err="1">
+                <a:highlight>
+                  <a:srgbClr val="FFFF00"/>
+                </a:highlight>
+              </a:rPr>
+              <a:t>ReactDOM.render</a:t>
+            </a:r>
+            <a:r>
+              <a:rPr lang="en-CA" dirty="0"/>
+              <a:t>(</a:t>
+            </a:r>
+            <a:r>
+              <a:rPr lang="en-CA" dirty="0">
+                <a:latin typeface="Consolas" panose="020B0609020204030204" pitchFamily="49" charset="0"/>
+              </a:rPr>
+              <a:t>h1Element</a:t>
+            </a:r>
+            <a:r>
+              <a:rPr lang="en-CA" dirty="0"/>
+              <a:t>, </a:t>
+            </a:r>
+            <a:r>
+              <a:rPr lang="en-CA" dirty="0" err="1"/>
+              <a:t>document.getElementById</a:t>
+            </a:r>
+            <a:r>
+              <a:rPr lang="en-CA" dirty="0"/>
+              <a:t>('root'));</a:t>
+            </a:r>
+          </a:p>
+        </p:txBody>
+      </p:sp>
+      <p:sp>
+        <p:nvSpPr>
+          <p:cNvPr id="21" name="TextBox 20">
+            <a:extLst>
+              <a:ext uri="{FF2B5EF4-FFF2-40B4-BE49-F238E27FC236}">
+                <a16:creationId xmlns:a16="http://schemas.microsoft.com/office/drawing/2014/main" id="{46AA9909-603C-7BFC-AEC2-C45E2E2CDBBD}"/>
+              </a:ext>
+            </a:extLst>
+          </p:cNvPr>
+          <p:cNvSpPr txBox="1"/>
+          <p:nvPr/>
+        </p:nvSpPr>
+        <p:spPr>
+          <a:xfrm>
+            <a:off x="5576600" y="9240043"/>
+            <a:ext cx="1946246" cy="276999"/>
+          </a:xfrm>
+          <a:prstGeom prst="rect">
+            <a:avLst/>
+          </a:prstGeom>
+          <a:solidFill>
+            <a:srgbClr val="C00000"/>
+          </a:solidFill>
+        </p:spPr>
+        <p:txBody>
+          <a:bodyPr wrap="square" rtlCol="0">
+            <a:spAutoFit/>
+          </a:bodyPr>
+          <a:lstStyle/>
+          <a:p>
+            <a:r>
+              <a:rPr lang="en-CA" sz="1200" dirty="0">
+                <a:solidFill>
+                  <a:schemeClr val="bg1"/>
+                </a:solidFill>
+              </a:rPr>
+              <a:t>View html in the browser</a:t>
+            </a:r>
+          </a:p>
+        </p:txBody>
+      </p:sp>
+    </p:spTree>
+    <p:extLst>
+      <p:ext uri="{BB962C8B-B14F-4D97-AF65-F5344CB8AC3E}">
+        <p14:creationId xmlns:p14="http://schemas.microsoft.com/office/powerpoint/2010/main" val="1216413582"/>
+      </p:ext>
+    </p:extLst>
+  </p:cSld>
+  <p:clrMapOvr>
+    <a:masterClrMapping/>
+  </p:clrMapOvr>
+  <p:timing>
+    <p:tnLst>
+      <p:par>
+        <p:cTn id="1" dur="indefinite" restart="never" nodeType="tmRoot">
+          <p:childTnLst>
+            <p:seq concurrent="1" nextAc="seek">
+              <p:cTn id="2" dur="indefinite" nodeType="mainSeq">
+                <p:childTnLst>
+                  <p:par>
+                    <p:cTn id="3" fill="hold">
+                      <p:stCondLst>
+                        <p:cond delay="indefinite"/>
+                      </p:stCondLst>
+                      <p:childTnLst>
+                        <p:par>
+                          <p:cTn id="4" fill="hold">
+                            <p:stCondLst>
+                              <p:cond delay="0"/>
+                            </p:stCondLst>
+                            <p:childTnLst>
+                              <p:par>
+                                <p:cTn id="5" presetID="1" presetClass="entr" presetSubtype="0" fill="hold" grpId="0" nodeType="clickEffect">
+                                  <p:stCondLst>
+                                    <p:cond delay="0"/>
+                                  </p:stCondLst>
+                                  <p:childTnLst>
+                                    <p:set>
+                                      <p:cBhvr>
+                                        <p:cTn id="6" dur="1" fill="hold">
+                                          <p:stCondLst>
+                                            <p:cond delay="0"/>
+                                          </p:stCondLst>
+                                        </p:cTn>
+                                        <p:tgtEl>
+                                          <p:spTgt spid="4"/>
+                                        </p:tgtEl>
+                                        <p:attrNameLst>
+                                          <p:attrName>style.visibility</p:attrName>
+                                        </p:attrNameLst>
+                                      </p:cBhvr>
+                                      <p:to>
+                                        <p:strVal val="visible"/>
+                                      </p:to>
+                                    </p:set>
+                                  </p:childTnLst>
+                                </p:cTn>
+                              </p:par>
+                            </p:childTnLst>
+                          </p:cTn>
+                        </p:par>
+                      </p:childTnLst>
+                    </p:cTn>
+                  </p:par>
+                  <p:par>
+                    <p:cTn id="7" fill="hold">
+                      <p:stCondLst>
+                        <p:cond delay="indefinite"/>
+                      </p:stCondLst>
+                      <p:childTnLst>
+                        <p:par>
+                          <p:cTn id="8" fill="hold">
+                            <p:stCondLst>
+                              <p:cond delay="0"/>
+                            </p:stCondLst>
+                            <p:childTnLst>
+                              <p:par>
+                                <p:cTn id="9" presetID="1" presetClass="entr" presetSubtype="0" fill="hold" grpId="0" nodeType="clickEffect">
+                                  <p:stCondLst>
+                                    <p:cond delay="0"/>
+                                  </p:stCondLst>
+                                  <p:childTnLst>
+                                    <p:set>
+                                      <p:cBhvr>
+                                        <p:cTn id="10" dur="1" fill="hold">
+                                          <p:stCondLst>
+                                            <p:cond delay="0"/>
+                                          </p:stCondLst>
+                                        </p:cTn>
+                                        <p:tgtEl>
+                                          <p:spTgt spid="5"/>
+                                        </p:tgtEl>
+                                        <p:attrNameLst>
+                                          <p:attrName>style.visibility</p:attrName>
+                                        </p:attrNameLst>
+                                      </p:cBhvr>
+                                      <p:to>
+                                        <p:strVal val="visible"/>
+                                      </p:to>
+                                    </p:set>
+                                  </p:childTnLst>
+                                </p:cTn>
+                              </p:par>
+                            </p:childTnLst>
+                          </p:cTn>
+                        </p:par>
+                      </p:childTnLst>
+                    </p:cTn>
+                  </p:par>
+                  <p:par>
+                    <p:cTn id="11" fill="hold">
+                      <p:stCondLst>
+                        <p:cond delay="indefinite"/>
+                      </p:stCondLst>
+                      <p:childTnLst>
+                        <p:par>
+                          <p:cTn id="12" fill="hold">
+                            <p:stCondLst>
+                              <p:cond delay="0"/>
+                            </p:stCondLst>
+                            <p:childTnLst>
+                              <p:par>
+                                <p:cTn id="13" presetID="1" presetClass="entr" presetSubtype="0" fill="hold" grpId="0" nodeType="clickEffect">
+                                  <p:stCondLst>
+                                    <p:cond delay="0"/>
+                                  </p:stCondLst>
+                                  <p:childTnLst>
+                                    <p:set>
+                                      <p:cBhvr>
+                                        <p:cTn id="14" dur="1" fill="hold">
+                                          <p:stCondLst>
+                                            <p:cond delay="0"/>
+                                          </p:stCondLst>
+                                        </p:cTn>
+                                        <p:tgtEl>
+                                          <p:spTgt spid="6"/>
+                                        </p:tgtEl>
+                                        <p:attrNameLst>
+                                          <p:attrName>style.visibility</p:attrName>
+                                        </p:attrNameLst>
+                                      </p:cBhvr>
+                                      <p:to>
+                                        <p:strVal val="visible"/>
+                                      </p:to>
+                                    </p:set>
+                                  </p:childTnLst>
+                                </p:cTn>
+                              </p:par>
+                            </p:childTnLst>
+                          </p:cTn>
+                        </p:par>
+                      </p:childTnLst>
+                    </p:cTn>
+                  </p:par>
+                  <p:par>
+                    <p:cTn id="15" fill="hold">
+                      <p:stCondLst>
+                        <p:cond delay="indefinite"/>
+                      </p:stCondLst>
+                      <p:childTnLst>
+                        <p:par>
+                          <p:cTn id="16" fill="hold">
+                            <p:stCondLst>
+                              <p:cond delay="0"/>
+                            </p:stCondLst>
+                            <p:childTnLst>
+                              <p:par>
+                                <p:cTn id="17" presetID="1" presetClass="entr" presetSubtype="0" fill="hold" grpId="0" nodeType="clickEffect">
+                                  <p:stCondLst>
+                                    <p:cond delay="0"/>
+                                  </p:stCondLst>
+                                  <p:childTnLst>
+                                    <p:set>
+                                      <p:cBhvr>
+                                        <p:cTn id="18" dur="1" fill="hold">
+                                          <p:stCondLst>
+                                            <p:cond delay="0"/>
+                                          </p:stCondLst>
+                                        </p:cTn>
+                                        <p:tgtEl>
+                                          <p:spTgt spid="8"/>
+                                        </p:tgtEl>
+                                        <p:attrNameLst>
+                                          <p:attrName>style.visibility</p:attrName>
+                                        </p:attrNameLst>
+                                      </p:cBhvr>
+                                      <p:to>
+                                        <p:strVal val="visible"/>
+                                      </p:to>
+                                    </p:set>
+                                  </p:childTnLst>
+                                </p:cTn>
+                              </p:par>
+                            </p:childTnLst>
+                          </p:cTn>
+                        </p:par>
+                      </p:childTnLst>
+                    </p:cTn>
+                  </p:par>
+                  <p:par>
+                    <p:cTn id="19" fill="hold">
+                      <p:stCondLst>
+                        <p:cond delay="indefinite"/>
+                      </p:stCondLst>
+                      <p:childTnLst>
+                        <p:par>
+                          <p:cTn id="20" fill="hold">
+                            <p:stCondLst>
+                              <p:cond delay="0"/>
+                            </p:stCondLst>
+                            <p:childTnLst>
+                              <p:par>
+                                <p:cTn id="21" presetID="1" presetClass="entr" presetSubtype="0" fill="hold" grpId="0" nodeType="clickEffect">
+                                  <p:stCondLst>
+                                    <p:cond delay="0"/>
+                                  </p:stCondLst>
+                                  <p:childTnLst>
+                                    <p:set>
+                                      <p:cBhvr>
+                                        <p:cTn id="22" dur="1" fill="hold">
+                                          <p:stCondLst>
+                                            <p:cond delay="0"/>
+                                          </p:stCondLst>
+                                        </p:cTn>
+                                        <p:tgtEl>
+                                          <p:spTgt spid="14"/>
+                                        </p:tgtEl>
+                                        <p:attrNameLst>
+                                          <p:attrName>style.visibility</p:attrName>
+                                        </p:attrNameLst>
+                                      </p:cBhvr>
+                                      <p:to>
+                                        <p:strVal val="visible"/>
+                                      </p:to>
+                                    </p:set>
+                                  </p:childTnLst>
+                                </p:cTn>
+                              </p:par>
+                            </p:childTnLst>
+                          </p:cTn>
+                        </p:par>
+                      </p:childTnLst>
+                    </p:cTn>
+                  </p:par>
+                  <p:par>
+                    <p:cTn id="23" fill="hold">
+                      <p:stCondLst>
+                        <p:cond delay="indefinite"/>
+                      </p:stCondLst>
+                      <p:childTnLst>
+                        <p:par>
+                          <p:cTn id="24" fill="hold">
+                            <p:stCondLst>
+                              <p:cond delay="0"/>
+                            </p:stCondLst>
+                            <p:childTnLst>
+                              <p:par>
+                                <p:cTn id="25" presetID="1" presetClass="entr" presetSubtype="0" fill="hold" grpId="0" nodeType="clickEffect">
+                                  <p:stCondLst>
+                                    <p:cond delay="0"/>
+                                  </p:stCondLst>
+                                  <p:childTnLst>
+                                    <p:set>
+                                      <p:cBhvr>
+                                        <p:cTn id="26" dur="1" fill="hold">
+                                          <p:stCondLst>
+                                            <p:cond delay="0"/>
+                                          </p:stCondLst>
+                                        </p:cTn>
+                                        <p:tgtEl>
+                                          <p:spTgt spid="9"/>
+                                        </p:tgtEl>
+                                        <p:attrNameLst>
+                                          <p:attrName>style.visibility</p:attrName>
+                                        </p:attrNameLst>
+                                      </p:cBhvr>
+                                      <p:to>
+                                        <p:strVal val="visible"/>
+                                      </p:to>
+                                    </p:set>
+                                  </p:childTnLst>
+                                </p:cTn>
+                              </p:par>
+                            </p:childTnLst>
+                          </p:cTn>
+                        </p:par>
+                      </p:childTnLst>
+                    </p:cTn>
+                  </p:par>
+                  <p:par>
+                    <p:cTn id="27" fill="hold">
+                      <p:stCondLst>
+                        <p:cond delay="indefinite"/>
+                      </p:stCondLst>
+                      <p:childTnLst>
+                        <p:par>
+                          <p:cTn id="28" fill="hold">
+                            <p:stCondLst>
+                              <p:cond delay="0"/>
+                            </p:stCondLst>
+                            <p:childTnLst>
+                              <p:par>
+                                <p:cTn id="29" presetID="1" presetClass="entr" presetSubtype="0" fill="hold" grpId="0" nodeType="clickEffect">
+                                  <p:stCondLst>
+                                    <p:cond delay="0"/>
+                                  </p:stCondLst>
+                                  <p:childTnLst>
+                                    <p:set>
+                                      <p:cBhvr>
+                                        <p:cTn id="30" dur="1" fill="hold">
+                                          <p:stCondLst>
+                                            <p:cond delay="0"/>
+                                          </p:stCondLst>
+                                        </p:cTn>
+                                        <p:tgtEl>
+                                          <p:spTgt spid="11"/>
+                                        </p:tgtEl>
+                                        <p:attrNameLst>
+                                          <p:attrName>style.visibility</p:attrName>
+                                        </p:attrNameLst>
+                                      </p:cBhvr>
+                                      <p:to>
+                                        <p:strVal val="visible"/>
+                                      </p:to>
+                                    </p:set>
+                                  </p:childTnLst>
+                                </p:cTn>
+                              </p:par>
+                            </p:childTnLst>
+                          </p:cTn>
+                        </p:par>
+                      </p:childTnLst>
+                    </p:cTn>
+                  </p:par>
+                  <p:par>
+                    <p:cTn id="31" fill="hold">
+                      <p:stCondLst>
+                        <p:cond delay="indefinite"/>
+                      </p:stCondLst>
+                      <p:childTnLst>
+                        <p:par>
+                          <p:cTn id="32" fill="hold">
+                            <p:stCondLst>
+                              <p:cond delay="0"/>
+                            </p:stCondLst>
+                            <p:childTnLst>
+                              <p:par>
+                                <p:cTn id="33" presetID="1" presetClass="entr" presetSubtype="0" fill="hold" grpId="0" nodeType="clickEffect">
+                                  <p:stCondLst>
+                                    <p:cond delay="0"/>
+                                  </p:stCondLst>
+                                  <p:childTnLst>
+                                    <p:set>
+                                      <p:cBhvr>
+                                        <p:cTn id="34" dur="1" fill="hold">
+                                          <p:stCondLst>
+                                            <p:cond delay="0"/>
+                                          </p:stCondLst>
+                                        </p:cTn>
+                                        <p:tgtEl>
+                                          <p:spTgt spid="12"/>
+                                        </p:tgtEl>
+                                        <p:attrNameLst>
+                                          <p:attrName>style.visibility</p:attrName>
+                                        </p:attrNameLst>
+                                      </p:cBhvr>
+                                      <p:to>
+                                        <p:strVal val="visible"/>
+                                      </p:to>
+                                    </p:set>
+                                  </p:childTnLst>
+                                </p:cTn>
+                              </p:par>
+                            </p:childTnLst>
+                          </p:cTn>
+                        </p:par>
+                      </p:childTnLst>
+                    </p:cTn>
+                  </p:par>
+                  <p:par>
+                    <p:cTn id="35" fill="hold">
+                      <p:stCondLst>
+                        <p:cond delay="indefinite"/>
+                      </p:stCondLst>
+                      <p:childTnLst>
+                        <p:par>
+                          <p:cTn id="36" fill="hold">
+                            <p:stCondLst>
+                              <p:cond delay="0"/>
+                            </p:stCondLst>
+                            <p:childTnLst>
+                              <p:par>
+                                <p:cTn id="37" presetID="1" presetClass="entr" presetSubtype="0" fill="hold" grpId="0" nodeType="clickEffect">
+                                  <p:stCondLst>
+                                    <p:cond delay="0"/>
+                                  </p:stCondLst>
+                                  <p:childTnLst>
+                                    <p:set>
+                                      <p:cBhvr>
+                                        <p:cTn id="38" dur="1" fill="hold">
+                                          <p:stCondLst>
+                                            <p:cond delay="0"/>
+                                          </p:stCondLst>
+                                        </p:cTn>
+                                        <p:tgtEl>
+                                          <p:spTgt spid="13"/>
+                                        </p:tgtEl>
+                                        <p:attrNameLst>
+                                          <p:attrName>style.visibility</p:attrName>
+                                        </p:attrNameLst>
+                                      </p:cBhvr>
+                                      <p:to>
+                                        <p:strVal val="visible"/>
+                                      </p:to>
+                                    </p:set>
+                                  </p:childTnLst>
+                                </p:cTn>
+                              </p:par>
+                            </p:childTnLst>
+                          </p:cTn>
+                        </p:par>
+                      </p:childTnLst>
+                    </p:cTn>
+                  </p:par>
+                  <p:par>
+                    <p:cTn id="39" fill="hold">
+                      <p:stCondLst>
+                        <p:cond delay="indefinite"/>
+                      </p:stCondLst>
+                      <p:childTnLst>
+                        <p:par>
+                          <p:cTn id="40" fill="hold">
+                            <p:stCondLst>
+                              <p:cond delay="0"/>
+                            </p:stCondLst>
+                            <p:childTnLst>
+                              <p:par>
+                                <p:cTn id="41" presetID="1" presetClass="entr" presetSubtype="0" fill="hold" grpId="0" nodeType="clickEffect">
+                                  <p:stCondLst>
+                                    <p:cond delay="0"/>
+                                  </p:stCondLst>
+                                  <p:childTnLst>
+                                    <p:set>
+                                      <p:cBhvr>
+                                        <p:cTn id="42" dur="1" fill="hold">
+                                          <p:stCondLst>
+                                            <p:cond delay="0"/>
+                                          </p:stCondLst>
+                                        </p:cTn>
+                                        <p:tgtEl>
+                                          <p:spTgt spid="15"/>
+                                        </p:tgtEl>
+                                        <p:attrNameLst>
+                                          <p:attrName>style.visibility</p:attrName>
+                                        </p:attrNameLst>
+                                      </p:cBhvr>
+                                      <p:to>
+                                        <p:strVal val="visible"/>
+                                      </p:to>
+                                    </p:set>
+                                  </p:childTnLst>
+                                </p:cTn>
+                              </p:par>
+                            </p:childTnLst>
+                          </p:cTn>
+                        </p:par>
+                      </p:childTnLst>
+                    </p:cTn>
+                  </p:par>
+                  <p:par>
+                    <p:cTn id="43" fill="hold">
+                      <p:stCondLst>
+                        <p:cond delay="indefinite"/>
+                      </p:stCondLst>
+                      <p:childTnLst>
+                        <p:par>
+                          <p:cTn id="44" fill="hold">
+                            <p:stCondLst>
+                              <p:cond delay="0"/>
+                            </p:stCondLst>
+                            <p:childTnLst>
+                              <p:par>
+                                <p:cTn id="45" presetID="1" presetClass="entr" presetSubtype="0" fill="hold" grpId="0" nodeType="clickEffect">
+                                  <p:stCondLst>
+                                    <p:cond delay="0"/>
+                                  </p:stCondLst>
+                                  <p:childTnLst>
+                                    <p:set>
+                                      <p:cBhvr>
+                                        <p:cTn id="46" dur="1" fill="hold">
+                                          <p:stCondLst>
+                                            <p:cond delay="0"/>
+                                          </p:stCondLst>
+                                        </p:cTn>
+                                        <p:tgtEl>
+                                          <p:spTgt spid="16"/>
+                                        </p:tgtEl>
+                                        <p:attrNameLst>
+                                          <p:attrName>style.visibility</p:attrName>
+                                        </p:attrNameLst>
+                                      </p:cBhvr>
+                                      <p:to>
+                                        <p:strVal val="visible"/>
+                                      </p:to>
+                                    </p:set>
+                                  </p:childTnLst>
+                                </p:cTn>
+                              </p:par>
+                            </p:childTnLst>
+                          </p:cTn>
+                        </p:par>
+                      </p:childTnLst>
+                    </p:cTn>
+                  </p:par>
+                  <p:par>
+                    <p:cTn id="47" fill="hold">
+                      <p:stCondLst>
+                        <p:cond delay="indefinite"/>
+                      </p:stCondLst>
+                      <p:childTnLst>
+                        <p:par>
+                          <p:cTn id="48" fill="hold">
+                            <p:stCondLst>
+                              <p:cond delay="0"/>
+                            </p:stCondLst>
+                            <p:childTnLst>
+                              <p:par>
+                                <p:cTn id="49" presetID="1" presetClass="entr" presetSubtype="0" fill="hold" grpId="0" nodeType="clickEffect">
+                                  <p:stCondLst>
+                                    <p:cond delay="0"/>
+                                  </p:stCondLst>
+                                  <p:childTnLst>
+                                    <p:set>
+                                      <p:cBhvr>
+                                        <p:cTn id="50" dur="1" fill="hold">
+                                          <p:stCondLst>
+                                            <p:cond delay="0"/>
+                                          </p:stCondLst>
+                                        </p:cTn>
+                                        <p:tgtEl>
+                                          <p:spTgt spid="17"/>
+                                        </p:tgtEl>
+                                        <p:attrNameLst>
+                                          <p:attrName>style.visibility</p:attrName>
+                                        </p:attrNameLst>
+                                      </p:cBhvr>
+                                      <p:to>
+                                        <p:strVal val="visible"/>
+                                      </p:to>
+                                    </p:set>
+                                  </p:childTnLst>
+                                </p:cTn>
+                              </p:par>
+                            </p:childTnLst>
+                          </p:cTn>
+                        </p:par>
+                      </p:childTnLst>
+                    </p:cTn>
+                  </p:par>
+                  <p:par>
+                    <p:cTn id="51" fill="hold">
+                      <p:stCondLst>
+                        <p:cond delay="indefinite"/>
+                      </p:stCondLst>
+                      <p:childTnLst>
+                        <p:par>
+                          <p:cTn id="52" fill="hold">
+                            <p:stCondLst>
+                              <p:cond delay="0"/>
+                            </p:stCondLst>
+                            <p:childTnLst>
+                              <p:par>
+                                <p:cTn id="53" presetID="1" presetClass="entr" presetSubtype="0" fill="hold" grpId="0" nodeType="clickEffect">
+                                  <p:stCondLst>
+                                    <p:cond delay="0"/>
+                                  </p:stCondLst>
+                                  <p:childTnLst>
+                                    <p:set>
+                                      <p:cBhvr>
+                                        <p:cTn id="54" dur="1" fill="hold">
+                                          <p:stCondLst>
+                                            <p:cond delay="0"/>
+                                          </p:stCondLst>
+                                        </p:cTn>
+                                        <p:tgtEl>
+                                          <p:spTgt spid="18"/>
+                                        </p:tgtEl>
+                                        <p:attrNameLst>
+                                          <p:attrName>style.visibility</p:attrName>
+                                        </p:attrNameLst>
+                                      </p:cBhvr>
+                                      <p:to>
+                                        <p:strVal val="visible"/>
+                                      </p:to>
+                                    </p:set>
+                                  </p:childTnLst>
+                                </p:cTn>
+                              </p:par>
+                            </p:childTnLst>
+                          </p:cTn>
+                        </p:par>
+                      </p:childTnLst>
+                    </p:cTn>
+                  </p:par>
+                  <p:par>
+                    <p:cTn id="55" fill="hold">
+                      <p:stCondLst>
+                        <p:cond delay="indefinite"/>
+                      </p:stCondLst>
+                      <p:childTnLst>
+                        <p:par>
+                          <p:cTn id="56" fill="hold">
+                            <p:stCondLst>
+                              <p:cond delay="0"/>
+                            </p:stCondLst>
+                            <p:childTnLst>
+                              <p:par>
+                                <p:cTn id="57" presetID="1" presetClass="entr" presetSubtype="0" fill="hold" grpId="0" nodeType="clickEffect">
+                                  <p:stCondLst>
+                                    <p:cond delay="0"/>
+                                  </p:stCondLst>
+                                  <p:childTnLst>
+                                    <p:set>
+                                      <p:cBhvr>
+                                        <p:cTn id="58" dur="1" fill="hold">
+                                          <p:stCondLst>
+                                            <p:cond delay="0"/>
+                                          </p:stCondLst>
+                                        </p:cTn>
+                                        <p:tgtEl>
+                                          <p:spTgt spid="20"/>
+                                        </p:tgtEl>
+                                        <p:attrNameLst>
+                                          <p:attrName>style.visibility</p:attrName>
+                                        </p:attrNameLst>
+                                      </p:cBhvr>
+                                      <p:to>
+                                        <p:strVal val="visible"/>
+                                      </p:to>
+                                    </p:set>
+                                  </p:childTnLst>
+                                </p:cTn>
+                              </p:par>
+                            </p:childTnLst>
+                          </p:cTn>
+                        </p:par>
+                      </p:childTnLst>
+                    </p:cTn>
+                  </p:par>
+                  <p:par>
+                    <p:cTn id="59" fill="hold">
+                      <p:stCondLst>
+                        <p:cond delay="indefinite"/>
+                      </p:stCondLst>
+                      <p:childTnLst>
+                        <p:par>
+                          <p:cTn id="60" fill="hold">
+                            <p:stCondLst>
+                              <p:cond delay="0"/>
+                            </p:stCondLst>
+                            <p:childTnLst>
+                              <p:par>
+                                <p:cTn id="61" presetID="1" presetClass="entr" presetSubtype="0" fill="hold" grpId="0" nodeType="clickEffect">
+                                  <p:stCondLst>
+                                    <p:cond delay="0"/>
+                                  </p:stCondLst>
+                                  <p:childTnLst>
+                                    <p:set>
+                                      <p:cBhvr>
+                                        <p:cTn id="62" dur="1" fill="hold">
+                                          <p:stCondLst>
+                                            <p:cond delay="0"/>
+                                          </p:stCondLst>
+                                        </p:cTn>
+                                        <p:tgtEl>
+                                          <p:spTgt spid="21"/>
+                                        </p:tgtEl>
+                                        <p:attrNameLst>
+                                          <p:attrName>style.visibility</p:attrName>
+                                        </p:attrNameLst>
+                                      </p:cBhvr>
+                                      <p:to>
+                                        <p:strVal val="visible"/>
+                                      </p:to>
+                                    </p:set>
+                                  </p:childTnLst>
+                                </p:cTn>
+                              </p:par>
+                            </p:childTnLst>
+                          </p:cTn>
+                        </p:par>
+                      </p:childTnLst>
+                    </p:cTn>
+                  </p:par>
+                </p:childTnLst>
+              </p:cTn>
+              <p:prevCondLst>
+                <p:cond evt="onPrev" delay="0">
+                  <p:tgtEl>
+                    <p:sldTgt/>
+                  </p:tgtEl>
+                </p:cond>
+              </p:prevCondLst>
+              <p:nextCondLst>
+                <p:cond evt="onNext" delay="0">
+                  <p:tgtEl>
+                    <p:sldTgt/>
+                  </p:tgtEl>
+                </p:cond>
+              </p:nextCondLst>
+            </p:seq>
+          </p:childTnLst>
+        </p:cTn>
+      </p:par>
+    </p:tnLst>
+    <p:bldLst>
+      <p:bldP spid="4" grpId="0"/>
+      <p:bldP spid="5" grpId="0"/>
+      <p:bldP spid="6" grpId="0"/>
+      <p:bldP spid="8" grpId="0" animBg="1"/>
+      <p:bldP spid="9" grpId="0"/>
+      <p:bldP spid="11" grpId="0" animBg="1"/>
+      <p:bldP spid="12" grpId="0"/>
+      <p:bldP spid="13" grpId="0" animBg="1"/>
+      <p:bldP spid="14" grpId="0" animBg="1"/>
+      <p:bldP spid="15" grpId="0"/>
+      <p:bldP spid="16" grpId="0"/>
+      <p:bldP spid="17" grpId="0"/>
+      <p:bldP spid="18" grpId="0"/>
+      <p:bldP spid="20" grpId="0" animBg="1"/>
+      <p:bldP spid="21" grpId="0" animBg="1"/>
+    </p:bldLst>
+  </p:timing>
+  <p:extLst>
+    <p:ext uri="{6950BFC3-D8DA-4A85-94F7-54DA5524770B}">
+      <p188:commentRel xmlns:p188="http://schemas.microsoft.com/office/powerpoint/2018/8/main" r:id="rId2"/>
+    </p:ext>
+  </p:extLst>
+</p:sld>
+</file>
+
+<file path=ppt/slides/slide18.xml><?xml version="1.0" encoding="utf-8"?>
+<p:sld xmlns:a="http://schemas.openxmlformats.org/drawingml/2006/main" xmlns:r="http://schemas.openxmlformats.org/officeDocument/2006/relationships" xmlns:p="http://schemas.openxmlformats.org/presentationml/2006/main">
+  <p:cSld>
+    <p:spTree>
+      <p:nvGrpSpPr>
+        <p:cNvPr id="1" name=""/>
+        <p:cNvGrpSpPr/>
+        <p:nvPr/>
+      </p:nvGrpSpPr>
+      <p:grpSpPr>
+        <a:xfrm>
+          <a:off x="0" y="0"/>
+          <a:ext cx="0" cy="0"/>
+          <a:chOff x="0" y="0"/>
+          <a:chExt cx="0" cy="0"/>
+        </a:xfrm>
+      </p:grpSpPr>
+      <p:sp>
+        <p:nvSpPr>
           <p:cNvPr id="2" name="Rectangle 1">
             <a:extLst>
               <a:ext uri="{FF2B5EF4-FFF2-40B4-BE49-F238E27FC236}">
@@ -5044,6 +9272,9 @@
           <a:prstGeom prst="rect">
             <a:avLst/>
           </a:prstGeom>
+          <a:solidFill>
+            <a:srgbClr val="C00000"/>
+          </a:solidFill>
         </p:spPr>
         <p:style>
           <a:lnRef idx="2">
@@ -5093,6 +9324,9 @@
           <a:prstGeom prst="rect">
             <a:avLst/>
           </a:prstGeom>
+          <a:solidFill>
+            <a:srgbClr val="C00000"/>
+          </a:solidFill>
         </p:spPr>
         <p:style>
           <a:lnRef idx="2">
@@ -5293,7 +9527,7 @@
         </p:nvCxnSpPr>
         <p:spPr>
           <a:xfrm>
-            <a:off x="3886200" y="2462922"/>
+            <a:off x="3886200" y="2341756"/>
             <a:ext cx="0" cy="1271241"/>
           </a:xfrm>
           <a:prstGeom prst="straightConnector1">
@@ -5318,85 +9552,12 @@
           </a:fontRef>
         </p:style>
       </p:cxnSp>
-      <p:cxnSp>
-        <p:nvCxnSpPr>
-          <p:cNvPr id="11" name="Connector: Elbow 10">
+      <p:sp>
+        <p:nvSpPr>
+          <p:cNvPr id="4" name="Rectangle 3">
             <a:extLst>
               <a:ext uri="{FF2B5EF4-FFF2-40B4-BE49-F238E27FC236}">
-                <a16:creationId xmlns:a16="http://schemas.microsoft.com/office/drawing/2014/main" id="{B5866C13-5906-5C9C-DF68-351D65EE654D}"/>
-              </a:ext>
-            </a:extLst>
-          </p:cNvPr>
-          <p:cNvCxnSpPr>
-            <a:cxnSpLocks/>
-          </p:cNvCxnSpPr>
-          <p:nvPr/>
-        </p:nvCxnSpPr>
-        <p:spPr>
-          <a:xfrm rot="10800000">
-            <a:off x="2278506" y="897674"/>
-            <a:ext cx="1723871" cy="611459"/>
-          </a:xfrm>
-          <a:prstGeom prst="bentConnector3">
-            <a:avLst>
-              <a:gd name="adj1" fmla="val 8261"/>
-            </a:avLst>
-          </a:prstGeom>
-          <a:ln>
-            <a:tailEnd type="triangle"/>
-          </a:ln>
-        </p:spPr>
-        <p:style>
-          <a:lnRef idx="1">
-            <a:schemeClr val="accent1"/>
-          </a:lnRef>
-          <a:fillRef idx="0">
-            <a:schemeClr val="accent1"/>
-          </a:fillRef>
-          <a:effectRef idx="0">
-            <a:schemeClr val="accent1"/>
-          </a:effectRef>
-          <a:fontRef idx="minor">
-            <a:schemeClr val="tx1"/>
-          </a:fontRef>
-        </p:style>
-      </p:cxnSp>
-    </p:spTree>
-    <p:extLst>
-      <p:ext uri="{BB962C8B-B14F-4D97-AF65-F5344CB8AC3E}">
-        <p14:creationId xmlns:p14="http://schemas.microsoft.com/office/powerpoint/2010/main" val="3648292200"/>
-      </p:ext>
-    </p:extLst>
-  </p:cSld>
-  <p:clrMapOvr>
-    <a:masterClrMapping/>
-  </p:clrMapOvr>
-</p:sld>
-</file>
-
-<file path=ppt/slides/slide15.xml><?xml version="1.0" encoding="utf-8"?>
-<p:sld xmlns:a="http://schemas.openxmlformats.org/drawingml/2006/main" xmlns:r="http://schemas.openxmlformats.org/officeDocument/2006/relationships" xmlns:p="http://schemas.openxmlformats.org/presentationml/2006/main">
-  <p:cSld>
-    <p:spTree>
-      <p:nvGrpSpPr>
-        <p:cNvPr id="1" name=""/>
-        <p:cNvGrpSpPr/>
-        <p:nvPr/>
-      </p:nvGrpSpPr>
-      <p:grpSpPr>
-        <a:xfrm>
-          <a:off x="0" y="0"/>
-          <a:ext cx="0" cy="0"/>
-          <a:chOff x="0" y="0"/>
-          <a:chExt cx="0" cy="0"/>
-        </a:xfrm>
-      </p:grpSpPr>
-      <p:sp>
-        <p:nvSpPr>
-          <p:cNvPr id="2" name="Rectangle 1">
-            <a:extLst>
-              <a:ext uri="{FF2B5EF4-FFF2-40B4-BE49-F238E27FC236}">
-                <a16:creationId xmlns:a16="http://schemas.microsoft.com/office/drawing/2014/main" id="{6D250C92-2EA1-C6B7-6226-C3A5CE87AFB6}"/>
+                <a16:creationId xmlns:a16="http://schemas.microsoft.com/office/drawing/2014/main" id="{9F37B987-7975-01DA-B471-A2E24ACD5C09}"/>
               </a:ext>
             </a:extLst>
           </p:cNvPr>
@@ -5405,56 +9566,50 @@
         </p:nvSpPr>
         <p:spPr>
           <a:xfrm>
-            <a:off x="153888" y="50157"/>
-            <a:ext cx="6869060" cy="923330"/>
+            <a:off x="3051716" y="3618728"/>
+            <a:ext cx="1873405" cy="832624"/>
           </a:xfrm>
           <a:prstGeom prst="rect">
             <a:avLst/>
           </a:prstGeom>
-          <a:noFill/>
+          <a:solidFill>
+            <a:srgbClr val="C00000"/>
+          </a:solidFill>
         </p:spPr>
+        <p:style>
+          <a:lnRef idx="2">
+            <a:schemeClr val="accent1">
+              <a:shade val="50000"/>
+            </a:schemeClr>
+          </a:lnRef>
+          <a:fillRef idx="1">
+            <a:schemeClr val="accent1"/>
+          </a:fillRef>
+          <a:effectRef idx="0">
+            <a:schemeClr val="accent1"/>
+          </a:effectRef>
+          <a:fontRef idx="minor">
+            <a:schemeClr val="lt1"/>
+          </a:fontRef>
+        </p:style>
         <p:txBody>
-          <a:bodyPr wrap="none" lIns="91440" tIns="45720" rIns="91440" bIns="45720">
-            <a:spAutoFit/>
-          </a:bodyPr>
+          <a:bodyPr rtlCol="0" anchor="ctr"/>
           <a:lstStyle/>
           <a:p>
             <a:pPr algn="ctr"/>
             <a:r>
-              <a:rPr lang="en-US" sz="5400" dirty="0">
-                <a:ln w="0"/>
-                <a:effectLst>
-                  <a:outerShdw blurRad="38100" dist="19050" dir="2700000" algn="tl" rotWithShape="0">
-                    <a:schemeClr val="dk1">
-                      <a:alpha val="40000"/>
-                    </a:schemeClr>
-                  </a:outerShdw>
-                </a:effectLst>
-              </a:rPr>
-              <a:t>React Component - 2</a:t>
-            </a:r>
-            <a:endParaRPr lang="en-US" sz="5400" b="0" cap="none" spc="0" dirty="0">
-              <a:ln w="0"/>
-              <a:solidFill>
-                <a:schemeClr val="tx1"/>
-              </a:solidFill>
-              <a:effectLst>
-                <a:outerShdw blurRad="38100" dist="19050" dir="2700000" algn="tl" rotWithShape="0">
-                  <a:schemeClr val="dk1">
-                    <a:alpha val="40000"/>
-                  </a:schemeClr>
-                </a:outerShdw>
-              </a:effectLst>
-            </a:endParaRPr>
+              <a:rPr lang="en-CA" dirty="0"/>
+              <a:t>Render as a …</a:t>
+            </a:r>
           </a:p>
         </p:txBody>
       </p:sp>
       <p:sp>
         <p:nvSpPr>
-          <p:cNvPr id="3" name="Rectangle 2">
+          <p:cNvPr id="8" name="Rectangle 7">
             <a:extLst>
               <a:ext uri="{FF2B5EF4-FFF2-40B4-BE49-F238E27FC236}">
-                <a16:creationId xmlns:a16="http://schemas.microsoft.com/office/drawing/2014/main" id="{DDEEEB1C-CA94-6F09-456C-82B5E331AAD7}"/>
+                <a16:creationId xmlns:a16="http://schemas.microsoft.com/office/drawing/2014/main" id="{7C3A00C2-F14B-5731-21C7-1DBD2D55E2FB}"/>
               </a:ext>
             </a:extLst>
           </p:cNvPr>
@@ -5463,7 +9618,7 @@
         </p:nvSpPr>
         <p:spPr>
           <a:xfrm>
-            <a:off x="2949497" y="1509132"/>
+            <a:off x="3019257" y="6161115"/>
             <a:ext cx="1873405" cy="832624"/>
           </a:xfrm>
           <a:prstGeom prst="rect">
@@ -5500,10 +9655,10 @@
       </p:sp>
       <p:sp>
         <p:nvSpPr>
-          <p:cNvPr id="5" name="Rectangle 4">
+          <p:cNvPr id="16" name="Rectangle 15">
             <a:extLst>
               <a:ext uri="{FF2B5EF4-FFF2-40B4-BE49-F238E27FC236}">
-                <a16:creationId xmlns:a16="http://schemas.microsoft.com/office/drawing/2014/main" id="{0957C6F5-FF42-2998-7205-02CE5D60A408}"/>
+                <a16:creationId xmlns:a16="http://schemas.microsoft.com/office/drawing/2014/main" id="{C93B3832-0DA3-AEAB-1B06-7D3A4A6D2864}"/>
               </a:ext>
             </a:extLst>
           </p:cNvPr>
@@ -5512,98 +9667,7 @@
         </p:nvSpPr>
         <p:spPr>
           <a:xfrm>
-            <a:off x="864219" y="3148361"/>
-            <a:ext cx="1873405" cy="832624"/>
-          </a:xfrm>
-          <a:prstGeom prst="rect">
-            <a:avLst/>
-          </a:prstGeom>
-        </p:spPr>
-        <p:style>
-          <a:lnRef idx="2">
-            <a:schemeClr val="accent1">
-              <a:shade val="50000"/>
-            </a:schemeClr>
-          </a:lnRef>
-          <a:fillRef idx="1">
-            <a:schemeClr val="accent1"/>
-          </a:fillRef>
-          <a:effectRef idx="0">
-            <a:schemeClr val="accent1"/>
-          </a:effectRef>
-          <a:fontRef idx="minor">
-            <a:schemeClr val="lt1"/>
-          </a:fontRef>
-        </p:style>
-        <p:txBody>
-          <a:bodyPr rtlCol="0" anchor="ctr"/>
-          <a:lstStyle/>
-          <a:p>
-            <a:pPr algn="ctr"/>
-            <a:r>
-              <a:rPr lang="en-CA" dirty="0"/>
-              <a:t>Render as Web element</a:t>
-            </a:r>
-          </a:p>
-        </p:txBody>
-      </p:sp>
-      <p:cxnSp>
-        <p:nvCxnSpPr>
-          <p:cNvPr id="9" name="Connector: Elbow 8">
-            <a:extLst>
-              <a:ext uri="{FF2B5EF4-FFF2-40B4-BE49-F238E27FC236}">
-                <a16:creationId xmlns:a16="http://schemas.microsoft.com/office/drawing/2014/main" id="{09027C0A-BB77-BC8C-05F7-555D90A17AFE}"/>
-              </a:ext>
-            </a:extLst>
-          </p:cNvPr>
-          <p:cNvCxnSpPr>
-            <a:stCxn id="3" idx="1"/>
-            <a:endCxn id="5" idx="0"/>
-          </p:cNvCxnSpPr>
-          <p:nvPr/>
-        </p:nvCxnSpPr>
-        <p:spPr>
-          <a:xfrm rot="10800000" flipV="1">
-            <a:off x="1800923" y="1925443"/>
-            <a:ext cx="1148575" cy="1222917"/>
-          </a:xfrm>
-          <a:prstGeom prst="bentConnector2">
-            <a:avLst/>
-          </a:prstGeom>
-          <a:ln>
-            <a:tailEnd type="triangle"/>
-          </a:ln>
-        </p:spPr>
-        <p:style>
-          <a:lnRef idx="3">
-            <a:schemeClr val="dk1"/>
-          </a:lnRef>
-          <a:fillRef idx="0">
-            <a:schemeClr val="dk1"/>
-          </a:fillRef>
-          <a:effectRef idx="2">
-            <a:schemeClr val="dk1"/>
-          </a:effectRef>
-          <a:fontRef idx="minor">
-            <a:schemeClr val="tx1"/>
-          </a:fontRef>
-        </p:style>
-      </p:cxnSp>
-      <p:sp>
-        <p:nvSpPr>
-          <p:cNvPr id="4" name="Rectangle 3">
-            <a:extLst>
-              <a:ext uri="{FF2B5EF4-FFF2-40B4-BE49-F238E27FC236}">
-                <a16:creationId xmlns:a16="http://schemas.microsoft.com/office/drawing/2014/main" id="{B77B845A-CEB7-4127-05AC-FB932D2A1122}"/>
-              </a:ext>
-            </a:extLst>
-          </p:cNvPr>
-          <p:cNvSpPr/>
-          <p:nvPr/>
-        </p:nvSpPr>
-        <p:spPr>
-          <a:xfrm>
-            <a:off x="3042417" y="1287302"/>
+            <a:off x="3112177" y="5939285"/>
             <a:ext cx="1710725" cy="584775"/>
           </a:xfrm>
           <a:prstGeom prst="rect">
@@ -5649,10 +9713,10 @@
       </p:sp>
       <p:sp>
         <p:nvSpPr>
-          <p:cNvPr id="6" name="Rectangle 5">
+          <p:cNvPr id="17" name="Rectangle 16">
             <a:extLst>
               <a:ext uri="{FF2B5EF4-FFF2-40B4-BE49-F238E27FC236}">
-                <a16:creationId xmlns:a16="http://schemas.microsoft.com/office/drawing/2014/main" id="{E2332448-25B4-147F-871E-2E0DBACBB82E}"/>
+                <a16:creationId xmlns:a16="http://schemas.microsoft.com/office/drawing/2014/main" id="{C7535804-9FE6-4E95-0280-97A43751A4C6}"/>
               </a:ext>
             </a:extLst>
           </p:cNvPr>
@@ -5661,7 +9725,7 @@
         </p:nvSpPr>
         <p:spPr>
           <a:xfrm>
-            <a:off x="3301745" y="2093907"/>
+            <a:off x="3371505" y="6745890"/>
             <a:ext cx="1168910" cy="584775"/>
           </a:xfrm>
           <a:prstGeom prst="rect">
@@ -5707,10 +9771,10 @@
       </p:sp>
       <p:pic>
         <p:nvPicPr>
-          <p:cNvPr id="8" name="Graphic 7" descr="Checkmark with solid fill">
+          <p:cNvPr id="18" name="Graphic 17" descr="Checkmark with solid fill">
             <a:extLst>
               <a:ext uri="{FF2B5EF4-FFF2-40B4-BE49-F238E27FC236}">
-                <a16:creationId xmlns:a16="http://schemas.microsoft.com/office/drawing/2014/main" id="{C350B80D-D81E-77FF-B086-B3818E356B36}"/>
+                <a16:creationId xmlns:a16="http://schemas.microsoft.com/office/drawing/2014/main" id="{A309D32C-3240-A8BD-D068-B5723883922B}"/>
               </a:ext>
             </a:extLst>
           </p:cNvPr>
@@ -5733,7 +9797,7 @@
         </p:blipFill>
         <p:spPr>
           <a:xfrm>
-            <a:off x="4544987" y="1566681"/>
+            <a:off x="4614747" y="6218664"/>
             <a:ext cx="416311" cy="416311"/>
           </a:xfrm>
           <a:prstGeom prst="rect">
@@ -5744,7 +9808,7 @@
     </p:spTree>
     <p:extLst>
       <p:ext uri="{BB962C8B-B14F-4D97-AF65-F5344CB8AC3E}">
-        <p14:creationId xmlns:p14="http://schemas.microsoft.com/office/powerpoint/2010/main" val="3432530600"/>
+        <p14:creationId xmlns:p14="http://schemas.microsoft.com/office/powerpoint/2010/main" val="3648292200"/>
       </p:ext>
     </p:extLst>
   </p:cSld>
@@ -5772,7 +9836,7 @@
                             </p:stCondLst>
                             <p:childTnLst>
                               <p:par>
-                                <p:cTn id="5" presetID="1" presetClass="exit" presetSubtype="0" fill="hold" grpId="0" nodeType="clickEffect">
+                                <p:cTn id="5" presetID="1" presetClass="entr" presetSubtype="0" fill="hold" grpId="0" nodeType="clickEffect">
                                   <p:stCondLst>
                                     <p:cond delay="0"/>
                                   </p:stCondLst>
@@ -5792,7 +9856,7 @@
                                         </p:attrNameLst>
                                       </p:cBhvr>
                                       <p:to>
-                                        <p:strVal val="hidden"/>
+                                        <p:strVal val="visible"/>
                                       </p:to>
                                     </p:set>
                                   </p:childTnLst>
@@ -5801,21 +9865,201 @@
                             </p:childTnLst>
                           </p:cTn>
                         </p:par>
+                      </p:childTnLst>
+                    </p:cTn>
+                  </p:par>
+                  <p:par>
+                    <p:cTn id="7" fill="hold">
+                      <p:stCondLst>
+                        <p:cond delay="indefinite"/>
+                      </p:stCondLst>
+                      <p:childTnLst>
                         <p:par>
-                          <p:cTn id="7" fill="hold">
+                          <p:cTn id="8" fill="hold">
                             <p:stCondLst>
                               <p:cond delay="0"/>
                             </p:stCondLst>
                             <p:childTnLst>
                               <p:par>
-                                <p:cTn id="8" presetID="1" presetClass="entr" presetSubtype="0" fill="hold" grpId="0" nodeType="afterEffect">
+                                <p:cTn id="9" presetID="1" presetClass="entr" presetSubtype="0" fill="hold" nodeType="clickEffect">
                                   <p:stCondLst>
                                     <p:cond delay="0"/>
                                   </p:stCondLst>
                                   <p:childTnLst>
                                     <p:set>
                                       <p:cBhvr>
-                                        <p:cTn id="9" dur="1" fill="hold">
+                                        <p:cTn id="10" dur="1" fill="hold">
+                                          <p:stCondLst>
+                                            <p:cond delay="0"/>
+                                          </p:stCondLst>
+                                        </p:cTn>
+                                        <p:tgtEl>
+                                          <p:spTgt spid="9"/>
+                                        </p:tgtEl>
+                                        <p:attrNameLst>
+                                          <p:attrName>style.visibility</p:attrName>
+                                        </p:attrNameLst>
+                                      </p:cBhvr>
+                                      <p:to>
+                                        <p:strVal val="visible"/>
+                                      </p:to>
+                                    </p:set>
+                                  </p:childTnLst>
+                                </p:cTn>
+                              </p:par>
+                              <p:par>
+                                <p:cTn id="11" presetID="1" presetClass="entr" presetSubtype="0" fill="hold" grpId="0" nodeType="withEffect">
+                                  <p:stCondLst>
+                                    <p:cond delay="0"/>
+                                  </p:stCondLst>
+                                  <p:childTnLst>
+                                    <p:set>
+                                      <p:cBhvr>
+                                        <p:cTn id="12" dur="1" fill="hold">
+                                          <p:stCondLst>
+                                            <p:cond delay="0"/>
+                                          </p:stCondLst>
+                                        </p:cTn>
+                                        <p:tgtEl>
+                                          <p:spTgt spid="5"/>
+                                        </p:tgtEl>
+                                        <p:attrNameLst>
+                                          <p:attrName>style.visibility</p:attrName>
+                                        </p:attrNameLst>
+                                      </p:cBhvr>
+                                      <p:to>
+                                        <p:strVal val="visible"/>
+                                      </p:to>
+                                    </p:set>
+                                  </p:childTnLst>
+                                </p:cTn>
+                              </p:par>
+                            </p:childTnLst>
+                          </p:cTn>
+                        </p:par>
+                      </p:childTnLst>
+                    </p:cTn>
+                  </p:par>
+                  <p:par>
+                    <p:cTn id="13" fill="hold">
+                      <p:stCondLst>
+                        <p:cond delay="indefinite"/>
+                      </p:stCondLst>
+                      <p:childTnLst>
+                        <p:par>
+                          <p:cTn id="14" fill="hold">
+                            <p:stCondLst>
+                              <p:cond delay="0"/>
+                            </p:stCondLst>
+                            <p:childTnLst>
+                              <p:par>
+                                <p:cTn id="15" presetID="1" presetClass="entr" presetSubtype="0" fill="hold" nodeType="clickEffect">
+                                  <p:stCondLst>
+                                    <p:cond delay="0"/>
+                                  </p:stCondLst>
+                                  <p:childTnLst>
+                                    <p:set>
+                                      <p:cBhvr>
+                                        <p:cTn id="16" dur="1" fill="hold">
+                                          <p:stCondLst>
+                                            <p:cond delay="0"/>
+                                          </p:stCondLst>
+                                        </p:cTn>
+                                        <p:tgtEl>
+                                          <p:spTgt spid="10"/>
+                                        </p:tgtEl>
+                                        <p:attrNameLst>
+                                          <p:attrName>style.visibility</p:attrName>
+                                        </p:attrNameLst>
+                                      </p:cBhvr>
+                                      <p:to>
+                                        <p:strVal val="visible"/>
+                                      </p:to>
+                                    </p:set>
+                                  </p:childTnLst>
+                                </p:cTn>
+                              </p:par>
+                              <p:par>
+                                <p:cTn id="17" presetID="1" presetClass="entr" presetSubtype="0" fill="hold" grpId="0" nodeType="withEffect">
+                                  <p:stCondLst>
+                                    <p:cond delay="0"/>
+                                  </p:stCondLst>
+                                  <p:childTnLst>
+                                    <p:set>
+                                      <p:cBhvr>
+                                        <p:cTn id="18" dur="1" fill="hold">
+                                          <p:stCondLst>
+                                            <p:cond delay="0"/>
+                                          </p:stCondLst>
+                                        </p:cTn>
+                                        <p:tgtEl>
+                                          <p:spTgt spid="7"/>
+                                        </p:tgtEl>
+                                        <p:attrNameLst>
+                                          <p:attrName>style.visibility</p:attrName>
+                                        </p:attrNameLst>
+                                      </p:cBhvr>
+                                      <p:to>
+                                        <p:strVal val="visible"/>
+                                      </p:to>
+                                    </p:set>
+                                  </p:childTnLst>
+                                </p:cTn>
+                              </p:par>
+                            </p:childTnLst>
+                          </p:cTn>
+                        </p:par>
+                      </p:childTnLst>
+                    </p:cTn>
+                  </p:par>
+                  <p:par>
+                    <p:cTn id="19" fill="hold">
+                      <p:stCondLst>
+                        <p:cond delay="indefinite"/>
+                      </p:stCondLst>
+                      <p:childTnLst>
+                        <p:par>
+                          <p:cTn id="20" fill="hold">
+                            <p:stCondLst>
+                              <p:cond delay="0"/>
+                            </p:stCondLst>
+                            <p:childTnLst>
+                              <p:par>
+                                <p:cTn id="21" presetID="1" presetClass="entr" presetSubtype="0" fill="hold" nodeType="clickEffect">
+                                  <p:stCondLst>
+                                    <p:cond delay="0"/>
+                                  </p:stCondLst>
+                                  <p:childTnLst>
+                                    <p:set>
+                                      <p:cBhvr>
+                                        <p:cTn id="22" dur="1" fill="hold">
+                                          <p:stCondLst>
+                                            <p:cond delay="0"/>
+                                          </p:stCondLst>
+                                        </p:cTn>
+                                        <p:tgtEl>
+                                          <p:spTgt spid="6"/>
+                                        </p:tgtEl>
+                                        <p:attrNameLst>
+                                          <p:attrName>style.visibility</p:attrName>
+                                        </p:attrNameLst>
+                                      </p:cBhvr>
+                                      <p:to>
+                                        <p:strVal val="visible"/>
+                                      </p:to>
+                                    </p:set>
+                                  </p:childTnLst>
+                                </p:cTn>
+                              </p:par>
+                              <p:par>
+                                <p:cTn id="23" presetID="1" presetClass="entr" presetSubtype="0" fill="hold" grpId="0" nodeType="withEffect">
+                                  <p:stCondLst>
+                                    <p:cond delay="0"/>
+                                  </p:stCondLst>
+                                  <p:childTnLst>
+                                    <p:set>
+                                      <p:cBhvr>
+                                        <p:cTn id="24" dur="1" fill="hold">
                                           <p:stCondLst>
                                             <p:cond delay="0"/>
                                           </p:stCondLst>
@@ -5834,21 +10078,273 @@
                                   </p:childTnLst>
                                 </p:cTn>
                               </p:par>
+                            </p:childTnLst>
+                          </p:cTn>
+                        </p:par>
+                      </p:childTnLst>
+                    </p:cTn>
+                  </p:par>
+                  <p:par>
+                    <p:cTn id="25" fill="hold">
+                      <p:stCondLst>
+                        <p:cond delay="indefinite"/>
+                      </p:stCondLst>
+                      <p:childTnLst>
+                        <p:par>
+                          <p:cTn id="26" fill="hold">
+                            <p:stCondLst>
+                              <p:cond delay="0"/>
+                            </p:stCondLst>
+                            <p:childTnLst>
                               <p:par>
-                                <p:cTn id="10" presetID="1" presetClass="entr" presetSubtype="0" fill="hold" grpId="0" nodeType="withEffect">
+                                <p:cTn id="27" presetID="1" presetClass="entr" presetSubtype="0" fill="hold" nodeType="clickEffect">
                                   <p:stCondLst>
                                     <p:cond delay="0"/>
                                   </p:stCondLst>
                                   <p:childTnLst>
                                     <p:set>
                                       <p:cBhvr>
-                                        <p:cTn id="11" dur="1" fill="hold">
+                                        <p:cTn id="28" dur="1" fill="hold">
                                           <p:stCondLst>
                                             <p:cond delay="0"/>
                                           </p:stCondLst>
                                         </p:cTn>
                                         <p:tgtEl>
-                                          <p:spTgt spid="6"/>
+                                          <p:spTgt spid="14"/>
+                                        </p:tgtEl>
+                                        <p:attrNameLst>
+                                          <p:attrName>style.visibility</p:attrName>
+                                        </p:attrNameLst>
+                                      </p:cBhvr>
+                                      <p:to>
+                                        <p:strVal val="visible"/>
+                                      </p:to>
+                                    </p:set>
+                                  </p:childTnLst>
+                                </p:cTn>
+                              </p:par>
+                            </p:childTnLst>
+                          </p:cTn>
+                        </p:par>
+                      </p:childTnLst>
+                    </p:cTn>
+                  </p:par>
+                  <p:par>
+                    <p:cTn id="29" fill="hold">
+                      <p:stCondLst>
+                        <p:cond delay="indefinite"/>
+                      </p:stCondLst>
+                      <p:childTnLst>
+                        <p:par>
+                          <p:cTn id="30" fill="hold">
+                            <p:stCondLst>
+                              <p:cond delay="0"/>
+                            </p:stCondLst>
+                            <p:childTnLst>
+                              <p:par>
+                                <p:cTn id="31" presetID="1" presetClass="entr" presetSubtype="0" fill="hold" nodeType="clickEffect">
+                                  <p:stCondLst>
+                                    <p:cond delay="0"/>
+                                  </p:stCondLst>
+                                  <p:childTnLst>
+                                    <p:set>
+                                      <p:cBhvr>
+                                        <p:cTn id="32" dur="1" fill="hold">
+                                          <p:stCondLst>
+                                            <p:cond delay="0"/>
+                                          </p:stCondLst>
+                                        </p:cTn>
+                                        <p:tgtEl>
+                                          <p:spTgt spid="15"/>
+                                        </p:tgtEl>
+                                        <p:attrNameLst>
+                                          <p:attrName>style.visibility</p:attrName>
+                                        </p:attrNameLst>
+                                      </p:cBhvr>
+                                      <p:to>
+                                        <p:strVal val="visible"/>
+                                      </p:to>
+                                    </p:set>
+                                  </p:childTnLst>
+                                </p:cTn>
+                              </p:par>
+                            </p:childTnLst>
+                          </p:cTn>
+                        </p:par>
+                      </p:childTnLst>
+                    </p:cTn>
+                  </p:par>
+                  <p:par>
+                    <p:cTn id="33" fill="hold">
+                      <p:stCondLst>
+                        <p:cond delay="indefinite"/>
+                      </p:stCondLst>
+                      <p:childTnLst>
+                        <p:par>
+                          <p:cTn id="34" fill="hold">
+                            <p:stCondLst>
+                              <p:cond delay="0"/>
+                            </p:stCondLst>
+                            <p:childTnLst>
+                              <p:par>
+                                <p:cTn id="35" presetID="1" presetClass="entr" presetSubtype="0" fill="hold" grpId="0" nodeType="clickEffect">
+                                  <p:stCondLst>
+                                    <p:cond delay="0"/>
+                                  </p:stCondLst>
+                                  <p:childTnLst>
+                                    <p:set>
+                                      <p:cBhvr>
+                                        <p:cTn id="36" dur="1" fill="hold">
+                                          <p:stCondLst>
+                                            <p:cond delay="0"/>
+                                          </p:stCondLst>
+                                        </p:cTn>
+                                        <p:tgtEl>
+                                          <p:spTgt spid="8"/>
+                                        </p:tgtEl>
+                                        <p:attrNameLst>
+                                          <p:attrName>style.visibility</p:attrName>
+                                        </p:attrNameLst>
+                                      </p:cBhvr>
+                                      <p:to>
+                                        <p:strVal val="visible"/>
+                                      </p:to>
+                                    </p:set>
+                                  </p:childTnLst>
+                                </p:cTn>
+                              </p:par>
+                            </p:childTnLst>
+                          </p:cTn>
+                        </p:par>
+                      </p:childTnLst>
+                    </p:cTn>
+                  </p:par>
+                  <p:par>
+                    <p:cTn id="37" fill="hold">
+                      <p:stCondLst>
+                        <p:cond delay="indefinite"/>
+                      </p:stCondLst>
+                      <p:childTnLst>
+                        <p:par>
+                          <p:cTn id="38" fill="hold">
+                            <p:stCondLst>
+                              <p:cond delay="0"/>
+                            </p:stCondLst>
+                            <p:childTnLst>
+                              <p:par>
+                                <p:cTn id="39" presetID="1" presetClass="exit" presetSubtype="0" fill="hold" grpId="1" nodeType="clickEffect">
+                                  <p:stCondLst>
+                                    <p:cond delay="0"/>
+                                  </p:stCondLst>
+                                  <p:childTnLst>
+                                    <p:set>
+                                      <p:cBhvr>
+                                        <p:cTn id="40" dur="1" fill="hold">
+                                          <p:stCondLst>
+                                            <p:cond delay="0"/>
+                                          </p:stCondLst>
+                                        </p:cTn>
+                                        <p:tgtEl>
+                                          <p:spTgt spid="8"/>
+                                        </p:tgtEl>
+                                        <p:attrNameLst>
+                                          <p:attrName>style.visibility</p:attrName>
+                                        </p:attrNameLst>
+                                      </p:cBhvr>
+                                      <p:to>
+                                        <p:strVal val="hidden"/>
+                                      </p:to>
+                                    </p:set>
+                                  </p:childTnLst>
+                                </p:cTn>
+                              </p:par>
+                              <p:par>
+                                <p:cTn id="41" presetID="1" presetClass="entr" presetSubtype="0" fill="hold" grpId="0" nodeType="withEffect">
+                                  <p:stCondLst>
+                                    <p:cond delay="0"/>
+                                  </p:stCondLst>
+                                  <p:childTnLst>
+                                    <p:set>
+                                      <p:cBhvr>
+                                        <p:cTn id="42" dur="1" fill="hold">
+                                          <p:stCondLst>
+                                            <p:cond delay="0"/>
+                                          </p:stCondLst>
+                                        </p:cTn>
+                                        <p:tgtEl>
+                                          <p:spTgt spid="16"/>
+                                        </p:tgtEl>
+                                        <p:attrNameLst>
+                                          <p:attrName>style.visibility</p:attrName>
+                                        </p:attrNameLst>
+                                      </p:cBhvr>
+                                      <p:to>
+                                        <p:strVal val="visible"/>
+                                      </p:to>
+                                    </p:set>
+                                  </p:childTnLst>
+                                </p:cTn>
+                              </p:par>
+                              <p:par>
+                                <p:cTn id="43" presetID="1" presetClass="entr" presetSubtype="0" fill="hold" grpId="0" nodeType="withEffect">
+                                  <p:stCondLst>
+                                    <p:cond delay="0"/>
+                                  </p:stCondLst>
+                                  <p:childTnLst>
+                                    <p:set>
+                                      <p:cBhvr>
+                                        <p:cTn id="44" dur="1" fill="hold">
+                                          <p:stCondLst>
+                                            <p:cond delay="0"/>
+                                          </p:stCondLst>
+                                        </p:cTn>
+                                        <p:tgtEl>
+                                          <p:spTgt spid="17"/>
+                                        </p:tgtEl>
+                                        <p:attrNameLst>
+                                          <p:attrName>style.visibility</p:attrName>
+                                        </p:attrNameLst>
+                                      </p:cBhvr>
+                                      <p:to>
+                                        <p:strVal val="visible"/>
+                                      </p:to>
+                                    </p:set>
+                                  </p:childTnLst>
+                                </p:cTn>
+                              </p:par>
+                            </p:childTnLst>
+                          </p:cTn>
+                        </p:par>
+                      </p:childTnLst>
+                    </p:cTn>
+                  </p:par>
+                  <p:par>
+                    <p:cTn id="45" fill="hold">
+                      <p:stCondLst>
+                        <p:cond delay="indefinite"/>
+                      </p:stCondLst>
+                      <p:childTnLst>
+                        <p:par>
+                          <p:cTn id="46" fill="hold">
+                            <p:stCondLst>
+                              <p:cond delay="0"/>
+                            </p:stCondLst>
+                            <p:childTnLst>
+                              <p:par>
+                                <p:cTn id="47" presetID="1" presetClass="entr" presetSubtype="0" fill="hold" nodeType="clickEffect">
+                                  <p:stCondLst>
+                                    <p:cond delay="0"/>
+                                  </p:stCondLst>
+                                  <p:childTnLst>
+                                    <p:set>
+                                      <p:cBhvr>
+                                        <p:cTn id="48" dur="1" fill="hold">
+                                          <p:stCondLst>
+                                            <p:cond delay="0"/>
+                                          </p:stCondLst>
+                                        </p:cTn>
+                                        <p:tgtEl>
+                                          <p:spTgt spid="18"/>
                                         </p:tgtEl>
                                         <p:attrNameLst>
                                           <p:attrName>style.visibility</p:attrName>
@@ -5890,14 +10386,19 @@
     </p:tnLst>
     <p:bldLst>
       <p:bldP spid="3" grpId="0" animBg="1"/>
-      <p:bldP spid="4" grpId="0"/>
-      <p:bldP spid="6" grpId="0"/>
+      <p:bldP spid="5" grpId="0" animBg="1"/>
+      <p:bldP spid="7" grpId="0" animBg="1"/>
+      <p:bldP spid="4" grpId="0" animBg="1"/>
+      <p:bldP spid="8" grpId="0" animBg="1"/>
+      <p:bldP spid="8" grpId="1" animBg="1"/>
+      <p:bldP spid="16" grpId="0"/>
+      <p:bldP spid="17" grpId="0"/>
     </p:bldLst>
   </p:timing>
 </p:sld>
 </file>
 
-<file path=ppt/slides/slide16.xml><?xml version="1.0" encoding="utf-8"?>
+<file path=ppt/slides/slide19.xml><?xml version="1.0" encoding="utf-8"?>
 <p:sld xmlns:a="http://schemas.openxmlformats.org/drawingml/2006/main" xmlns:r="http://schemas.openxmlformats.org/officeDocument/2006/relationships" xmlns:p="http://schemas.openxmlformats.org/presentationml/2006/main">
   <p:cSld>
     <p:spTree>
@@ -5916,10 +10417,10 @@
       </p:grpSpPr>
       <p:sp>
         <p:nvSpPr>
-          <p:cNvPr id="2" name="Rectangle 1">
+          <p:cNvPr id="7" name="Rectangle 6">
             <a:extLst>
               <a:ext uri="{FF2B5EF4-FFF2-40B4-BE49-F238E27FC236}">
-                <a16:creationId xmlns:a16="http://schemas.microsoft.com/office/drawing/2014/main" id="{2C44AA50-1273-09EC-7794-428DAD90C0C7}"/>
+                <a16:creationId xmlns:a16="http://schemas.microsoft.com/office/drawing/2014/main" id="{1D61EB19-6ED8-A395-A35D-AFCF65F5BED5}"/>
               </a:ext>
             </a:extLst>
           </p:cNvPr>
@@ -5928,8 +10429,8 @@
         </p:nvSpPr>
         <p:spPr>
           <a:xfrm>
-            <a:off x="0" y="56174"/>
-            <a:ext cx="4960076" cy="923330"/>
+            <a:off x="0" y="6712"/>
+            <a:ext cx="5930663" cy="923330"/>
           </a:xfrm>
           <a:prstGeom prst="rect">
             <a:avLst/>
@@ -5957,1641 +10458,8 @@
                   </a:outerShdw>
                 </a:effectLst>
               </a:rPr>
-              <a:t>Preparation  - 1</a:t>
-            </a:r>
-          </a:p>
-        </p:txBody>
-      </p:sp>
-      <p:sp>
-        <p:nvSpPr>
-          <p:cNvPr id="3" name="Oval 2">
-            <a:extLst>
-              <a:ext uri="{FF2B5EF4-FFF2-40B4-BE49-F238E27FC236}">
-                <a16:creationId xmlns:a16="http://schemas.microsoft.com/office/drawing/2014/main" id="{3011D6EF-A8F5-EC53-C69A-C812FA4F012F}"/>
-              </a:ext>
-            </a:extLst>
-          </p:cNvPr>
-          <p:cNvSpPr/>
-          <p:nvPr/>
-        </p:nvSpPr>
-        <p:spPr>
-          <a:xfrm>
-            <a:off x="256410" y="1334330"/>
-            <a:ext cx="289932" cy="282497"/>
-          </a:xfrm>
-          <a:prstGeom prst="ellipse">
-            <a:avLst/>
-          </a:prstGeom>
-        </p:spPr>
-        <p:style>
-          <a:lnRef idx="2">
-            <a:schemeClr val="accent1">
-              <a:shade val="50000"/>
-            </a:schemeClr>
-          </a:lnRef>
-          <a:fillRef idx="1">
-            <a:schemeClr val="accent1"/>
-          </a:fillRef>
-          <a:effectRef idx="0">
-            <a:schemeClr val="accent1"/>
-          </a:effectRef>
-          <a:fontRef idx="minor">
-            <a:schemeClr val="lt1"/>
-          </a:fontRef>
-        </p:style>
-        <p:txBody>
-          <a:bodyPr rtlCol="0" anchor="ctr"/>
-          <a:lstStyle/>
-          <a:p>
-            <a:pPr algn="ctr"/>
-            <a:endParaRPr lang="en-CA"/>
-          </a:p>
-        </p:txBody>
-      </p:sp>
-      <p:sp>
-        <p:nvSpPr>
-          <p:cNvPr id="5" name="Rectangle 4">
-            <a:extLst>
-              <a:ext uri="{FF2B5EF4-FFF2-40B4-BE49-F238E27FC236}">
-                <a16:creationId xmlns:a16="http://schemas.microsoft.com/office/drawing/2014/main" id="{F525A269-4A66-7E84-4059-3AF2557C2194}"/>
-              </a:ext>
-            </a:extLst>
-          </p:cNvPr>
-          <p:cNvSpPr/>
-          <p:nvPr/>
-        </p:nvSpPr>
-        <p:spPr>
-          <a:xfrm>
-            <a:off x="580992" y="1137100"/>
-            <a:ext cx="1899046" cy="646331"/>
-          </a:xfrm>
-          <a:prstGeom prst="rect">
-            <a:avLst/>
-          </a:prstGeom>
-          <a:noFill/>
-        </p:spPr>
-        <p:txBody>
-          <a:bodyPr wrap="none" lIns="91440" tIns="45720" rIns="91440" bIns="45720">
-            <a:spAutoFit/>
-          </a:bodyPr>
-          <a:lstStyle/>
-          <a:p>
-            <a:pPr algn="ctr"/>
-            <a:r>
-              <a:rPr lang="en-US" sz="3600" b="0" cap="none" spc="0" dirty="0">
-                <a:ln w="0"/>
-                <a:solidFill>
-                  <a:sysClr val="windowText" lastClr="000000"/>
-                </a:solidFill>
-                <a:effectLst>
-                  <a:outerShdw blurRad="38100" dist="19050" dir="2700000" algn="tl" rotWithShape="0">
-                    <a:schemeClr val="dk1">
-                      <a:alpha val="40000"/>
-                    </a:schemeClr>
-                  </a:outerShdw>
-                </a:effectLst>
-              </a:rPr>
-              <a:t>VSCode</a:t>
-            </a:r>
-          </a:p>
-        </p:txBody>
-      </p:sp>
-      <p:sp>
-        <p:nvSpPr>
-          <p:cNvPr id="7" name="Rectangle 6">
-            <a:extLst>
-              <a:ext uri="{FF2B5EF4-FFF2-40B4-BE49-F238E27FC236}">
-                <a16:creationId xmlns:a16="http://schemas.microsoft.com/office/drawing/2014/main" id="{3A92CEFB-0AD5-4B46-D158-E8C902A09BB8}"/>
-              </a:ext>
-            </a:extLst>
-          </p:cNvPr>
-          <p:cNvSpPr/>
-          <p:nvPr/>
-        </p:nvSpPr>
-        <p:spPr>
-          <a:xfrm>
-            <a:off x="3296998" y="1198655"/>
-            <a:ext cx="2776721" cy="523220"/>
-          </a:xfrm>
-          <a:prstGeom prst="rect">
-            <a:avLst/>
-          </a:prstGeom>
-          <a:noFill/>
-        </p:spPr>
-        <p:txBody>
-          <a:bodyPr wrap="none" lIns="91440" tIns="45720" rIns="91440" bIns="45720">
-            <a:spAutoFit/>
-          </a:bodyPr>
-          <a:lstStyle/>
-          <a:p>
-            <a:pPr algn="ctr"/>
-            <a:r>
-              <a:rPr lang="en-US" sz="2800" b="0" cap="none" spc="0" dirty="0" err="1">
-                <a:ln w="0"/>
-                <a:solidFill>
-                  <a:sysClr val="windowText" lastClr="000000"/>
-                </a:solidFill>
-                <a:effectLst>
-                  <a:outerShdw blurRad="38100" dist="19050" dir="2700000" algn="tl" rotWithShape="0">
-                    <a:schemeClr val="dk1">
-                      <a:alpha val="40000"/>
-                    </a:schemeClr>
-                  </a:outerShdw>
-                </a:effectLst>
-              </a:rPr>
-              <a:t>Cmd</a:t>
-            </a:r>
-            <a:r>
-              <a:rPr lang="en-US" sz="2800" b="0" cap="none" spc="0" dirty="0">
-                <a:ln w="0"/>
-                <a:solidFill>
-                  <a:sysClr val="windowText" lastClr="000000"/>
-                </a:solidFill>
-                <a:effectLst>
-                  <a:outerShdw blurRad="38100" dist="19050" dir="2700000" algn="tl" rotWithShape="0">
-                    <a:schemeClr val="dk1">
-                      <a:alpha val="40000"/>
-                    </a:schemeClr>
-                  </a:outerShdw>
-                </a:effectLst>
-              </a:rPr>
-              <a:t> Line &amp; IDE</a:t>
-            </a:r>
-          </a:p>
-        </p:txBody>
-      </p:sp>
-      <p:sp>
-        <p:nvSpPr>
-          <p:cNvPr id="8" name="Arrow: Right 7">
-            <a:extLst>
-              <a:ext uri="{FF2B5EF4-FFF2-40B4-BE49-F238E27FC236}">
-                <a16:creationId xmlns:a16="http://schemas.microsoft.com/office/drawing/2014/main" id="{92A47342-3E56-910C-F9E1-1291E3BF670C}"/>
-              </a:ext>
-            </a:extLst>
-          </p:cNvPr>
-          <p:cNvSpPr/>
-          <p:nvPr/>
-        </p:nvSpPr>
-        <p:spPr>
-          <a:xfrm>
-            <a:off x="2645089" y="1243022"/>
-            <a:ext cx="724277" cy="449100"/>
-          </a:xfrm>
-          <a:prstGeom prst="rightArrow">
-            <a:avLst/>
-          </a:prstGeom>
-          <a:solidFill>
-            <a:schemeClr val="accent5">
-              <a:lumMod val="50000"/>
-            </a:schemeClr>
-          </a:solidFill>
-        </p:spPr>
-        <p:style>
-          <a:lnRef idx="2">
-            <a:schemeClr val="accent1">
-              <a:shade val="50000"/>
-            </a:schemeClr>
-          </a:lnRef>
-          <a:fillRef idx="1">
-            <a:schemeClr val="accent1"/>
-          </a:fillRef>
-          <a:effectRef idx="0">
-            <a:schemeClr val="accent1"/>
-          </a:effectRef>
-          <a:fontRef idx="minor">
-            <a:schemeClr val="lt1"/>
-          </a:fontRef>
-        </p:style>
-        <p:txBody>
-          <a:bodyPr rtlCol="0" anchor="ctr"/>
-          <a:lstStyle/>
-          <a:p>
-            <a:pPr algn="ctr"/>
-            <a:endParaRPr lang="en-CA"/>
-          </a:p>
-        </p:txBody>
-      </p:sp>
-      <p:sp>
-        <p:nvSpPr>
-          <p:cNvPr id="9" name="Oval 8">
-            <a:extLst>
-              <a:ext uri="{FF2B5EF4-FFF2-40B4-BE49-F238E27FC236}">
-                <a16:creationId xmlns:a16="http://schemas.microsoft.com/office/drawing/2014/main" id="{8C6D2497-5F88-5760-33BA-A9CE6CAC7A9D}"/>
-              </a:ext>
-            </a:extLst>
-          </p:cNvPr>
-          <p:cNvSpPr/>
-          <p:nvPr/>
-        </p:nvSpPr>
-        <p:spPr>
-          <a:xfrm>
-            <a:off x="256410" y="3876503"/>
-            <a:ext cx="289932" cy="282497"/>
-          </a:xfrm>
-          <a:prstGeom prst="ellipse">
-            <a:avLst/>
-          </a:prstGeom>
-        </p:spPr>
-        <p:style>
-          <a:lnRef idx="2">
-            <a:schemeClr val="accent1">
-              <a:shade val="50000"/>
-            </a:schemeClr>
-          </a:lnRef>
-          <a:fillRef idx="1">
-            <a:schemeClr val="accent1"/>
-          </a:fillRef>
-          <a:effectRef idx="0">
-            <a:schemeClr val="accent1"/>
-          </a:effectRef>
-          <a:fontRef idx="minor">
-            <a:schemeClr val="lt1"/>
-          </a:fontRef>
-        </p:style>
-        <p:txBody>
-          <a:bodyPr rtlCol="0" anchor="ctr"/>
-          <a:lstStyle/>
-          <a:p>
-            <a:pPr algn="ctr"/>
-            <a:endParaRPr lang="en-CA"/>
-          </a:p>
-        </p:txBody>
-      </p:sp>
-      <p:sp>
-        <p:nvSpPr>
-          <p:cNvPr id="10" name="Rectangle 9">
-            <a:extLst>
-              <a:ext uri="{FF2B5EF4-FFF2-40B4-BE49-F238E27FC236}">
-                <a16:creationId xmlns:a16="http://schemas.microsoft.com/office/drawing/2014/main" id="{0934B5A3-E942-9E4C-BD96-FACDB828666D}"/>
-              </a:ext>
-            </a:extLst>
-          </p:cNvPr>
-          <p:cNvSpPr/>
-          <p:nvPr/>
-        </p:nvSpPr>
-        <p:spPr>
-          <a:xfrm>
-            <a:off x="620651" y="3679273"/>
-            <a:ext cx="1819730" cy="646331"/>
-          </a:xfrm>
-          <a:prstGeom prst="rect">
-            <a:avLst/>
-          </a:prstGeom>
-          <a:noFill/>
-        </p:spPr>
-        <p:txBody>
-          <a:bodyPr wrap="none" lIns="91440" tIns="45720" rIns="91440" bIns="45720">
-            <a:spAutoFit/>
-          </a:bodyPr>
-          <a:lstStyle/>
-          <a:p>
-            <a:pPr algn="ctr"/>
-            <a:r>
-              <a:rPr lang="en-US" sz="3600" b="0" cap="none" spc="0" dirty="0">
-                <a:ln w="0"/>
-                <a:solidFill>
-                  <a:sysClr val="windowText" lastClr="000000"/>
-                </a:solidFill>
-                <a:effectLst>
-                  <a:outerShdw blurRad="38100" dist="19050" dir="2700000" algn="tl" rotWithShape="0">
-                    <a:schemeClr val="dk1">
-                      <a:alpha val="40000"/>
-                    </a:schemeClr>
-                  </a:outerShdw>
-                </a:effectLst>
-              </a:rPr>
-              <a:t>Node.js</a:t>
-            </a:r>
-          </a:p>
-        </p:txBody>
-      </p:sp>
-      <p:sp>
-        <p:nvSpPr>
-          <p:cNvPr id="11" name="Rectangle 10">
-            <a:extLst>
-              <a:ext uri="{FF2B5EF4-FFF2-40B4-BE49-F238E27FC236}">
-                <a16:creationId xmlns:a16="http://schemas.microsoft.com/office/drawing/2014/main" id="{3834EFC9-1035-93C5-8DB0-1B8DA277512B}"/>
-              </a:ext>
-            </a:extLst>
-          </p:cNvPr>
-          <p:cNvSpPr/>
-          <p:nvPr/>
-        </p:nvSpPr>
-        <p:spPr>
-          <a:xfrm>
-            <a:off x="3386766" y="3744830"/>
-            <a:ext cx="3485505" cy="461665"/>
-          </a:xfrm>
-          <a:prstGeom prst="rect">
-            <a:avLst/>
-          </a:prstGeom>
-          <a:noFill/>
-        </p:spPr>
-        <p:txBody>
-          <a:bodyPr wrap="none" lIns="91440" tIns="45720" rIns="91440" bIns="45720">
-            <a:spAutoFit/>
-          </a:bodyPr>
-          <a:lstStyle/>
-          <a:p>
-            <a:pPr algn="ctr"/>
-            <a:r>
-              <a:rPr lang="en-US" sz="2400" b="0" cap="none" spc="0" dirty="0">
-                <a:ln w="0"/>
-                <a:solidFill>
-                  <a:sysClr val="windowText" lastClr="000000"/>
-                </a:solidFill>
-                <a:effectLst>
-                  <a:outerShdw blurRad="38100" dist="19050" dir="2700000" algn="tl" rotWithShape="0">
-                    <a:schemeClr val="dk1">
-                      <a:alpha val="40000"/>
-                    </a:schemeClr>
-                  </a:outerShdw>
-                </a:effectLst>
-              </a:rPr>
-              <a:t>Required by other tools</a:t>
-            </a:r>
-          </a:p>
-        </p:txBody>
-      </p:sp>
-      <p:sp>
-        <p:nvSpPr>
-          <p:cNvPr id="12" name="Arrow: Right 11">
-            <a:extLst>
-              <a:ext uri="{FF2B5EF4-FFF2-40B4-BE49-F238E27FC236}">
-                <a16:creationId xmlns:a16="http://schemas.microsoft.com/office/drawing/2014/main" id="{1B81746E-207D-4982-316E-9E8D1D1E1E6A}"/>
-              </a:ext>
-            </a:extLst>
-          </p:cNvPr>
-          <p:cNvSpPr/>
-          <p:nvPr/>
-        </p:nvSpPr>
-        <p:spPr>
-          <a:xfrm>
-            <a:off x="2629812" y="3831809"/>
-            <a:ext cx="724277" cy="449100"/>
-          </a:xfrm>
-          <a:prstGeom prst="rightArrow">
-            <a:avLst/>
-          </a:prstGeom>
-          <a:solidFill>
-            <a:schemeClr val="accent5">
-              <a:lumMod val="50000"/>
-            </a:schemeClr>
-          </a:solidFill>
-        </p:spPr>
-        <p:style>
-          <a:lnRef idx="2">
-            <a:schemeClr val="accent1">
-              <a:shade val="50000"/>
-            </a:schemeClr>
-          </a:lnRef>
-          <a:fillRef idx="1">
-            <a:schemeClr val="accent1"/>
-          </a:fillRef>
-          <a:effectRef idx="0">
-            <a:schemeClr val="accent1"/>
-          </a:effectRef>
-          <a:fontRef idx="minor">
-            <a:schemeClr val="lt1"/>
-          </a:fontRef>
-        </p:style>
-        <p:txBody>
-          <a:bodyPr rtlCol="0" anchor="ctr"/>
-          <a:lstStyle/>
-          <a:p>
-            <a:pPr algn="ctr"/>
-            <a:endParaRPr lang="en-CA"/>
-          </a:p>
-        </p:txBody>
-      </p:sp>
-      <p:sp>
-        <p:nvSpPr>
-          <p:cNvPr id="13" name="Rectangle 12">
-            <a:extLst>
-              <a:ext uri="{FF2B5EF4-FFF2-40B4-BE49-F238E27FC236}">
-                <a16:creationId xmlns:a16="http://schemas.microsoft.com/office/drawing/2014/main" id="{113C7FCD-9B12-957A-A9D2-C6AC8BEE6163}"/>
-              </a:ext>
-            </a:extLst>
-          </p:cNvPr>
-          <p:cNvSpPr/>
-          <p:nvPr/>
-        </p:nvSpPr>
-        <p:spPr>
-          <a:xfrm>
-            <a:off x="1102943" y="4254851"/>
-            <a:ext cx="3547766" cy="461665"/>
-          </a:xfrm>
-          <a:prstGeom prst="rect">
-            <a:avLst/>
-          </a:prstGeom>
-          <a:noFill/>
-        </p:spPr>
-        <p:txBody>
-          <a:bodyPr wrap="none" lIns="91440" tIns="45720" rIns="91440" bIns="45720">
-            <a:spAutoFit/>
-          </a:bodyPr>
-          <a:lstStyle/>
-          <a:p>
-            <a:pPr algn="ctr"/>
-            <a:r>
-              <a:rPr lang="en-US" sz="2400" dirty="0" err="1">
-                <a:ln w="0"/>
-                <a:solidFill>
-                  <a:sysClr val="windowText" lastClr="000000"/>
-                </a:solidFill>
-                <a:effectLst>
-                  <a:outerShdw blurRad="38100" dist="19050" dir="2700000" algn="tl" rotWithShape="0">
-                    <a:schemeClr val="dk1">
-                      <a:alpha val="40000"/>
-                    </a:schemeClr>
-                  </a:outerShdw>
-                </a:effectLst>
-              </a:rPr>
-              <a:t>npm</a:t>
-            </a:r>
-            <a:r>
-              <a:rPr lang="en-US" sz="2400" dirty="0">
-                <a:ln w="0"/>
-                <a:solidFill>
-                  <a:sysClr val="windowText" lastClr="000000"/>
-                </a:solidFill>
-                <a:effectLst>
-                  <a:outerShdw blurRad="38100" dist="19050" dir="2700000" algn="tl" rotWithShape="0">
-                    <a:schemeClr val="dk1">
-                      <a:alpha val="40000"/>
-                    </a:schemeClr>
-                  </a:outerShdw>
-                </a:effectLst>
-              </a:rPr>
-              <a:t> [ similar to Maven] </a:t>
-            </a:r>
-            <a:endParaRPr lang="en-US" sz="2400" b="0" cap="none" spc="0" dirty="0">
-              <a:ln w="0"/>
-              <a:solidFill>
-                <a:sysClr val="windowText" lastClr="000000"/>
-              </a:solidFill>
-              <a:effectLst>
-                <a:outerShdw blurRad="38100" dist="19050" dir="2700000" algn="tl" rotWithShape="0">
-                  <a:schemeClr val="dk1">
-                    <a:alpha val="40000"/>
-                  </a:schemeClr>
-                </a:outerShdw>
-              </a:effectLst>
-            </a:endParaRPr>
-          </a:p>
-        </p:txBody>
-      </p:sp>
-      <p:sp>
-        <p:nvSpPr>
-          <p:cNvPr id="14" name="Oval 13">
-            <a:extLst>
-              <a:ext uri="{FF2B5EF4-FFF2-40B4-BE49-F238E27FC236}">
-                <a16:creationId xmlns:a16="http://schemas.microsoft.com/office/drawing/2014/main" id="{5C4E5BC8-411F-BD0E-3B9E-1E06F3668A06}"/>
-              </a:ext>
-            </a:extLst>
-          </p:cNvPr>
-          <p:cNvSpPr/>
-          <p:nvPr/>
-        </p:nvSpPr>
-        <p:spPr>
-          <a:xfrm>
-            <a:off x="836327" y="4407722"/>
-            <a:ext cx="188374" cy="187568"/>
-          </a:xfrm>
-          <a:prstGeom prst="ellipse">
-            <a:avLst/>
-          </a:prstGeom>
-          <a:solidFill>
-            <a:schemeClr val="bg2"/>
-          </a:solidFill>
-        </p:spPr>
-        <p:style>
-          <a:lnRef idx="2">
-            <a:schemeClr val="accent1">
-              <a:shade val="50000"/>
-            </a:schemeClr>
-          </a:lnRef>
-          <a:fillRef idx="1">
-            <a:schemeClr val="accent1"/>
-          </a:fillRef>
-          <a:effectRef idx="0">
-            <a:schemeClr val="accent1"/>
-          </a:effectRef>
-          <a:fontRef idx="minor">
-            <a:schemeClr val="lt1"/>
-          </a:fontRef>
-        </p:style>
-        <p:txBody>
-          <a:bodyPr rtlCol="0" anchor="ctr"/>
-          <a:lstStyle/>
-          <a:p>
-            <a:pPr algn="ctr"/>
-            <a:endParaRPr lang="en-CA"/>
-          </a:p>
-        </p:txBody>
-      </p:sp>
-      <p:sp>
-        <p:nvSpPr>
-          <p:cNvPr id="15" name="Oval 14">
-            <a:extLst>
-              <a:ext uri="{FF2B5EF4-FFF2-40B4-BE49-F238E27FC236}">
-                <a16:creationId xmlns:a16="http://schemas.microsoft.com/office/drawing/2014/main" id="{5DA62B66-FDCC-3F58-3F48-F5ABD5FE8B17}"/>
-              </a:ext>
-            </a:extLst>
-          </p:cNvPr>
-          <p:cNvSpPr/>
-          <p:nvPr/>
-        </p:nvSpPr>
-        <p:spPr>
-          <a:xfrm>
-            <a:off x="256410" y="2035434"/>
-            <a:ext cx="289932" cy="282497"/>
-          </a:xfrm>
-          <a:prstGeom prst="ellipse">
-            <a:avLst/>
-          </a:prstGeom>
-          <a:solidFill>
-            <a:schemeClr val="bg2"/>
-          </a:solidFill>
-        </p:spPr>
-        <p:style>
-          <a:lnRef idx="2">
-            <a:schemeClr val="accent1">
-              <a:shade val="50000"/>
-            </a:schemeClr>
-          </a:lnRef>
-          <a:fillRef idx="1">
-            <a:schemeClr val="accent1"/>
-          </a:fillRef>
-          <a:effectRef idx="0">
-            <a:schemeClr val="accent1"/>
-          </a:effectRef>
-          <a:fontRef idx="minor">
-            <a:schemeClr val="lt1"/>
-          </a:fontRef>
-        </p:style>
-        <p:txBody>
-          <a:bodyPr rtlCol="0" anchor="ctr"/>
-          <a:lstStyle/>
-          <a:p>
-            <a:pPr algn="ctr"/>
-            <a:endParaRPr lang="en-CA" dirty="0"/>
-          </a:p>
-        </p:txBody>
-      </p:sp>
-      <p:sp>
-        <p:nvSpPr>
-          <p:cNvPr id="16" name="Rectangle 15">
-            <a:extLst>
-              <a:ext uri="{FF2B5EF4-FFF2-40B4-BE49-F238E27FC236}">
-                <a16:creationId xmlns:a16="http://schemas.microsoft.com/office/drawing/2014/main" id="{DECE7D38-4823-6898-6A2B-91C0188A6DB9}"/>
-              </a:ext>
-            </a:extLst>
-          </p:cNvPr>
-          <p:cNvSpPr/>
-          <p:nvPr/>
-        </p:nvSpPr>
-        <p:spPr>
-          <a:xfrm>
-            <a:off x="3461586" y="1936985"/>
-            <a:ext cx="3432222" cy="400110"/>
-          </a:xfrm>
-          <a:prstGeom prst="rect">
-            <a:avLst/>
-          </a:prstGeom>
-          <a:noFill/>
-        </p:spPr>
-        <p:txBody>
-          <a:bodyPr wrap="none" lIns="91440" tIns="45720" rIns="91440" bIns="45720">
-            <a:spAutoFit/>
-          </a:bodyPr>
-          <a:lstStyle/>
-          <a:p>
-            <a:pPr algn="ctr"/>
-            <a:r>
-              <a:rPr lang="en-US" sz="2000" b="0" cap="none" spc="0" dirty="0">
-                <a:ln w="0"/>
-                <a:solidFill>
-                  <a:sysClr val="windowText" lastClr="000000"/>
-                </a:solidFill>
-                <a:effectLst>
-                  <a:outerShdw blurRad="38100" dist="19050" dir="2700000" algn="tl" rotWithShape="0">
-                    <a:schemeClr val="dk1">
-                      <a:alpha val="40000"/>
-                    </a:schemeClr>
-                  </a:outerShdw>
-                </a:effectLst>
-              </a:rPr>
-              <a:t>Bundle Tool [import/export]</a:t>
-            </a:r>
-          </a:p>
-        </p:txBody>
-      </p:sp>
-      <p:sp>
-        <p:nvSpPr>
-          <p:cNvPr id="17" name="Arrow: Right 16">
-            <a:extLst>
-              <a:ext uri="{FF2B5EF4-FFF2-40B4-BE49-F238E27FC236}">
-                <a16:creationId xmlns:a16="http://schemas.microsoft.com/office/drawing/2014/main" id="{0273BE7A-6D7A-7C07-4B94-DAA286E4B183}"/>
-              </a:ext>
-            </a:extLst>
-          </p:cNvPr>
-          <p:cNvSpPr/>
-          <p:nvPr/>
-        </p:nvSpPr>
-        <p:spPr>
-          <a:xfrm>
-            <a:off x="2803621" y="1958730"/>
-            <a:ext cx="724277" cy="449100"/>
-          </a:xfrm>
-          <a:prstGeom prst="rightArrow">
-            <a:avLst/>
-          </a:prstGeom>
-          <a:solidFill>
-            <a:schemeClr val="accent5">
-              <a:lumMod val="50000"/>
-            </a:schemeClr>
-          </a:solidFill>
-        </p:spPr>
-        <p:style>
-          <a:lnRef idx="2">
-            <a:schemeClr val="accent1">
-              <a:shade val="50000"/>
-            </a:schemeClr>
-          </a:lnRef>
-          <a:fillRef idx="1">
-            <a:schemeClr val="accent1"/>
-          </a:fillRef>
-          <a:effectRef idx="0">
-            <a:schemeClr val="accent1"/>
-          </a:effectRef>
-          <a:fontRef idx="minor">
-            <a:schemeClr val="lt1"/>
-          </a:fontRef>
-        </p:style>
-        <p:txBody>
-          <a:bodyPr rtlCol="0" anchor="ctr"/>
-          <a:lstStyle/>
-          <a:p>
-            <a:pPr algn="ctr"/>
-            <a:endParaRPr lang="en-CA"/>
-          </a:p>
-        </p:txBody>
-      </p:sp>
-      <p:sp>
-        <p:nvSpPr>
-          <p:cNvPr id="18" name="Rectangle 17">
-            <a:extLst>
-              <a:ext uri="{FF2B5EF4-FFF2-40B4-BE49-F238E27FC236}">
-                <a16:creationId xmlns:a16="http://schemas.microsoft.com/office/drawing/2014/main" id="{3CCFD0CC-49D0-8CCC-CFC8-D98B1FC3FBD7}"/>
-              </a:ext>
-            </a:extLst>
-          </p:cNvPr>
-          <p:cNvSpPr/>
-          <p:nvPr/>
-        </p:nvSpPr>
-        <p:spPr>
-          <a:xfrm>
-            <a:off x="620651" y="1831091"/>
-            <a:ext cx="2182970" cy="646331"/>
-          </a:xfrm>
-          <a:prstGeom prst="rect">
-            <a:avLst/>
-          </a:prstGeom>
-          <a:noFill/>
-        </p:spPr>
-        <p:txBody>
-          <a:bodyPr wrap="none" lIns="91440" tIns="45720" rIns="91440" bIns="45720">
-            <a:spAutoFit/>
-          </a:bodyPr>
-          <a:lstStyle/>
-          <a:p>
-            <a:pPr algn="ctr"/>
-            <a:r>
-              <a:rPr lang="en-US" sz="3600" b="0" cap="none" spc="0" dirty="0">
-                <a:ln w="0"/>
-                <a:solidFill>
-                  <a:sysClr val="windowText" lastClr="000000"/>
-                </a:solidFill>
-                <a:effectLst>
-                  <a:outerShdw blurRad="38100" dist="19050" dir="2700000" algn="tl" rotWithShape="0">
-                    <a:schemeClr val="dk1">
-                      <a:alpha val="40000"/>
-                    </a:schemeClr>
-                  </a:outerShdw>
-                </a:effectLst>
-              </a:rPr>
-              <a:t>Webpack</a:t>
-            </a:r>
-          </a:p>
-        </p:txBody>
-      </p:sp>
-      <p:sp>
-        <p:nvSpPr>
-          <p:cNvPr id="19" name="Oval 18">
-            <a:extLst>
-              <a:ext uri="{FF2B5EF4-FFF2-40B4-BE49-F238E27FC236}">
-                <a16:creationId xmlns:a16="http://schemas.microsoft.com/office/drawing/2014/main" id="{CF1E4226-A207-7262-25F5-53DA6173FEA7}"/>
-              </a:ext>
-            </a:extLst>
-          </p:cNvPr>
-          <p:cNvSpPr/>
-          <p:nvPr/>
-        </p:nvSpPr>
-        <p:spPr>
-          <a:xfrm>
-            <a:off x="256410" y="2642453"/>
-            <a:ext cx="289932" cy="282497"/>
-          </a:xfrm>
-          <a:prstGeom prst="ellipse">
-            <a:avLst/>
-          </a:prstGeom>
-          <a:solidFill>
-            <a:schemeClr val="bg2"/>
-          </a:solidFill>
-        </p:spPr>
-        <p:style>
-          <a:lnRef idx="2">
-            <a:schemeClr val="accent1">
-              <a:shade val="50000"/>
-            </a:schemeClr>
-          </a:lnRef>
-          <a:fillRef idx="1">
-            <a:schemeClr val="accent1"/>
-          </a:fillRef>
-          <a:effectRef idx="0">
-            <a:schemeClr val="accent1"/>
-          </a:effectRef>
-          <a:fontRef idx="minor">
-            <a:schemeClr val="lt1"/>
-          </a:fontRef>
-        </p:style>
-        <p:txBody>
-          <a:bodyPr rtlCol="0" anchor="ctr"/>
-          <a:lstStyle/>
-          <a:p>
-            <a:pPr algn="ctr"/>
-            <a:endParaRPr lang="en-CA">
-              <a:highlight>
-                <a:srgbClr val="00FFFF"/>
-              </a:highlight>
-            </a:endParaRPr>
-          </a:p>
-        </p:txBody>
-      </p:sp>
-      <p:sp>
-        <p:nvSpPr>
-          <p:cNvPr id="20" name="Rectangle 19">
-            <a:extLst>
-              <a:ext uri="{FF2B5EF4-FFF2-40B4-BE49-F238E27FC236}">
-                <a16:creationId xmlns:a16="http://schemas.microsoft.com/office/drawing/2014/main" id="{35D055B0-D023-A587-F713-F19151FB87DA}"/>
-              </a:ext>
-            </a:extLst>
-          </p:cNvPr>
-          <p:cNvSpPr/>
-          <p:nvPr/>
-        </p:nvSpPr>
-        <p:spPr>
-          <a:xfrm>
-            <a:off x="3320074" y="2642453"/>
-            <a:ext cx="3573734" cy="400110"/>
-          </a:xfrm>
-          <a:prstGeom prst="rect">
-            <a:avLst/>
-          </a:prstGeom>
-          <a:noFill/>
-        </p:spPr>
-        <p:txBody>
-          <a:bodyPr wrap="none" lIns="91440" tIns="45720" rIns="91440" bIns="45720">
-            <a:spAutoFit/>
-          </a:bodyPr>
-          <a:lstStyle/>
-          <a:p>
-            <a:pPr algn="ctr"/>
-            <a:r>
-              <a:rPr lang="en-US" sz="2000" b="0" cap="none" spc="0" dirty="0">
-                <a:ln w="0"/>
-                <a:solidFill>
-                  <a:sysClr val="windowText" lastClr="000000"/>
-                </a:solidFill>
-                <a:effectLst>
-                  <a:outerShdw blurRad="38100" dist="19050" dir="2700000" algn="tl" rotWithShape="0">
-                    <a:schemeClr val="dk1">
-                      <a:alpha val="40000"/>
-                    </a:schemeClr>
-                  </a:outerShdw>
-                </a:effectLst>
-              </a:rPr>
-              <a:t>Web Server[hot deployment]</a:t>
-            </a:r>
-          </a:p>
-        </p:txBody>
-      </p:sp>
-      <p:sp>
-        <p:nvSpPr>
-          <p:cNvPr id="21" name="Arrow: Right 20">
-            <a:extLst>
-              <a:ext uri="{FF2B5EF4-FFF2-40B4-BE49-F238E27FC236}">
-                <a16:creationId xmlns:a16="http://schemas.microsoft.com/office/drawing/2014/main" id="{28CEE5E3-DE1D-E9C3-EF1F-DB70335C4EF5}"/>
-              </a:ext>
-            </a:extLst>
-          </p:cNvPr>
-          <p:cNvSpPr/>
-          <p:nvPr/>
-        </p:nvSpPr>
-        <p:spPr>
-          <a:xfrm>
-            <a:off x="2629813" y="2642453"/>
-            <a:ext cx="724277" cy="449100"/>
-          </a:xfrm>
-          <a:prstGeom prst="rightArrow">
-            <a:avLst/>
-          </a:prstGeom>
-          <a:solidFill>
-            <a:schemeClr val="accent5">
-              <a:lumMod val="50000"/>
-            </a:schemeClr>
-          </a:solidFill>
-        </p:spPr>
-        <p:style>
-          <a:lnRef idx="2">
-            <a:schemeClr val="accent1">
-              <a:shade val="50000"/>
-            </a:schemeClr>
-          </a:lnRef>
-          <a:fillRef idx="1">
-            <a:schemeClr val="accent1"/>
-          </a:fillRef>
-          <a:effectRef idx="0">
-            <a:schemeClr val="accent1"/>
-          </a:effectRef>
-          <a:fontRef idx="minor">
-            <a:schemeClr val="lt1"/>
-          </a:fontRef>
-        </p:style>
-        <p:txBody>
-          <a:bodyPr rtlCol="0" anchor="ctr"/>
-          <a:lstStyle/>
-          <a:p>
-            <a:pPr algn="ctr"/>
-            <a:endParaRPr lang="en-CA"/>
-          </a:p>
-        </p:txBody>
-      </p:sp>
-      <p:sp>
-        <p:nvSpPr>
-          <p:cNvPr id="22" name="Rectangle 21">
-            <a:extLst>
-              <a:ext uri="{FF2B5EF4-FFF2-40B4-BE49-F238E27FC236}">
-                <a16:creationId xmlns:a16="http://schemas.microsoft.com/office/drawing/2014/main" id="{E01406E4-FBB1-3A52-7F4E-7472F5168FD8}"/>
-              </a:ext>
-            </a:extLst>
-          </p:cNvPr>
-          <p:cNvSpPr/>
-          <p:nvPr/>
-        </p:nvSpPr>
-        <p:spPr>
-          <a:xfrm>
-            <a:off x="662888" y="2484678"/>
-            <a:ext cx="1242648" cy="646331"/>
-          </a:xfrm>
-          <a:prstGeom prst="rect">
-            <a:avLst/>
-          </a:prstGeom>
-          <a:noFill/>
-        </p:spPr>
-        <p:txBody>
-          <a:bodyPr wrap="none" lIns="91440" tIns="45720" rIns="91440" bIns="45720">
-            <a:spAutoFit/>
-          </a:bodyPr>
-          <a:lstStyle/>
-          <a:p>
-            <a:pPr algn="ctr"/>
-            <a:r>
-              <a:rPr lang="en-US" sz="3600" b="0" cap="none" spc="0" dirty="0">
-                <a:ln w="0"/>
-                <a:solidFill>
-                  <a:sysClr val="windowText" lastClr="000000"/>
-                </a:solidFill>
-                <a:effectLst>
-                  <a:outerShdw blurRad="38100" dist="19050" dir="2700000" algn="tl" rotWithShape="0">
-                    <a:schemeClr val="dk1">
-                      <a:alpha val="40000"/>
-                    </a:schemeClr>
-                  </a:outerShdw>
-                </a:effectLst>
-              </a:rPr>
-              <a:t>WDS</a:t>
-            </a:r>
-          </a:p>
-        </p:txBody>
-      </p:sp>
-      <p:sp>
-        <p:nvSpPr>
-          <p:cNvPr id="23" name="Oval 22">
-            <a:extLst>
-              <a:ext uri="{FF2B5EF4-FFF2-40B4-BE49-F238E27FC236}">
-                <a16:creationId xmlns:a16="http://schemas.microsoft.com/office/drawing/2014/main" id="{BE1256B2-B595-7982-FA0F-41204CFD7014}"/>
-              </a:ext>
-            </a:extLst>
-          </p:cNvPr>
-          <p:cNvSpPr/>
-          <p:nvPr/>
-        </p:nvSpPr>
-        <p:spPr>
-          <a:xfrm>
-            <a:off x="256410" y="3269415"/>
-            <a:ext cx="289932" cy="282497"/>
-          </a:xfrm>
-          <a:prstGeom prst="ellipse">
-            <a:avLst/>
-          </a:prstGeom>
-          <a:solidFill>
-            <a:schemeClr val="bg2"/>
-          </a:solidFill>
-        </p:spPr>
-        <p:style>
-          <a:lnRef idx="2">
-            <a:schemeClr val="accent1">
-              <a:shade val="50000"/>
-            </a:schemeClr>
-          </a:lnRef>
-          <a:fillRef idx="1">
-            <a:schemeClr val="accent1"/>
-          </a:fillRef>
-          <a:effectRef idx="0">
-            <a:schemeClr val="accent1"/>
-          </a:effectRef>
-          <a:fontRef idx="minor">
-            <a:schemeClr val="lt1"/>
-          </a:fontRef>
-        </p:style>
-        <p:txBody>
-          <a:bodyPr rtlCol="0" anchor="ctr"/>
-          <a:lstStyle/>
-          <a:p>
-            <a:pPr algn="ctr"/>
-            <a:endParaRPr lang="en-CA">
-              <a:highlight>
-                <a:srgbClr val="00FFFF"/>
-              </a:highlight>
-            </a:endParaRPr>
-          </a:p>
-        </p:txBody>
-      </p:sp>
-      <p:sp>
-        <p:nvSpPr>
-          <p:cNvPr id="24" name="Rectangle 23">
-            <a:extLst>
-              <a:ext uri="{FF2B5EF4-FFF2-40B4-BE49-F238E27FC236}">
-                <a16:creationId xmlns:a16="http://schemas.microsoft.com/office/drawing/2014/main" id="{D465E320-826C-065F-A26E-B2B83B32E453}"/>
-              </a:ext>
-            </a:extLst>
-          </p:cNvPr>
-          <p:cNvSpPr/>
-          <p:nvPr/>
-        </p:nvSpPr>
-        <p:spPr>
-          <a:xfrm>
-            <a:off x="3359360" y="3149973"/>
-            <a:ext cx="3924151" cy="646331"/>
-          </a:xfrm>
-          <a:prstGeom prst="rect">
-            <a:avLst/>
-          </a:prstGeom>
-          <a:noFill/>
-        </p:spPr>
-        <p:txBody>
-          <a:bodyPr wrap="none" lIns="91440" tIns="45720" rIns="91440" bIns="45720">
-            <a:spAutoFit/>
-          </a:bodyPr>
-          <a:lstStyle/>
-          <a:p>
-            <a:r>
-              <a:rPr lang="en-US" b="0" cap="none" spc="0" dirty="0" err="1">
-                <a:ln w="0"/>
-                <a:solidFill>
-                  <a:sysClr val="windowText" lastClr="000000"/>
-                </a:solidFill>
-                <a:effectLst>
-                  <a:outerShdw blurRad="38100" dist="19050" dir="2700000" algn="tl" rotWithShape="0">
-                    <a:schemeClr val="dk1">
-                      <a:alpha val="40000"/>
-                    </a:schemeClr>
-                  </a:outerShdw>
-                </a:effectLst>
-              </a:rPr>
-              <a:t>Transpiler</a:t>
-            </a:r>
-            <a:r>
-              <a:rPr lang="en-US" b="0" cap="none" spc="0" dirty="0">
-                <a:ln w="0"/>
-                <a:solidFill>
-                  <a:sysClr val="windowText" lastClr="000000"/>
-                </a:solidFill>
-                <a:effectLst>
-                  <a:outerShdw blurRad="38100" dist="19050" dir="2700000" algn="tl" rotWithShape="0">
-                    <a:schemeClr val="dk1">
-                      <a:alpha val="40000"/>
-                    </a:schemeClr>
-                  </a:outerShdw>
-                </a:effectLst>
-              </a:rPr>
-              <a:t> [convert JS to old version</a:t>
-            </a:r>
-          </a:p>
-          <a:p>
-            <a:r>
-              <a:rPr lang="en-US" b="0" cap="none" spc="0" dirty="0">
-                <a:ln w="0"/>
-                <a:solidFill>
-                  <a:sysClr val="windowText" lastClr="000000"/>
-                </a:solidFill>
-                <a:effectLst>
-                  <a:outerShdw blurRad="38100" dist="19050" dir="2700000" algn="tl" rotWithShape="0">
-                    <a:schemeClr val="dk1">
-                      <a:alpha val="40000"/>
-                    </a:schemeClr>
-                  </a:outerShdw>
-                </a:effectLst>
-              </a:rPr>
-              <a:t> supported by browsers]</a:t>
-            </a:r>
-          </a:p>
-        </p:txBody>
-      </p:sp>
-      <p:sp>
-        <p:nvSpPr>
-          <p:cNvPr id="25" name="Arrow: Right 24">
-            <a:extLst>
-              <a:ext uri="{FF2B5EF4-FFF2-40B4-BE49-F238E27FC236}">
-                <a16:creationId xmlns:a16="http://schemas.microsoft.com/office/drawing/2014/main" id="{36774197-D9C3-456E-74C0-1E3F03136231}"/>
-              </a:ext>
-            </a:extLst>
-          </p:cNvPr>
-          <p:cNvSpPr/>
-          <p:nvPr/>
-        </p:nvSpPr>
-        <p:spPr>
-          <a:xfrm>
-            <a:off x="2638892" y="3241055"/>
-            <a:ext cx="724277" cy="449100"/>
-          </a:xfrm>
-          <a:prstGeom prst="rightArrow">
-            <a:avLst/>
-          </a:prstGeom>
-          <a:solidFill>
-            <a:schemeClr val="accent5">
-              <a:lumMod val="50000"/>
-            </a:schemeClr>
-          </a:solidFill>
-        </p:spPr>
-        <p:style>
-          <a:lnRef idx="2">
-            <a:schemeClr val="accent1">
-              <a:shade val="50000"/>
-            </a:schemeClr>
-          </a:lnRef>
-          <a:fillRef idx="1">
-            <a:schemeClr val="accent1"/>
-          </a:fillRef>
-          <a:effectRef idx="0">
-            <a:schemeClr val="accent1"/>
-          </a:effectRef>
-          <a:fontRef idx="minor">
-            <a:schemeClr val="lt1"/>
-          </a:fontRef>
-        </p:style>
-        <p:txBody>
-          <a:bodyPr rtlCol="0" anchor="ctr"/>
-          <a:lstStyle/>
-          <a:p>
-            <a:pPr algn="ctr"/>
-            <a:endParaRPr lang="en-CA"/>
-          </a:p>
-        </p:txBody>
-      </p:sp>
-      <p:sp>
-        <p:nvSpPr>
-          <p:cNvPr id="26" name="Rectangle 25">
-            <a:extLst>
-              <a:ext uri="{FF2B5EF4-FFF2-40B4-BE49-F238E27FC236}">
-                <a16:creationId xmlns:a16="http://schemas.microsoft.com/office/drawing/2014/main" id="{02A77C20-335C-9E23-AD15-114FB1BD1467}"/>
-              </a:ext>
-            </a:extLst>
-          </p:cNvPr>
-          <p:cNvSpPr/>
-          <p:nvPr/>
-        </p:nvSpPr>
-        <p:spPr>
-          <a:xfrm>
-            <a:off x="662888" y="3065136"/>
-            <a:ext cx="1401346" cy="646331"/>
-          </a:xfrm>
-          <a:prstGeom prst="rect">
-            <a:avLst/>
-          </a:prstGeom>
-          <a:noFill/>
-        </p:spPr>
-        <p:txBody>
-          <a:bodyPr wrap="none" lIns="91440" tIns="45720" rIns="91440" bIns="45720">
-            <a:spAutoFit/>
-          </a:bodyPr>
-          <a:lstStyle/>
-          <a:p>
-            <a:pPr algn="ctr"/>
-            <a:r>
-              <a:rPr lang="en-US" sz="3600" b="0" cap="none" spc="0" dirty="0">
-                <a:ln w="0"/>
-                <a:solidFill>
-                  <a:sysClr val="windowText" lastClr="000000"/>
-                </a:solidFill>
-                <a:effectLst>
-                  <a:outerShdw blurRad="38100" dist="19050" dir="2700000" algn="tl" rotWithShape="0">
-                    <a:schemeClr val="dk1">
-                      <a:alpha val="40000"/>
-                    </a:schemeClr>
-                  </a:outerShdw>
-                </a:effectLst>
-              </a:rPr>
-              <a:t>Babel</a:t>
-            </a:r>
-          </a:p>
-        </p:txBody>
-      </p:sp>
-      <p:sp>
-        <p:nvSpPr>
-          <p:cNvPr id="34" name="TextBox 33">
-            <a:extLst>
-              <a:ext uri="{FF2B5EF4-FFF2-40B4-BE49-F238E27FC236}">
-                <a16:creationId xmlns:a16="http://schemas.microsoft.com/office/drawing/2014/main" id="{38DC0817-A71C-82FD-FB18-819F9B7B072D}"/>
-              </a:ext>
-            </a:extLst>
-          </p:cNvPr>
-          <p:cNvSpPr txBox="1"/>
-          <p:nvPr/>
-        </p:nvSpPr>
-        <p:spPr>
-          <a:xfrm>
-            <a:off x="606763" y="7556944"/>
-            <a:ext cx="6918834" cy="2616101"/>
-          </a:xfrm>
-          <a:prstGeom prst="rect">
-            <a:avLst/>
-          </a:prstGeom>
-          <a:noFill/>
-        </p:spPr>
-        <p:txBody>
-          <a:bodyPr wrap="square">
-            <a:spAutoFit/>
-          </a:bodyPr>
-          <a:lstStyle/>
-          <a:p>
-            <a:pPr>
-              <a:lnSpc>
-                <a:spcPct val="100000"/>
-              </a:lnSpc>
-            </a:pPr>
-            <a:r>
-              <a:rPr lang="en-CA" sz="2400" dirty="0">
-                <a:effectLst/>
-                <a:latin typeface="MS Shell Dlg 2" panose="020B0604030504040204" pitchFamily="34" charset="0"/>
-              </a:rPr>
-              <a:t>Create a new folder: </a:t>
-            </a:r>
-            <a:r>
-              <a:rPr lang="en-CA" sz="2400" i="1" dirty="0" err="1">
-                <a:effectLst/>
-                <a:latin typeface="MS Shell Dlg 2" panose="020B0604030504040204" pitchFamily="34" charset="0"/>
-              </a:rPr>
-              <a:t>mytracker</a:t>
-            </a:r>
-            <a:endParaRPr lang="en-CA" sz="2400" i="1" dirty="0">
-              <a:effectLst/>
-              <a:latin typeface="MS Shell Dlg 2" panose="020B0604030504040204" pitchFamily="34" charset="0"/>
-            </a:endParaRPr>
-          </a:p>
-          <a:p>
-            <a:pPr>
-              <a:lnSpc>
-                <a:spcPct val="100000"/>
-              </a:lnSpc>
-            </a:pPr>
-            <a:r>
-              <a:rPr lang="en-CA" sz="2400" dirty="0">
-                <a:latin typeface="MS Shell Dlg 2" panose="020B0604030504040204" pitchFamily="34" charset="0"/>
-              </a:rPr>
-              <a:t>cd to </a:t>
-            </a:r>
-            <a:r>
-              <a:rPr lang="en-CA" sz="2400" dirty="0" err="1">
-                <a:effectLst/>
-                <a:latin typeface="MS Shell Dlg 2" panose="020B0604030504040204" pitchFamily="34" charset="0"/>
-              </a:rPr>
-              <a:t>mytracker</a:t>
-            </a:r>
-            <a:endParaRPr lang="en-CA" sz="2400" dirty="0">
-              <a:effectLst/>
-              <a:latin typeface="MS Shell Dlg 2" panose="020B0604030504040204" pitchFamily="34" charset="0"/>
-            </a:endParaRPr>
-          </a:p>
-          <a:p>
-            <a:r>
-              <a:rPr lang="en-CA" sz="2400" dirty="0">
-                <a:effectLst/>
-                <a:latin typeface="MS Shell Dlg 2" panose="020B0604030504040204" pitchFamily="34" charset="0"/>
-              </a:rPr>
-              <a:t>Create a local git Repo and synch with </a:t>
-            </a:r>
-            <a:r>
-              <a:rPr lang="en-CA" sz="2400" dirty="0" err="1">
-                <a:effectLst/>
-                <a:latin typeface="MS Shell Dlg 2" panose="020B0604030504040204" pitchFamily="34" charset="0"/>
-              </a:rPr>
-              <a:t>github</a:t>
-            </a:r>
-            <a:br>
-              <a:rPr lang="en-CA" sz="2400" dirty="0">
-                <a:effectLst/>
-                <a:latin typeface="MS Shell Dlg 2" panose="020B0604030504040204" pitchFamily="34" charset="0"/>
-              </a:rPr>
-            </a:br>
-            <a:endParaRPr lang="en-CA" sz="2400" dirty="0">
-              <a:effectLst/>
-            </a:endParaRPr>
-          </a:p>
-          <a:p>
-            <a:br>
-              <a:rPr lang="en-CA" sz="4400" dirty="0">
-                <a:effectLst/>
-                <a:latin typeface="MS Shell Dlg 2" panose="020B0604030504040204" pitchFamily="34" charset="0"/>
-              </a:rPr>
-            </a:br>
-            <a:endParaRPr lang="en-CA" sz="2400" dirty="0"/>
-          </a:p>
-        </p:txBody>
-      </p:sp>
-    </p:spTree>
-    <p:extLst>
-      <p:ext uri="{BB962C8B-B14F-4D97-AF65-F5344CB8AC3E}">
-        <p14:creationId xmlns:p14="http://schemas.microsoft.com/office/powerpoint/2010/main" val="2529204517"/>
-      </p:ext>
-    </p:extLst>
-  </p:cSld>
-  <p:clrMapOvr>
-    <a:masterClrMapping/>
-  </p:clrMapOvr>
-</p:sld>
-</file>
-
-<file path=ppt/slides/slide17.xml><?xml version="1.0" encoding="utf-8"?>
-<p:sld xmlns:a="http://schemas.openxmlformats.org/drawingml/2006/main" xmlns:r="http://schemas.openxmlformats.org/officeDocument/2006/relationships" xmlns:p="http://schemas.openxmlformats.org/presentationml/2006/main">
-  <p:cSld>
-    <p:spTree>
-      <p:nvGrpSpPr>
-        <p:cNvPr id="1" name=""/>
-        <p:cNvGrpSpPr/>
-        <p:nvPr/>
-      </p:nvGrpSpPr>
-      <p:grpSpPr>
-        <a:xfrm>
-          <a:off x="0" y="0"/>
-          <a:ext cx="0" cy="0"/>
-          <a:chOff x="0" y="0"/>
-          <a:chExt cx="0" cy="0"/>
-        </a:xfrm>
-      </p:grpSpPr>
-      <p:pic>
-        <p:nvPicPr>
-          <p:cNvPr id="8" name="Picture 7">
-            <a:extLst>
-              <a:ext uri="{FF2B5EF4-FFF2-40B4-BE49-F238E27FC236}">
-                <a16:creationId xmlns:a16="http://schemas.microsoft.com/office/drawing/2014/main" id="{32C46E17-702B-3D82-DF10-227FEAC2D131}"/>
-              </a:ext>
-            </a:extLst>
-          </p:cNvPr>
-          <p:cNvPicPr>
-            <a:picLocks noChangeAspect="1"/>
-          </p:cNvPicPr>
-          <p:nvPr/>
-        </p:nvPicPr>
-        <p:blipFill>
-          <a:blip r:embed="rId2"/>
-          <a:stretch>
-            <a:fillRect/>
-          </a:stretch>
-        </p:blipFill>
-        <p:spPr>
-          <a:xfrm>
-            <a:off x="452359" y="1220605"/>
-            <a:ext cx="2190750" cy="2190750"/>
-          </a:xfrm>
-          <a:prstGeom prst="rect">
-            <a:avLst/>
-          </a:prstGeom>
-        </p:spPr>
-      </p:pic>
-      <p:pic>
-        <p:nvPicPr>
-          <p:cNvPr id="14" name="Picture 13">
-            <a:extLst>
-              <a:ext uri="{FF2B5EF4-FFF2-40B4-BE49-F238E27FC236}">
-                <a16:creationId xmlns:a16="http://schemas.microsoft.com/office/drawing/2014/main" id="{E8674C97-D652-5D93-4613-489DDC2FA6CC}"/>
-              </a:ext>
-            </a:extLst>
-          </p:cNvPr>
-          <p:cNvPicPr>
-            <a:picLocks noChangeAspect="1"/>
-          </p:cNvPicPr>
-          <p:nvPr/>
-        </p:nvPicPr>
-        <p:blipFill>
-          <a:blip r:embed="rId3"/>
-          <a:stretch>
-            <a:fillRect/>
-          </a:stretch>
-        </p:blipFill>
-        <p:spPr>
-          <a:xfrm>
-            <a:off x="3886200" y="1220605"/>
-            <a:ext cx="2314575" cy="3981450"/>
-          </a:xfrm>
-          <a:prstGeom prst="rect">
-            <a:avLst/>
-          </a:prstGeom>
-        </p:spPr>
-      </p:pic>
-      <p:cxnSp>
-        <p:nvCxnSpPr>
-          <p:cNvPr id="16" name="Connector: Elbow 15">
-            <a:extLst>
-              <a:ext uri="{FF2B5EF4-FFF2-40B4-BE49-F238E27FC236}">
-                <a16:creationId xmlns:a16="http://schemas.microsoft.com/office/drawing/2014/main" id="{F9849134-F2E1-27D6-FC0D-001BA524FEC4}"/>
-              </a:ext>
-            </a:extLst>
-          </p:cNvPr>
-          <p:cNvCxnSpPr>
-            <a:cxnSpLocks/>
-          </p:cNvCxnSpPr>
-          <p:nvPr/>
-        </p:nvCxnSpPr>
-        <p:spPr>
-          <a:xfrm>
-            <a:off x="1990491" y="1364105"/>
-            <a:ext cx="1772040" cy="794479"/>
-          </a:xfrm>
-          <a:prstGeom prst="bentConnector3">
-            <a:avLst/>
-          </a:prstGeom>
-          <a:ln>
-            <a:tailEnd type="triangle"/>
-          </a:ln>
-        </p:spPr>
-        <p:style>
-          <a:lnRef idx="1">
-            <a:schemeClr val="accent1"/>
-          </a:lnRef>
-          <a:fillRef idx="0">
-            <a:schemeClr val="accent1"/>
-          </a:fillRef>
-          <a:effectRef idx="0">
-            <a:schemeClr val="accent1"/>
-          </a:effectRef>
-          <a:fontRef idx="minor">
-            <a:schemeClr val="tx1"/>
-          </a:fontRef>
-        </p:style>
-      </p:cxnSp>
-      <p:pic>
-        <p:nvPicPr>
-          <p:cNvPr id="19" name="Picture 18">
-            <a:extLst>
-              <a:ext uri="{FF2B5EF4-FFF2-40B4-BE49-F238E27FC236}">
-                <a16:creationId xmlns:a16="http://schemas.microsoft.com/office/drawing/2014/main" id="{81AC08E6-5258-729C-C739-8B6A371DB161}"/>
-              </a:ext>
-            </a:extLst>
-          </p:cNvPr>
-          <p:cNvPicPr>
-            <a:picLocks noChangeAspect="1"/>
-          </p:cNvPicPr>
-          <p:nvPr/>
-        </p:nvPicPr>
-        <p:blipFill>
-          <a:blip r:embed="rId4"/>
-          <a:stretch>
-            <a:fillRect/>
-          </a:stretch>
-        </p:blipFill>
-        <p:spPr>
-          <a:xfrm>
-            <a:off x="0" y="6647046"/>
-            <a:ext cx="7772400" cy="2396878"/>
-          </a:xfrm>
-          <a:prstGeom prst="rect">
-            <a:avLst/>
-          </a:prstGeom>
-        </p:spPr>
-      </p:pic>
-      <p:sp>
-        <p:nvSpPr>
-          <p:cNvPr id="20" name="Rectangle 19">
-            <a:extLst>
-              <a:ext uri="{FF2B5EF4-FFF2-40B4-BE49-F238E27FC236}">
-                <a16:creationId xmlns:a16="http://schemas.microsoft.com/office/drawing/2014/main" id="{73833828-55BA-075C-2FAC-DA17ABE2F4F0}"/>
-              </a:ext>
-            </a:extLst>
-          </p:cNvPr>
-          <p:cNvSpPr/>
-          <p:nvPr/>
-        </p:nvSpPr>
-        <p:spPr>
-          <a:xfrm>
-            <a:off x="-70364" y="40115"/>
-            <a:ext cx="7913128" cy="923330"/>
-          </a:xfrm>
-          <a:prstGeom prst="rect">
-            <a:avLst/>
-          </a:prstGeom>
-          <a:noFill/>
-        </p:spPr>
-        <p:txBody>
-          <a:bodyPr wrap="none" lIns="91440" tIns="45720" rIns="91440" bIns="45720">
-            <a:spAutoFit/>
-          </a:bodyPr>
-          <a:lstStyle/>
-          <a:p>
-            <a:pPr algn="ctr"/>
-            <a:r>
-              <a:rPr lang="en-US" sz="5400" b="0" cap="none" spc="0" dirty="0">
-                <a:ln w="0"/>
-                <a:solidFill>
-                  <a:schemeClr val="tx1"/>
-                </a:solidFill>
-                <a:effectLst>
-                  <a:outerShdw blurRad="38100" dist="19050" dir="2700000" algn="tl" rotWithShape="0">
-                    <a:schemeClr val="dk1">
-                      <a:alpha val="40000"/>
-                    </a:schemeClr>
-                  </a:outerShdw>
-                </a:effectLst>
-              </a:rPr>
-              <a:t>Tour </a:t>
-            </a:r>
-            <a:r>
-              <a:rPr lang="en-US" sz="5400" dirty="0">
-                <a:ln w="0"/>
-                <a:effectLst>
-                  <a:outerShdw blurRad="38100" dist="19050" dir="2700000" algn="tl" rotWithShape="0">
-                    <a:schemeClr val="dk1">
-                      <a:alpha val="40000"/>
-                    </a:schemeClr>
-                  </a:outerShdw>
-                </a:effectLst>
-              </a:rPr>
-              <a:t>&amp; Customization - 1</a:t>
-            </a:r>
-            <a:endParaRPr lang="en-US" sz="5400" b="0" cap="none" spc="0" dirty="0">
-              <a:ln w="0"/>
-              <a:solidFill>
-                <a:schemeClr val="tx1"/>
-              </a:solidFill>
-              <a:effectLst>
-                <a:outerShdw blurRad="38100" dist="19050" dir="2700000" algn="tl" rotWithShape="0">
-                  <a:schemeClr val="dk1">
-                    <a:alpha val="40000"/>
-                  </a:schemeClr>
-                </a:outerShdw>
-              </a:effectLst>
-            </a:endParaRPr>
-          </a:p>
-        </p:txBody>
-      </p:sp>
-    </p:spTree>
-    <p:extLst>
-      <p:ext uri="{BB962C8B-B14F-4D97-AF65-F5344CB8AC3E}">
-        <p14:creationId xmlns:p14="http://schemas.microsoft.com/office/powerpoint/2010/main" val="507061550"/>
-      </p:ext>
-    </p:extLst>
-  </p:cSld>
-  <p:clrMapOvr>
-    <a:masterClrMapping/>
-  </p:clrMapOvr>
-</p:sld>
-</file>
-
-<file path=ppt/slides/slide18.xml><?xml version="1.0" encoding="utf-8"?>
-<p:sld xmlns:a="http://schemas.openxmlformats.org/drawingml/2006/main" xmlns:r="http://schemas.openxmlformats.org/officeDocument/2006/relationships" xmlns:p="http://schemas.openxmlformats.org/presentationml/2006/main">
-  <p:cSld>
-    <p:spTree>
-      <p:nvGrpSpPr>
-        <p:cNvPr id="1" name=""/>
-        <p:cNvGrpSpPr/>
-        <p:nvPr/>
-      </p:nvGrpSpPr>
-      <p:grpSpPr>
-        <a:xfrm>
-          <a:off x="0" y="0"/>
-          <a:ext cx="0" cy="0"/>
-          <a:chOff x="0" y="0"/>
-          <a:chExt cx="0" cy="0"/>
-        </a:xfrm>
-      </p:grpSpPr>
-      <p:sp>
-        <p:nvSpPr>
-          <p:cNvPr id="6" name="Text Placeholder 5">
-            <a:extLst>
-              <a:ext uri="{FF2B5EF4-FFF2-40B4-BE49-F238E27FC236}">
-                <a16:creationId xmlns:a16="http://schemas.microsoft.com/office/drawing/2014/main" id="{CDCF41D9-A23B-BFF5-5B09-8D0800BD4E30}"/>
-              </a:ext>
-            </a:extLst>
-          </p:cNvPr>
-          <p:cNvSpPr>
-            <a:spLocks noGrp="1"/>
-          </p:cNvSpPr>
-          <p:nvPr>
-            <p:ph type="body" sz="quarter" idx="12"/>
-          </p:nvPr>
-        </p:nvSpPr>
-        <p:spPr/>
-        <p:txBody>
-          <a:bodyPr/>
-          <a:lstStyle/>
-          <a:p>
-            <a:endParaRPr lang="en-CA"/>
-          </a:p>
-        </p:txBody>
-      </p:sp>
-      <p:sp>
-        <p:nvSpPr>
-          <p:cNvPr id="7" name="Rectangle 6">
-            <a:extLst>
-              <a:ext uri="{FF2B5EF4-FFF2-40B4-BE49-F238E27FC236}">
-                <a16:creationId xmlns:a16="http://schemas.microsoft.com/office/drawing/2014/main" id="{1D61EB19-6ED8-A395-A35D-AFCF65F5BED5}"/>
-              </a:ext>
-            </a:extLst>
-          </p:cNvPr>
-          <p:cNvSpPr/>
-          <p:nvPr/>
-        </p:nvSpPr>
-        <p:spPr>
-          <a:xfrm>
-            <a:off x="-70364" y="40115"/>
-            <a:ext cx="7913128" cy="923330"/>
-          </a:xfrm>
-          <a:prstGeom prst="rect">
-            <a:avLst/>
-          </a:prstGeom>
-          <a:noFill/>
-        </p:spPr>
-        <p:txBody>
-          <a:bodyPr wrap="none" lIns="91440" tIns="45720" rIns="91440" bIns="45720">
-            <a:spAutoFit/>
-          </a:bodyPr>
-          <a:lstStyle/>
-          <a:p>
-            <a:pPr algn="ctr"/>
-            <a:r>
-              <a:rPr lang="en-US" sz="5400" b="0" cap="none" spc="0" dirty="0">
-                <a:ln w="0"/>
-                <a:solidFill>
-                  <a:schemeClr val="tx1"/>
-                </a:solidFill>
-                <a:effectLst>
-                  <a:outerShdw blurRad="38100" dist="19050" dir="2700000" algn="tl" rotWithShape="0">
-                    <a:schemeClr val="dk1">
-                      <a:alpha val="40000"/>
-                    </a:schemeClr>
-                  </a:outerShdw>
-                </a:effectLst>
-              </a:rPr>
-              <a:t>Tour </a:t>
-            </a:r>
-            <a:r>
-              <a:rPr lang="en-US" sz="5400" dirty="0">
-                <a:ln w="0"/>
-                <a:effectLst>
-                  <a:outerShdw blurRad="38100" dist="19050" dir="2700000" algn="tl" rotWithShape="0">
-                    <a:schemeClr val="dk1">
-                      <a:alpha val="40000"/>
-                    </a:schemeClr>
-                  </a:outerShdw>
-                </a:effectLst>
-              </a:rPr>
-              <a:t>&amp; Customization - 1</a:t>
-            </a:r>
-            <a:endParaRPr lang="en-US" sz="5400" b="0" cap="none" spc="0" dirty="0">
-              <a:ln w="0"/>
-              <a:solidFill>
-                <a:schemeClr val="tx1"/>
-              </a:solidFill>
-              <a:effectLst>
-                <a:outerShdw blurRad="38100" dist="19050" dir="2700000" algn="tl" rotWithShape="0">
-                  <a:schemeClr val="dk1">
-                    <a:alpha val="40000"/>
-                  </a:schemeClr>
-                </a:outerShdw>
-              </a:effectLst>
-            </a:endParaRPr>
+              <a:t>Check Our Project</a:t>
+            </a:r>
           </a:p>
         </p:txBody>
       </p:sp>
@@ -7615,6 +10483,9 @@
           <a:prstGeom prst="rect">
             <a:avLst/>
           </a:prstGeom>
+          <a:solidFill>
+            <a:srgbClr val="00B050"/>
+          </a:solidFill>
         </p:spPr>
         <p:style>
           <a:lnRef idx="2">
@@ -7719,112 +10590,6 @@
           </a:p>
         </p:txBody>
       </p:sp>
-      <p:sp>
-        <p:nvSpPr>
-          <p:cNvPr id="11" name="Rectangle 10">
-            <a:extLst>
-              <a:ext uri="{FF2B5EF4-FFF2-40B4-BE49-F238E27FC236}">
-                <a16:creationId xmlns:a16="http://schemas.microsoft.com/office/drawing/2014/main" id="{D54320C9-9F48-3F85-3FBD-2F9420588E40}"/>
-              </a:ext>
-            </a:extLst>
-          </p:cNvPr>
-          <p:cNvSpPr/>
-          <p:nvPr/>
-        </p:nvSpPr>
-        <p:spPr>
-          <a:xfrm>
-            <a:off x="3886200" y="4180924"/>
-            <a:ext cx="2879651" cy="1696551"/>
-          </a:xfrm>
-          <a:prstGeom prst="rect">
-            <a:avLst/>
-          </a:prstGeom>
-          <a:solidFill>
-            <a:srgbClr val="002060"/>
-          </a:solidFill>
-        </p:spPr>
-        <p:style>
-          <a:lnRef idx="2">
-            <a:schemeClr val="accent1">
-              <a:shade val="50000"/>
-            </a:schemeClr>
-          </a:lnRef>
-          <a:fillRef idx="1">
-            <a:schemeClr val="accent1"/>
-          </a:fillRef>
-          <a:effectRef idx="0">
-            <a:schemeClr val="accent1"/>
-          </a:effectRef>
-          <a:fontRef idx="minor">
-            <a:schemeClr val="lt1"/>
-          </a:fontRef>
-        </p:style>
-        <p:txBody>
-          <a:bodyPr rtlCol="0" anchor="ctr"/>
-          <a:lstStyle/>
-          <a:p>
-            <a:pPr algn="ctr"/>
-            <a:r>
-              <a:rPr lang="en-US" u="sng" dirty="0"/>
-              <a:t>App.js</a:t>
-            </a:r>
-          </a:p>
-          <a:p>
-            <a:pPr algn="ctr"/>
-            <a:endParaRPr lang="en-US" u="sng" dirty="0"/>
-          </a:p>
-          <a:p>
-            <a:pPr algn="ctr"/>
-            <a:r>
-              <a:rPr lang="en-US" dirty="0"/>
-              <a:t>Create the application’s main component</a:t>
-            </a:r>
-            <a:endParaRPr lang="en-CA" dirty="0"/>
-          </a:p>
-        </p:txBody>
-      </p:sp>
-      <p:cxnSp>
-        <p:nvCxnSpPr>
-          <p:cNvPr id="17" name="Straight Arrow Connector 16">
-            <a:extLst>
-              <a:ext uri="{FF2B5EF4-FFF2-40B4-BE49-F238E27FC236}">
-                <a16:creationId xmlns:a16="http://schemas.microsoft.com/office/drawing/2014/main" id="{CE8CCD7F-19FC-977C-40F7-2DAC05FC7EC2}"/>
-              </a:ext>
-            </a:extLst>
-          </p:cNvPr>
-          <p:cNvCxnSpPr>
-            <a:stCxn id="11" idx="0"/>
-            <a:endCxn id="10" idx="2"/>
-          </p:cNvCxnSpPr>
-          <p:nvPr/>
-        </p:nvCxnSpPr>
-        <p:spPr>
-          <a:xfrm flipH="1" flipV="1">
-            <a:off x="5318937" y="3157870"/>
-            <a:ext cx="7089" cy="1023054"/>
-          </a:xfrm>
-          <a:prstGeom prst="straightConnector1">
-            <a:avLst/>
-          </a:prstGeom>
-          <a:ln>
-            <a:tailEnd type="triangle"/>
-          </a:ln>
-        </p:spPr>
-        <p:style>
-          <a:lnRef idx="1">
-            <a:schemeClr val="accent1"/>
-          </a:lnRef>
-          <a:fillRef idx="0">
-            <a:schemeClr val="accent1"/>
-          </a:fillRef>
-          <a:effectRef idx="0">
-            <a:schemeClr val="accent1"/>
-          </a:effectRef>
-          <a:fontRef idx="minor">
-            <a:schemeClr val="tx1"/>
-          </a:fontRef>
-        </p:style>
-      </p:cxnSp>
       <p:cxnSp>
         <p:nvCxnSpPr>
           <p:cNvPr id="24" name="Straight Arrow Connector 23">
@@ -7881,8 +10646,8 @@
         </p:nvSpPr>
         <p:spPr>
           <a:xfrm>
-            <a:off x="148854" y="963445"/>
-            <a:ext cx="7378997" cy="2524034"/>
+            <a:off x="148854" y="938430"/>
+            <a:ext cx="7378997" cy="9113258"/>
           </a:xfrm>
           <a:prstGeom prst="rect">
             <a:avLst/>
@@ -7917,6 +10682,539 @@
           </a:p>
         </p:txBody>
       </p:sp>
+      <p:pic>
+        <p:nvPicPr>
+          <p:cNvPr id="2" name="Picture 1">
+            <a:extLst>
+              <a:ext uri="{FF2B5EF4-FFF2-40B4-BE49-F238E27FC236}">
+                <a16:creationId xmlns:a16="http://schemas.microsoft.com/office/drawing/2014/main" id="{F07EEC14-513F-3B7D-E94F-0E73E13BB1C0}"/>
+              </a:ext>
+            </a:extLst>
+          </p:cNvPr>
+          <p:cNvPicPr>
+            <a:picLocks noChangeAspect="1"/>
+          </p:cNvPicPr>
+          <p:nvPr/>
+        </p:nvPicPr>
+        <p:blipFill>
+          <a:blip r:embed="rId2"/>
+          <a:stretch>
+            <a:fillRect/>
+          </a:stretch>
+        </p:blipFill>
+        <p:spPr>
+          <a:xfrm>
+            <a:off x="244549" y="3300209"/>
+            <a:ext cx="7110549" cy="2473821"/>
+          </a:xfrm>
+          <a:prstGeom prst="rect">
+            <a:avLst/>
+          </a:prstGeom>
+        </p:spPr>
+      </p:pic>
+      <p:sp>
+        <p:nvSpPr>
+          <p:cNvPr id="5" name="TextBox 4">
+            <a:extLst>
+              <a:ext uri="{FF2B5EF4-FFF2-40B4-BE49-F238E27FC236}">
+                <a16:creationId xmlns:a16="http://schemas.microsoft.com/office/drawing/2014/main" id="{57E20B26-644F-93F1-700A-2F6EA1133C6E}"/>
+              </a:ext>
+            </a:extLst>
+          </p:cNvPr>
+          <p:cNvSpPr txBox="1"/>
+          <p:nvPr/>
+        </p:nvSpPr>
+        <p:spPr>
+          <a:xfrm>
+            <a:off x="244549" y="5924406"/>
+            <a:ext cx="7283302" cy="707886"/>
+          </a:xfrm>
+          <a:prstGeom prst="rect">
+            <a:avLst/>
+          </a:prstGeom>
+          <a:noFill/>
+        </p:spPr>
+        <p:txBody>
+          <a:bodyPr wrap="square">
+            <a:spAutoFit/>
+          </a:bodyPr>
+          <a:lstStyle/>
+          <a:p>
+            <a:r>
+              <a:rPr lang="en-CA" sz="2000" dirty="0">
+                <a:effectLst/>
+                <a:highlight>
+                  <a:srgbClr val="FFFF00"/>
+                </a:highlight>
+                <a:latin typeface="MS Shell Dlg 2" panose="020B0604030504040204" pitchFamily="34" charset="0"/>
+              </a:rPr>
+              <a:t>App</a:t>
+            </a:r>
+            <a:r>
+              <a:rPr lang="en-CA" sz="2000" dirty="0">
+                <a:effectLst/>
+                <a:latin typeface="MS Shell Dlg 2" panose="020B0604030504040204" pitchFamily="34" charset="0"/>
+              </a:rPr>
+              <a:t>: a function creating component we will add and it refers to our project main component. </a:t>
+            </a:r>
+            <a:r>
+              <a:rPr lang="en-CA" sz="2000" dirty="0">
+                <a:effectLst/>
+                <a:highlight>
+                  <a:srgbClr val="FFFF00"/>
+                </a:highlight>
+                <a:latin typeface="MS Shell Dlg 2" panose="020B0604030504040204" pitchFamily="34" charset="0"/>
+              </a:rPr>
+              <a:t>This will be our focus.</a:t>
+            </a:r>
+            <a:endParaRPr lang="en-CA" sz="2000" dirty="0">
+              <a:highlight>
+                <a:srgbClr val="FFFF00"/>
+              </a:highlight>
+            </a:endParaRPr>
+          </a:p>
+        </p:txBody>
+      </p:sp>
+      <p:sp>
+        <p:nvSpPr>
+          <p:cNvPr id="9" name="TextBox 8">
+            <a:extLst>
+              <a:ext uri="{FF2B5EF4-FFF2-40B4-BE49-F238E27FC236}">
+                <a16:creationId xmlns:a16="http://schemas.microsoft.com/office/drawing/2014/main" id="{49D1B0F9-E2D3-7509-475B-6CA690D37F29}"/>
+              </a:ext>
+            </a:extLst>
+          </p:cNvPr>
+          <p:cNvSpPr txBox="1"/>
+          <p:nvPr/>
+        </p:nvSpPr>
+        <p:spPr>
+          <a:xfrm>
+            <a:off x="244549" y="6779268"/>
+            <a:ext cx="7283302" cy="707886"/>
+          </a:xfrm>
+          <a:prstGeom prst="rect">
+            <a:avLst/>
+          </a:prstGeom>
+          <a:noFill/>
+        </p:spPr>
+        <p:txBody>
+          <a:bodyPr wrap="square">
+            <a:spAutoFit/>
+          </a:bodyPr>
+          <a:lstStyle/>
+          <a:p>
+            <a:r>
+              <a:rPr lang="en-CA" sz="2000" dirty="0">
+                <a:effectLst/>
+                <a:latin typeface="MS Shell Dlg 2" panose="020B0604030504040204" pitchFamily="34" charset="0"/>
+              </a:rPr>
+              <a:t>Thus, you </a:t>
+            </a:r>
+            <a:r>
+              <a:rPr lang="en-CA" sz="2000" dirty="0">
+                <a:effectLst/>
+                <a:highlight>
+                  <a:srgbClr val="FFFF00"/>
+                </a:highlight>
+                <a:latin typeface="MS Shell Dlg 2" panose="020B0604030504040204" pitchFamily="34" charset="0"/>
+              </a:rPr>
+              <a:t>don’t need to be bothered</a:t>
+            </a:r>
+            <a:r>
+              <a:rPr lang="en-CA" sz="2000" dirty="0">
+                <a:effectLst/>
+                <a:latin typeface="MS Shell Dlg 2" panose="020B0604030504040204" pitchFamily="34" charset="0"/>
+              </a:rPr>
+              <a:t> by index.html and index.js anymore.</a:t>
+            </a:r>
+            <a:endParaRPr lang="en-CA" sz="2000" dirty="0">
+              <a:highlight>
+                <a:srgbClr val="FFFF00"/>
+              </a:highlight>
+            </a:endParaRPr>
+          </a:p>
+        </p:txBody>
+      </p:sp>
+      <p:sp>
+        <p:nvSpPr>
+          <p:cNvPr id="12" name="TextBox 11">
+            <a:extLst>
+              <a:ext uri="{FF2B5EF4-FFF2-40B4-BE49-F238E27FC236}">
+                <a16:creationId xmlns:a16="http://schemas.microsoft.com/office/drawing/2014/main" id="{683158F7-78E7-E090-698F-889441720F05}"/>
+              </a:ext>
+            </a:extLst>
+          </p:cNvPr>
+          <p:cNvSpPr txBox="1"/>
+          <p:nvPr/>
+        </p:nvSpPr>
+        <p:spPr>
+          <a:xfrm>
+            <a:off x="244549" y="7617500"/>
+            <a:ext cx="7283302" cy="400110"/>
+          </a:xfrm>
+          <a:prstGeom prst="rect">
+            <a:avLst/>
+          </a:prstGeom>
+          <a:noFill/>
+        </p:spPr>
+        <p:txBody>
+          <a:bodyPr wrap="square">
+            <a:spAutoFit/>
+          </a:bodyPr>
+          <a:lstStyle/>
+          <a:p>
+            <a:r>
+              <a:rPr lang="en-CA" sz="2000" dirty="0">
+                <a:latin typeface="MS Shell Dlg 2" panose="020B0604030504040204" pitchFamily="34" charset="0"/>
+              </a:rPr>
+              <a:t>What we see highlighted above is a flavor of what we did.</a:t>
+            </a:r>
+            <a:r>
+              <a:rPr lang="en-CA" sz="2000" dirty="0">
+                <a:effectLst/>
+                <a:latin typeface="MS Shell Dlg 2" panose="020B0604030504040204" pitchFamily="34" charset="0"/>
+              </a:rPr>
+              <a:t> </a:t>
+            </a:r>
+            <a:endParaRPr lang="en-CA" sz="2000" dirty="0">
+              <a:highlight>
+                <a:srgbClr val="FFFF00"/>
+              </a:highlight>
+            </a:endParaRPr>
+          </a:p>
+        </p:txBody>
+      </p:sp>
+      <p:sp>
+        <p:nvSpPr>
+          <p:cNvPr id="13" name="TextBox 12">
+            <a:extLst>
+              <a:ext uri="{FF2B5EF4-FFF2-40B4-BE49-F238E27FC236}">
+                <a16:creationId xmlns:a16="http://schemas.microsoft.com/office/drawing/2014/main" id="{D8B4683A-D8EB-DEA2-39EF-F82A015D099B}"/>
+              </a:ext>
+            </a:extLst>
+          </p:cNvPr>
+          <p:cNvSpPr txBox="1"/>
+          <p:nvPr/>
+        </p:nvSpPr>
+        <p:spPr>
+          <a:xfrm>
+            <a:off x="205530" y="8044472"/>
+            <a:ext cx="7283302" cy="707886"/>
+          </a:xfrm>
+          <a:prstGeom prst="rect">
+            <a:avLst/>
+          </a:prstGeom>
+          <a:noFill/>
+        </p:spPr>
+        <p:txBody>
+          <a:bodyPr wrap="square">
+            <a:spAutoFit/>
+          </a:bodyPr>
+          <a:lstStyle/>
+          <a:p>
+            <a:r>
+              <a:rPr lang="en-CA" sz="2000" dirty="0">
+                <a:latin typeface="MS Shell Dlg 2" panose="020B0604030504040204" pitchFamily="34" charset="0"/>
+              </a:rPr>
+              <a:t>Replace this highlighted part with the snippet below and test:</a:t>
+            </a:r>
+          </a:p>
+          <a:p>
+            <a:endParaRPr lang="en-CA" sz="2000" dirty="0">
+              <a:highlight>
+                <a:srgbClr val="FFFF00"/>
+              </a:highlight>
+            </a:endParaRPr>
+          </a:p>
+        </p:txBody>
+      </p:sp>
+      <p:sp>
+        <p:nvSpPr>
+          <p:cNvPr id="14" name="TextBox 13">
+            <a:extLst>
+              <a:ext uri="{FF2B5EF4-FFF2-40B4-BE49-F238E27FC236}">
+                <a16:creationId xmlns:a16="http://schemas.microsoft.com/office/drawing/2014/main" id="{71C6341C-4C94-6752-06A8-C40570B8EF44}"/>
+              </a:ext>
+            </a:extLst>
+          </p:cNvPr>
+          <p:cNvSpPr txBox="1"/>
+          <p:nvPr/>
+        </p:nvSpPr>
+        <p:spPr>
+          <a:xfrm>
+            <a:off x="2816862" y="4212758"/>
+            <a:ext cx="3427861" cy="1569660"/>
+          </a:xfrm>
+          <a:prstGeom prst="rect">
+            <a:avLst/>
+          </a:prstGeom>
+          <a:noFill/>
+        </p:spPr>
+        <p:txBody>
+          <a:bodyPr wrap="none" rtlCol="0">
+            <a:spAutoFit/>
+          </a:bodyPr>
+          <a:lstStyle/>
+          <a:p>
+            <a:r>
+              <a:rPr lang="en-CA" sz="9600" dirty="0">
+                <a:solidFill>
+                  <a:srgbClr val="FF0000"/>
+                </a:solidFill>
+              </a:rPr>
+              <a:t>X </a:t>
+            </a:r>
+            <a:r>
+              <a:rPr lang="en-CA" sz="9600" dirty="0" err="1">
+                <a:solidFill>
+                  <a:srgbClr val="FF0000"/>
+                </a:solidFill>
+              </a:rPr>
+              <a:t>X</a:t>
+            </a:r>
+            <a:r>
+              <a:rPr lang="en-CA" sz="9600" dirty="0">
+                <a:solidFill>
+                  <a:srgbClr val="FF0000"/>
+                </a:solidFill>
+              </a:rPr>
+              <a:t> </a:t>
+            </a:r>
+            <a:r>
+              <a:rPr lang="en-CA" sz="9600" dirty="0" err="1">
+                <a:solidFill>
+                  <a:srgbClr val="FF0000"/>
+                </a:solidFill>
+              </a:rPr>
+              <a:t>X</a:t>
+            </a:r>
+            <a:r>
+              <a:rPr lang="en-CA" sz="9600" dirty="0">
+                <a:solidFill>
+                  <a:srgbClr val="FF0000"/>
+                </a:solidFill>
+              </a:rPr>
+              <a:t> </a:t>
+            </a:r>
+          </a:p>
+        </p:txBody>
+      </p:sp>
+      <p:sp>
+        <p:nvSpPr>
+          <p:cNvPr id="15" name="TextBox 14">
+            <a:extLst>
+              <a:ext uri="{FF2B5EF4-FFF2-40B4-BE49-F238E27FC236}">
+                <a16:creationId xmlns:a16="http://schemas.microsoft.com/office/drawing/2014/main" id="{967C7712-27F3-1D2C-4B2D-A9FFE7237E59}"/>
+              </a:ext>
+            </a:extLst>
+          </p:cNvPr>
+          <p:cNvSpPr txBox="1"/>
+          <p:nvPr/>
+        </p:nvSpPr>
+        <p:spPr>
+          <a:xfrm>
+            <a:off x="4052455" y="2848475"/>
+            <a:ext cx="579005" cy="1569660"/>
+          </a:xfrm>
+          <a:prstGeom prst="rect">
+            <a:avLst/>
+          </a:prstGeom>
+          <a:noFill/>
+        </p:spPr>
+        <p:txBody>
+          <a:bodyPr wrap="none" rtlCol="0">
+            <a:spAutoFit/>
+          </a:bodyPr>
+          <a:lstStyle/>
+          <a:p>
+            <a:r>
+              <a:rPr lang="en-CA" sz="9600" dirty="0">
+                <a:solidFill>
+                  <a:srgbClr val="FF0000"/>
+                </a:solidFill>
+              </a:rPr>
+              <a:t>-</a:t>
+            </a:r>
+          </a:p>
+        </p:txBody>
+      </p:sp>
+      <p:sp>
+        <p:nvSpPr>
+          <p:cNvPr id="18" name="TextBox 17">
+            <a:extLst>
+              <a:ext uri="{FF2B5EF4-FFF2-40B4-BE49-F238E27FC236}">
+                <a16:creationId xmlns:a16="http://schemas.microsoft.com/office/drawing/2014/main" id="{305D42FD-0A78-6CED-2108-A0AE3ED14C50}"/>
+              </a:ext>
+            </a:extLst>
+          </p:cNvPr>
+          <p:cNvSpPr txBox="1"/>
+          <p:nvPr/>
+        </p:nvSpPr>
+        <p:spPr>
+          <a:xfrm>
+            <a:off x="148854" y="8412771"/>
+            <a:ext cx="7283301" cy="646331"/>
+          </a:xfrm>
+          <a:prstGeom prst="rect">
+            <a:avLst/>
+          </a:prstGeom>
+          <a:noFill/>
+        </p:spPr>
+        <p:txBody>
+          <a:bodyPr wrap="square">
+            <a:spAutoFit/>
+          </a:bodyPr>
+          <a:lstStyle/>
+          <a:p>
+            <a:r>
+              <a:rPr lang="en-CA" dirty="0"/>
+              <a:t>       </a:t>
+            </a:r>
+            <a:r>
+              <a:rPr lang="en-CA" dirty="0" err="1"/>
+              <a:t>ReactDOM.render</a:t>
+            </a:r>
+            <a:r>
+              <a:rPr lang="en-CA" dirty="0"/>
+              <a:t>(App(), </a:t>
+            </a:r>
+            <a:r>
+              <a:rPr lang="en-CA" dirty="0" err="1"/>
+              <a:t>document.getElementById</a:t>
+            </a:r>
+            <a:r>
+              <a:rPr lang="en-CA" dirty="0"/>
+              <a:t>('root'));</a:t>
+            </a:r>
+            <a:br>
+              <a:rPr lang="en-CA" dirty="0"/>
+            </a:br>
+            <a:r>
+              <a:rPr lang="en-CA" dirty="0"/>
+              <a:t>       </a:t>
+            </a:r>
+            <a:r>
+              <a:rPr lang="en-CA" dirty="0">
+                <a:highlight>
+                  <a:srgbClr val="FFFF00"/>
+                </a:highlight>
+              </a:rPr>
+              <a:t>Don’t forget to add:</a:t>
+            </a:r>
+            <a:r>
+              <a:rPr lang="en-CA" dirty="0"/>
+              <a:t>  import </a:t>
+            </a:r>
+            <a:r>
+              <a:rPr lang="en-CA" dirty="0" err="1"/>
+              <a:t>ReactDOM</a:t>
+            </a:r>
+            <a:r>
+              <a:rPr lang="en-CA" dirty="0"/>
+              <a:t> from 'react-</a:t>
+            </a:r>
+            <a:r>
+              <a:rPr lang="en-CA" dirty="0" err="1"/>
+              <a:t>dom</a:t>
+            </a:r>
+            <a:r>
+              <a:rPr lang="en-CA" dirty="0"/>
+              <a:t>';</a:t>
+            </a:r>
+          </a:p>
+        </p:txBody>
+      </p:sp>
+      <p:sp>
+        <p:nvSpPr>
+          <p:cNvPr id="19" name="TextBox 18">
+            <a:extLst>
+              <a:ext uri="{FF2B5EF4-FFF2-40B4-BE49-F238E27FC236}">
+                <a16:creationId xmlns:a16="http://schemas.microsoft.com/office/drawing/2014/main" id="{EA9D0FDC-4E21-D4EE-F661-06325D055C52}"/>
+              </a:ext>
+            </a:extLst>
+          </p:cNvPr>
+          <p:cNvSpPr txBox="1"/>
+          <p:nvPr/>
+        </p:nvSpPr>
+        <p:spPr>
+          <a:xfrm>
+            <a:off x="148854" y="9186063"/>
+            <a:ext cx="4199860" cy="369332"/>
+          </a:xfrm>
+          <a:prstGeom prst="rect">
+            <a:avLst/>
+          </a:prstGeom>
+          <a:noFill/>
+        </p:spPr>
+        <p:txBody>
+          <a:bodyPr wrap="square">
+            <a:spAutoFit/>
+          </a:bodyPr>
+          <a:lstStyle/>
+          <a:p>
+            <a:r>
+              <a:rPr lang="en-CA" dirty="0">
+                <a:solidFill>
+                  <a:srgbClr val="C00000"/>
+                </a:solidFill>
+              </a:rPr>
+              <a:t>Why &lt;</a:t>
+            </a:r>
+            <a:r>
+              <a:rPr lang="en-CA" dirty="0" err="1">
+                <a:solidFill>
+                  <a:srgbClr val="C00000"/>
+                </a:solidFill>
+              </a:rPr>
+              <a:t>React.StrictMode</a:t>
+            </a:r>
+            <a:r>
+              <a:rPr lang="en-CA" dirty="0">
+                <a:solidFill>
+                  <a:srgbClr val="C00000"/>
+                </a:solidFill>
+              </a:rPr>
+              <a:t>/&gt;?</a:t>
+            </a:r>
+          </a:p>
+        </p:txBody>
+      </p:sp>
+      <p:sp>
+        <p:nvSpPr>
+          <p:cNvPr id="20" name="TextBox 19">
+            <a:extLst>
+              <a:ext uri="{FF2B5EF4-FFF2-40B4-BE49-F238E27FC236}">
+                <a16:creationId xmlns:a16="http://schemas.microsoft.com/office/drawing/2014/main" id="{78C4A9A3-AD66-2C1C-F18F-6AEB3172976B}"/>
+              </a:ext>
+            </a:extLst>
+          </p:cNvPr>
+          <p:cNvSpPr txBox="1"/>
+          <p:nvPr/>
+        </p:nvSpPr>
+        <p:spPr>
+          <a:xfrm>
+            <a:off x="276545" y="9594217"/>
+            <a:ext cx="7219310" cy="307777"/>
+          </a:xfrm>
+          <a:prstGeom prst="rect">
+            <a:avLst/>
+          </a:prstGeom>
+          <a:noFill/>
+        </p:spPr>
+        <p:txBody>
+          <a:bodyPr wrap="square" rtlCol="0">
+            <a:spAutoFit/>
+          </a:bodyPr>
+          <a:lstStyle/>
+          <a:p>
+            <a:r>
+              <a:rPr lang="en-US" sz="1400" dirty="0"/>
+              <a:t>Identify deprecate methods, unsafe state changes, etc.. </a:t>
+            </a:r>
+            <a:endParaRPr lang="en-CA" sz="1400" dirty="0"/>
+          </a:p>
+        </p:txBody>
+      </p:sp>
     </p:spTree>
     <p:extLst>
       <p:ext uri="{BB962C8B-B14F-4D97-AF65-F5344CB8AC3E}">
@@ -7927,10 +11225,724 @@
   <p:clrMapOvr>
     <a:masterClrMapping/>
   </p:clrMapOvr>
+  <p:timing>
+    <p:tnLst>
+      <p:par>
+        <p:cTn id="1" dur="indefinite" restart="never" nodeType="tmRoot">
+          <p:childTnLst>
+            <p:seq concurrent="1" nextAc="seek">
+              <p:cTn id="2" dur="indefinite" nodeType="mainSeq">
+                <p:childTnLst>
+                  <p:par>
+                    <p:cTn id="3" fill="hold">
+                      <p:stCondLst>
+                        <p:cond delay="indefinite"/>
+                      </p:stCondLst>
+                      <p:childTnLst>
+                        <p:par>
+                          <p:cTn id="4" fill="hold">
+                            <p:stCondLst>
+                              <p:cond delay="0"/>
+                            </p:stCondLst>
+                            <p:childTnLst>
+                              <p:par>
+                                <p:cTn id="5" presetID="1" presetClass="entr" presetSubtype="0" fill="hold" grpId="0" nodeType="clickEffect">
+                                  <p:stCondLst>
+                                    <p:cond delay="0"/>
+                                  </p:stCondLst>
+                                  <p:childTnLst>
+                                    <p:set>
+                                      <p:cBhvr>
+                                        <p:cTn id="6" dur="1" fill="hold">
+                                          <p:stCondLst>
+                                            <p:cond delay="0"/>
+                                          </p:stCondLst>
+                                        </p:cTn>
+                                        <p:tgtEl>
+                                          <p:spTgt spid="8"/>
+                                        </p:tgtEl>
+                                        <p:attrNameLst>
+                                          <p:attrName>style.visibility</p:attrName>
+                                        </p:attrNameLst>
+                                      </p:cBhvr>
+                                      <p:to>
+                                        <p:strVal val="visible"/>
+                                      </p:to>
+                                    </p:set>
+                                  </p:childTnLst>
+                                </p:cTn>
+                              </p:par>
+                            </p:childTnLst>
+                          </p:cTn>
+                        </p:par>
+                      </p:childTnLst>
+                    </p:cTn>
+                  </p:par>
+                  <p:par>
+                    <p:cTn id="7" fill="hold">
+                      <p:stCondLst>
+                        <p:cond delay="indefinite"/>
+                      </p:stCondLst>
+                      <p:childTnLst>
+                        <p:par>
+                          <p:cTn id="8" fill="hold">
+                            <p:stCondLst>
+                              <p:cond delay="0"/>
+                            </p:stCondLst>
+                            <p:childTnLst>
+                              <p:par>
+                                <p:cTn id="9" presetID="1" presetClass="entr" presetSubtype="0" fill="hold" nodeType="clickEffect">
+                                  <p:stCondLst>
+                                    <p:cond delay="0"/>
+                                  </p:stCondLst>
+                                  <p:childTnLst>
+                                    <p:set>
+                                      <p:cBhvr>
+                                        <p:cTn id="10" dur="1" fill="hold">
+                                          <p:stCondLst>
+                                            <p:cond delay="0"/>
+                                          </p:stCondLst>
+                                        </p:cTn>
+                                        <p:tgtEl>
+                                          <p:spTgt spid="24"/>
+                                        </p:tgtEl>
+                                        <p:attrNameLst>
+                                          <p:attrName>style.visibility</p:attrName>
+                                        </p:attrNameLst>
+                                      </p:cBhvr>
+                                      <p:to>
+                                        <p:strVal val="visible"/>
+                                      </p:to>
+                                    </p:set>
+                                  </p:childTnLst>
+                                </p:cTn>
+                              </p:par>
+                              <p:par>
+                                <p:cTn id="11" presetID="1" presetClass="entr" presetSubtype="0" fill="hold" grpId="0" nodeType="withEffect">
+                                  <p:stCondLst>
+                                    <p:cond delay="0"/>
+                                  </p:stCondLst>
+                                  <p:childTnLst>
+                                    <p:set>
+                                      <p:cBhvr>
+                                        <p:cTn id="12" dur="1" fill="hold">
+                                          <p:stCondLst>
+                                            <p:cond delay="0"/>
+                                          </p:stCondLst>
+                                        </p:cTn>
+                                        <p:tgtEl>
+                                          <p:spTgt spid="10"/>
+                                        </p:tgtEl>
+                                        <p:attrNameLst>
+                                          <p:attrName>style.visibility</p:attrName>
+                                        </p:attrNameLst>
+                                      </p:cBhvr>
+                                      <p:to>
+                                        <p:strVal val="visible"/>
+                                      </p:to>
+                                    </p:set>
+                                  </p:childTnLst>
+                                </p:cTn>
+                              </p:par>
+                            </p:childTnLst>
+                          </p:cTn>
+                        </p:par>
+                      </p:childTnLst>
+                    </p:cTn>
+                  </p:par>
+                  <p:par>
+                    <p:cTn id="13" fill="hold">
+                      <p:stCondLst>
+                        <p:cond delay="indefinite"/>
+                      </p:stCondLst>
+                      <p:childTnLst>
+                        <p:par>
+                          <p:cTn id="14" fill="hold">
+                            <p:stCondLst>
+                              <p:cond delay="0"/>
+                            </p:stCondLst>
+                            <p:childTnLst>
+                              <p:par>
+                                <p:cTn id="15" presetID="1" presetClass="entr" presetSubtype="0" fill="hold" nodeType="clickEffect">
+                                  <p:stCondLst>
+                                    <p:cond delay="0"/>
+                                  </p:stCondLst>
+                                  <p:childTnLst>
+                                    <p:set>
+                                      <p:cBhvr>
+                                        <p:cTn id="16" dur="1" fill="hold">
+                                          <p:stCondLst>
+                                            <p:cond delay="0"/>
+                                          </p:stCondLst>
+                                        </p:cTn>
+                                        <p:tgtEl>
+                                          <p:spTgt spid="2"/>
+                                        </p:tgtEl>
+                                        <p:attrNameLst>
+                                          <p:attrName>style.visibility</p:attrName>
+                                        </p:attrNameLst>
+                                      </p:cBhvr>
+                                      <p:to>
+                                        <p:strVal val="visible"/>
+                                      </p:to>
+                                    </p:set>
+                                  </p:childTnLst>
+                                </p:cTn>
+                              </p:par>
+                            </p:childTnLst>
+                          </p:cTn>
+                        </p:par>
+                      </p:childTnLst>
+                    </p:cTn>
+                  </p:par>
+                  <p:par>
+                    <p:cTn id="17" fill="hold">
+                      <p:stCondLst>
+                        <p:cond delay="indefinite"/>
+                      </p:stCondLst>
+                      <p:childTnLst>
+                        <p:par>
+                          <p:cTn id="18" fill="hold">
+                            <p:stCondLst>
+                              <p:cond delay="0"/>
+                            </p:stCondLst>
+                            <p:childTnLst>
+                              <p:par>
+                                <p:cTn id="19" presetID="1" presetClass="entr" presetSubtype="0" fill="hold" grpId="0" nodeType="clickEffect">
+                                  <p:stCondLst>
+                                    <p:cond delay="0"/>
+                                  </p:stCondLst>
+                                  <p:childTnLst>
+                                    <p:set>
+                                      <p:cBhvr>
+                                        <p:cTn id="20" dur="1" fill="hold">
+                                          <p:stCondLst>
+                                            <p:cond delay="0"/>
+                                          </p:stCondLst>
+                                        </p:cTn>
+                                        <p:tgtEl>
+                                          <p:spTgt spid="5"/>
+                                        </p:tgtEl>
+                                        <p:attrNameLst>
+                                          <p:attrName>style.visibility</p:attrName>
+                                        </p:attrNameLst>
+                                      </p:cBhvr>
+                                      <p:to>
+                                        <p:strVal val="visible"/>
+                                      </p:to>
+                                    </p:set>
+                                  </p:childTnLst>
+                                </p:cTn>
+                              </p:par>
+                            </p:childTnLst>
+                          </p:cTn>
+                        </p:par>
+                      </p:childTnLst>
+                    </p:cTn>
+                  </p:par>
+                  <p:par>
+                    <p:cTn id="21" fill="hold">
+                      <p:stCondLst>
+                        <p:cond delay="indefinite"/>
+                      </p:stCondLst>
+                      <p:childTnLst>
+                        <p:par>
+                          <p:cTn id="22" fill="hold">
+                            <p:stCondLst>
+                              <p:cond delay="0"/>
+                            </p:stCondLst>
+                            <p:childTnLst>
+                              <p:par>
+                                <p:cTn id="23" presetID="1" presetClass="entr" presetSubtype="0" fill="hold" grpId="0" nodeType="clickEffect">
+                                  <p:stCondLst>
+                                    <p:cond delay="0"/>
+                                  </p:stCondLst>
+                                  <p:childTnLst>
+                                    <p:set>
+                                      <p:cBhvr>
+                                        <p:cTn id="24" dur="1" fill="hold">
+                                          <p:stCondLst>
+                                            <p:cond delay="0"/>
+                                          </p:stCondLst>
+                                        </p:cTn>
+                                        <p:tgtEl>
+                                          <p:spTgt spid="9"/>
+                                        </p:tgtEl>
+                                        <p:attrNameLst>
+                                          <p:attrName>style.visibility</p:attrName>
+                                        </p:attrNameLst>
+                                      </p:cBhvr>
+                                      <p:to>
+                                        <p:strVal val="visible"/>
+                                      </p:to>
+                                    </p:set>
+                                  </p:childTnLst>
+                                </p:cTn>
+                              </p:par>
+                            </p:childTnLst>
+                          </p:cTn>
+                        </p:par>
+                      </p:childTnLst>
+                    </p:cTn>
+                  </p:par>
+                  <p:par>
+                    <p:cTn id="25" fill="hold">
+                      <p:stCondLst>
+                        <p:cond delay="indefinite"/>
+                      </p:stCondLst>
+                      <p:childTnLst>
+                        <p:par>
+                          <p:cTn id="26" fill="hold">
+                            <p:stCondLst>
+                              <p:cond delay="0"/>
+                            </p:stCondLst>
+                            <p:childTnLst>
+                              <p:par>
+                                <p:cTn id="27" presetID="1" presetClass="entr" presetSubtype="0" fill="hold" grpId="0" nodeType="clickEffect">
+                                  <p:stCondLst>
+                                    <p:cond delay="0"/>
+                                  </p:stCondLst>
+                                  <p:childTnLst>
+                                    <p:set>
+                                      <p:cBhvr>
+                                        <p:cTn id="28" dur="1" fill="hold">
+                                          <p:stCondLst>
+                                            <p:cond delay="0"/>
+                                          </p:stCondLst>
+                                        </p:cTn>
+                                        <p:tgtEl>
+                                          <p:spTgt spid="12"/>
+                                        </p:tgtEl>
+                                        <p:attrNameLst>
+                                          <p:attrName>style.visibility</p:attrName>
+                                        </p:attrNameLst>
+                                      </p:cBhvr>
+                                      <p:to>
+                                        <p:strVal val="visible"/>
+                                      </p:to>
+                                    </p:set>
+                                  </p:childTnLst>
+                                </p:cTn>
+                              </p:par>
+                            </p:childTnLst>
+                          </p:cTn>
+                        </p:par>
+                      </p:childTnLst>
+                    </p:cTn>
+                  </p:par>
+                  <p:par>
+                    <p:cTn id="29" fill="hold">
+                      <p:stCondLst>
+                        <p:cond delay="indefinite"/>
+                      </p:stCondLst>
+                      <p:childTnLst>
+                        <p:par>
+                          <p:cTn id="30" fill="hold">
+                            <p:stCondLst>
+                              <p:cond delay="0"/>
+                            </p:stCondLst>
+                            <p:childTnLst>
+                              <p:par>
+                                <p:cTn id="31" presetID="1" presetClass="entr" presetSubtype="0" fill="hold" grpId="0" nodeType="clickEffect">
+                                  <p:stCondLst>
+                                    <p:cond delay="0"/>
+                                  </p:stCondLst>
+                                  <p:childTnLst>
+                                    <p:set>
+                                      <p:cBhvr>
+                                        <p:cTn id="32" dur="1" fill="hold">
+                                          <p:stCondLst>
+                                            <p:cond delay="0"/>
+                                          </p:stCondLst>
+                                        </p:cTn>
+                                        <p:tgtEl>
+                                          <p:spTgt spid="13"/>
+                                        </p:tgtEl>
+                                        <p:attrNameLst>
+                                          <p:attrName>style.visibility</p:attrName>
+                                        </p:attrNameLst>
+                                      </p:cBhvr>
+                                      <p:to>
+                                        <p:strVal val="visible"/>
+                                      </p:to>
+                                    </p:set>
+                                  </p:childTnLst>
+                                </p:cTn>
+                              </p:par>
+                            </p:childTnLst>
+                          </p:cTn>
+                        </p:par>
+                      </p:childTnLst>
+                    </p:cTn>
+                  </p:par>
+                  <p:par>
+                    <p:cTn id="33" fill="hold">
+                      <p:stCondLst>
+                        <p:cond delay="indefinite"/>
+                      </p:stCondLst>
+                      <p:childTnLst>
+                        <p:par>
+                          <p:cTn id="34" fill="hold">
+                            <p:stCondLst>
+                              <p:cond delay="0"/>
+                            </p:stCondLst>
+                            <p:childTnLst>
+                              <p:par>
+                                <p:cTn id="35" presetID="1" presetClass="entr" presetSubtype="0" fill="hold" grpId="0" nodeType="clickEffect">
+                                  <p:stCondLst>
+                                    <p:cond delay="0"/>
+                                  </p:stCondLst>
+                                  <p:childTnLst>
+                                    <p:set>
+                                      <p:cBhvr>
+                                        <p:cTn id="36" dur="1" fill="hold">
+                                          <p:stCondLst>
+                                            <p:cond delay="0"/>
+                                          </p:stCondLst>
+                                        </p:cTn>
+                                        <p:tgtEl>
+                                          <p:spTgt spid="14"/>
+                                        </p:tgtEl>
+                                        <p:attrNameLst>
+                                          <p:attrName>style.visibility</p:attrName>
+                                        </p:attrNameLst>
+                                      </p:cBhvr>
+                                      <p:to>
+                                        <p:strVal val="visible"/>
+                                      </p:to>
+                                    </p:set>
+                                  </p:childTnLst>
+                                </p:cTn>
+                              </p:par>
+                              <p:par>
+                                <p:cTn id="37" presetID="1" presetClass="entr" presetSubtype="0" fill="hold" grpId="0" nodeType="withEffect">
+                                  <p:stCondLst>
+                                    <p:cond delay="0"/>
+                                  </p:stCondLst>
+                                  <p:childTnLst>
+                                    <p:set>
+                                      <p:cBhvr>
+                                        <p:cTn id="38" dur="1" fill="hold">
+                                          <p:stCondLst>
+                                            <p:cond delay="0"/>
+                                          </p:stCondLst>
+                                        </p:cTn>
+                                        <p:tgtEl>
+                                          <p:spTgt spid="15"/>
+                                        </p:tgtEl>
+                                        <p:attrNameLst>
+                                          <p:attrName>style.visibility</p:attrName>
+                                        </p:attrNameLst>
+                                      </p:cBhvr>
+                                      <p:to>
+                                        <p:strVal val="visible"/>
+                                      </p:to>
+                                    </p:set>
+                                  </p:childTnLst>
+                                </p:cTn>
+                              </p:par>
+                            </p:childTnLst>
+                          </p:cTn>
+                        </p:par>
+                      </p:childTnLst>
+                    </p:cTn>
+                  </p:par>
+                  <p:par>
+                    <p:cTn id="39" fill="hold">
+                      <p:stCondLst>
+                        <p:cond delay="indefinite"/>
+                      </p:stCondLst>
+                      <p:childTnLst>
+                        <p:par>
+                          <p:cTn id="40" fill="hold">
+                            <p:stCondLst>
+                              <p:cond delay="0"/>
+                            </p:stCondLst>
+                            <p:childTnLst>
+                              <p:par>
+                                <p:cTn id="41" presetID="1" presetClass="entr" presetSubtype="0" fill="hold" grpId="0" nodeType="clickEffect">
+                                  <p:stCondLst>
+                                    <p:cond delay="0"/>
+                                  </p:stCondLst>
+                                  <p:childTnLst>
+                                    <p:set>
+                                      <p:cBhvr>
+                                        <p:cTn id="42" dur="1" fill="hold">
+                                          <p:stCondLst>
+                                            <p:cond delay="0"/>
+                                          </p:stCondLst>
+                                        </p:cTn>
+                                        <p:tgtEl>
+                                          <p:spTgt spid="18"/>
+                                        </p:tgtEl>
+                                        <p:attrNameLst>
+                                          <p:attrName>style.visibility</p:attrName>
+                                        </p:attrNameLst>
+                                      </p:cBhvr>
+                                      <p:to>
+                                        <p:strVal val="visible"/>
+                                      </p:to>
+                                    </p:set>
+                                  </p:childTnLst>
+                                </p:cTn>
+                              </p:par>
+                            </p:childTnLst>
+                          </p:cTn>
+                        </p:par>
+                      </p:childTnLst>
+                    </p:cTn>
+                  </p:par>
+                  <p:par>
+                    <p:cTn id="43" fill="hold">
+                      <p:stCondLst>
+                        <p:cond delay="indefinite"/>
+                      </p:stCondLst>
+                      <p:childTnLst>
+                        <p:par>
+                          <p:cTn id="44" fill="hold">
+                            <p:stCondLst>
+                              <p:cond delay="0"/>
+                            </p:stCondLst>
+                            <p:childTnLst>
+                              <p:par>
+                                <p:cTn id="45" presetID="1" presetClass="entr" presetSubtype="0" fill="hold" grpId="0" nodeType="clickEffect">
+                                  <p:stCondLst>
+                                    <p:cond delay="0"/>
+                                  </p:stCondLst>
+                                  <p:childTnLst>
+                                    <p:set>
+                                      <p:cBhvr>
+                                        <p:cTn id="46" dur="1" fill="hold">
+                                          <p:stCondLst>
+                                            <p:cond delay="0"/>
+                                          </p:stCondLst>
+                                        </p:cTn>
+                                        <p:tgtEl>
+                                          <p:spTgt spid="19"/>
+                                        </p:tgtEl>
+                                        <p:attrNameLst>
+                                          <p:attrName>style.visibility</p:attrName>
+                                        </p:attrNameLst>
+                                      </p:cBhvr>
+                                      <p:to>
+                                        <p:strVal val="visible"/>
+                                      </p:to>
+                                    </p:set>
+                                  </p:childTnLst>
+                                </p:cTn>
+                              </p:par>
+                            </p:childTnLst>
+                          </p:cTn>
+                        </p:par>
+                      </p:childTnLst>
+                    </p:cTn>
+                  </p:par>
+                  <p:par>
+                    <p:cTn id="47" fill="hold">
+                      <p:stCondLst>
+                        <p:cond delay="indefinite"/>
+                      </p:stCondLst>
+                      <p:childTnLst>
+                        <p:par>
+                          <p:cTn id="48" fill="hold">
+                            <p:stCondLst>
+                              <p:cond delay="0"/>
+                            </p:stCondLst>
+                            <p:childTnLst>
+                              <p:par>
+                                <p:cTn id="49" presetID="1" presetClass="entr" presetSubtype="0" fill="hold" grpId="0" nodeType="clickEffect">
+                                  <p:stCondLst>
+                                    <p:cond delay="0"/>
+                                  </p:stCondLst>
+                                  <p:childTnLst>
+                                    <p:set>
+                                      <p:cBhvr>
+                                        <p:cTn id="50" dur="1" fill="hold">
+                                          <p:stCondLst>
+                                            <p:cond delay="0"/>
+                                          </p:stCondLst>
+                                        </p:cTn>
+                                        <p:tgtEl>
+                                          <p:spTgt spid="20"/>
+                                        </p:tgtEl>
+                                        <p:attrNameLst>
+                                          <p:attrName>style.visibility</p:attrName>
+                                        </p:attrNameLst>
+                                      </p:cBhvr>
+                                      <p:to>
+                                        <p:strVal val="visible"/>
+                                      </p:to>
+                                    </p:set>
+                                  </p:childTnLst>
+                                </p:cTn>
+                              </p:par>
+                            </p:childTnLst>
+                          </p:cTn>
+                        </p:par>
+                      </p:childTnLst>
+                    </p:cTn>
+                  </p:par>
+                </p:childTnLst>
+              </p:cTn>
+              <p:prevCondLst>
+                <p:cond evt="onPrev" delay="0">
+                  <p:tgtEl>
+                    <p:sldTgt/>
+                  </p:tgtEl>
+                </p:cond>
+              </p:prevCondLst>
+              <p:nextCondLst>
+                <p:cond evt="onNext" delay="0">
+                  <p:tgtEl>
+                    <p:sldTgt/>
+                  </p:tgtEl>
+                </p:cond>
+              </p:nextCondLst>
+            </p:seq>
+          </p:childTnLst>
+        </p:cTn>
+      </p:par>
+    </p:tnLst>
+    <p:bldLst>
+      <p:bldP spid="8" grpId="0" animBg="1"/>
+      <p:bldP spid="10" grpId="0" animBg="1"/>
+      <p:bldP spid="5" grpId="0"/>
+      <p:bldP spid="9" grpId="0"/>
+      <p:bldP spid="12" grpId="0"/>
+      <p:bldP spid="13" grpId="0"/>
+      <p:bldP spid="14" grpId="0"/>
+      <p:bldP spid="15" grpId="0"/>
+      <p:bldP spid="18" grpId="0"/>
+      <p:bldP spid="19" grpId="0"/>
+      <p:bldP spid="20" grpId="0"/>
+    </p:bldLst>
+  </p:timing>
 </p:sld>
 </file>
 
-<file path=ppt/slides/slide19.xml><?xml version="1.0" encoding="utf-8"?>
+<file path=ppt/slides/slide2.xml><?xml version="1.0" encoding="utf-8"?>
+<p:sld xmlns:a="http://schemas.openxmlformats.org/drawingml/2006/main" xmlns:r="http://schemas.openxmlformats.org/officeDocument/2006/relationships" xmlns:p="http://schemas.openxmlformats.org/presentationml/2006/main">
+  <p:cSld>
+    <p:spTree>
+      <p:nvGrpSpPr>
+        <p:cNvPr id="1" name=""/>
+        <p:cNvGrpSpPr/>
+        <p:nvPr/>
+      </p:nvGrpSpPr>
+      <p:grpSpPr>
+        <a:xfrm>
+          <a:off x="0" y="0"/>
+          <a:ext cx="0" cy="0"/>
+          <a:chOff x="0" y="0"/>
+          <a:chExt cx="0" cy="0"/>
+        </a:xfrm>
+      </p:grpSpPr>
+      <p:sp>
+        <p:nvSpPr>
+          <p:cNvPr id="7" name="Rectangle 6">
+            <a:extLst>
+              <a:ext uri="{FF2B5EF4-FFF2-40B4-BE49-F238E27FC236}">
+                <a16:creationId xmlns:a16="http://schemas.microsoft.com/office/drawing/2014/main" id="{A572D7D7-CC74-1347-D8BC-52A921466BF7}"/>
+              </a:ext>
+            </a:extLst>
+          </p:cNvPr>
+          <p:cNvSpPr/>
+          <p:nvPr/>
+        </p:nvSpPr>
+        <p:spPr>
+          <a:xfrm>
+            <a:off x="245326" y="255729"/>
+            <a:ext cx="6280566" cy="923330"/>
+          </a:xfrm>
+          <a:prstGeom prst="rect">
+            <a:avLst/>
+          </a:prstGeom>
+          <a:noFill/>
+        </p:spPr>
+        <p:txBody>
+          <a:bodyPr wrap="none" lIns="91440" tIns="45720" rIns="91440" bIns="45720">
+            <a:spAutoFit/>
+          </a:bodyPr>
+          <a:lstStyle/>
+          <a:p>
+            <a:pPr algn="ctr"/>
+            <a:r>
+              <a:rPr lang="en-US" sz="5400" b="0" cap="none" spc="0" dirty="0">
+                <a:ln w="0"/>
+                <a:solidFill>
+                  <a:schemeClr val="tx1"/>
+                </a:solidFill>
+                <a:effectLst>
+                  <a:outerShdw blurRad="38100" dist="19050" dir="2700000" algn="tl" rotWithShape="0">
+                    <a:schemeClr val="dk1">
+                      <a:alpha val="40000"/>
+                    </a:schemeClr>
+                  </a:outerShdw>
+                </a:effectLst>
+              </a:rPr>
+              <a:t>What will we build?</a:t>
+            </a:r>
+          </a:p>
+        </p:txBody>
+      </p:sp>
+      <p:pic>
+        <p:nvPicPr>
+          <p:cNvPr id="3" name="Picture 2">
+            <a:extLst>
+              <a:ext uri="{FF2B5EF4-FFF2-40B4-BE49-F238E27FC236}">
+                <a16:creationId xmlns:a16="http://schemas.microsoft.com/office/drawing/2014/main" id="{E3DC4677-EC32-63EF-9A49-99DBD239A832}"/>
+              </a:ext>
+            </a:extLst>
+          </p:cNvPr>
+          <p:cNvPicPr>
+            <a:picLocks noChangeAspect="1"/>
+          </p:cNvPicPr>
+          <p:nvPr/>
+        </p:nvPicPr>
+        <p:blipFill>
+          <a:blip r:embed="rId2"/>
+          <a:stretch>
+            <a:fillRect/>
+          </a:stretch>
+        </p:blipFill>
+        <p:spPr>
+          <a:xfrm>
+            <a:off x="0" y="3238771"/>
+            <a:ext cx="7772400" cy="3957403"/>
+          </a:xfrm>
+          <a:prstGeom prst="rect">
+            <a:avLst/>
+          </a:prstGeom>
+          <a:ln w="38100" cap="sq">
+            <a:solidFill>
+              <a:srgbClr val="000000"/>
+            </a:solidFill>
+            <a:prstDash val="solid"/>
+            <a:miter lim="800000"/>
+          </a:ln>
+          <a:effectLst>
+            <a:outerShdw blurRad="50800" dist="38100" dir="2700000" algn="tl" rotWithShape="0">
+              <a:srgbClr val="000000">
+                <a:alpha val="43000"/>
+              </a:srgbClr>
+            </a:outerShdw>
+          </a:effectLst>
+        </p:spPr>
+      </p:pic>
+    </p:spTree>
+    <p:extLst>
+      <p:ext uri="{BB962C8B-B14F-4D97-AF65-F5344CB8AC3E}">
+        <p14:creationId xmlns:p14="http://schemas.microsoft.com/office/powerpoint/2010/main" val="2025424613"/>
+      </p:ext>
+    </p:extLst>
+  </p:cSld>
+  <p:clrMapOvr>
+    <a:masterClrMapping/>
+  </p:clrMapOvr>
+</p:sld>
+</file>
+
+<file path=ppt/slides/slide20.xml><?xml version="1.0" encoding="utf-8"?>
 <p:sld xmlns:a="http://schemas.openxmlformats.org/drawingml/2006/main" xmlns:r="http://schemas.openxmlformats.org/officeDocument/2006/relationships" xmlns:p="http://schemas.openxmlformats.org/presentationml/2006/main">
   <p:cSld>
     <p:spTree>
@@ -8129,129 +12141,7 @@
 </p:sld>
 </file>
 
-<file path=ppt/slides/slide2.xml><?xml version="1.0" encoding="utf-8"?>
-<p:sld xmlns:a="http://schemas.openxmlformats.org/drawingml/2006/main" xmlns:r="http://schemas.openxmlformats.org/officeDocument/2006/relationships" xmlns:p="http://schemas.openxmlformats.org/presentationml/2006/main">
-  <p:cSld>
-    <p:spTree>
-      <p:nvGrpSpPr>
-        <p:cNvPr id="1" name=""/>
-        <p:cNvGrpSpPr/>
-        <p:nvPr/>
-      </p:nvGrpSpPr>
-      <p:grpSpPr>
-        <a:xfrm>
-          <a:off x="0" y="0"/>
-          <a:ext cx="0" cy="0"/>
-          <a:chOff x="0" y="0"/>
-          <a:chExt cx="0" cy="0"/>
-        </a:xfrm>
-      </p:grpSpPr>
-      <p:sp>
-        <p:nvSpPr>
-          <p:cNvPr id="7" name="Rectangle 6">
-            <a:extLst>
-              <a:ext uri="{FF2B5EF4-FFF2-40B4-BE49-F238E27FC236}">
-                <a16:creationId xmlns:a16="http://schemas.microsoft.com/office/drawing/2014/main" id="{A572D7D7-CC74-1347-D8BC-52A921466BF7}"/>
-              </a:ext>
-            </a:extLst>
-          </p:cNvPr>
-          <p:cNvSpPr/>
-          <p:nvPr/>
-        </p:nvSpPr>
-        <p:spPr>
-          <a:xfrm>
-            <a:off x="245326" y="255729"/>
-            <a:ext cx="6280566" cy="923330"/>
-          </a:xfrm>
-          <a:prstGeom prst="rect">
-            <a:avLst/>
-          </a:prstGeom>
-          <a:noFill/>
-        </p:spPr>
-        <p:txBody>
-          <a:bodyPr wrap="none" lIns="91440" tIns="45720" rIns="91440" bIns="45720">
-            <a:spAutoFit/>
-          </a:bodyPr>
-          <a:lstStyle/>
-          <a:p>
-            <a:pPr algn="ctr"/>
-            <a:r>
-              <a:rPr lang="en-US" sz="5400" b="0" cap="none" spc="0" dirty="0">
-                <a:ln w="0"/>
-                <a:solidFill>
-                  <a:schemeClr val="tx1"/>
-                </a:solidFill>
-                <a:effectLst>
-                  <a:outerShdw blurRad="38100" dist="19050" dir="2700000" algn="tl" rotWithShape="0">
-                    <a:schemeClr val="dk1">
-                      <a:alpha val="40000"/>
-                    </a:schemeClr>
-                  </a:outerShdw>
-                </a:effectLst>
-              </a:rPr>
-              <a:t>What will we build?</a:t>
-            </a:r>
-          </a:p>
-        </p:txBody>
-      </p:sp>
-      <p:pic>
-        <p:nvPicPr>
-          <p:cNvPr id="3" name="Picture 2">
-            <a:extLst>
-              <a:ext uri="{FF2B5EF4-FFF2-40B4-BE49-F238E27FC236}">
-                <a16:creationId xmlns:a16="http://schemas.microsoft.com/office/drawing/2014/main" id="{E3DC4677-EC32-63EF-9A49-99DBD239A832}"/>
-              </a:ext>
-            </a:extLst>
-          </p:cNvPr>
-          <p:cNvPicPr>
-            <a:picLocks noChangeAspect="1"/>
-          </p:cNvPicPr>
-          <p:nvPr/>
-        </p:nvPicPr>
-        <p:blipFill>
-          <a:blip r:embed="rId2"/>
-          <a:stretch>
-            <a:fillRect/>
-          </a:stretch>
-        </p:blipFill>
-        <p:spPr>
-          <a:xfrm>
-            <a:off x="0" y="3238771"/>
-            <a:ext cx="7772400" cy="3957403"/>
-          </a:xfrm>
-          <a:prstGeom prst="rect">
-            <a:avLst/>
-          </a:prstGeom>
-          <a:ln w="38100" cap="sq">
-            <a:solidFill>
-              <a:srgbClr val="000000"/>
-            </a:solidFill>
-            <a:prstDash val="solid"/>
-            <a:miter lim="800000"/>
-          </a:ln>
-          <a:effectLst>
-            <a:outerShdw blurRad="50800" dist="38100" dir="2700000" algn="tl" rotWithShape="0">
-              <a:srgbClr val="000000">
-                <a:alpha val="43000"/>
-              </a:srgbClr>
-            </a:outerShdw>
-          </a:effectLst>
-        </p:spPr>
-      </p:pic>
-    </p:spTree>
-    <p:extLst>
-      <p:ext uri="{BB962C8B-B14F-4D97-AF65-F5344CB8AC3E}">
-        <p14:creationId xmlns:p14="http://schemas.microsoft.com/office/powerpoint/2010/main" val="2025424613"/>
-      </p:ext>
-    </p:extLst>
-  </p:cSld>
-  <p:clrMapOvr>
-    <a:masterClrMapping/>
-  </p:clrMapOvr>
-</p:sld>
-</file>
-
-<file path=ppt/slides/slide20.xml><?xml version="1.0" encoding="utf-8"?>
+<file path=ppt/slides/slide21.xml><?xml version="1.0" encoding="utf-8"?>
 <p:sld xmlns:a="http://schemas.openxmlformats.org/drawingml/2006/main" xmlns:r="http://schemas.openxmlformats.org/officeDocument/2006/relationships" xmlns:p="http://schemas.openxmlformats.org/presentationml/2006/main">
   <p:cSld>
     <p:spTree>
@@ -9766,361 +13656,6 @@
       <p:bldP spid="3" grpId="0"/>
     </p:bldLst>
   </p:timing>
-</p:sld>
-</file>
-
-<file path=ppt/slides/slide21.xml><?xml version="1.0" encoding="utf-8"?>
-<p:sld xmlns:a="http://schemas.openxmlformats.org/drawingml/2006/main" xmlns:r="http://schemas.openxmlformats.org/officeDocument/2006/relationships" xmlns:p="http://schemas.openxmlformats.org/presentationml/2006/main">
-  <p:cSld>
-    <p:spTree>
-      <p:nvGrpSpPr>
-        <p:cNvPr id="1" name=""/>
-        <p:cNvGrpSpPr/>
-        <p:nvPr/>
-      </p:nvGrpSpPr>
-      <p:grpSpPr>
-        <a:xfrm>
-          <a:off x="0" y="0"/>
-          <a:ext cx="0" cy="0"/>
-          <a:chOff x="0" y="0"/>
-          <a:chExt cx="0" cy="0"/>
-        </a:xfrm>
-      </p:grpSpPr>
-      <p:sp>
-        <p:nvSpPr>
-          <p:cNvPr id="2" name="Rectangle 1">
-            <a:extLst>
-              <a:ext uri="{FF2B5EF4-FFF2-40B4-BE49-F238E27FC236}">
-                <a16:creationId xmlns:a16="http://schemas.microsoft.com/office/drawing/2014/main" id="{E2759FB6-F113-A2E6-830E-FFEE01F03C6A}"/>
-              </a:ext>
-            </a:extLst>
-          </p:cNvPr>
-          <p:cNvSpPr/>
-          <p:nvPr/>
-        </p:nvSpPr>
-        <p:spPr>
-          <a:xfrm>
-            <a:off x="0" y="241543"/>
-            <a:ext cx="6849055" cy="923330"/>
-          </a:xfrm>
-          <a:prstGeom prst="rect">
-            <a:avLst/>
-          </a:prstGeom>
-          <a:noFill/>
-        </p:spPr>
-        <p:txBody>
-          <a:bodyPr wrap="none" lIns="91440" tIns="45720" rIns="91440" bIns="45720">
-            <a:spAutoFit/>
-          </a:bodyPr>
-          <a:lstStyle/>
-          <a:p>
-            <a:pPr algn="ctr"/>
-            <a:r>
-              <a:rPr lang="en-US" sz="5400" dirty="0">
-                <a:ln w="0"/>
-                <a:effectLst>
-                  <a:outerShdw blurRad="38100" dist="19050" dir="2700000" algn="tl" rotWithShape="0">
-                    <a:schemeClr val="dk1">
-                      <a:alpha val="40000"/>
-                    </a:schemeClr>
-                  </a:outerShdw>
-                </a:effectLst>
-              </a:rPr>
-              <a:t>Component - Render</a:t>
-            </a:r>
-            <a:endParaRPr lang="en-US" sz="5400" b="0" cap="none" spc="0" dirty="0">
-              <a:ln w="0"/>
-              <a:solidFill>
-                <a:schemeClr val="tx1"/>
-              </a:solidFill>
-              <a:effectLst>
-                <a:outerShdw blurRad="38100" dist="19050" dir="2700000" algn="tl" rotWithShape="0">
-                  <a:schemeClr val="dk1">
-                    <a:alpha val="40000"/>
-                  </a:schemeClr>
-                </a:outerShdw>
-              </a:effectLst>
-            </a:endParaRPr>
-          </a:p>
-        </p:txBody>
-      </p:sp>
-      <p:pic>
-        <p:nvPicPr>
-          <p:cNvPr id="4" name="Picture 3">
-            <a:extLst>
-              <a:ext uri="{FF2B5EF4-FFF2-40B4-BE49-F238E27FC236}">
-                <a16:creationId xmlns:a16="http://schemas.microsoft.com/office/drawing/2014/main" id="{AA4CF8F0-DB14-C1EE-0A82-C0281BFA9E33}"/>
-              </a:ext>
-            </a:extLst>
-          </p:cNvPr>
-          <p:cNvPicPr>
-            <a:picLocks noChangeAspect="1"/>
-          </p:cNvPicPr>
-          <p:nvPr/>
-        </p:nvPicPr>
-        <p:blipFill>
-          <a:blip r:embed="rId2"/>
-          <a:stretch>
-            <a:fillRect/>
-          </a:stretch>
-        </p:blipFill>
-        <p:spPr>
-          <a:xfrm>
-            <a:off x="0" y="1538186"/>
-            <a:ext cx="7772400" cy="2473821"/>
-          </a:xfrm>
-          <a:prstGeom prst="rect">
-            <a:avLst/>
-          </a:prstGeom>
-        </p:spPr>
-      </p:pic>
-      <p:sp>
-        <p:nvSpPr>
-          <p:cNvPr id="5" name="Rectangle 4">
-            <a:extLst>
-              <a:ext uri="{FF2B5EF4-FFF2-40B4-BE49-F238E27FC236}">
-                <a16:creationId xmlns:a16="http://schemas.microsoft.com/office/drawing/2014/main" id="{44CB8705-74A9-C05F-1DEF-B15815A0856F}"/>
-              </a:ext>
-            </a:extLst>
-          </p:cNvPr>
-          <p:cNvSpPr/>
-          <p:nvPr/>
-        </p:nvSpPr>
-        <p:spPr>
-          <a:xfrm>
-            <a:off x="-73218" y="4137767"/>
-            <a:ext cx="7918835" cy="769441"/>
-          </a:xfrm>
-          <a:prstGeom prst="rect">
-            <a:avLst/>
-          </a:prstGeom>
-          <a:noFill/>
-        </p:spPr>
-        <p:txBody>
-          <a:bodyPr wrap="none" lIns="91440" tIns="45720" rIns="91440" bIns="45720">
-            <a:spAutoFit/>
-          </a:bodyPr>
-          <a:lstStyle/>
-          <a:p>
-            <a:pPr algn="ctr"/>
-            <a:r>
-              <a:rPr lang="en-US" sz="4400" dirty="0">
-                <a:ln w="0"/>
-                <a:effectLst>
-                  <a:outerShdw blurRad="38100" dist="19050" dir="2700000" algn="tl" rotWithShape="0">
-                    <a:schemeClr val="dk1">
-                      <a:alpha val="40000"/>
-                    </a:schemeClr>
-                  </a:outerShdw>
-                </a:effectLst>
-              </a:rPr>
-              <a:t>No need to change for Project</a:t>
-            </a:r>
-            <a:endParaRPr lang="en-US" sz="4400" b="0" cap="none" spc="0" dirty="0">
-              <a:ln w="0"/>
-              <a:solidFill>
-                <a:schemeClr val="tx1"/>
-              </a:solidFill>
-              <a:effectLst>
-                <a:outerShdw blurRad="38100" dist="19050" dir="2700000" algn="tl" rotWithShape="0">
-                  <a:schemeClr val="dk1">
-                    <a:alpha val="40000"/>
-                  </a:schemeClr>
-                </a:outerShdw>
-              </a:effectLst>
-            </a:endParaRPr>
-          </a:p>
-        </p:txBody>
-      </p:sp>
-      <p:pic>
-        <p:nvPicPr>
-          <p:cNvPr id="11" name="Picture 10">
-            <a:extLst>
-              <a:ext uri="{FF2B5EF4-FFF2-40B4-BE49-F238E27FC236}">
-                <a16:creationId xmlns:a16="http://schemas.microsoft.com/office/drawing/2014/main" id="{787EBAF6-8C28-FA74-B852-9AE16216FBE9}"/>
-              </a:ext>
-            </a:extLst>
-          </p:cNvPr>
-          <p:cNvPicPr>
-            <a:picLocks noChangeAspect="1"/>
-          </p:cNvPicPr>
-          <p:nvPr/>
-        </p:nvPicPr>
-        <p:blipFill>
-          <a:blip r:embed="rId3"/>
-          <a:stretch>
-            <a:fillRect/>
-          </a:stretch>
-        </p:blipFill>
-        <p:spPr>
-          <a:xfrm>
-            <a:off x="438037" y="6129263"/>
-            <a:ext cx="6619875" cy="1371600"/>
-          </a:xfrm>
-          <a:prstGeom prst="rect">
-            <a:avLst/>
-          </a:prstGeom>
-        </p:spPr>
-      </p:pic>
-      <p:sp>
-        <p:nvSpPr>
-          <p:cNvPr id="12" name="Rectangle 11">
-            <a:extLst>
-              <a:ext uri="{FF2B5EF4-FFF2-40B4-BE49-F238E27FC236}">
-                <a16:creationId xmlns:a16="http://schemas.microsoft.com/office/drawing/2014/main" id="{1D140B60-29C3-BDE1-7951-A00077E73CAB}"/>
-              </a:ext>
-            </a:extLst>
-          </p:cNvPr>
-          <p:cNvSpPr/>
-          <p:nvPr/>
-        </p:nvSpPr>
-        <p:spPr>
-          <a:xfrm>
-            <a:off x="-73218" y="5359822"/>
-            <a:ext cx="6495240" cy="769441"/>
-          </a:xfrm>
-          <a:prstGeom prst="rect">
-            <a:avLst/>
-          </a:prstGeom>
-          <a:noFill/>
-        </p:spPr>
-        <p:txBody>
-          <a:bodyPr wrap="none" lIns="91440" tIns="45720" rIns="91440" bIns="45720">
-            <a:spAutoFit/>
-          </a:bodyPr>
-          <a:lstStyle/>
-          <a:p>
-            <a:pPr algn="ctr"/>
-            <a:r>
-              <a:rPr lang="en-US" sz="4400" dirty="0">
-                <a:ln w="0"/>
-                <a:effectLst>
-                  <a:outerShdw blurRad="38100" dist="19050" dir="2700000" algn="tl" rotWithShape="0">
-                    <a:schemeClr val="dk1">
-                      <a:alpha val="40000"/>
-                    </a:schemeClr>
-                  </a:outerShdw>
-                </a:effectLst>
-              </a:rPr>
-              <a:t>For educational purpose</a:t>
-            </a:r>
-            <a:endParaRPr lang="en-US" sz="4400" b="0" cap="none" spc="0" dirty="0">
-              <a:ln w="0"/>
-              <a:solidFill>
-                <a:schemeClr val="tx1"/>
-              </a:solidFill>
-              <a:effectLst>
-                <a:outerShdw blurRad="38100" dist="19050" dir="2700000" algn="tl" rotWithShape="0">
-                  <a:schemeClr val="dk1">
-                    <a:alpha val="40000"/>
-                  </a:schemeClr>
-                </a:outerShdw>
-              </a:effectLst>
-            </a:endParaRPr>
-          </a:p>
-        </p:txBody>
-      </p:sp>
-      <p:sp>
-        <p:nvSpPr>
-          <p:cNvPr id="14" name="TextBox 13">
-            <a:extLst>
-              <a:ext uri="{FF2B5EF4-FFF2-40B4-BE49-F238E27FC236}">
-                <a16:creationId xmlns:a16="http://schemas.microsoft.com/office/drawing/2014/main" id="{8101CBF8-7B68-73BC-69B7-EFE28B26B327}"/>
-              </a:ext>
-            </a:extLst>
-          </p:cNvPr>
-          <p:cNvSpPr txBox="1"/>
-          <p:nvPr/>
-        </p:nvSpPr>
-        <p:spPr>
-          <a:xfrm>
-            <a:off x="186070" y="7863477"/>
-            <a:ext cx="4199860" cy="369332"/>
-          </a:xfrm>
-          <a:prstGeom prst="rect">
-            <a:avLst/>
-          </a:prstGeom>
-          <a:noFill/>
-        </p:spPr>
-        <p:txBody>
-          <a:bodyPr wrap="square">
-            <a:spAutoFit/>
-          </a:bodyPr>
-          <a:lstStyle/>
-          <a:p>
-            <a:r>
-              <a:rPr lang="en-CA" dirty="0">
-                <a:solidFill>
-                  <a:srgbClr val="C00000"/>
-                </a:solidFill>
-              </a:rPr>
-              <a:t>Why &lt;</a:t>
-            </a:r>
-            <a:r>
-              <a:rPr lang="en-CA" dirty="0" err="1">
-                <a:solidFill>
-                  <a:srgbClr val="C00000"/>
-                </a:solidFill>
-              </a:rPr>
-              <a:t>React.StrictMode</a:t>
-            </a:r>
-            <a:r>
-              <a:rPr lang="en-CA" dirty="0">
-                <a:solidFill>
-                  <a:srgbClr val="C00000"/>
-                </a:solidFill>
-              </a:rPr>
-              <a:t>/&gt;?</a:t>
-            </a:r>
-          </a:p>
-        </p:txBody>
-      </p:sp>
-      <p:sp>
-        <p:nvSpPr>
-          <p:cNvPr id="15" name="TextBox 14">
-            <a:extLst>
-              <a:ext uri="{FF2B5EF4-FFF2-40B4-BE49-F238E27FC236}">
-                <a16:creationId xmlns:a16="http://schemas.microsoft.com/office/drawing/2014/main" id="{5EF2EFED-22F0-72D9-BF5C-23FDC426E57B}"/>
-              </a:ext>
-            </a:extLst>
-          </p:cNvPr>
-          <p:cNvSpPr txBox="1"/>
-          <p:nvPr/>
-        </p:nvSpPr>
-        <p:spPr>
-          <a:xfrm>
-            <a:off x="438036" y="8259671"/>
-            <a:ext cx="6619875" cy="646331"/>
-          </a:xfrm>
-          <a:prstGeom prst="rect">
-            <a:avLst/>
-          </a:prstGeom>
-          <a:noFill/>
-        </p:spPr>
-        <p:txBody>
-          <a:bodyPr wrap="square" rtlCol="0">
-            <a:spAutoFit/>
-          </a:bodyPr>
-          <a:lstStyle/>
-          <a:p>
-            <a:r>
-              <a:rPr lang="en-US" dirty="0"/>
-              <a:t>Identify deprecate methods, unsafe state changes, potential race conditions, etc.. </a:t>
-            </a:r>
-            <a:endParaRPr lang="en-CA" dirty="0"/>
-          </a:p>
-        </p:txBody>
-      </p:sp>
-    </p:spTree>
-    <p:extLst>
-      <p:ext uri="{BB962C8B-B14F-4D97-AF65-F5344CB8AC3E}">
-        <p14:creationId xmlns:p14="http://schemas.microsoft.com/office/powerpoint/2010/main" val="3248280168"/>
-      </p:ext>
-    </p:extLst>
-  </p:cSld>
-  <p:clrMapOvr>
-    <a:masterClrMapping/>
-  </p:clrMapOvr>
 </p:sld>
 </file>
 
@@ -11634,14 +15169,14 @@
           <p:nvPr>
             <p:extLst>
               <p:ext uri="{D42A27DB-BD31-4B8C-83A1-F6EECF244321}">
-                <p14:modId xmlns:p14="http://schemas.microsoft.com/office/powerpoint/2010/main" val="2240506793"/>
+                <p14:modId xmlns:p14="http://schemas.microsoft.com/office/powerpoint/2010/main" val="4232926454"/>
               </p:ext>
             </p:extLst>
           </p:nvPr>
         </p:nvGraphicFramePr>
         <p:xfrm>
           <a:off x="79624" y="1160978"/>
-          <a:ext cx="7574623" cy="7417237"/>
+          <a:ext cx="7574623" cy="7650409"/>
         </p:xfrm>
         <a:graphic>
           <a:graphicData uri="http://schemas.openxmlformats.org/drawingml/2006/table">
@@ -11881,7 +15416,25 @@
                       </a:br>
                       <a:r>
                         <a:rPr lang="en-CA" dirty="0"/>
-                        <a:t>- Yaml.</a:t>
+                        <a:t>- </a:t>
+                      </a:r>
+                      <a:r>
+                        <a:rPr lang="en-CA" dirty="0" err="1"/>
+                        <a:t>Yaml</a:t>
+                      </a:r>
+                      <a:r>
+                        <a:rPr lang="en-CA" dirty="0"/>
+                        <a:t>.</a:t>
+                      </a:r>
+                    </a:p>
+                    <a:p>
+                      <a:pPr marL="0" indent="0">
+                        <a:buFont typeface="Arial" panose="020B0604020202020204" pitchFamily="34" charset="0"/>
+                        <a:buNone/>
+                      </a:pPr>
+                      <a:r>
+                        <a:rPr lang="en-CA" dirty="0"/>
+                        <a:t>- Blackbox</a:t>
                       </a:r>
                     </a:p>
                   </a:txBody>
@@ -13115,13 +16668,23 @@
             </a:br>
             <a:r>
               <a:rPr lang="en-CA" dirty="0"/>
-              <a:t> or by selecting the file within VSCode</a:t>
+              <a:t> or by selecting the file within </a:t>
+            </a:r>
+            <a:r>
+              <a:rPr lang="en-CA" dirty="0" err="1"/>
+              <a:t>VSCode</a:t>
+            </a:r>
+            <a:r>
+              <a:rPr lang="en-CA" dirty="0" err="1">
+                <a:sym typeface="Wingdings" panose="05000000000000000000" pitchFamily="2" charset="2"/>
+              </a:rPr>
+              <a:t>right</a:t>
             </a:r>
             <a:r>
               <a:rPr lang="en-CA" dirty="0">
                 <a:sym typeface="Wingdings" panose="05000000000000000000" pitchFamily="2" charset="2"/>
               </a:rPr>
-              <a:t>right click  Compose Up</a:t>
+              <a:t> click  Compose Up</a:t>
             </a:r>
             <a:endParaRPr lang="en-CA" dirty="0"/>
           </a:p>

--- a/doc/React.pptx
+++ b/doc/React.pptx
@@ -5,7 +5,7 @@
     <p:sldMasterId id="2147483660" r:id="rId1"/>
   </p:sldMasterIdLst>
   <p:notesMasterIdLst>
-    <p:notesMasterId r:id="rId29"/>
+    <p:notesMasterId r:id="rId31"/>
   </p:notesMasterIdLst>
   <p:sldIdLst>
     <p:sldId id="270" r:id="rId2"/>
@@ -28,13 +28,15 @@
     <p:sldId id="274" r:id="rId19"/>
     <p:sldId id="288" r:id="rId20"/>
     <p:sldId id="287" r:id="rId21"/>
-    <p:sldId id="284" r:id="rId22"/>
-    <p:sldId id="276" r:id="rId23"/>
-    <p:sldId id="277" r:id="rId24"/>
-    <p:sldId id="278" r:id="rId25"/>
-    <p:sldId id="279" r:id="rId26"/>
-    <p:sldId id="280" r:id="rId27"/>
-    <p:sldId id="281" r:id="rId28"/>
+    <p:sldId id="301" r:id="rId22"/>
+    <p:sldId id="302" r:id="rId23"/>
+    <p:sldId id="276" r:id="rId24"/>
+    <p:sldId id="303" r:id="rId25"/>
+    <p:sldId id="277" r:id="rId26"/>
+    <p:sldId id="278" r:id="rId27"/>
+    <p:sldId id="279" r:id="rId28"/>
+    <p:sldId id="280" r:id="rId29"/>
+    <p:sldId id="281" r:id="rId30"/>
   </p:sldIdLst>
   <p:sldSz cx="7772400" cy="10058400"/>
   <p:notesSz cx="6858000" cy="9144000"/>
@@ -405,6 +407,94 @@
 </p188:cmLst>
 </file>
 
+<file path=ppt/comments/modernComment_12D_94569A24.xml><?xml version="1.0" encoding="utf-8"?>
+<p188:cmLst xmlns:a="http://schemas.openxmlformats.org/drawingml/2006/main" xmlns:r="http://schemas.openxmlformats.org/officeDocument/2006/relationships" xmlns:p188="http://schemas.microsoft.com/office/powerpoint/2018/8/main">
+  <p188:cm id="{3A82D066-9AAF-4365-ABF7-72B1C3EFF508}" authorId="{4DC68FF1-9336-A390-AB80-FC8E420981B7}" created="2023-04-14T14:37:43.844">
+    <ac:txMkLst xmlns:ac="http://schemas.microsoft.com/office/drawing/2013/main/command">
+      <pc:docMk xmlns:pc="http://schemas.microsoft.com/office/powerpoint/2013/main/command"/>
+      <pc:sldMk xmlns:pc="http://schemas.microsoft.com/office/powerpoint/2013/main/command" cId="2488703524" sldId="301"/>
+      <ac:spMk id="17" creationId="{23E7A8EE-5489-7853-1AF9-9574E73D5F19}"/>
+      <ac:txMk cp="46" len="8">
+        <ac:context len="61" hash="661251778"/>
+      </ac:txMk>
+    </ac:txMkLst>
+    <p188:pos x="5651292" y="402901"/>
+    <p188:txBody>
+      <a:bodyPr/>
+      <a:lstStyle/>
+      <a:p>
+        <a:r>
+          <a:rPr lang="en-CA"/>
+          <a:t>Otherwise, we may not benefit from using React 18. Also, I noticed the hot server deployment is running well when I reverted the index.js to its original. </a:t>
+        </a:r>
+      </a:p>
+    </p188:txBody>
+  </p188:cm>
+</p188:cmLst>
+</file>
+
+<file path=ppt/comments/modernComment_12E_6C5B40A.xml><?xml version="1.0" encoding="utf-8"?>
+<p188:cmLst xmlns:a="http://schemas.openxmlformats.org/drawingml/2006/main" xmlns:r="http://schemas.openxmlformats.org/officeDocument/2006/relationships" xmlns:p188="http://schemas.microsoft.com/office/powerpoint/2018/8/main">
+  <p188:cm id="{A282082E-9780-4501-92C2-ACF51885A06F}" authorId="{4DC68FF1-9336-A390-AB80-FC8E420981B7}" created="2023-04-14T14:23:34.867">
+    <pc:sldMkLst xmlns:pc="http://schemas.microsoft.com/office/powerpoint/2013/main/command">
+      <pc:docMk/>
+      <pc:sldMk cId="113619978" sldId="302"/>
+    </pc:sldMkLst>
+    <p188:replyLst>
+      <p188:reply id="{1998096E-007D-4808-9802-FEE9F310A7BE}" authorId="{4DC68FF1-9336-A390-AB80-FC8E420981B7}" created="2023-04-14T15:05:39.991">
+        <p188:txBody>
+          <a:bodyPr/>
+          <a:lstStyle/>
+          <a:p>
+            <a:r>
+              <a:rPr lang="en-CA"/>
+              <a:t>Behind the scene, there is transpiler like babel that will make sure to create js that is compatible with your browser</a:t>
+            </a:r>
+          </a:p>
+        </p188:txBody>
+      </p188:reply>
+    </p188:replyLst>
+    <p188:txBody>
+      <a:bodyPr/>
+      <a:lstStyle/>
+      <a:p>
+        <a:r>
+          <a:rPr lang="en-CA"/>
+          <a:t>JSX: Javascript xml. Write what looks like html within javascript</a:t>
+        </a:r>
+      </a:p>
+    </p188:txBody>
+  </p188:cm>
+</p188:cmLst>
+</file>
+
+<file path=ppt/comments/modernComment_12F_E1B356CE.xml><?xml version="1.0" encoding="utf-8"?>
+<p188:cmLst xmlns:a="http://schemas.openxmlformats.org/drawingml/2006/main" xmlns:r="http://schemas.openxmlformats.org/officeDocument/2006/relationships" xmlns:p188="http://schemas.microsoft.com/office/powerpoint/2018/8/main">
+  <p188:cm id="{0C52BCD5-F08E-4C46-808F-FDFF27DB6701}" authorId="{4DC68FF1-9336-A390-AB80-FC8E420981B7}" created="2023-04-14T15:39:33.215">
+    <ac:deMkLst xmlns:ac="http://schemas.microsoft.com/office/drawing/2013/main/command">
+      <pc:docMk xmlns:pc="http://schemas.microsoft.com/office/powerpoint/2013/main/command"/>
+      <pc:sldMk xmlns:pc="http://schemas.microsoft.com/office/powerpoint/2013/main/command" cId="3786626766" sldId="303"/>
+      <ac:spMk id="16" creationId="{D4DDB79D-1C4B-F713-4026-D7FFA5C19242}"/>
+    </ac:deMkLst>
+    <p188:txBody>
+      <a:bodyPr/>
+      <a:lstStyle/>
+      <a:p>
+        <a:r>
+          <a:rPr lang="en-CA"/>
+          <a:t>If you want to export more than one function from a file:
+export const a = 'a';
+export const b = 'b';
+export default b;
+in the other file
+import b, { a } from './x';</a:t>
+        </a:r>
+      </a:p>
+    </p188:txBody>
+  </p188:cm>
+</p188:cmLst>
+</file>
+
 <file path=ppt/notesMasters/notesMaster1.xml><?xml version="1.0" encoding="utf-8"?>
 <p:notesMaster xmlns:a="http://schemas.openxmlformats.org/drawingml/2006/main" xmlns:r="http://schemas.openxmlformats.org/officeDocument/2006/relationships" xmlns:p="http://schemas.openxmlformats.org/presentationml/2006/main">
   <p:cSld>
@@ -487,7 +577,7 @@
           <a:p>
             <a:fld id="{9D05FE6B-B11E-48FE-8BE6-CD3E02338538}" type="datetimeFigureOut">
               <a:rPr lang="en-CA" smtClean="0"/>
-              <a:t>2023-04-13</a:t>
+              <a:t>2023-04-14</a:t>
             </a:fld>
             <a:endParaRPr lang="en-CA"/>
           </a:p>
@@ -3796,7 +3886,7 @@
                                           </p:stCondLst>
                                         </p:cTn>
                                         <p:tgtEl>
-                                          <p:spTgt spid="11"/>
+                                          <p:spTgt spid="9"/>
                                         </p:tgtEl>
                                         <p:attrNameLst>
                                           <p:attrName>style.visibility</p:attrName>
@@ -3841,7 +3931,7 @@
                                           </p:stCondLst>
                                         </p:cTn>
                                         <p:tgtEl>
-                                          <p:spTgt spid="9"/>
+                                          <p:spTgt spid="11"/>
                                         </p:tgtEl>
                                         <p:attrNameLst>
                                           <p:attrName>style.visibility</p:attrName>
@@ -6992,7 +7082,7 @@
                                           </p:stCondLst>
                                         </p:cTn>
                                         <p:tgtEl>
-                                          <p:spTgt spid="6"/>
+                                          <p:spTgt spid="13"/>
                                         </p:tgtEl>
                                         <p:attrNameLst>
                                           <p:attrName>style.visibility</p:attrName>
@@ -7037,7 +7127,7 @@
                                           </p:stCondLst>
                                         </p:cTn>
                                         <p:tgtEl>
-                                          <p:spTgt spid="13"/>
+                                          <p:spTgt spid="6"/>
                                         </p:tgtEl>
                                         <p:attrNameLst>
                                           <p:attrName>style.visibility</p:attrName>
@@ -7994,7 +8084,7 @@
                 <a:effectLst/>
                 <a:latin typeface="Consolas" panose="020B0609020204030204" pitchFamily="49" charset="0"/>
               </a:rPr>
-              <a:t>var h1Element = </a:t>
+              <a:t>const h1Element = </a:t>
             </a:r>
             <a:r>
               <a:rPr lang="en-CA" sz="1600" b="0" dirty="0">
@@ -8018,14 +8108,14 @@
                 <a:effectLst/>
                 <a:latin typeface="Consolas" panose="020B0609020204030204" pitchFamily="49" charset="0"/>
               </a:rPr>
-              <a:t>className:'header</a:t>
+              <a:t>className</a:t>
             </a:r>
             <a:r>
               <a:rPr lang="en-CA" sz="1600" b="0" dirty="0">
                 <a:effectLst/>
                 <a:latin typeface="Consolas" panose="020B0609020204030204" pitchFamily="49" charset="0"/>
               </a:rPr>
-              <a:t>'},'A Simple </a:t>
+              <a:t>:'header'},'A Simple </a:t>
             </a:r>
             <a:r>
               <a:rPr lang="en-CA" sz="1600" dirty="0">
@@ -11959,80 +12049,6 @@
           <a:chExt cx="0" cy="0"/>
         </a:xfrm>
       </p:grpSpPr>
-      <p:sp>
-        <p:nvSpPr>
-          <p:cNvPr id="20" name="Rectangle 19">
-            <a:extLst>
-              <a:ext uri="{FF2B5EF4-FFF2-40B4-BE49-F238E27FC236}">
-                <a16:creationId xmlns:a16="http://schemas.microsoft.com/office/drawing/2014/main" id="{73833828-55BA-075C-2FAC-DA17ABE2F4F0}"/>
-              </a:ext>
-            </a:extLst>
-          </p:cNvPr>
-          <p:cNvSpPr/>
-          <p:nvPr/>
-        </p:nvSpPr>
-        <p:spPr>
-          <a:xfrm>
-            <a:off x="-70364" y="52920"/>
-            <a:ext cx="7913128" cy="923330"/>
-          </a:xfrm>
-          <a:prstGeom prst="rect">
-            <a:avLst/>
-          </a:prstGeom>
-          <a:noFill/>
-        </p:spPr>
-        <p:txBody>
-          <a:bodyPr wrap="none" lIns="91440" tIns="45720" rIns="91440" bIns="45720">
-            <a:spAutoFit/>
-          </a:bodyPr>
-          <a:lstStyle/>
-          <a:p>
-            <a:pPr algn="ctr"/>
-            <a:r>
-              <a:rPr lang="en-US" sz="5400" b="0" cap="none" spc="0" dirty="0">
-                <a:ln w="0"/>
-                <a:solidFill>
-                  <a:schemeClr val="tx1"/>
-                </a:solidFill>
-                <a:effectLst>
-                  <a:outerShdw blurRad="38100" dist="19050" dir="2700000" algn="tl" rotWithShape="0">
-                    <a:schemeClr val="dk1">
-                      <a:alpha val="40000"/>
-                    </a:schemeClr>
-                  </a:outerShdw>
-                </a:effectLst>
-              </a:rPr>
-              <a:t>Tour </a:t>
-            </a:r>
-            <a:r>
-              <a:rPr lang="en-US" sz="5400" dirty="0">
-                <a:ln w="0"/>
-                <a:effectLst>
-                  <a:outerShdw blurRad="38100" dist="19050" dir="2700000" algn="tl" rotWithShape="0">
-                    <a:schemeClr val="dk1">
-                      <a:alpha val="40000"/>
-                    </a:schemeClr>
-                  </a:outerShdw>
-                </a:effectLst>
-              </a:rPr>
-              <a:t>&amp; Customization - 2</a:t>
-            </a:r>
-            <a:endParaRPr lang="en-US" sz="5400" b="0" cap="none" spc="0" dirty="0">
-              <a:ln w="0"/>
-              <a:solidFill>
-                <a:schemeClr val="tx1"/>
-              </a:solidFill>
-              <a:effectLst>
-                <a:outerShdw blurRad="38100" dist="19050" dir="2700000" algn="tl" rotWithShape="0">
-                  <a:schemeClr val="dk1">
-                    <a:alpha val="40000"/>
-                  </a:schemeClr>
-                </a:outerShdw>
-              </a:effectLst>
-            </a:endParaRPr>
-          </a:p>
-        </p:txBody>
-      </p:sp>
       <p:pic>
         <p:nvPicPr>
           <p:cNvPr id="5" name="Picture 4">
@@ -12077,8 +12093,8 @@
         </p:nvSpPr>
         <p:spPr>
           <a:xfrm>
-            <a:off x="212651" y="931270"/>
-            <a:ext cx="2619628" cy="923330"/>
+            <a:off x="0" y="1115792"/>
+            <a:ext cx="5724196" cy="923330"/>
           </a:xfrm>
           <a:prstGeom prst="rect">
             <a:avLst/>
@@ -12110,7 +12126,7 @@
                   </a:outerShdw>
                 </a:effectLst>
               </a:rPr>
-              <a:t>~main()</a:t>
+              <a:t>Main Component</a:t>
             </a:r>
             <a:endParaRPr lang="en-US" sz="5400" b="0" cap="none" spc="0" dirty="0">
               <a:ln w="0"/>
@@ -12128,6 +12144,503 @@
           </a:p>
         </p:txBody>
       </p:sp>
+      <p:sp>
+        <p:nvSpPr>
+          <p:cNvPr id="2" name="Rectangle 1">
+            <a:extLst>
+              <a:ext uri="{FF2B5EF4-FFF2-40B4-BE49-F238E27FC236}">
+                <a16:creationId xmlns:a16="http://schemas.microsoft.com/office/drawing/2014/main" id="{25A78340-DB85-299B-93C9-6429225B95A3}"/>
+              </a:ext>
+            </a:extLst>
+          </p:cNvPr>
+          <p:cNvSpPr/>
+          <p:nvPr/>
+        </p:nvSpPr>
+        <p:spPr>
+          <a:xfrm>
+            <a:off x="-232997" y="0"/>
+            <a:ext cx="8005397" cy="923330"/>
+          </a:xfrm>
+          <a:prstGeom prst="rect">
+            <a:avLst/>
+          </a:prstGeom>
+          <a:noFill/>
+        </p:spPr>
+        <p:txBody>
+          <a:bodyPr wrap="none" lIns="91440" tIns="45720" rIns="91440" bIns="45720">
+            <a:spAutoFit/>
+          </a:bodyPr>
+          <a:lstStyle/>
+          <a:p>
+            <a:pPr algn="ctr"/>
+            <a:r>
+              <a:rPr lang="en-US" sz="5400" b="0" cap="none" spc="0" dirty="0">
+                <a:ln w="0"/>
+                <a:solidFill>
+                  <a:schemeClr val="tx1"/>
+                </a:solidFill>
+                <a:effectLst>
+                  <a:outerShdw blurRad="38100" dist="19050" dir="2700000" algn="tl" rotWithShape="0">
+                    <a:schemeClr val="dk1">
+                      <a:alpha val="40000"/>
+                    </a:schemeClr>
+                  </a:outerShdw>
+                </a:effectLst>
+              </a:rPr>
+              <a:t>Check Our Project - </a:t>
+            </a:r>
+            <a:r>
+              <a:rPr lang="en-US" sz="2400" b="0" cap="none" spc="0" dirty="0">
+                <a:ln w="0"/>
+                <a:solidFill>
+                  <a:schemeClr val="tx1"/>
+                </a:solidFill>
+                <a:effectLst>
+                  <a:outerShdw blurRad="38100" dist="19050" dir="2700000" algn="tl" rotWithShape="0">
+                    <a:schemeClr val="dk1">
+                      <a:alpha val="40000"/>
+                    </a:schemeClr>
+                  </a:outerShdw>
+                </a:effectLst>
+              </a:rPr>
+              <a:t>Continue</a:t>
+            </a:r>
+            <a:endParaRPr lang="en-US" sz="5400" b="0" cap="none" spc="0" dirty="0">
+              <a:ln w="0"/>
+              <a:solidFill>
+                <a:schemeClr val="tx1"/>
+              </a:solidFill>
+              <a:effectLst>
+                <a:outerShdw blurRad="38100" dist="19050" dir="2700000" algn="tl" rotWithShape="0">
+                  <a:schemeClr val="dk1">
+                    <a:alpha val="40000"/>
+                  </a:schemeClr>
+                </a:outerShdw>
+              </a:effectLst>
+            </a:endParaRPr>
+          </a:p>
+        </p:txBody>
+      </p:sp>
+      <p:sp>
+        <p:nvSpPr>
+          <p:cNvPr id="4" name="TextBox 3">
+            <a:extLst>
+              <a:ext uri="{FF2B5EF4-FFF2-40B4-BE49-F238E27FC236}">
+                <a16:creationId xmlns:a16="http://schemas.microsoft.com/office/drawing/2014/main" id="{38EC0613-E6D0-1274-FF20-1E1A5B9060E5}"/>
+              </a:ext>
+            </a:extLst>
+          </p:cNvPr>
+          <p:cNvSpPr txBox="1"/>
+          <p:nvPr/>
+        </p:nvSpPr>
+        <p:spPr>
+          <a:xfrm>
+            <a:off x="2524981" y="2947756"/>
+            <a:ext cx="5247419" cy="3046988"/>
+          </a:xfrm>
+          <a:prstGeom prst="rect">
+            <a:avLst/>
+          </a:prstGeom>
+          <a:noFill/>
+        </p:spPr>
+        <p:txBody>
+          <a:bodyPr wrap="square" rtlCol="0">
+            <a:spAutoFit/>
+          </a:bodyPr>
+          <a:lstStyle/>
+          <a:p>
+            <a:r>
+              <a:rPr lang="en-CA" sz="9600" dirty="0">
+                <a:solidFill>
+                  <a:srgbClr val="FF0000"/>
+                </a:solidFill>
+              </a:rPr>
+              <a:t>X </a:t>
+            </a:r>
+            <a:r>
+              <a:rPr lang="en-CA" sz="9600" dirty="0" err="1">
+                <a:solidFill>
+                  <a:srgbClr val="FF0000"/>
+                </a:solidFill>
+              </a:rPr>
+              <a:t>X</a:t>
+            </a:r>
+            <a:r>
+              <a:rPr lang="en-CA" sz="9600" dirty="0">
+                <a:solidFill>
+                  <a:srgbClr val="FF0000"/>
+                </a:solidFill>
+              </a:rPr>
+              <a:t> </a:t>
+            </a:r>
+            <a:r>
+              <a:rPr lang="en-CA" sz="9600" dirty="0" err="1">
+                <a:solidFill>
+                  <a:srgbClr val="FF0000"/>
+                </a:solidFill>
+              </a:rPr>
+              <a:t>X</a:t>
+            </a:r>
+            <a:r>
+              <a:rPr lang="en-CA" sz="9600" dirty="0">
+                <a:solidFill>
+                  <a:srgbClr val="FF0000"/>
+                </a:solidFill>
+              </a:rPr>
+              <a:t> </a:t>
+            </a:r>
+            <a:r>
+              <a:rPr lang="en-CA" sz="9600" dirty="0" err="1">
+                <a:solidFill>
+                  <a:srgbClr val="FF0000"/>
+                </a:solidFill>
+              </a:rPr>
+              <a:t>X</a:t>
+            </a:r>
+            <a:r>
+              <a:rPr lang="en-CA" sz="9600" dirty="0">
+                <a:solidFill>
+                  <a:srgbClr val="FF0000"/>
+                </a:solidFill>
+              </a:rPr>
+              <a:t> </a:t>
+            </a:r>
+            <a:r>
+              <a:rPr lang="en-CA" sz="9600" dirty="0" err="1">
+                <a:solidFill>
+                  <a:srgbClr val="FF0000"/>
+                </a:solidFill>
+              </a:rPr>
+              <a:t>X</a:t>
+            </a:r>
+            <a:endParaRPr lang="en-CA" sz="9600" dirty="0">
+              <a:solidFill>
+                <a:srgbClr val="FF0000"/>
+              </a:solidFill>
+            </a:endParaRPr>
+          </a:p>
+          <a:p>
+            <a:r>
+              <a:rPr lang="en-CA" sz="9600" dirty="0">
+                <a:solidFill>
+                  <a:srgbClr val="FF0000"/>
+                </a:solidFill>
+              </a:rPr>
+              <a:t>X </a:t>
+            </a:r>
+            <a:r>
+              <a:rPr lang="en-CA" sz="9600" dirty="0" err="1">
+                <a:solidFill>
+                  <a:srgbClr val="FF0000"/>
+                </a:solidFill>
+              </a:rPr>
+              <a:t>X</a:t>
+            </a:r>
+            <a:r>
+              <a:rPr lang="en-CA" sz="9600" dirty="0">
+                <a:solidFill>
+                  <a:srgbClr val="FF0000"/>
+                </a:solidFill>
+              </a:rPr>
+              <a:t> </a:t>
+            </a:r>
+            <a:r>
+              <a:rPr lang="en-CA" sz="9600" dirty="0" err="1">
+                <a:solidFill>
+                  <a:srgbClr val="FF0000"/>
+                </a:solidFill>
+              </a:rPr>
+              <a:t>X</a:t>
+            </a:r>
+            <a:r>
+              <a:rPr lang="en-CA" sz="9600" dirty="0">
+                <a:solidFill>
+                  <a:srgbClr val="FF0000"/>
+                </a:solidFill>
+              </a:rPr>
+              <a:t> </a:t>
+            </a:r>
+            <a:r>
+              <a:rPr lang="en-CA" sz="9600" dirty="0" err="1">
+                <a:solidFill>
+                  <a:srgbClr val="FF0000"/>
+                </a:solidFill>
+              </a:rPr>
+              <a:t>X</a:t>
+            </a:r>
+            <a:r>
+              <a:rPr lang="en-CA" sz="9600" dirty="0">
+                <a:solidFill>
+                  <a:srgbClr val="FF0000"/>
+                </a:solidFill>
+              </a:rPr>
+              <a:t> </a:t>
+            </a:r>
+            <a:r>
+              <a:rPr lang="en-CA" sz="9600" dirty="0" err="1">
+                <a:solidFill>
+                  <a:srgbClr val="FF0000"/>
+                </a:solidFill>
+              </a:rPr>
+              <a:t>X</a:t>
+            </a:r>
+            <a:r>
+              <a:rPr lang="en-CA" sz="9600" dirty="0">
+                <a:solidFill>
+                  <a:srgbClr val="FF0000"/>
+                </a:solidFill>
+              </a:rPr>
+              <a:t>  </a:t>
+            </a:r>
+          </a:p>
+        </p:txBody>
+      </p:sp>
+      <p:sp>
+        <p:nvSpPr>
+          <p:cNvPr id="7" name="TextBox 6">
+            <a:extLst>
+              <a:ext uri="{FF2B5EF4-FFF2-40B4-BE49-F238E27FC236}">
+                <a16:creationId xmlns:a16="http://schemas.microsoft.com/office/drawing/2014/main" id="{E9508E21-5E35-62C5-E065-FB97CB96F882}"/>
+              </a:ext>
+            </a:extLst>
+          </p:cNvPr>
+          <p:cNvSpPr txBox="1"/>
+          <p:nvPr/>
+        </p:nvSpPr>
+        <p:spPr>
+          <a:xfrm>
+            <a:off x="0" y="6908178"/>
+            <a:ext cx="6729547" cy="400110"/>
+          </a:xfrm>
+          <a:prstGeom prst="rect">
+            <a:avLst/>
+          </a:prstGeom>
+          <a:noFill/>
+        </p:spPr>
+        <p:txBody>
+          <a:bodyPr wrap="square">
+            <a:spAutoFit/>
+          </a:bodyPr>
+          <a:lstStyle/>
+          <a:p>
+            <a:r>
+              <a:rPr lang="en-CA" sz="2000" dirty="0">
+                <a:effectLst/>
+                <a:latin typeface="MS Shell Dlg 2" panose="020B0604030504040204" pitchFamily="34" charset="0"/>
+              </a:rPr>
+              <a:t>Replace App() body by </a:t>
+            </a:r>
+            <a:endParaRPr lang="en-CA" sz="2000" dirty="0"/>
+          </a:p>
+        </p:txBody>
+      </p:sp>
+      <p:sp>
+        <p:nvSpPr>
+          <p:cNvPr id="8" name="TextBox 7">
+            <a:extLst>
+              <a:ext uri="{FF2B5EF4-FFF2-40B4-BE49-F238E27FC236}">
+                <a16:creationId xmlns:a16="http://schemas.microsoft.com/office/drawing/2014/main" id="{A1037A25-6004-EFC2-AE1D-226FD5295EAE}"/>
+              </a:ext>
+            </a:extLst>
+          </p:cNvPr>
+          <p:cNvSpPr txBox="1"/>
+          <p:nvPr/>
+        </p:nvSpPr>
+        <p:spPr>
+          <a:xfrm>
+            <a:off x="110362" y="7291185"/>
+            <a:ext cx="7393587" cy="584775"/>
+          </a:xfrm>
+          <a:prstGeom prst="rect">
+            <a:avLst/>
+          </a:prstGeom>
+          <a:noFill/>
+          <a:ln w="38100">
+            <a:solidFill>
+              <a:schemeClr val="tx1"/>
+            </a:solidFill>
+          </a:ln>
+        </p:spPr>
+        <p:txBody>
+          <a:bodyPr wrap="square">
+            <a:spAutoFit/>
+          </a:bodyPr>
+          <a:lstStyle/>
+          <a:p>
+            <a:r>
+              <a:rPr lang="en-CA" sz="1600" b="0" dirty="0">
+                <a:effectLst/>
+                <a:latin typeface="Consolas" panose="020B0609020204030204" pitchFamily="49" charset="0"/>
+              </a:rPr>
+              <a:t>return </a:t>
+            </a:r>
+            <a:r>
+              <a:rPr lang="en-CA" sz="1600" b="0" dirty="0" err="1">
+                <a:effectLst/>
+                <a:highlight>
+                  <a:srgbClr val="FFFF00"/>
+                </a:highlight>
+                <a:latin typeface="Consolas" panose="020B0609020204030204" pitchFamily="49" charset="0"/>
+              </a:rPr>
+              <a:t>React.createElement</a:t>
+            </a:r>
+            <a:r>
+              <a:rPr lang="en-CA" sz="1600" b="0" dirty="0">
+                <a:effectLst/>
+                <a:latin typeface="Consolas" panose="020B0609020204030204" pitchFamily="49" charset="0"/>
+              </a:rPr>
+              <a:t>('h1', {</a:t>
+            </a:r>
+            <a:r>
+              <a:rPr lang="en-CA" sz="1600" b="0" dirty="0" err="1">
+                <a:effectLst/>
+                <a:latin typeface="Consolas" panose="020B0609020204030204" pitchFamily="49" charset="0"/>
+              </a:rPr>
+              <a:t>className</a:t>
+            </a:r>
+            <a:r>
+              <a:rPr lang="en-CA" sz="1600" b="0" dirty="0">
+                <a:effectLst/>
+                <a:latin typeface="Consolas" panose="020B0609020204030204" pitchFamily="49" charset="0"/>
+              </a:rPr>
+              <a:t>:'header'},'A Simple </a:t>
+            </a:r>
+            <a:r>
+              <a:rPr lang="en-CA" sz="1600" dirty="0">
+                <a:latin typeface="Consolas" panose="020B0609020204030204" pitchFamily="49" charset="0"/>
+              </a:rPr>
+              <a:t>React Example');</a:t>
+            </a:r>
+            <a:endParaRPr lang="en-CA" sz="1600" b="0" dirty="0">
+              <a:effectLst/>
+              <a:latin typeface="Consolas" panose="020B0609020204030204" pitchFamily="49" charset="0"/>
+            </a:endParaRPr>
+          </a:p>
+        </p:txBody>
+      </p:sp>
+      <p:sp>
+        <p:nvSpPr>
+          <p:cNvPr id="9" name="TextBox 8">
+            <a:extLst>
+              <a:ext uri="{FF2B5EF4-FFF2-40B4-BE49-F238E27FC236}">
+                <a16:creationId xmlns:a16="http://schemas.microsoft.com/office/drawing/2014/main" id="{F5B7B667-F90B-CD9A-42D5-C3987355FD44}"/>
+              </a:ext>
+            </a:extLst>
+          </p:cNvPr>
+          <p:cNvSpPr txBox="1"/>
+          <p:nvPr/>
+        </p:nvSpPr>
+        <p:spPr>
+          <a:xfrm>
+            <a:off x="31319" y="8213455"/>
+            <a:ext cx="7551672" cy="400110"/>
+          </a:xfrm>
+          <a:prstGeom prst="rect">
+            <a:avLst/>
+          </a:prstGeom>
+          <a:noFill/>
+        </p:spPr>
+        <p:txBody>
+          <a:bodyPr wrap="square">
+            <a:spAutoFit/>
+          </a:bodyPr>
+          <a:lstStyle/>
+          <a:p>
+            <a:r>
+              <a:rPr lang="en-CA" sz="2000" dirty="0">
+                <a:effectLst/>
+                <a:latin typeface="MS Shell Dlg 2" panose="020B0604030504040204" pitchFamily="34" charset="0"/>
+              </a:rPr>
+              <a:t>update app.css </a:t>
+            </a:r>
+            <a:r>
+              <a:rPr lang="en-CA" sz="2000" dirty="0">
+                <a:latin typeface="MS Shell Dlg 2" panose="020B0604030504040204" pitchFamily="34" charset="0"/>
+              </a:rPr>
+              <a:t>file and add</a:t>
+            </a:r>
+            <a:endParaRPr lang="en-CA" sz="2000" dirty="0">
+              <a:solidFill>
+                <a:schemeClr val="bg1">
+                  <a:lumMod val="65000"/>
+                </a:schemeClr>
+              </a:solidFill>
+            </a:endParaRPr>
+          </a:p>
+        </p:txBody>
+      </p:sp>
+      <p:sp>
+        <p:nvSpPr>
+          <p:cNvPr id="10" name="TextBox 9">
+            <a:extLst>
+              <a:ext uri="{FF2B5EF4-FFF2-40B4-BE49-F238E27FC236}">
+                <a16:creationId xmlns:a16="http://schemas.microsoft.com/office/drawing/2014/main" id="{D2C7CF20-D174-B09E-71F1-584530C913B6}"/>
+              </a:ext>
+            </a:extLst>
+          </p:cNvPr>
+          <p:cNvSpPr txBox="1"/>
+          <p:nvPr/>
+        </p:nvSpPr>
+        <p:spPr>
+          <a:xfrm>
+            <a:off x="31319" y="8704540"/>
+            <a:ext cx="7485052" cy="1077218"/>
+          </a:xfrm>
+          <a:prstGeom prst="rect">
+            <a:avLst/>
+          </a:prstGeom>
+          <a:noFill/>
+          <a:ln w="38100">
+            <a:solidFill>
+              <a:schemeClr val="tx1"/>
+            </a:solidFill>
+          </a:ln>
+        </p:spPr>
+        <p:txBody>
+          <a:bodyPr wrap="square">
+            <a:spAutoFit/>
+          </a:bodyPr>
+          <a:lstStyle/>
+          <a:p>
+            <a:r>
+              <a:rPr lang="en-CA" sz="1600" b="0" dirty="0">
+                <a:effectLst/>
+                <a:latin typeface="Consolas" panose="020B0609020204030204" pitchFamily="49" charset="0"/>
+              </a:rPr>
+              <a:t>header :</a:t>
+            </a:r>
+          </a:p>
+          <a:p>
+            <a:r>
+              <a:rPr lang="en-CA" sz="1600" dirty="0">
+                <a:latin typeface="Consolas" panose="020B0609020204030204" pitchFamily="49" charset="0"/>
+              </a:rPr>
+              <a:t>{</a:t>
+            </a:r>
+          </a:p>
+          <a:p>
+            <a:r>
+              <a:rPr lang="en-CA" sz="1600" b="0" dirty="0">
+                <a:effectLst/>
+                <a:latin typeface="Consolas" panose="020B0609020204030204" pitchFamily="49" charset="0"/>
+              </a:rPr>
+              <a:t> color: red;</a:t>
+            </a:r>
+          </a:p>
+          <a:p>
+            <a:r>
+              <a:rPr lang="en-CA" sz="1600" dirty="0">
+                <a:latin typeface="Consolas" panose="020B0609020204030204" pitchFamily="49" charset="0"/>
+              </a:rPr>
+              <a:t>}</a:t>
+            </a:r>
+            <a:endParaRPr lang="en-CA" sz="1600" b="0" dirty="0">
+              <a:effectLst/>
+              <a:latin typeface="Consolas" panose="020B0609020204030204" pitchFamily="49" charset="0"/>
+            </a:endParaRPr>
+          </a:p>
+        </p:txBody>
+      </p:sp>
     </p:spTree>
     <p:extLst>
       <p:ext uri="{BB962C8B-B14F-4D97-AF65-F5344CB8AC3E}">
@@ -12138,6 +12651,268 @@
   <p:clrMapOvr>
     <a:masterClrMapping/>
   </p:clrMapOvr>
+  <p:timing>
+    <p:tnLst>
+      <p:par>
+        <p:cTn id="1" dur="indefinite" restart="never" nodeType="tmRoot">
+          <p:childTnLst>
+            <p:seq concurrent="1" nextAc="seek">
+              <p:cTn id="2" dur="indefinite" nodeType="mainSeq">
+                <p:childTnLst>
+                  <p:par>
+                    <p:cTn id="3" fill="hold">
+                      <p:stCondLst>
+                        <p:cond delay="indefinite"/>
+                      </p:stCondLst>
+                      <p:childTnLst>
+                        <p:par>
+                          <p:cTn id="4" fill="hold">
+                            <p:stCondLst>
+                              <p:cond delay="0"/>
+                            </p:stCondLst>
+                            <p:childTnLst>
+                              <p:par>
+                                <p:cTn id="5" presetID="1" presetClass="entr" presetSubtype="0" fill="hold" grpId="0" nodeType="clickEffect">
+                                  <p:stCondLst>
+                                    <p:cond delay="0"/>
+                                  </p:stCondLst>
+                                  <p:childTnLst>
+                                    <p:set>
+                                      <p:cBhvr>
+                                        <p:cTn id="6" dur="1" fill="hold">
+                                          <p:stCondLst>
+                                            <p:cond delay="0"/>
+                                          </p:stCondLst>
+                                        </p:cTn>
+                                        <p:tgtEl>
+                                          <p:spTgt spid="4"/>
+                                        </p:tgtEl>
+                                        <p:attrNameLst>
+                                          <p:attrName>style.visibility</p:attrName>
+                                        </p:attrNameLst>
+                                      </p:cBhvr>
+                                      <p:to>
+                                        <p:strVal val="visible"/>
+                                      </p:to>
+                                    </p:set>
+                                  </p:childTnLst>
+                                </p:cTn>
+                              </p:par>
+                            </p:childTnLst>
+                          </p:cTn>
+                        </p:par>
+                      </p:childTnLst>
+                    </p:cTn>
+                  </p:par>
+                  <p:par>
+                    <p:cTn id="7" fill="hold">
+                      <p:stCondLst>
+                        <p:cond delay="indefinite"/>
+                      </p:stCondLst>
+                      <p:childTnLst>
+                        <p:par>
+                          <p:cTn id="8" fill="hold">
+                            <p:stCondLst>
+                              <p:cond delay="0"/>
+                            </p:stCondLst>
+                            <p:childTnLst>
+                              <p:par>
+                                <p:cTn id="9" presetID="1" presetClass="entr" presetSubtype="0" fill="hold" grpId="0" nodeType="clickEffect">
+                                  <p:stCondLst>
+                                    <p:cond delay="0"/>
+                                  </p:stCondLst>
+                                  <p:childTnLst>
+                                    <p:set>
+                                      <p:cBhvr>
+                                        <p:cTn id="10" dur="1" fill="hold">
+                                          <p:stCondLst>
+                                            <p:cond delay="0"/>
+                                          </p:stCondLst>
+                                        </p:cTn>
+                                        <p:tgtEl>
+                                          <p:spTgt spid="7"/>
+                                        </p:tgtEl>
+                                        <p:attrNameLst>
+                                          <p:attrName>style.visibility</p:attrName>
+                                        </p:attrNameLst>
+                                      </p:cBhvr>
+                                      <p:to>
+                                        <p:strVal val="visible"/>
+                                      </p:to>
+                                    </p:set>
+                                  </p:childTnLst>
+                                </p:cTn>
+                              </p:par>
+                            </p:childTnLst>
+                          </p:cTn>
+                        </p:par>
+                      </p:childTnLst>
+                    </p:cTn>
+                  </p:par>
+                  <p:par>
+                    <p:cTn id="11" fill="hold">
+                      <p:stCondLst>
+                        <p:cond delay="indefinite"/>
+                      </p:stCondLst>
+                      <p:childTnLst>
+                        <p:par>
+                          <p:cTn id="12" fill="hold">
+                            <p:stCondLst>
+                              <p:cond delay="0"/>
+                            </p:stCondLst>
+                            <p:childTnLst>
+                              <p:par>
+                                <p:cTn id="13" presetID="1" presetClass="entr" presetSubtype="0" fill="hold" grpId="0" nodeType="clickEffect">
+                                  <p:stCondLst>
+                                    <p:cond delay="0"/>
+                                  </p:stCondLst>
+                                  <p:childTnLst>
+                                    <p:set>
+                                      <p:cBhvr>
+                                        <p:cTn id="14" dur="1" fill="hold">
+                                          <p:stCondLst>
+                                            <p:cond delay="0"/>
+                                          </p:stCondLst>
+                                        </p:cTn>
+                                        <p:tgtEl>
+                                          <p:spTgt spid="8"/>
+                                        </p:tgtEl>
+                                        <p:attrNameLst>
+                                          <p:attrName>style.visibility</p:attrName>
+                                        </p:attrNameLst>
+                                      </p:cBhvr>
+                                      <p:to>
+                                        <p:strVal val="visible"/>
+                                      </p:to>
+                                    </p:set>
+                                  </p:childTnLst>
+                                </p:cTn>
+                              </p:par>
+                            </p:childTnLst>
+                          </p:cTn>
+                        </p:par>
+                      </p:childTnLst>
+                    </p:cTn>
+                  </p:par>
+                  <p:par>
+                    <p:cTn id="15" fill="hold">
+                      <p:stCondLst>
+                        <p:cond delay="indefinite"/>
+                      </p:stCondLst>
+                      <p:childTnLst>
+                        <p:par>
+                          <p:cTn id="16" fill="hold">
+                            <p:stCondLst>
+                              <p:cond delay="0"/>
+                            </p:stCondLst>
+                            <p:childTnLst>
+                              <p:par>
+                                <p:cTn id="17" presetID="1" presetClass="entr" presetSubtype="0" fill="hold" grpId="0" nodeType="clickEffect">
+                                  <p:stCondLst>
+                                    <p:cond delay="0"/>
+                                  </p:stCondLst>
+                                  <p:childTnLst>
+                                    <p:set>
+                                      <p:cBhvr>
+                                        <p:cTn id="18" dur="1" fill="hold">
+                                          <p:stCondLst>
+                                            <p:cond delay="0"/>
+                                          </p:stCondLst>
+                                        </p:cTn>
+                                        <p:tgtEl>
+                                          <p:spTgt spid="9"/>
+                                        </p:tgtEl>
+                                        <p:attrNameLst>
+                                          <p:attrName>style.visibility</p:attrName>
+                                        </p:attrNameLst>
+                                      </p:cBhvr>
+                                      <p:to>
+                                        <p:strVal val="visible"/>
+                                      </p:to>
+                                    </p:set>
+                                  </p:childTnLst>
+                                </p:cTn>
+                              </p:par>
+                            </p:childTnLst>
+                          </p:cTn>
+                        </p:par>
+                      </p:childTnLst>
+                    </p:cTn>
+                  </p:par>
+                  <p:par>
+                    <p:cTn id="19" fill="hold">
+                      <p:stCondLst>
+                        <p:cond delay="indefinite"/>
+                      </p:stCondLst>
+                      <p:childTnLst>
+                        <p:par>
+                          <p:cTn id="20" fill="hold">
+                            <p:stCondLst>
+                              <p:cond delay="0"/>
+                            </p:stCondLst>
+                            <p:childTnLst>
+                              <p:par>
+                                <p:cTn id="21" presetID="1" presetClass="entr" presetSubtype="0" fill="hold" grpId="0" nodeType="clickEffect">
+                                  <p:stCondLst>
+                                    <p:cond delay="0"/>
+                                  </p:stCondLst>
+                                  <p:childTnLst>
+                                    <p:set>
+                                      <p:cBhvr>
+                                        <p:cTn id="22" dur="1" fill="hold">
+                                          <p:stCondLst>
+                                            <p:cond delay="0"/>
+                                          </p:stCondLst>
+                                        </p:cTn>
+                                        <p:tgtEl>
+                                          <p:spTgt spid="10"/>
+                                        </p:tgtEl>
+                                        <p:attrNameLst>
+                                          <p:attrName>style.visibility</p:attrName>
+                                        </p:attrNameLst>
+                                      </p:cBhvr>
+                                      <p:to>
+                                        <p:strVal val="visible"/>
+                                      </p:to>
+                                    </p:set>
+                                  </p:childTnLst>
+                                </p:cTn>
+                              </p:par>
+                            </p:childTnLst>
+                          </p:cTn>
+                        </p:par>
+                      </p:childTnLst>
+                    </p:cTn>
+                  </p:par>
+                </p:childTnLst>
+              </p:cTn>
+              <p:prevCondLst>
+                <p:cond evt="onPrev" delay="0">
+                  <p:tgtEl>
+                    <p:sldTgt/>
+                  </p:tgtEl>
+                </p:cond>
+              </p:prevCondLst>
+              <p:nextCondLst>
+                <p:cond evt="onNext" delay="0">
+                  <p:tgtEl>
+                    <p:sldTgt/>
+                  </p:tgtEl>
+                </p:cond>
+              </p:nextCondLst>
+            </p:seq>
+          </p:childTnLst>
+        </p:cTn>
+      </p:par>
+    </p:tnLst>
+    <p:bldLst>
+      <p:bldP spid="4" grpId="0"/>
+      <p:bldP spid="7" grpId="0"/>
+      <p:bldP spid="8" grpId="0" animBg="1"/>
+      <p:bldP spid="9" grpId="0"/>
+      <p:bldP spid="10" grpId="0" animBg="1"/>
+    </p:bldLst>
+  </p:timing>
 </p:sld>
 </file>
 
@@ -12160,10 +12935,10 @@
       </p:grpSpPr>
       <p:sp>
         <p:nvSpPr>
-          <p:cNvPr id="2" name="Rectangle 1">
+          <p:cNvPr id="6" name="Rectangle 5">
             <a:extLst>
               <a:ext uri="{FF2B5EF4-FFF2-40B4-BE49-F238E27FC236}">
-                <a16:creationId xmlns:a16="http://schemas.microsoft.com/office/drawing/2014/main" id="{6D250C92-2EA1-C6B7-6226-C3A5CE87AFB6}"/>
+                <a16:creationId xmlns:a16="http://schemas.microsoft.com/office/drawing/2014/main" id="{0AD5EB5C-EB36-7CDD-ED05-37594AB89E21}"/>
               </a:ext>
             </a:extLst>
           </p:cNvPr>
@@ -12172,13 +12947,20 @@
         </p:nvSpPr>
         <p:spPr>
           <a:xfrm>
-            <a:off x="153888" y="50157"/>
-            <a:ext cx="6869060" cy="923330"/>
+            <a:off x="0" y="1115792"/>
+            <a:ext cx="5724196" cy="923330"/>
           </a:xfrm>
           <a:prstGeom prst="rect">
             <a:avLst/>
           </a:prstGeom>
-          <a:noFill/>
+          <a:solidFill>
+            <a:schemeClr val="accent2"/>
+          </a:solidFill>
+          <a:ln w="57150">
+            <a:solidFill>
+              <a:srgbClr val="00B050"/>
+            </a:solidFill>
+          </a:ln>
         </p:spPr>
         <p:txBody>
           <a:bodyPr wrap="none" lIns="91440" tIns="45720" rIns="91440" bIns="45720">
@@ -12198,7 +12980,7 @@
                   </a:outerShdw>
                 </a:effectLst>
               </a:rPr>
-              <a:t>React Component - 3</a:t>
+              <a:t>Main Component</a:t>
             </a:r>
             <a:endParaRPr lang="en-US" sz="5400" b="0" cap="none" spc="0" dirty="0">
               <a:ln w="0"/>
@@ -12218,10 +13000,10 @@
       </p:sp>
       <p:sp>
         <p:nvSpPr>
-          <p:cNvPr id="4" name="Rectangle 3">
+          <p:cNvPr id="2" name="Rectangle 1">
             <a:extLst>
               <a:ext uri="{FF2B5EF4-FFF2-40B4-BE49-F238E27FC236}">
-                <a16:creationId xmlns:a16="http://schemas.microsoft.com/office/drawing/2014/main" id="{B77B845A-CEB7-4127-05AC-FB932D2A1122}"/>
+                <a16:creationId xmlns:a16="http://schemas.microsoft.com/office/drawing/2014/main" id="{25A78340-DB85-299B-93C9-6429225B95A3}"/>
               </a:ext>
             </a:extLst>
           </p:cNvPr>
@@ -12230,75 +13012,8 @@
         </p:nvSpPr>
         <p:spPr>
           <a:xfrm>
-            <a:off x="283484" y="973487"/>
-            <a:ext cx="1710725" cy="584775"/>
-          </a:xfrm>
-          <a:prstGeom prst="rect">
-            <a:avLst/>
-          </a:prstGeom>
-          <a:solidFill>
-            <a:srgbClr val="FFC000"/>
-          </a:solidFill>
-          <a:ln w="38100">
-            <a:solidFill>
-              <a:schemeClr val="bg1">
-                <a:lumMod val="50000"/>
-              </a:schemeClr>
-            </a:solidFill>
-          </a:ln>
-        </p:spPr>
-        <p:txBody>
-          <a:bodyPr wrap="none" lIns="91440" tIns="45720" rIns="91440" bIns="45720">
-            <a:spAutoFit/>
-          </a:bodyPr>
-          <a:lstStyle/>
-          <a:p>
-            <a:pPr algn="ctr"/>
-            <a:r>
-              <a:rPr lang="en-US" sz="3200" dirty="0">
-                <a:ln w="0"/>
-                <a:effectLst>
-                  <a:outerShdw blurRad="38100" dist="19050" dir="2700000" algn="tl" rotWithShape="0">
-                    <a:schemeClr val="dk1">
-                      <a:alpha val="40000"/>
-                    </a:schemeClr>
-                  </a:outerShdw>
-                </a:effectLst>
-              </a:rPr>
-              <a:t>function</a:t>
-            </a:r>
-            <a:endParaRPr lang="en-US" sz="3200" b="0" cap="none" spc="0" dirty="0">
-              <a:ln w="0"/>
-              <a:solidFill>
-                <a:schemeClr val="tx1"/>
-              </a:solidFill>
-              <a:effectLst>
-                <a:outerShdw blurRad="38100" dist="19050" dir="2700000" algn="tl" rotWithShape="0">
-                  <a:schemeClr val="dk1">
-                    <a:alpha val="40000"/>
-                  </a:schemeClr>
-                </a:outerShdw>
-              </a:effectLst>
-            </a:endParaRPr>
-          </a:p>
-        </p:txBody>
-      </p:sp>
-      <p:sp>
-        <p:nvSpPr>
-          <p:cNvPr id="7" name="Rectangle 6">
-            <a:extLst>
-              <a:ext uri="{FF2B5EF4-FFF2-40B4-BE49-F238E27FC236}">
-                <a16:creationId xmlns:a16="http://schemas.microsoft.com/office/drawing/2014/main" id="{FCA23691-53A8-DBA6-1752-E27F8F6713D6}"/>
-              </a:ext>
-            </a:extLst>
-          </p:cNvPr>
-          <p:cNvSpPr/>
-          <p:nvPr/>
-        </p:nvSpPr>
-        <p:spPr>
-          <a:xfrm>
-            <a:off x="-105965" y="1537718"/>
-            <a:ext cx="7425726" cy="3416320"/>
+            <a:off x="-232997" y="0"/>
+            <a:ext cx="8005397" cy="923330"/>
           </a:xfrm>
           <a:prstGeom prst="rect">
             <a:avLst/>
@@ -12306,24 +13021,12 @@
           <a:noFill/>
         </p:spPr>
         <p:txBody>
-          <a:bodyPr wrap="square" lIns="91440" tIns="45720" rIns="91440" bIns="45720">
+          <a:bodyPr wrap="none" lIns="91440" tIns="45720" rIns="91440" bIns="45720">
             <a:spAutoFit/>
           </a:bodyPr>
           <a:lstStyle/>
           <a:p>
-            <a:r>
-              <a:rPr lang="en-US" sz="5400" dirty="0">
-                <a:ln w="0"/>
-                <a:effectLst>
-                  <a:outerShdw blurRad="38100" dist="19050" dir="2700000" algn="tl" rotWithShape="0">
-                    <a:schemeClr val="dk1">
-                      <a:alpha val="40000"/>
-                    </a:schemeClr>
-                  </a:outerShdw>
-                </a:effectLst>
-              </a:rPr>
-              <a:t>f</a:t>
-            </a:r>
+            <a:pPr algn="ctr"/>
             <a:r>
               <a:rPr lang="en-US" sz="5400" b="0" cap="none" spc="0" dirty="0">
                 <a:ln w="0"/>
@@ -12338,39 +13041,10 @@
                   </a:outerShdw>
                 </a:effectLst>
               </a:rPr>
-              <a:t>unction </a:t>
-            </a:r>
-            <a:r>
-              <a:rPr lang="en-US" sz="5400" b="0" cap="none" spc="0" dirty="0">
-                <a:ln w="0"/>
-                <a:solidFill>
-                  <a:srgbClr val="FF0000"/>
-                </a:solidFill>
-                <a:effectLst>
-                  <a:outerShdw blurRad="38100" dist="19050" dir="2700000" algn="tl" rotWithShape="0">
-                    <a:schemeClr val="dk1">
-                      <a:alpha val="40000"/>
-                    </a:schemeClr>
-                  </a:outerShdw>
-                </a:effectLst>
-              </a:rPr>
-              <a:t>A</a:t>
-            </a:r>
-            <a:r>
-              <a:rPr lang="en-US" sz="5400" b="0" cap="none" spc="0" dirty="0">
-                <a:ln w="0"/>
-                <a:effectLst>
-                  <a:outerShdw blurRad="38100" dist="19050" dir="2700000" algn="tl" rotWithShape="0">
-                    <a:schemeClr val="dk1">
-                      <a:alpha val="40000"/>
-                    </a:schemeClr>
-                  </a:outerShdw>
-                </a:effectLst>
-              </a:rPr>
-              <a:t>pp</a:t>
-            </a:r>
-            <a:r>
-              <a:rPr lang="en-US" sz="5400" b="0" cap="none" spc="0" dirty="0">
+              <a:t>Check Our Project - </a:t>
+            </a:r>
+            <a:r>
+              <a:rPr lang="en-US" sz="2400" b="0" cap="none" spc="0" dirty="0">
                 <a:ln w="0"/>
                 <a:solidFill>
                   <a:schemeClr val="tx1"/>
@@ -12383,25 +13057,8 @@
                   </a:outerShdw>
                 </a:effectLst>
               </a:rPr>
-              <a:t> ()</a:t>
-            </a:r>
-          </a:p>
-          <a:p>
-            <a:r>
-              <a:rPr lang="en-US" sz="5400" dirty="0">
-                <a:ln w="0"/>
-                <a:effectLst>
-                  <a:outerShdw blurRad="38100" dist="19050" dir="2700000" algn="tl" rotWithShape="0">
-                    <a:schemeClr val="dk1">
-                      <a:alpha val="40000"/>
-                    </a:schemeClr>
-                  </a:outerShdw>
-                </a:effectLst>
-              </a:rPr>
-              <a:t>{</a:t>
-            </a:r>
-          </a:p>
-          <a:p>
+              <a:t>Continue</a:t>
+            </a:r>
             <a:endParaRPr lang="en-US" sz="5400" b="0" cap="none" spc="0" dirty="0">
               <a:ln w="0"/>
               <a:solidFill>
@@ -12416,7 +13073,609 @@
               </a:effectLst>
             </a:endParaRPr>
           </a:p>
-          <a:p>
+        </p:txBody>
+      </p:sp>
+      <p:sp>
+        <p:nvSpPr>
+          <p:cNvPr id="11" name="TextBox 10">
+            <a:extLst>
+              <a:ext uri="{FF2B5EF4-FFF2-40B4-BE49-F238E27FC236}">
+                <a16:creationId xmlns:a16="http://schemas.microsoft.com/office/drawing/2014/main" id="{4E5D411E-4A23-79BD-517B-67B958019C65}"/>
+              </a:ext>
+            </a:extLst>
+          </p:cNvPr>
+          <p:cNvSpPr txBox="1"/>
+          <p:nvPr/>
+        </p:nvSpPr>
+        <p:spPr>
+          <a:xfrm>
+            <a:off x="0" y="6550952"/>
+            <a:ext cx="7551672" cy="707886"/>
+          </a:xfrm>
+          <a:prstGeom prst="rect">
+            <a:avLst/>
+          </a:prstGeom>
+          <a:noFill/>
+        </p:spPr>
+        <p:txBody>
+          <a:bodyPr wrap="square">
+            <a:spAutoFit/>
+          </a:bodyPr>
+          <a:lstStyle/>
+          <a:p>
+            <a:r>
+              <a:rPr lang="en-CA" sz="2000" dirty="0">
+                <a:effectLst/>
+                <a:latin typeface="MS Shell Dlg 2" panose="020B0604030504040204" pitchFamily="34" charset="0"/>
+              </a:rPr>
+              <a:t>Note that </a:t>
+            </a:r>
+            <a:r>
+              <a:rPr lang="en-CA" sz="2000" dirty="0" err="1">
+                <a:effectLst/>
+                <a:latin typeface="MS Shell Dlg 2" panose="020B0604030504040204" pitchFamily="34" charset="0"/>
+              </a:rPr>
+              <a:t>ReactDom</a:t>
+            </a:r>
+            <a:r>
+              <a:rPr lang="en-CA" sz="2000" dirty="0" err="1">
+                <a:latin typeface="MS Shell Dlg 2" panose="020B0604030504040204" pitchFamily="34" charset="0"/>
+              </a:rPr>
+              <a:t>.render</a:t>
+            </a:r>
+            <a:r>
+              <a:rPr lang="en-CA" sz="2000" dirty="0">
+                <a:latin typeface="MS Shell Dlg 2" panose="020B0604030504040204" pitchFamily="34" charset="0"/>
+              </a:rPr>
+              <a:t> is not supported in version 18 and browser is handling our code as if it is written in version 17.</a:t>
+            </a:r>
+            <a:endParaRPr lang="en-CA" sz="2000" dirty="0"/>
+          </a:p>
+        </p:txBody>
+      </p:sp>
+      <p:sp>
+        <p:nvSpPr>
+          <p:cNvPr id="12" name="TextBox 11">
+            <a:extLst>
+              <a:ext uri="{FF2B5EF4-FFF2-40B4-BE49-F238E27FC236}">
+                <a16:creationId xmlns:a16="http://schemas.microsoft.com/office/drawing/2014/main" id="{4CCFBF17-ECB7-8904-9014-8932280D5839}"/>
+              </a:ext>
+            </a:extLst>
+          </p:cNvPr>
+          <p:cNvSpPr txBox="1"/>
+          <p:nvPr/>
+        </p:nvSpPr>
+        <p:spPr>
+          <a:xfrm>
+            <a:off x="0" y="7394000"/>
+            <a:ext cx="7435121" cy="1015663"/>
+          </a:xfrm>
+          <a:prstGeom prst="rect">
+            <a:avLst/>
+          </a:prstGeom>
+          <a:noFill/>
+        </p:spPr>
+        <p:txBody>
+          <a:bodyPr wrap="square">
+            <a:spAutoFit/>
+          </a:bodyPr>
+          <a:lstStyle/>
+          <a:p>
+            <a:r>
+              <a:rPr lang="en-US" sz="2000" dirty="0">
+                <a:effectLst/>
+                <a:latin typeface="Segoe UI" panose="020B0502040204020203" pitchFamily="34" charset="0"/>
+              </a:rPr>
+              <a:t>You can use version 16.2 for react and </a:t>
+            </a:r>
+            <a:r>
+              <a:rPr lang="en-US" sz="2000" dirty="0" err="1">
+                <a:effectLst/>
+                <a:latin typeface="Segoe UI" panose="020B0502040204020203" pitchFamily="34" charset="0"/>
+              </a:rPr>
+              <a:t>reactDom</a:t>
+            </a:r>
+            <a:r>
+              <a:rPr lang="en-US" sz="2000" dirty="0">
+                <a:effectLst/>
+                <a:latin typeface="Segoe UI" panose="020B0502040204020203" pitchFamily="34" charset="0"/>
+              </a:rPr>
+              <a:t>, but you will need to stop server, run </a:t>
+            </a:r>
+            <a:r>
+              <a:rPr lang="en-US" sz="2000" dirty="0" err="1">
+                <a:effectLst/>
+                <a:latin typeface="Segoe UI" panose="020B0502040204020203" pitchFamily="34" charset="0"/>
+              </a:rPr>
+              <a:t>npm</a:t>
+            </a:r>
+            <a:r>
+              <a:rPr lang="en-US" sz="2000" dirty="0">
+                <a:effectLst/>
+                <a:latin typeface="Segoe UI" panose="020B0502040204020203" pitchFamily="34" charset="0"/>
+              </a:rPr>
+              <a:t> reinstall afterwards, and then </a:t>
+            </a:r>
+            <a:r>
+              <a:rPr lang="en-US" sz="2000" dirty="0" err="1">
+                <a:effectLst/>
+                <a:latin typeface="Segoe UI" panose="020B0502040204020203" pitchFamily="34" charset="0"/>
+              </a:rPr>
+              <a:t>npm</a:t>
+            </a:r>
+            <a:r>
+              <a:rPr lang="en-US" sz="2000" dirty="0">
+                <a:effectLst/>
+                <a:latin typeface="Segoe UI" panose="020B0502040204020203" pitchFamily="34" charset="0"/>
+              </a:rPr>
+              <a:t> start</a:t>
+            </a:r>
+            <a:endParaRPr lang="en-US" sz="2400" dirty="0">
+              <a:effectLst/>
+              <a:latin typeface="Arial" panose="020B0604020202020204" pitchFamily="34" charset="0"/>
+            </a:endParaRPr>
+          </a:p>
+        </p:txBody>
+      </p:sp>
+      <p:sp>
+        <p:nvSpPr>
+          <p:cNvPr id="14" name="TextBox 13">
+            <a:extLst>
+              <a:ext uri="{FF2B5EF4-FFF2-40B4-BE49-F238E27FC236}">
+                <a16:creationId xmlns:a16="http://schemas.microsoft.com/office/drawing/2014/main" id="{461C8056-33CD-1814-76BF-5333D542BEB6}"/>
+              </a:ext>
+            </a:extLst>
+          </p:cNvPr>
+          <p:cNvSpPr txBox="1"/>
+          <p:nvPr/>
+        </p:nvSpPr>
+        <p:spPr>
+          <a:xfrm>
+            <a:off x="1" y="8409663"/>
+            <a:ext cx="7772399" cy="1015663"/>
+          </a:xfrm>
+          <a:prstGeom prst="rect">
+            <a:avLst/>
+          </a:prstGeom>
+          <a:noFill/>
+        </p:spPr>
+        <p:txBody>
+          <a:bodyPr wrap="square">
+            <a:spAutoFit/>
+          </a:bodyPr>
+          <a:lstStyle/>
+          <a:p>
+            <a:r>
+              <a:rPr lang="en-US" sz="2000" dirty="0">
+                <a:effectLst/>
+                <a:latin typeface="Segoe UI" panose="020B0502040204020203" pitchFamily="34" charset="0"/>
+              </a:rPr>
+              <a:t>This is just for understanding how things are running, but we don't need to bother with this basic approach to create and render components</a:t>
+            </a:r>
+            <a:endParaRPr lang="en-US" sz="2400" dirty="0">
+              <a:effectLst/>
+              <a:latin typeface="Arial" panose="020B0604020202020204" pitchFamily="34" charset="0"/>
+            </a:endParaRPr>
+          </a:p>
+        </p:txBody>
+      </p:sp>
+      <p:pic>
+        <p:nvPicPr>
+          <p:cNvPr id="16" name="Picture 15">
+            <a:extLst>
+              <a:ext uri="{FF2B5EF4-FFF2-40B4-BE49-F238E27FC236}">
+                <a16:creationId xmlns:a16="http://schemas.microsoft.com/office/drawing/2014/main" id="{F2E43C02-EA1E-362A-9D40-F8F5C0CD95B3}"/>
+              </a:ext>
+            </a:extLst>
+          </p:cNvPr>
+          <p:cNvPicPr>
+            <a:picLocks noChangeAspect="1"/>
+          </p:cNvPicPr>
+          <p:nvPr/>
+        </p:nvPicPr>
+        <p:blipFill>
+          <a:blip r:embed="rId3"/>
+          <a:stretch>
+            <a:fillRect/>
+          </a:stretch>
+        </p:blipFill>
+        <p:spPr>
+          <a:xfrm>
+            <a:off x="0" y="2351244"/>
+            <a:ext cx="7884825" cy="3839694"/>
+          </a:xfrm>
+          <a:prstGeom prst="rect">
+            <a:avLst/>
+          </a:prstGeom>
+        </p:spPr>
+      </p:pic>
+      <p:sp>
+        <p:nvSpPr>
+          <p:cNvPr id="17" name="TextBox 16">
+            <a:extLst>
+              <a:ext uri="{FF2B5EF4-FFF2-40B4-BE49-F238E27FC236}">
+                <a16:creationId xmlns:a16="http://schemas.microsoft.com/office/drawing/2014/main" id="{23E7A8EE-5489-7853-1AF9-9574E73D5F19}"/>
+              </a:ext>
+            </a:extLst>
+          </p:cNvPr>
+          <p:cNvSpPr txBox="1"/>
+          <p:nvPr/>
+        </p:nvSpPr>
+        <p:spPr>
+          <a:xfrm>
+            <a:off x="0" y="9550568"/>
+            <a:ext cx="7435121" cy="400110"/>
+          </a:xfrm>
+          <a:prstGeom prst="rect">
+            <a:avLst/>
+          </a:prstGeom>
+          <a:noFill/>
+        </p:spPr>
+        <p:txBody>
+          <a:bodyPr wrap="square">
+            <a:spAutoFit/>
+          </a:bodyPr>
+          <a:lstStyle/>
+          <a:p>
+            <a:r>
+              <a:rPr lang="en-US" sz="2000" dirty="0">
+                <a:effectLst/>
+                <a:latin typeface="Segoe UI" panose="020B0502040204020203" pitchFamily="34" charset="0"/>
+              </a:rPr>
+              <a:t>So, it’s ok now to revert the index.js to its original code.</a:t>
+            </a:r>
+            <a:endParaRPr lang="en-US" sz="2400" dirty="0">
+              <a:effectLst/>
+              <a:latin typeface="Arial" panose="020B0604020202020204" pitchFamily="34" charset="0"/>
+            </a:endParaRPr>
+          </a:p>
+        </p:txBody>
+      </p:sp>
+    </p:spTree>
+    <p:extLst>
+      <p:ext uri="{BB962C8B-B14F-4D97-AF65-F5344CB8AC3E}">
+        <p14:creationId xmlns:p14="http://schemas.microsoft.com/office/powerpoint/2010/main" val="2488703524"/>
+      </p:ext>
+    </p:extLst>
+  </p:cSld>
+  <p:clrMapOvr>
+    <a:masterClrMapping/>
+  </p:clrMapOvr>
+  <p:timing>
+    <p:tnLst>
+      <p:par>
+        <p:cTn id="1" dur="indefinite" restart="never" nodeType="tmRoot">
+          <p:childTnLst>
+            <p:seq concurrent="1" nextAc="seek">
+              <p:cTn id="2" dur="indefinite" nodeType="mainSeq">
+                <p:childTnLst>
+                  <p:par>
+                    <p:cTn id="3" fill="hold">
+                      <p:stCondLst>
+                        <p:cond delay="indefinite"/>
+                      </p:stCondLst>
+                      <p:childTnLst>
+                        <p:par>
+                          <p:cTn id="4" fill="hold">
+                            <p:stCondLst>
+                              <p:cond delay="0"/>
+                            </p:stCondLst>
+                            <p:childTnLst>
+                              <p:par>
+                                <p:cTn id="5" presetID="1" presetClass="entr" presetSubtype="0" fill="hold" grpId="0" nodeType="clickEffect">
+                                  <p:stCondLst>
+                                    <p:cond delay="0"/>
+                                  </p:stCondLst>
+                                  <p:childTnLst>
+                                    <p:set>
+                                      <p:cBhvr>
+                                        <p:cTn id="6" dur="1" fill="hold">
+                                          <p:stCondLst>
+                                            <p:cond delay="0"/>
+                                          </p:stCondLst>
+                                        </p:cTn>
+                                        <p:tgtEl>
+                                          <p:spTgt spid="11"/>
+                                        </p:tgtEl>
+                                        <p:attrNameLst>
+                                          <p:attrName>style.visibility</p:attrName>
+                                        </p:attrNameLst>
+                                      </p:cBhvr>
+                                      <p:to>
+                                        <p:strVal val="visible"/>
+                                      </p:to>
+                                    </p:set>
+                                  </p:childTnLst>
+                                </p:cTn>
+                              </p:par>
+                            </p:childTnLst>
+                          </p:cTn>
+                        </p:par>
+                      </p:childTnLst>
+                    </p:cTn>
+                  </p:par>
+                  <p:par>
+                    <p:cTn id="7" fill="hold">
+                      <p:stCondLst>
+                        <p:cond delay="indefinite"/>
+                      </p:stCondLst>
+                      <p:childTnLst>
+                        <p:par>
+                          <p:cTn id="8" fill="hold">
+                            <p:stCondLst>
+                              <p:cond delay="0"/>
+                            </p:stCondLst>
+                            <p:childTnLst>
+                              <p:par>
+                                <p:cTn id="9" presetID="1" presetClass="entr" presetSubtype="0" fill="hold" grpId="0" nodeType="clickEffect">
+                                  <p:stCondLst>
+                                    <p:cond delay="0"/>
+                                  </p:stCondLst>
+                                  <p:childTnLst>
+                                    <p:set>
+                                      <p:cBhvr>
+                                        <p:cTn id="10" dur="1" fill="hold">
+                                          <p:stCondLst>
+                                            <p:cond delay="0"/>
+                                          </p:stCondLst>
+                                        </p:cTn>
+                                        <p:tgtEl>
+                                          <p:spTgt spid="12"/>
+                                        </p:tgtEl>
+                                        <p:attrNameLst>
+                                          <p:attrName>style.visibility</p:attrName>
+                                        </p:attrNameLst>
+                                      </p:cBhvr>
+                                      <p:to>
+                                        <p:strVal val="visible"/>
+                                      </p:to>
+                                    </p:set>
+                                  </p:childTnLst>
+                                </p:cTn>
+                              </p:par>
+                            </p:childTnLst>
+                          </p:cTn>
+                        </p:par>
+                      </p:childTnLst>
+                    </p:cTn>
+                  </p:par>
+                  <p:par>
+                    <p:cTn id="11" fill="hold">
+                      <p:stCondLst>
+                        <p:cond delay="indefinite"/>
+                      </p:stCondLst>
+                      <p:childTnLst>
+                        <p:par>
+                          <p:cTn id="12" fill="hold">
+                            <p:stCondLst>
+                              <p:cond delay="0"/>
+                            </p:stCondLst>
+                            <p:childTnLst>
+                              <p:par>
+                                <p:cTn id="13" presetID="1" presetClass="entr" presetSubtype="0" fill="hold" grpId="0" nodeType="clickEffect">
+                                  <p:stCondLst>
+                                    <p:cond delay="0"/>
+                                  </p:stCondLst>
+                                  <p:childTnLst>
+                                    <p:set>
+                                      <p:cBhvr>
+                                        <p:cTn id="14" dur="1" fill="hold">
+                                          <p:stCondLst>
+                                            <p:cond delay="0"/>
+                                          </p:stCondLst>
+                                        </p:cTn>
+                                        <p:tgtEl>
+                                          <p:spTgt spid="14"/>
+                                        </p:tgtEl>
+                                        <p:attrNameLst>
+                                          <p:attrName>style.visibility</p:attrName>
+                                        </p:attrNameLst>
+                                      </p:cBhvr>
+                                      <p:to>
+                                        <p:strVal val="visible"/>
+                                      </p:to>
+                                    </p:set>
+                                  </p:childTnLst>
+                                </p:cTn>
+                              </p:par>
+                            </p:childTnLst>
+                          </p:cTn>
+                        </p:par>
+                      </p:childTnLst>
+                    </p:cTn>
+                  </p:par>
+                  <p:par>
+                    <p:cTn id="15" fill="hold">
+                      <p:stCondLst>
+                        <p:cond delay="indefinite"/>
+                      </p:stCondLst>
+                      <p:childTnLst>
+                        <p:par>
+                          <p:cTn id="16" fill="hold">
+                            <p:stCondLst>
+                              <p:cond delay="0"/>
+                            </p:stCondLst>
+                            <p:childTnLst>
+                              <p:par>
+                                <p:cTn id="17" presetID="1" presetClass="entr" presetSubtype="0" fill="hold" grpId="0" nodeType="clickEffect">
+                                  <p:stCondLst>
+                                    <p:cond delay="0"/>
+                                  </p:stCondLst>
+                                  <p:childTnLst>
+                                    <p:set>
+                                      <p:cBhvr>
+                                        <p:cTn id="18" dur="1" fill="hold">
+                                          <p:stCondLst>
+                                            <p:cond delay="0"/>
+                                          </p:stCondLst>
+                                        </p:cTn>
+                                        <p:tgtEl>
+                                          <p:spTgt spid="17"/>
+                                        </p:tgtEl>
+                                        <p:attrNameLst>
+                                          <p:attrName>style.visibility</p:attrName>
+                                        </p:attrNameLst>
+                                      </p:cBhvr>
+                                      <p:to>
+                                        <p:strVal val="visible"/>
+                                      </p:to>
+                                    </p:set>
+                                  </p:childTnLst>
+                                </p:cTn>
+                              </p:par>
+                            </p:childTnLst>
+                          </p:cTn>
+                        </p:par>
+                      </p:childTnLst>
+                    </p:cTn>
+                  </p:par>
+                </p:childTnLst>
+              </p:cTn>
+              <p:prevCondLst>
+                <p:cond evt="onPrev" delay="0">
+                  <p:tgtEl>
+                    <p:sldTgt/>
+                  </p:tgtEl>
+                </p:cond>
+              </p:prevCondLst>
+              <p:nextCondLst>
+                <p:cond evt="onNext" delay="0">
+                  <p:tgtEl>
+                    <p:sldTgt/>
+                  </p:tgtEl>
+                </p:cond>
+              </p:nextCondLst>
+            </p:seq>
+          </p:childTnLst>
+        </p:cTn>
+      </p:par>
+    </p:tnLst>
+    <p:bldLst>
+      <p:bldP spid="11" grpId="0"/>
+      <p:bldP spid="12" grpId="0"/>
+      <p:bldP spid="14" grpId="0"/>
+      <p:bldP spid="17" grpId="0"/>
+    </p:bldLst>
+  </p:timing>
+  <p:extLst>
+    <p:ext uri="{6950BFC3-D8DA-4A85-94F7-54DA5524770B}">
+      <p188:commentRel xmlns:p188="http://schemas.microsoft.com/office/powerpoint/2018/8/main" r:id="rId2"/>
+    </p:ext>
+  </p:extLst>
+</p:sld>
+</file>
+
+<file path=ppt/slides/slide22.xml><?xml version="1.0" encoding="utf-8"?>
+<p:sld xmlns:a="http://schemas.openxmlformats.org/drawingml/2006/main" xmlns:r="http://schemas.openxmlformats.org/officeDocument/2006/relationships" xmlns:p="http://schemas.openxmlformats.org/presentationml/2006/main">
+  <p:cSld>
+    <p:spTree>
+      <p:nvGrpSpPr>
+        <p:cNvPr id="1" name=""/>
+        <p:cNvGrpSpPr/>
+        <p:nvPr/>
+      </p:nvGrpSpPr>
+      <p:grpSpPr>
+        <a:xfrm>
+          <a:off x="0" y="0"/>
+          <a:ext cx="0" cy="0"/>
+          <a:chOff x="0" y="0"/>
+          <a:chExt cx="0" cy="0"/>
+        </a:xfrm>
+      </p:grpSpPr>
+      <p:sp>
+        <p:nvSpPr>
+          <p:cNvPr id="6" name="Rectangle 5">
+            <a:extLst>
+              <a:ext uri="{FF2B5EF4-FFF2-40B4-BE49-F238E27FC236}">
+                <a16:creationId xmlns:a16="http://schemas.microsoft.com/office/drawing/2014/main" id="{0AD5EB5C-EB36-7CDD-ED05-37594AB89E21}"/>
+              </a:ext>
+            </a:extLst>
+          </p:cNvPr>
+          <p:cNvSpPr/>
+          <p:nvPr/>
+        </p:nvSpPr>
+        <p:spPr>
+          <a:xfrm>
+            <a:off x="3129690" y="3014230"/>
+            <a:ext cx="1366080" cy="923330"/>
+          </a:xfrm>
+          <a:prstGeom prst="rect">
+            <a:avLst/>
+          </a:prstGeom>
+          <a:solidFill>
+            <a:schemeClr val="accent2"/>
+          </a:solidFill>
+          <a:ln w="57150">
+            <a:solidFill>
+              <a:srgbClr val="00B050"/>
+            </a:solidFill>
+          </a:ln>
+        </p:spPr>
+        <p:txBody>
+          <a:bodyPr wrap="none" lIns="91440" tIns="45720" rIns="91440" bIns="45720">
+            <a:spAutoFit/>
+          </a:bodyPr>
+          <a:lstStyle/>
+          <a:p>
+            <a:pPr algn="ctr"/>
+            <a:r>
+              <a:rPr lang="en-US" sz="5400" dirty="0">
+                <a:ln w="0"/>
+                <a:effectLst>
+                  <a:outerShdw blurRad="38100" dist="19050" dir="2700000" algn="tl" rotWithShape="0">
+                    <a:schemeClr val="dk1">
+                      <a:alpha val="40000"/>
+                    </a:schemeClr>
+                  </a:outerShdw>
+                </a:effectLst>
+              </a:rPr>
+              <a:t>JSX</a:t>
+            </a:r>
+            <a:endParaRPr lang="en-US" sz="5400" b="0" cap="none" spc="0" dirty="0">
+              <a:ln w="0"/>
+              <a:solidFill>
+                <a:schemeClr val="tx1"/>
+              </a:solidFill>
+              <a:effectLst>
+                <a:outerShdw blurRad="38100" dist="19050" dir="2700000" algn="tl" rotWithShape="0">
+                  <a:schemeClr val="dk1">
+                    <a:alpha val="40000"/>
+                  </a:schemeClr>
+                </a:outerShdw>
+              </a:effectLst>
+            </a:endParaRPr>
+          </a:p>
+        </p:txBody>
+      </p:sp>
+      <p:sp>
+        <p:nvSpPr>
+          <p:cNvPr id="2" name="Rectangle 1">
+            <a:extLst>
+              <a:ext uri="{FF2B5EF4-FFF2-40B4-BE49-F238E27FC236}">
+                <a16:creationId xmlns:a16="http://schemas.microsoft.com/office/drawing/2014/main" id="{25A78340-DB85-299B-93C9-6429225B95A3}"/>
+              </a:ext>
+            </a:extLst>
+          </p:cNvPr>
+          <p:cNvSpPr/>
+          <p:nvPr/>
+        </p:nvSpPr>
+        <p:spPr>
+          <a:xfrm>
+            <a:off x="-232997" y="0"/>
+            <a:ext cx="8005397" cy="923330"/>
+          </a:xfrm>
+          <a:prstGeom prst="rect">
+            <a:avLst/>
+          </a:prstGeom>
+          <a:noFill/>
+        </p:spPr>
+        <p:txBody>
+          <a:bodyPr wrap="none" lIns="91440" tIns="45720" rIns="91440" bIns="45720">
+            <a:spAutoFit/>
+          </a:bodyPr>
+          <a:lstStyle/>
+          <a:p>
+            <a:pPr algn="ctr"/>
             <a:r>
               <a:rPr lang="en-US" sz="5400" b="0" cap="none" spc="0" dirty="0">
                 <a:ln w="0"/>
@@ -12431,171 +13690,10 @@
                   </a:outerShdw>
                 </a:effectLst>
               </a:rPr>
-              <a:t>}</a:t>
-            </a:r>
-          </a:p>
-        </p:txBody>
-      </p:sp>
-      <p:sp>
-        <p:nvSpPr>
-          <p:cNvPr id="10" name="TextBox 9">
-            <a:extLst>
-              <a:ext uri="{FF2B5EF4-FFF2-40B4-BE49-F238E27FC236}">
-                <a16:creationId xmlns:a16="http://schemas.microsoft.com/office/drawing/2014/main" id="{8DA0FEB7-FA8D-41E6-A0A7-661B61F3FA29}"/>
-              </a:ext>
-            </a:extLst>
-          </p:cNvPr>
-          <p:cNvSpPr txBox="1"/>
-          <p:nvPr/>
-        </p:nvSpPr>
-        <p:spPr>
-          <a:xfrm>
-            <a:off x="719384" y="5093103"/>
-            <a:ext cx="1102097" cy="369332"/>
-          </a:xfrm>
-          <a:prstGeom prst="rect">
-            <a:avLst/>
-          </a:prstGeom>
-          <a:noFill/>
-        </p:spPr>
-        <p:txBody>
-          <a:bodyPr wrap="none" rtlCol="0">
-            <a:spAutoFit/>
-          </a:bodyPr>
-          <a:lstStyle/>
-          <a:p>
-            <a:r>
-              <a:rPr lang="en-CA" b="1" dirty="0"/>
-              <a:t>Type</a:t>
-            </a:r>
-            <a:r>
-              <a:rPr lang="en-CA" dirty="0"/>
-              <a:t>: h1</a:t>
-            </a:r>
-          </a:p>
-        </p:txBody>
-      </p:sp>
-      <p:sp>
-        <p:nvSpPr>
-          <p:cNvPr id="11" name="TextBox 10">
-            <a:extLst>
-              <a:ext uri="{FF2B5EF4-FFF2-40B4-BE49-F238E27FC236}">
-                <a16:creationId xmlns:a16="http://schemas.microsoft.com/office/drawing/2014/main" id="{782BD65F-5D8B-C2C8-6C16-983774598383}"/>
-              </a:ext>
-            </a:extLst>
-          </p:cNvPr>
-          <p:cNvSpPr txBox="1"/>
-          <p:nvPr/>
-        </p:nvSpPr>
-        <p:spPr>
-          <a:xfrm>
-            <a:off x="719384" y="5506258"/>
-            <a:ext cx="1565878" cy="369332"/>
-          </a:xfrm>
-          <a:prstGeom prst="rect">
-            <a:avLst/>
-          </a:prstGeom>
-          <a:noFill/>
-        </p:spPr>
-        <p:txBody>
-          <a:bodyPr wrap="none" rtlCol="0">
-            <a:spAutoFit/>
-          </a:bodyPr>
-          <a:lstStyle/>
-          <a:p>
-            <a:r>
-              <a:rPr lang="en-CA" b="1" dirty="0"/>
-              <a:t>{}:</a:t>
-            </a:r>
-            <a:r>
-              <a:rPr lang="en-CA" dirty="0"/>
-              <a:t> properties</a:t>
-            </a:r>
-          </a:p>
-        </p:txBody>
-      </p:sp>
-      <p:sp>
-        <p:nvSpPr>
-          <p:cNvPr id="12" name="TextBox 11">
-            <a:extLst>
-              <a:ext uri="{FF2B5EF4-FFF2-40B4-BE49-F238E27FC236}">
-                <a16:creationId xmlns:a16="http://schemas.microsoft.com/office/drawing/2014/main" id="{0D381D99-34FE-04B5-8932-38A6BA2181B6}"/>
-              </a:ext>
-            </a:extLst>
-          </p:cNvPr>
-          <p:cNvSpPr txBox="1"/>
-          <p:nvPr/>
-        </p:nvSpPr>
-        <p:spPr>
-          <a:xfrm>
-            <a:off x="719384" y="5919413"/>
-            <a:ext cx="4680640" cy="369332"/>
-          </a:xfrm>
-          <a:prstGeom prst="rect">
-            <a:avLst/>
-          </a:prstGeom>
-          <a:noFill/>
-        </p:spPr>
-        <p:txBody>
-          <a:bodyPr wrap="none" rtlCol="0">
-            <a:spAutoFit/>
-          </a:bodyPr>
-          <a:lstStyle/>
-          <a:p>
-            <a:r>
-              <a:rPr lang="en-CA" b="1" dirty="0"/>
-              <a:t>My Tracker</a:t>
-            </a:r>
-            <a:r>
-              <a:rPr lang="en-CA" dirty="0"/>
-              <a:t>: Children: Text, other elements</a:t>
-            </a:r>
-          </a:p>
-        </p:txBody>
-      </p:sp>
-      <p:sp>
-        <p:nvSpPr>
-          <p:cNvPr id="15" name="Rectangle 14">
-            <a:extLst>
-              <a:ext uri="{FF2B5EF4-FFF2-40B4-BE49-F238E27FC236}">
-                <a16:creationId xmlns:a16="http://schemas.microsoft.com/office/drawing/2014/main" id="{063A8886-2A7F-4D8B-B50D-D1803446C311}"/>
-              </a:ext>
-            </a:extLst>
-          </p:cNvPr>
-          <p:cNvSpPr/>
-          <p:nvPr/>
-        </p:nvSpPr>
-        <p:spPr>
-          <a:xfrm>
-            <a:off x="-55579" y="6933431"/>
-            <a:ext cx="7626448" cy="2831544"/>
-          </a:xfrm>
-          <a:prstGeom prst="rect">
-            <a:avLst/>
-          </a:prstGeom>
-          <a:noFill/>
-        </p:spPr>
-        <p:txBody>
-          <a:bodyPr wrap="square" lIns="91440" tIns="45720" rIns="91440" bIns="45720">
-            <a:spAutoFit/>
-          </a:bodyPr>
-          <a:lstStyle/>
-          <a:p>
-            <a:r>
-              <a:rPr lang="en-US" sz="5400" dirty="0">
-                <a:ln w="0"/>
-                <a:effectLst>
-                  <a:outerShdw blurRad="38100" dist="19050" dir="2700000" algn="tl" rotWithShape="0">
-                    <a:schemeClr val="dk1">
-                      <a:alpha val="40000"/>
-                    </a:schemeClr>
-                  </a:outerShdw>
-                </a:effectLst>
-              </a:rPr>
-              <a:t>f</a:t>
-            </a:r>
-            <a:r>
-              <a:rPr lang="en-US" sz="5400" b="0" cap="none" spc="0" dirty="0">
+              <a:t>Check Our Project - </a:t>
+            </a:r>
+            <a:r>
+              <a:rPr lang="en-US" sz="2400" b="0" cap="none" spc="0" dirty="0">
                 <a:ln w="0"/>
                 <a:solidFill>
                   <a:schemeClr val="tx1"/>
@@ -12608,104 +13706,30 @@
                   </a:outerShdw>
                 </a:effectLst>
               </a:rPr>
-              <a:t>unction </a:t>
-            </a:r>
-            <a:r>
-              <a:rPr lang="en-US" sz="5400" b="0" cap="none" spc="0" dirty="0">
-                <a:ln w="0"/>
-                <a:solidFill>
-                  <a:srgbClr val="FF0000"/>
-                </a:solidFill>
-                <a:effectLst>
-                  <a:outerShdw blurRad="38100" dist="19050" dir="2700000" algn="tl" rotWithShape="0">
-                    <a:schemeClr val="dk1">
-                      <a:alpha val="40000"/>
-                    </a:schemeClr>
-                  </a:outerShdw>
-                </a:effectLst>
-              </a:rPr>
-              <a:t>A</a:t>
-            </a:r>
-            <a:r>
-              <a:rPr lang="en-US" sz="5400" b="0" cap="none" spc="0" dirty="0">
-                <a:ln w="0"/>
-                <a:effectLst>
-                  <a:outerShdw blurRad="38100" dist="19050" dir="2700000" algn="tl" rotWithShape="0">
-                    <a:schemeClr val="dk1">
-                      <a:alpha val="40000"/>
-                    </a:schemeClr>
-                  </a:outerShdw>
-                </a:effectLst>
-              </a:rPr>
-              <a:t>pp</a:t>
-            </a:r>
-            <a:r>
-              <a:rPr lang="en-US" sz="5400" b="0" cap="none" spc="0" dirty="0">
-                <a:ln w="0"/>
-                <a:solidFill>
-                  <a:schemeClr val="tx1"/>
-                </a:solidFill>
-                <a:effectLst>
-                  <a:outerShdw blurRad="38100" dist="19050" dir="2700000" algn="tl" rotWithShape="0">
-                    <a:schemeClr val="dk1">
-                      <a:alpha val="40000"/>
-                    </a:schemeClr>
-                  </a:outerShdw>
-                </a:effectLst>
-              </a:rPr>
-              <a:t> ()</a:t>
-            </a:r>
-          </a:p>
-          <a:p>
-            <a:r>
-              <a:rPr lang="en-US" sz="5400" dirty="0">
-                <a:ln w="0"/>
-                <a:effectLst>
-                  <a:outerShdw blurRad="38100" dist="19050" dir="2700000" algn="tl" rotWithShape="0">
-                    <a:schemeClr val="dk1">
-                      <a:alpha val="40000"/>
-                    </a:schemeClr>
-                  </a:outerShdw>
-                </a:effectLst>
-              </a:rPr>
-              <a:t>{</a:t>
-            </a:r>
-          </a:p>
-          <a:p>
-            <a:endParaRPr lang="en-US" sz="1600" b="0" dirty="0">
+              <a:t>Continue</a:t>
+            </a:r>
+            <a:endParaRPr lang="en-US" sz="5400" b="0" cap="none" spc="0" dirty="0">
+              <a:ln w="0"/>
               <a:solidFill>
-                <a:srgbClr val="569CD6"/>
+                <a:schemeClr val="tx1"/>
               </a:solidFill>
-              <a:effectLst/>
-              <a:latin typeface="Consolas" panose="020B0609020204030204" pitchFamily="49" charset="0"/>
+              <a:effectLst>
+                <a:outerShdw blurRad="38100" dist="19050" dir="2700000" algn="tl" rotWithShape="0">
+                  <a:schemeClr val="dk1">
+                    <a:alpha val="40000"/>
+                  </a:schemeClr>
+                </a:outerShdw>
+              </a:effectLst>
             </a:endParaRPr>
-          </a:p>
-          <a:p>
-            <a:r>
-              <a:rPr lang="en-US" sz="5400" b="0" cap="none" spc="0" dirty="0">
-                <a:ln w="0"/>
-                <a:solidFill>
-                  <a:schemeClr val="tx1"/>
-                </a:solidFill>
-                <a:effectLst>
-                  <a:outerShdw blurRad="38100" dist="19050" dir="2700000" algn="tl" rotWithShape="0">
-                    <a:schemeClr val="dk1">
-                      <a:alpha val="40000"/>
-                    </a:schemeClr>
-                  </a:outerShdw>
-                </a:effectLst>
-              </a:rPr>
-              <a:t>}</a:t>
-            </a:r>
           </a:p>
         </p:txBody>
       </p:sp>
       <p:sp>
         <p:nvSpPr>
-          <p:cNvPr id="16" name="TextBox 15">
+          <p:cNvPr id="11" name="TextBox 10">
             <a:extLst>
               <a:ext uri="{FF2B5EF4-FFF2-40B4-BE49-F238E27FC236}">
-                <a16:creationId xmlns:a16="http://schemas.microsoft.com/office/drawing/2014/main" id="{12178C9B-A1B6-A228-998D-592CA8955208}"/>
+                <a16:creationId xmlns:a16="http://schemas.microsoft.com/office/drawing/2014/main" id="{4E5D411E-4A23-79BD-517B-67B958019C65}"/>
               </a:ext>
             </a:extLst>
           </p:cNvPr>
@@ -12714,303 +13738,8 @@
         </p:nvSpPr>
         <p:spPr>
           <a:xfrm>
-            <a:off x="450713" y="3439920"/>
-            <a:ext cx="5542095" cy="400110"/>
-          </a:xfrm>
-          <a:prstGeom prst="rect">
-            <a:avLst/>
-          </a:prstGeom>
-          <a:noFill/>
-        </p:spPr>
-        <p:txBody>
-          <a:bodyPr wrap="none" rtlCol="0">
-            <a:spAutoFit/>
-          </a:bodyPr>
-          <a:lstStyle/>
-          <a:p>
-            <a:r>
-              <a:rPr lang="en-US" sz="2000" dirty="0">
-                <a:ln w="0"/>
-                <a:effectLst>
-                  <a:outerShdw blurRad="38100" dist="19050" dir="2700000" algn="tl" rotWithShape="0">
-                    <a:schemeClr val="dk1">
-                      <a:alpha val="40000"/>
-                    </a:schemeClr>
-                  </a:outerShdw>
-                </a:effectLst>
-              </a:rPr>
-              <a:t> </a:t>
-            </a:r>
-            <a:r>
-              <a:rPr lang="en-US" sz="1800" dirty="0">
-                <a:ln w="0"/>
-                <a:effectLst>
-                  <a:outerShdw blurRad="38100" dist="19050" dir="2700000" algn="tl" rotWithShape="0">
-                    <a:schemeClr val="dk1">
-                      <a:alpha val="40000"/>
-                    </a:schemeClr>
-                  </a:outerShdw>
-                </a:effectLst>
-              </a:rPr>
-              <a:t>return </a:t>
-            </a:r>
-            <a:r>
-              <a:rPr lang="en-US" sz="1800" dirty="0" err="1">
-                <a:ln w="0"/>
-                <a:effectLst>
-                  <a:outerShdw blurRad="38100" dist="19050" dir="2700000" algn="tl" rotWithShape="0">
-                    <a:schemeClr val="dk1">
-                      <a:alpha val="40000"/>
-                    </a:schemeClr>
-                  </a:outerShdw>
-                </a:effectLst>
-              </a:rPr>
-              <a:t>React.createElement</a:t>
-            </a:r>
-            <a:r>
-              <a:rPr lang="en-US" sz="1800" dirty="0">
-                <a:ln w="0"/>
-                <a:effectLst>
-                  <a:outerShdw blurRad="38100" dist="19050" dir="2700000" algn="tl" rotWithShape="0">
-                    <a:schemeClr val="dk1">
-                      <a:alpha val="40000"/>
-                    </a:schemeClr>
-                  </a:outerShdw>
-                </a:effectLst>
-              </a:rPr>
-              <a:t> (“h1” , {}, “My Tracker”);</a:t>
-            </a:r>
-            <a:endParaRPr lang="en-CA" dirty="0"/>
-          </a:p>
-        </p:txBody>
-      </p:sp>
-      <p:sp>
-        <p:nvSpPr>
-          <p:cNvPr id="17" name="TextBox 16">
-            <a:extLst>
-              <a:ext uri="{FF2B5EF4-FFF2-40B4-BE49-F238E27FC236}">
-                <a16:creationId xmlns:a16="http://schemas.microsoft.com/office/drawing/2014/main" id="{41977032-DF6E-2BA5-CD27-1CC2211FA34E}"/>
-              </a:ext>
-            </a:extLst>
-          </p:cNvPr>
-          <p:cNvSpPr txBox="1"/>
-          <p:nvPr/>
-        </p:nvSpPr>
-        <p:spPr>
-          <a:xfrm>
-            <a:off x="153888" y="3889998"/>
-            <a:ext cx="7605223" cy="307777"/>
-          </a:xfrm>
-          <a:prstGeom prst="rect">
-            <a:avLst/>
-          </a:prstGeom>
-          <a:noFill/>
-        </p:spPr>
-        <p:txBody>
-          <a:bodyPr wrap="square" rtlCol="0">
-            <a:spAutoFit/>
-          </a:bodyPr>
-          <a:lstStyle/>
-          <a:p>
-            <a:r>
-              <a:rPr lang="en-US" sz="1400" dirty="0">
-                <a:ln w="0"/>
-                <a:effectLst>
-                  <a:outerShdw blurRad="38100" dist="19050" dir="2700000" algn="tl" rotWithShape="0">
-                    <a:schemeClr val="dk1">
-                      <a:alpha val="40000"/>
-                    </a:schemeClr>
-                  </a:outerShdw>
-                </a:effectLst>
-              </a:rPr>
-              <a:t> </a:t>
-            </a:r>
-            <a:r>
-              <a:rPr lang="en-US" sz="1200" dirty="0">
-                <a:ln w="0"/>
-                <a:effectLst>
-                  <a:outerShdw blurRad="38100" dist="19050" dir="2700000" algn="tl" rotWithShape="0">
-                    <a:schemeClr val="dk1">
-                      <a:alpha val="40000"/>
-                    </a:schemeClr>
-                  </a:outerShdw>
-                </a:effectLst>
-              </a:rPr>
-              <a:t>return </a:t>
-            </a:r>
-            <a:r>
-              <a:rPr lang="en-US" sz="1200" dirty="0" err="1">
-                <a:ln w="0"/>
-                <a:effectLst>
-                  <a:outerShdw blurRad="38100" dist="19050" dir="2700000" algn="tl" rotWithShape="0">
-                    <a:schemeClr val="dk1">
-                      <a:alpha val="40000"/>
-                    </a:schemeClr>
-                  </a:outerShdw>
-                </a:effectLst>
-              </a:rPr>
-              <a:t>React.createElement</a:t>
-            </a:r>
-            <a:r>
-              <a:rPr lang="en-US" sz="1200" dirty="0">
-                <a:ln w="0"/>
-                <a:effectLst>
-                  <a:outerShdw blurRad="38100" dist="19050" dir="2700000" algn="tl" rotWithShape="0">
-                    <a:schemeClr val="dk1">
-                      <a:alpha val="40000"/>
-                    </a:schemeClr>
-                  </a:outerShdw>
-                </a:effectLst>
-              </a:rPr>
-              <a:t> (“h1” , </a:t>
-            </a:r>
-            <a:r>
-              <a:rPr lang="en-US" sz="1200" b="1" dirty="0">
-                <a:highlight>
-                  <a:srgbClr val="00FFFF"/>
-                </a:highlight>
-              </a:rPr>
-              <a:t>{style:{"</a:t>
-            </a:r>
-            <a:r>
-              <a:rPr lang="en-US" sz="1200" b="1" dirty="0" err="1">
-                <a:highlight>
-                  <a:srgbClr val="00FFFF"/>
-                </a:highlight>
-              </a:rPr>
-              <a:t>color":"yellow</a:t>
-            </a:r>
-            <a:r>
-              <a:rPr lang="en-US" sz="1200" b="1" dirty="0">
-                <a:highlight>
-                  <a:srgbClr val="00FFFF"/>
-                </a:highlight>
-              </a:rPr>
-              <a:t>", "</a:t>
-            </a:r>
-            <a:r>
-              <a:rPr lang="en-US" sz="1200" b="1" dirty="0" err="1">
-                <a:highlight>
-                  <a:srgbClr val="00FFFF"/>
-                </a:highlight>
-              </a:rPr>
-              <a:t>background-color":"blue</a:t>
-            </a:r>
-            <a:r>
-              <a:rPr lang="en-US" sz="1200" b="1" dirty="0">
-                <a:highlight>
-                  <a:srgbClr val="00FFFF"/>
-                </a:highlight>
-              </a:rPr>
-              <a:t>"}}</a:t>
-            </a:r>
-            <a:r>
-              <a:rPr lang="en-US" sz="1200" b="1" dirty="0">
-                <a:ln w="0"/>
-                <a:effectLst>
-                  <a:outerShdw blurRad="38100" dist="19050" dir="2700000" algn="tl" rotWithShape="0">
-                    <a:schemeClr val="dk1">
-                      <a:alpha val="40000"/>
-                    </a:schemeClr>
-                  </a:outerShdw>
-                </a:effectLst>
-              </a:rPr>
-              <a:t>, </a:t>
-            </a:r>
-            <a:r>
-              <a:rPr lang="en-US" sz="1200" dirty="0">
-                <a:ln w="0"/>
-                <a:effectLst>
-                  <a:outerShdw blurRad="38100" dist="19050" dir="2700000" algn="tl" rotWithShape="0">
-                    <a:schemeClr val="dk1">
-                      <a:alpha val="40000"/>
-                    </a:schemeClr>
-                  </a:outerShdw>
-                </a:effectLst>
-              </a:rPr>
-              <a:t>“My Tracker”);</a:t>
-            </a:r>
-            <a:endParaRPr lang="en-CA" sz="1200" dirty="0"/>
-          </a:p>
-        </p:txBody>
-      </p:sp>
-      <p:sp>
-        <p:nvSpPr>
-          <p:cNvPr id="19" name="TextBox 18">
-            <a:extLst>
-              <a:ext uri="{FF2B5EF4-FFF2-40B4-BE49-F238E27FC236}">
-                <a16:creationId xmlns:a16="http://schemas.microsoft.com/office/drawing/2014/main" id="{5556E3D9-D4DB-97B7-A5AC-CEF4E20ABCEA}"/>
-              </a:ext>
-            </a:extLst>
-          </p:cNvPr>
-          <p:cNvSpPr txBox="1"/>
-          <p:nvPr/>
-        </p:nvSpPr>
-        <p:spPr>
-          <a:xfrm>
-            <a:off x="268140" y="8158902"/>
-            <a:ext cx="9005775" cy="646331"/>
-          </a:xfrm>
-          <a:prstGeom prst="rect">
-            <a:avLst/>
-          </a:prstGeom>
-          <a:noFill/>
-        </p:spPr>
-        <p:txBody>
-          <a:bodyPr wrap="square" rtlCol="0">
-            <a:spAutoFit/>
-          </a:bodyPr>
-          <a:lstStyle/>
-          <a:p>
-            <a:r>
-              <a:rPr lang="en-CA" dirty="0"/>
-              <a:t>  </a:t>
-            </a:r>
-            <a:r>
-              <a:rPr lang="en-CA" dirty="0">
-                <a:solidFill>
-                  <a:schemeClr val="accent6"/>
-                </a:solidFill>
-              </a:rPr>
-              <a:t>const</a:t>
-            </a:r>
-            <a:r>
-              <a:rPr lang="en-CA" dirty="0"/>
-              <a:t> </a:t>
-            </a:r>
-            <a:r>
-              <a:rPr lang="en-CA" dirty="0" err="1"/>
-              <a:t>ver</a:t>
-            </a:r>
-            <a:r>
-              <a:rPr lang="en-CA" dirty="0"/>
-              <a:t> = &lt;span style= </a:t>
-            </a:r>
-          </a:p>
-          <a:p>
-            <a:r>
-              <a:rPr lang="en-CA" dirty="0"/>
-              <a:t>{{'font-size': '0.3em',"color" :"red“ }}&gt;Version: 1.0&lt;/span&gt;;</a:t>
-            </a:r>
-          </a:p>
-        </p:txBody>
-      </p:sp>
-      <p:sp>
-        <p:nvSpPr>
-          <p:cNvPr id="21" name="TextBox 20">
-            <a:extLst>
-              <a:ext uri="{FF2B5EF4-FFF2-40B4-BE49-F238E27FC236}">
-                <a16:creationId xmlns:a16="http://schemas.microsoft.com/office/drawing/2014/main" id="{281EFC7F-1A68-2460-EB73-7ED7FAF960F4}"/>
-              </a:ext>
-            </a:extLst>
-          </p:cNvPr>
-          <p:cNvSpPr txBox="1"/>
-          <p:nvPr/>
-        </p:nvSpPr>
-        <p:spPr>
-          <a:xfrm>
-            <a:off x="210265" y="8805233"/>
-            <a:ext cx="7759111" cy="369332"/>
+            <a:off x="0" y="2315545"/>
+            <a:ext cx="2959374" cy="1938992"/>
           </a:xfrm>
           <a:prstGeom prst="rect">
             <a:avLst/>
@@ -13023,70 +13752,38 @@
           </a:bodyPr>
           <a:lstStyle/>
           <a:p>
-            <a:r>
-              <a:rPr lang="en-US" sz="1800" dirty="0">
-                <a:latin typeface="Consolas" panose="020B0609020204030204" pitchFamily="49" charset="0"/>
-              </a:rPr>
-              <a:t>return </a:t>
-            </a:r>
-            <a:r>
-              <a:rPr lang="en-US" sz="1800" dirty="0" err="1">
-                <a:latin typeface="Consolas" panose="020B0609020204030204" pitchFamily="49" charset="0"/>
+            <a:pPr algn="ctr"/>
+            <a:r>
+              <a:rPr lang="en-CA" sz="2000" dirty="0">
+                <a:effectLst/>
+                <a:latin typeface="MS Shell Dlg 2" panose="020B0604030504040204" pitchFamily="34" charset="0"/>
+              </a:rPr>
+              <a:t>JSX does the trick of simplifying the code to a format we are used to and to create the </a:t>
+            </a:r>
+            <a:r>
+              <a:rPr lang="en-CA" sz="2000" dirty="0" err="1">
+                <a:effectLst/>
+                <a:latin typeface="MS Shell Dlg 2" panose="020B0604030504040204" pitchFamily="34" charset="0"/>
               </a:rPr>
               <a:t>React.createElement</a:t>
             </a:r>
             <a:r>
-              <a:rPr lang="en-US" sz="1800" dirty="0">
-                <a:latin typeface="Consolas" panose="020B0609020204030204" pitchFamily="49" charset="0"/>
-              </a:rPr>
-              <a:t> (“</a:t>
-            </a:r>
-            <a:r>
-              <a:rPr lang="en-US" dirty="0">
-                <a:latin typeface="Consolas" panose="020B0609020204030204" pitchFamily="49" charset="0"/>
-              </a:rPr>
-              <a:t>h1”</a:t>
-            </a:r>
-            <a:r>
-              <a:rPr lang="en-US" sz="1800" dirty="0">
-                <a:latin typeface="Consolas" panose="020B0609020204030204" pitchFamily="49" charset="0"/>
-              </a:rPr>
-              <a:t> , {}, “</a:t>
-            </a:r>
-            <a:r>
-              <a:rPr lang="en-US" dirty="0">
-                <a:latin typeface="Consolas" panose="020B0609020204030204" pitchFamily="49" charset="0"/>
-              </a:rPr>
-              <a:t>My Tracker“</a:t>
-            </a:r>
-            <a:r>
-              <a:rPr lang="en-US" sz="1800" dirty="0">
-                <a:latin typeface="Consolas" panose="020B0609020204030204" pitchFamily="49" charset="0"/>
-              </a:rPr>
-              <a:t>, </a:t>
-            </a:r>
-            <a:r>
-              <a:rPr lang="en-US" sz="1800" dirty="0" err="1">
-                <a:latin typeface="Consolas" panose="020B0609020204030204" pitchFamily="49" charset="0"/>
-              </a:rPr>
-              <a:t>ver</a:t>
-            </a:r>
-            <a:r>
-              <a:rPr lang="en-US" sz="1800" dirty="0">
-                <a:latin typeface="Consolas" panose="020B0609020204030204" pitchFamily="49" charset="0"/>
-              </a:rPr>
-              <a:t>);</a:t>
-            </a:r>
-            <a:endParaRPr lang="en-CA" dirty="0"/>
+              <a:rPr lang="en-CA" sz="2000" dirty="0">
+                <a:effectLst/>
+                <a:latin typeface="MS Shell Dlg 2" panose="020B0604030504040204" pitchFamily="34" charset="0"/>
+              </a:rPr>
+              <a:t> behind under the hood.</a:t>
+            </a:r>
+            <a:endParaRPr lang="en-CA" sz="2000" dirty="0"/>
           </a:p>
         </p:txBody>
       </p:sp>
       <p:sp>
         <p:nvSpPr>
-          <p:cNvPr id="3" name="TextBox 2">
+          <p:cNvPr id="7" name="TextBox 6">
             <a:extLst>
               <a:ext uri="{FF2B5EF4-FFF2-40B4-BE49-F238E27FC236}">
-                <a16:creationId xmlns:a16="http://schemas.microsoft.com/office/drawing/2014/main" id="{5E77AC4C-721B-3FE5-7EF6-A661BE285E20}"/>
+                <a16:creationId xmlns:a16="http://schemas.microsoft.com/office/drawing/2014/main" id="{DACB883E-2DE3-33AB-43F8-47479A54FDB7}"/>
               </a:ext>
             </a:extLst>
           </p:cNvPr>
@@ -13095,8 +13792,234 @@
         </p:nvSpPr>
         <p:spPr>
           <a:xfrm>
-            <a:off x="716363" y="6318574"/>
-            <a:ext cx="3041282" cy="369332"/>
+            <a:off x="60085" y="1296272"/>
+            <a:ext cx="7551672" cy="646331"/>
+          </a:xfrm>
+          <a:prstGeom prst="rect">
+            <a:avLst/>
+          </a:prstGeom>
+          <a:noFill/>
+          <a:ln w="12700">
+            <a:solidFill>
+              <a:schemeClr val="tx1"/>
+            </a:solidFill>
+          </a:ln>
+        </p:spPr>
+        <p:txBody>
+          <a:bodyPr wrap="square">
+            <a:spAutoFit/>
+          </a:bodyPr>
+          <a:lstStyle/>
+          <a:p>
+            <a:r>
+              <a:rPr lang="en-US" b="0" dirty="0">
+                <a:effectLst/>
+                <a:latin typeface="Consolas" panose="020B0609020204030204" pitchFamily="49" charset="0"/>
+              </a:rPr>
+              <a:t>return </a:t>
+            </a:r>
+            <a:r>
+              <a:rPr lang="en-US" b="0" dirty="0" err="1">
+                <a:effectLst/>
+                <a:latin typeface="Consolas" panose="020B0609020204030204" pitchFamily="49" charset="0"/>
+              </a:rPr>
+              <a:t>React.createElement</a:t>
+            </a:r>
+            <a:r>
+              <a:rPr lang="en-US" b="0" dirty="0">
+                <a:effectLst/>
+                <a:latin typeface="Consolas" panose="020B0609020204030204" pitchFamily="49" charset="0"/>
+              </a:rPr>
+              <a:t>('h1', {</a:t>
+            </a:r>
+            <a:r>
+              <a:rPr lang="en-US" b="0" dirty="0" err="1">
+                <a:effectLst/>
+                <a:latin typeface="Consolas" panose="020B0609020204030204" pitchFamily="49" charset="0"/>
+              </a:rPr>
+              <a:t>className</a:t>
+            </a:r>
+            <a:r>
+              <a:rPr lang="en-US" b="0" dirty="0">
+                <a:effectLst/>
+                <a:latin typeface="Consolas" panose="020B0609020204030204" pitchFamily="49" charset="0"/>
+              </a:rPr>
+              <a:t>:'header'},'A Simple React Example');</a:t>
+            </a:r>
+          </a:p>
+        </p:txBody>
+      </p:sp>
+      <p:sp>
+        <p:nvSpPr>
+          <p:cNvPr id="8" name="Arrow: Down 7">
+            <a:extLst>
+              <a:ext uri="{FF2B5EF4-FFF2-40B4-BE49-F238E27FC236}">
+                <a16:creationId xmlns:a16="http://schemas.microsoft.com/office/drawing/2014/main" id="{880F50E8-136A-6A3C-789A-318E8DB37AEC}"/>
+              </a:ext>
+            </a:extLst>
+          </p:cNvPr>
+          <p:cNvSpPr/>
+          <p:nvPr/>
+        </p:nvSpPr>
+        <p:spPr>
+          <a:xfrm>
+            <a:off x="3181167" y="2008004"/>
+            <a:ext cx="1072783" cy="940851"/>
+          </a:xfrm>
+          <a:prstGeom prst="downArrow">
+            <a:avLst/>
+          </a:prstGeom>
+        </p:spPr>
+        <p:style>
+          <a:lnRef idx="2">
+            <a:schemeClr val="accent1">
+              <a:shade val="50000"/>
+            </a:schemeClr>
+          </a:lnRef>
+          <a:fillRef idx="1">
+            <a:schemeClr val="accent1"/>
+          </a:fillRef>
+          <a:effectRef idx="0">
+            <a:schemeClr val="accent1"/>
+          </a:effectRef>
+          <a:fontRef idx="minor">
+            <a:schemeClr val="lt1"/>
+          </a:fontRef>
+        </p:style>
+        <p:txBody>
+          <a:bodyPr rtlCol="0" anchor="ctr"/>
+          <a:lstStyle/>
+          <a:p>
+            <a:pPr algn="ctr"/>
+            <a:endParaRPr lang="en-CA"/>
+          </a:p>
+        </p:txBody>
+      </p:sp>
+      <p:sp>
+        <p:nvSpPr>
+          <p:cNvPr id="9" name="TextBox 8">
+            <a:extLst>
+              <a:ext uri="{FF2B5EF4-FFF2-40B4-BE49-F238E27FC236}">
+                <a16:creationId xmlns:a16="http://schemas.microsoft.com/office/drawing/2014/main" id="{4BD9859D-95B2-61B1-0AFD-A63585B39BA9}"/>
+              </a:ext>
+            </a:extLst>
+          </p:cNvPr>
+          <p:cNvSpPr txBox="1"/>
+          <p:nvPr/>
+        </p:nvSpPr>
+        <p:spPr>
+          <a:xfrm>
+            <a:off x="60085" y="4914656"/>
+            <a:ext cx="7551672" cy="646331"/>
+          </a:xfrm>
+          <a:prstGeom prst="rect">
+            <a:avLst/>
+          </a:prstGeom>
+          <a:noFill/>
+          <a:ln w="12700">
+            <a:solidFill>
+              <a:schemeClr val="tx1"/>
+            </a:solidFill>
+          </a:ln>
+        </p:spPr>
+        <p:txBody>
+          <a:bodyPr wrap="square">
+            <a:spAutoFit/>
+          </a:bodyPr>
+          <a:lstStyle/>
+          <a:p>
+            <a:r>
+              <a:rPr lang="en-US" b="0" dirty="0">
+                <a:effectLst/>
+                <a:latin typeface="Consolas" panose="020B0609020204030204" pitchFamily="49" charset="0"/>
+              </a:rPr>
+              <a:t>return (&lt;h1 </a:t>
+            </a:r>
+            <a:r>
+              <a:rPr lang="en-US" b="0" dirty="0" err="1">
+                <a:effectLst/>
+                <a:latin typeface="Consolas" panose="020B0609020204030204" pitchFamily="49" charset="0"/>
+              </a:rPr>
+              <a:t>className</a:t>
+            </a:r>
+            <a:r>
+              <a:rPr lang="en-US" dirty="0">
+                <a:latin typeface="Consolas" panose="020B0609020204030204" pitchFamily="49" charset="0"/>
+              </a:rPr>
+              <a:t>='header'&gt;</a:t>
+            </a:r>
+            <a:r>
+              <a:rPr lang="en-US" b="0" dirty="0">
+                <a:effectLst/>
+                <a:latin typeface="Consolas" panose="020B0609020204030204" pitchFamily="49" charset="0"/>
+              </a:rPr>
+              <a:t>A Simple React Example&lt;/h1&gt;);</a:t>
+            </a:r>
+          </a:p>
+        </p:txBody>
+      </p:sp>
+      <p:sp>
+        <p:nvSpPr>
+          <p:cNvPr id="10" name="Arrow: Down 9">
+            <a:extLst>
+              <a:ext uri="{FF2B5EF4-FFF2-40B4-BE49-F238E27FC236}">
+                <a16:creationId xmlns:a16="http://schemas.microsoft.com/office/drawing/2014/main" id="{468C37B2-AAFF-EF8A-0304-63D4E6A5F84B}"/>
+              </a:ext>
+            </a:extLst>
+          </p:cNvPr>
+          <p:cNvSpPr/>
+          <p:nvPr/>
+        </p:nvSpPr>
+        <p:spPr>
+          <a:xfrm>
+            <a:off x="3233309" y="3966978"/>
+            <a:ext cx="1072783" cy="940851"/>
+          </a:xfrm>
+          <a:prstGeom prst="downArrow">
+            <a:avLst/>
+          </a:prstGeom>
+        </p:spPr>
+        <p:style>
+          <a:lnRef idx="2">
+            <a:schemeClr val="accent1">
+              <a:shade val="50000"/>
+            </a:schemeClr>
+          </a:lnRef>
+          <a:fillRef idx="1">
+            <a:schemeClr val="accent1"/>
+          </a:fillRef>
+          <a:effectRef idx="0">
+            <a:schemeClr val="accent1"/>
+          </a:effectRef>
+          <a:fontRef idx="minor">
+            <a:schemeClr val="lt1"/>
+          </a:fontRef>
+        </p:style>
+        <p:txBody>
+          <a:bodyPr rtlCol="0" anchor="ctr"/>
+          <a:lstStyle/>
+          <a:p>
+            <a:pPr algn="ctr"/>
+            <a:endParaRPr lang="en-CA"/>
+          </a:p>
+        </p:txBody>
+      </p:sp>
+      <p:sp>
+        <p:nvSpPr>
+          <p:cNvPr id="15" name="TextBox 14">
+            <a:extLst>
+              <a:ext uri="{FF2B5EF4-FFF2-40B4-BE49-F238E27FC236}">
+                <a16:creationId xmlns:a16="http://schemas.microsoft.com/office/drawing/2014/main" id="{D57E140A-5438-B590-D347-3F6E467FA065}"/>
+              </a:ext>
+            </a:extLst>
+          </p:cNvPr>
+          <p:cNvSpPr txBox="1"/>
+          <p:nvPr/>
+        </p:nvSpPr>
+        <p:spPr>
+          <a:xfrm>
+            <a:off x="110364" y="5920908"/>
+            <a:ext cx="7551671" cy="369332"/>
           </a:xfrm>
           <a:prstGeom prst="rect">
             <a:avLst/>
@@ -13104,23 +14027,379 @@
           <a:noFill/>
         </p:spPr>
         <p:txBody>
-          <a:bodyPr wrap="none" rtlCol="0">
+          <a:bodyPr wrap="square">
             <a:spAutoFit/>
           </a:bodyPr>
           <a:lstStyle/>
           <a:p>
             <a:r>
-              <a:rPr lang="en-CA" b="1" dirty="0"/>
-              <a:t>Import React from ‘react’;</a:t>
-            </a:r>
-            <a:endParaRPr lang="en-CA" dirty="0"/>
+              <a:rPr lang="en-CA" dirty="0" err="1"/>
+              <a:t>ReactDOM.render</a:t>
+            </a:r>
+            <a:r>
+              <a:rPr lang="en-CA" dirty="0"/>
+              <a:t>(</a:t>
+            </a:r>
+            <a:r>
+              <a:rPr lang="en-CA" dirty="0">
+                <a:latin typeface="Consolas" panose="020B0609020204030204" pitchFamily="49" charset="0"/>
+              </a:rPr>
+              <a:t>App()</a:t>
+            </a:r>
+            <a:r>
+              <a:rPr lang="en-CA" dirty="0"/>
+              <a:t>, </a:t>
+            </a:r>
+            <a:r>
+              <a:rPr lang="en-CA" dirty="0" err="1"/>
+              <a:t>document.getElementById</a:t>
+            </a:r>
+            <a:r>
+              <a:rPr lang="en-CA" dirty="0"/>
+              <a:t>('root'));</a:t>
+            </a:r>
           </a:p>
         </p:txBody>
       </p:sp>
+      <p:sp>
+        <p:nvSpPr>
+          <p:cNvPr id="16" name="Rectangle 15">
+            <a:extLst>
+              <a:ext uri="{FF2B5EF4-FFF2-40B4-BE49-F238E27FC236}">
+                <a16:creationId xmlns:a16="http://schemas.microsoft.com/office/drawing/2014/main" id="{9AE4F3D3-D7FE-409D-110C-D03BFE5CAA5E}"/>
+              </a:ext>
+            </a:extLst>
+          </p:cNvPr>
+          <p:cNvSpPr/>
+          <p:nvPr/>
+        </p:nvSpPr>
+        <p:spPr>
+          <a:xfrm>
+            <a:off x="2907897" y="7296466"/>
+            <a:ext cx="1366080" cy="923330"/>
+          </a:xfrm>
+          <a:prstGeom prst="rect">
+            <a:avLst/>
+          </a:prstGeom>
+          <a:solidFill>
+            <a:schemeClr val="accent2"/>
+          </a:solidFill>
+          <a:ln w="57150">
+            <a:solidFill>
+              <a:srgbClr val="00B050"/>
+            </a:solidFill>
+          </a:ln>
+        </p:spPr>
+        <p:txBody>
+          <a:bodyPr wrap="none" lIns="91440" tIns="45720" rIns="91440" bIns="45720">
+            <a:spAutoFit/>
+          </a:bodyPr>
+          <a:lstStyle/>
+          <a:p>
+            <a:pPr algn="ctr"/>
+            <a:r>
+              <a:rPr lang="en-US" sz="5400" dirty="0">
+                <a:ln w="0"/>
+                <a:effectLst>
+                  <a:outerShdw blurRad="38100" dist="19050" dir="2700000" algn="tl" rotWithShape="0">
+                    <a:schemeClr val="dk1">
+                      <a:alpha val="40000"/>
+                    </a:schemeClr>
+                  </a:outerShdw>
+                </a:effectLst>
+              </a:rPr>
+              <a:t>JSX</a:t>
+            </a:r>
+            <a:endParaRPr lang="en-US" sz="5400" b="0" cap="none" spc="0" dirty="0">
+              <a:ln w="0"/>
+              <a:solidFill>
+                <a:schemeClr val="tx1"/>
+              </a:solidFill>
+              <a:effectLst>
+                <a:outerShdw blurRad="38100" dist="19050" dir="2700000" algn="tl" rotWithShape="0">
+                  <a:schemeClr val="dk1">
+                    <a:alpha val="40000"/>
+                  </a:schemeClr>
+                </a:outerShdw>
+              </a:effectLst>
+            </a:endParaRPr>
+          </a:p>
+        </p:txBody>
+      </p:sp>
+      <p:sp>
+        <p:nvSpPr>
+          <p:cNvPr id="17" name="Arrow: Down 16">
+            <a:extLst>
+              <a:ext uri="{FF2B5EF4-FFF2-40B4-BE49-F238E27FC236}">
+                <a16:creationId xmlns:a16="http://schemas.microsoft.com/office/drawing/2014/main" id="{4242274A-112A-E64C-AA34-E09266D8111E}"/>
+              </a:ext>
+            </a:extLst>
+          </p:cNvPr>
+          <p:cNvSpPr/>
+          <p:nvPr/>
+        </p:nvSpPr>
+        <p:spPr>
+          <a:xfrm>
+            <a:off x="2959374" y="6290240"/>
+            <a:ext cx="1072783" cy="940851"/>
+          </a:xfrm>
+          <a:prstGeom prst="downArrow">
+            <a:avLst/>
+          </a:prstGeom>
+        </p:spPr>
+        <p:style>
+          <a:lnRef idx="2">
+            <a:schemeClr val="accent1">
+              <a:shade val="50000"/>
+            </a:schemeClr>
+          </a:lnRef>
+          <a:fillRef idx="1">
+            <a:schemeClr val="accent1"/>
+          </a:fillRef>
+          <a:effectRef idx="0">
+            <a:schemeClr val="accent1"/>
+          </a:effectRef>
+          <a:fontRef idx="minor">
+            <a:schemeClr val="lt1"/>
+          </a:fontRef>
+        </p:style>
+        <p:txBody>
+          <a:bodyPr rtlCol="0" anchor="ctr"/>
+          <a:lstStyle/>
+          <a:p>
+            <a:pPr algn="ctr"/>
+            <a:endParaRPr lang="en-CA"/>
+          </a:p>
+        </p:txBody>
+      </p:sp>
+      <p:sp>
+        <p:nvSpPr>
+          <p:cNvPr id="18" name="Arrow: Down 17">
+            <a:extLst>
+              <a:ext uri="{FF2B5EF4-FFF2-40B4-BE49-F238E27FC236}">
+                <a16:creationId xmlns:a16="http://schemas.microsoft.com/office/drawing/2014/main" id="{8090F0A1-4176-325C-A668-407E687C1C18}"/>
+              </a:ext>
+            </a:extLst>
+          </p:cNvPr>
+          <p:cNvSpPr/>
+          <p:nvPr/>
+        </p:nvSpPr>
+        <p:spPr>
+          <a:xfrm>
+            <a:off x="3011516" y="8249214"/>
+            <a:ext cx="1072783" cy="940851"/>
+          </a:xfrm>
+          <a:prstGeom prst="downArrow">
+            <a:avLst/>
+          </a:prstGeom>
+        </p:spPr>
+        <p:style>
+          <a:lnRef idx="2">
+            <a:schemeClr val="accent1">
+              <a:shade val="50000"/>
+            </a:schemeClr>
+          </a:lnRef>
+          <a:fillRef idx="1">
+            <a:schemeClr val="accent1"/>
+          </a:fillRef>
+          <a:effectRef idx="0">
+            <a:schemeClr val="accent1"/>
+          </a:effectRef>
+          <a:fontRef idx="minor">
+            <a:schemeClr val="lt1"/>
+          </a:fontRef>
+        </p:style>
+        <p:txBody>
+          <a:bodyPr rtlCol="0" anchor="ctr"/>
+          <a:lstStyle/>
+          <a:p>
+            <a:pPr algn="ctr"/>
+            <a:endParaRPr lang="en-CA"/>
+          </a:p>
+        </p:txBody>
+      </p:sp>
+      <p:sp>
+        <p:nvSpPr>
+          <p:cNvPr id="19" name="TextBox 18">
+            <a:extLst>
+              <a:ext uri="{FF2B5EF4-FFF2-40B4-BE49-F238E27FC236}">
+                <a16:creationId xmlns:a16="http://schemas.microsoft.com/office/drawing/2014/main" id="{3FD0D315-3EE7-C222-238E-9C0E0105B380}"/>
+              </a:ext>
+            </a:extLst>
+          </p:cNvPr>
+          <p:cNvSpPr txBox="1"/>
+          <p:nvPr/>
+        </p:nvSpPr>
+        <p:spPr>
+          <a:xfrm>
+            <a:off x="2700102" y="9226022"/>
+            <a:ext cx="2478688" cy="369332"/>
+          </a:xfrm>
+          <a:prstGeom prst="rect">
+            <a:avLst/>
+          </a:prstGeom>
+          <a:noFill/>
+        </p:spPr>
+        <p:txBody>
+          <a:bodyPr wrap="square">
+            <a:spAutoFit/>
+          </a:bodyPr>
+          <a:lstStyle/>
+          <a:p>
+            <a:r>
+              <a:rPr lang="en-CA" dirty="0" err="1"/>
+              <a:t>root.render</a:t>
+            </a:r>
+            <a:r>
+              <a:rPr lang="en-CA" dirty="0"/>
+              <a:t>(</a:t>
+            </a:r>
+            <a:r>
+              <a:rPr lang="en-CA" dirty="0">
+                <a:highlight>
+                  <a:srgbClr val="FFFF00"/>
+                </a:highlight>
+              </a:rPr>
+              <a:t>&lt;App/&gt;</a:t>
+            </a:r>
+            <a:r>
+              <a:rPr lang="en-CA" dirty="0"/>
+              <a:t>);</a:t>
+            </a:r>
+          </a:p>
+        </p:txBody>
+      </p:sp>
+      <p:sp>
+        <p:nvSpPr>
+          <p:cNvPr id="20" name="TextBox 19">
+            <a:extLst>
+              <a:ext uri="{FF2B5EF4-FFF2-40B4-BE49-F238E27FC236}">
+                <a16:creationId xmlns:a16="http://schemas.microsoft.com/office/drawing/2014/main" id="{BE65F7E4-C017-7EE5-A0AC-441D0EB39198}"/>
+              </a:ext>
+            </a:extLst>
+          </p:cNvPr>
+          <p:cNvSpPr txBox="1"/>
+          <p:nvPr/>
+        </p:nvSpPr>
+        <p:spPr>
+          <a:xfrm>
+            <a:off x="5341183" y="3196082"/>
+            <a:ext cx="2270574" cy="369332"/>
+          </a:xfrm>
+          <a:prstGeom prst="rect">
+            <a:avLst/>
+          </a:prstGeom>
+          <a:solidFill>
+            <a:srgbClr val="C00000"/>
+          </a:solidFill>
+        </p:spPr>
+        <p:txBody>
+          <a:bodyPr wrap="square">
+            <a:spAutoFit/>
+          </a:bodyPr>
+          <a:lstStyle/>
+          <a:p>
+            <a:pPr algn="ctr"/>
+            <a:r>
+              <a:rPr lang="en-CA" dirty="0">
+                <a:solidFill>
+                  <a:schemeClr val="bg1"/>
+                </a:solidFill>
+              </a:rPr>
+              <a:t>Creating Element</a:t>
+            </a:r>
+          </a:p>
+        </p:txBody>
+      </p:sp>
+      <p:sp>
+        <p:nvSpPr>
+          <p:cNvPr id="22" name="TextBox 21">
+            <a:extLst>
+              <a:ext uri="{FF2B5EF4-FFF2-40B4-BE49-F238E27FC236}">
+                <a16:creationId xmlns:a16="http://schemas.microsoft.com/office/drawing/2014/main" id="{87EB5040-2844-D802-C182-882AF602B15E}"/>
+              </a:ext>
+            </a:extLst>
+          </p:cNvPr>
+          <p:cNvSpPr txBox="1"/>
+          <p:nvPr/>
+        </p:nvSpPr>
+        <p:spPr>
+          <a:xfrm>
+            <a:off x="5178790" y="7111800"/>
+            <a:ext cx="2270574" cy="646331"/>
+          </a:xfrm>
+          <a:prstGeom prst="rect">
+            <a:avLst/>
+          </a:prstGeom>
+          <a:solidFill>
+            <a:srgbClr val="C00000"/>
+          </a:solidFill>
+        </p:spPr>
+        <p:txBody>
+          <a:bodyPr wrap="square">
+            <a:spAutoFit/>
+          </a:bodyPr>
+          <a:lstStyle/>
+          <a:p>
+            <a:pPr algn="ctr"/>
+            <a:r>
+              <a:rPr lang="en-CA" dirty="0">
+                <a:solidFill>
+                  <a:schemeClr val="bg1"/>
+                </a:solidFill>
+              </a:rPr>
+              <a:t>Invoking/Adding Element</a:t>
+            </a:r>
+          </a:p>
+        </p:txBody>
+      </p:sp>
+      <p:cxnSp>
+        <p:nvCxnSpPr>
+          <p:cNvPr id="24" name="Straight Connector 23">
+            <a:extLst>
+              <a:ext uri="{FF2B5EF4-FFF2-40B4-BE49-F238E27FC236}">
+                <a16:creationId xmlns:a16="http://schemas.microsoft.com/office/drawing/2014/main" id="{0A3C7F56-C676-60C4-A7BE-A29FA50276D3}"/>
+              </a:ext>
+            </a:extLst>
+          </p:cNvPr>
+          <p:cNvCxnSpPr>
+            <a:cxnSpLocks/>
+          </p:cNvCxnSpPr>
+          <p:nvPr/>
+        </p:nvCxnSpPr>
+        <p:spPr>
+          <a:xfrm>
+            <a:off x="163610" y="5713700"/>
+            <a:ext cx="7285754" cy="29407"/>
+          </a:xfrm>
+          <a:prstGeom prst="line">
+            <a:avLst/>
+          </a:prstGeom>
+          <a:ln w="76200">
+            <a:solidFill>
+              <a:srgbClr val="002060"/>
+            </a:solidFill>
+          </a:ln>
+        </p:spPr>
+        <p:style>
+          <a:lnRef idx="3">
+            <a:schemeClr val="accent1"/>
+          </a:lnRef>
+          <a:fillRef idx="0">
+            <a:schemeClr val="accent1"/>
+          </a:fillRef>
+          <a:effectRef idx="2">
+            <a:schemeClr val="accent1"/>
+          </a:effectRef>
+          <a:fontRef idx="minor">
+            <a:schemeClr val="tx1"/>
+          </a:fontRef>
+        </p:style>
+      </p:cxnSp>
     </p:spTree>
     <p:extLst>
       <p:ext uri="{BB962C8B-B14F-4D97-AF65-F5344CB8AC3E}">
-        <p14:creationId xmlns:p14="http://schemas.microsoft.com/office/powerpoint/2010/main" val="1526289353"/>
+        <p14:creationId xmlns:p14="http://schemas.microsoft.com/office/powerpoint/2010/main" val="113619978"/>
       </p:ext>
     </p:extLst>
   </p:cSld>
@@ -13193,7 +14472,7 @@
                             </p:stCondLst>
                             <p:childTnLst>
                               <p:par>
-                                <p:cTn id="9" presetID="1" presetClass="entr" presetSubtype="0" fill="hold" grpId="1" nodeType="clickEffect">
+                                <p:cTn id="9" presetID="1" presetClass="entr" presetSubtype="0" fill="hold" grpId="0" nodeType="clickEffect">
                                   <p:stCondLst>
                                     <p:cond delay="0"/>
                                   </p:stCondLst>
@@ -13206,7 +14485,1067 @@
                                           </p:stCondLst>
                                         </p:cTn>
                                         <p:tgtEl>
+                                          <p:spTgt spid="8"/>
+                                        </p:tgtEl>
+                                        <p:attrNameLst>
+                                          <p:attrName>style.visibility</p:attrName>
+                                        </p:attrNameLst>
+                                      </p:cBhvr>
+                                      <p:to>
+                                        <p:strVal val="visible"/>
+                                      </p:to>
+                                    </p:set>
+                                  </p:childTnLst>
+                                </p:cTn>
+                              </p:par>
+                              <p:par>
+                                <p:cTn id="11" presetID="1" presetClass="entr" presetSubtype="0" fill="hold" grpId="0" nodeType="withEffect">
+                                  <p:stCondLst>
+                                    <p:cond delay="0"/>
+                                  </p:stCondLst>
+                                  <p:childTnLst>
+                                    <p:set>
+                                      <p:cBhvr>
+                                        <p:cTn id="12" dur="1" fill="hold">
+                                          <p:stCondLst>
+                                            <p:cond delay="0"/>
+                                          </p:stCondLst>
+                                        </p:cTn>
+                                        <p:tgtEl>
+                                          <p:spTgt spid="6"/>
+                                        </p:tgtEl>
+                                        <p:attrNameLst>
+                                          <p:attrName>style.visibility</p:attrName>
+                                        </p:attrNameLst>
+                                      </p:cBhvr>
+                                      <p:to>
+                                        <p:strVal val="visible"/>
+                                      </p:to>
+                                    </p:set>
+                                  </p:childTnLst>
+                                </p:cTn>
+                              </p:par>
+                            </p:childTnLst>
+                          </p:cTn>
+                        </p:par>
+                      </p:childTnLst>
+                    </p:cTn>
+                  </p:par>
+                  <p:par>
+                    <p:cTn id="13" fill="hold">
+                      <p:stCondLst>
+                        <p:cond delay="indefinite"/>
+                      </p:stCondLst>
+                      <p:childTnLst>
+                        <p:par>
+                          <p:cTn id="14" fill="hold">
+                            <p:stCondLst>
+                              <p:cond delay="0"/>
+                            </p:stCondLst>
+                            <p:childTnLst>
+                              <p:par>
+                                <p:cTn id="15" presetID="1" presetClass="entr" presetSubtype="0" fill="hold" grpId="0" nodeType="clickEffect">
+                                  <p:stCondLst>
+                                    <p:cond delay="0"/>
+                                  </p:stCondLst>
+                                  <p:childTnLst>
+                                    <p:set>
+                                      <p:cBhvr>
+                                        <p:cTn id="16" dur="1" fill="hold">
+                                          <p:stCondLst>
+                                            <p:cond delay="0"/>
+                                          </p:stCondLst>
+                                        </p:cTn>
+                                        <p:tgtEl>
+                                          <p:spTgt spid="10"/>
+                                        </p:tgtEl>
+                                        <p:attrNameLst>
+                                          <p:attrName>style.visibility</p:attrName>
+                                        </p:attrNameLst>
+                                      </p:cBhvr>
+                                      <p:to>
+                                        <p:strVal val="visible"/>
+                                      </p:to>
+                                    </p:set>
+                                  </p:childTnLst>
+                                </p:cTn>
+                              </p:par>
+                              <p:par>
+                                <p:cTn id="17" presetID="1" presetClass="entr" presetSubtype="0" fill="hold" grpId="0" nodeType="withEffect">
+                                  <p:stCondLst>
+                                    <p:cond delay="0"/>
+                                  </p:stCondLst>
+                                  <p:childTnLst>
+                                    <p:set>
+                                      <p:cBhvr>
+                                        <p:cTn id="18" dur="1" fill="hold">
+                                          <p:stCondLst>
+                                            <p:cond delay="0"/>
+                                          </p:stCondLst>
+                                        </p:cTn>
+                                        <p:tgtEl>
+                                          <p:spTgt spid="9"/>
+                                        </p:tgtEl>
+                                        <p:attrNameLst>
+                                          <p:attrName>style.visibility</p:attrName>
+                                        </p:attrNameLst>
+                                      </p:cBhvr>
+                                      <p:to>
+                                        <p:strVal val="visible"/>
+                                      </p:to>
+                                    </p:set>
+                                  </p:childTnLst>
+                                </p:cTn>
+                              </p:par>
+                            </p:childTnLst>
+                          </p:cTn>
+                        </p:par>
+                      </p:childTnLst>
+                    </p:cTn>
+                  </p:par>
+                  <p:par>
+                    <p:cTn id="19" fill="hold">
+                      <p:stCondLst>
+                        <p:cond delay="indefinite"/>
+                      </p:stCondLst>
+                      <p:childTnLst>
+                        <p:par>
+                          <p:cTn id="20" fill="hold">
+                            <p:stCondLst>
+                              <p:cond delay="0"/>
+                            </p:stCondLst>
+                            <p:childTnLst>
+                              <p:par>
+                                <p:cTn id="21" presetID="1" presetClass="entr" presetSubtype="0" fill="hold" grpId="0" nodeType="clickEffect">
+                                  <p:stCondLst>
+                                    <p:cond delay="0"/>
+                                  </p:stCondLst>
+                                  <p:childTnLst>
+                                    <p:set>
+                                      <p:cBhvr>
+                                        <p:cTn id="22" dur="1" fill="hold">
+                                          <p:stCondLst>
+                                            <p:cond delay="0"/>
+                                          </p:stCondLst>
+                                        </p:cTn>
+                                        <p:tgtEl>
+                                          <p:spTgt spid="11"/>
+                                        </p:tgtEl>
+                                        <p:attrNameLst>
+                                          <p:attrName>style.visibility</p:attrName>
+                                        </p:attrNameLst>
+                                      </p:cBhvr>
+                                      <p:to>
+                                        <p:strVal val="visible"/>
+                                      </p:to>
+                                    </p:set>
+                                  </p:childTnLst>
+                                </p:cTn>
+                              </p:par>
+                            </p:childTnLst>
+                          </p:cTn>
+                        </p:par>
+                      </p:childTnLst>
+                    </p:cTn>
+                  </p:par>
+                  <p:par>
+                    <p:cTn id="23" fill="hold">
+                      <p:stCondLst>
+                        <p:cond delay="indefinite"/>
+                      </p:stCondLst>
+                      <p:childTnLst>
+                        <p:par>
+                          <p:cTn id="24" fill="hold">
+                            <p:stCondLst>
+                              <p:cond delay="0"/>
+                            </p:stCondLst>
+                            <p:childTnLst>
+                              <p:par>
+                                <p:cTn id="25" presetID="1" presetClass="entr" presetSubtype="0" fill="hold" nodeType="clickEffect">
+                                  <p:stCondLst>
+                                    <p:cond delay="0"/>
+                                  </p:stCondLst>
+                                  <p:childTnLst>
+                                    <p:set>
+                                      <p:cBhvr>
+                                        <p:cTn id="26" dur="1" fill="hold">
+                                          <p:stCondLst>
+                                            <p:cond delay="0"/>
+                                          </p:stCondLst>
+                                        </p:cTn>
+                                        <p:tgtEl>
+                                          <p:spTgt spid="24"/>
+                                        </p:tgtEl>
+                                        <p:attrNameLst>
+                                          <p:attrName>style.visibility</p:attrName>
+                                        </p:attrNameLst>
+                                      </p:cBhvr>
+                                      <p:to>
+                                        <p:strVal val="visible"/>
+                                      </p:to>
+                                    </p:set>
+                                  </p:childTnLst>
+                                </p:cTn>
+                              </p:par>
+                              <p:par>
+                                <p:cTn id="27" presetID="1" presetClass="entr" presetSubtype="0" fill="hold" grpId="0" nodeType="withEffect">
+                                  <p:stCondLst>
+                                    <p:cond delay="0"/>
+                                  </p:stCondLst>
+                                  <p:childTnLst>
+                                    <p:set>
+                                      <p:cBhvr>
+                                        <p:cTn id="28" dur="1" fill="hold">
+                                          <p:stCondLst>
+                                            <p:cond delay="0"/>
+                                          </p:stCondLst>
+                                        </p:cTn>
+                                        <p:tgtEl>
+                                          <p:spTgt spid="15"/>
+                                        </p:tgtEl>
+                                        <p:attrNameLst>
+                                          <p:attrName>style.visibility</p:attrName>
+                                        </p:attrNameLst>
+                                      </p:cBhvr>
+                                      <p:to>
+                                        <p:strVal val="visible"/>
+                                      </p:to>
+                                    </p:set>
+                                  </p:childTnLst>
+                                </p:cTn>
+                              </p:par>
+                              <p:par>
+                                <p:cTn id="29" presetID="1" presetClass="entr" presetSubtype="0" fill="hold" grpId="0" nodeType="withEffect">
+                                  <p:stCondLst>
+                                    <p:cond delay="0"/>
+                                  </p:stCondLst>
+                                  <p:childTnLst>
+                                    <p:set>
+                                      <p:cBhvr>
+                                        <p:cTn id="30" dur="1" fill="hold">
+                                          <p:stCondLst>
+                                            <p:cond delay="0"/>
+                                          </p:stCondLst>
+                                        </p:cTn>
+                                        <p:tgtEl>
+                                          <p:spTgt spid="17"/>
+                                        </p:tgtEl>
+                                        <p:attrNameLst>
+                                          <p:attrName>style.visibility</p:attrName>
+                                        </p:attrNameLst>
+                                      </p:cBhvr>
+                                      <p:to>
+                                        <p:strVal val="visible"/>
+                                      </p:to>
+                                    </p:set>
+                                  </p:childTnLst>
+                                </p:cTn>
+                              </p:par>
+                              <p:par>
+                                <p:cTn id="31" presetID="1" presetClass="entr" presetSubtype="0" fill="hold" grpId="0" nodeType="withEffect">
+                                  <p:stCondLst>
+                                    <p:cond delay="0"/>
+                                  </p:stCondLst>
+                                  <p:childTnLst>
+                                    <p:set>
+                                      <p:cBhvr>
+                                        <p:cTn id="32" dur="1" fill="hold">
+                                          <p:stCondLst>
+                                            <p:cond delay="0"/>
+                                          </p:stCondLst>
+                                        </p:cTn>
+                                        <p:tgtEl>
                                           <p:spTgt spid="16"/>
+                                        </p:tgtEl>
+                                        <p:attrNameLst>
+                                          <p:attrName>style.visibility</p:attrName>
+                                        </p:attrNameLst>
+                                      </p:cBhvr>
+                                      <p:to>
+                                        <p:strVal val="visible"/>
+                                      </p:to>
+                                    </p:set>
+                                  </p:childTnLst>
+                                </p:cTn>
+                              </p:par>
+                            </p:childTnLst>
+                          </p:cTn>
+                        </p:par>
+                      </p:childTnLst>
+                    </p:cTn>
+                  </p:par>
+                  <p:par>
+                    <p:cTn id="33" fill="hold">
+                      <p:stCondLst>
+                        <p:cond delay="indefinite"/>
+                      </p:stCondLst>
+                      <p:childTnLst>
+                        <p:par>
+                          <p:cTn id="34" fill="hold">
+                            <p:stCondLst>
+                              <p:cond delay="0"/>
+                            </p:stCondLst>
+                            <p:childTnLst>
+                              <p:par>
+                                <p:cTn id="35" presetID="1" presetClass="entr" presetSubtype="0" fill="hold" grpId="0" nodeType="clickEffect">
+                                  <p:stCondLst>
+                                    <p:cond delay="0"/>
+                                  </p:stCondLst>
+                                  <p:childTnLst>
+                                    <p:set>
+                                      <p:cBhvr>
+                                        <p:cTn id="36" dur="1" fill="hold">
+                                          <p:stCondLst>
+                                            <p:cond delay="0"/>
+                                          </p:stCondLst>
+                                        </p:cTn>
+                                        <p:tgtEl>
+                                          <p:spTgt spid="18"/>
+                                        </p:tgtEl>
+                                        <p:attrNameLst>
+                                          <p:attrName>style.visibility</p:attrName>
+                                        </p:attrNameLst>
+                                      </p:cBhvr>
+                                      <p:to>
+                                        <p:strVal val="visible"/>
+                                      </p:to>
+                                    </p:set>
+                                  </p:childTnLst>
+                                </p:cTn>
+                              </p:par>
+                              <p:par>
+                                <p:cTn id="37" presetID="1" presetClass="entr" presetSubtype="0" fill="hold" grpId="0" nodeType="withEffect">
+                                  <p:stCondLst>
+                                    <p:cond delay="0"/>
+                                  </p:stCondLst>
+                                  <p:childTnLst>
+                                    <p:set>
+                                      <p:cBhvr>
+                                        <p:cTn id="38" dur="1" fill="hold">
+                                          <p:stCondLst>
+                                            <p:cond delay="0"/>
+                                          </p:stCondLst>
+                                        </p:cTn>
+                                        <p:tgtEl>
+                                          <p:spTgt spid="19"/>
+                                        </p:tgtEl>
+                                        <p:attrNameLst>
+                                          <p:attrName>style.visibility</p:attrName>
+                                        </p:attrNameLst>
+                                      </p:cBhvr>
+                                      <p:to>
+                                        <p:strVal val="visible"/>
+                                      </p:to>
+                                    </p:set>
+                                  </p:childTnLst>
+                                </p:cTn>
+                              </p:par>
+                            </p:childTnLst>
+                          </p:cTn>
+                        </p:par>
+                      </p:childTnLst>
+                    </p:cTn>
+                  </p:par>
+                  <p:par>
+                    <p:cTn id="39" fill="hold">
+                      <p:stCondLst>
+                        <p:cond delay="indefinite"/>
+                      </p:stCondLst>
+                      <p:childTnLst>
+                        <p:par>
+                          <p:cTn id="40" fill="hold">
+                            <p:stCondLst>
+                              <p:cond delay="0"/>
+                            </p:stCondLst>
+                            <p:childTnLst>
+                              <p:par>
+                                <p:cTn id="41" presetID="1" presetClass="entr" presetSubtype="0" fill="hold" grpId="0" nodeType="clickEffect">
+                                  <p:stCondLst>
+                                    <p:cond delay="0"/>
+                                  </p:stCondLst>
+                                  <p:childTnLst>
+                                    <p:set>
+                                      <p:cBhvr>
+                                        <p:cTn id="42" dur="1" fill="hold">
+                                          <p:stCondLst>
+                                            <p:cond delay="0"/>
+                                          </p:stCondLst>
+                                        </p:cTn>
+                                        <p:tgtEl>
+                                          <p:spTgt spid="20"/>
+                                        </p:tgtEl>
+                                        <p:attrNameLst>
+                                          <p:attrName>style.visibility</p:attrName>
+                                        </p:attrNameLst>
+                                      </p:cBhvr>
+                                      <p:to>
+                                        <p:strVal val="visible"/>
+                                      </p:to>
+                                    </p:set>
+                                  </p:childTnLst>
+                                </p:cTn>
+                              </p:par>
+                            </p:childTnLst>
+                          </p:cTn>
+                        </p:par>
+                      </p:childTnLst>
+                    </p:cTn>
+                  </p:par>
+                  <p:par>
+                    <p:cTn id="43" fill="hold">
+                      <p:stCondLst>
+                        <p:cond delay="indefinite"/>
+                      </p:stCondLst>
+                      <p:childTnLst>
+                        <p:par>
+                          <p:cTn id="44" fill="hold">
+                            <p:stCondLst>
+                              <p:cond delay="0"/>
+                            </p:stCondLst>
+                            <p:childTnLst>
+                              <p:par>
+                                <p:cTn id="45" presetID="1" presetClass="entr" presetSubtype="0" fill="hold" grpId="0" nodeType="clickEffect">
+                                  <p:stCondLst>
+                                    <p:cond delay="0"/>
+                                  </p:stCondLst>
+                                  <p:childTnLst>
+                                    <p:set>
+                                      <p:cBhvr>
+                                        <p:cTn id="46" dur="1" fill="hold">
+                                          <p:stCondLst>
+                                            <p:cond delay="0"/>
+                                          </p:stCondLst>
+                                        </p:cTn>
+                                        <p:tgtEl>
+                                          <p:spTgt spid="22"/>
+                                        </p:tgtEl>
+                                        <p:attrNameLst>
+                                          <p:attrName>style.visibility</p:attrName>
+                                        </p:attrNameLst>
+                                      </p:cBhvr>
+                                      <p:to>
+                                        <p:strVal val="visible"/>
+                                      </p:to>
+                                    </p:set>
+                                  </p:childTnLst>
+                                </p:cTn>
+                              </p:par>
+                            </p:childTnLst>
+                          </p:cTn>
+                        </p:par>
+                      </p:childTnLst>
+                    </p:cTn>
+                  </p:par>
+                </p:childTnLst>
+              </p:cTn>
+              <p:prevCondLst>
+                <p:cond evt="onPrev" delay="0">
+                  <p:tgtEl>
+                    <p:sldTgt/>
+                  </p:tgtEl>
+                </p:cond>
+              </p:prevCondLst>
+              <p:nextCondLst>
+                <p:cond evt="onNext" delay="0">
+                  <p:tgtEl>
+                    <p:sldTgt/>
+                  </p:tgtEl>
+                </p:cond>
+              </p:nextCondLst>
+            </p:seq>
+          </p:childTnLst>
+        </p:cTn>
+      </p:par>
+    </p:tnLst>
+    <p:bldLst>
+      <p:bldP spid="6" grpId="0" animBg="1"/>
+      <p:bldP spid="11" grpId="0"/>
+      <p:bldP spid="7" grpId="0" animBg="1"/>
+      <p:bldP spid="8" grpId="0" animBg="1"/>
+      <p:bldP spid="9" grpId="0" animBg="1"/>
+      <p:bldP spid="10" grpId="0" animBg="1"/>
+      <p:bldP spid="15" grpId="0"/>
+      <p:bldP spid="16" grpId="0" animBg="1"/>
+      <p:bldP spid="17" grpId="0" animBg="1"/>
+      <p:bldP spid="18" grpId="0" animBg="1"/>
+      <p:bldP spid="19" grpId="0"/>
+      <p:bldP spid="20" grpId="0" animBg="1"/>
+      <p:bldP spid="22" grpId="0" animBg="1"/>
+    </p:bldLst>
+  </p:timing>
+  <p:extLst>
+    <p:ext uri="{6950BFC3-D8DA-4A85-94F7-54DA5524770B}">
+      <p188:commentRel xmlns:p188="http://schemas.microsoft.com/office/powerpoint/2018/8/main" r:id="rId2"/>
+    </p:ext>
+  </p:extLst>
+</p:sld>
+</file>
+
+<file path=ppt/slides/slide23.xml><?xml version="1.0" encoding="utf-8"?>
+<p:sld xmlns:a="http://schemas.openxmlformats.org/drawingml/2006/main" xmlns:r="http://schemas.openxmlformats.org/officeDocument/2006/relationships" xmlns:p="http://schemas.openxmlformats.org/presentationml/2006/main">
+  <p:cSld>
+    <p:spTree>
+      <p:nvGrpSpPr>
+        <p:cNvPr id="1" name=""/>
+        <p:cNvGrpSpPr/>
+        <p:nvPr/>
+      </p:nvGrpSpPr>
+      <p:grpSpPr>
+        <a:xfrm>
+          <a:off x="0" y="0"/>
+          <a:ext cx="0" cy="0"/>
+          <a:chOff x="0" y="0"/>
+          <a:chExt cx="0" cy="0"/>
+        </a:xfrm>
+      </p:grpSpPr>
+      <p:pic>
+        <p:nvPicPr>
+          <p:cNvPr id="7" name="Picture 6">
+            <a:extLst>
+              <a:ext uri="{FF2B5EF4-FFF2-40B4-BE49-F238E27FC236}">
+                <a16:creationId xmlns:a16="http://schemas.microsoft.com/office/drawing/2014/main" id="{08EB2AE5-9941-A220-915D-C46214B0C182}"/>
+              </a:ext>
+            </a:extLst>
+          </p:cNvPr>
+          <p:cNvPicPr>
+            <a:picLocks noChangeAspect="1"/>
+          </p:cNvPicPr>
+          <p:nvPr/>
+        </p:nvPicPr>
+        <p:blipFill>
+          <a:blip r:embed="rId2"/>
+          <a:stretch>
+            <a:fillRect/>
+          </a:stretch>
+        </p:blipFill>
+        <p:spPr>
+          <a:xfrm>
+            <a:off x="0" y="2556819"/>
+            <a:ext cx="7772400" cy="3349305"/>
+          </a:xfrm>
+          <a:prstGeom prst="rect">
+            <a:avLst/>
+          </a:prstGeom>
+        </p:spPr>
+      </p:pic>
+      <p:sp>
+        <p:nvSpPr>
+          <p:cNvPr id="8" name="Rectangle 7">
+            <a:extLst>
+              <a:ext uri="{FF2B5EF4-FFF2-40B4-BE49-F238E27FC236}">
+                <a16:creationId xmlns:a16="http://schemas.microsoft.com/office/drawing/2014/main" id="{158F95D5-BE54-3736-1783-2E5501BC5DA8}"/>
+              </a:ext>
+            </a:extLst>
+          </p:cNvPr>
+          <p:cNvSpPr/>
+          <p:nvPr/>
+        </p:nvSpPr>
+        <p:spPr>
+          <a:xfrm>
+            <a:off x="1136995" y="0"/>
+            <a:ext cx="5265416" cy="923330"/>
+          </a:xfrm>
+          <a:prstGeom prst="rect">
+            <a:avLst/>
+          </a:prstGeom>
+          <a:noFill/>
+        </p:spPr>
+        <p:txBody>
+          <a:bodyPr wrap="none" lIns="91440" tIns="45720" rIns="91440" bIns="45720">
+            <a:spAutoFit/>
+          </a:bodyPr>
+          <a:lstStyle/>
+          <a:p>
+            <a:pPr algn="ctr"/>
+            <a:r>
+              <a:rPr lang="en-US" sz="5400" b="0" cap="none" spc="0" dirty="0">
+                <a:ln w="0"/>
+                <a:solidFill>
+                  <a:schemeClr val="tx1"/>
+                </a:solidFill>
+                <a:effectLst>
+                  <a:outerShdw blurRad="38100" dist="19050" dir="2700000" algn="tl" rotWithShape="0">
+                    <a:schemeClr val="dk1">
+                      <a:alpha val="40000"/>
+                    </a:schemeClr>
+                  </a:outerShdw>
+                </a:effectLst>
+              </a:rPr>
+              <a:t>Our Project - </a:t>
+            </a:r>
+            <a:r>
+              <a:rPr lang="en-US" sz="2400" b="0" cap="none" spc="0" dirty="0">
+                <a:ln w="0"/>
+                <a:solidFill>
+                  <a:schemeClr val="tx1"/>
+                </a:solidFill>
+                <a:effectLst>
+                  <a:outerShdw blurRad="38100" dist="19050" dir="2700000" algn="tl" rotWithShape="0">
+                    <a:schemeClr val="dk1">
+                      <a:alpha val="40000"/>
+                    </a:schemeClr>
+                  </a:outerShdw>
+                </a:effectLst>
+              </a:rPr>
+              <a:t>Layout</a:t>
+            </a:r>
+            <a:endParaRPr lang="en-US" sz="5400" b="0" cap="none" spc="0" dirty="0">
+              <a:ln w="0"/>
+              <a:solidFill>
+                <a:schemeClr val="tx1"/>
+              </a:solidFill>
+              <a:effectLst>
+                <a:outerShdw blurRad="38100" dist="19050" dir="2700000" algn="tl" rotWithShape="0">
+                  <a:schemeClr val="dk1">
+                    <a:alpha val="40000"/>
+                  </a:schemeClr>
+                </a:outerShdw>
+              </a:effectLst>
+            </a:endParaRPr>
+          </a:p>
+        </p:txBody>
+      </p:sp>
+      <p:sp>
+        <p:nvSpPr>
+          <p:cNvPr id="9" name="Rectangle: Rounded Corners 8">
+            <a:extLst>
+              <a:ext uri="{FF2B5EF4-FFF2-40B4-BE49-F238E27FC236}">
+                <a16:creationId xmlns:a16="http://schemas.microsoft.com/office/drawing/2014/main" id="{236BBD08-D266-E51E-2E25-C7F86AC776DD}"/>
+              </a:ext>
+            </a:extLst>
+          </p:cNvPr>
+          <p:cNvSpPr/>
+          <p:nvPr/>
+        </p:nvSpPr>
+        <p:spPr>
+          <a:xfrm>
+            <a:off x="0" y="2550320"/>
+            <a:ext cx="7720638" cy="674558"/>
+          </a:xfrm>
+          <a:prstGeom prst="roundRect">
+            <a:avLst/>
+          </a:prstGeom>
+          <a:solidFill>
+            <a:srgbClr val="58B4AE">
+              <a:alpha val="36078"/>
+            </a:srgbClr>
+          </a:solidFill>
+        </p:spPr>
+        <p:style>
+          <a:lnRef idx="2">
+            <a:schemeClr val="accent1">
+              <a:shade val="50000"/>
+            </a:schemeClr>
+          </a:lnRef>
+          <a:fillRef idx="1">
+            <a:schemeClr val="accent1"/>
+          </a:fillRef>
+          <a:effectRef idx="0">
+            <a:schemeClr val="accent1"/>
+          </a:effectRef>
+          <a:fontRef idx="minor">
+            <a:schemeClr val="lt1"/>
+          </a:fontRef>
+        </p:style>
+        <p:txBody>
+          <a:bodyPr rtlCol="0" anchor="ctr"/>
+          <a:lstStyle/>
+          <a:p>
+            <a:pPr algn="ctr"/>
+            <a:endParaRPr lang="en-CA"/>
+          </a:p>
+        </p:txBody>
+      </p:sp>
+      <p:sp>
+        <p:nvSpPr>
+          <p:cNvPr id="10" name="Rectangle: Rounded Corners 9">
+            <a:extLst>
+              <a:ext uri="{FF2B5EF4-FFF2-40B4-BE49-F238E27FC236}">
+                <a16:creationId xmlns:a16="http://schemas.microsoft.com/office/drawing/2014/main" id="{93BD921D-5398-D9B0-96A1-944440F5AB82}"/>
+              </a:ext>
+            </a:extLst>
+          </p:cNvPr>
+          <p:cNvSpPr/>
+          <p:nvPr/>
+        </p:nvSpPr>
+        <p:spPr>
+          <a:xfrm>
+            <a:off x="3860319" y="3553663"/>
+            <a:ext cx="3912081" cy="2607293"/>
+          </a:xfrm>
+          <a:prstGeom prst="roundRect">
+            <a:avLst/>
+          </a:prstGeom>
+          <a:solidFill>
+            <a:srgbClr val="FFFF00">
+              <a:alpha val="36078"/>
+            </a:srgbClr>
+          </a:solidFill>
+        </p:spPr>
+        <p:style>
+          <a:lnRef idx="2">
+            <a:schemeClr val="accent1">
+              <a:shade val="50000"/>
+            </a:schemeClr>
+          </a:lnRef>
+          <a:fillRef idx="1">
+            <a:schemeClr val="accent1"/>
+          </a:fillRef>
+          <a:effectRef idx="0">
+            <a:schemeClr val="accent1"/>
+          </a:effectRef>
+          <a:fontRef idx="minor">
+            <a:schemeClr val="lt1"/>
+          </a:fontRef>
+        </p:style>
+        <p:txBody>
+          <a:bodyPr rtlCol="0" anchor="ctr"/>
+          <a:lstStyle/>
+          <a:p>
+            <a:pPr algn="ctr"/>
+            <a:endParaRPr lang="en-CA" dirty="0"/>
+          </a:p>
+        </p:txBody>
+      </p:sp>
+      <p:sp>
+        <p:nvSpPr>
+          <p:cNvPr id="11" name="Rectangle: Rounded Corners 10">
+            <a:extLst>
+              <a:ext uri="{FF2B5EF4-FFF2-40B4-BE49-F238E27FC236}">
+                <a16:creationId xmlns:a16="http://schemas.microsoft.com/office/drawing/2014/main" id="{5B6A3D25-588C-A2E6-D46C-620F589E4CA2}"/>
+              </a:ext>
+            </a:extLst>
+          </p:cNvPr>
+          <p:cNvSpPr/>
+          <p:nvPr/>
+        </p:nvSpPr>
+        <p:spPr>
+          <a:xfrm>
+            <a:off x="-103524" y="3157423"/>
+            <a:ext cx="3912081" cy="2298998"/>
+          </a:xfrm>
+          <a:prstGeom prst="roundRect">
+            <a:avLst/>
+          </a:prstGeom>
+          <a:solidFill>
+            <a:srgbClr val="00B0F0">
+              <a:alpha val="36078"/>
+            </a:srgbClr>
+          </a:solidFill>
+          <a:ln>
+            <a:noFill/>
+          </a:ln>
+        </p:spPr>
+        <p:style>
+          <a:lnRef idx="2">
+            <a:schemeClr val="accent1">
+              <a:shade val="50000"/>
+            </a:schemeClr>
+          </a:lnRef>
+          <a:fillRef idx="1">
+            <a:schemeClr val="accent1"/>
+          </a:fillRef>
+          <a:effectRef idx="0">
+            <a:schemeClr val="accent1"/>
+          </a:effectRef>
+          <a:fontRef idx="minor">
+            <a:schemeClr val="lt1"/>
+          </a:fontRef>
+        </p:style>
+        <p:txBody>
+          <a:bodyPr rtlCol="0" anchor="ctr"/>
+          <a:lstStyle/>
+          <a:p>
+            <a:pPr algn="ctr"/>
+            <a:endParaRPr lang="en-CA"/>
+          </a:p>
+        </p:txBody>
+      </p:sp>
+      <p:sp>
+        <p:nvSpPr>
+          <p:cNvPr id="12" name="Rectangle: Rounded Corners 11">
+            <a:extLst>
+              <a:ext uri="{FF2B5EF4-FFF2-40B4-BE49-F238E27FC236}">
+                <a16:creationId xmlns:a16="http://schemas.microsoft.com/office/drawing/2014/main" id="{F9F22BEE-F724-9537-EA97-B49D2654B2BE}"/>
+              </a:ext>
+            </a:extLst>
+          </p:cNvPr>
+          <p:cNvSpPr/>
+          <p:nvPr/>
+        </p:nvSpPr>
+        <p:spPr>
+          <a:xfrm>
+            <a:off x="51762" y="5456421"/>
+            <a:ext cx="3912081" cy="600604"/>
+          </a:xfrm>
+          <a:prstGeom prst="roundRect">
+            <a:avLst/>
+          </a:prstGeom>
+          <a:solidFill>
+            <a:srgbClr val="7030A0">
+              <a:alpha val="36078"/>
+            </a:srgbClr>
+          </a:solidFill>
+          <a:ln>
+            <a:noFill/>
+          </a:ln>
+        </p:spPr>
+        <p:style>
+          <a:lnRef idx="2">
+            <a:schemeClr val="accent1">
+              <a:shade val="50000"/>
+            </a:schemeClr>
+          </a:lnRef>
+          <a:fillRef idx="1">
+            <a:schemeClr val="accent1"/>
+          </a:fillRef>
+          <a:effectRef idx="0">
+            <a:schemeClr val="accent1"/>
+          </a:effectRef>
+          <a:fontRef idx="minor">
+            <a:schemeClr val="lt1"/>
+          </a:fontRef>
+        </p:style>
+        <p:txBody>
+          <a:bodyPr rtlCol="0" anchor="ctr"/>
+          <a:lstStyle/>
+          <a:p>
+            <a:pPr algn="ctr"/>
+            <a:endParaRPr lang="en-CA"/>
+          </a:p>
+        </p:txBody>
+      </p:sp>
+      <p:sp>
+        <p:nvSpPr>
+          <p:cNvPr id="13" name="TextBox 12">
+            <a:extLst>
+              <a:ext uri="{FF2B5EF4-FFF2-40B4-BE49-F238E27FC236}">
+                <a16:creationId xmlns:a16="http://schemas.microsoft.com/office/drawing/2014/main" id="{7B018CD1-20FC-305B-4B53-2470CA25FDD0}"/>
+              </a:ext>
+            </a:extLst>
+          </p:cNvPr>
+          <p:cNvSpPr txBox="1"/>
+          <p:nvPr/>
+        </p:nvSpPr>
+        <p:spPr>
+          <a:xfrm>
+            <a:off x="3392755" y="2669206"/>
+            <a:ext cx="1282531" cy="461665"/>
+          </a:xfrm>
+          <a:prstGeom prst="rect">
+            <a:avLst/>
+          </a:prstGeom>
+          <a:noFill/>
+        </p:spPr>
+        <p:txBody>
+          <a:bodyPr wrap="none" rtlCol="0">
+            <a:spAutoFit/>
+          </a:bodyPr>
+          <a:lstStyle/>
+          <a:p>
+            <a:r>
+              <a:rPr lang="en-CA" sz="2400" b="1" dirty="0"/>
+              <a:t>Header</a:t>
+            </a:r>
+          </a:p>
+        </p:txBody>
+      </p:sp>
+      <p:sp>
+        <p:nvSpPr>
+          <p:cNvPr id="14" name="TextBox 13">
+            <a:extLst>
+              <a:ext uri="{FF2B5EF4-FFF2-40B4-BE49-F238E27FC236}">
+                <a16:creationId xmlns:a16="http://schemas.microsoft.com/office/drawing/2014/main" id="{706AFC74-9EC7-1532-6B40-232C88F7FCFD}"/>
+              </a:ext>
+            </a:extLst>
+          </p:cNvPr>
+          <p:cNvSpPr txBox="1"/>
+          <p:nvPr/>
+        </p:nvSpPr>
+        <p:spPr>
+          <a:xfrm>
+            <a:off x="4744368" y="4231471"/>
+            <a:ext cx="1494961" cy="461665"/>
+          </a:xfrm>
+          <a:prstGeom prst="rect">
+            <a:avLst/>
+          </a:prstGeom>
+          <a:noFill/>
+        </p:spPr>
+        <p:txBody>
+          <a:bodyPr wrap="none" rtlCol="0">
+            <a:spAutoFit/>
+          </a:bodyPr>
+          <a:lstStyle/>
+          <a:p>
+            <a:r>
+              <a:rPr lang="en-CA" sz="2400" b="1" dirty="0" err="1"/>
+              <a:t>ListTasks</a:t>
+            </a:r>
+            <a:endParaRPr lang="en-CA" sz="2400" b="1" dirty="0"/>
+          </a:p>
+        </p:txBody>
+      </p:sp>
+      <p:sp>
+        <p:nvSpPr>
+          <p:cNvPr id="15" name="TextBox 14">
+            <a:extLst>
+              <a:ext uri="{FF2B5EF4-FFF2-40B4-BE49-F238E27FC236}">
+                <a16:creationId xmlns:a16="http://schemas.microsoft.com/office/drawing/2014/main" id="{A50C988D-F01C-8E08-0D75-811337B81E7E}"/>
+              </a:ext>
+            </a:extLst>
+          </p:cNvPr>
+          <p:cNvSpPr txBox="1"/>
+          <p:nvPr/>
+        </p:nvSpPr>
+        <p:spPr>
+          <a:xfrm>
+            <a:off x="1233692" y="4043377"/>
+            <a:ext cx="933269" cy="461665"/>
+          </a:xfrm>
+          <a:prstGeom prst="rect">
+            <a:avLst/>
+          </a:prstGeom>
+          <a:noFill/>
+        </p:spPr>
+        <p:txBody>
+          <a:bodyPr wrap="none" rtlCol="0">
+            <a:spAutoFit/>
+          </a:bodyPr>
+          <a:lstStyle/>
+          <a:p>
+            <a:r>
+              <a:rPr lang="en-CA" sz="2400" b="1" dirty="0"/>
+              <a:t>Main</a:t>
+            </a:r>
+          </a:p>
+        </p:txBody>
+      </p:sp>
+      <p:sp>
+        <p:nvSpPr>
+          <p:cNvPr id="16" name="TextBox 15">
+            <a:extLst>
+              <a:ext uri="{FF2B5EF4-FFF2-40B4-BE49-F238E27FC236}">
+                <a16:creationId xmlns:a16="http://schemas.microsoft.com/office/drawing/2014/main" id="{E61A99F8-2A41-4D1B-9CE0-52887C2AF5FF}"/>
+              </a:ext>
+            </a:extLst>
+          </p:cNvPr>
+          <p:cNvSpPr txBox="1"/>
+          <p:nvPr/>
+        </p:nvSpPr>
+        <p:spPr>
+          <a:xfrm>
+            <a:off x="1388978" y="5496424"/>
+            <a:ext cx="1154162" cy="461665"/>
+          </a:xfrm>
+          <a:prstGeom prst="rect">
+            <a:avLst/>
+          </a:prstGeom>
+          <a:noFill/>
+        </p:spPr>
+        <p:txBody>
+          <a:bodyPr wrap="none" rtlCol="0">
+            <a:spAutoFit/>
+          </a:bodyPr>
+          <a:lstStyle/>
+          <a:p>
+            <a:r>
+              <a:rPr lang="en-CA" sz="2400" b="1" dirty="0"/>
+              <a:t>Footer</a:t>
+            </a:r>
+          </a:p>
+        </p:txBody>
+      </p:sp>
+    </p:spTree>
+    <p:extLst>
+      <p:ext uri="{BB962C8B-B14F-4D97-AF65-F5344CB8AC3E}">
+        <p14:creationId xmlns:p14="http://schemas.microsoft.com/office/powerpoint/2010/main" val="2146374172"/>
+      </p:ext>
+    </p:extLst>
+  </p:cSld>
+  <p:clrMapOvr>
+    <a:masterClrMapping/>
+  </p:clrMapOvr>
+  <p:timing>
+    <p:tnLst>
+      <p:par>
+        <p:cTn id="1" dur="indefinite" restart="never" nodeType="tmRoot">
+          <p:childTnLst>
+            <p:seq concurrent="1" nextAc="seek">
+              <p:cTn id="2" dur="indefinite" nodeType="mainSeq">
+                <p:childTnLst>
+                  <p:par>
+                    <p:cTn id="3" fill="hold">
+                      <p:stCondLst>
+                        <p:cond delay="indefinite"/>
+                      </p:stCondLst>
+                      <p:childTnLst>
+                        <p:par>
+                          <p:cTn id="4" fill="hold">
+                            <p:stCondLst>
+                              <p:cond delay="0"/>
+                            </p:stCondLst>
+                            <p:childTnLst>
+                              <p:par>
+                                <p:cTn id="5" presetID="1" presetClass="entr" presetSubtype="0" fill="hold" grpId="0" nodeType="clickEffect">
+                                  <p:stCondLst>
+                                    <p:cond delay="0"/>
+                                  </p:stCondLst>
+                                  <p:childTnLst>
+                                    <p:set>
+                                      <p:cBhvr>
+                                        <p:cTn id="6" dur="1" fill="hold">
+                                          <p:stCondLst>
+                                            <p:cond delay="0"/>
+                                          </p:stCondLst>
+                                        </p:cTn>
+                                        <p:tgtEl>
+                                          <p:spTgt spid="9"/>
+                                        </p:tgtEl>
+                                        <p:attrNameLst>
+                                          <p:attrName>style.visibility</p:attrName>
+                                        </p:attrNameLst>
+                                      </p:cBhvr>
+                                      <p:to>
+                                        <p:strVal val="visible"/>
+                                      </p:to>
+                                    </p:set>
+                                  </p:childTnLst>
+                                </p:cTn>
+                              </p:par>
+                            </p:childTnLst>
+                          </p:cTn>
+                        </p:par>
+                      </p:childTnLst>
+                    </p:cTn>
+                  </p:par>
+                  <p:par>
+                    <p:cTn id="7" fill="hold">
+                      <p:stCondLst>
+                        <p:cond delay="indefinite"/>
+                      </p:stCondLst>
+                      <p:childTnLst>
+                        <p:par>
+                          <p:cTn id="8" fill="hold">
+                            <p:stCondLst>
+                              <p:cond delay="0"/>
+                            </p:stCondLst>
+                            <p:childTnLst>
+                              <p:par>
+                                <p:cTn id="9" presetID="1" presetClass="entr" presetSubtype="0" fill="hold" grpId="0" nodeType="clickEffect">
+                                  <p:stCondLst>
+                                    <p:cond delay="0"/>
+                                  </p:stCondLst>
+                                  <p:childTnLst>
+                                    <p:set>
+                                      <p:cBhvr>
+                                        <p:cTn id="10" dur="1" fill="hold">
+                                          <p:stCondLst>
+                                            <p:cond delay="0"/>
+                                          </p:stCondLst>
+                                        </p:cTn>
+                                        <p:tgtEl>
+                                          <p:spTgt spid="11"/>
                                         </p:tgtEl>
                                         <p:attrNameLst>
                                           <p:attrName>style.visibility</p:attrName>
@@ -13296,7 +15635,7 @@
                                           </p:stCondLst>
                                         </p:cTn>
                                         <p:tgtEl>
-                                          <p:spTgt spid="11"/>
+                                          <p:spTgt spid="12"/>
                                         </p:tgtEl>
                                         <p:attrNameLst>
                                           <p:attrName>style.visibility</p:attrName>
@@ -13341,7 +15680,7 @@
                                           </p:stCondLst>
                                         </p:cTn>
                                         <p:tgtEl>
-                                          <p:spTgt spid="12"/>
+                                          <p:spTgt spid="13"/>
                                         </p:tgtEl>
                                         <p:attrNameLst>
                                           <p:attrName>style.visibility</p:attrName>
@@ -13373,7 +15712,7 @@
                             </p:stCondLst>
                             <p:childTnLst>
                               <p:par>
-                                <p:cTn id="25" presetID="1" presetClass="exit" presetSubtype="0" fill="hold" grpId="0" nodeType="clickEffect">
+                                <p:cTn id="25" presetID="1" presetClass="entr" presetSubtype="0" fill="hold" grpId="0" nodeType="clickEffect">
                                   <p:stCondLst>
                                     <p:cond delay="0"/>
                                   </p:stCondLst>
@@ -13386,43 +15725,7 @@
                                           </p:stCondLst>
                                         </p:cTn>
                                         <p:tgtEl>
-                                          <p:spTgt spid="16"/>
-                                        </p:tgtEl>
-                                        <p:attrNameLst>
-                                          <p:attrName>style.visibility</p:attrName>
-                                        </p:attrNameLst>
-                                      </p:cBhvr>
-                                      <p:to>
-                                        <p:strVal val="hidden"/>
-                                      </p:to>
-                                    </p:set>
-                                  </p:childTnLst>
-                                </p:cTn>
-                              </p:par>
-                            </p:childTnLst>
-                          </p:cTn>
-                        </p:par>
-                        <p:par>
-                          <p:cTn id="27" fill="hold">
-                            <p:stCondLst>
-                              <p:cond delay="0"/>
-                            </p:stCondLst>
-                            <p:childTnLst>
-                              <p:par>
-                                <p:cTn id="28" presetID="1" presetClass="entr" presetSubtype="0" fill="hold" grpId="0" nodeType="afterEffect">
-                                  <p:stCondLst>
-                                    <p:cond delay="0"/>
-                                  </p:stCondLst>
-                                  <p:childTnLst>
-                                    <p:set>
-                                      <p:cBhvr>
-                                        <p:cTn id="29" dur="1" fill="hold">
-                                          <p:stCondLst>
-                                            <p:cond delay="0"/>
-                                          </p:stCondLst>
-                                        </p:cTn>
-                                        <p:tgtEl>
-                                          <p:spTgt spid="17"/>
+                                          <p:spTgt spid="14"/>
                                         </p:tgtEl>
                                         <p:attrNameLst>
                                           <p:attrName>style.visibility</p:attrName>
@@ -13442,26 +15745,26 @@
                     </p:cTn>
                   </p:par>
                   <p:par>
-                    <p:cTn id="30" fill="hold">
+                    <p:cTn id="27" fill="hold">
                       <p:stCondLst>
                         <p:cond delay="indefinite"/>
                       </p:stCondLst>
                       <p:childTnLst>
                         <p:par>
-                          <p:cTn id="31" fill="hold">
+                          <p:cTn id="28" fill="hold">
                             <p:stCondLst>
                               <p:cond delay="0"/>
                             </p:stCondLst>
                             <p:childTnLst>
                               <p:par>
-                                <p:cTn id="32" presetID="1" presetClass="entr" presetSubtype="0" fill="hold" grpId="0" nodeType="clickEffect">
+                                <p:cTn id="29" presetID="1" presetClass="entr" presetSubtype="0" fill="hold" grpId="0" nodeType="clickEffect">
                                   <p:stCondLst>
                                     <p:cond delay="0"/>
                                   </p:stCondLst>
                                   <p:childTnLst>
                                     <p:set>
                                       <p:cBhvr>
-                                        <p:cTn id="33" dur="1" fill="hold">
+                                        <p:cTn id="30" dur="1" fill="hold">
                                           <p:stCondLst>
                                             <p:cond delay="0"/>
                                           </p:stCondLst>
@@ -13487,122 +15790,32 @@
                     </p:cTn>
                   </p:par>
                   <p:par>
-                    <p:cTn id="34" fill="hold">
+                    <p:cTn id="31" fill="hold">
                       <p:stCondLst>
                         <p:cond delay="indefinite"/>
                       </p:stCondLst>
                       <p:childTnLst>
                         <p:par>
-                          <p:cTn id="35" fill="hold">
+                          <p:cTn id="32" fill="hold">
                             <p:stCondLst>
                               <p:cond delay="0"/>
                             </p:stCondLst>
                             <p:childTnLst>
                               <p:par>
-                                <p:cTn id="36" presetID="1" presetClass="entr" presetSubtype="0" fill="hold" grpId="0" nodeType="clickEffect">
+                                <p:cTn id="33" presetID="1" presetClass="entr" presetSubtype="0" fill="hold" grpId="0" nodeType="clickEffect">
                                   <p:stCondLst>
                                     <p:cond delay="0"/>
                                   </p:stCondLst>
                                   <p:childTnLst>
                                     <p:set>
                                       <p:cBhvr>
-                                        <p:cTn id="37" dur="1" fill="hold">
+                                        <p:cTn id="34" dur="1" fill="hold">
                                           <p:stCondLst>
                                             <p:cond delay="0"/>
                                           </p:stCondLst>
                                         </p:cTn>
                                         <p:tgtEl>
-                                          <p:spTgt spid="19"/>
-                                        </p:tgtEl>
-                                        <p:attrNameLst>
-                                          <p:attrName>style.visibility</p:attrName>
-                                        </p:attrNameLst>
-                                      </p:cBhvr>
-                                      <p:to>
-                                        <p:strVal val="visible"/>
-                                      </p:to>
-                                    </p:set>
-                                  </p:childTnLst>
-                                </p:cTn>
-                              </p:par>
-                            </p:childTnLst>
-                          </p:cTn>
-                        </p:par>
-                      </p:childTnLst>
-                    </p:cTn>
-                  </p:par>
-                  <p:par>
-                    <p:cTn id="38" fill="hold">
-                      <p:stCondLst>
-                        <p:cond delay="indefinite"/>
-                      </p:stCondLst>
-                      <p:childTnLst>
-                        <p:par>
-                          <p:cTn id="39" fill="hold">
-                            <p:stCondLst>
-                              <p:cond delay="0"/>
-                            </p:stCondLst>
-                            <p:childTnLst>
-                              <p:par>
-                                <p:cTn id="40" presetID="1" presetClass="entr" presetSubtype="0" fill="hold" grpId="0" nodeType="clickEffect">
-                                  <p:stCondLst>
-                                    <p:cond delay="0"/>
-                                  </p:stCondLst>
-                                  <p:childTnLst>
-                                    <p:set>
-                                      <p:cBhvr>
-                                        <p:cTn id="41" dur="1" fill="hold">
-                                          <p:stCondLst>
-                                            <p:cond delay="0"/>
-                                          </p:stCondLst>
-                                        </p:cTn>
-                                        <p:tgtEl>
-                                          <p:spTgt spid="21"/>
-                                        </p:tgtEl>
-                                        <p:attrNameLst>
-                                          <p:attrName>style.visibility</p:attrName>
-                                        </p:attrNameLst>
-                                      </p:cBhvr>
-                                      <p:to>
-                                        <p:strVal val="visible"/>
-                                      </p:to>
-                                    </p:set>
-                                  </p:childTnLst>
-                                </p:cTn>
-                              </p:par>
-                            </p:childTnLst>
-                          </p:cTn>
-                        </p:par>
-                      </p:childTnLst>
-                    </p:cTn>
-                  </p:par>
-                  <p:par>
-                    <p:cTn id="42" fill="hold">
-                      <p:stCondLst>
-                        <p:cond delay="indefinite"/>
-                      </p:stCondLst>
-                      <p:childTnLst>
-                        <p:par>
-                          <p:cTn id="43" fill="hold">
-                            <p:stCondLst>
-                              <p:cond delay="0"/>
-                            </p:stCondLst>
-                            <p:childTnLst>
-                              <p:par>
-                                <p:cTn id="44" presetID="1" presetClass="entr" presetSubtype="0" fill="hold" grpId="0" nodeType="clickEffect">
-                                  <p:stCondLst>
-                                    <p:cond delay="0"/>
-                                  </p:stCondLst>
-                                  <p:childTnLst>
-                                    <p:set>
-                                      <p:cBhvr>
-                                        <p:cTn id="45" dur="1" fill="hold">
-                                          <p:stCondLst>
-                                            <p:cond delay="0"/>
-                                          </p:stCondLst>
-                                        </p:cTn>
-                                        <p:tgtEl>
-                                          <p:spTgt spid="3"/>
+                                          <p:spTgt spid="16"/>
                                         </p:tgtEl>
                                         <p:attrNameLst>
                                           <p:attrName>style.visibility</p:attrName>
@@ -13643,23 +15856,20 @@
       </p:par>
     </p:tnLst>
     <p:bldLst>
-      <p:bldP spid="7" grpId="0"/>
-      <p:bldP spid="10" grpId="0"/>
-      <p:bldP spid="11" grpId="0"/>
-      <p:bldP spid="12" grpId="0"/>
+      <p:bldP spid="9" grpId="0" animBg="1"/>
+      <p:bldP spid="10" grpId="0" animBg="1"/>
+      <p:bldP spid="11" grpId="0" animBg="1"/>
+      <p:bldP spid="12" grpId="0" animBg="1"/>
+      <p:bldP spid="13" grpId="0"/>
+      <p:bldP spid="14" grpId="0"/>
       <p:bldP spid="15" grpId="0"/>
       <p:bldP spid="16" grpId="0"/>
-      <p:bldP spid="16" grpId="1"/>
-      <p:bldP spid="17" grpId="0"/>
-      <p:bldP spid="19" grpId="0"/>
-      <p:bldP spid="21" grpId="0"/>
-      <p:bldP spid="3" grpId="0"/>
     </p:bldLst>
   </p:timing>
 </p:sld>
 </file>
 
-<file path=ppt/slides/slide22.xml><?xml version="1.0" encoding="utf-8"?>
+<file path=ppt/slides/slide24.xml><?xml version="1.0" encoding="utf-8"?>
 <p:sld xmlns:a="http://schemas.openxmlformats.org/drawingml/2006/main" xmlns:r="http://schemas.openxmlformats.org/officeDocument/2006/relationships" xmlns:p="http://schemas.openxmlformats.org/presentationml/2006/main">
   <p:cSld>
     <p:spTree>
@@ -13676,20 +15886,812 @@
           <a:chExt cx="0" cy="0"/>
         </a:xfrm>
       </p:grpSpPr>
+      <p:sp>
+        <p:nvSpPr>
+          <p:cNvPr id="8" name="Rectangle 7">
+            <a:extLst>
+              <a:ext uri="{FF2B5EF4-FFF2-40B4-BE49-F238E27FC236}">
+                <a16:creationId xmlns:a16="http://schemas.microsoft.com/office/drawing/2014/main" id="{158F95D5-BE54-3736-1783-2E5501BC5DA8}"/>
+              </a:ext>
+            </a:extLst>
+          </p:cNvPr>
+          <p:cNvSpPr/>
+          <p:nvPr/>
+        </p:nvSpPr>
+        <p:spPr>
+          <a:xfrm>
+            <a:off x="946335" y="0"/>
+            <a:ext cx="5646739" cy="923330"/>
+          </a:xfrm>
+          <a:prstGeom prst="rect">
+            <a:avLst/>
+          </a:prstGeom>
+          <a:noFill/>
+        </p:spPr>
+        <p:txBody>
+          <a:bodyPr wrap="none" lIns="91440" tIns="45720" rIns="91440" bIns="45720">
+            <a:spAutoFit/>
+          </a:bodyPr>
+          <a:lstStyle/>
+          <a:p>
+            <a:pPr algn="ctr"/>
+            <a:r>
+              <a:rPr lang="en-US" sz="5400" b="0" cap="none" spc="0" dirty="0">
+                <a:ln w="0"/>
+                <a:solidFill>
+                  <a:schemeClr val="tx1"/>
+                </a:solidFill>
+                <a:effectLst>
+                  <a:outerShdw blurRad="38100" dist="19050" dir="2700000" algn="tl" rotWithShape="0">
+                    <a:schemeClr val="dk1">
+                      <a:alpha val="40000"/>
+                    </a:schemeClr>
+                  </a:outerShdw>
+                </a:effectLst>
+              </a:rPr>
+              <a:t>Our Project - </a:t>
+            </a:r>
+            <a:r>
+              <a:rPr lang="en-US" sz="5400" b="0" cap="none" spc="0" dirty="0">
+                <a:ln w="0"/>
+                <a:solidFill>
+                  <a:schemeClr val="tx1"/>
+                </a:solidFill>
+                <a:effectLst>
+                  <a:outerShdw blurRad="38100" dist="19050" dir="2700000" algn="tl" rotWithShape="0">
+                    <a:schemeClr val="dk1">
+                      <a:alpha val="40000"/>
+                    </a:schemeClr>
+                  </a:outerShdw>
+                </a:effectLst>
+                <a:highlight>
+                  <a:srgbClr val="FFFF00"/>
+                </a:highlight>
+              </a:rPr>
+              <a:t>H</a:t>
+            </a:r>
+            <a:r>
+              <a:rPr lang="en-US" sz="2400" b="0" cap="none" spc="0" dirty="0">
+                <a:ln w="0"/>
+                <a:solidFill>
+                  <a:schemeClr val="tx1"/>
+                </a:solidFill>
+                <a:effectLst>
+                  <a:outerShdw blurRad="38100" dist="19050" dir="2700000" algn="tl" rotWithShape="0">
+                    <a:schemeClr val="dk1">
+                      <a:alpha val="40000"/>
+                    </a:schemeClr>
+                  </a:outerShdw>
+                </a:effectLst>
+              </a:rPr>
+              <a:t>eader</a:t>
+            </a:r>
+            <a:endParaRPr lang="en-US" sz="5400" b="0" cap="none" spc="0" dirty="0">
+              <a:ln w="0"/>
+              <a:solidFill>
+                <a:schemeClr val="tx1"/>
+              </a:solidFill>
+              <a:effectLst>
+                <a:outerShdw blurRad="38100" dist="19050" dir="2700000" algn="tl" rotWithShape="0">
+                  <a:schemeClr val="dk1">
+                    <a:alpha val="40000"/>
+                  </a:schemeClr>
+                </a:outerShdw>
+              </a:effectLst>
+            </a:endParaRPr>
+          </a:p>
+        </p:txBody>
+      </p:sp>
+      <p:pic>
+        <p:nvPicPr>
+          <p:cNvPr id="3" name="Picture 2">
+            <a:extLst>
+              <a:ext uri="{FF2B5EF4-FFF2-40B4-BE49-F238E27FC236}">
+                <a16:creationId xmlns:a16="http://schemas.microsoft.com/office/drawing/2014/main" id="{A7D43BE8-918A-25CA-1BC1-7C051EA50005}"/>
+              </a:ext>
+            </a:extLst>
+          </p:cNvPr>
+          <p:cNvPicPr>
+            <a:picLocks noChangeAspect="1"/>
+          </p:cNvPicPr>
+          <p:nvPr/>
+        </p:nvPicPr>
+        <p:blipFill>
+          <a:blip r:embed="rId3"/>
+          <a:stretch>
+            <a:fillRect/>
+          </a:stretch>
+        </p:blipFill>
+        <p:spPr>
+          <a:xfrm>
+            <a:off x="857250" y="1398535"/>
+            <a:ext cx="3028950" cy="4143375"/>
+          </a:xfrm>
+          <a:prstGeom prst="rect">
+            <a:avLst/>
+          </a:prstGeom>
+        </p:spPr>
+      </p:pic>
+      <p:sp>
+        <p:nvSpPr>
+          <p:cNvPr id="4" name="Rectangle: Rounded Corners 3">
+            <a:extLst>
+              <a:ext uri="{FF2B5EF4-FFF2-40B4-BE49-F238E27FC236}">
+                <a16:creationId xmlns:a16="http://schemas.microsoft.com/office/drawing/2014/main" id="{680D0433-51DC-ABD0-7F67-E083684A7765}"/>
+              </a:ext>
+            </a:extLst>
+          </p:cNvPr>
+          <p:cNvSpPr/>
+          <p:nvPr/>
+        </p:nvSpPr>
+        <p:spPr>
+          <a:xfrm>
+            <a:off x="1109271" y="3294806"/>
+            <a:ext cx="1933731" cy="707568"/>
+          </a:xfrm>
+          <a:prstGeom prst="roundRect">
+            <a:avLst/>
+          </a:prstGeom>
+          <a:solidFill>
+            <a:srgbClr val="58B4AE">
+              <a:alpha val="49020"/>
+            </a:srgbClr>
+          </a:solidFill>
+        </p:spPr>
+        <p:style>
+          <a:lnRef idx="2">
+            <a:schemeClr val="accent1">
+              <a:shade val="50000"/>
+            </a:schemeClr>
+          </a:lnRef>
+          <a:fillRef idx="1">
+            <a:schemeClr val="accent1"/>
+          </a:fillRef>
+          <a:effectRef idx="0">
+            <a:schemeClr val="accent1"/>
+          </a:effectRef>
+          <a:fontRef idx="minor">
+            <a:schemeClr val="lt1"/>
+          </a:fontRef>
+        </p:style>
+        <p:txBody>
+          <a:bodyPr rtlCol="0" anchor="ctr"/>
+          <a:lstStyle/>
+          <a:p>
+            <a:pPr algn="ctr"/>
+            <a:endParaRPr lang="en-CA"/>
+          </a:p>
+        </p:txBody>
+      </p:sp>
+      <p:sp>
+        <p:nvSpPr>
+          <p:cNvPr id="6" name="TextBox 5">
+            <a:extLst>
+              <a:ext uri="{FF2B5EF4-FFF2-40B4-BE49-F238E27FC236}">
+                <a16:creationId xmlns:a16="http://schemas.microsoft.com/office/drawing/2014/main" id="{F21C8A41-49AB-D2C6-7D76-2BB17503FD43}"/>
+              </a:ext>
+            </a:extLst>
+          </p:cNvPr>
+          <p:cNvSpPr txBox="1"/>
+          <p:nvPr/>
+        </p:nvSpPr>
+        <p:spPr>
+          <a:xfrm>
+            <a:off x="717653" y="6759243"/>
+            <a:ext cx="4650698" cy="923330"/>
+          </a:xfrm>
+          <a:prstGeom prst="rect">
+            <a:avLst/>
+          </a:prstGeom>
+          <a:noFill/>
+        </p:spPr>
+        <p:txBody>
+          <a:bodyPr wrap="square">
+            <a:spAutoFit/>
+          </a:bodyPr>
+          <a:lstStyle/>
+          <a:p>
+            <a:r>
+              <a:rPr lang="en-CA" b="1" dirty="0">
+                <a:effectLst/>
+                <a:latin typeface="Consolas" panose="020B0609020204030204" pitchFamily="49" charset="0"/>
+              </a:rPr>
+              <a:t>const Header = (props) =&gt; {</a:t>
+            </a:r>
+          </a:p>
+          <a:p>
+            <a:r>
+              <a:rPr lang="en-CA" b="1" dirty="0">
+                <a:effectLst/>
+                <a:latin typeface="Consolas" panose="020B0609020204030204" pitchFamily="49" charset="0"/>
+              </a:rPr>
+              <a:t>}</a:t>
+            </a:r>
+            <a:br>
+              <a:rPr lang="en-CA" b="1" dirty="0">
+                <a:effectLst/>
+                <a:latin typeface="Consolas" panose="020B0609020204030204" pitchFamily="49" charset="0"/>
+              </a:rPr>
+            </a:br>
+            <a:r>
+              <a:rPr lang="en-CA" b="1" dirty="0">
+                <a:effectLst/>
+                <a:latin typeface="Consolas" panose="020B0609020204030204" pitchFamily="49" charset="0"/>
+              </a:rPr>
+              <a:t>export default Header;</a:t>
+            </a:r>
+          </a:p>
+        </p:txBody>
+      </p:sp>
+      <p:sp>
+        <p:nvSpPr>
+          <p:cNvPr id="13" name="Rectangle 12">
+            <a:extLst>
+              <a:ext uri="{FF2B5EF4-FFF2-40B4-BE49-F238E27FC236}">
+                <a16:creationId xmlns:a16="http://schemas.microsoft.com/office/drawing/2014/main" id="{D822D813-B055-486E-7C18-7D7DAFEEC7CB}"/>
+              </a:ext>
+            </a:extLst>
+          </p:cNvPr>
+          <p:cNvSpPr/>
+          <p:nvPr/>
+        </p:nvSpPr>
+        <p:spPr>
+          <a:xfrm>
+            <a:off x="0" y="5617989"/>
+            <a:ext cx="4961295" cy="923330"/>
+          </a:xfrm>
+          <a:prstGeom prst="rect">
+            <a:avLst/>
+          </a:prstGeom>
+          <a:noFill/>
+        </p:spPr>
+        <p:txBody>
+          <a:bodyPr wrap="none" lIns="91440" tIns="45720" rIns="91440" bIns="45720">
+            <a:spAutoFit/>
+          </a:bodyPr>
+          <a:lstStyle/>
+          <a:p>
+            <a:pPr algn="ctr"/>
+            <a:r>
+              <a:rPr lang="en-US" sz="5400" b="0" u="sng" cap="none" spc="0" dirty="0">
+                <a:ln w="0"/>
+                <a:solidFill>
+                  <a:schemeClr val="tx1"/>
+                </a:solidFill>
+                <a:effectLst>
+                  <a:outerShdw blurRad="38100" dist="19050" dir="2700000" algn="tl" rotWithShape="0">
+                    <a:schemeClr val="dk1">
+                      <a:alpha val="40000"/>
+                    </a:schemeClr>
+                  </a:outerShdw>
+                </a:effectLst>
+              </a:rPr>
+              <a:t>Build </a:t>
+            </a:r>
+            <a:r>
+              <a:rPr lang="en-US" sz="5400" b="0" u="sng" cap="none" spc="0" dirty="0">
+                <a:ln w="0"/>
+                <a:solidFill>
+                  <a:schemeClr val="tx1"/>
+                </a:solidFill>
+                <a:effectLst>
+                  <a:outerShdw blurRad="38100" dist="19050" dir="2700000" algn="tl" rotWithShape="0">
+                    <a:schemeClr val="dk1">
+                      <a:alpha val="40000"/>
+                    </a:schemeClr>
+                  </a:outerShdw>
+                </a:effectLst>
+                <a:highlight>
+                  <a:srgbClr val="FFFF00"/>
+                </a:highlight>
+              </a:rPr>
+              <a:t>H</a:t>
+            </a:r>
+            <a:r>
+              <a:rPr lang="en-US" sz="5400" b="0" u="sng" cap="none" spc="0" dirty="0">
+                <a:ln w="0"/>
+                <a:solidFill>
+                  <a:schemeClr val="tx1"/>
+                </a:solidFill>
+                <a:effectLst>
+                  <a:outerShdw blurRad="38100" dist="19050" dir="2700000" algn="tl" rotWithShape="0">
+                    <a:schemeClr val="dk1">
+                      <a:alpha val="40000"/>
+                    </a:schemeClr>
+                  </a:outerShdw>
+                </a:effectLst>
+              </a:rPr>
+              <a:t>eader.js</a:t>
+            </a:r>
+          </a:p>
+        </p:txBody>
+      </p:sp>
+      <p:sp>
+        <p:nvSpPr>
+          <p:cNvPr id="15" name="TextBox 14">
+            <a:extLst>
+              <a:ext uri="{FF2B5EF4-FFF2-40B4-BE49-F238E27FC236}">
+                <a16:creationId xmlns:a16="http://schemas.microsoft.com/office/drawing/2014/main" id="{681D3D20-CC66-C1CC-0332-E2F520DD4FBB}"/>
+              </a:ext>
+            </a:extLst>
+          </p:cNvPr>
+          <p:cNvSpPr txBox="1"/>
+          <p:nvPr/>
+        </p:nvSpPr>
+        <p:spPr>
+          <a:xfrm>
+            <a:off x="330544" y="7829823"/>
+            <a:ext cx="6910934" cy="369332"/>
+          </a:xfrm>
+          <a:prstGeom prst="rect">
+            <a:avLst/>
+          </a:prstGeom>
+          <a:noFill/>
+        </p:spPr>
+        <p:txBody>
+          <a:bodyPr wrap="square">
+            <a:spAutoFit/>
+          </a:bodyPr>
+          <a:lstStyle/>
+          <a:p>
+            <a:r>
+              <a:rPr lang="en-US" sz="1800" dirty="0">
+                <a:effectLst/>
+                <a:latin typeface="Segoe UI" panose="020B0502040204020203" pitchFamily="34" charset="0"/>
+              </a:rPr>
+              <a:t>Write method using the =&gt; approach for succinctly</a:t>
+            </a:r>
+            <a:endParaRPr lang="en-US" sz="2000" dirty="0">
+              <a:effectLst/>
+              <a:latin typeface="Arial" panose="020B0604020202020204" pitchFamily="34" charset="0"/>
+            </a:endParaRPr>
+          </a:p>
+        </p:txBody>
+      </p:sp>
+      <p:sp>
+        <p:nvSpPr>
+          <p:cNvPr id="16" name="TextBox 15">
+            <a:extLst>
+              <a:ext uri="{FF2B5EF4-FFF2-40B4-BE49-F238E27FC236}">
+                <a16:creationId xmlns:a16="http://schemas.microsoft.com/office/drawing/2014/main" id="{D4DDB79D-1C4B-F713-4026-D7FFA5C19242}"/>
+              </a:ext>
+            </a:extLst>
+          </p:cNvPr>
+          <p:cNvSpPr txBox="1"/>
+          <p:nvPr/>
+        </p:nvSpPr>
+        <p:spPr>
+          <a:xfrm>
+            <a:off x="314237" y="9059109"/>
+            <a:ext cx="6910934" cy="369332"/>
+          </a:xfrm>
+          <a:prstGeom prst="rect">
+            <a:avLst/>
+          </a:prstGeom>
+          <a:noFill/>
+        </p:spPr>
+        <p:txBody>
+          <a:bodyPr wrap="square">
+            <a:spAutoFit/>
+          </a:bodyPr>
+          <a:lstStyle/>
+          <a:p>
+            <a:r>
+              <a:rPr lang="en-US" dirty="0">
+                <a:highlight>
+                  <a:srgbClr val="FFFF00"/>
+                </a:highlight>
+                <a:latin typeface="Segoe UI" panose="020B0502040204020203" pitchFamily="34" charset="0"/>
+              </a:rPr>
+              <a:t>Export default </a:t>
+            </a:r>
+            <a:r>
+              <a:rPr lang="en-US" dirty="0">
+                <a:latin typeface="Segoe UI" panose="020B0502040204020203" pitchFamily="34" charset="0"/>
+              </a:rPr>
+              <a:t>to be able to invoke this method within other files.</a:t>
+            </a:r>
+            <a:endParaRPr lang="en-US" sz="2000" dirty="0">
+              <a:effectLst/>
+              <a:latin typeface="Arial" panose="020B0604020202020204" pitchFamily="34" charset="0"/>
+            </a:endParaRPr>
+          </a:p>
+        </p:txBody>
+      </p:sp>
+      <p:sp>
+        <p:nvSpPr>
+          <p:cNvPr id="17" name="TextBox 16">
+            <a:extLst>
+              <a:ext uri="{FF2B5EF4-FFF2-40B4-BE49-F238E27FC236}">
+                <a16:creationId xmlns:a16="http://schemas.microsoft.com/office/drawing/2014/main" id="{EAA9D1D3-7F50-42C2-A993-16BD3359F952}"/>
+              </a:ext>
+            </a:extLst>
+          </p:cNvPr>
+          <p:cNvSpPr txBox="1"/>
+          <p:nvPr/>
+        </p:nvSpPr>
+        <p:spPr>
+          <a:xfrm>
+            <a:off x="330544" y="8336699"/>
+            <a:ext cx="6910934" cy="646331"/>
+          </a:xfrm>
+          <a:prstGeom prst="rect">
+            <a:avLst/>
+          </a:prstGeom>
+          <a:noFill/>
+        </p:spPr>
+        <p:txBody>
+          <a:bodyPr wrap="square">
+            <a:spAutoFit/>
+          </a:bodyPr>
+          <a:lstStyle/>
+          <a:p>
+            <a:r>
+              <a:rPr lang="en-US" dirty="0">
+                <a:highlight>
+                  <a:srgbClr val="FFFF00"/>
+                </a:highlight>
+                <a:latin typeface="Segoe UI" panose="020B0502040204020203" pitchFamily="34" charset="0"/>
+              </a:rPr>
+              <a:t>p</a:t>
+            </a:r>
+            <a:r>
+              <a:rPr lang="en-US" sz="1800" dirty="0">
+                <a:effectLst/>
+                <a:highlight>
+                  <a:srgbClr val="FFFF00"/>
+                </a:highlight>
+                <a:latin typeface="Segoe UI" panose="020B0502040204020203" pitchFamily="34" charset="0"/>
+              </a:rPr>
+              <a:t>rops: </a:t>
+            </a:r>
+            <a:r>
+              <a:rPr lang="en-US" dirty="0">
+                <a:latin typeface="Segoe UI" panose="020B0502040204020203" pitchFamily="34" charset="0"/>
+              </a:rPr>
+              <a:t>think of as an object that holds a pointer to data passing from parent component to Header</a:t>
+            </a:r>
+            <a:r>
+              <a:rPr lang="en-US" sz="1800" dirty="0">
+                <a:effectLst/>
+                <a:latin typeface="Segoe UI" panose="020B0502040204020203" pitchFamily="34" charset="0"/>
+              </a:rPr>
+              <a:t> </a:t>
+            </a:r>
+            <a:endParaRPr lang="en-US" sz="2000" dirty="0">
+              <a:effectLst/>
+              <a:latin typeface="Arial" panose="020B0604020202020204" pitchFamily="34" charset="0"/>
+            </a:endParaRPr>
+          </a:p>
+        </p:txBody>
+      </p:sp>
     </p:spTree>
     <p:extLst>
       <p:ext uri="{BB962C8B-B14F-4D97-AF65-F5344CB8AC3E}">
-        <p14:creationId xmlns:p14="http://schemas.microsoft.com/office/powerpoint/2010/main" val="2146374172"/>
+        <p14:creationId xmlns:p14="http://schemas.microsoft.com/office/powerpoint/2010/main" val="3786626766"/>
       </p:ext>
     </p:extLst>
   </p:cSld>
   <p:clrMapOvr>
     <a:masterClrMapping/>
   </p:clrMapOvr>
+  <p:timing>
+    <p:tnLst>
+      <p:par>
+        <p:cTn id="1" dur="indefinite" restart="never" nodeType="tmRoot">
+          <p:childTnLst>
+            <p:seq concurrent="1" nextAc="seek">
+              <p:cTn id="2" dur="indefinite" nodeType="mainSeq">
+                <p:childTnLst>
+                  <p:par>
+                    <p:cTn id="3" fill="hold">
+                      <p:stCondLst>
+                        <p:cond delay="indefinite"/>
+                      </p:stCondLst>
+                      <p:childTnLst>
+                        <p:par>
+                          <p:cTn id="4" fill="hold">
+                            <p:stCondLst>
+                              <p:cond delay="0"/>
+                            </p:stCondLst>
+                            <p:childTnLst>
+                              <p:par>
+                                <p:cTn id="5" presetID="1" presetClass="entr" presetSubtype="0" fill="hold" grpId="0" nodeType="clickEffect">
+                                  <p:stCondLst>
+                                    <p:cond delay="0"/>
+                                  </p:stCondLst>
+                                  <p:childTnLst>
+                                    <p:set>
+                                      <p:cBhvr>
+                                        <p:cTn id="6" dur="1" fill="hold">
+                                          <p:stCondLst>
+                                            <p:cond delay="0"/>
+                                          </p:stCondLst>
+                                        </p:cTn>
+                                        <p:tgtEl>
+                                          <p:spTgt spid="4"/>
+                                        </p:tgtEl>
+                                        <p:attrNameLst>
+                                          <p:attrName>style.visibility</p:attrName>
+                                        </p:attrNameLst>
+                                      </p:cBhvr>
+                                      <p:to>
+                                        <p:strVal val="visible"/>
+                                      </p:to>
+                                    </p:set>
+                                  </p:childTnLst>
+                                </p:cTn>
+                              </p:par>
+                            </p:childTnLst>
+                          </p:cTn>
+                        </p:par>
+                      </p:childTnLst>
+                    </p:cTn>
+                  </p:par>
+                  <p:par>
+                    <p:cTn id="7" fill="hold">
+                      <p:stCondLst>
+                        <p:cond delay="indefinite"/>
+                      </p:stCondLst>
+                      <p:childTnLst>
+                        <p:par>
+                          <p:cTn id="8" fill="hold">
+                            <p:stCondLst>
+                              <p:cond delay="0"/>
+                            </p:stCondLst>
+                            <p:childTnLst>
+                              <p:par>
+                                <p:cTn id="9" presetID="1" presetClass="entr" presetSubtype="0" fill="hold" grpId="0" nodeType="clickEffect">
+                                  <p:stCondLst>
+                                    <p:cond delay="0"/>
+                                  </p:stCondLst>
+                                  <p:childTnLst>
+                                    <p:set>
+                                      <p:cBhvr>
+                                        <p:cTn id="10" dur="1" fill="hold">
+                                          <p:stCondLst>
+                                            <p:cond delay="0"/>
+                                          </p:stCondLst>
+                                        </p:cTn>
+                                        <p:tgtEl>
+                                          <p:spTgt spid="13"/>
+                                        </p:tgtEl>
+                                        <p:attrNameLst>
+                                          <p:attrName>style.visibility</p:attrName>
+                                        </p:attrNameLst>
+                                      </p:cBhvr>
+                                      <p:to>
+                                        <p:strVal val="visible"/>
+                                      </p:to>
+                                    </p:set>
+                                  </p:childTnLst>
+                                </p:cTn>
+                              </p:par>
+                            </p:childTnLst>
+                          </p:cTn>
+                        </p:par>
+                      </p:childTnLst>
+                    </p:cTn>
+                  </p:par>
+                  <p:par>
+                    <p:cTn id="11" fill="hold">
+                      <p:stCondLst>
+                        <p:cond delay="indefinite"/>
+                      </p:stCondLst>
+                      <p:childTnLst>
+                        <p:par>
+                          <p:cTn id="12" fill="hold">
+                            <p:stCondLst>
+                              <p:cond delay="0"/>
+                            </p:stCondLst>
+                            <p:childTnLst>
+                              <p:par>
+                                <p:cTn id="13" presetID="1" presetClass="entr" presetSubtype="0" fill="hold" grpId="0" nodeType="clickEffect">
+                                  <p:stCondLst>
+                                    <p:cond delay="0"/>
+                                  </p:stCondLst>
+                                  <p:childTnLst>
+                                    <p:set>
+                                      <p:cBhvr>
+                                        <p:cTn id="14" dur="1" fill="hold">
+                                          <p:stCondLst>
+                                            <p:cond delay="0"/>
+                                          </p:stCondLst>
+                                        </p:cTn>
+                                        <p:tgtEl>
+                                          <p:spTgt spid="6"/>
+                                        </p:tgtEl>
+                                        <p:attrNameLst>
+                                          <p:attrName>style.visibility</p:attrName>
+                                        </p:attrNameLst>
+                                      </p:cBhvr>
+                                      <p:to>
+                                        <p:strVal val="visible"/>
+                                      </p:to>
+                                    </p:set>
+                                  </p:childTnLst>
+                                </p:cTn>
+                              </p:par>
+                            </p:childTnLst>
+                          </p:cTn>
+                        </p:par>
+                      </p:childTnLst>
+                    </p:cTn>
+                  </p:par>
+                  <p:par>
+                    <p:cTn id="15" fill="hold">
+                      <p:stCondLst>
+                        <p:cond delay="indefinite"/>
+                      </p:stCondLst>
+                      <p:childTnLst>
+                        <p:par>
+                          <p:cTn id="16" fill="hold">
+                            <p:stCondLst>
+                              <p:cond delay="0"/>
+                            </p:stCondLst>
+                            <p:childTnLst>
+                              <p:par>
+                                <p:cTn id="17" presetID="1" presetClass="entr" presetSubtype="0" fill="hold" grpId="0" nodeType="clickEffect">
+                                  <p:stCondLst>
+                                    <p:cond delay="0"/>
+                                  </p:stCondLst>
+                                  <p:childTnLst>
+                                    <p:set>
+                                      <p:cBhvr>
+                                        <p:cTn id="18" dur="1" fill="hold">
+                                          <p:stCondLst>
+                                            <p:cond delay="0"/>
+                                          </p:stCondLst>
+                                        </p:cTn>
+                                        <p:tgtEl>
+                                          <p:spTgt spid="15"/>
+                                        </p:tgtEl>
+                                        <p:attrNameLst>
+                                          <p:attrName>style.visibility</p:attrName>
+                                        </p:attrNameLst>
+                                      </p:cBhvr>
+                                      <p:to>
+                                        <p:strVal val="visible"/>
+                                      </p:to>
+                                    </p:set>
+                                  </p:childTnLst>
+                                </p:cTn>
+                              </p:par>
+                            </p:childTnLst>
+                          </p:cTn>
+                        </p:par>
+                      </p:childTnLst>
+                    </p:cTn>
+                  </p:par>
+                  <p:par>
+                    <p:cTn id="19" fill="hold">
+                      <p:stCondLst>
+                        <p:cond delay="indefinite"/>
+                      </p:stCondLst>
+                      <p:childTnLst>
+                        <p:par>
+                          <p:cTn id="20" fill="hold">
+                            <p:stCondLst>
+                              <p:cond delay="0"/>
+                            </p:stCondLst>
+                            <p:childTnLst>
+                              <p:par>
+                                <p:cTn id="21" presetID="1" presetClass="entr" presetSubtype="0" fill="hold" grpId="0" nodeType="clickEffect">
+                                  <p:stCondLst>
+                                    <p:cond delay="0"/>
+                                  </p:stCondLst>
+                                  <p:childTnLst>
+                                    <p:set>
+                                      <p:cBhvr>
+                                        <p:cTn id="22" dur="1" fill="hold">
+                                          <p:stCondLst>
+                                            <p:cond delay="0"/>
+                                          </p:stCondLst>
+                                        </p:cTn>
+                                        <p:tgtEl>
+                                          <p:spTgt spid="17"/>
+                                        </p:tgtEl>
+                                        <p:attrNameLst>
+                                          <p:attrName>style.visibility</p:attrName>
+                                        </p:attrNameLst>
+                                      </p:cBhvr>
+                                      <p:to>
+                                        <p:strVal val="visible"/>
+                                      </p:to>
+                                    </p:set>
+                                  </p:childTnLst>
+                                </p:cTn>
+                              </p:par>
+                            </p:childTnLst>
+                          </p:cTn>
+                        </p:par>
+                      </p:childTnLst>
+                    </p:cTn>
+                  </p:par>
+                  <p:par>
+                    <p:cTn id="23" fill="hold">
+                      <p:stCondLst>
+                        <p:cond delay="indefinite"/>
+                      </p:stCondLst>
+                      <p:childTnLst>
+                        <p:par>
+                          <p:cTn id="24" fill="hold">
+                            <p:stCondLst>
+                              <p:cond delay="0"/>
+                            </p:stCondLst>
+                            <p:childTnLst>
+                              <p:par>
+                                <p:cTn id="25" presetID="1" presetClass="entr" presetSubtype="0" fill="hold" grpId="0" nodeType="clickEffect">
+                                  <p:stCondLst>
+                                    <p:cond delay="0"/>
+                                  </p:stCondLst>
+                                  <p:childTnLst>
+                                    <p:set>
+                                      <p:cBhvr>
+                                        <p:cTn id="26" dur="1" fill="hold">
+                                          <p:stCondLst>
+                                            <p:cond delay="0"/>
+                                          </p:stCondLst>
+                                        </p:cTn>
+                                        <p:tgtEl>
+                                          <p:spTgt spid="16"/>
+                                        </p:tgtEl>
+                                        <p:attrNameLst>
+                                          <p:attrName>style.visibility</p:attrName>
+                                        </p:attrNameLst>
+                                      </p:cBhvr>
+                                      <p:to>
+                                        <p:strVal val="visible"/>
+                                      </p:to>
+                                    </p:set>
+                                  </p:childTnLst>
+                                </p:cTn>
+                              </p:par>
+                            </p:childTnLst>
+                          </p:cTn>
+                        </p:par>
+                      </p:childTnLst>
+                    </p:cTn>
+                  </p:par>
+                </p:childTnLst>
+              </p:cTn>
+              <p:prevCondLst>
+                <p:cond evt="onPrev" delay="0">
+                  <p:tgtEl>
+                    <p:sldTgt/>
+                  </p:tgtEl>
+                </p:cond>
+              </p:prevCondLst>
+              <p:nextCondLst>
+                <p:cond evt="onNext" delay="0">
+                  <p:tgtEl>
+                    <p:sldTgt/>
+                  </p:tgtEl>
+                </p:cond>
+              </p:nextCondLst>
+            </p:seq>
+          </p:childTnLst>
+        </p:cTn>
+      </p:par>
+    </p:tnLst>
+    <p:bldLst>
+      <p:bldP spid="4" grpId="0" animBg="1"/>
+      <p:bldP spid="6" grpId="0"/>
+      <p:bldP spid="13" grpId="0"/>
+      <p:bldP spid="15" grpId="0"/>
+      <p:bldP spid="16" grpId="0"/>
+      <p:bldP spid="17" grpId="0"/>
+    </p:bldLst>
+  </p:timing>
+  <p:extLst>
+    <p:ext uri="{6950BFC3-D8DA-4A85-94F7-54DA5524770B}">
+      <p188:commentRel xmlns:p188="http://schemas.microsoft.com/office/powerpoint/2018/8/main" r:id="rId2"/>
+    </p:ext>
+  </p:extLst>
 </p:sld>
 </file>
 
-<file path=ppt/slides/slide23.xml><?xml version="1.0" encoding="utf-8"?>
+<file path=ppt/slides/slide25.xml><?xml version="1.0" encoding="utf-8"?>
 <p:sld xmlns:a="http://schemas.openxmlformats.org/drawingml/2006/main" xmlns:r="http://schemas.openxmlformats.org/officeDocument/2006/relationships" xmlns:p="http://schemas.openxmlformats.org/presentationml/2006/main">
   <p:cSld>
     <p:spTree>
@@ -13719,7 +16721,7 @@
 </p:sld>
 </file>
 
-<file path=ppt/slides/slide24.xml><?xml version="1.0" encoding="utf-8"?>
+<file path=ppt/slides/slide26.xml><?xml version="1.0" encoding="utf-8"?>
 <p:sld xmlns:a="http://schemas.openxmlformats.org/drawingml/2006/main" xmlns:r="http://schemas.openxmlformats.org/officeDocument/2006/relationships" xmlns:p="http://schemas.openxmlformats.org/presentationml/2006/main">
   <p:cSld>
     <p:spTree>
@@ -13749,7 +16751,7 @@
 </p:sld>
 </file>
 
-<file path=ppt/slides/slide25.xml><?xml version="1.0" encoding="utf-8"?>
+<file path=ppt/slides/slide27.xml><?xml version="1.0" encoding="utf-8"?>
 <p:sld xmlns:a="http://schemas.openxmlformats.org/drawingml/2006/main" xmlns:r="http://schemas.openxmlformats.org/officeDocument/2006/relationships" xmlns:p="http://schemas.openxmlformats.org/presentationml/2006/main">
   <p:cSld>
     <p:spTree>
@@ -13779,7 +16781,7 @@
 </p:sld>
 </file>
 
-<file path=ppt/slides/slide26.xml><?xml version="1.0" encoding="utf-8"?>
+<file path=ppt/slides/slide28.xml><?xml version="1.0" encoding="utf-8"?>
 <p:sld xmlns:a="http://schemas.openxmlformats.org/drawingml/2006/main" xmlns:r="http://schemas.openxmlformats.org/officeDocument/2006/relationships" xmlns:p="http://schemas.openxmlformats.org/presentationml/2006/main">
   <p:cSld>
     <p:spTree>
@@ -13809,7 +16811,7 @@
 </p:sld>
 </file>
 
-<file path=ppt/slides/slide27.xml><?xml version="1.0" encoding="utf-8"?>
+<file path=ppt/slides/slide29.xml><?xml version="1.0" encoding="utf-8"?>
 <p:sld xmlns:a="http://schemas.openxmlformats.org/drawingml/2006/main" xmlns:r="http://schemas.openxmlformats.org/officeDocument/2006/relationships" xmlns:p="http://schemas.openxmlformats.org/presentationml/2006/main">
   <p:cSld>
     <p:spTree>

--- a/doc/React.pptx
+++ b/doc/React.pptx
@@ -5,7 +5,7 @@
     <p:sldMasterId id="2147483660" r:id="rId1"/>
   </p:sldMasterIdLst>
   <p:notesMasterIdLst>
-    <p:notesMasterId r:id="rId31"/>
+    <p:notesMasterId r:id="rId32"/>
   </p:notesMasterIdLst>
   <p:sldIdLst>
     <p:sldId id="270" r:id="rId2"/>
@@ -32,11 +32,12 @@
     <p:sldId id="302" r:id="rId23"/>
     <p:sldId id="276" r:id="rId24"/>
     <p:sldId id="303" r:id="rId25"/>
-    <p:sldId id="277" r:id="rId26"/>
-    <p:sldId id="278" r:id="rId27"/>
-    <p:sldId id="279" r:id="rId28"/>
-    <p:sldId id="280" r:id="rId29"/>
-    <p:sldId id="281" r:id="rId30"/>
+    <p:sldId id="304" r:id="rId26"/>
+    <p:sldId id="277" r:id="rId27"/>
+    <p:sldId id="278" r:id="rId28"/>
+    <p:sldId id="279" r:id="rId29"/>
+    <p:sldId id="280" r:id="rId30"/>
+    <p:sldId id="281" r:id="rId31"/>
   </p:sldIdLst>
   <p:sldSz cx="7772400" cy="10058400"/>
   <p:notesSz cx="6858000" cy="9144000"/>
@@ -488,6 +489,32 @@
 export default b;
 in the other file
 import b, { a } from './x';</a:t>
+        </a:r>
+      </a:p>
+    </p188:txBody>
+  </p188:cm>
+</p188:cmLst>
+</file>
+
+<file path=ppt/comments/modernComment_130_F9B507C5.xml><?xml version="1.0" encoding="utf-8"?>
+<p188:cmLst xmlns:a="http://schemas.openxmlformats.org/drawingml/2006/main" xmlns:r="http://schemas.openxmlformats.org/officeDocument/2006/relationships" xmlns:p188="http://schemas.microsoft.com/office/powerpoint/2018/8/main">
+  <p188:cm id="{B03EB897-E1DD-496E-A1CB-49AAD47BDE45}" authorId="{4DC68FF1-9336-A390-AB80-FC8E420981B7}" created="2023-04-14T22:32:05.763">
+    <ac:txMkLst xmlns:ac="http://schemas.microsoft.com/office/drawing/2013/main/command">
+      <pc:docMk xmlns:pc="http://schemas.microsoft.com/office/powerpoint/2013/main/command"/>
+      <pc:sldMk xmlns:pc="http://schemas.microsoft.com/office/powerpoint/2013/main/command" cId="4189390789" sldId="304"/>
+      <ac:spMk id="12" creationId="{2245260B-EF5C-70E8-AA5F-84C083D6E5F5}"/>
+      <ac:txMk cp="60" len="16">
+        <ac:context len="79" hash="3312981969"/>
+      </ac:txMk>
+    </ac:txMkLst>
+    <p188:pos x="5925629" y="476532"/>
+    <p188:txBody>
+      <a:bodyPr/>
+      <a:lstStyle/>
+      <a:p>
+        <a:r>
+          <a:rPr lang="en-CA"/>
+          <a:t>Pass the value from the highest necessary component</a:t>
         </a:r>
       </a:p>
     </p188:txBody>
@@ -16004,7 +16031,7 @@
         </p:blipFill>
         <p:spPr>
           <a:xfrm>
-            <a:off x="857250" y="1398535"/>
+            <a:off x="857250" y="923330"/>
             <a:ext cx="3028950" cy="4143375"/>
           </a:xfrm>
           <a:prstGeom prst="rect">
@@ -16026,7 +16053,7 @@
         </p:nvSpPr>
         <p:spPr>
           <a:xfrm>
-            <a:off x="1109271" y="3294806"/>
+            <a:off x="1109271" y="2819601"/>
             <a:ext cx="1933731" cy="707568"/>
           </a:xfrm>
           <a:prstGeom prst="roundRect">
@@ -16077,13 +16104,18 @@
         </p:nvSpPr>
         <p:spPr>
           <a:xfrm>
-            <a:off x="717653" y="6759243"/>
+            <a:off x="205666" y="5988049"/>
             <a:ext cx="4650698" cy="923330"/>
           </a:xfrm>
           <a:prstGeom prst="rect">
             <a:avLst/>
           </a:prstGeom>
           <a:noFill/>
+          <a:ln>
+            <a:solidFill>
+              <a:schemeClr val="tx1"/>
+            </a:solidFill>
+          </a:ln>
         </p:spPr>
         <p:txBody>
           <a:bodyPr wrap="square">
@@ -16137,7 +16169,7 @@
         </p:nvSpPr>
         <p:spPr>
           <a:xfrm>
-            <a:off x="0" y="5617989"/>
+            <a:off x="50367" y="5112169"/>
             <a:ext cx="4961295" cy="923330"/>
           </a:xfrm>
           <a:prstGeom prst="rect">
@@ -16220,7 +16252,7 @@
         </p:nvSpPr>
         <p:spPr>
           <a:xfrm>
-            <a:off x="330544" y="7829823"/>
+            <a:off x="147660" y="6962976"/>
             <a:ext cx="6910934" cy="369332"/>
           </a:xfrm>
           <a:prstGeom prst="rect">
@@ -16262,7 +16294,7 @@
         </p:nvSpPr>
         <p:spPr>
           <a:xfrm>
-            <a:off x="314237" y="9059109"/>
+            <a:off x="146388" y="7945295"/>
             <a:ext cx="6910934" cy="369332"/>
           </a:xfrm>
           <a:prstGeom prst="rect">
@@ -16312,7 +16344,7 @@
         </p:nvSpPr>
         <p:spPr>
           <a:xfrm>
-            <a:off x="330544" y="8336699"/>
+            <a:off x="147660" y="7298964"/>
             <a:ext cx="6910934" cy="646331"/>
           </a:xfrm>
           <a:prstGeom prst="rect">
@@ -16362,6 +16394,150 @@
               <a:effectLst/>
               <a:latin typeface="Arial" panose="020B0604020202020204" pitchFamily="34" charset="0"/>
             </a:endParaRPr>
+          </a:p>
+        </p:txBody>
+      </p:sp>
+      <p:sp>
+        <p:nvSpPr>
+          <p:cNvPr id="5" name="TextBox 4">
+            <a:extLst>
+              <a:ext uri="{FF2B5EF4-FFF2-40B4-BE49-F238E27FC236}">
+                <a16:creationId xmlns:a16="http://schemas.microsoft.com/office/drawing/2014/main" id="{4934E958-0C4F-61D5-0B0B-0A7FAB285678}"/>
+              </a:ext>
+            </a:extLst>
+          </p:cNvPr>
+          <p:cNvSpPr txBox="1"/>
+          <p:nvPr/>
+        </p:nvSpPr>
+        <p:spPr>
+          <a:xfrm>
+            <a:off x="205666" y="8321340"/>
+            <a:ext cx="7566734" cy="2031325"/>
+          </a:xfrm>
+          <a:prstGeom prst="rect">
+            <a:avLst/>
+          </a:prstGeom>
+          <a:noFill/>
+          <a:ln>
+            <a:solidFill>
+              <a:schemeClr val="tx1"/>
+            </a:solidFill>
+          </a:ln>
+        </p:spPr>
+        <p:txBody>
+          <a:bodyPr wrap="square">
+            <a:spAutoFit/>
+          </a:bodyPr>
+          <a:lstStyle/>
+          <a:p>
+            <a:r>
+              <a:rPr lang="en-US" b="0" dirty="0">
+                <a:effectLst/>
+                <a:latin typeface="Consolas" panose="020B0609020204030204" pitchFamily="49" charset="0"/>
+              </a:rPr>
+              <a:t>import React from 'react';</a:t>
+            </a:r>
+          </a:p>
+          <a:p>
+            <a:r>
+              <a:rPr lang="en-US" b="0" dirty="0">
+                <a:effectLst/>
+                <a:latin typeface="Consolas" panose="020B0609020204030204" pitchFamily="49" charset="0"/>
+              </a:rPr>
+              <a:t>import './App.css';</a:t>
+            </a:r>
+          </a:p>
+          <a:p>
+            <a:r>
+              <a:rPr lang="en-US" b="0" dirty="0">
+                <a:effectLst/>
+                <a:highlight>
+                  <a:srgbClr val="FFFF00"/>
+                </a:highlight>
+                <a:latin typeface="Consolas" panose="020B0609020204030204" pitchFamily="49" charset="0"/>
+              </a:rPr>
+              <a:t>import Header from './header/Header';</a:t>
+            </a:r>
+          </a:p>
+          <a:p>
+            <a:r>
+              <a:rPr lang="en-US" b="0" dirty="0">
+                <a:effectLst/>
+                <a:latin typeface="Consolas" panose="020B0609020204030204" pitchFamily="49" charset="0"/>
+              </a:rPr>
+              <a:t>function App() {</a:t>
+            </a:r>
+          </a:p>
+          <a:p>
+            <a:r>
+              <a:rPr lang="en-US" dirty="0">
+                <a:highlight>
+                  <a:srgbClr val="FFFF00"/>
+                </a:highlight>
+                <a:latin typeface="Consolas" panose="020B0609020204030204" pitchFamily="49" charset="0"/>
+              </a:rPr>
+              <a:t>  return (&lt;Header/&gt;);</a:t>
+            </a:r>
+          </a:p>
+          <a:p>
+            <a:r>
+              <a:rPr lang="en-US" b="0" dirty="0">
+                <a:effectLst/>
+                <a:latin typeface="Consolas" panose="020B0609020204030204" pitchFamily="49" charset="0"/>
+              </a:rPr>
+              <a:t>}</a:t>
+            </a:r>
+          </a:p>
+          <a:p>
+            <a:r>
+              <a:rPr lang="en-US" b="0" dirty="0">
+                <a:effectLst/>
+                <a:latin typeface="Consolas" panose="020B0609020204030204" pitchFamily="49" charset="0"/>
+              </a:rPr>
+              <a:t>export default App;</a:t>
+            </a:r>
+          </a:p>
+        </p:txBody>
+      </p:sp>
+      <p:sp>
+        <p:nvSpPr>
+          <p:cNvPr id="7" name="TextBox 6">
+            <a:extLst>
+              <a:ext uri="{FF2B5EF4-FFF2-40B4-BE49-F238E27FC236}">
+                <a16:creationId xmlns:a16="http://schemas.microsoft.com/office/drawing/2014/main" id="{B20E8BDC-74A9-B73E-18A0-979780E4DCCA}"/>
+              </a:ext>
+            </a:extLst>
+          </p:cNvPr>
+          <p:cNvSpPr txBox="1"/>
+          <p:nvPr/>
+        </p:nvSpPr>
+        <p:spPr>
+          <a:xfrm>
+            <a:off x="5296160" y="9013836"/>
+            <a:ext cx="2270574" cy="646331"/>
+          </a:xfrm>
+          <a:prstGeom prst="rect">
+            <a:avLst/>
+          </a:prstGeom>
+          <a:solidFill>
+            <a:srgbClr val="C00000"/>
+          </a:solidFill>
+        </p:spPr>
+        <p:txBody>
+          <a:bodyPr wrap="square">
+            <a:spAutoFit/>
+          </a:bodyPr>
+          <a:lstStyle/>
+          <a:p>
+            <a:pPr algn="ctr"/>
+            <a:r>
+              <a:rPr lang="en-CA" dirty="0">
+                <a:solidFill>
+                  <a:schemeClr val="bg1"/>
+                </a:solidFill>
+              </a:rPr>
+              <a:t>Invoking/Adding Element to App.js</a:t>
+            </a:r>
           </a:p>
         </p:txBody>
       </p:sp>
@@ -16653,6 +16829,96 @@
                       </p:childTnLst>
                     </p:cTn>
                   </p:par>
+                  <p:par>
+                    <p:cTn id="27" fill="hold">
+                      <p:stCondLst>
+                        <p:cond delay="indefinite"/>
+                      </p:stCondLst>
+                      <p:childTnLst>
+                        <p:par>
+                          <p:cTn id="28" fill="hold">
+                            <p:stCondLst>
+                              <p:cond delay="0"/>
+                            </p:stCondLst>
+                            <p:childTnLst>
+                              <p:par>
+                                <p:cTn id="29" presetID="1" presetClass="entr" presetSubtype="0" fill="hold" grpId="0" nodeType="clickEffect">
+                                  <p:stCondLst>
+                                    <p:cond delay="0"/>
+                                  </p:stCondLst>
+                                  <p:childTnLst>
+                                    <p:set>
+                                      <p:cBhvr>
+                                        <p:cTn id="30" dur="1" fill="hold">
+                                          <p:stCondLst>
+                                            <p:cond delay="0"/>
+                                          </p:stCondLst>
+                                        </p:cTn>
+                                        <p:tgtEl>
+                                          <p:spTgt spid="5"/>
+                                        </p:tgtEl>
+                                        <p:attrNameLst>
+                                          <p:attrName>style.visibility</p:attrName>
+                                        </p:attrNameLst>
+                                      </p:cBhvr>
+                                      <p:to>
+                                        <p:strVal val="visible"/>
+                                      </p:to>
+                                    </p:set>
+                                  </p:childTnLst>
+                                </p:cTn>
+                              </p:par>
+                            </p:childTnLst>
+                          </p:cTn>
+                        </p:par>
+                      </p:childTnLst>
+                    </p:cTn>
+                  </p:par>
+                  <p:par>
+                    <p:cTn id="31" fill="hold">
+                      <p:stCondLst>
+                        <p:cond delay="indefinite"/>
+                      </p:stCondLst>
+                      <p:childTnLst>
+                        <p:par>
+                          <p:cTn id="32" fill="hold">
+                            <p:stCondLst>
+                              <p:cond delay="0"/>
+                            </p:stCondLst>
+                            <p:childTnLst>
+                              <p:par>
+                                <p:cTn id="33" presetID="1" presetClass="entr" presetSubtype="0" fill="hold" grpId="0" nodeType="clickEffect">
+                                  <p:stCondLst>
+                                    <p:cond delay="0"/>
+                                  </p:stCondLst>
+                                  <p:childTnLst>
+                                    <p:set>
+                                      <p:cBhvr>
+                                        <p:cTn id="34" dur="1" fill="hold">
+                                          <p:stCondLst>
+                                            <p:cond delay="0"/>
+                                          </p:stCondLst>
+                                        </p:cTn>
+                                        <p:tgtEl>
+                                          <p:spTgt spid="7"/>
+                                        </p:tgtEl>
+                                        <p:attrNameLst>
+                                          <p:attrName>style.visibility</p:attrName>
+                                        </p:attrNameLst>
+                                      </p:cBhvr>
+                                      <p:to>
+                                        <p:strVal val="visible"/>
+                                      </p:to>
+                                    </p:set>
+                                  </p:childTnLst>
+                                </p:cTn>
+                              </p:par>
+                            </p:childTnLst>
+                          </p:cTn>
+                        </p:par>
+                      </p:childTnLst>
+                    </p:cTn>
+                  </p:par>
                 </p:childTnLst>
               </p:cTn>
               <p:prevCondLst>
@@ -16681,6 +16947,8 @@
       <p:bldP spid="15" grpId="0"/>
       <p:bldP spid="16" grpId="0"/>
       <p:bldP spid="17" grpId="0"/>
+      <p:bldP spid="5" grpId="0" animBg="1"/>
+      <p:bldP spid="7" grpId="0" animBg="1"/>
     </p:bldLst>
   </p:timing>
   <p:extLst>
@@ -16692,6 +16960,1125 @@
 </file>
 
 <file path=ppt/slides/slide25.xml><?xml version="1.0" encoding="utf-8"?>
+<p:sld xmlns:a="http://schemas.openxmlformats.org/drawingml/2006/main" xmlns:r="http://schemas.openxmlformats.org/officeDocument/2006/relationships" xmlns:p="http://schemas.openxmlformats.org/presentationml/2006/main">
+  <p:cSld>
+    <p:spTree>
+      <p:nvGrpSpPr>
+        <p:cNvPr id="1" name=""/>
+        <p:cNvGrpSpPr/>
+        <p:nvPr/>
+      </p:nvGrpSpPr>
+      <p:grpSpPr>
+        <a:xfrm>
+          <a:off x="0" y="0"/>
+          <a:ext cx="0" cy="0"/>
+          <a:chOff x="0" y="0"/>
+          <a:chExt cx="0" cy="0"/>
+        </a:xfrm>
+      </p:grpSpPr>
+      <p:sp>
+        <p:nvSpPr>
+          <p:cNvPr id="8" name="Rectangle 7">
+            <a:extLst>
+              <a:ext uri="{FF2B5EF4-FFF2-40B4-BE49-F238E27FC236}">
+                <a16:creationId xmlns:a16="http://schemas.microsoft.com/office/drawing/2014/main" id="{158F95D5-BE54-3736-1783-2E5501BC5DA8}"/>
+              </a:ext>
+            </a:extLst>
+          </p:cNvPr>
+          <p:cNvSpPr/>
+          <p:nvPr/>
+        </p:nvSpPr>
+        <p:spPr>
+          <a:xfrm>
+            <a:off x="946335" y="0"/>
+            <a:ext cx="5646739" cy="923330"/>
+          </a:xfrm>
+          <a:prstGeom prst="rect">
+            <a:avLst/>
+          </a:prstGeom>
+          <a:noFill/>
+        </p:spPr>
+        <p:txBody>
+          <a:bodyPr wrap="none" lIns="91440" tIns="45720" rIns="91440" bIns="45720">
+            <a:spAutoFit/>
+          </a:bodyPr>
+          <a:lstStyle/>
+          <a:p>
+            <a:pPr algn="ctr"/>
+            <a:r>
+              <a:rPr lang="en-US" sz="5400" b="0" cap="none" spc="0" dirty="0">
+                <a:ln w="0"/>
+                <a:solidFill>
+                  <a:schemeClr val="tx1"/>
+                </a:solidFill>
+                <a:effectLst>
+                  <a:outerShdw blurRad="38100" dist="19050" dir="2700000" algn="tl" rotWithShape="0">
+                    <a:schemeClr val="dk1">
+                      <a:alpha val="40000"/>
+                    </a:schemeClr>
+                  </a:outerShdw>
+                </a:effectLst>
+              </a:rPr>
+              <a:t>Our Project - </a:t>
+            </a:r>
+            <a:r>
+              <a:rPr lang="en-US" sz="5400" b="0" cap="none" spc="0" dirty="0">
+                <a:ln w="0"/>
+                <a:solidFill>
+                  <a:schemeClr val="tx1"/>
+                </a:solidFill>
+                <a:effectLst>
+                  <a:outerShdw blurRad="38100" dist="19050" dir="2700000" algn="tl" rotWithShape="0">
+                    <a:schemeClr val="dk1">
+                      <a:alpha val="40000"/>
+                    </a:schemeClr>
+                  </a:outerShdw>
+                </a:effectLst>
+                <a:highlight>
+                  <a:srgbClr val="FFFF00"/>
+                </a:highlight>
+              </a:rPr>
+              <a:t>H</a:t>
+            </a:r>
+            <a:r>
+              <a:rPr lang="en-US" sz="2400" b="0" cap="none" spc="0" dirty="0">
+                <a:ln w="0"/>
+                <a:solidFill>
+                  <a:schemeClr val="tx1"/>
+                </a:solidFill>
+                <a:effectLst>
+                  <a:outerShdw blurRad="38100" dist="19050" dir="2700000" algn="tl" rotWithShape="0">
+                    <a:schemeClr val="dk1">
+                      <a:alpha val="40000"/>
+                    </a:schemeClr>
+                  </a:outerShdw>
+                </a:effectLst>
+              </a:rPr>
+              <a:t>eader</a:t>
+            </a:r>
+            <a:endParaRPr lang="en-US" sz="5400" b="0" cap="none" spc="0" dirty="0">
+              <a:ln w="0"/>
+              <a:solidFill>
+                <a:schemeClr val="tx1"/>
+              </a:solidFill>
+              <a:effectLst>
+                <a:outerShdw blurRad="38100" dist="19050" dir="2700000" algn="tl" rotWithShape="0">
+                  <a:schemeClr val="dk1">
+                    <a:alpha val="40000"/>
+                  </a:schemeClr>
+                </a:outerShdw>
+              </a:effectLst>
+            </a:endParaRPr>
+          </a:p>
+        </p:txBody>
+      </p:sp>
+      <p:sp>
+        <p:nvSpPr>
+          <p:cNvPr id="6" name="TextBox 5">
+            <a:extLst>
+              <a:ext uri="{FF2B5EF4-FFF2-40B4-BE49-F238E27FC236}">
+                <a16:creationId xmlns:a16="http://schemas.microsoft.com/office/drawing/2014/main" id="{F21C8A41-49AB-D2C6-7D76-2BB17503FD43}"/>
+              </a:ext>
+            </a:extLst>
+          </p:cNvPr>
+          <p:cNvSpPr txBox="1"/>
+          <p:nvPr/>
+        </p:nvSpPr>
+        <p:spPr>
+          <a:xfrm>
+            <a:off x="205666" y="1826685"/>
+            <a:ext cx="7361067" cy="3139321"/>
+          </a:xfrm>
+          <a:prstGeom prst="rect">
+            <a:avLst/>
+          </a:prstGeom>
+          <a:noFill/>
+          <a:ln w="28575">
+            <a:solidFill>
+              <a:schemeClr val="tx1"/>
+            </a:solidFill>
+          </a:ln>
+        </p:spPr>
+        <p:txBody>
+          <a:bodyPr wrap="square">
+            <a:spAutoFit/>
+          </a:bodyPr>
+          <a:lstStyle/>
+          <a:p>
+            <a:r>
+              <a:rPr lang="en-CA" dirty="0">
+                <a:highlight>
+                  <a:srgbClr val="FFFF00"/>
+                </a:highlight>
+              </a:rPr>
+              <a:t>const</a:t>
+            </a:r>
+            <a:r>
+              <a:rPr lang="en-CA" dirty="0"/>
+              <a:t> Header = (props) =&gt; {</a:t>
+            </a:r>
+          </a:p>
+          <a:p>
+            <a:endParaRPr lang="en-CA" dirty="0"/>
+          </a:p>
+          <a:p>
+            <a:r>
+              <a:rPr lang="en-CA" dirty="0"/>
+              <a:t>const </a:t>
+            </a:r>
+            <a:r>
+              <a:rPr lang="en-CA" dirty="0" err="1"/>
+              <a:t>ver</a:t>
+            </a:r>
+            <a:r>
+              <a:rPr lang="en-CA" dirty="0"/>
+              <a:t> = &lt;span </a:t>
+            </a:r>
+            <a:r>
+              <a:rPr lang="en-CA" dirty="0" err="1"/>
+              <a:t>className</a:t>
+            </a:r>
+            <a:r>
+              <a:rPr lang="en-CA" dirty="0"/>
+              <a:t>="version"&gt;[Version: {</a:t>
+            </a:r>
+            <a:r>
+              <a:rPr lang="en-CA" dirty="0" err="1">
+                <a:highlight>
+                  <a:srgbClr val="FFFF00"/>
+                </a:highlight>
+              </a:rPr>
+              <a:t>props.version</a:t>
+            </a:r>
+            <a:r>
+              <a:rPr lang="en-CA" dirty="0"/>
+              <a:t>}</a:t>
+            </a:r>
+          </a:p>
+          <a:p>
+            <a:r>
+              <a:rPr lang="en-CA" dirty="0"/>
+              <a:t>]&lt;/span&gt;;</a:t>
+            </a:r>
+          </a:p>
+          <a:p>
+            <a:br>
+              <a:rPr lang="en-CA" dirty="0"/>
+            </a:br>
+            <a:r>
+              <a:rPr lang="en-CA" dirty="0"/>
+              <a:t>return(</a:t>
+            </a:r>
+          </a:p>
+          <a:p>
+            <a:r>
+              <a:rPr lang="en-CA" dirty="0"/>
+              <a:t>  </a:t>
+            </a:r>
+            <a:r>
+              <a:rPr lang="en-CA" dirty="0">
+                <a:highlight>
+                  <a:srgbClr val="FFFF00"/>
+                </a:highlight>
+              </a:rPr>
+              <a:t>&lt;&gt;</a:t>
+            </a:r>
+          </a:p>
+          <a:p>
+            <a:r>
+              <a:rPr lang="en-CA" dirty="0"/>
+              <a:t>      &lt;h3 </a:t>
+            </a:r>
+            <a:r>
+              <a:rPr lang="en-CA" dirty="0" err="1"/>
+              <a:t>className</a:t>
+            </a:r>
+            <a:r>
+              <a:rPr lang="en-CA" dirty="0"/>
+              <a:t>='</a:t>
+            </a:r>
+            <a:r>
+              <a:rPr lang="en-CA" dirty="0" err="1"/>
+              <a:t>topParag</a:t>
+            </a:r>
+            <a:r>
+              <a:rPr lang="en-CA" dirty="0"/>
+              <a:t>'&gt;Task Tracker</a:t>
+            </a:r>
+            <a:r>
+              <a:rPr lang="en-CA" dirty="0">
+                <a:highlight>
+                  <a:srgbClr val="FFFF00"/>
+                </a:highlight>
+              </a:rPr>
+              <a:t>{</a:t>
+            </a:r>
+            <a:r>
+              <a:rPr lang="en-CA" dirty="0" err="1">
+                <a:highlight>
+                  <a:srgbClr val="FFFF00"/>
+                </a:highlight>
+              </a:rPr>
+              <a:t>ver</a:t>
+            </a:r>
+            <a:r>
+              <a:rPr lang="en-CA" dirty="0">
+                <a:highlight>
+                  <a:srgbClr val="FFFF00"/>
+                </a:highlight>
+              </a:rPr>
+              <a:t>}</a:t>
+            </a:r>
+            <a:r>
+              <a:rPr lang="en-CA" dirty="0"/>
+              <a:t>&lt;/h3&gt;</a:t>
+            </a:r>
+          </a:p>
+          <a:p>
+            <a:r>
+              <a:rPr lang="en-CA" dirty="0"/>
+              <a:t>  &lt;/&gt;</a:t>
+            </a:r>
+          </a:p>
+          <a:p>
+            <a:r>
+              <a:rPr lang="en-CA" dirty="0"/>
+              <a:t> );</a:t>
+            </a:r>
+          </a:p>
+          <a:p>
+            <a:r>
+              <a:rPr lang="en-CA" dirty="0"/>
+              <a:t>}</a:t>
+            </a:r>
+          </a:p>
+        </p:txBody>
+      </p:sp>
+      <p:sp>
+        <p:nvSpPr>
+          <p:cNvPr id="15" name="TextBox 14">
+            <a:extLst>
+              <a:ext uri="{FF2B5EF4-FFF2-40B4-BE49-F238E27FC236}">
+                <a16:creationId xmlns:a16="http://schemas.microsoft.com/office/drawing/2014/main" id="{681D3D20-CC66-C1CC-0332-E2F520DD4FBB}"/>
+              </a:ext>
+            </a:extLst>
+          </p:cNvPr>
+          <p:cNvSpPr txBox="1"/>
+          <p:nvPr/>
+        </p:nvSpPr>
+        <p:spPr>
+          <a:xfrm>
+            <a:off x="205666" y="1049441"/>
+            <a:ext cx="6910934" cy="646331"/>
+          </a:xfrm>
+          <a:prstGeom prst="rect">
+            <a:avLst/>
+          </a:prstGeom>
+          <a:noFill/>
+        </p:spPr>
+        <p:txBody>
+          <a:bodyPr wrap="square">
+            <a:spAutoFit/>
+          </a:bodyPr>
+          <a:lstStyle/>
+          <a:p>
+            <a:r>
+              <a:rPr lang="en-CA" dirty="0"/>
+              <a:t>Override App.css by copying the one available at slack: </a:t>
+            </a:r>
+            <a:r>
+              <a:rPr lang="en-CA" dirty="0">
+                <a:highlight>
+                  <a:srgbClr val="FFFF00"/>
+                </a:highlight>
+              </a:rPr>
+              <a:t>#react-hackathon</a:t>
+            </a:r>
+            <a:r>
+              <a:rPr lang="en-CA" dirty="0"/>
+              <a:t>.  This is not our focus, so let’s copy it over.</a:t>
+            </a:r>
+          </a:p>
+        </p:txBody>
+      </p:sp>
+      <p:sp>
+        <p:nvSpPr>
+          <p:cNvPr id="16" name="TextBox 15">
+            <a:extLst>
+              <a:ext uri="{FF2B5EF4-FFF2-40B4-BE49-F238E27FC236}">
+                <a16:creationId xmlns:a16="http://schemas.microsoft.com/office/drawing/2014/main" id="{D4DDB79D-1C4B-F713-4026-D7FFA5C19242}"/>
+              </a:ext>
+            </a:extLst>
+          </p:cNvPr>
+          <p:cNvSpPr txBox="1"/>
+          <p:nvPr/>
+        </p:nvSpPr>
+        <p:spPr>
+          <a:xfrm>
+            <a:off x="205666" y="5790760"/>
+            <a:ext cx="6910934" cy="646331"/>
+          </a:xfrm>
+          <a:prstGeom prst="rect">
+            <a:avLst/>
+          </a:prstGeom>
+          <a:noFill/>
+        </p:spPr>
+        <p:txBody>
+          <a:bodyPr wrap="square">
+            <a:spAutoFit/>
+          </a:bodyPr>
+          <a:lstStyle/>
+          <a:p>
+            <a:r>
+              <a:rPr lang="en-US" dirty="0">
+                <a:highlight>
+                  <a:srgbClr val="FFFF00"/>
+                </a:highlight>
+                <a:latin typeface="Segoe UI" panose="020B0502040204020203" pitchFamily="34" charset="0"/>
+              </a:rPr>
+              <a:t>&lt;&gt;: </a:t>
+            </a:r>
+            <a:r>
+              <a:rPr lang="en-US" dirty="0">
+                <a:latin typeface="Segoe UI" panose="020B0502040204020203" pitchFamily="34" charset="0"/>
+              </a:rPr>
+              <a:t>return must return one element only. One way is to use &lt;&gt; to wrap elements. You may use &lt;div&gt; instead.</a:t>
+            </a:r>
+            <a:endParaRPr lang="en-US" sz="2000" dirty="0">
+              <a:effectLst/>
+              <a:latin typeface="Arial" panose="020B0604020202020204" pitchFamily="34" charset="0"/>
+            </a:endParaRPr>
+          </a:p>
+        </p:txBody>
+      </p:sp>
+      <p:sp>
+        <p:nvSpPr>
+          <p:cNvPr id="17" name="TextBox 16">
+            <a:extLst>
+              <a:ext uri="{FF2B5EF4-FFF2-40B4-BE49-F238E27FC236}">
+                <a16:creationId xmlns:a16="http://schemas.microsoft.com/office/drawing/2014/main" id="{EAA9D1D3-7F50-42C2-A993-16BD3359F952}"/>
+              </a:ext>
+            </a:extLst>
+          </p:cNvPr>
+          <p:cNvSpPr txBox="1"/>
+          <p:nvPr/>
+        </p:nvSpPr>
+        <p:spPr>
+          <a:xfrm>
+            <a:off x="205666" y="5290515"/>
+            <a:ext cx="6910934" cy="369332"/>
+          </a:xfrm>
+          <a:prstGeom prst="rect">
+            <a:avLst/>
+          </a:prstGeom>
+          <a:noFill/>
+        </p:spPr>
+        <p:txBody>
+          <a:bodyPr wrap="square">
+            <a:spAutoFit/>
+          </a:bodyPr>
+          <a:lstStyle/>
+          <a:p>
+            <a:r>
+              <a:rPr lang="en-US" dirty="0">
+                <a:highlight>
+                  <a:srgbClr val="FFFF00"/>
+                </a:highlight>
+                <a:latin typeface="Segoe UI" panose="020B0502040204020203" pitchFamily="34" charset="0"/>
+              </a:rPr>
+              <a:t>version: </a:t>
+            </a:r>
+            <a:r>
+              <a:rPr lang="en-US" dirty="0">
+                <a:latin typeface="Segoe UI" panose="020B0502040204020203" pitchFamily="34" charset="0"/>
+              </a:rPr>
+              <a:t>Value is passed from the parent component</a:t>
+            </a:r>
+            <a:endParaRPr lang="en-US" sz="2000" dirty="0">
+              <a:effectLst/>
+              <a:latin typeface="Arial" panose="020B0604020202020204" pitchFamily="34" charset="0"/>
+            </a:endParaRPr>
+          </a:p>
+        </p:txBody>
+      </p:sp>
+      <p:sp>
+        <p:nvSpPr>
+          <p:cNvPr id="2" name="TextBox 1">
+            <a:extLst>
+              <a:ext uri="{FF2B5EF4-FFF2-40B4-BE49-F238E27FC236}">
+                <a16:creationId xmlns:a16="http://schemas.microsoft.com/office/drawing/2014/main" id="{D8460605-6527-D3CD-B8C1-15CB6A758E23}"/>
+              </a:ext>
+            </a:extLst>
+          </p:cNvPr>
+          <p:cNvSpPr txBox="1"/>
+          <p:nvPr/>
+        </p:nvSpPr>
+        <p:spPr>
+          <a:xfrm>
+            <a:off x="205666" y="6550724"/>
+            <a:ext cx="6910934" cy="646331"/>
+          </a:xfrm>
+          <a:prstGeom prst="rect">
+            <a:avLst/>
+          </a:prstGeom>
+          <a:noFill/>
+        </p:spPr>
+        <p:txBody>
+          <a:bodyPr wrap="square">
+            <a:spAutoFit/>
+          </a:bodyPr>
+          <a:lstStyle/>
+          <a:p>
+            <a:r>
+              <a:rPr lang="en-US" dirty="0">
+                <a:highlight>
+                  <a:srgbClr val="FFFF00"/>
+                </a:highlight>
+                <a:latin typeface="Segoe UI" panose="020B0502040204020203" pitchFamily="34" charset="0"/>
+              </a:rPr>
+              <a:t>const: </a:t>
+            </a:r>
+            <a:r>
+              <a:rPr lang="en-US" dirty="0">
+                <a:latin typeface="Segoe UI" panose="020B0502040204020203" pitchFamily="34" charset="0"/>
+              </a:rPr>
+              <a:t>for variables, we usually use const or let. You can’t override a const variable. </a:t>
+            </a:r>
+            <a:endParaRPr lang="en-US" sz="2000" dirty="0">
+              <a:effectLst/>
+              <a:latin typeface="Arial" panose="020B0604020202020204" pitchFamily="34" charset="0"/>
+            </a:endParaRPr>
+          </a:p>
+        </p:txBody>
+      </p:sp>
+      <p:sp>
+        <p:nvSpPr>
+          <p:cNvPr id="9" name="TextBox 8">
+            <a:extLst>
+              <a:ext uri="{FF2B5EF4-FFF2-40B4-BE49-F238E27FC236}">
+                <a16:creationId xmlns:a16="http://schemas.microsoft.com/office/drawing/2014/main" id="{01FB2EA2-7578-A875-EB3C-0F6A4D2B00DC}"/>
+              </a:ext>
+            </a:extLst>
+          </p:cNvPr>
+          <p:cNvSpPr txBox="1"/>
+          <p:nvPr/>
+        </p:nvSpPr>
+        <p:spPr>
+          <a:xfrm>
+            <a:off x="205666" y="7369790"/>
+            <a:ext cx="6910934" cy="646331"/>
+          </a:xfrm>
+          <a:prstGeom prst="rect">
+            <a:avLst/>
+          </a:prstGeom>
+          <a:noFill/>
+        </p:spPr>
+        <p:txBody>
+          <a:bodyPr wrap="square">
+            <a:spAutoFit/>
+          </a:bodyPr>
+          <a:lstStyle/>
+          <a:p>
+            <a:r>
+              <a:rPr lang="en-US" dirty="0">
+                <a:highlight>
+                  <a:srgbClr val="FFFF00"/>
+                </a:highlight>
+                <a:latin typeface="Segoe UI" panose="020B0502040204020203" pitchFamily="34" charset="0"/>
+              </a:rPr>
+              <a:t>{</a:t>
+            </a:r>
+            <a:r>
+              <a:rPr lang="en-US" dirty="0" err="1">
+                <a:highlight>
+                  <a:srgbClr val="FFFF00"/>
+                </a:highlight>
+                <a:latin typeface="Segoe UI" panose="020B0502040204020203" pitchFamily="34" charset="0"/>
+              </a:rPr>
+              <a:t>ver</a:t>
+            </a:r>
+            <a:r>
+              <a:rPr lang="en-US" dirty="0">
+                <a:highlight>
+                  <a:srgbClr val="FFFF00"/>
+                </a:highlight>
+                <a:latin typeface="Segoe UI" panose="020B0502040204020203" pitchFamily="34" charset="0"/>
+              </a:rPr>
+              <a:t>}: </a:t>
+            </a:r>
+            <a:r>
+              <a:rPr lang="en-US" dirty="0">
+                <a:latin typeface="Segoe UI" panose="020B0502040204020203" pitchFamily="34" charset="0"/>
+              </a:rPr>
+              <a:t>is defined as a variable to simplify our tag. To include JS code within tags, use {}. </a:t>
+            </a:r>
+            <a:endParaRPr lang="en-US" sz="2000" dirty="0">
+              <a:effectLst/>
+              <a:latin typeface="Arial" panose="020B0604020202020204" pitchFamily="34" charset="0"/>
+            </a:endParaRPr>
+          </a:p>
+        </p:txBody>
+      </p:sp>
+      <p:sp>
+        <p:nvSpPr>
+          <p:cNvPr id="10" name="TextBox 9">
+            <a:extLst>
+              <a:ext uri="{FF2B5EF4-FFF2-40B4-BE49-F238E27FC236}">
+                <a16:creationId xmlns:a16="http://schemas.microsoft.com/office/drawing/2014/main" id="{61EADB01-64F9-2B7D-7DB6-8C5083BDF5DC}"/>
+              </a:ext>
+            </a:extLst>
+          </p:cNvPr>
+          <p:cNvSpPr txBox="1"/>
+          <p:nvPr/>
+        </p:nvSpPr>
+        <p:spPr>
+          <a:xfrm>
+            <a:off x="205666" y="8188856"/>
+            <a:ext cx="6910934" cy="646331"/>
+          </a:xfrm>
+          <a:prstGeom prst="rect">
+            <a:avLst/>
+          </a:prstGeom>
+          <a:noFill/>
+        </p:spPr>
+        <p:txBody>
+          <a:bodyPr wrap="square">
+            <a:spAutoFit/>
+          </a:bodyPr>
+          <a:lstStyle/>
+          <a:p>
+            <a:r>
+              <a:rPr lang="en-US" dirty="0">
+                <a:highlight>
+                  <a:srgbClr val="FFFF00"/>
+                </a:highlight>
+                <a:latin typeface="Segoe UI" panose="020B0502040204020203" pitchFamily="34" charset="0"/>
+              </a:rPr>
+              <a:t>&lt;h3&gt;: </a:t>
+            </a:r>
+            <a:r>
+              <a:rPr lang="en-US" dirty="0">
+                <a:latin typeface="Segoe UI" panose="020B0502040204020203" pitchFamily="34" charset="0"/>
+              </a:rPr>
+              <a:t> as an html tag is defined in lower cap to distinguish from Component.</a:t>
+            </a:r>
+            <a:endParaRPr lang="en-US" sz="2000" dirty="0">
+              <a:effectLst/>
+              <a:latin typeface="Arial" panose="020B0604020202020204" pitchFamily="34" charset="0"/>
+            </a:endParaRPr>
+          </a:p>
+        </p:txBody>
+      </p:sp>
+      <p:sp>
+        <p:nvSpPr>
+          <p:cNvPr id="12" name="TextBox 11">
+            <a:extLst>
+              <a:ext uri="{FF2B5EF4-FFF2-40B4-BE49-F238E27FC236}">
+                <a16:creationId xmlns:a16="http://schemas.microsoft.com/office/drawing/2014/main" id="{2245260B-EF5C-70E8-AA5F-84C083D6E5F5}"/>
+              </a:ext>
+            </a:extLst>
+          </p:cNvPr>
+          <p:cNvSpPr txBox="1"/>
+          <p:nvPr/>
+        </p:nvSpPr>
+        <p:spPr>
+          <a:xfrm>
+            <a:off x="282666" y="9100605"/>
+            <a:ext cx="6589772" cy="738664"/>
+          </a:xfrm>
+          <a:prstGeom prst="rect">
+            <a:avLst/>
+          </a:prstGeom>
+          <a:noFill/>
+          <a:ln w="28575">
+            <a:solidFill>
+              <a:schemeClr val="tx1">
+                <a:lumMod val="95000"/>
+                <a:lumOff val="5000"/>
+              </a:schemeClr>
+            </a:solidFill>
+          </a:ln>
+        </p:spPr>
+        <p:txBody>
+          <a:bodyPr wrap="square">
+            <a:spAutoFit/>
+          </a:bodyPr>
+          <a:lstStyle/>
+          <a:p>
+            <a:r>
+              <a:rPr lang="en-US" sz="1400" b="0" dirty="0">
+                <a:effectLst/>
+                <a:latin typeface="Consolas" panose="020B0609020204030204" pitchFamily="49" charset="0"/>
+              </a:rPr>
+              <a:t>function App() {</a:t>
+            </a:r>
+          </a:p>
+          <a:p>
+            <a:r>
+              <a:rPr lang="en-US" sz="1400" b="0" dirty="0">
+                <a:effectLst/>
+                <a:latin typeface="Consolas" panose="020B0609020204030204" pitchFamily="49" charset="0"/>
+              </a:rPr>
+              <a:t>  return ( &lt;Header </a:t>
+            </a:r>
+            <a:r>
+              <a:rPr lang="en-US" sz="1400" b="0" dirty="0">
+                <a:effectLst/>
+                <a:highlight>
+                  <a:srgbClr val="FFFF00"/>
+                </a:highlight>
+                <a:latin typeface="Consolas" panose="020B0609020204030204" pitchFamily="49" charset="0"/>
+              </a:rPr>
+              <a:t>version = '1.0'</a:t>
+            </a:r>
+            <a:r>
+              <a:rPr lang="en-US" sz="1400" b="0" dirty="0">
+                <a:effectLst/>
+                <a:latin typeface="Consolas" panose="020B0609020204030204" pitchFamily="49" charset="0"/>
+              </a:rPr>
+              <a:t>/&gt; );  </a:t>
+            </a:r>
+            <a:r>
+              <a:rPr lang="en-US" sz="1400" b="0" dirty="0">
+                <a:solidFill>
+                  <a:srgbClr val="00B050"/>
+                </a:solidFill>
+                <a:effectLst/>
+                <a:latin typeface="Consolas" panose="020B0609020204030204" pitchFamily="49" charset="0"/>
+              </a:rPr>
+              <a:t>//pass the version</a:t>
+            </a:r>
+          </a:p>
+          <a:p>
+            <a:r>
+              <a:rPr lang="en-US" sz="1400" b="0" dirty="0">
+                <a:effectLst/>
+                <a:latin typeface="Consolas" panose="020B0609020204030204" pitchFamily="49" charset="0"/>
+              </a:rPr>
+              <a:t>}</a:t>
+            </a:r>
+          </a:p>
+        </p:txBody>
+      </p:sp>
+    </p:spTree>
+    <p:extLst>
+      <p:ext uri="{BB962C8B-B14F-4D97-AF65-F5344CB8AC3E}">
+        <p14:creationId xmlns:p14="http://schemas.microsoft.com/office/powerpoint/2010/main" val="4189390789"/>
+      </p:ext>
+    </p:extLst>
+  </p:cSld>
+  <p:clrMapOvr>
+    <a:masterClrMapping/>
+  </p:clrMapOvr>
+  <p:timing>
+    <p:tnLst>
+      <p:par>
+        <p:cTn id="1" dur="indefinite" restart="never" nodeType="tmRoot">
+          <p:childTnLst>
+            <p:seq concurrent="1" nextAc="seek">
+              <p:cTn id="2" dur="indefinite" nodeType="mainSeq">
+                <p:childTnLst>
+                  <p:par>
+                    <p:cTn id="3" fill="hold">
+                      <p:stCondLst>
+                        <p:cond delay="indefinite"/>
+                      </p:stCondLst>
+                      <p:childTnLst>
+                        <p:par>
+                          <p:cTn id="4" fill="hold">
+                            <p:stCondLst>
+                              <p:cond delay="0"/>
+                            </p:stCondLst>
+                            <p:childTnLst>
+                              <p:par>
+                                <p:cTn id="5" presetID="1" presetClass="entr" presetSubtype="0" fill="hold" grpId="0" nodeType="clickEffect">
+                                  <p:stCondLst>
+                                    <p:cond delay="0"/>
+                                  </p:stCondLst>
+                                  <p:childTnLst>
+                                    <p:set>
+                                      <p:cBhvr>
+                                        <p:cTn id="6" dur="1" fill="hold">
+                                          <p:stCondLst>
+                                            <p:cond delay="0"/>
+                                          </p:stCondLst>
+                                        </p:cTn>
+                                        <p:tgtEl>
+                                          <p:spTgt spid="15"/>
+                                        </p:tgtEl>
+                                        <p:attrNameLst>
+                                          <p:attrName>style.visibility</p:attrName>
+                                        </p:attrNameLst>
+                                      </p:cBhvr>
+                                      <p:to>
+                                        <p:strVal val="visible"/>
+                                      </p:to>
+                                    </p:set>
+                                  </p:childTnLst>
+                                </p:cTn>
+                              </p:par>
+                            </p:childTnLst>
+                          </p:cTn>
+                        </p:par>
+                      </p:childTnLst>
+                    </p:cTn>
+                  </p:par>
+                  <p:par>
+                    <p:cTn id="7" fill="hold">
+                      <p:stCondLst>
+                        <p:cond delay="indefinite"/>
+                      </p:stCondLst>
+                      <p:childTnLst>
+                        <p:par>
+                          <p:cTn id="8" fill="hold">
+                            <p:stCondLst>
+                              <p:cond delay="0"/>
+                            </p:stCondLst>
+                            <p:childTnLst>
+                              <p:par>
+                                <p:cTn id="9" presetID="1" presetClass="entr" presetSubtype="0" fill="hold" grpId="0" nodeType="clickEffect">
+                                  <p:stCondLst>
+                                    <p:cond delay="0"/>
+                                  </p:stCondLst>
+                                  <p:childTnLst>
+                                    <p:set>
+                                      <p:cBhvr>
+                                        <p:cTn id="10" dur="1" fill="hold">
+                                          <p:stCondLst>
+                                            <p:cond delay="0"/>
+                                          </p:stCondLst>
+                                        </p:cTn>
+                                        <p:tgtEl>
+                                          <p:spTgt spid="6"/>
+                                        </p:tgtEl>
+                                        <p:attrNameLst>
+                                          <p:attrName>style.visibility</p:attrName>
+                                        </p:attrNameLst>
+                                      </p:cBhvr>
+                                      <p:to>
+                                        <p:strVal val="visible"/>
+                                      </p:to>
+                                    </p:set>
+                                  </p:childTnLst>
+                                </p:cTn>
+                              </p:par>
+                            </p:childTnLst>
+                          </p:cTn>
+                        </p:par>
+                      </p:childTnLst>
+                    </p:cTn>
+                  </p:par>
+                  <p:par>
+                    <p:cTn id="11" fill="hold">
+                      <p:stCondLst>
+                        <p:cond delay="indefinite"/>
+                      </p:stCondLst>
+                      <p:childTnLst>
+                        <p:par>
+                          <p:cTn id="12" fill="hold">
+                            <p:stCondLst>
+                              <p:cond delay="0"/>
+                            </p:stCondLst>
+                            <p:childTnLst>
+                              <p:par>
+                                <p:cTn id="13" presetID="1" presetClass="entr" presetSubtype="0" fill="hold" grpId="0" nodeType="clickEffect">
+                                  <p:stCondLst>
+                                    <p:cond delay="0"/>
+                                  </p:stCondLst>
+                                  <p:childTnLst>
+                                    <p:set>
+                                      <p:cBhvr>
+                                        <p:cTn id="14" dur="1" fill="hold">
+                                          <p:stCondLst>
+                                            <p:cond delay="0"/>
+                                          </p:stCondLst>
+                                        </p:cTn>
+                                        <p:tgtEl>
+                                          <p:spTgt spid="17"/>
+                                        </p:tgtEl>
+                                        <p:attrNameLst>
+                                          <p:attrName>style.visibility</p:attrName>
+                                        </p:attrNameLst>
+                                      </p:cBhvr>
+                                      <p:to>
+                                        <p:strVal val="visible"/>
+                                      </p:to>
+                                    </p:set>
+                                  </p:childTnLst>
+                                </p:cTn>
+                              </p:par>
+                            </p:childTnLst>
+                          </p:cTn>
+                        </p:par>
+                      </p:childTnLst>
+                    </p:cTn>
+                  </p:par>
+                  <p:par>
+                    <p:cTn id="15" fill="hold">
+                      <p:stCondLst>
+                        <p:cond delay="indefinite"/>
+                      </p:stCondLst>
+                      <p:childTnLst>
+                        <p:par>
+                          <p:cTn id="16" fill="hold">
+                            <p:stCondLst>
+                              <p:cond delay="0"/>
+                            </p:stCondLst>
+                            <p:childTnLst>
+                              <p:par>
+                                <p:cTn id="17" presetID="1" presetClass="entr" presetSubtype="0" fill="hold" grpId="0" nodeType="clickEffect">
+                                  <p:stCondLst>
+                                    <p:cond delay="0"/>
+                                  </p:stCondLst>
+                                  <p:childTnLst>
+                                    <p:set>
+                                      <p:cBhvr>
+                                        <p:cTn id="18" dur="1" fill="hold">
+                                          <p:stCondLst>
+                                            <p:cond delay="0"/>
+                                          </p:stCondLst>
+                                        </p:cTn>
+                                        <p:tgtEl>
+                                          <p:spTgt spid="16"/>
+                                        </p:tgtEl>
+                                        <p:attrNameLst>
+                                          <p:attrName>style.visibility</p:attrName>
+                                        </p:attrNameLst>
+                                      </p:cBhvr>
+                                      <p:to>
+                                        <p:strVal val="visible"/>
+                                      </p:to>
+                                    </p:set>
+                                  </p:childTnLst>
+                                </p:cTn>
+                              </p:par>
+                            </p:childTnLst>
+                          </p:cTn>
+                        </p:par>
+                      </p:childTnLst>
+                    </p:cTn>
+                  </p:par>
+                  <p:par>
+                    <p:cTn id="19" fill="hold">
+                      <p:stCondLst>
+                        <p:cond delay="indefinite"/>
+                      </p:stCondLst>
+                      <p:childTnLst>
+                        <p:par>
+                          <p:cTn id="20" fill="hold">
+                            <p:stCondLst>
+                              <p:cond delay="0"/>
+                            </p:stCondLst>
+                            <p:childTnLst>
+                              <p:par>
+                                <p:cTn id="21" presetID="1" presetClass="entr" presetSubtype="0" fill="hold" grpId="0" nodeType="clickEffect">
+                                  <p:stCondLst>
+                                    <p:cond delay="0"/>
+                                  </p:stCondLst>
+                                  <p:childTnLst>
+                                    <p:set>
+                                      <p:cBhvr>
+                                        <p:cTn id="22" dur="1" fill="hold">
+                                          <p:stCondLst>
+                                            <p:cond delay="0"/>
+                                          </p:stCondLst>
+                                        </p:cTn>
+                                        <p:tgtEl>
+                                          <p:spTgt spid="2"/>
+                                        </p:tgtEl>
+                                        <p:attrNameLst>
+                                          <p:attrName>style.visibility</p:attrName>
+                                        </p:attrNameLst>
+                                      </p:cBhvr>
+                                      <p:to>
+                                        <p:strVal val="visible"/>
+                                      </p:to>
+                                    </p:set>
+                                  </p:childTnLst>
+                                </p:cTn>
+                              </p:par>
+                            </p:childTnLst>
+                          </p:cTn>
+                        </p:par>
+                      </p:childTnLst>
+                    </p:cTn>
+                  </p:par>
+                  <p:par>
+                    <p:cTn id="23" fill="hold">
+                      <p:stCondLst>
+                        <p:cond delay="indefinite"/>
+                      </p:stCondLst>
+                      <p:childTnLst>
+                        <p:par>
+                          <p:cTn id="24" fill="hold">
+                            <p:stCondLst>
+                              <p:cond delay="0"/>
+                            </p:stCondLst>
+                            <p:childTnLst>
+                              <p:par>
+                                <p:cTn id="25" presetID="1" presetClass="entr" presetSubtype="0" fill="hold" grpId="0" nodeType="clickEffect">
+                                  <p:stCondLst>
+                                    <p:cond delay="0"/>
+                                  </p:stCondLst>
+                                  <p:childTnLst>
+                                    <p:set>
+                                      <p:cBhvr>
+                                        <p:cTn id="26" dur="1" fill="hold">
+                                          <p:stCondLst>
+                                            <p:cond delay="0"/>
+                                          </p:stCondLst>
+                                        </p:cTn>
+                                        <p:tgtEl>
+                                          <p:spTgt spid="9"/>
+                                        </p:tgtEl>
+                                        <p:attrNameLst>
+                                          <p:attrName>style.visibility</p:attrName>
+                                        </p:attrNameLst>
+                                      </p:cBhvr>
+                                      <p:to>
+                                        <p:strVal val="visible"/>
+                                      </p:to>
+                                    </p:set>
+                                  </p:childTnLst>
+                                </p:cTn>
+                              </p:par>
+                            </p:childTnLst>
+                          </p:cTn>
+                        </p:par>
+                      </p:childTnLst>
+                    </p:cTn>
+                  </p:par>
+                  <p:par>
+                    <p:cTn id="27" fill="hold">
+                      <p:stCondLst>
+                        <p:cond delay="indefinite"/>
+                      </p:stCondLst>
+                      <p:childTnLst>
+                        <p:par>
+                          <p:cTn id="28" fill="hold">
+                            <p:stCondLst>
+                              <p:cond delay="0"/>
+                            </p:stCondLst>
+                            <p:childTnLst>
+                              <p:par>
+                                <p:cTn id="29" presetID="1" presetClass="entr" presetSubtype="0" fill="hold" grpId="0" nodeType="clickEffect">
+                                  <p:stCondLst>
+                                    <p:cond delay="0"/>
+                                  </p:stCondLst>
+                                  <p:childTnLst>
+                                    <p:set>
+                                      <p:cBhvr>
+                                        <p:cTn id="30" dur="1" fill="hold">
+                                          <p:stCondLst>
+                                            <p:cond delay="0"/>
+                                          </p:stCondLst>
+                                        </p:cTn>
+                                        <p:tgtEl>
+                                          <p:spTgt spid="10"/>
+                                        </p:tgtEl>
+                                        <p:attrNameLst>
+                                          <p:attrName>style.visibility</p:attrName>
+                                        </p:attrNameLst>
+                                      </p:cBhvr>
+                                      <p:to>
+                                        <p:strVal val="visible"/>
+                                      </p:to>
+                                    </p:set>
+                                  </p:childTnLst>
+                                </p:cTn>
+                              </p:par>
+                            </p:childTnLst>
+                          </p:cTn>
+                        </p:par>
+                      </p:childTnLst>
+                    </p:cTn>
+                  </p:par>
+                  <p:par>
+                    <p:cTn id="31" fill="hold">
+                      <p:stCondLst>
+                        <p:cond delay="indefinite"/>
+                      </p:stCondLst>
+                      <p:childTnLst>
+                        <p:par>
+                          <p:cTn id="32" fill="hold">
+                            <p:stCondLst>
+                              <p:cond delay="0"/>
+                            </p:stCondLst>
+                            <p:childTnLst>
+                              <p:par>
+                                <p:cTn id="33" presetID="1" presetClass="entr" presetSubtype="0" fill="hold" grpId="0" nodeType="clickEffect">
+                                  <p:stCondLst>
+                                    <p:cond delay="0"/>
+                                  </p:stCondLst>
+                                  <p:childTnLst>
+                                    <p:set>
+                                      <p:cBhvr>
+                                        <p:cTn id="34" dur="1" fill="hold">
+                                          <p:stCondLst>
+                                            <p:cond delay="0"/>
+                                          </p:stCondLst>
+                                        </p:cTn>
+                                        <p:tgtEl>
+                                          <p:spTgt spid="12"/>
+                                        </p:tgtEl>
+                                        <p:attrNameLst>
+                                          <p:attrName>style.visibility</p:attrName>
+                                        </p:attrNameLst>
+                                      </p:cBhvr>
+                                      <p:to>
+                                        <p:strVal val="visible"/>
+                                      </p:to>
+                                    </p:set>
+                                  </p:childTnLst>
+                                </p:cTn>
+                              </p:par>
+                            </p:childTnLst>
+                          </p:cTn>
+                        </p:par>
+                      </p:childTnLst>
+                    </p:cTn>
+                  </p:par>
+                </p:childTnLst>
+              </p:cTn>
+              <p:prevCondLst>
+                <p:cond evt="onPrev" delay="0">
+                  <p:tgtEl>
+                    <p:sldTgt/>
+                  </p:tgtEl>
+                </p:cond>
+              </p:prevCondLst>
+              <p:nextCondLst>
+                <p:cond evt="onNext" delay="0">
+                  <p:tgtEl>
+                    <p:sldTgt/>
+                  </p:tgtEl>
+                </p:cond>
+              </p:nextCondLst>
+            </p:seq>
+          </p:childTnLst>
+        </p:cTn>
+      </p:par>
+    </p:tnLst>
+    <p:bldLst>
+      <p:bldP spid="6" grpId="0" animBg="1"/>
+      <p:bldP spid="15" grpId="0"/>
+      <p:bldP spid="16" grpId="0"/>
+      <p:bldP spid="17" grpId="0"/>
+      <p:bldP spid="2" grpId="0"/>
+      <p:bldP spid="9" grpId="0"/>
+      <p:bldP spid="10" grpId="0"/>
+      <p:bldP spid="12" grpId="0" animBg="1"/>
+    </p:bldLst>
+  </p:timing>
+  <p:extLst>
+    <p:ext uri="{6950BFC3-D8DA-4A85-94F7-54DA5524770B}">
+      <p188:commentRel xmlns:p188="http://schemas.microsoft.com/office/powerpoint/2018/8/main" r:id="rId2"/>
+    </p:ext>
+  </p:extLst>
+</p:sld>
+</file>
+
+<file path=ppt/slides/slide26.xml><?xml version="1.0" encoding="utf-8"?>
 <p:sld xmlns:a="http://schemas.openxmlformats.org/drawingml/2006/main" xmlns:r="http://schemas.openxmlformats.org/officeDocument/2006/relationships" xmlns:p="http://schemas.openxmlformats.org/presentationml/2006/main">
   <p:cSld>
     <p:spTree>
@@ -16721,7 +18108,7 @@
 </p:sld>
 </file>
 
-<file path=ppt/slides/slide26.xml><?xml version="1.0" encoding="utf-8"?>
+<file path=ppt/slides/slide27.xml><?xml version="1.0" encoding="utf-8"?>
 <p:sld xmlns:a="http://schemas.openxmlformats.org/drawingml/2006/main" xmlns:r="http://schemas.openxmlformats.org/officeDocument/2006/relationships" xmlns:p="http://schemas.openxmlformats.org/presentationml/2006/main">
   <p:cSld>
     <p:spTree>
@@ -16751,7 +18138,7 @@
 </p:sld>
 </file>
 
-<file path=ppt/slides/slide27.xml><?xml version="1.0" encoding="utf-8"?>
+<file path=ppt/slides/slide28.xml><?xml version="1.0" encoding="utf-8"?>
 <p:sld xmlns:a="http://schemas.openxmlformats.org/drawingml/2006/main" xmlns:r="http://schemas.openxmlformats.org/officeDocument/2006/relationships" xmlns:p="http://schemas.openxmlformats.org/presentationml/2006/main">
   <p:cSld>
     <p:spTree>
@@ -16781,7 +18168,7 @@
 </p:sld>
 </file>
 
-<file path=ppt/slides/slide28.xml><?xml version="1.0" encoding="utf-8"?>
+<file path=ppt/slides/slide29.xml><?xml version="1.0" encoding="utf-8"?>
 <p:sld xmlns:a="http://schemas.openxmlformats.org/drawingml/2006/main" xmlns:r="http://schemas.openxmlformats.org/officeDocument/2006/relationships" xmlns:p="http://schemas.openxmlformats.org/presentationml/2006/main">
   <p:cSld>
     <p:spTree>
@@ -16802,36 +18189,6 @@
     <p:extLst>
       <p:ext uri="{BB962C8B-B14F-4D97-AF65-F5344CB8AC3E}">
         <p14:creationId xmlns:p14="http://schemas.microsoft.com/office/powerpoint/2010/main" val="2938707316"/>
-      </p:ext>
-    </p:extLst>
-  </p:cSld>
-  <p:clrMapOvr>
-    <a:masterClrMapping/>
-  </p:clrMapOvr>
-</p:sld>
-</file>
-
-<file path=ppt/slides/slide29.xml><?xml version="1.0" encoding="utf-8"?>
-<p:sld xmlns:a="http://schemas.openxmlformats.org/drawingml/2006/main" xmlns:r="http://schemas.openxmlformats.org/officeDocument/2006/relationships" xmlns:p="http://schemas.openxmlformats.org/presentationml/2006/main">
-  <p:cSld>
-    <p:spTree>
-      <p:nvGrpSpPr>
-        <p:cNvPr id="1" name=""/>
-        <p:cNvGrpSpPr/>
-        <p:nvPr/>
-      </p:nvGrpSpPr>
-      <p:grpSpPr>
-        <a:xfrm>
-          <a:off x="0" y="0"/>
-          <a:ext cx="0" cy="0"/>
-          <a:chOff x="0" y="0"/>
-          <a:chExt cx="0" cy="0"/>
-        </a:xfrm>
-      </p:grpSpPr>
-    </p:spTree>
-    <p:extLst>
-      <p:ext uri="{BB962C8B-B14F-4D97-AF65-F5344CB8AC3E}">
-        <p14:creationId xmlns:p14="http://schemas.microsoft.com/office/powerpoint/2010/main" val="3556280497"/>
       </p:ext>
     </p:extLst>
   </p:cSld>
@@ -16910,6 +18267,36 @@
     <p:extLst>
       <p:ext uri="{BB962C8B-B14F-4D97-AF65-F5344CB8AC3E}">
         <p14:creationId xmlns:p14="http://schemas.microsoft.com/office/powerpoint/2010/main" val="2116200226"/>
+      </p:ext>
+    </p:extLst>
+  </p:cSld>
+  <p:clrMapOvr>
+    <a:masterClrMapping/>
+  </p:clrMapOvr>
+</p:sld>
+</file>
+
+<file path=ppt/slides/slide30.xml><?xml version="1.0" encoding="utf-8"?>
+<p:sld xmlns:a="http://schemas.openxmlformats.org/drawingml/2006/main" xmlns:r="http://schemas.openxmlformats.org/officeDocument/2006/relationships" xmlns:p="http://schemas.openxmlformats.org/presentationml/2006/main">
+  <p:cSld>
+    <p:spTree>
+      <p:nvGrpSpPr>
+        <p:cNvPr id="1" name=""/>
+        <p:cNvGrpSpPr/>
+        <p:nvPr/>
+      </p:nvGrpSpPr>
+      <p:grpSpPr>
+        <a:xfrm>
+          <a:off x="0" y="0"/>
+          <a:ext cx="0" cy="0"/>
+          <a:chOff x="0" y="0"/>
+          <a:chExt cx="0" cy="0"/>
+        </a:xfrm>
+      </p:grpSpPr>
+    </p:spTree>
+    <p:extLst>
+      <p:ext uri="{BB962C8B-B14F-4D97-AF65-F5344CB8AC3E}">
+        <p14:creationId xmlns:p14="http://schemas.microsoft.com/office/powerpoint/2010/main" val="3556280497"/>
       </p:ext>
     </p:extLst>
   </p:cSld>

--- a/doc/React.pptx
+++ b/doc/React.pptx
@@ -30,13 +30,13 @@
     <p:sldId id="287" r:id="rId21"/>
     <p:sldId id="301" r:id="rId22"/>
     <p:sldId id="302" r:id="rId23"/>
-    <p:sldId id="276" r:id="rId24"/>
-    <p:sldId id="303" r:id="rId25"/>
-    <p:sldId id="304" r:id="rId26"/>
-    <p:sldId id="277" r:id="rId27"/>
-    <p:sldId id="278" r:id="rId28"/>
-    <p:sldId id="279" r:id="rId29"/>
-    <p:sldId id="280" r:id="rId30"/>
+    <p:sldId id="305" r:id="rId24"/>
+    <p:sldId id="276" r:id="rId25"/>
+    <p:sldId id="303" r:id="rId26"/>
+    <p:sldId id="304" r:id="rId27"/>
+    <p:sldId id="306" r:id="rId28"/>
+    <p:sldId id="307" r:id="rId29"/>
+    <p:sldId id="308" r:id="rId30"/>
     <p:sldId id="281" r:id="rId31"/>
   </p:sldIdLst>
   <p:sldSz cx="7772400" cy="10058400"/>
@@ -503,8 +503,8 @@
       <pc:docMk xmlns:pc="http://schemas.microsoft.com/office/powerpoint/2013/main/command"/>
       <pc:sldMk xmlns:pc="http://schemas.microsoft.com/office/powerpoint/2013/main/command" cId="4189390789" sldId="304"/>
       <ac:spMk id="12" creationId="{2245260B-EF5C-70E8-AA5F-84C083D6E5F5}"/>
-      <ac:txMk cp="60" len="16">
-        <ac:context len="79" hash="3312981969"/>
+      <ac:txMk cp="61" len="16">
+        <ac:context len="80" hash="279157"/>
       </ac:txMk>
     </ac:txMkLst>
     <p188:pos x="5925629" y="476532"/>
@@ -515,6 +515,53 @@
         <a:r>
           <a:rPr lang="en-CA"/>
           <a:t>Pass the value from the highest necessary component</a:t>
+        </a:r>
+      </a:p>
+    </p188:txBody>
+  </p188:cm>
+</p188:cmLst>
+</file>
+
+<file path=ppt/comments/modernComment_132_F39D160A.xml><?xml version="1.0" encoding="utf-8"?>
+<p188:cmLst xmlns:a="http://schemas.openxmlformats.org/drawingml/2006/main" xmlns:r="http://schemas.openxmlformats.org/officeDocument/2006/relationships" xmlns:p188="http://schemas.microsoft.com/office/powerpoint/2018/8/main">
+  <p188:cm id="{EFC98F15-B223-4411-A342-06C19E7815D6}" authorId="{4DC68FF1-9336-A390-AB80-FC8E420981B7}" created="2023-04-15T13:55:31.688">
+    <ac:deMkLst xmlns:ac="http://schemas.microsoft.com/office/drawing/2013/main/command">
+      <pc:docMk xmlns:pc="http://schemas.microsoft.com/office/powerpoint/2013/main/command"/>
+      <pc:sldMk xmlns:pc="http://schemas.microsoft.com/office/powerpoint/2013/main/command" cId="4087158282" sldId="306"/>
+      <ac:spMk id="18" creationId="{F1D8E5AA-40A3-4DEA-CC38-55B9C34378B6}"/>
+    </ac:deMkLst>
+    <p188:txBody>
+      <a:bodyPr/>
+      <a:lstStyle/>
+      <a:p>
+        <a:r>
+          <a:rPr lang="en-CA"/>
+          <a:t>Missing?
+add the logo file under public and update the Main to pass the required className 'general-border' as an addition Header parameter </a:t>
+        </a:r>
+      </a:p>
+    </p188:txBody>
+  </p188:cm>
+</p188:cmLst>
+</file>
+
+<file path=ppt/comments/modernComment_133_1FADCF5C.xml><?xml version="1.0" encoding="utf-8"?>
+<p188:cmLst xmlns:a="http://schemas.openxmlformats.org/drawingml/2006/main" xmlns:r="http://schemas.openxmlformats.org/officeDocument/2006/relationships" xmlns:p188="http://schemas.microsoft.com/office/powerpoint/2018/8/main">
+  <p188:cm id="{5DF06CC5-FDB5-4B61-BB17-EEF392540941}" authorId="{4DC68FF1-9336-A390-AB80-FC8E420981B7}" created="2023-04-15T14:18:54.229">
+    <ac:deMkLst xmlns:ac="http://schemas.microsoft.com/office/drawing/2013/main/command">
+      <pc:docMk xmlns:pc="http://schemas.microsoft.com/office/powerpoint/2013/main/command"/>
+      <pc:sldMk xmlns:pc="http://schemas.microsoft.com/office/powerpoint/2013/main/command" cId="531484508" sldId="307"/>
+      <ac:spMk id="18" creationId="{F1D8E5AA-40A3-4DEA-CC38-55B9C34378B6}"/>
+    </ac:deMkLst>
+    <p188:txBody>
+      <a:bodyPr/>
+      <a:lstStyle/>
+      <a:p>
+        <a:r>
+          <a:rPr lang="en-CA"/>
+          <a:t>Missing:
+click functionality. But this should not affect the display
+add Footer Element to Main and pass the correct parameter</a:t>
         </a:r>
       </a:p>
     </p188:txBody>
@@ -604,7 +651,7 @@
           <a:p>
             <a:fld id="{9D05FE6B-B11E-48FE-8BE6-CD3E02338538}" type="datetimeFigureOut">
               <a:rPr lang="en-CA" smtClean="0"/>
-              <a:t>2023-04-14</a:t>
+              <a:t>2023-04-15</a:t>
             </a:fld>
             <a:endParaRPr lang="en-CA"/>
           </a:p>
@@ -4533,7 +4580,7 @@
         <p:spPr>
           <a:xfrm>
             <a:off x="133350" y="5540527"/>
-            <a:ext cx="2755947" cy="646331"/>
+            <a:ext cx="2597314" cy="646331"/>
           </a:xfrm>
           <a:prstGeom prst="rect">
             <a:avLst/>
@@ -4553,20 +4600,12 @@
           </a:p>
           <a:p>
             <a:r>
-              <a:rPr lang="en-CA" dirty="0"/>
-              <a:t>slack: </a:t>
-            </a:r>
-            <a:r>
               <a:rPr lang="en-CA" dirty="0">
                 <a:highlight>
                   <a:srgbClr val="FFFF00"/>
                 </a:highlight>
               </a:rPr>
-              <a:t>#react-hackathon</a:t>
-            </a:r>
-            <a:r>
-              <a:rPr lang="en-CA" dirty="0"/>
-              <a:t>. </a:t>
+              <a:t>react-hackathon.7z </a:t>
             </a:r>
           </a:p>
         </p:txBody>
@@ -15047,7 +15086,7 @@
         </p:blipFill>
         <p:spPr>
           <a:xfrm>
-            <a:off x="0" y="2556819"/>
+            <a:off x="0" y="1425063"/>
             <a:ext cx="7772400" cy="3349305"/>
           </a:xfrm>
           <a:prstGeom prst="rect">
@@ -15146,7 +15185,7 @@
         </p:nvSpPr>
         <p:spPr>
           <a:xfrm>
-            <a:off x="0" y="2550320"/>
+            <a:off x="0" y="1418564"/>
             <a:ext cx="7720638" cy="674558"/>
           </a:xfrm>
           <a:prstGeom prst="roundRect">
@@ -15197,7 +15236,7 @@
         </p:nvSpPr>
         <p:spPr>
           <a:xfrm>
-            <a:off x="3860319" y="3553663"/>
+            <a:off x="3860319" y="2421907"/>
             <a:ext cx="3912081" cy="2607293"/>
           </a:xfrm>
           <a:prstGeom prst="roundRect">
@@ -15248,7 +15287,7 @@
         </p:nvSpPr>
         <p:spPr>
           <a:xfrm>
-            <a:off x="-103524" y="3157423"/>
+            <a:off x="-103524" y="2025667"/>
             <a:ext cx="3912081" cy="2298998"/>
           </a:xfrm>
           <a:prstGeom prst="roundRect">
@@ -15302,7 +15341,7 @@
         </p:nvSpPr>
         <p:spPr>
           <a:xfrm>
-            <a:off x="51762" y="5456421"/>
+            <a:off x="51762" y="4324665"/>
             <a:ext cx="3912081" cy="600604"/>
           </a:xfrm>
           <a:prstGeom prst="roundRect">
@@ -15356,7 +15395,7 @@
         </p:nvSpPr>
         <p:spPr>
           <a:xfrm>
-            <a:off x="3392755" y="2669206"/>
+            <a:off x="3392755" y="1537450"/>
             <a:ext cx="1282531" cy="461665"/>
           </a:xfrm>
           <a:prstGeom prst="rect">
@@ -15391,7 +15430,7 @@
         </p:nvSpPr>
         <p:spPr>
           <a:xfrm>
-            <a:off x="4744368" y="4231471"/>
+            <a:off x="4744368" y="3099715"/>
             <a:ext cx="1494961" cy="461665"/>
           </a:xfrm>
           <a:prstGeom prst="rect">
@@ -15427,7 +15466,7 @@
         </p:nvSpPr>
         <p:spPr>
           <a:xfrm>
-            <a:off x="1233692" y="4043377"/>
+            <a:off x="1233692" y="2911621"/>
             <a:ext cx="933269" cy="461665"/>
           </a:xfrm>
           <a:prstGeom prst="rect">
@@ -15462,7 +15501,7 @@
         </p:nvSpPr>
         <p:spPr>
           <a:xfrm>
-            <a:off x="1388978" y="5496424"/>
+            <a:off x="1388978" y="4364668"/>
             <a:ext cx="1154162" cy="461665"/>
           </a:xfrm>
           <a:prstGeom prst="rect">
@@ -15483,10 +15522,479 @@
           </a:p>
         </p:txBody>
       </p:sp>
+      <p:sp>
+        <p:nvSpPr>
+          <p:cNvPr id="2" name="TextBox 1">
+            <a:extLst>
+              <a:ext uri="{FF2B5EF4-FFF2-40B4-BE49-F238E27FC236}">
+                <a16:creationId xmlns:a16="http://schemas.microsoft.com/office/drawing/2014/main" id="{69210E16-DE4A-3E4B-4721-9E4ADB568564}"/>
+              </a:ext>
+            </a:extLst>
+          </p:cNvPr>
+          <p:cNvSpPr txBox="1"/>
+          <p:nvPr/>
+        </p:nvSpPr>
+        <p:spPr>
+          <a:xfrm>
+            <a:off x="2543140" y="5326937"/>
+            <a:ext cx="988027" cy="369332"/>
+          </a:xfrm>
+          <a:prstGeom prst="rect">
+            <a:avLst/>
+          </a:prstGeom>
+          <a:solidFill>
+            <a:schemeClr val="accent2"/>
+          </a:solidFill>
+          <a:ln w="19050">
+            <a:solidFill>
+              <a:schemeClr val="tx1"/>
+            </a:solidFill>
+          </a:ln>
+        </p:spPr>
+        <p:txBody>
+          <a:bodyPr wrap="none" rtlCol="0">
+            <a:spAutoFit/>
+          </a:bodyPr>
+          <a:lstStyle/>
+          <a:p>
+            <a:r>
+              <a:rPr lang="en-CA" dirty="0"/>
+              <a:t>Index.js</a:t>
+            </a:r>
+          </a:p>
+        </p:txBody>
+      </p:sp>
+      <p:sp>
+        <p:nvSpPr>
+          <p:cNvPr id="3" name="TextBox 2">
+            <a:extLst>
+              <a:ext uri="{FF2B5EF4-FFF2-40B4-BE49-F238E27FC236}">
+                <a16:creationId xmlns:a16="http://schemas.microsoft.com/office/drawing/2014/main" id="{4A0E52FB-FAE3-1C15-AD87-D5B3F4DB5F54}"/>
+              </a:ext>
+            </a:extLst>
+          </p:cNvPr>
+          <p:cNvSpPr txBox="1"/>
+          <p:nvPr/>
+        </p:nvSpPr>
+        <p:spPr>
+          <a:xfrm>
+            <a:off x="2609600" y="6209869"/>
+            <a:ext cx="855106" cy="369332"/>
+          </a:xfrm>
+          <a:prstGeom prst="rect">
+            <a:avLst/>
+          </a:prstGeom>
+          <a:solidFill>
+            <a:schemeClr val="accent2"/>
+          </a:solidFill>
+          <a:ln w="19050">
+            <a:solidFill>
+              <a:schemeClr val="tx1"/>
+            </a:solidFill>
+          </a:ln>
+        </p:spPr>
+        <p:txBody>
+          <a:bodyPr wrap="none" rtlCol="0">
+            <a:spAutoFit/>
+          </a:bodyPr>
+          <a:lstStyle/>
+          <a:p>
+            <a:r>
+              <a:rPr lang="en-CA" dirty="0"/>
+              <a:t>App.js</a:t>
+            </a:r>
+          </a:p>
+        </p:txBody>
+      </p:sp>
+      <p:sp>
+        <p:nvSpPr>
+          <p:cNvPr id="4" name="TextBox 3">
+            <a:extLst>
+              <a:ext uri="{FF2B5EF4-FFF2-40B4-BE49-F238E27FC236}">
+                <a16:creationId xmlns:a16="http://schemas.microsoft.com/office/drawing/2014/main" id="{965CEECE-0775-6A9F-EAB5-E3CE4A76D5C4}"/>
+              </a:ext>
+            </a:extLst>
+          </p:cNvPr>
+          <p:cNvSpPr txBox="1"/>
+          <p:nvPr/>
+        </p:nvSpPr>
+        <p:spPr>
+          <a:xfrm>
+            <a:off x="2543138" y="7061658"/>
+            <a:ext cx="988027" cy="369332"/>
+          </a:xfrm>
+          <a:prstGeom prst="rect">
+            <a:avLst/>
+          </a:prstGeom>
+          <a:solidFill>
+            <a:srgbClr val="00B0F0"/>
+          </a:solidFill>
+          <a:ln w="19050">
+            <a:solidFill>
+              <a:schemeClr val="tx1"/>
+            </a:solidFill>
+          </a:ln>
+        </p:spPr>
+        <p:txBody>
+          <a:bodyPr wrap="square" rtlCol="0">
+            <a:spAutoFit/>
+          </a:bodyPr>
+          <a:lstStyle/>
+          <a:p>
+            <a:r>
+              <a:rPr lang="en-CA" dirty="0"/>
+              <a:t>Main.js</a:t>
+            </a:r>
+          </a:p>
+        </p:txBody>
+      </p:sp>
+      <p:sp>
+        <p:nvSpPr>
+          <p:cNvPr id="5" name="TextBox 4">
+            <a:extLst>
+              <a:ext uri="{FF2B5EF4-FFF2-40B4-BE49-F238E27FC236}">
+                <a16:creationId xmlns:a16="http://schemas.microsoft.com/office/drawing/2014/main" id="{1CBE5014-249E-6DC2-51B0-4F25AB45CD97}"/>
+              </a:ext>
+            </a:extLst>
+          </p:cNvPr>
+          <p:cNvSpPr txBox="1"/>
+          <p:nvPr/>
+        </p:nvSpPr>
+        <p:spPr>
+          <a:xfrm>
+            <a:off x="500996" y="8326961"/>
+            <a:ext cx="1271997" cy="369332"/>
+          </a:xfrm>
+          <a:prstGeom prst="rect">
+            <a:avLst/>
+          </a:prstGeom>
+          <a:solidFill>
+            <a:srgbClr val="00B0F0"/>
+          </a:solidFill>
+          <a:ln w="19050">
+            <a:solidFill>
+              <a:schemeClr val="tx1"/>
+            </a:solidFill>
+          </a:ln>
+        </p:spPr>
+        <p:txBody>
+          <a:bodyPr wrap="square" rtlCol="0">
+            <a:spAutoFit/>
+          </a:bodyPr>
+          <a:lstStyle/>
+          <a:p>
+            <a:r>
+              <a:rPr lang="en-CA" dirty="0"/>
+              <a:t>Header.js</a:t>
+            </a:r>
+          </a:p>
+        </p:txBody>
+      </p:sp>
+      <p:sp>
+        <p:nvSpPr>
+          <p:cNvPr id="6" name="TextBox 5">
+            <a:extLst>
+              <a:ext uri="{FF2B5EF4-FFF2-40B4-BE49-F238E27FC236}">
+                <a16:creationId xmlns:a16="http://schemas.microsoft.com/office/drawing/2014/main" id="{80C5D323-1917-5844-2CA2-F365AD1038D6}"/>
+              </a:ext>
+            </a:extLst>
+          </p:cNvPr>
+          <p:cNvSpPr txBox="1"/>
+          <p:nvPr/>
+        </p:nvSpPr>
+        <p:spPr>
+          <a:xfrm>
+            <a:off x="2401154" y="9209893"/>
+            <a:ext cx="1271997" cy="369332"/>
+          </a:xfrm>
+          <a:prstGeom prst="rect">
+            <a:avLst/>
+          </a:prstGeom>
+          <a:solidFill>
+            <a:srgbClr val="00B0F0"/>
+          </a:solidFill>
+          <a:ln w="19050">
+            <a:solidFill>
+              <a:schemeClr val="tx1"/>
+            </a:solidFill>
+          </a:ln>
+        </p:spPr>
+        <p:txBody>
+          <a:bodyPr wrap="square" rtlCol="0">
+            <a:spAutoFit/>
+          </a:bodyPr>
+          <a:lstStyle/>
+          <a:p>
+            <a:r>
+              <a:rPr lang="en-CA" dirty="0"/>
+              <a:t>Footer.js</a:t>
+            </a:r>
+          </a:p>
+        </p:txBody>
+      </p:sp>
+      <p:sp>
+        <p:nvSpPr>
+          <p:cNvPr id="17" name="TextBox 16">
+            <a:extLst>
+              <a:ext uri="{FF2B5EF4-FFF2-40B4-BE49-F238E27FC236}">
+                <a16:creationId xmlns:a16="http://schemas.microsoft.com/office/drawing/2014/main" id="{D2BCFDE3-8915-2D76-2DC4-EB5FFC6824E0}"/>
+              </a:ext>
+            </a:extLst>
+          </p:cNvPr>
+          <p:cNvSpPr txBox="1"/>
+          <p:nvPr/>
+        </p:nvSpPr>
+        <p:spPr>
+          <a:xfrm>
+            <a:off x="5159933" y="8323148"/>
+            <a:ext cx="1475472" cy="369332"/>
+          </a:xfrm>
+          <a:prstGeom prst="rect">
+            <a:avLst/>
+          </a:prstGeom>
+          <a:solidFill>
+            <a:srgbClr val="00B0F0"/>
+          </a:solidFill>
+          <a:ln w="19050">
+            <a:solidFill>
+              <a:schemeClr val="tx1"/>
+            </a:solidFill>
+          </a:ln>
+        </p:spPr>
+        <p:txBody>
+          <a:bodyPr wrap="square" rtlCol="0">
+            <a:spAutoFit/>
+          </a:bodyPr>
+          <a:lstStyle/>
+          <a:p>
+            <a:r>
+              <a:rPr lang="en-CA" dirty="0"/>
+              <a:t>ListTasks.js</a:t>
+            </a:r>
+          </a:p>
+        </p:txBody>
+      </p:sp>
+      <p:cxnSp>
+        <p:nvCxnSpPr>
+          <p:cNvPr id="19" name="Connector: Elbow 18">
+            <a:extLst>
+              <a:ext uri="{FF2B5EF4-FFF2-40B4-BE49-F238E27FC236}">
+                <a16:creationId xmlns:a16="http://schemas.microsoft.com/office/drawing/2014/main" id="{E6B03A6F-7AA9-A6BF-8ABD-A63999D7F3E9}"/>
+              </a:ext>
+            </a:extLst>
+          </p:cNvPr>
+          <p:cNvCxnSpPr>
+            <a:cxnSpLocks/>
+          </p:cNvCxnSpPr>
+          <p:nvPr/>
+        </p:nvCxnSpPr>
+        <p:spPr>
+          <a:xfrm rot="5400000">
+            <a:off x="2670070" y="5844099"/>
+            <a:ext cx="734165" cy="1"/>
+          </a:xfrm>
+          <a:prstGeom prst="bentConnector3">
+            <a:avLst/>
+          </a:prstGeom>
+          <a:ln>
+            <a:tailEnd type="triangle"/>
+          </a:ln>
+        </p:spPr>
+        <p:style>
+          <a:lnRef idx="1">
+            <a:schemeClr val="accent1"/>
+          </a:lnRef>
+          <a:fillRef idx="0">
+            <a:schemeClr val="accent1"/>
+          </a:fillRef>
+          <a:effectRef idx="0">
+            <a:schemeClr val="accent1"/>
+          </a:effectRef>
+          <a:fontRef idx="minor">
+            <a:schemeClr val="tx1"/>
+          </a:fontRef>
+        </p:style>
+      </p:cxnSp>
+      <p:cxnSp>
+        <p:nvCxnSpPr>
+          <p:cNvPr id="21" name="Connector: Elbow 20">
+            <a:extLst>
+              <a:ext uri="{FF2B5EF4-FFF2-40B4-BE49-F238E27FC236}">
+                <a16:creationId xmlns:a16="http://schemas.microsoft.com/office/drawing/2014/main" id="{5FCBF92F-05AE-4C9C-07F3-447AE1854C1C}"/>
+              </a:ext>
+            </a:extLst>
+          </p:cNvPr>
+          <p:cNvCxnSpPr>
+            <a:cxnSpLocks/>
+            <a:stCxn id="3" idx="2"/>
+            <a:endCxn id="4" idx="0"/>
+          </p:cNvCxnSpPr>
+          <p:nvPr/>
+        </p:nvCxnSpPr>
+        <p:spPr>
+          <a:xfrm rot="5400000">
+            <a:off x="2795925" y="6820429"/>
+            <a:ext cx="482457" cy="1"/>
+          </a:xfrm>
+          <a:prstGeom prst="bentConnector3">
+            <a:avLst/>
+          </a:prstGeom>
+          <a:ln>
+            <a:tailEnd type="triangle"/>
+          </a:ln>
+        </p:spPr>
+        <p:style>
+          <a:lnRef idx="1">
+            <a:schemeClr val="accent1"/>
+          </a:lnRef>
+          <a:fillRef idx="0">
+            <a:schemeClr val="accent1"/>
+          </a:fillRef>
+          <a:effectRef idx="0">
+            <a:schemeClr val="accent1"/>
+          </a:effectRef>
+          <a:fontRef idx="minor">
+            <a:schemeClr val="tx1"/>
+          </a:fontRef>
+        </p:style>
+      </p:cxnSp>
+      <p:cxnSp>
+        <p:nvCxnSpPr>
+          <p:cNvPr id="26" name="Connector: Elbow 25">
+            <a:extLst>
+              <a:ext uri="{FF2B5EF4-FFF2-40B4-BE49-F238E27FC236}">
+                <a16:creationId xmlns:a16="http://schemas.microsoft.com/office/drawing/2014/main" id="{DDDA7394-4EF4-1931-34F6-356CF7CEAB0B}"/>
+              </a:ext>
+            </a:extLst>
+          </p:cNvPr>
+          <p:cNvCxnSpPr>
+            <a:cxnSpLocks/>
+            <a:stCxn id="4" idx="2"/>
+            <a:endCxn id="5" idx="0"/>
+          </p:cNvCxnSpPr>
+          <p:nvPr/>
+        </p:nvCxnSpPr>
+        <p:spPr>
+          <a:xfrm rot="5400000">
+            <a:off x="1639089" y="6928897"/>
+            <a:ext cx="895971" cy="1900157"/>
+          </a:xfrm>
+          <a:prstGeom prst="bentConnector3">
+            <a:avLst>
+              <a:gd name="adj1" fmla="val 50000"/>
+            </a:avLst>
+          </a:prstGeom>
+          <a:ln>
+            <a:tailEnd type="triangle"/>
+          </a:ln>
+        </p:spPr>
+        <p:style>
+          <a:lnRef idx="1">
+            <a:schemeClr val="accent1"/>
+          </a:lnRef>
+          <a:fillRef idx="0">
+            <a:schemeClr val="accent1"/>
+          </a:fillRef>
+          <a:effectRef idx="0">
+            <a:schemeClr val="accent1"/>
+          </a:effectRef>
+          <a:fontRef idx="minor">
+            <a:schemeClr val="tx1"/>
+          </a:fontRef>
+        </p:style>
+      </p:cxnSp>
+      <p:cxnSp>
+        <p:nvCxnSpPr>
+          <p:cNvPr id="28" name="Connector: Elbow 27">
+            <a:extLst>
+              <a:ext uri="{FF2B5EF4-FFF2-40B4-BE49-F238E27FC236}">
+                <a16:creationId xmlns:a16="http://schemas.microsoft.com/office/drawing/2014/main" id="{95D977C4-AA68-A51E-D413-465BAD113D0E}"/>
+              </a:ext>
+            </a:extLst>
+          </p:cNvPr>
+          <p:cNvCxnSpPr>
+            <a:cxnSpLocks/>
+            <a:stCxn id="4" idx="2"/>
+            <a:endCxn id="17" idx="0"/>
+          </p:cNvCxnSpPr>
+          <p:nvPr/>
+        </p:nvCxnSpPr>
+        <p:spPr>
+          <a:xfrm rot="16200000" flipH="1">
+            <a:off x="4021331" y="6446810"/>
+            <a:ext cx="892158" cy="2860517"/>
+          </a:xfrm>
+          <a:prstGeom prst="bentConnector3">
+            <a:avLst>
+              <a:gd name="adj1" fmla="val 50000"/>
+            </a:avLst>
+          </a:prstGeom>
+          <a:ln>
+            <a:tailEnd type="triangle"/>
+          </a:ln>
+        </p:spPr>
+        <p:style>
+          <a:lnRef idx="1">
+            <a:schemeClr val="accent1"/>
+          </a:lnRef>
+          <a:fillRef idx="0">
+            <a:schemeClr val="accent1"/>
+          </a:fillRef>
+          <a:effectRef idx="0">
+            <a:schemeClr val="accent1"/>
+          </a:effectRef>
+          <a:fontRef idx="minor">
+            <a:schemeClr val="tx1"/>
+          </a:fontRef>
+        </p:style>
+      </p:cxnSp>
+      <p:cxnSp>
+        <p:nvCxnSpPr>
+          <p:cNvPr id="31" name="Connector: Elbow 30">
+            <a:extLst>
+              <a:ext uri="{FF2B5EF4-FFF2-40B4-BE49-F238E27FC236}">
+                <a16:creationId xmlns:a16="http://schemas.microsoft.com/office/drawing/2014/main" id="{C85348E8-9C9F-FFB9-B9AF-49D8950975A9}"/>
+              </a:ext>
+            </a:extLst>
+          </p:cNvPr>
+          <p:cNvCxnSpPr>
+            <a:cxnSpLocks/>
+            <a:stCxn id="4" idx="2"/>
+            <a:endCxn id="6" idx="0"/>
+          </p:cNvCxnSpPr>
+          <p:nvPr/>
+        </p:nvCxnSpPr>
+        <p:spPr>
+          <a:xfrm rot="16200000" flipH="1">
+            <a:off x="2147701" y="8320440"/>
+            <a:ext cx="1778903" cy="1"/>
+          </a:xfrm>
+          <a:prstGeom prst="bentConnector3">
+            <a:avLst/>
+          </a:prstGeom>
+          <a:ln>
+            <a:tailEnd type="triangle"/>
+          </a:ln>
+        </p:spPr>
+        <p:style>
+          <a:lnRef idx="1">
+            <a:schemeClr val="accent1"/>
+          </a:lnRef>
+          <a:fillRef idx="0">
+            <a:schemeClr val="accent1"/>
+          </a:fillRef>
+          <a:effectRef idx="0">
+            <a:schemeClr val="accent1"/>
+          </a:effectRef>
+          <a:fontRef idx="minor">
+            <a:schemeClr val="tx1"/>
+          </a:fontRef>
+        </p:style>
+      </p:cxnSp>
     </p:spTree>
     <p:extLst>
       <p:ext uri="{BB962C8B-B14F-4D97-AF65-F5344CB8AC3E}">
-        <p14:creationId xmlns:p14="http://schemas.microsoft.com/office/powerpoint/2010/main" val="2146374172"/>
+        <p14:creationId xmlns:p14="http://schemas.microsoft.com/office/powerpoint/2010/main" val="1975284208"/>
       </p:ext>
     </p:extLst>
   </p:cSld>
@@ -15861,731 +16369,114 @@
                       </p:childTnLst>
                     </p:cTn>
                   </p:par>
-                </p:childTnLst>
-              </p:cTn>
-              <p:prevCondLst>
-                <p:cond evt="onPrev" delay="0">
-                  <p:tgtEl>
-                    <p:sldTgt/>
-                  </p:tgtEl>
-                </p:cond>
-              </p:prevCondLst>
-              <p:nextCondLst>
-                <p:cond evt="onNext" delay="0">
-                  <p:tgtEl>
-                    <p:sldTgt/>
-                  </p:tgtEl>
-                </p:cond>
-              </p:nextCondLst>
-            </p:seq>
-          </p:childTnLst>
-        </p:cTn>
-      </p:par>
-    </p:tnLst>
-    <p:bldLst>
-      <p:bldP spid="9" grpId="0" animBg="1"/>
-      <p:bldP spid="10" grpId="0" animBg="1"/>
-      <p:bldP spid="11" grpId="0" animBg="1"/>
-      <p:bldP spid="12" grpId="0" animBg="1"/>
-      <p:bldP spid="13" grpId="0"/>
-      <p:bldP spid="14" grpId="0"/>
-      <p:bldP spid="15" grpId="0"/>
-      <p:bldP spid="16" grpId="0"/>
-    </p:bldLst>
-  </p:timing>
-</p:sld>
-</file>
-
-<file path=ppt/slides/slide24.xml><?xml version="1.0" encoding="utf-8"?>
-<p:sld xmlns:a="http://schemas.openxmlformats.org/drawingml/2006/main" xmlns:r="http://schemas.openxmlformats.org/officeDocument/2006/relationships" xmlns:p="http://schemas.openxmlformats.org/presentationml/2006/main">
-  <p:cSld>
-    <p:spTree>
-      <p:nvGrpSpPr>
-        <p:cNvPr id="1" name=""/>
-        <p:cNvGrpSpPr/>
-        <p:nvPr/>
-      </p:nvGrpSpPr>
-      <p:grpSpPr>
-        <a:xfrm>
-          <a:off x="0" y="0"/>
-          <a:ext cx="0" cy="0"/>
-          <a:chOff x="0" y="0"/>
-          <a:chExt cx="0" cy="0"/>
-        </a:xfrm>
-      </p:grpSpPr>
-      <p:sp>
-        <p:nvSpPr>
-          <p:cNvPr id="8" name="Rectangle 7">
-            <a:extLst>
-              <a:ext uri="{FF2B5EF4-FFF2-40B4-BE49-F238E27FC236}">
-                <a16:creationId xmlns:a16="http://schemas.microsoft.com/office/drawing/2014/main" id="{158F95D5-BE54-3736-1783-2E5501BC5DA8}"/>
-              </a:ext>
-            </a:extLst>
-          </p:cNvPr>
-          <p:cNvSpPr/>
-          <p:nvPr/>
-        </p:nvSpPr>
-        <p:spPr>
-          <a:xfrm>
-            <a:off x="946335" y="0"/>
-            <a:ext cx="5646739" cy="923330"/>
-          </a:xfrm>
-          <a:prstGeom prst="rect">
-            <a:avLst/>
-          </a:prstGeom>
-          <a:noFill/>
-        </p:spPr>
-        <p:txBody>
-          <a:bodyPr wrap="none" lIns="91440" tIns="45720" rIns="91440" bIns="45720">
-            <a:spAutoFit/>
-          </a:bodyPr>
-          <a:lstStyle/>
-          <a:p>
-            <a:pPr algn="ctr"/>
-            <a:r>
-              <a:rPr lang="en-US" sz="5400" b="0" cap="none" spc="0" dirty="0">
-                <a:ln w="0"/>
-                <a:solidFill>
-                  <a:schemeClr val="tx1"/>
-                </a:solidFill>
-                <a:effectLst>
-                  <a:outerShdw blurRad="38100" dist="19050" dir="2700000" algn="tl" rotWithShape="0">
-                    <a:schemeClr val="dk1">
-                      <a:alpha val="40000"/>
-                    </a:schemeClr>
-                  </a:outerShdw>
-                </a:effectLst>
-              </a:rPr>
-              <a:t>Our Project - </a:t>
-            </a:r>
-            <a:r>
-              <a:rPr lang="en-US" sz="5400" b="0" cap="none" spc="0" dirty="0">
-                <a:ln w="0"/>
-                <a:solidFill>
-                  <a:schemeClr val="tx1"/>
-                </a:solidFill>
-                <a:effectLst>
-                  <a:outerShdw blurRad="38100" dist="19050" dir="2700000" algn="tl" rotWithShape="0">
-                    <a:schemeClr val="dk1">
-                      <a:alpha val="40000"/>
-                    </a:schemeClr>
-                  </a:outerShdw>
-                </a:effectLst>
-                <a:highlight>
-                  <a:srgbClr val="FFFF00"/>
-                </a:highlight>
-              </a:rPr>
-              <a:t>H</a:t>
-            </a:r>
-            <a:r>
-              <a:rPr lang="en-US" sz="2400" b="0" cap="none" spc="0" dirty="0">
-                <a:ln w="0"/>
-                <a:solidFill>
-                  <a:schemeClr val="tx1"/>
-                </a:solidFill>
-                <a:effectLst>
-                  <a:outerShdw blurRad="38100" dist="19050" dir="2700000" algn="tl" rotWithShape="0">
-                    <a:schemeClr val="dk1">
-                      <a:alpha val="40000"/>
-                    </a:schemeClr>
-                  </a:outerShdw>
-                </a:effectLst>
-              </a:rPr>
-              <a:t>eader</a:t>
-            </a:r>
-            <a:endParaRPr lang="en-US" sz="5400" b="0" cap="none" spc="0" dirty="0">
-              <a:ln w="0"/>
-              <a:solidFill>
-                <a:schemeClr val="tx1"/>
-              </a:solidFill>
-              <a:effectLst>
-                <a:outerShdw blurRad="38100" dist="19050" dir="2700000" algn="tl" rotWithShape="0">
-                  <a:schemeClr val="dk1">
-                    <a:alpha val="40000"/>
-                  </a:schemeClr>
-                </a:outerShdw>
-              </a:effectLst>
-            </a:endParaRPr>
-          </a:p>
-        </p:txBody>
-      </p:sp>
-      <p:pic>
-        <p:nvPicPr>
-          <p:cNvPr id="3" name="Picture 2">
-            <a:extLst>
-              <a:ext uri="{FF2B5EF4-FFF2-40B4-BE49-F238E27FC236}">
-                <a16:creationId xmlns:a16="http://schemas.microsoft.com/office/drawing/2014/main" id="{A7D43BE8-918A-25CA-1BC1-7C051EA50005}"/>
-              </a:ext>
-            </a:extLst>
-          </p:cNvPr>
-          <p:cNvPicPr>
-            <a:picLocks noChangeAspect="1"/>
-          </p:cNvPicPr>
-          <p:nvPr/>
-        </p:nvPicPr>
-        <p:blipFill>
-          <a:blip r:embed="rId3"/>
-          <a:stretch>
-            <a:fillRect/>
-          </a:stretch>
-        </p:blipFill>
-        <p:spPr>
-          <a:xfrm>
-            <a:off x="857250" y="923330"/>
-            <a:ext cx="3028950" cy="4143375"/>
-          </a:xfrm>
-          <a:prstGeom prst="rect">
-            <a:avLst/>
-          </a:prstGeom>
-        </p:spPr>
-      </p:pic>
-      <p:sp>
-        <p:nvSpPr>
-          <p:cNvPr id="4" name="Rectangle: Rounded Corners 3">
-            <a:extLst>
-              <a:ext uri="{FF2B5EF4-FFF2-40B4-BE49-F238E27FC236}">
-                <a16:creationId xmlns:a16="http://schemas.microsoft.com/office/drawing/2014/main" id="{680D0433-51DC-ABD0-7F67-E083684A7765}"/>
-              </a:ext>
-            </a:extLst>
-          </p:cNvPr>
-          <p:cNvSpPr/>
-          <p:nvPr/>
-        </p:nvSpPr>
-        <p:spPr>
-          <a:xfrm>
-            <a:off x="1109271" y="2819601"/>
-            <a:ext cx="1933731" cy="707568"/>
-          </a:xfrm>
-          <a:prstGeom prst="roundRect">
-            <a:avLst/>
-          </a:prstGeom>
-          <a:solidFill>
-            <a:srgbClr val="58B4AE">
-              <a:alpha val="49020"/>
-            </a:srgbClr>
-          </a:solidFill>
-        </p:spPr>
-        <p:style>
-          <a:lnRef idx="2">
-            <a:schemeClr val="accent1">
-              <a:shade val="50000"/>
-            </a:schemeClr>
-          </a:lnRef>
-          <a:fillRef idx="1">
-            <a:schemeClr val="accent1"/>
-          </a:fillRef>
-          <a:effectRef idx="0">
-            <a:schemeClr val="accent1"/>
-          </a:effectRef>
-          <a:fontRef idx="minor">
-            <a:schemeClr val="lt1"/>
-          </a:fontRef>
-        </p:style>
-        <p:txBody>
-          <a:bodyPr rtlCol="0" anchor="ctr"/>
-          <a:lstStyle/>
-          <a:p>
-            <a:pPr algn="ctr"/>
-            <a:endParaRPr lang="en-CA"/>
-          </a:p>
-        </p:txBody>
-      </p:sp>
-      <p:sp>
-        <p:nvSpPr>
-          <p:cNvPr id="6" name="TextBox 5">
-            <a:extLst>
-              <a:ext uri="{FF2B5EF4-FFF2-40B4-BE49-F238E27FC236}">
-                <a16:creationId xmlns:a16="http://schemas.microsoft.com/office/drawing/2014/main" id="{F21C8A41-49AB-D2C6-7D76-2BB17503FD43}"/>
-              </a:ext>
-            </a:extLst>
-          </p:cNvPr>
-          <p:cNvSpPr txBox="1"/>
-          <p:nvPr/>
-        </p:nvSpPr>
-        <p:spPr>
-          <a:xfrm>
-            <a:off x="205666" y="5988049"/>
-            <a:ext cx="4650698" cy="923330"/>
-          </a:xfrm>
-          <a:prstGeom prst="rect">
-            <a:avLst/>
-          </a:prstGeom>
-          <a:noFill/>
-          <a:ln>
-            <a:solidFill>
-              <a:schemeClr val="tx1"/>
-            </a:solidFill>
-          </a:ln>
-        </p:spPr>
-        <p:txBody>
-          <a:bodyPr wrap="square">
-            <a:spAutoFit/>
-          </a:bodyPr>
-          <a:lstStyle/>
-          <a:p>
-            <a:r>
-              <a:rPr lang="en-CA" b="1" dirty="0">
-                <a:effectLst/>
-                <a:latin typeface="Consolas" panose="020B0609020204030204" pitchFamily="49" charset="0"/>
-              </a:rPr>
-              <a:t>const Header = (props) =&gt; {</a:t>
-            </a:r>
-          </a:p>
-          <a:p>
-            <a:r>
-              <a:rPr lang="en-CA" b="1" dirty="0">
-                <a:effectLst/>
-                <a:latin typeface="Consolas" panose="020B0609020204030204" pitchFamily="49" charset="0"/>
-              </a:rPr>
-              <a:t>}</a:t>
-            </a:r>
-            <a:br>
-              <a:rPr lang="en-CA" b="1" dirty="0">
-                <a:effectLst/>
-                <a:latin typeface="Consolas" panose="020B0609020204030204" pitchFamily="49" charset="0"/>
-              </a:rPr>
-            </a:br>
-            <a:r>
-              <a:rPr lang="en-CA" b="1" dirty="0">
-                <a:effectLst/>
-                <a:latin typeface="Consolas" panose="020B0609020204030204" pitchFamily="49" charset="0"/>
-              </a:rPr>
-              <a:t>export default Header;</a:t>
-            </a:r>
-          </a:p>
-        </p:txBody>
-      </p:sp>
-      <p:sp>
-        <p:nvSpPr>
-          <p:cNvPr id="13" name="Rectangle 12">
-            <a:extLst>
-              <a:ext uri="{FF2B5EF4-FFF2-40B4-BE49-F238E27FC236}">
-                <a16:creationId xmlns:a16="http://schemas.microsoft.com/office/drawing/2014/main" id="{D822D813-B055-486E-7C18-7D7DAFEEC7CB}"/>
-              </a:ext>
-            </a:extLst>
-          </p:cNvPr>
-          <p:cNvSpPr/>
-          <p:nvPr/>
-        </p:nvSpPr>
-        <p:spPr>
-          <a:xfrm>
-            <a:off x="50367" y="5112169"/>
-            <a:ext cx="4961295" cy="923330"/>
-          </a:xfrm>
-          <a:prstGeom prst="rect">
-            <a:avLst/>
-          </a:prstGeom>
-          <a:noFill/>
-        </p:spPr>
-        <p:txBody>
-          <a:bodyPr wrap="none" lIns="91440" tIns="45720" rIns="91440" bIns="45720">
-            <a:spAutoFit/>
-          </a:bodyPr>
-          <a:lstStyle/>
-          <a:p>
-            <a:pPr algn="ctr"/>
-            <a:r>
-              <a:rPr lang="en-US" sz="5400" b="0" u="sng" cap="none" spc="0" dirty="0">
-                <a:ln w="0"/>
-                <a:solidFill>
-                  <a:schemeClr val="tx1"/>
-                </a:solidFill>
-                <a:effectLst>
-                  <a:outerShdw blurRad="38100" dist="19050" dir="2700000" algn="tl" rotWithShape="0">
-                    <a:schemeClr val="dk1">
-                      <a:alpha val="40000"/>
-                    </a:schemeClr>
-                  </a:outerShdw>
-                </a:effectLst>
-              </a:rPr>
-              <a:t>Build </a:t>
-            </a:r>
-            <a:r>
-              <a:rPr lang="en-US" sz="5400" b="0" u="sng" cap="none" spc="0" dirty="0">
-                <a:ln w="0"/>
-                <a:solidFill>
-                  <a:schemeClr val="tx1"/>
-                </a:solidFill>
-                <a:effectLst>
-                  <a:outerShdw blurRad="38100" dist="19050" dir="2700000" algn="tl" rotWithShape="0">
-                    <a:schemeClr val="dk1">
-                      <a:alpha val="40000"/>
-                    </a:schemeClr>
-                  </a:outerShdw>
-                </a:effectLst>
-                <a:highlight>
-                  <a:srgbClr val="FFFF00"/>
-                </a:highlight>
-              </a:rPr>
-              <a:t>H</a:t>
-            </a:r>
-            <a:r>
-              <a:rPr lang="en-US" sz="5400" b="0" u="sng" cap="none" spc="0" dirty="0">
-                <a:ln w="0"/>
-                <a:solidFill>
-                  <a:schemeClr val="tx1"/>
-                </a:solidFill>
-                <a:effectLst>
-                  <a:outerShdw blurRad="38100" dist="19050" dir="2700000" algn="tl" rotWithShape="0">
-                    <a:schemeClr val="dk1">
-                      <a:alpha val="40000"/>
-                    </a:schemeClr>
-                  </a:outerShdw>
-                </a:effectLst>
-              </a:rPr>
-              <a:t>eader.js</a:t>
-            </a:r>
-          </a:p>
-        </p:txBody>
-      </p:sp>
-      <p:sp>
-        <p:nvSpPr>
-          <p:cNvPr id="15" name="TextBox 14">
-            <a:extLst>
-              <a:ext uri="{FF2B5EF4-FFF2-40B4-BE49-F238E27FC236}">
-                <a16:creationId xmlns:a16="http://schemas.microsoft.com/office/drawing/2014/main" id="{681D3D20-CC66-C1CC-0332-E2F520DD4FBB}"/>
-              </a:ext>
-            </a:extLst>
-          </p:cNvPr>
-          <p:cNvSpPr txBox="1"/>
-          <p:nvPr/>
-        </p:nvSpPr>
-        <p:spPr>
-          <a:xfrm>
-            <a:off x="147660" y="6962976"/>
-            <a:ext cx="6910934" cy="369332"/>
-          </a:xfrm>
-          <a:prstGeom prst="rect">
-            <a:avLst/>
-          </a:prstGeom>
-          <a:noFill/>
-        </p:spPr>
-        <p:txBody>
-          <a:bodyPr wrap="square">
-            <a:spAutoFit/>
-          </a:bodyPr>
-          <a:lstStyle/>
-          <a:p>
-            <a:r>
-              <a:rPr lang="en-US" sz="1800" dirty="0">
-                <a:effectLst/>
-                <a:latin typeface="Segoe UI" panose="020B0502040204020203" pitchFamily="34" charset="0"/>
-              </a:rPr>
-              <a:t>Write method using the =&gt; approach for succinctly</a:t>
-            </a:r>
-            <a:endParaRPr lang="en-US" sz="2000" dirty="0">
-              <a:effectLst/>
-              <a:latin typeface="Arial" panose="020B0604020202020204" pitchFamily="34" charset="0"/>
-            </a:endParaRPr>
-          </a:p>
-        </p:txBody>
-      </p:sp>
-      <p:sp>
-        <p:nvSpPr>
-          <p:cNvPr id="16" name="TextBox 15">
-            <a:extLst>
-              <a:ext uri="{FF2B5EF4-FFF2-40B4-BE49-F238E27FC236}">
-                <a16:creationId xmlns:a16="http://schemas.microsoft.com/office/drawing/2014/main" id="{D4DDB79D-1C4B-F713-4026-D7FFA5C19242}"/>
-              </a:ext>
-            </a:extLst>
-          </p:cNvPr>
-          <p:cNvSpPr txBox="1"/>
-          <p:nvPr/>
-        </p:nvSpPr>
-        <p:spPr>
-          <a:xfrm>
-            <a:off x="146388" y="7945295"/>
-            <a:ext cx="6910934" cy="369332"/>
-          </a:xfrm>
-          <a:prstGeom prst="rect">
-            <a:avLst/>
-          </a:prstGeom>
-          <a:noFill/>
-        </p:spPr>
-        <p:txBody>
-          <a:bodyPr wrap="square">
-            <a:spAutoFit/>
-          </a:bodyPr>
-          <a:lstStyle/>
-          <a:p>
-            <a:r>
-              <a:rPr lang="en-US" dirty="0">
-                <a:highlight>
-                  <a:srgbClr val="FFFF00"/>
-                </a:highlight>
-                <a:latin typeface="Segoe UI" panose="020B0502040204020203" pitchFamily="34" charset="0"/>
-              </a:rPr>
-              <a:t>Export default </a:t>
-            </a:r>
-            <a:r>
-              <a:rPr lang="en-US" dirty="0">
-                <a:latin typeface="Segoe UI" panose="020B0502040204020203" pitchFamily="34" charset="0"/>
-              </a:rPr>
-              <a:t>to be able to invoke this method within other files.</a:t>
-            </a:r>
-            <a:endParaRPr lang="en-US" sz="2000" dirty="0">
-              <a:effectLst/>
-              <a:latin typeface="Arial" panose="020B0604020202020204" pitchFamily="34" charset="0"/>
-            </a:endParaRPr>
-          </a:p>
-        </p:txBody>
-      </p:sp>
-      <p:sp>
-        <p:nvSpPr>
-          <p:cNvPr id="17" name="TextBox 16">
-            <a:extLst>
-              <a:ext uri="{FF2B5EF4-FFF2-40B4-BE49-F238E27FC236}">
-                <a16:creationId xmlns:a16="http://schemas.microsoft.com/office/drawing/2014/main" id="{EAA9D1D3-7F50-42C2-A993-16BD3359F952}"/>
-              </a:ext>
-            </a:extLst>
-          </p:cNvPr>
-          <p:cNvSpPr txBox="1"/>
-          <p:nvPr/>
-        </p:nvSpPr>
-        <p:spPr>
-          <a:xfrm>
-            <a:off x="147660" y="7298964"/>
-            <a:ext cx="6910934" cy="646331"/>
-          </a:xfrm>
-          <a:prstGeom prst="rect">
-            <a:avLst/>
-          </a:prstGeom>
-          <a:noFill/>
-        </p:spPr>
-        <p:txBody>
-          <a:bodyPr wrap="square">
-            <a:spAutoFit/>
-          </a:bodyPr>
-          <a:lstStyle/>
-          <a:p>
-            <a:r>
-              <a:rPr lang="en-US" dirty="0">
-                <a:highlight>
-                  <a:srgbClr val="FFFF00"/>
-                </a:highlight>
-                <a:latin typeface="Segoe UI" panose="020B0502040204020203" pitchFamily="34" charset="0"/>
-              </a:rPr>
-              <a:t>p</a:t>
-            </a:r>
-            <a:r>
-              <a:rPr lang="en-US" sz="1800" dirty="0">
-                <a:effectLst/>
-                <a:highlight>
-                  <a:srgbClr val="FFFF00"/>
-                </a:highlight>
-                <a:latin typeface="Segoe UI" panose="020B0502040204020203" pitchFamily="34" charset="0"/>
-              </a:rPr>
-              <a:t>rops: </a:t>
-            </a:r>
-            <a:r>
-              <a:rPr lang="en-US" dirty="0">
-                <a:latin typeface="Segoe UI" panose="020B0502040204020203" pitchFamily="34" charset="0"/>
-              </a:rPr>
-              <a:t>think of as an object that holds a pointer to data passing from parent component to Header</a:t>
-            </a:r>
-            <a:r>
-              <a:rPr lang="en-US" sz="1800" dirty="0">
-                <a:effectLst/>
-                <a:latin typeface="Segoe UI" panose="020B0502040204020203" pitchFamily="34" charset="0"/>
-              </a:rPr>
-              <a:t> </a:t>
-            </a:r>
-            <a:endParaRPr lang="en-US" sz="2000" dirty="0">
-              <a:effectLst/>
-              <a:latin typeface="Arial" panose="020B0604020202020204" pitchFamily="34" charset="0"/>
-            </a:endParaRPr>
-          </a:p>
-        </p:txBody>
-      </p:sp>
-      <p:sp>
-        <p:nvSpPr>
-          <p:cNvPr id="5" name="TextBox 4">
-            <a:extLst>
-              <a:ext uri="{FF2B5EF4-FFF2-40B4-BE49-F238E27FC236}">
-                <a16:creationId xmlns:a16="http://schemas.microsoft.com/office/drawing/2014/main" id="{4934E958-0C4F-61D5-0B0B-0A7FAB285678}"/>
-              </a:ext>
-            </a:extLst>
-          </p:cNvPr>
-          <p:cNvSpPr txBox="1"/>
-          <p:nvPr/>
-        </p:nvSpPr>
-        <p:spPr>
-          <a:xfrm>
-            <a:off x="205666" y="8321340"/>
-            <a:ext cx="7566734" cy="2031325"/>
-          </a:xfrm>
-          <a:prstGeom prst="rect">
-            <a:avLst/>
-          </a:prstGeom>
-          <a:noFill/>
-          <a:ln>
-            <a:solidFill>
-              <a:schemeClr val="tx1"/>
-            </a:solidFill>
-          </a:ln>
-        </p:spPr>
-        <p:txBody>
-          <a:bodyPr wrap="square">
-            <a:spAutoFit/>
-          </a:bodyPr>
-          <a:lstStyle/>
-          <a:p>
-            <a:r>
-              <a:rPr lang="en-US" b="0" dirty="0">
-                <a:effectLst/>
-                <a:latin typeface="Consolas" panose="020B0609020204030204" pitchFamily="49" charset="0"/>
-              </a:rPr>
-              <a:t>import React from 'react';</a:t>
-            </a:r>
-          </a:p>
-          <a:p>
-            <a:r>
-              <a:rPr lang="en-US" b="0" dirty="0">
-                <a:effectLst/>
-                <a:latin typeface="Consolas" panose="020B0609020204030204" pitchFamily="49" charset="0"/>
-              </a:rPr>
-              <a:t>import './App.css';</a:t>
-            </a:r>
-          </a:p>
-          <a:p>
-            <a:r>
-              <a:rPr lang="en-US" b="0" dirty="0">
-                <a:effectLst/>
-                <a:highlight>
-                  <a:srgbClr val="FFFF00"/>
-                </a:highlight>
-                <a:latin typeface="Consolas" panose="020B0609020204030204" pitchFamily="49" charset="0"/>
-              </a:rPr>
-              <a:t>import Header from './header/Header';</a:t>
-            </a:r>
-          </a:p>
-          <a:p>
-            <a:r>
-              <a:rPr lang="en-US" b="0" dirty="0">
-                <a:effectLst/>
-                <a:latin typeface="Consolas" panose="020B0609020204030204" pitchFamily="49" charset="0"/>
-              </a:rPr>
-              <a:t>function App() {</a:t>
-            </a:r>
-          </a:p>
-          <a:p>
-            <a:r>
-              <a:rPr lang="en-US" dirty="0">
-                <a:highlight>
-                  <a:srgbClr val="FFFF00"/>
-                </a:highlight>
-                <a:latin typeface="Consolas" panose="020B0609020204030204" pitchFamily="49" charset="0"/>
-              </a:rPr>
-              <a:t>  return (&lt;Header/&gt;);</a:t>
-            </a:r>
-          </a:p>
-          <a:p>
-            <a:r>
-              <a:rPr lang="en-US" b="0" dirty="0">
-                <a:effectLst/>
-                <a:latin typeface="Consolas" panose="020B0609020204030204" pitchFamily="49" charset="0"/>
-              </a:rPr>
-              <a:t>}</a:t>
-            </a:r>
-          </a:p>
-          <a:p>
-            <a:r>
-              <a:rPr lang="en-US" b="0" dirty="0">
-                <a:effectLst/>
-                <a:latin typeface="Consolas" panose="020B0609020204030204" pitchFamily="49" charset="0"/>
-              </a:rPr>
-              <a:t>export default App;</a:t>
-            </a:r>
-          </a:p>
-        </p:txBody>
-      </p:sp>
-      <p:sp>
-        <p:nvSpPr>
-          <p:cNvPr id="7" name="TextBox 6">
-            <a:extLst>
-              <a:ext uri="{FF2B5EF4-FFF2-40B4-BE49-F238E27FC236}">
-                <a16:creationId xmlns:a16="http://schemas.microsoft.com/office/drawing/2014/main" id="{B20E8BDC-74A9-B73E-18A0-979780E4DCCA}"/>
-              </a:ext>
-            </a:extLst>
-          </p:cNvPr>
-          <p:cNvSpPr txBox="1"/>
-          <p:nvPr/>
-        </p:nvSpPr>
-        <p:spPr>
-          <a:xfrm>
-            <a:off x="5296160" y="9013836"/>
-            <a:ext cx="2270574" cy="646331"/>
-          </a:xfrm>
-          <a:prstGeom prst="rect">
-            <a:avLst/>
-          </a:prstGeom>
-          <a:solidFill>
-            <a:srgbClr val="C00000"/>
-          </a:solidFill>
-        </p:spPr>
-        <p:txBody>
-          <a:bodyPr wrap="square">
-            <a:spAutoFit/>
-          </a:bodyPr>
-          <a:lstStyle/>
-          <a:p>
-            <a:pPr algn="ctr"/>
-            <a:r>
-              <a:rPr lang="en-CA" dirty="0">
-                <a:solidFill>
-                  <a:schemeClr val="bg1"/>
-                </a:solidFill>
-              </a:rPr>
-              <a:t>Invoking/Adding Element to App.js</a:t>
-            </a:r>
-          </a:p>
-        </p:txBody>
-      </p:sp>
-    </p:spTree>
-    <p:extLst>
-      <p:ext uri="{BB962C8B-B14F-4D97-AF65-F5344CB8AC3E}">
-        <p14:creationId xmlns:p14="http://schemas.microsoft.com/office/powerpoint/2010/main" val="3786626766"/>
-      </p:ext>
-    </p:extLst>
-  </p:cSld>
-  <p:clrMapOvr>
-    <a:masterClrMapping/>
-  </p:clrMapOvr>
-  <p:timing>
-    <p:tnLst>
-      <p:par>
-        <p:cTn id="1" dur="indefinite" restart="never" nodeType="tmRoot">
-          <p:childTnLst>
-            <p:seq concurrent="1" nextAc="seek">
-              <p:cTn id="2" dur="indefinite" nodeType="mainSeq">
-                <p:childTnLst>
                   <p:par>
-                    <p:cTn id="3" fill="hold">
+                    <p:cTn id="35" fill="hold">
                       <p:stCondLst>
                         <p:cond delay="indefinite"/>
                       </p:stCondLst>
                       <p:childTnLst>
                         <p:par>
-                          <p:cTn id="4" fill="hold">
+                          <p:cTn id="36" fill="hold">
                             <p:stCondLst>
                               <p:cond delay="0"/>
                             </p:stCondLst>
                             <p:childTnLst>
                               <p:par>
-                                <p:cTn id="5" presetID="1" presetClass="entr" presetSubtype="0" fill="hold" grpId="0" nodeType="clickEffect">
+                                <p:cTn id="37" presetID="1" presetClass="entr" presetSubtype="0" fill="hold" grpId="0" nodeType="clickEffect">
                                   <p:stCondLst>
                                     <p:cond delay="0"/>
                                   </p:stCondLst>
                                   <p:childTnLst>
                                     <p:set>
                                       <p:cBhvr>
-                                        <p:cTn id="6" dur="1" fill="hold">
+                                        <p:cTn id="38" dur="1" fill="hold">
                                           <p:stCondLst>
                                             <p:cond delay="0"/>
                                           </p:stCondLst>
                                         </p:cTn>
                                         <p:tgtEl>
-                                          <p:spTgt spid="4"/>
+                                          <p:spTgt spid="2"/>
+                                        </p:tgtEl>
+                                        <p:attrNameLst>
+                                          <p:attrName>style.visibility</p:attrName>
+                                        </p:attrNameLst>
+                                      </p:cBhvr>
+                                      <p:to>
+                                        <p:strVal val="visible"/>
+                                      </p:to>
+                                    </p:set>
+                                  </p:childTnLst>
+                                </p:cTn>
+                              </p:par>
+                              <p:par>
+                                <p:cTn id="39" presetID="1" presetClass="entr" presetSubtype="0" fill="hold" grpId="0" nodeType="withEffect">
+                                  <p:stCondLst>
+                                    <p:cond delay="0"/>
+                                  </p:stCondLst>
+                                  <p:childTnLst>
+                                    <p:set>
+                                      <p:cBhvr>
+                                        <p:cTn id="40" dur="1" fill="hold">
+                                          <p:stCondLst>
+                                            <p:cond delay="0"/>
+                                          </p:stCondLst>
+                                        </p:cTn>
+                                        <p:tgtEl>
+                                          <p:spTgt spid="3"/>
+                                        </p:tgtEl>
+                                        <p:attrNameLst>
+                                          <p:attrName>style.visibility</p:attrName>
+                                        </p:attrNameLst>
+                                      </p:cBhvr>
+                                      <p:to>
+                                        <p:strVal val="visible"/>
+                                      </p:to>
+                                    </p:set>
+                                  </p:childTnLst>
+                                </p:cTn>
+                              </p:par>
+                              <p:par>
+                                <p:cTn id="41" presetID="1" presetClass="entr" presetSubtype="0" fill="hold" nodeType="withEffect">
+                                  <p:stCondLst>
+                                    <p:cond delay="0"/>
+                                  </p:stCondLst>
+                                  <p:childTnLst>
+                                    <p:set>
+                                      <p:cBhvr>
+                                        <p:cTn id="42" dur="1" fill="hold">
+                                          <p:stCondLst>
+                                            <p:cond delay="0"/>
+                                          </p:stCondLst>
+                                        </p:cTn>
+                                        <p:tgtEl>
+                                          <p:spTgt spid="19"/>
+                                        </p:tgtEl>
+                                        <p:attrNameLst>
+                                          <p:attrName>style.visibility</p:attrName>
+                                        </p:attrNameLst>
+                                      </p:cBhvr>
+                                      <p:to>
+                                        <p:strVal val="visible"/>
+                                      </p:to>
+                                    </p:set>
+                                  </p:childTnLst>
+                                </p:cTn>
+                              </p:par>
+                              <p:par>
+                                <p:cTn id="43" presetID="1" presetClass="entr" presetSubtype="0" fill="hold" nodeType="withEffect">
+                                  <p:stCondLst>
+                                    <p:cond delay="0"/>
+                                  </p:stCondLst>
+                                  <p:childTnLst>
+                                    <p:set>
+                                      <p:cBhvr>
+                                        <p:cTn id="44" dur="1" fill="hold">
+                                          <p:stCondLst>
+                                            <p:cond delay="0"/>
+                                          </p:stCondLst>
+                                        </p:cTn>
+                                        <p:tgtEl>
+                                          <p:spTgt spid="21"/>
                                         </p:tgtEl>
                                         <p:attrNameLst>
                                           <p:attrName>style.visibility</p:attrName>
@@ -16605,32 +16496,32 @@
                     </p:cTn>
                   </p:par>
                   <p:par>
-                    <p:cTn id="7" fill="hold">
+                    <p:cTn id="45" fill="hold">
                       <p:stCondLst>
                         <p:cond delay="indefinite"/>
                       </p:stCondLst>
                       <p:childTnLst>
                         <p:par>
-                          <p:cTn id="8" fill="hold">
+                          <p:cTn id="46" fill="hold">
                             <p:stCondLst>
                               <p:cond delay="0"/>
                             </p:stCondLst>
                             <p:childTnLst>
                               <p:par>
-                                <p:cTn id="9" presetID="1" presetClass="entr" presetSubtype="0" fill="hold" grpId="0" nodeType="clickEffect">
+                                <p:cTn id="47" presetID="1" presetClass="entr" presetSubtype="0" fill="hold" grpId="0" nodeType="clickEffect">
                                   <p:stCondLst>
                                     <p:cond delay="0"/>
                                   </p:stCondLst>
                                   <p:childTnLst>
                                     <p:set>
                                       <p:cBhvr>
-                                        <p:cTn id="10" dur="1" fill="hold">
+                                        <p:cTn id="48" dur="1" fill="hold">
                                           <p:stCondLst>
                                             <p:cond delay="0"/>
                                           </p:stCondLst>
                                         </p:cTn>
                                         <p:tgtEl>
-                                          <p:spTgt spid="13"/>
+                                          <p:spTgt spid="4"/>
                                         </p:tgtEl>
                                         <p:attrNameLst>
                                           <p:attrName>style.visibility</p:attrName>
@@ -16643,33 +16534,42 @@
                                   </p:childTnLst>
                                 </p:cTn>
                               </p:par>
-                            </p:childTnLst>
-                          </p:cTn>
-                        </p:par>
-                      </p:childTnLst>
-                    </p:cTn>
-                  </p:par>
-                  <p:par>
-                    <p:cTn id="11" fill="hold">
-                      <p:stCondLst>
-                        <p:cond delay="indefinite"/>
-                      </p:stCondLst>
-                      <p:childTnLst>
-                        <p:par>
-                          <p:cTn id="12" fill="hold">
-                            <p:stCondLst>
-                              <p:cond delay="0"/>
-                            </p:stCondLst>
-                            <p:childTnLst>
                               <p:par>
-                                <p:cTn id="13" presetID="1" presetClass="entr" presetSubtype="0" fill="hold" grpId="0" nodeType="clickEffect">
+                                <p:cTn id="49" presetID="1" presetClass="entr" presetSubtype="0" fill="hold" grpId="0" nodeType="withEffect">
                                   <p:stCondLst>
                                     <p:cond delay="0"/>
                                   </p:stCondLst>
                                   <p:childTnLst>
                                     <p:set>
                                       <p:cBhvr>
-                                        <p:cTn id="14" dur="1" fill="hold">
+                                        <p:cTn id="50" dur="1" fill="hold">
+                                          <p:stCondLst>
+                                            <p:cond delay="0"/>
+                                          </p:stCondLst>
+                                        </p:cTn>
+                                        <p:tgtEl>
+                                          <p:spTgt spid="5"/>
+                                        </p:tgtEl>
+                                        <p:attrNameLst>
+                                          <p:attrName>style.visibility</p:attrName>
+                                        </p:attrNameLst>
+                                      </p:cBhvr>
+                                      <p:to>
+                                        <p:strVal val="visible"/>
+                                      </p:to>
+                                    </p:set>
+                                  </p:childTnLst>
+                                </p:cTn>
+                              </p:par>
+                              <p:par>
+                                <p:cTn id="51" presetID="1" presetClass="entr" presetSubtype="0" fill="hold" grpId="0" nodeType="withEffect">
+                                  <p:stCondLst>
+                                    <p:cond delay="0"/>
+                                  </p:stCondLst>
+                                  <p:childTnLst>
+                                    <p:set>
+                                      <p:cBhvr>
+                                        <p:cTn id="52" dur="1" fill="hold">
                                           <p:stCondLst>
                                             <p:cond delay="0"/>
                                           </p:stCondLst>
@@ -16688,78 +16588,15 @@
                                   </p:childTnLst>
                                 </p:cTn>
                               </p:par>
-                            </p:childTnLst>
-                          </p:cTn>
-                        </p:par>
-                      </p:childTnLst>
-                    </p:cTn>
-                  </p:par>
-                  <p:par>
-                    <p:cTn id="15" fill="hold">
-                      <p:stCondLst>
-                        <p:cond delay="indefinite"/>
-                      </p:stCondLst>
-                      <p:childTnLst>
-                        <p:par>
-                          <p:cTn id="16" fill="hold">
-                            <p:stCondLst>
-                              <p:cond delay="0"/>
-                            </p:stCondLst>
-                            <p:childTnLst>
                               <p:par>
-                                <p:cTn id="17" presetID="1" presetClass="entr" presetSubtype="0" fill="hold" grpId="0" nodeType="clickEffect">
+                                <p:cTn id="53" presetID="1" presetClass="entr" presetSubtype="0" fill="hold" grpId="0" nodeType="withEffect">
                                   <p:stCondLst>
                                     <p:cond delay="0"/>
                                   </p:stCondLst>
                                   <p:childTnLst>
                                     <p:set>
                                       <p:cBhvr>
-                                        <p:cTn id="18" dur="1" fill="hold">
-                                          <p:stCondLst>
-                                            <p:cond delay="0"/>
-                                          </p:stCondLst>
-                                        </p:cTn>
-                                        <p:tgtEl>
-                                          <p:spTgt spid="15"/>
-                                        </p:tgtEl>
-                                        <p:attrNameLst>
-                                          <p:attrName>style.visibility</p:attrName>
-                                        </p:attrNameLst>
-                                      </p:cBhvr>
-                                      <p:to>
-                                        <p:strVal val="visible"/>
-                                      </p:to>
-                                    </p:set>
-                                  </p:childTnLst>
-                                </p:cTn>
-                              </p:par>
-                            </p:childTnLst>
-                          </p:cTn>
-                        </p:par>
-                      </p:childTnLst>
-                    </p:cTn>
-                  </p:par>
-                  <p:par>
-                    <p:cTn id="19" fill="hold">
-                      <p:stCondLst>
-                        <p:cond delay="indefinite"/>
-                      </p:stCondLst>
-                      <p:childTnLst>
-                        <p:par>
-                          <p:cTn id="20" fill="hold">
-                            <p:stCondLst>
-                              <p:cond delay="0"/>
-                            </p:stCondLst>
-                            <p:childTnLst>
-                              <p:par>
-                                <p:cTn id="21" presetID="1" presetClass="entr" presetSubtype="0" fill="hold" grpId="0" nodeType="clickEffect">
-                                  <p:stCondLst>
-                                    <p:cond delay="0"/>
-                                  </p:stCondLst>
-                                  <p:childTnLst>
-                                    <p:set>
-                                      <p:cBhvr>
-                                        <p:cTn id="22" dur="1" fill="hold">
+                                        <p:cTn id="54" dur="1" fill="hold">
                                           <p:stCondLst>
                                             <p:cond delay="0"/>
                                           </p:stCondLst>
@@ -16778,39 +16615,21 @@
                                   </p:childTnLst>
                                 </p:cTn>
                               </p:par>
-                            </p:childTnLst>
-                          </p:cTn>
-                        </p:par>
-                      </p:childTnLst>
-                    </p:cTn>
-                  </p:par>
-                  <p:par>
-                    <p:cTn id="23" fill="hold">
-                      <p:stCondLst>
-                        <p:cond delay="indefinite"/>
-                      </p:stCondLst>
-                      <p:childTnLst>
-                        <p:par>
-                          <p:cTn id="24" fill="hold">
-                            <p:stCondLst>
-                              <p:cond delay="0"/>
-                            </p:stCondLst>
-                            <p:childTnLst>
                               <p:par>
-                                <p:cTn id="25" presetID="1" presetClass="entr" presetSubtype="0" fill="hold" grpId="0" nodeType="clickEffect">
+                                <p:cTn id="55" presetID="1" presetClass="entr" presetSubtype="0" fill="hold" nodeType="withEffect">
                                   <p:stCondLst>
                                     <p:cond delay="0"/>
                                   </p:stCondLst>
                                   <p:childTnLst>
                                     <p:set>
                                       <p:cBhvr>
-                                        <p:cTn id="26" dur="1" fill="hold">
+                                        <p:cTn id="56" dur="1" fill="hold">
                                           <p:stCondLst>
                                             <p:cond delay="0"/>
                                           </p:stCondLst>
                                         </p:cTn>
                                         <p:tgtEl>
-                                          <p:spTgt spid="16"/>
+                                          <p:spTgt spid="26"/>
                                         </p:tgtEl>
                                         <p:attrNameLst>
                                           <p:attrName>style.visibility</p:attrName>
@@ -16823,39 +16642,21 @@
                                   </p:childTnLst>
                                 </p:cTn>
                               </p:par>
-                            </p:childTnLst>
-                          </p:cTn>
-                        </p:par>
-                      </p:childTnLst>
-                    </p:cTn>
-                  </p:par>
-                  <p:par>
-                    <p:cTn id="27" fill="hold">
-                      <p:stCondLst>
-                        <p:cond delay="indefinite"/>
-                      </p:stCondLst>
-                      <p:childTnLst>
-                        <p:par>
-                          <p:cTn id="28" fill="hold">
-                            <p:stCondLst>
-                              <p:cond delay="0"/>
-                            </p:stCondLst>
-                            <p:childTnLst>
                               <p:par>
-                                <p:cTn id="29" presetID="1" presetClass="entr" presetSubtype="0" fill="hold" grpId="0" nodeType="clickEffect">
+                                <p:cTn id="57" presetID="1" presetClass="entr" presetSubtype="0" fill="hold" nodeType="withEffect">
                                   <p:stCondLst>
                                     <p:cond delay="0"/>
                                   </p:stCondLst>
                                   <p:childTnLst>
                                     <p:set>
                                       <p:cBhvr>
-                                        <p:cTn id="30" dur="1" fill="hold">
+                                        <p:cTn id="58" dur="1" fill="hold">
                                           <p:stCondLst>
                                             <p:cond delay="0"/>
                                           </p:stCondLst>
                                         </p:cTn>
                                         <p:tgtEl>
-                                          <p:spTgt spid="5"/>
+                                          <p:spTgt spid="28"/>
                                         </p:tgtEl>
                                         <p:attrNameLst>
                                           <p:attrName>style.visibility</p:attrName>
@@ -16868,39 +16669,21 @@
                                   </p:childTnLst>
                                 </p:cTn>
                               </p:par>
-                            </p:childTnLst>
-                          </p:cTn>
-                        </p:par>
-                      </p:childTnLst>
-                    </p:cTn>
-                  </p:par>
-                  <p:par>
-                    <p:cTn id="31" fill="hold">
-                      <p:stCondLst>
-                        <p:cond delay="indefinite"/>
-                      </p:stCondLst>
-                      <p:childTnLst>
-                        <p:par>
-                          <p:cTn id="32" fill="hold">
-                            <p:stCondLst>
-                              <p:cond delay="0"/>
-                            </p:stCondLst>
-                            <p:childTnLst>
                               <p:par>
-                                <p:cTn id="33" presetID="1" presetClass="entr" presetSubtype="0" fill="hold" grpId="0" nodeType="clickEffect">
+                                <p:cTn id="59" presetID="1" presetClass="entr" presetSubtype="0" fill="hold" nodeType="withEffect">
                                   <p:stCondLst>
                                     <p:cond delay="0"/>
                                   </p:stCondLst>
                                   <p:childTnLst>
                                     <p:set>
                                       <p:cBhvr>
-                                        <p:cTn id="34" dur="1" fill="hold">
+                                        <p:cTn id="60" dur="1" fill="hold">
                                           <p:stCondLst>
                                             <p:cond delay="0"/>
                                           </p:stCondLst>
                                         </p:cTn>
                                         <p:tgtEl>
-                                          <p:spTgt spid="7"/>
+                                          <p:spTgt spid="31"/>
                                         </p:tgtEl>
                                         <p:attrNameLst>
                                           <p:attrName>style.visibility</p:attrName>
@@ -16941,21 +16724,159 @@
       </p:par>
     </p:tnLst>
     <p:bldLst>
-      <p:bldP spid="4" grpId="0" animBg="1"/>
-      <p:bldP spid="6" grpId="0"/>
+      <p:bldP spid="9" grpId="0" animBg="1"/>
+      <p:bldP spid="10" grpId="0" animBg="1"/>
+      <p:bldP spid="11" grpId="0" animBg="1"/>
+      <p:bldP spid="12" grpId="0" animBg="1"/>
       <p:bldP spid="13" grpId="0"/>
+      <p:bldP spid="14" grpId="0"/>
       <p:bldP spid="15" grpId="0"/>
       <p:bldP spid="16" grpId="0"/>
-      <p:bldP spid="17" grpId="0"/>
+      <p:bldP spid="2" grpId="0" animBg="1"/>
+      <p:bldP spid="3" grpId="0" animBg="1"/>
+      <p:bldP spid="4" grpId="0" animBg="1"/>
       <p:bldP spid="5" grpId="0" animBg="1"/>
-      <p:bldP spid="7" grpId="0" animBg="1"/>
+      <p:bldP spid="6" grpId="0" animBg="1"/>
+      <p:bldP spid="17" grpId="0" animBg="1"/>
     </p:bldLst>
   </p:timing>
-  <p:extLst>
-    <p:ext uri="{6950BFC3-D8DA-4A85-94F7-54DA5524770B}">
-      <p188:commentRel xmlns:p188="http://schemas.microsoft.com/office/powerpoint/2018/8/main" r:id="rId2"/>
-    </p:ext>
-  </p:extLst>
+</p:sld>
+</file>
+
+<file path=ppt/slides/slide24.xml><?xml version="1.0" encoding="utf-8"?>
+<p:sld xmlns:a="http://schemas.openxmlformats.org/drawingml/2006/main" xmlns:r="http://schemas.openxmlformats.org/officeDocument/2006/relationships" xmlns:p="http://schemas.openxmlformats.org/presentationml/2006/main">
+  <p:cSld>
+    <p:spTree>
+      <p:nvGrpSpPr>
+        <p:cNvPr id="1" name=""/>
+        <p:cNvGrpSpPr/>
+        <p:nvPr/>
+      </p:nvGrpSpPr>
+      <p:grpSpPr>
+        <a:xfrm>
+          <a:off x="0" y="0"/>
+          <a:ext cx="0" cy="0"/>
+          <a:chOff x="0" y="0"/>
+          <a:chExt cx="0" cy="0"/>
+        </a:xfrm>
+      </p:grpSpPr>
+      <p:sp>
+        <p:nvSpPr>
+          <p:cNvPr id="8" name="Rectangle 7">
+            <a:extLst>
+              <a:ext uri="{FF2B5EF4-FFF2-40B4-BE49-F238E27FC236}">
+                <a16:creationId xmlns:a16="http://schemas.microsoft.com/office/drawing/2014/main" id="{158F95D5-BE54-3736-1783-2E5501BC5DA8}"/>
+              </a:ext>
+            </a:extLst>
+          </p:cNvPr>
+          <p:cNvSpPr/>
+          <p:nvPr/>
+        </p:nvSpPr>
+        <p:spPr>
+          <a:xfrm>
+            <a:off x="1136995" y="0"/>
+            <a:ext cx="5265416" cy="923330"/>
+          </a:xfrm>
+          <a:prstGeom prst="rect">
+            <a:avLst/>
+          </a:prstGeom>
+          <a:noFill/>
+        </p:spPr>
+        <p:txBody>
+          <a:bodyPr wrap="none" lIns="91440" tIns="45720" rIns="91440" bIns="45720">
+            <a:spAutoFit/>
+          </a:bodyPr>
+          <a:lstStyle/>
+          <a:p>
+            <a:pPr algn="ctr"/>
+            <a:r>
+              <a:rPr lang="en-US" sz="5400" b="0" cap="none" spc="0" dirty="0">
+                <a:ln w="0"/>
+                <a:solidFill>
+                  <a:schemeClr val="tx1"/>
+                </a:solidFill>
+                <a:effectLst>
+                  <a:outerShdw blurRad="38100" dist="19050" dir="2700000" algn="tl" rotWithShape="0">
+                    <a:schemeClr val="dk1">
+                      <a:alpha val="40000"/>
+                    </a:schemeClr>
+                  </a:outerShdw>
+                </a:effectLst>
+              </a:rPr>
+              <a:t>Our Project - </a:t>
+            </a:r>
+            <a:r>
+              <a:rPr lang="en-US" sz="2400" b="0" cap="none" spc="0" dirty="0">
+                <a:ln w="0"/>
+                <a:solidFill>
+                  <a:schemeClr val="tx1"/>
+                </a:solidFill>
+                <a:effectLst>
+                  <a:outerShdw blurRad="38100" dist="19050" dir="2700000" algn="tl" rotWithShape="0">
+                    <a:schemeClr val="dk1">
+                      <a:alpha val="40000"/>
+                    </a:schemeClr>
+                  </a:outerShdw>
+                </a:effectLst>
+              </a:rPr>
+              <a:t>Layout</a:t>
+            </a:r>
+            <a:endParaRPr lang="en-US" sz="5400" b="0" cap="none" spc="0" dirty="0">
+              <a:ln w="0"/>
+              <a:solidFill>
+                <a:schemeClr val="tx1"/>
+              </a:solidFill>
+              <a:effectLst>
+                <a:outerShdw blurRad="38100" dist="19050" dir="2700000" algn="tl" rotWithShape="0">
+                  <a:schemeClr val="dk1">
+                    <a:alpha val="40000"/>
+                  </a:schemeClr>
+                </a:outerShdw>
+              </a:effectLst>
+            </a:endParaRPr>
+          </a:p>
+        </p:txBody>
+      </p:sp>
+      <p:pic>
+        <p:nvPicPr>
+          <p:cNvPr id="50" name="Picture 49">
+            <a:extLst>
+              <a:ext uri="{FF2B5EF4-FFF2-40B4-BE49-F238E27FC236}">
+                <a16:creationId xmlns:a16="http://schemas.microsoft.com/office/drawing/2014/main" id="{F239C07A-D687-FF4D-6A6C-D79D077163BC}"/>
+              </a:ext>
+            </a:extLst>
+          </p:cNvPr>
+          <p:cNvPicPr>
+            <a:picLocks noChangeAspect="1"/>
+          </p:cNvPicPr>
+          <p:nvPr/>
+        </p:nvPicPr>
+        <p:blipFill>
+          <a:blip r:embed="rId2"/>
+          <a:stretch>
+            <a:fillRect/>
+          </a:stretch>
+        </p:blipFill>
+        <p:spPr>
+          <a:xfrm>
+            <a:off x="0" y="3492150"/>
+            <a:ext cx="7772400" cy="3074099"/>
+          </a:xfrm>
+          <a:prstGeom prst="rect">
+            <a:avLst/>
+          </a:prstGeom>
+        </p:spPr>
+      </p:pic>
+    </p:spTree>
+    <p:extLst>
+      <p:ext uri="{BB962C8B-B14F-4D97-AF65-F5344CB8AC3E}">
+        <p14:creationId xmlns:p14="http://schemas.microsoft.com/office/powerpoint/2010/main" val="2146374172"/>
+      </p:ext>
+    </p:extLst>
+  </p:cSld>
+  <p:clrMapOvr>
+    <a:masterClrMapping/>
+  </p:clrMapOvr>
 </p:sld>
 </file>
 
@@ -17086,8 +17007,944 @@
         </p:nvSpPr>
         <p:spPr>
           <a:xfrm>
-            <a:off x="205666" y="1826685"/>
-            <a:ext cx="7361067" cy="3139321"/>
+            <a:off x="205666" y="2255498"/>
+            <a:ext cx="4650698" cy="923330"/>
+          </a:xfrm>
+          <a:prstGeom prst="rect">
+            <a:avLst/>
+          </a:prstGeom>
+          <a:noFill/>
+          <a:ln>
+            <a:solidFill>
+              <a:schemeClr val="tx1"/>
+            </a:solidFill>
+          </a:ln>
+        </p:spPr>
+        <p:txBody>
+          <a:bodyPr wrap="square">
+            <a:spAutoFit/>
+          </a:bodyPr>
+          <a:lstStyle/>
+          <a:p>
+            <a:r>
+              <a:rPr lang="en-CA" b="1" dirty="0">
+                <a:effectLst/>
+                <a:latin typeface="Consolas" panose="020B0609020204030204" pitchFamily="49" charset="0"/>
+              </a:rPr>
+              <a:t>const Header = (props) =&gt; {</a:t>
+            </a:r>
+          </a:p>
+          <a:p>
+            <a:r>
+              <a:rPr lang="en-CA" b="1" dirty="0">
+                <a:effectLst/>
+                <a:latin typeface="Consolas" panose="020B0609020204030204" pitchFamily="49" charset="0"/>
+              </a:rPr>
+              <a:t>}</a:t>
+            </a:r>
+            <a:br>
+              <a:rPr lang="en-CA" b="1" dirty="0">
+                <a:effectLst/>
+                <a:latin typeface="Consolas" panose="020B0609020204030204" pitchFamily="49" charset="0"/>
+              </a:rPr>
+            </a:br>
+            <a:r>
+              <a:rPr lang="en-CA" b="1" dirty="0">
+                <a:effectLst/>
+                <a:latin typeface="Consolas" panose="020B0609020204030204" pitchFamily="49" charset="0"/>
+              </a:rPr>
+              <a:t>export default Header;</a:t>
+            </a:r>
+          </a:p>
+        </p:txBody>
+      </p:sp>
+      <p:sp>
+        <p:nvSpPr>
+          <p:cNvPr id="13" name="Rectangle 12">
+            <a:extLst>
+              <a:ext uri="{FF2B5EF4-FFF2-40B4-BE49-F238E27FC236}">
+                <a16:creationId xmlns:a16="http://schemas.microsoft.com/office/drawing/2014/main" id="{D822D813-B055-486E-7C18-7D7DAFEEC7CB}"/>
+              </a:ext>
+            </a:extLst>
+          </p:cNvPr>
+          <p:cNvSpPr/>
+          <p:nvPr/>
+        </p:nvSpPr>
+        <p:spPr>
+          <a:xfrm>
+            <a:off x="50367" y="1379618"/>
+            <a:ext cx="4961295" cy="923330"/>
+          </a:xfrm>
+          <a:prstGeom prst="rect">
+            <a:avLst/>
+          </a:prstGeom>
+          <a:noFill/>
+        </p:spPr>
+        <p:txBody>
+          <a:bodyPr wrap="none" lIns="91440" tIns="45720" rIns="91440" bIns="45720">
+            <a:spAutoFit/>
+          </a:bodyPr>
+          <a:lstStyle/>
+          <a:p>
+            <a:pPr algn="ctr"/>
+            <a:r>
+              <a:rPr lang="en-US" sz="5400" b="0" u="sng" cap="none" spc="0" dirty="0">
+                <a:ln w="0"/>
+                <a:solidFill>
+                  <a:schemeClr val="tx1"/>
+                </a:solidFill>
+                <a:effectLst>
+                  <a:outerShdw blurRad="38100" dist="19050" dir="2700000" algn="tl" rotWithShape="0">
+                    <a:schemeClr val="dk1">
+                      <a:alpha val="40000"/>
+                    </a:schemeClr>
+                  </a:outerShdw>
+                </a:effectLst>
+              </a:rPr>
+              <a:t>Build </a:t>
+            </a:r>
+            <a:r>
+              <a:rPr lang="en-US" sz="5400" b="0" u="sng" cap="none" spc="0" dirty="0">
+                <a:ln w="0"/>
+                <a:solidFill>
+                  <a:schemeClr val="tx1"/>
+                </a:solidFill>
+                <a:effectLst>
+                  <a:outerShdw blurRad="38100" dist="19050" dir="2700000" algn="tl" rotWithShape="0">
+                    <a:schemeClr val="dk1">
+                      <a:alpha val="40000"/>
+                    </a:schemeClr>
+                  </a:outerShdw>
+                </a:effectLst>
+                <a:highlight>
+                  <a:srgbClr val="FFFF00"/>
+                </a:highlight>
+              </a:rPr>
+              <a:t>H</a:t>
+            </a:r>
+            <a:r>
+              <a:rPr lang="en-US" sz="5400" b="0" u="sng" cap="none" spc="0" dirty="0">
+                <a:ln w="0"/>
+                <a:solidFill>
+                  <a:schemeClr val="tx1"/>
+                </a:solidFill>
+                <a:effectLst>
+                  <a:outerShdw blurRad="38100" dist="19050" dir="2700000" algn="tl" rotWithShape="0">
+                    <a:schemeClr val="dk1">
+                      <a:alpha val="40000"/>
+                    </a:schemeClr>
+                  </a:outerShdw>
+                </a:effectLst>
+              </a:rPr>
+              <a:t>eader.js</a:t>
+            </a:r>
+          </a:p>
+        </p:txBody>
+      </p:sp>
+      <p:sp>
+        <p:nvSpPr>
+          <p:cNvPr id="15" name="TextBox 14">
+            <a:extLst>
+              <a:ext uri="{FF2B5EF4-FFF2-40B4-BE49-F238E27FC236}">
+                <a16:creationId xmlns:a16="http://schemas.microsoft.com/office/drawing/2014/main" id="{681D3D20-CC66-C1CC-0332-E2F520DD4FBB}"/>
+              </a:ext>
+            </a:extLst>
+          </p:cNvPr>
+          <p:cNvSpPr txBox="1"/>
+          <p:nvPr/>
+        </p:nvSpPr>
+        <p:spPr>
+          <a:xfrm>
+            <a:off x="147660" y="3530228"/>
+            <a:ext cx="6910934" cy="369332"/>
+          </a:xfrm>
+          <a:prstGeom prst="rect">
+            <a:avLst/>
+          </a:prstGeom>
+          <a:noFill/>
+        </p:spPr>
+        <p:txBody>
+          <a:bodyPr wrap="square">
+            <a:spAutoFit/>
+          </a:bodyPr>
+          <a:lstStyle/>
+          <a:p>
+            <a:r>
+              <a:rPr lang="en-US" sz="1800" dirty="0">
+                <a:effectLst/>
+                <a:latin typeface="Segoe UI" panose="020B0502040204020203" pitchFamily="34" charset="0"/>
+              </a:rPr>
+              <a:t>Write method using the =&gt; approach for succinctly</a:t>
+            </a:r>
+            <a:endParaRPr lang="en-US" sz="2000" dirty="0">
+              <a:effectLst/>
+              <a:latin typeface="Arial" panose="020B0604020202020204" pitchFamily="34" charset="0"/>
+            </a:endParaRPr>
+          </a:p>
+        </p:txBody>
+      </p:sp>
+      <p:sp>
+        <p:nvSpPr>
+          <p:cNvPr id="16" name="TextBox 15">
+            <a:extLst>
+              <a:ext uri="{FF2B5EF4-FFF2-40B4-BE49-F238E27FC236}">
+                <a16:creationId xmlns:a16="http://schemas.microsoft.com/office/drawing/2014/main" id="{D4DDB79D-1C4B-F713-4026-D7FFA5C19242}"/>
+              </a:ext>
+            </a:extLst>
+          </p:cNvPr>
+          <p:cNvSpPr txBox="1"/>
+          <p:nvPr/>
+        </p:nvSpPr>
+        <p:spPr>
+          <a:xfrm>
+            <a:off x="147660" y="4765003"/>
+            <a:ext cx="6910934" cy="369332"/>
+          </a:xfrm>
+          <a:prstGeom prst="rect">
+            <a:avLst/>
+          </a:prstGeom>
+          <a:noFill/>
+        </p:spPr>
+        <p:txBody>
+          <a:bodyPr wrap="square">
+            <a:spAutoFit/>
+          </a:bodyPr>
+          <a:lstStyle/>
+          <a:p>
+            <a:r>
+              <a:rPr lang="en-US" dirty="0">
+                <a:highlight>
+                  <a:srgbClr val="FFFF00"/>
+                </a:highlight>
+                <a:latin typeface="Segoe UI" panose="020B0502040204020203" pitchFamily="34" charset="0"/>
+              </a:rPr>
+              <a:t>Export default </a:t>
+            </a:r>
+            <a:r>
+              <a:rPr lang="en-US" dirty="0">
+                <a:latin typeface="Segoe UI" panose="020B0502040204020203" pitchFamily="34" charset="0"/>
+              </a:rPr>
+              <a:t>to be able to invoke this method within other files.</a:t>
+            </a:r>
+            <a:endParaRPr lang="en-US" sz="2000" dirty="0">
+              <a:effectLst/>
+              <a:latin typeface="Arial" panose="020B0604020202020204" pitchFamily="34" charset="0"/>
+            </a:endParaRPr>
+          </a:p>
+        </p:txBody>
+      </p:sp>
+      <p:sp>
+        <p:nvSpPr>
+          <p:cNvPr id="17" name="TextBox 16">
+            <a:extLst>
+              <a:ext uri="{FF2B5EF4-FFF2-40B4-BE49-F238E27FC236}">
+                <a16:creationId xmlns:a16="http://schemas.microsoft.com/office/drawing/2014/main" id="{EAA9D1D3-7F50-42C2-A993-16BD3359F952}"/>
+              </a:ext>
+            </a:extLst>
+          </p:cNvPr>
+          <p:cNvSpPr txBox="1"/>
+          <p:nvPr/>
+        </p:nvSpPr>
+        <p:spPr>
+          <a:xfrm>
+            <a:off x="147660" y="4032368"/>
+            <a:ext cx="6910934" cy="646331"/>
+          </a:xfrm>
+          <a:prstGeom prst="rect">
+            <a:avLst/>
+          </a:prstGeom>
+          <a:noFill/>
+        </p:spPr>
+        <p:txBody>
+          <a:bodyPr wrap="square">
+            <a:spAutoFit/>
+          </a:bodyPr>
+          <a:lstStyle/>
+          <a:p>
+            <a:r>
+              <a:rPr lang="en-US" dirty="0">
+                <a:highlight>
+                  <a:srgbClr val="FFFF00"/>
+                </a:highlight>
+                <a:latin typeface="Segoe UI" panose="020B0502040204020203" pitchFamily="34" charset="0"/>
+              </a:rPr>
+              <a:t>p</a:t>
+            </a:r>
+            <a:r>
+              <a:rPr lang="en-US" sz="1800" dirty="0">
+                <a:effectLst/>
+                <a:highlight>
+                  <a:srgbClr val="FFFF00"/>
+                </a:highlight>
+                <a:latin typeface="Segoe UI" panose="020B0502040204020203" pitchFamily="34" charset="0"/>
+              </a:rPr>
+              <a:t>rops: </a:t>
+            </a:r>
+            <a:r>
+              <a:rPr lang="en-US" dirty="0">
+                <a:latin typeface="Segoe UI" panose="020B0502040204020203" pitchFamily="34" charset="0"/>
+              </a:rPr>
+              <a:t>think of as an object that holds a pointer to data passing from parent component to Header</a:t>
+            </a:r>
+            <a:r>
+              <a:rPr lang="en-US" sz="1800" dirty="0">
+                <a:effectLst/>
+                <a:latin typeface="Segoe UI" panose="020B0502040204020203" pitchFamily="34" charset="0"/>
+              </a:rPr>
+              <a:t> </a:t>
+            </a:r>
+            <a:endParaRPr lang="en-US" sz="2000" dirty="0">
+              <a:effectLst/>
+              <a:latin typeface="Arial" panose="020B0604020202020204" pitchFamily="34" charset="0"/>
+            </a:endParaRPr>
+          </a:p>
+        </p:txBody>
+      </p:sp>
+      <p:sp>
+        <p:nvSpPr>
+          <p:cNvPr id="5" name="TextBox 4">
+            <a:extLst>
+              <a:ext uri="{FF2B5EF4-FFF2-40B4-BE49-F238E27FC236}">
+                <a16:creationId xmlns:a16="http://schemas.microsoft.com/office/drawing/2014/main" id="{4934E958-0C4F-61D5-0B0B-0A7FAB285678}"/>
+              </a:ext>
+            </a:extLst>
+          </p:cNvPr>
+          <p:cNvSpPr txBox="1"/>
+          <p:nvPr/>
+        </p:nvSpPr>
+        <p:spPr>
+          <a:xfrm>
+            <a:off x="205666" y="5457839"/>
+            <a:ext cx="7566734" cy="2031325"/>
+          </a:xfrm>
+          <a:prstGeom prst="rect">
+            <a:avLst/>
+          </a:prstGeom>
+          <a:noFill/>
+          <a:ln>
+            <a:solidFill>
+              <a:schemeClr val="tx1"/>
+            </a:solidFill>
+          </a:ln>
+        </p:spPr>
+        <p:txBody>
+          <a:bodyPr wrap="square">
+            <a:spAutoFit/>
+          </a:bodyPr>
+          <a:lstStyle/>
+          <a:p>
+            <a:r>
+              <a:rPr lang="en-US" b="0" dirty="0">
+                <a:effectLst/>
+                <a:latin typeface="Consolas" panose="020B0609020204030204" pitchFamily="49" charset="0"/>
+              </a:rPr>
+              <a:t>import React from 'react';</a:t>
+            </a:r>
+          </a:p>
+          <a:p>
+            <a:r>
+              <a:rPr lang="en-US" b="0" dirty="0">
+                <a:effectLst/>
+                <a:latin typeface="Consolas" panose="020B0609020204030204" pitchFamily="49" charset="0"/>
+              </a:rPr>
+              <a:t>import './App.css';</a:t>
+            </a:r>
+          </a:p>
+          <a:p>
+            <a:r>
+              <a:rPr lang="en-US" b="0" dirty="0">
+                <a:effectLst/>
+                <a:highlight>
+                  <a:srgbClr val="FFFF00"/>
+                </a:highlight>
+                <a:latin typeface="Consolas" panose="020B0609020204030204" pitchFamily="49" charset="0"/>
+              </a:rPr>
+              <a:t>import Header from './header/Header';</a:t>
+            </a:r>
+          </a:p>
+          <a:p>
+            <a:r>
+              <a:rPr lang="en-US" b="0" dirty="0">
+                <a:effectLst/>
+                <a:latin typeface="Consolas" panose="020B0609020204030204" pitchFamily="49" charset="0"/>
+              </a:rPr>
+              <a:t>function Main() {</a:t>
+            </a:r>
+          </a:p>
+          <a:p>
+            <a:r>
+              <a:rPr lang="en-US" dirty="0">
+                <a:highlight>
+                  <a:srgbClr val="FFFF00"/>
+                </a:highlight>
+                <a:latin typeface="Consolas" panose="020B0609020204030204" pitchFamily="49" charset="0"/>
+              </a:rPr>
+              <a:t>  return (&lt;Header/&gt;);</a:t>
+            </a:r>
+          </a:p>
+          <a:p>
+            <a:r>
+              <a:rPr lang="en-US" b="0" dirty="0">
+                <a:effectLst/>
+                <a:latin typeface="Consolas" panose="020B0609020204030204" pitchFamily="49" charset="0"/>
+              </a:rPr>
+              <a:t>} export default Main ;</a:t>
+            </a:r>
+          </a:p>
+          <a:p>
+            <a:r>
+              <a:rPr lang="en-US" b="0" dirty="0">
+                <a:effectLst/>
+                <a:latin typeface="Consolas" panose="020B0609020204030204" pitchFamily="49" charset="0"/>
+              </a:rPr>
+              <a:t>export default App;</a:t>
+            </a:r>
+          </a:p>
+        </p:txBody>
+      </p:sp>
+      <p:sp>
+        <p:nvSpPr>
+          <p:cNvPr id="7" name="TextBox 6">
+            <a:extLst>
+              <a:ext uri="{FF2B5EF4-FFF2-40B4-BE49-F238E27FC236}">
+                <a16:creationId xmlns:a16="http://schemas.microsoft.com/office/drawing/2014/main" id="{B20E8BDC-74A9-B73E-18A0-979780E4DCCA}"/>
+              </a:ext>
+            </a:extLst>
+          </p:cNvPr>
+          <p:cNvSpPr txBox="1"/>
+          <p:nvPr/>
+        </p:nvSpPr>
+        <p:spPr>
+          <a:xfrm>
+            <a:off x="5296160" y="5581088"/>
+            <a:ext cx="2270574" cy="646331"/>
+          </a:xfrm>
+          <a:prstGeom prst="rect">
+            <a:avLst/>
+          </a:prstGeom>
+          <a:solidFill>
+            <a:srgbClr val="C00000"/>
+          </a:solidFill>
+        </p:spPr>
+        <p:txBody>
+          <a:bodyPr wrap="square">
+            <a:spAutoFit/>
+          </a:bodyPr>
+          <a:lstStyle/>
+          <a:p>
+            <a:pPr algn="ctr"/>
+            <a:r>
+              <a:rPr lang="en-CA" dirty="0">
+                <a:solidFill>
+                  <a:schemeClr val="bg1"/>
+                </a:solidFill>
+              </a:rPr>
+              <a:t>Invoking/Adding Element to App.js</a:t>
+            </a:r>
+          </a:p>
+        </p:txBody>
+      </p:sp>
+    </p:spTree>
+    <p:extLst>
+      <p:ext uri="{BB962C8B-B14F-4D97-AF65-F5344CB8AC3E}">
+        <p14:creationId xmlns:p14="http://schemas.microsoft.com/office/powerpoint/2010/main" val="3786626766"/>
+      </p:ext>
+    </p:extLst>
+  </p:cSld>
+  <p:clrMapOvr>
+    <a:masterClrMapping/>
+  </p:clrMapOvr>
+  <p:timing>
+    <p:tnLst>
+      <p:par>
+        <p:cTn id="1" dur="indefinite" restart="never" nodeType="tmRoot">
+          <p:childTnLst>
+            <p:seq concurrent="1" nextAc="seek">
+              <p:cTn id="2" dur="indefinite" nodeType="mainSeq">
+                <p:childTnLst>
+                  <p:par>
+                    <p:cTn id="3" fill="hold">
+                      <p:stCondLst>
+                        <p:cond delay="indefinite"/>
+                      </p:stCondLst>
+                      <p:childTnLst>
+                        <p:par>
+                          <p:cTn id="4" fill="hold">
+                            <p:stCondLst>
+                              <p:cond delay="0"/>
+                            </p:stCondLst>
+                            <p:childTnLst>
+                              <p:par>
+                                <p:cTn id="5" presetID="1" presetClass="entr" presetSubtype="0" fill="hold" grpId="0" nodeType="clickEffect">
+                                  <p:stCondLst>
+                                    <p:cond delay="0"/>
+                                  </p:stCondLst>
+                                  <p:childTnLst>
+                                    <p:set>
+                                      <p:cBhvr>
+                                        <p:cTn id="6" dur="1" fill="hold">
+                                          <p:stCondLst>
+                                            <p:cond delay="0"/>
+                                          </p:stCondLst>
+                                        </p:cTn>
+                                        <p:tgtEl>
+                                          <p:spTgt spid="13"/>
+                                        </p:tgtEl>
+                                        <p:attrNameLst>
+                                          <p:attrName>style.visibility</p:attrName>
+                                        </p:attrNameLst>
+                                      </p:cBhvr>
+                                      <p:to>
+                                        <p:strVal val="visible"/>
+                                      </p:to>
+                                    </p:set>
+                                  </p:childTnLst>
+                                </p:cTn>
+                              </p:par>
+                            </p:childTnLst>
+                          </p:cTn>
+                        </p:par>
+                      </p:childTnLst>
+                    </p:cTn>
+                  </p:par>
+                  <p:par>
+                    <p:cTn id="7" fill="hold">
+                      <p:stCondLst>
+                        <p:cond delay="indefinite"/>
+                      </p:stCondLst>
+                      <p:childTnLst>
+                        <p:par>
+                          <p:cTn id="8" fill="hold">
+                            <p:stCondLst>
+                              <p:cond delay="0"/>
+                            </p:stCondLst>
+                            <p:childTnLst>
+                              <p:par>
+                                <p:cTn id="9" presetID="1" presetClass="entr" presetSubtype="0" fill="hold" grpId="0" nodeType="clickEffect">
+                                  <p:stCondLst>
+                                    <p:cond delay="0"/>
+                                  </p:stCondLst>
+                                  <p:childTnLst>
+                                    <p:set>
+                                      <p:cBhvr>
+                                        <p:cTn id="10" dur="1" fill="hold">
+                                          <p:stCondLst>
+                                            <p:cond delay="0"/>
+                                          </p:stCondLst>
+                                        </p:cTn>
+                                        <p:tgtEl>
+                                          <p:spTgt spid="6"/>
+                                        </p:tgtEl>
+                                        <p:attrNameLst>
+                                          <p:attrName>style.visibility</p:attrName>
+                                        </p:attrNameLst>
+                                      </p:cBhvr>
+                                      <p:to>
+                                        <p:strVal val="visible"/>
+                                      </p:to>
+                                    </p:set>
+                                  </p:childTnLst>
+                                </p:cTn>
+                              </p:par>
+                            </p:childTnLst>
+                          </p:cTn>
+                        </p:par>
+                      </p:childTnLst>
+                    </p:cTn>
+                  </p:par>
+                  <p:par>
+                    <p:cTn id="11" fill="hold">
+                      <p:stCondLst>
+                        <p:cond delay="indefinite"/>
+                      </p:stCondLst>
+                      <p:childTnLst>
+                        <p:par>
+                          <p:cTn id="12" fill="hold">
+                            <p:stCondLst>
+                              <p:cond delay="0"/>
+                            </p:stCondLst>
+                            <p:childTnLst>
+                              <p:par>
+                                <p:cTn id="13" presetID="1" presetClass="entr" presetSubtype="0" fill="hold" grpId="0" nodeType="clickEffect">
+                                  <p:stCondLst>
+                                    <p:cond delay="0"/>
+                                  </p:stCondLst>
+                                  <p:childTnLst>
+                                    <p:set>
+                                      <p:cBhvr>
+                                        <p:cTn id="14" dur="1" fill="hold">
+                                          <p:stCondLst>
+                                            <p:cond delay="0"/>
+                                          </p:stCondLst>
+                                        </p:cTn>
+                                        <p:tgtEl>
+                                          <p:spTgt spid="15"/>
+                                        </p:tgtEl>
+                                        <p:attrNameLst>
+                                          <p:attrName>style.visibility</p:attrName>
+                                        </p:attrNameLst>
+                                      </p:cBhvr>
+                                      <p:to>
+                                        <p:strVal val="visible"/>
+                                      </p:to>
+                                    </p:set>
+                                  </p:childTnLst>
+                                </p:cTn>
+                              </p:par>
+                            </p:childTnLst>
+                          </p:cTn>
+                        </p:par>
+                      </p:childTnLst>
+                    </p:cTn>
+                  </p:par>
+                  <p:par>
+                    <p:cTn id="15" fill="hold">
+                      <p:stCondLst>
+                        <p:cond delay="indefinite"/>
+                      </p:stCondLst>
+                      <p:childTnLst>
+                        <p:par>
+                          <p:cTn id="16" fill="hold">
+                            <p:stCondLst>
+                              <p:cond delay="0"/>
+                            </p:stCondLst>
+                            <p:childTnLst>
+                              <p:par>
+                                <p:cTn id="17" presetID="1" presetClass="entr" presetSubtype="0" fill="hold" grpId="0" nodeType="clickEffect">
+                                  <p:stCondLst>
+                                    <p:cond delay="0"/>
+                                  </p:stCondLst>
+                                  <p:childTnLst>
+                                    <p:set>
+                                      <p:cBhvr>
+                                        <p:cTn id="18" dur="1" fill="hold">
+                                          <p:stCondLst>
+                                            <p:cond delay="0"/>
+                                          </p:stCondLst>
+                                        </p:cTn>
+                                        <p:tgtEl>
+                                          <p:spTgt spid="17"/>
+                                        </p:tgtEl>
+                                        <p:attrNameLst>
+                                          <p:attrName>style.visibility</p:attrName>
+                                        </p:attrNameLst>
+                                      </p:cBhvr>
+                                      <p:to>
+                                        <p:strVal val="visible"/>
+                                      </p:to>
+                                    </p:set>
+                                  </p:childTnLst>
+                                </p:cTn>
+                              </p:par>
+                            </p:childTnLst>
+                          </p:cTn>
+                        </p:par>
+                      </p:childTnLst>
+                    </p:cTn>
+                  </p:par>
+                  <p:par>
+                    <p:cTn id="19" fill="hold">
+                      <p:stCondLst>
+                        <p:cond delay="indefinite"/>
+                      </p:stCondLst>
+                      <p:childTnLst>
+                        <p:par>
+                          <p:cTn id="20" fill="hold">
+                            <p:stCondLst>
+                              <p:cond delay="0"/>
+                            </p:stCondLst>
+                            <p:childTnLst>
+                              <p:par>
+                                <p:cTn id="21" presetID="1" presetClass="entr" presetSubtype="0" fill="hold" grpId="0" nodeType="clickEffect">
+                                  <p:stCondLst>
+                                    <p:cond delay="0"/>
+                                  </p:stCondLst>
+                                  <p:childTnLst>
+                                    <p:set>
+                                      <p:cBhvr>
+                                        <p:cTn id="22" dur="1" fill="hold">
+                                          <p:stCondLst>
+                                            <p:cond delay="0"/>
+                                          </p:stCondLst>
+                                        </p:cTn>
+                                        <p:tgtEl>
+                                          <p:spTgt spid="16"/>
+                                        </p:tgtEl>
+                                        <p:attrNameLst>
+                                          <p:attrName>style.visibility</p:attrName>
+                                        </p:attrNameLst>
+                                      </p:cBhvr>
+                                      <p:to>
+                                        <p:strVal val="visible"/>
+                                      </p:to>
+                                    </p:set>
+                                  </p:childTnLst>
+                                </p:cTn>
+                              </p:par>
+                            </p:childTnLst>
+                          </p:cTn>
+                        </p:par>
+                      </p:childTnLst>
+                    </p:cTn>
+                  </p:par>
+                  <p:par>
+                    <p:cTn id="23" fill="hold">
+                      <p:stCondLst>
+                        <p:cond delay="indefinite"/>
+                      </p:stCondLst>
+                      <p:childTnLst>
+                        <p:par>
+                          <p:cTn id="24" fill="hold">
+                            <p:stCondLst>
+                              <p:cond delay="0"/>
+                            </p:stCondLst>
+                            <p:childTnLst>
+                              <p:par>
+                                <p:cTn id="25" presetID="1" presetClass="entr" presetSubtype="0" fill="hold" grpId="0" nodeType="clickEffect">
+                                  <p:stCondLst>
+                                    <p:cond delay="0"/>
+                                  </p:stCondLst>
+                                  <p:childTnLst>
+                                    <p:set>
+                                      <p:cBhvr>
+                                        <p:cTn id="26" dur="1" fill="hold">
+                                          <p:stCondLst>
+                                            <p:cond delay="0"/>
+                                          </p:stCondLst>
+                                        </p:cTn>
+                                        <p:tgtEl>
+                                          <p:spTgt spid="5"/>
+                                        </p:tgtEl>
+                                        <p:attrNameLst>
+                                          <p:attrName>style.visibility</p:attrName>
+                                        </p:attrNameLst>
+                                      </p:cBhvr>
+                                      <p:to>
+                                        <p:strVal val="visible"/>
+                                      </p:to>
+                                    </p:set>
+                                  </p:childTnLst>
+                                </p:cTn>
+                              </p:par>
+                            </p:childTnLst>
+                          </p:cTn>
+                        </p:par>
+                      </p:childTnLst>
+                    </p:cTn>
+                  </p:par>
+                  <p:par>
+                    <p:cTn id="27" fill="hold">
+                      <p:stCondLst>
+                        <p:cond delay="indefinite"/>
+                      </p:stCondLst>
+                      <p:childTnLst>
+                        <p:par>
+                          <p:cTn id="28" fill="hold">
+                            <p:stCondLst>
+                              <p:cond delay="0"/>
+                            </p:stCondLst>
+                            <p:childTnLst>
+                              <p:par>
+                                <p:cTn id="29" presetID="1" presetClass="entr" presetSubtype="0" fill="hold" grpId="0" nodeType="clickEffect">
+                                  <p:stCondLst>
+                                    <p:cond delay="0"/>
+                                  </p:stCondLst>
+                                  <p:childTnLst>
+                                    <p:set>
+                                      <p:cBhvr>
+                                        <p:cTn id="30" dur="1" fill="hold">
+                                          <p:stCondLst>
+                                            <p:cond delay="0"/>
+                                          </p:stCondLst>
+                                        </p:cTn>
+                                        <p:tgtEl>
+                                          <p:spTgt spid="7"/>
+                                        </p:tgtEl>
+                                        <p:attrNameLst>
+                                          <p:attrName>style.visibility</p:attrName>
+                                        </p:attrNameLst>
+                                      </p:cBhvr>
+                                      <p:to>
+                                        <p:strVal val="visible"/>
+                                      </p:to>
+                                    </p:set>
+                                  </p:childTnLst>
+                                </p:cTn>
+                              </p:par>
+                            </p:childTnLst>
+                          </p:cTn>
+                        </p:par>
+                      </p:childTnLst>
+                    </p:cTn>
+                  </p:par>
+                </p:childTnLst>
+              </p:cTn>
+              <p:prevCondLst>
+                <p:cond evt="onPrev" delay="0">
+                  <p:tgtEl>
+                    <p:sldTgt/>
+                  </p:tgtEl>
+                </p:cond>
+              </p:prevCondLst>
+              <p:nextCondLst>
+                <p:cond evt="onNext" delay="0">
+                  <p:tgtEl>
+                    <p:sldTgt/>
+                  </p:tgtEl>
+                </p:cond>
+              </p:nextCondLst>
+            </p:seq>
+          </p:childTnLst>
+        </p:cTn>
+      </p:par>
+    </p:tnLst>
+    <p:bldLst>
+      <p:bldP spid="6" grpId="0" animBg="1"/>
+      <p:bldP spid="13" grpId="0"/>
+      <p:bldP spid="15" grpId="0"/>
+      <p:bldP spid="16" grpId="0"/>
+      <p:bldP spid="17" grpId="0"/>
+      <p:bldP spid="5" grpId="0" animBg="1"/>
+      <p:bldP spid="7" grpId="0" animBg="1"/>
+    </p:bldLst>
+  </p:timing>
+  <p:extLst>
+    <p:ext uri="{6950BFC3-D8DA-4A85-94F7-54DA5524770B}">
+      <p188:commentRel xmlns:p188="http://schemas.microsoft.com/office/powerpoint/2018/8/main" r:id="rId2"/>
+    </p:ext>
+  </p:extLst>
+</p:sld>
+</file>
+
+<file path=ppt/slides/slide26.xml><?xml version="1.0" encoding="utf-8"?>
+<p:sld xmlns:a="http://schemas.openxmlformats.org/drawingml/2006/main" xmlns:r="http://schemas.openxmlformats.org/officeDocument/2006/relationships" xmlns:p="http://schemas.openxmlformats.org/presentationml/2006/main">
+  <p:cSld>
+    <p:spTree>
+      <p:nvGrpSpPr>
+        <p:cNvPr id="1" name=""/>
+        <p:cNvGrpSpPr/>
+        <p:nvPr/>
+      </p:nvGrpSpPr>
+      <p:grpSpPr>
+        <a:xfrm>
+          <a:off x="0" y="0"/>
+          <a:ext cx="0" cy="0"/>
+          <a:chOff x="0" y="0"/>
+          <a:chExt cx="0" cy="0"/>
+        </a:xfrm>
+      </p:grpSpPr>
+      <p:sp>
+        <p:nvSpPr>
+          <p:cNvPr id="8" name="Rectangle 7">
+            <a:extLst>
+              <a:ext uri="{FF2B5EF4-FFF2-40B4-BE49-F238E27FC236}">
+                <a16:creationId xmlns:a16="http://schemas.microsoft.com/office/drawing/2014/main" id="{158F95D5-BE54-3736-1783-2E5501BC5DA8}"/>
+              </a:ext>
+            </a:extLst>
+          </p:cNvPr>
+          <p:cNvSpPr/>
+          <p:nvPr/>
+        </p:nvSpPr>
+        <p:spPr>
+          <a:xfrm>
+            <a:off x="946335" y="0"/>
+            <a:ext cx="5646739" cy="923330"/>
+          </a:xfrm>
+          <a:prstGeom prst="rect">
+            <a:avLst/>
+          </a:prstGeom>
+          <a:noFill/>
+        </p:spPr>
+        <p:txBody>
+          <a:bodyPr wrap="none" lIns="91440" tIns="45720" rIns="91440" bIns="45720">
+            <a:spAutoFit/>
+          </a:bodyPr>
+          <a:lstStyle/>
+          <a:p>
+            <a:pPr algn="ctr"/>
+            <a:r>
+              <a:rPr lang="en-US" sz="5400" b="0" cap="none" spc="0" dirty="0">
+                <a:ln w="0"/>
+                <a:solidFill>
+                  <a:schemeClr val="tx1"/>
+                </a:solidFill>
+                <a:effectLst>
+                  <a:outerShdw blurRad="38100" dist="19050" dir="2700000" algn="tl" rotWithShape="0">
+                    <a:schemeClr val="dk1">
+                      <a:alpha val="40000"/>
+                    </a:schemeClr>
+                  </a:outerShdw>
+                </a:effectLst>
+              </a:rPr>
+              <a:t>Our Project - </a:t>
+            </a:r>
+            <a:r>
+              <a:rPr lang="en-US" sz="5400" b="0" cap="none" spc="0" dirty="0">
+                <a:ln w="0"/>
+                <a:solidFill>
+                  <a:schemeClr val="tx1"/>
+                </a:solidFill>
+                <a:effectLst>
+                  <a:outerShdw blurRad="38100" dist="19050" dir="2700000" algn="tl" rotWithShape="0">
+                    <a:schemeClr val="dk1">
+                      <a:alpha val="40000"/>
+                    </a:schemeClr>
+                  </a:outerShdw>
+                </a:effectLst>
+                <a:highlight>
+                  <a:srgbClr val="FFFF00"/>
+                </a:highlight>
+              </a:rPr>
+              <a:t>H</a:t>
+            </a:r>
+            <a:r>
+              <a:rPr lang="en-US" sz="2400" b="0" cap="none" spc="0" dirty="0">
+                <a:ln w="0"/>
+                <a:solidFill>
+                  <a:schemeClr val="tx1"/>
+                </a:solidFill>
+                <a:effectLst>
+                  <a:outerShdw blurRad="38100" dist="19050" dir="2700000" algn="tl" rotWithShape="0">
+                    <a:schemeClr val="dk1">
+                      <a:alpha val="40000"/>
+                    </a:schemeClr>
+                  </a:outerShdw>
+                </a:effectLst>
+              </a:rPr>
+              <a:t>eader</a:t>
+            </a:r>
+            <a:endParaRPr lang="en-US" sz="5400" b="0" cap="none" spc="0" dirty="0">
+              <a:ln w="0"/>
+              <a:solidFill>
+                <a:schemeClr val="tx1"/>
+              </a:solidFill>
+              <a:effectLst>
+                <a:outerShdw blurRad="38100" dist="19050" dir="2700000" algn="tl" rotWithShape="0">
+                  <a:schemeClr val="dk1">
+                    <a:alpha val="40000"/>
+                  </a:schemeClr>
+                </a:outerShdw>
+              </a:effectLst>
+            </a:endParaRPr>
+          </a:p>
+        </p:txBody>
+      </p:sp>
+      <p:sp>
+        <p:nvSpPr>
+          <p:cNvPr id="6" name="TextBox 5">
+            <a:extLst>
+              <a:ext uri="{FF2B5EF4-FFF2-40B4-BE49-F238E27FC236}">
+                <a16:creationId xmlns:a16="http://schemas.microsoft.com/office/drawing/2014/main" id="{F21C8A41-49AB-D2C6-7D76-2BB17503FD43}"/>
+              </a:ext>
+            </a:extLst>
+          </p:cNvPr>
+          <p:cNvSpPr txBox="1"/>
+          <p:nvPr/>
+        </p:nvSpPr>
+        <p:spPr>
+          <a:xfrm>
+            <a:off x="282666" y="2154367"/>
+            <a:ext cx="7361067" cy="2585323"/>
           </a:xfrm>
           <a:prstGeom prst="rect">
             <a:avLst/>
@@ -17173,7 +18030,23 @@
           <a:p>
             <a:r>
               <a:rPr lang="en-CA" dirty="0"/>
-              <a:t>  </a:t>
+              <a:t>       &lt;h3 </a:t>
+            </a:r>
+            <a:r>
+              <a:rPr lang="en-CA" dirty="0" err="1"/>
+              <a:t>className</a:t>
+            </a:r>
+            <a:r>
+              <a:rPr lang="en-CA" dirty="0"/>
+              <a:t>='</a:t>
+            </a:r>
+            <a:r>
+              <a:rPr lang="en-CA" dirty="0" err="1"/>
+              <a:t>topParag</a:t>
+            </a:r>
+            <a:r>
+              <a:rPr lang="en-CA" dirty="0"/>
+              <a:t>'&gt;Task Tracker</a:t>
             </a:r>
             <a:r>
               <a:rPr lang="en-CA" dirty="0">
@@ -17181,29 +18054,15 @@
                   <a:srgbClr val="FFFF00"/>
                 </a:highlight>
               </a:rPr>
-              <a:t>&lt;&gt;</a:t>
-            </a:r>
-          </a:p>
-          <a:p>
-            <a:r>
-              <a:rPr lang="en-CA" dirty="0"/>
-              <a:t>      &lt;h3 </a:t>
-            </a:r>
-            <a:r>
-              <a:rPr lang="en-CA" dirty="0" err="1"/>
-              <a:t>className</a:t>
-            </a:r>
-            <a:r>
-              <a:rPr lang="en-CA" dirty="0"/>
-              <a:t>='</a:t>
-            </a:r>
-            <a:r>
-              <a:rPr lang="en-CA" dirty="0" err="1"/>
-              <a:t>topParag</a:t>
-            </a:r>
-            <a:r>
-              <a:rPr lang="en-CA" dirty="0"/>
-              <a:t>'&gt;Task Tracker</a:t>
+              <a:t>{</a:t>
+            </a:r>
+            <a:r>
+              <a:rPr lang="en-CA" dirty="0" err="1">
+                <a:highlight>
+                  <a:srgbClr val="FFFF00"/>
+                </a:highlight>
+              </a:rPr>
+              <a:t>ver</a:t>
             </a:r>
             <a:r>
               <a:rPr lang="en-CA" dirty="0">
@@ -17211,22 +18070,6 @@
                   <a:srgbClr val="FFFF00"/>
                 </a:highlight>
               </a:rPr>
-              <a:t>{</a:t>
-            </a:r>
-            <a:r>
-              <a:rPr lang="en-CA" dirty="0" err="1">
-                <a:highlight>
-                  <a:srgbClr val="FFFF00"/>
-                </a:highlight>
-              </a:rPr>
-              <a:t>ver</a:t>
-            </a:r>
-            <a:r>
-              <a:rPr lang="en-CA" dirty="0">
-                <a:highlight>
-                  <a:srgbClr val="FFFF00"/>
-                </a:highlight>
-              </a:rPr>
               <a:t>}</a:t>
             </a:r>
             <a:r>
@@ -17237,13 +18080,7 @@
           <a:p>
             <a:r>
               <a:rPr lang="en-CA" dirty="0"/>
-              <a:t>  &lt;/&gt;</a:t>
-            </a:r>
-          </a:p>
-          <a:p>
-            <a:r>
-              <a:rPr lang="en-CA" dirty="0"/>
-              <a:t> );</a:t>
+              <a:t>  );</a:t>
             </a:r>
           </a:p>
           <a:p>
@@ -17284,7 +18121,7 @@
           <a:p>
             <a:r>
               <a:rPr lang="en-CA" dirty="0"/>
-              <a:t>Override App.css by copying the one available at slack: </a:t>
+              <a:t>Override App.css by copying the one available among: </a:t>
             </a:r>
             <a:r>
               <a:rPr lang="en-CA" dirty="0">
@@ -17292,62 +18129,12 @@
                   <a:srgbClr val="FFFF00"/>
                 </a:highlight>
               </a:rPr>
-              <a:t>#react-hackathon</a:t>
+              <a:t>react-hackathon.7z</a:t>
             </a:r>
             <a:r>
               <a:rPr lang="en-CA" dirty="0"/>
               <a:t>.  This is not our focus, so let’s copy it over.</a:t>
             </a:r>
-          </a:p>
-        </p:txBody>
-      </p:sp>
-      <p:sp>
-        <p:nvSpPr>
-          <p:cNvPr id="16" name="TextBox 15">
-            <a:extLst>
-              <a:ext uri="{FF2B5EF4-FFF2-40B4-BE49-F238E27FC236}">
-                <a16:creationId xmlns:a16="http://schemas.microsoft.com/office/drawing/2014/main" id="{D4DDB79D-1C4B-F713-4026-D7FFA5C19242}"/>
-              </a:ext>
-            </a:extLst>
-          </p:cNvPr>
-          <p:cNvSpPr txBox="1"/>
-          <p:nvPr/>
-        </p:nvSpPr>
-        <p:spPr>
-          <a:xfrm>
-            <a:off x="205666" y="5790760"/>
-            <a:ext cx="6910934" cy="646331"/>
-          </a:xfrm>
-          <a:prstGeom prst="rect">
-            <a:avLst/>
-          </a:prstGeom>
-          <a:noFill/>
-        </p:spPr>
-        <p:txBody>
-          <a:bodyPr wrap="square">
-            <a:spAutoFit/>
-          </a:bodyPr>
-          <a:lstStyle/>
-          <a:p>
-            <a:r>
-              <a:rPr lang="en-US" dirty="0">
-                <a:highlight>
-                  <a:srgbClr val="FFFF00"/>
-                </a:highlight>
-                <a:latin typeface="Segoe UI" panose="020B0502040204020203" pitchFamily="34" charset="0"/>
-              </a:rPr>
-              <a:t>&lt;&gt;: </a:t>
-            </a:r>
-            <a:r>
-              <a:rPr lang="en-US" dirty="0">
-                <a:latin typeface="Segoe UI" panose="020B0502040204020203" pitchFamily="34" charset="0"/>
-              </a:rPr>
-              <a:t>return must return one element only. One way is to use &lt;&gt; to wrap elements. You may use &lt;div&gt; instead.</a:t>
-            </a:r>
-            <a:endParaRPr lang="en-US" sz="2000" dirty="0">
-              <a:effectLst/>
-              <a:latin typeface="Arial" panose="020B0604020202020204" pitchFamily="34" charset="0"/>
-            </a:endParaRPr>
           </a:p>
         </p:txBody>
       </p:sp>
@@ -17415,7 +18202,7 @@
         </p:nvSpPr>
         <p:spPr>
           <a:xfrm>
-            <a:off x="205666" y="6550724"/>
+            <a:off x="205666" y="5984356"/>
             <a:ext cx="6910934" cy="646331"/>
           </a:xfrm>
           <a:prstGeom prst="rect">
@@ -17465,7 +18252,7 @@
         </p:nvSpPr>
         <p:spPr>
           <a:xfrm>
-            <a:off x="205666" y="7369790"/>
+            <a:off x="205666" y="6803422"/>
             <a:ext cx="6910934" cy="646331"/>
           </a:xfrm>
           <a:prstGeom prst="rect">
@@ -17533,7 +18320,7 @@
         </p:nvSpPr>
         <p:spPr>
           <a:xfrm>
-            <a:off x="205666" y="8188856"/>
+            <a:off x="205666" y="7622488"/>
             <a:ext cx="6910934" cy="646331"/>
           </a:xfrm>
           <a:prstGeom prst="rect">
@@ -17583,7 +18370,7 @@
         </p:nvSpPr>
         <p:spPr>
           <a:xfrm>
-            <a:off x="282666" y="9100605"/>
+            <a:off x="282666" y="8534237"/>
             <a:ext cx="6589772" cy="738664"/>
           </a:xfrm>
           <a:prstGeom prst="rect">
@@ -17610,7 +18397,7 @@
                 <a:effectLst/>
                 <a:latin typeface="Consolas" panose="020B0609020204030204" pitchFamily="49" charset="0"/>
               </a:rPr>
-              <a:t>function App() {</a:t>
+              <a:t>function Main() {</a:t>
             </a:r>
           </a:p>
           <a:p>
@@ -17656,6 +18443,48 @@
                 <a:latin typeface="Consolas" panose="020B0609020204030204" pitchFamily="49" charset="0"/>
               </a:rPr>
               <a:t>}</a:t>
+            </a:r>
+          </a:p>
+        </p:txBody>
+      </p:sp>
+      <p:sp>
+        <p:nvSpPr>
+          <p:cNvPr id="5" name="TextBox 4">
+            <a:extLst>
+              <a:ext uri="{FF2B5EF4-FFF2-40B4-BE49-F238E27FC236}">
+                <a16:creationId xmlns:a16="http://schemas.microsoft.com/office/drawing/2014/main" id="{68CCD43A-3F42-D946-4616-FDA89915E8F1}"/>
+              </a:ext>
+            </a:extLst>
+          </p:cNvPr>
+          <p:cNvSpPr txBox="1"/>
+          <p:nvPr/>
+        </p:nvSpPr>
+        <p:spPr>
+          <a:xfrm>
+            <a:off x="4795972" y="8131176"/>
+            <a:ext cx="2076466" cy="369332"/>
+          </a:xfrm>
+          <a:prstGeom prst="rect">
+            <a:avLst/>
+          </a:prstGeom>
+          <a:solidFill>
+            <a:schemeClr val="accent2"/>
+          </a:solidFill>
+          <a:ln w="19050">
+            <a:solidFill>
+              <a:schemeClr val="tx1"/>
+            </a:solidFill>
+          </a:ln>
+        </p:spPr>
+        <p:txBody>
+          <a:bodyPr wrap="none" rtlCol="0">
+            <a:spAutoFit/>
+          </a:bodyPr>
+          <a:lstStyle/>
+          <a:p>
+            <a:r>
+              <a:rPr lang="en-CA" dirty="0"/>
+              <a:t>Test your changes</a:t>
             </a:r>
           </a:p>
         </p:txBody>
@@ -17839,6 +18668,2369 @@
                                           </p:stCondLst>
                                         </p:cTn>
                                         <p:tgtEl>
+                                          <p:spTgt spid="2"/>
+                                        </p:tgtEl>
+                                        <p:attrNameLst>
+                                          <p:attrName>style.visibility</p:attrName>
+                                        </p:attrNameLst>
+                                      </p:cBhvr>
+                                      <p:to>
+                                        <p:strVal val="visible"/>
+                                      </p:to>
+                                    </p:set>
+                                  </p:childTnLst>
+                                </p:cTn>
+                              </p:par>
+                            </p:childTnLst>
+                          </p:cTn>
+                        </p:par>
+                      </p:childTnLst>
+                    </p:cTn>
+                  </p:par>
+                  <p:par>
+                    <p:cTn id="19" fill="hold">
+                      <p:stCondLst>
+                        <p:cond delay="indefinite"/>
+                      </p:stCondLst>
+                      <p:childTnLst>
+                        <p:par>
+                          <p:cTn id="20" fill="hold">
+                            <p:stCondLst>
+                              <p:cond delay="0"/>
+                            </p:stCondLst>
+                            <p:childTnLst>
+                              <p:par>
+                                <p:cTn id="21" presetID="1" presetClass="entr" presetSubtype="0" fill="hold" grpId="0" nodeType="clickEffect">
+                                  <p:stCondLst>
+                                    <p:cond delay="0"/>
+                                  </p:stCondLst>
+                                  <p:childTnLst>
+                                    <p:set>
+                                      <p:cBhvr>
+                                        <p:cTn id="22" dur="1" fill="hold">
+                                          <p:stCondLst>
+                                            <p:cond delay="0"/>
+                                          </p:stCondLst>
+                                        </p:cTn>
+                                        <p:tgtEl>
+                                          <p:spTgt spid="9"/>
+                                        </p:tgtEl>
+                                        <p:attrNameLst>
+                                          <p:attrName>style.visibility</p:attrName>
+                                        </p:attrNameLst>
+                                      </p:cBhvr>
+                                      <p:to>
+                                        <p:strVal val="visible"/>
+                                      </p:to>
+                                    </p:set>
+                                  </p:childTnLst>
+                                </p:cTn>
+                              </p:par>
+                            </p:childTnLst>
+                          </p:cTn>
+                        </p:par>
+                      </p:childTnLst>
+                    </p:cTn>
+                  </p:par>
+                  <p:par>
+                    <p:cTn id="23" fill="hold">
+                      <p:stCondLst>
+                        <p:cond delay="indefinite"/>
+                      </p:stCondLst>
+                      <p:childTnLst>
+                        <p:par>
+                          <p:cTn id="24" fill="hold">
+                            <p:stCondLst>
+                              <p:cond delay="0"/>
+                            </p:stCondLst>
+                            <p:childTnLst>
+                              <p:par>
+                                <p:cTn id="25" presetID="1" presetClass="entr" presetSubtype="0" fill="hold" grpId="0" nodeType="clickEffect">
+                                  <p:stCondLst>
+                                    <p:cond delay="0"/>
+                                  </p:stCondLst>
+                                  <p:childTnLst>
+                                    <p:set>
+                                      <p:cBhvr>
+                                        <p:cTn id="26" dur="1" fill="hold">
+                                          <p:stCondLst>
+                                            <p:cond delay="0"/>
+                                          </p:stCondLst>
+                                        </p:cTn>
+                                        <p:tgtEl>
+                                          <p:spTgt spid="10"/>
+                                        </p:tgtEl>
+                                        <p:attrNameLst>
+                                          <p:attrName>style.visibility</p:attrName>
+                                        </p:attrNameLst>
+                                      </p:cBhvr>
+                                      <p:to>
+                                        <p:strVal val="visible"/>
+                                      </p:to>
+                                    </p:set>
+                                  </p:childTnLst>
+                                </p:cTn>
+                              </p:par>
+                            </p:childTnLst>
+                          </p:cTn>
+                        </p:par>
+                      </p:childTnLst>
+                    </p:cTn>
+                  </p:par>
+                  <p:par>
+                    <p:cTn id="27" fill="hold">
+                      <p:stCondLst>
+                        <p:cond delay="indefinite"/>
+                      </p:stCondLst>
+                      <p:childTnLst>
+                        <p:par>
+                          <p:cTn id="28" fill="hold">
+                            <p:stCondLst>
+                              <p:cond delay="0"/>
+                            </p:stCondLst>
+                            <p:childTnLst>
+                              <p:par>
+                                <p:cTn id="29" presetID="1" presetClass="entr" presetSubtype="0" fill="hold" grpId="0" nodeType="clickEffect">
+                                  <p:stCondLst>
+                                    <p:cond delay="0"/>
+                                  </p:stCondLst>
+                                  <p:childTnLst>
+                                    <p:set>
+                                      <p:cBhvr>
+                                        <p:cTn id="30" dur="1" fill="hold">
+                                          <p:stCondLst>
+                                            <p:cond delay="0"/>
+                                          </p:stCondLst>
+                                        </p:cTn>
+                                        <p:tgtEl>
+                                          <p:spTgt spid="12"/>
+                                        </p:tgtEl>
+                                        <p:attrNameLst>
+                                          <p:attrName>style.visibility</p:attrName>
+                                        </p:attrNameLst>
+                                      </p:cBhvr>
+                                      <p:to>
+                                        <p:strVal val="visible"/>
+                                      </p:to>
+                                    </p:set>
+                                  </p:childTnLst>
+                                </p:cTn>
+                              </p:par>
+                            </p:childTnLst>
+                          </p:cTn>
+                        </p:par>
+                      </p:childTnLst>
+                    </p:cTn>
+                  </p:par>
+                  <p:par>
+                    <p:cTn id="31" fill="hold">
+                      <p:stCondLst>
+                        <p:cond delay="indefinite"/>
+                      </p:stCondLst>
+                      <p:childTnLst>
+                        <p:par>
+                          <p:cTn id="32" fill="hold">
+                            <p:stCondLst>
+                              <p:cond delay="0"/>
+                            </p:stCondLst>
+                            <p:childTnLst>
+                              <p:par>
+                                <p:cTn id="33" presetID="1" presetClass="entr" presetSubtype="0" fill="hold" grpId="0" nodeType="clickEffect">
+                                  <p:stCondLst>
+                                    <p:cond delay="0"/>
+                                  </p:stCondLst>
+                                  <p:childTnLst>
+                                    <p:set>
+                                      <p:cBhvr>
+                                        <p:cTn id="34" dur="1" fill="hold">
+                                          <p:stCondLst>
+                                            <p:cond delay="0"/>
+                                          </p:stCondLst>
+                                        </p:cTn>
+                                        <p:tgtEl>
+                                          <p:spTgt spid="5"/>
+                                        </p:tgtEl>
+                                        <p:attrNameLst>
+                                          <p:attrName>style.visibility</p:attrName>
+                                        </p:attrNameLst>
+                                      </p:cBhvr>
+                                      <p:to>
+                                        <p:strVal val="visible"/>
+                                      </p:to>
+                                    </p:set>
+                                  </p:childTnLst>
+                                </p:cTn>
+                              </p:par>
+                            </p:childTnLst>
+                          </p:cTn>
+                        </p:par>
+                      </p:childTnLst>
+                    </p:cTn>
+                  </p:par>
+                </p:childTnLst>
+              </p:cTn>
+              <p:prevCondLst>
+                <p:cond evt="onPrev" delay="0">
+                  <p:tgtEl>
+                    <p:sldTgt/>
+                  </p:tgtEl>
+                </p:cond>
+              </p:prevCondLst>
+              <p:nextCondLst>
+                <p:cond evt="onNext" delay="0">
+                  <p:tgtEl>
+                    <p:sldTgt/>
+                  </p:tgtEl>
+                </p:cond>
+              </p:nextCondLst>
+            </p:seq>
+          </p:childTnLst>
+        </p:cTn>
+      </p:par>
+    </p:tnLst>
+    <p:bldLst>
+      <p:bldP spid="6" grpId="0" animBg="1"/>
+      <p:bldP spid="15" grpId="0"/>
+      <p:bldP spid="17" grpId="0"/>
+      <p:bldP spid="2" grpId="0"/>
+      <p:bldP spid="9" grpId="0"/>
+      <p:bldP spid="10" grpId="0"/>
+      <p:bldP spid="12" grpId="0" animBg="1"/>
+      <p:bldP spid="5" grpId="0" animBg="1"/>
+    </p:bldLst>
+  </p:timing>
+  <p:extLst>
+    <p:ext uri="{6950BFC3-D8DA-4A85-94F7-54DA5524770B}">
+      <p188:commentRel xmlns:p188="http://schemas.microsoft.com/office/powerpoint/2018/8/main" r:id="rId2"/>
+    </p:ext>
+  </p:extLst>
+</p:sld>
+</file>
+
+<file path=ppt/slides/slide27.xml><?xml version="1.0" encoding="utf-8"?>
+<p:sld xmlns:a="http://schemas.openxmlformats.org/drawingml/2006/main" xmlns:r="http://schemas.openxmlformats.org/officeDocument/2006/relationships" xmlns:p="http://schemas.openxmlformats.org/presentationml/2006/main">
+  <p:cSld>
+    <p:spTree>
+      <p:nvGrpSpPr>
+        <p:cNvPr id="1" name=""/>
+        <p:cNvGrpSpPr/>
+        <p:nvPr/>
+      </p:nvGrpSpPr>
+      <p:grpSpPr>
+        <a:xfrm>
+          <a:off x="0" y="0"/>
+          <a:ext cx="0" cy="0"/>
+          <a:chOff x="0" y="0"/>
+          <a:chExt cx="0" cy="0"/>
+        </a:xfrm>
+      </p:grpSpPr>
+      <p:sp>
+        <p:nvSpPr>
+          <p:cNvPr id="8" name="Rectangle 7">
+            <a:extLst>
+              <a:ext uri="{FF2B5EF4-FFF2-40B4-BE49-F238E27FC236}">
+                <a16:creationId xmlns:a16="http://schemas.microsoft.com/office/drawing/2014/main" id="{158F95D5-BE54-3736-1783-2E5501BC5DA8}"/>
+              </a:ext>
+            </a:extLst>
+          </p:cNvPr>
+          <p:cNvSpPr/>
+          <p:nvPr/>
+        </p:nvSpPr>
+        <p:spPr>
+          <a:xfrm>
+            <a:off x="946335" y="0"/>
+            <a:ext cx="5646739" cy="923330"/>
+          </a:xfrm>
+          <a:prstGeom prst="rect">
+            <a:avLst/>
+          </a:prstGeom>
+          <a:noFill/>
+        </p:spPr>
+        <p:txBody>
+          <a:bodyPr wrap="none" lIns="91440" tIns="45720" rIns="91440" bIns="45720">
+            <a:spAutoFit/>
+          </a:bodyPr>
+          <a:lstStyle/>
+          <a:p>
+            <a:pPr algn="ctr"/>
+            <a:r>
+              <a:rPr lang="en-US" sz="5400" b="0" cap="none" spc="0" dirty="0">
+                <a:ln w="0"/>
+                <a:solidFill>
+                  <a:schemeClr val="tx1"/>
+                </a:solidFill>
+                <a:effectLst>
+                  <a:outerShdw blurRad="38100" dist="19050" dir="2700000" algn="tl" rotWithShape="0">
+                    <a:schemeClr val="dk1">
+                      <a:alpha val="40000"/>
+                    </a:schemeClr>
+                  </a:outerShdw>
+                </a:effectLst>
+              </a:rPr>
+              <a:t>Our Project - </a:t>
+            </a:r>
+            <a:r>
+              <a:rPr lang="en-US" sz="5400" b="0" cap="none" spc="0" dirty="0">
+                <a:ln w="0"/>
+                <a:solidFill>
+                  <a:schemeClr val="tx1"/>
+                </a:solidFill>
+                <a:effectLst>
+                  <a:outerShdw blurRad="38100" dist="19050" dir="2700000" algn="tl" rotWithShape="0">
+                    <a:schemeClr val="dk1">
+                      <a:alpha val="40000"/>
+                    </a:schemeClr>
+                  </a:outerShdw>
+                </a:effectLst>
+                <a:highlight>
+                  <a:srgbClr val="FFFF00"/>
+                </a:highlight>
+              </a:rPr>
+              <a:t>H</a:t>
+            </a:r>
+            <a:r>
+              <a:rPr lang="en-US" sz="2400" b="0" cap="none" spc="0" dirty="0">
+                <a:ln w="0"/>
+                <a:solidFill>
+                  <a:schemeClr val="tx1"/>
+                </a:solidFill>
+                <a:effectLst>
+                  <a:outerShdw blurRad="38100" dist="19050" dir="2700000" algn="tl" rotWithShape="0">
+                    <a:schemeClr val="dk1">
+                      <a:alpha val="40000"/>
+                    </a:schemeClr>
+                  </a:outerShdw>
+                </a:effectLst>
+              </a:rPr>
+              <a:t>eader</a:t>
+            </a:r>
+            <a:endParaRPr lang="en-US" sz="5400" b="0" cap="none" spc="0" dirty="0">
+              <a:ln w="0"/>
+              <a:solidFill>
+                <a:schemeClr val="tx1"/>
+              </a:solidFill>
+              <a:effectLst>
+                <a:outerShdw blurRad="38100" dist="19050" dir="2700000" algn="tl" rotWithShape="0">
+                  <a:schemeClr val="dk1">
+                    <a:alpha val="40000"/>
+                  </a:schemeClr>
+                </a:outerShdw>
+              </a:effectLst>
+            </a:endParaRPr>
+          </a:p>
+        </p:txBody>
+      </p:sp>
+      <p:sp>
+        <p:nvSpPr>
+          <p:cNvPr id="6" name="TextBox 5">
+            <a:extLst>
+              <a:ext uri="{FF2B5EF4-FFF2-40B4-BE49-F238E27FC236}">
+                <a16:creationId xmlns:a16="http://schemas.microsoft.com/office/drawing/2014/main" id="{F21C8A41-49AB-D2C6-7D76-2BB17503FD43}"/>
+              </a:ext>
+            </a:extLst>
+          </p:cNvPr>
+          <p:cNvSpPr txBox="1"/>
+          <p:nvPr/>
+        </p:nvSpPr>
+        <p:spPr>
+          <a:xfrm>
+            <a:off x="205665" y="4128489"/>
+            <a:ext cx="7361067" cy="1477328"/>
+          </a:xfrm>
+          <a:prstGeom prst="rect">
+            <a:avLst/>
+          </a:prstGeom>
+          <a:noFill/>
+          <a:ln w="28575">
+            <a:solidFill>
+              <a:schemeClr val="tx1"/>
+            </a:solidFill>
+          </a:ln>
+        </p:spPr>
+        <p:txBody>
+          <a:bodyPr wrap="square">
+            <a:spAutoFit/>
+          </a:bodyPr>
+          <a:lstStyle/>
+          <a:p>
+            <a:r>
+              <a:rPr lang="en-CA" dirty="0"/>
+              <a:t>import 'bootstrap/</a:t>
+            </a:r>
+            <a:r>
+              <a:rPr lang="en-CA" dirty="0" err="1"/>
+              <a:t>dist</a:t>
+            </a:r>
+            <a:r>
+              <a:rPr lang="en-CA" dirty="0"/>
+              <a:t>/</a:t>
+            </a:r>
+            <a:r>
+              <a:rPr lang="en-CA" dirty="0" err="1"/>
+              <a:t>css</a:t>
+            </a:r>
+            <a:r>
+              <a:rPr lang="en-CA" dirty="0"/>
+              <a:t>/bootstrap.css';</a:t>
+            </a:r>
+          </a:p>
+          <a:p>
+            <a:r>
+              <a:rPr lang="en-CA" dirty="0"/>
+              <a:t>import Container from 'react-bootstrap/Container';</a:t>
+            </a:r>
+          </a:p>
+          <a:p>
+            <a:r>
+              <a:rPr lang="en-CA" dirty="0"/>
+              <a:t>import Image from 'react-bootstrap/Image';</a:t>
+            </a:r>
+          </a:p>
+          <a:p>
+            <a:r>
+              <a:rPr lang="en-CA" dirty="0"/>
+              <a:t>import Row from 'react-bootstrap/Row'; </a:t>
+            </a:r>
+          </a:p>
+          <a:p>
+            <a:r>
+              <a:rPr lang="en-CA" dirty="0"/>
+              <a:t>import Col from 'react-bootstrap/Col'; </a:t>
+            </a:r>
+          </a:p>
+        </p:txBody>
+      </p:sp>
+      <p:sp>
+        <p:nvSpPr>
+          <p:cNvPr id="17" name="TextBox 16">
+            <a:extLst>
+              <a:ext uri="{FF2B5EF4-FFF2-40B4-BE49-F238E27FC236}">
+                <a16:creationId xmlns:a16="http://schemas.microsoft.com/office/drawing/2014/main" id="{EAA9D1D3-7F50-42C2-A993-16BD3359F952}"/>
+              </a:ext>
+            </a:extLst>
+          </p:cNvPr>
+          <p:cNvSpPr txBox="1"/>
+          <p:nvPr/>
+        </p:nvSpPr>
+        <p:spPr>
+          <a:xfrm>
+            <a:off x="205666" y="1728417"/>
+            <a:ext cx="7361066" cy="369332"/>
+          </a:xfrm>
+          <a:prstGeom prst="rect">
+            <a:avLst/>
+          </a:prstGeom>
+          <a:noFill/>
+        </p:spPr>
+        <p:txBody>
+          <a:bodyPr wrap="square">
+            <a:spAutoFit/>
+          </a:bodyPr>
+          <a:lstStyle/>
+          <a:p>
+            <a:r>
+              <a:rPr lang="en-US" dirty="0">
+                <a:highlight>
+                  <a:srgbClr val="FFFF00"/>
+                </a:highlight>
+                <a:latin typeface="Segoe UI" panose="020B0502040204020203" pitchFamily="34" charset="0"/>
+              </a:rPr>
+              <a:t>Need bootstrap</a:t>
+            </a:r>
+            <a:r>
+              <a:rPr lang="en-US" dirty="0">
+                <a:latin typeface="Segoe UI" panose="020B0502040204020203" pitchFamily="34" charset="0"/>
+              </a:rPr>
+              <a:t>, so I need to install react-bootstrap &amp; bootstrap </a:t>
+            </a:r>
+            <a:r>
+              <a:rPr lang="en-US" dirty="0" err="1">
+                <a:latin typeface="Segoe UI" panose="020B0502040204020203" pitchFamily="34" charset="0"/>
+              </a:rPr>
+              <a:t>css</a:t>
+            </a:r>
+            <a:endParaRPr lang="en-US" sz="2000" dirty="0">
+              <a:effectLst/>
+              <a:latin typeface="Arial" panose="020B0604020202020204" pitchFamily="34" charset="0"/>
+            </a:endParaRPr>
+          </a:p>
+        </p:txBody>
+      </p:sp>
+      <p:sp>
+        <p:nvSpPr>
+          <p:cNvPr id="2" name="TextBox 1">
+            <a:extLst>
+              <a:ext uri="{FF2B5EF4-FFF2-40B4-BE49-F238E27FC236}">
+                <a16:creationId xmlns:a16="http://schemas.microsoft.com/office/drawing/2014/main" id="{D8460605-6527-D3CD-B8C1-15CB6A758E23}"/>
+              </a:ext>
+            </a:extLst>
+          </p:cNvPr>
+          <p:cNvSpPr txBox="1"/>
+          <p:nvPr/>
+        </p:nvSpPr>
+        <p:spPr>
+          <a:xfrm>
+            <a:off x="205666" y="2244389"/>
+            <a:ext cx="6910934" cy="369332"/>
+          </a:xfrm>
+          <a:prstGeom prst="rect">
+            <a:avLst/>
+          </a:prstGeom>
+          <a:noFill/>
+        </p:spPr>
+        <p:txBody>
+          <a:bodyPr wrap="square">
+            <a:spAutoFit/>
+          </a:bodyPr>
+          <a:lstStyle/>
+          <a:p>
+            <a:r>
+              <a:rPr lang="en-US" dirty="0">
+                <a:latin typeface="Segoe UI" panose="020B0502040204020203" pitchFamily="34" charset="0"/>
+              </a:rPr>
+              <a:t>Change directory to tracker-frontend</a:t>
+            </a:r>
+            <a:endParaRPr lang="en-US" sz="2000" dirty="0">
+              <a:effectLst/>
+              <a:latin typeface="Arial" panose="020B0604020202020204" pitchFamily="34" charset="0"/>
+            </a:endParaRPr>
+          </a:p>
+        </p:txBody>
+      </p:sp>
+      <p:sp>
+        <p:nvSpPr>
+          <p:cNvPr id="5" name="TextBox 4">
+            <a:extLst>
+              <a:ext uri="{FF2B5EF4-FFF2-40B4-BE49-F238E27FC236}">
+                <a16:creationId xmlns:a16="http://schemas.microsoft.com/office/drawing/2014/main" id="{68CCD43A-3F42-D946-4616-FDA89915E8F1}"/>
+              </a:ext>
+            </a:extLst>
+          </p:cNvPr>
+          <p:cNvSpPr txBox="1"/>
+          <p:nvPr/>
+        </p:nvSpPr>
+        <p:spPr>
+          <a:xfrm>
+            <a:off x="5490266" y="5967351"/>
+            <a:ext cx="2076466" cy="369332"/>
+          </a:xfrm>
+          <a:prstGeom prst="rect">
+            <a:avLst/>
+          </a:prstGeom>
+          <a:solidFill>
+            <a:schemeClr val="accent2"/>
+          </a:solidFill>
+          <a:ln w="19050">
+            <a:solidFill>
+              <a:schemeClr val="tx1"/>
+            </a:solidFill>
+          </a:ln>
+        </p:spPr>
+        <p:txBody>
+          <a:bodyPr wrap="none" rtlCol="0">
+            <a:spAutoFit/>
+          </a:bodyPr>
+          <a:lstStyle/>
+          <a:p>
+            <a:r>
+              <a:rPr lang="en-CA" dirty="0"/>
+              <a:t>Test your changes</a:t>
+            </a:r>
+          </a:p>
+        </p:txBody>
+      </p:sp>
+      <p:pic>
+        <p:nvPicPr>
+          <p:cNvPr id="4" name="Picture 3">
+            <a:extLst>
+              <a:ext uri="{FF2B5EF4-FFF2-40B4-BE49-F238E27FC236}">
+                <a16:creationId xmlns:a16="http://schemas.microsoft.com/office/drawing/2014/main" id="{7DBAAA8B-6D7A-140B-EA02-04B9910C6AE0}"/>
+              </a:ext>
+            </a:extLst>
+          </p:cNvPr>
+          <p:cNvPicPr>
+            <a:picLocks noChangeAspect="1"/>
+          </p:cNvPicPr>
+          <p:nvPr/>
+        </p:nvPicPr>
+        <p:blipFill>
+          <a:blip r:embed="rId3"/>
+          <a:stretch>
+            <a:fillRect/>
+          </a:stretch>
+        </p:blipFill>
+        <p:spPr>
+          <a:xfrm>
+            <a:off x="-1" y="1093045"/>
+            <a:ext cx="7772400" cy="556775"/>
+          </a:xfrm>
+          <a:prstGeom prst="rect">
+            <a:avLst/>
+          </a:prstGeom>
+        </p:spPr>
+      </p:pic>
+      <p:sp>
+        <p:nvSpPr>
+          <p:cNvPr id="7" name="TextBox 6">
+            <a:extLst>
+              <a:ext uri="{FF2B5EF4-FFF2-40B4-BE49-F238E27FC236}">
+                <a16:creationId xmlns:a16="http://schemas.microsoft.com/office/drawing/2014/main" id="{D3BAB5EB-F24E-D5F2-C0EE-22A214B40F39}"/>
+              </a:ext>
+            </a:extLst>
+          </p:cNvPr>
+          <p:cNvSpPr txBox="1"/>
+          <p:nvPr/>
+        </p:nvSpPr>
+        <p:spPr>
+          <a:xfrm>
+            <a:off x="205666" y="2710036"/>
+            <a:ext cx="6910934" cy="369332"/>
+          </a:xfrm>
+          <a:prstGeom prst="rect">
+            <a:avLst/>
+          </a:prstGeom>
+          <a:noFill/>
+        </p:spPr>
+        <p:txBody>
+          <a:bodyPr wrap="square">
+            <a:spAutoFit/>
+          </a:bodyPr>
+          <a:lstStyle/>
+          <a:p>
+            <a:r>
+              <a:rPr lang="en-US" dirty="0" err="1">
+                <a:latin typeface="Segoe UI" panose="020B0502040204020203" pitchFamily="34" charset="0"/>
+              </a:rPr>
+              <a:t>npm</a:t>
+            </a:r>
+            <a:r>
+              <a:rPr lang="en-US" dirty="0">
+                <a:latin typeface="Segoe UI" panose="020B0502040204020203" pitchFamily="34" charset="0"/>
+              </a:rPr>
+              <a:t> install bootstrap</a:t>
+            </a:r>
+            <a:endParaRPr lang="en-US" sz="2000" dirty="0">
+              <a:effectLst/>
+              <a:latin typeface="Arial" panose="020B0604020202020204" pitchFamily="34" charset="0"/>
+            </a:endParaRPr>
+          </a:p>
+        </p:txBody>
+      </p:sp>
+      <p:sp>
+        <p:nvSpPr>
+          <p:cNvPr id="11" name="TextBox 10">
+            <a:extLst>
+              <a:ext uri="{FF2B5EF4-FFF2-40B4-BE49-F238E27FC236}">
+                <a16:creationId xmlns:a16="http://schemas.microsoft.com/office/drawing/2014/main" id="{C2239635-55B5-407F-8582-FD9A6F6B6C80}"/>
+              </a:ext>
+            </a:extLst>
+          </p:cNvPr>
+          <p:cNvSpPr txBox="1"/>
+          <p:nvPr/>
+        </p:nvSpPr>
+        <p:spPr>
+          <a:xfrm>
+            <a:off x="205665" y="3146870"/>
+            <a:ext cx="6910934" cy="369332"/>
+          </a:xfrm>
+          <a:prstGeom prst="rect">
+            <a:avLst/>
+          </a:prstGeom>
+          <a:noFill/>
+        </p:spPr>
+        <p:txBody>
+          <a:bodyPr wrap="square">
+            <a:spAutoFit/>
+          </a:bodyPr>
+          <a:lstStyle/>
+          <a:p>
+            <a:r>
+              <a:rPr lang="en-US" dirty="0" err="1">
+                <a:latin typeface="Segoe UI" panose="020B0502040204020203" pitchFamily="34" charset="0"/>
+              </a:rPr>
+              <a:t>npm</a:t>
+            </a:r>
+            <a:r>
+              <a:rPr lang="en-US" dirty="0">
+                <a:latin typeface="Segoe UI" panose="020B0502040204020203" pitchFamily="34" charset="0"/>
+              </a:rPr>
+              <a:t> install react-bootstrap</a:t>
+            </a:r>
+            <a:endParaRPr lang="en-US" sz="2000" dirty="0">
+              <a:effectLst/>
+              <a:latin typeface="Arial" panose="020B0604020202020204" pitchFamily="34" charset="0"/>
+            </a:endParaRPr>
+          </a:p>
+        </p:txBody>
+      </p:sp>
+      <p:sp>
+        <p:nvSpPr>
+          <p:cNvPr id="13" name="TextBox 12">
+            <a:extLst>
+              <a:ext uri="{FF2B5EF4-FFF2-40B4-BE49-F238E27FC236}">
+                <a16:creationId xmlns:a16="http://schemas.microsoft.com/office/drawing/2014/main" id="{513C14BC-EF27-D201-1A57-7B3F9A99AA2B}"/>
+              </a:ext>
+            </a:extLst>
+          </p:cNvPr>
+          <p:cNvSpPr txBox="1"/>
+          <p:nvPr/>
+        </p:nvSpPr>
+        <p:spPr>
+          <a:xfrm>
+            <a:off x="205665" y="3693072"/>
+            <a:ext cx="6910934" cy="369332"/>
+          </a:xfrm>
+          <a:prstGeom prst="rect">
+            <a:avLst/>
+          </a:prstGeom>
+          <a:noFill/>
+        </p:spPr>
+        <p:txBody>
+          <a:bodyPr wrap="square">
+            <a:spAutoFit/>
+          </a:bodyPr>
+          <a:lstStyle/>
+          <a:p>
+            <a:r>
+              <a:rPr lang="en-US" dirty="0">
+                <a:solidFill>
+                  <a:srgbClr val="00B050"/>
+                </a:solidFill>
+                <a:latin typeface="Segoe UI" panose="020B0502040204020203" pitchFamily="34" charset="0"/>
+              </a:rPr>
+              <a:t>//add imports to Header.js</a:t>
+            </a:r>
+            <a:endParaRPr lang="en-US" sz="2000" dirty="0">
+              <a:solidFill>
+                <a:srgbClr val="00B050"/>
+              </a:solidFill>
+              <a:effectLst/>
+              <a:latin typeface="Arial" panose="020B0604020202020204" pitchFamily="34" charset="0"/>
+            </a:endParaRPr>
+          </a:p>
+        </p:txBody>
+      </p:sp>
+      <p:sp>
+        <p:nvSpPr>
+          <p:cNvPr id="14" name="TextBox 13">
+            <a:extLst>
+              <a:ext uri="{FF2B5EF4-FFF2-40B4-BE49-F238E27FC236}">
+                <a16:creationId xmlns:a16="http://schemas.microsoft.com/office/drawing/2014/main" id="{ABD0861B-2C8B-4BC2-BA6A-5CD0DFF70086}"/>
+              </a:ext>
+            </a:extLst>
+          </p:cNvPr>
+          <p:cNvSpPr txBox="1"/>
+          <p:nvPr/>
+        </p:nvSpPr>
+        <p:spPr>
+          <a:xfrm>
+            <a:off x="145704" y="5820222"/>
+            <a:ext cx="3740495" cy="369332"/>
+          </a:xfrm>
+          <a:prstGeom prst="rect">
+            <a:avLst/>
+          </a:prstGeom>
+          <a:noFill/>
+        </p:spPr>
+        <p:txBody>
+          <a:bodyPr wrap="square">
+            <a:spAutoFit/>
+          </a:bodyPr>
+          <a:lstStyle/>
+          <a:p>
+            <a:r>
+              <a:rPr lang="en-US" dirty="0">
+                <a:solidFill>
+                  <a:srgbClr val="00B050"/>
+                </a:solidFill>
+                <a:latin typeface="Segoe UI" panose="020B0502040204020203" pitchFamily="34" charset="0"/>
+              </a:rPr>
+              <a:t>//update your Header.js return ()</a:t>
+            </a:r>
+            <a:endParaRPr lang="en-US" sz="2000" dirty="0">
+              <a:solidFill>
+                <a:srgbClr val="00B050"/>
+              </a:solidFill>
+              <a:effectLst/>
+              <a:latin typeface="Arial" panose="020B0604020202020204" pitchFamily="34" charset="0"/>
+            </a:endParaRPr>
+          </a:p>
+        </p:txBody>
+      </p:sp>
+      <p:sp>
+        <p:nvSpPr>
+          <p:cNvPr id="16" name="TextBox 15">
+            <a:extLst>
+              <a:ext uri="{FF2B5EF4-FFF2-40B4-BE49-F238E27FC236}">
+                <a16:creationId xmlns:a16="http://schemas.microsoft.com/office/drawing/2014/main" id="{67D8CD63-89DC-AAC1-4006-198E85165659}"/>
+              </a:ext>
+            </a:extLst>
+          </p:cNvPr>
+          <p:cNvSpPr txBox="1"/>
+          <p:nvPr/>
+        </p:nvSpPr>
+        <p:spPr>
+          <a:xfrm>
+            <a:off x="205665" y="6336683"/>
+            <a:ext cx="7361067" cy="3416320"/>
+          </a:xfrm>
+          <a:prstGeom prst="rect">
+            <a:avLst/>
+          </a:prstGeom>
+          <a:noFill/>
+          <a:ln w="28575">
+            <a:solidFill>
+              <a:schemeClr val="tx1"/>
+            </a:solidFill>
+          </a:ln>
+        </p:spPr>
+        <p:txBody>
+          <a:bodyPr wrap="square">
+            <a:spAutoFit/>
+          </a:bodyPr>
+          <a:lstStyle/>
+          <a:p>
+            <a:r>
+              <a:rPr lang="en-CA" dirty="0"/>
+              <a:t>return(</a:t>
+            </a:r>
+          </a:p>
+          <a:p>
+            <a:r>
+              <a:rPr lang="en-CA" dirty="0"/>
+              <a:t>      &lt;Container </a:t>
+            </a:r>
+            <a:r>
+              <a:rPr lang="en-CA" dirty="0" err="1"/>
+              <a:t>className</a:t>
+            </a:r>
+            <a:r>
+              <a:rPr lang="en-CA" dirty="0"/>
+              <a:t>={</a:t>
+            </a:r>
+            <a:r>
+              <a:rPr lang="en-CA" dirty="0" err="1"/>
+              <a:t>props.className</a:t>
+            </a:r>
+            <a:r>
+              <a:rPr lang="en-CA" dirty="0"/>
+              <a:t>}&gt;</a:t>
+            </a:r>
+          </a:p>
+          <a:p>
+            <a:r>
+              <a:rPr lang="en-CA" dirty="0"/>
+              <a:t>      &lt;Row&gt;</a:t>
+            </a:r>
+          </a:p>
+          <a:p>
+            <a:r>
+              <a:rPr lang="en-CA" dirty="0"/>
+              <a:t>        &lt;Col&gt;   </a:t>
+            </a:r>
+          </a:p>
+          <a:p>
+            <a:r>
+              <a:rPr lang="en-CA" dirty="0"/>
+              <a:t>          &lt;h3 </a:t>
+            </a:r>
+            <a:r>
+              <a:rPr lang="en-CA" dirty="0" err="1"/>
+              <a:t>className</a:t>
+            </a:r>
+            <a:r>
+              <a:rPr lang="en-CA" dirty="0"/>
+              <a:t>='</a:t>
+            </a:r>
+            <a:r>
+              <a:rPr lang="en-CA" dirty="0" err="1"/>
+              <a:t>topParag</a:t>
+            </a:r>
+            <a:r>
+              <a:rPr lang="en-CA" dirty="0"/>
+              <a:t>'&gt;Task Tracker{</a:t>
+            </a:r>
+            <a:r>
+              <a:rPr lang="en-CA" dirty="0" err="1"/>
+              <a:t>ver</a:t>
+            </a:r>
+            <a:r>
+              <a:rPr lang="en-CA" dirty="0"/>
+              <a:t>}&lt;/h3&gt;</a:t>
+            </a:r>
+          </a:p>
+          <a:p>
+            <a:r>
+              <a:rPr lang="en-CA" dirty="0"/>
+              <a:t>        &lt;/Col&gt;</a:t>
+            </a:r>
+          </a:p>
+          <a:p>
+            <a:r>
+              <a:rPr lang="en-CA" dirty="0"/>
+              <a:t>        &lt;Col </a:t>
+            </a:r>
+            <a:r>
+              <a:rPr lang="en-CA" dirty="0" err="1"/>
+              <a:t>className</a:t>
+            </a:r>
+            <a:r>
+              <a:rPr lang="en-CA" dirty="0"/>
+              <a:t>="right"&gt;</a:t>
+            </a:r>
+          </a:p>
+          <a:p>
+            <a:r>
+              <a:rPr lang="en-CA" dirty="0"/>
+              <a:t>          &lt;Image </a:t>
+            </a:r>
+            <a:r>
+              <a:rPr lang="en-CA" dirty="0" err="1"/>
+              <a:t>src</a:t>
+            </a:r>
+            <a:r>
+              <a:rPr lang="en-CA" dirty="0"/>
+              <a:t>="logo.png" </a:t>
+            </a:r>
+            <a:r>
+              <a:rPr lang="en-CA" dirty="0" err="1"/>
+              <a:t>className</a:t>
+            </a:r>
+            <a:r>
+              <a:rPr lang="en-CA" dirty="0"/>
+              <a:t>="logo"  /&gt;</a:t>
+            </a:r>
+          </a:p>
+          <a:p>
+            <a:r>
+              <a:rPr lang="en-CA" dirty="0"/>
+              <a:t>        &lt;/Col&gt;</a:t>
+            </a:r>
+          </a:p>
+          <a:p>
+            <a:r>
+              <a:rPr lang="en-CA" dirty="0"/>
+              <a:t>      &lt;/Row&gt;</a:t>
+            </a:r>
+          </a:p>
+          <a:p>
+            <a:r>
+              <a:rPr lang="en-CA" dirty="0"/>
+              <a:t>    &lt;/Container&gt;</a:t>
+            </a:r>
+          </a:p>
+          <a:p>
+            <a:r>
+              <a:rPr lang="en-CA" dirty="0"/>
+              <a:t> );</a:t>
+            </a:r>
+          </a:p>
+        </p:txBody>
+      </p:sp>
+      <p:sp>
+        <p:nvSpPr>
+          <p:cNvPr id="18" name="TextBox 17">
+            <a:extLst>
+              <a:ext uri="{FF2B5EF4-FFF2-40B4-BE49-F238E27FC236}">
+                <a16:creationId xmlns:a16="http://schemas.microsoft.com/office/drawing/2014/main" id="{F1D8E5AA-40A3-4DEA-CC38-55B9C34378B6}"/>
+              </a:ext>
+            </a:extLst>
+          </p:cNvPr>
+          <p:cNvSpPr txBox="1"/>
+          <p:nvPr/>
+        </p:nvSpPr>
+        <p:spPr>
+          <a:xfrm>
+            <a:off x="5700126" y="6336683"/>
+            <a:ext cx="1860061" cy="369332"/>
+          </a:xfrm>
+          <a:prstGeom prst="rect">
+            <a:avLst/>
+          </a:prstGeom>
+          <a:solidFill>
+            <a:srgbClr val="FF0000"/>
+          </a:solidFill>
+          <a:ln w="19050">
+            <a:solidFill>
+              <a:schemeClr val="tx1"/>
+            </a:solidFill>
+          </a:ln>
+        </p:spPr>
+        <p:txBody>
+          <a:bodyPr wrap="none" rtlCol="0">
+            <a:spAutoFit/>
+          </a:bodyPr>
+          <a:lstStyle/>
+          <a:p>
+            <a:r>
+              <a:rPr lang="en-CA" dirty="0">
+                <a:solidFill>
+                  <a:schemeClr val="bg1"/>
+                </a:solidFill>
+              </a:rPr>
+              <a:t>What’s missing?</a:t>
+            </a:r>
+          </a:p>
+        </p:txBody>
+      </p:sp>
+    </p:spTree>
+    <p:extLst>
+      <p:ext uri="{BB962C8B-B14F-4D97-AF65-F5344CB8AC3E}">
+        <p14:creationId xmlns:p14="http://schemas.microsoft.com/office/powerpoint/2010/main" val="4087158282"/>
+      </p:ext>
+    </p:extLst>
+  </p:cSld>
+  <p:clrMapOvr>
+    <a:masterClrMapping/>
+  </p:clrMapOvr>
+  <p:timing>
+    <p:tnLst>
+      <p:par>
+        <p:cTn id="1" dur="indefinite" restart="never" nodeType="tmRoot">
+          <p:childTnLst>
+            <p:seq concurrent="1" nextAc="seek">
+              <p:cTn id="2" dur="indefinite" nodeType="mainSeq">
+                <p:childTnLst>
+                  <p:par>
+                    <p:cTn id="3" fill="hold">
+                      <p:stCondLst>
+                        <p:cond delay="indefinite"/>
+                      </p:stCondLst>
+                      <p:childTnLst>
+                        <p:par>
+                          <p:cTn id="4" fill="hold">
+                            <p:stCondLst>
+                              <p:cond delay="0"/>
+                            </p:stCondLst>
+                            <p:childTnLst>
+                              <p:par>
+                                <p:cTn id="5" presetID="1" presetClass="entr" presetSubtype="0" fill="hold" grpId="0" nodeType="clickEffect">
+                                  <p:stCondLst>
+                                    <p:cond delay="0"/>
+                                  </p:stCondLst>
+                                  <p:childTnLst>
+                                    <p:set>
+                                      <p:cBhvr>
+                                        <p:cTn id="6" dur="1" fill="hold">
+                                          <p:stCondLst>
+                                            <p:cond delay="0"/>
+                                          </p:stCondLst>
+                                        </p:cTn>
+                                        <p:tgtEl>
+                                          <p:spTgt spid="17"/>
+                                        </p:tgtEl>
+                                        <p:attrNameLst>
+                                          <p:attrName>style.visibility</p:attrName>
+                                        </p:attrNameLst>
+                                      </p:cBhvr>
+                                      <p:to>
+                                        <p:strVal val="visible"/>
+                                      </p:to>
+                                    </p:set>
+                                  </p:childTnLst>
+                                </p:cTn>
+                              </p:par>
+                            </p:childTnLst>
+                          </p:cTn>
+                        </p:par>
+                      </p:childTnLst>
+                    </p:cTn>
+                  </p:par>
+                  <p:par>
+                    <p:cTn id="7" fill="hold">
+                      <p:stCondLst>
+                        <p:cond delay="indefinite"/>
+                      </p:stCondLst>
+                      <p:childTnLst>
+                        <p:par>
+                          <p:cTn id="8" fill="hold">
+                            <p:stCondLst>
+                              <p:cond delay="0"/>
+                            </p:stCondLst>
+                            <p:childTnLst>
+                              <p:par>
+                                <p:cTn id="9" presetID="1" presetClass="entr" presetSubtype="0" fill="hold" grpId="0" nodeType="clickEffect">
+                                  <p:stCondLst>
+                                    <p:cond delay="0"/>
+                                  </p:stCondLst>
+                                  <p:childTnLst>
+                                    <p:set>
+                                      <p:cBhvr>
+                                        <p:cTn id="10" dur="1" fill="hold">
+                                          <p:stCondLst>
+                                            <p:cond delay="0"/>
+                                          </p:stCondLst>
+                                        </p:cTn>
+                                        <p:tgtEl>
+                                          <p:spTgt spid="2"/>
+                                        </p:tgtEl>
+                                        <p:attrNameLst>
+                                          <p:attrName>style.visibility</p:attrName>
+                                        </p:attrNameLst>
+                                      </p:cBhvr>
+                                      <p:to>
+                                        <p:strVal val="visible"/>
+                                      </p:to>
+                                    </p:set>
+                                  </p:childTnLst>
+                                </p:cTn>
+                              </p:par>
+                            </p:childTnLst>
+                          </p:cTn>
+                        </p:par>
+                      </p:childTnLst>
+                    </p:cTn>
+                  </p:par>
+                  <p:par>
+                    <p:cTn id="11" fill="hold">
+                      <p:stCondLst>
+                        <p:cond delay="indefinite"/>
+                      </p:stCondLst>
+                      <p:childTnLst>
+                        <p:par>
+                          <p:cTn id="12" fill="hold">
+                            <p:stCondLst>
+                              <p:cond delay="0"/>
+                            </p:stCondLst>
+                            <p:childTnLst>
+                              <p:par>
+                                <p:cTn id="13" presetID="1" presetClass="entr" presetSubtype="0" fill="hold" grpId="0" nodeType="clickEffect">
+                                  <p:stCondLst>
+                                    <p:cond delay="0"/>
+                                  </p:stCondLst>
+                                  <p:childTnLst>
+                                    <p:set>
+                                      <p:cBhvr>
+                                        <p:cTn id="14" dur="1" fill="hold">
+                                          <p:stCondLst>
+                                            <p:cond delay="0"/>
+                                          </p:stCondLst>
+                                        </p:cTn>
+                                        <p:tgtEl>
+                                          <p:spTgt spid="7"/>
+                                        </p:tgtEl>
+                                        <p:attrNameLst>
+                                          <p:attrName>style.visibility</p:attrName>
+                                        </p:attrNameLst>
+                                      </p:cBhvr>
+                                      <p:to>
+                                        <p:strVal val="visible"/>
+                                      </p:to>
+                                    </p:set>
+                                  </p:childTnLst>
+                                </p:cTn>
+                              </p:par>
+                            </p:childTnLst>
+                          </p:cTn>
+                        </p:par>
+                      </p:childTnLst>
+                    </p:cTn>
+                  </p:par>
+                  <p:par>
+                    <p:cTn id="15" fill="hold">
+                      <p:stCondLst>
+                        <p:cond delay="indefinite"/>
+                      </p:stCondLst>
+                      <p:childTnLst>
+                        <p:par>
+                          <p:cTn id="16" fill="hold">
+                            <p:stCondLst>
+                              <p:cond delay="0"/>
+                            </p:stCondLst>
+                            <p:childTnLst>
+                              <p:par>
+                                <p:cTn id="17" presetID="1" presetClass="entr" presetSubtype="0" fill="hold" grpId="0" nodeType="clickEffect">
+                                  <p:stCondLst>
+                                    <p:cond delay="0"/>
+                                  </p:stCondLst>
+                                  <p:childTnLst>
+                                    <p:set>
+                                      <p:cBhvr>
+                                        <p:cTn id="18" dur="1" fill="hold">
+                                          <p:stCondLst>
+                                            <p:cond delay="0"/>
+                                          </p:stCondLst>
+                                        </p:cTn>
+                                        <p:tgtEl>
+                                          <p:spTgt spid="11"/>
+                                        </p:tgtEl>
+                                        <p:attrNameLst>
+                                          <p:attrName>style.visibility</p:attrName>
+                                        </p:attrNameLst>
+                                      </p:cBhvr>
+                                      <p:to>
+                                        <p:strVal val="visible"/>
+                                      </p:to>
+                                    </p:set>
+                                  </p:childTnLst>
+                                </p:cTn>
+                              </p:par>
+                            </p:childTnLst>
+                          </p:cTn>
+                        </p:par>
+                      </p:childTnLst>
+                    </p:cTn>
+                  </p:par>
+                  <p:par>
+                    <p:cTn id="19" fill="hold">
+                      <p:stCondLst>
+                        <p:cond delay="indefinite"/>
+                      </p:stCondLst>
+                      <p:childTnLst>
+                        <p:par>
+                          <p:cTn id="20" fill="hold">
+                            <p:stCondLst>
+                              <p:cond delay="0"/>
+                            </p:stCondLst>
+                            <p:childTnLst>
+                              <p:par>
+                                <p:cTn id="21" presetID="1" presetClass="entr" presetSubtype="0" fill="hold" grpId="0" nodeType="clickEffect">
+                                  <p:stCondLst>
+                                    <p:cond delay="0"/>
+                                  </p:stCondLst>
+                                  <p:childTnLst>
+                                    <p:set>
+                                      <p:cBhvr>
+                                        <p:cTn id="22" dur="1" fill="hold">
+                                          <p:stCondLst>
+                                            <p:cond delay="0"/>
+                                          </p:stCondLst>
+                                        </p:cTn>
+                                        <p:tgtEl>
+                                          <p:spTgt spid="13"/>
+                                        </p:tgtEl>
+                                        <p:attrNameLst>
+                                          <p:attrName>style.visibility</p:attrName>
+                                        </p:attrNameLst>
+                                      </p:cBhvr>
+                                      <p:to>
+                                        <p:strVal val="visible"/>
+                                      </p:to>
+                                    </p:set>
+                                  </p:childTnLst>
+                                </p:cTn>
+                              </p:par>
+                            </p:childTnLst>
+                          </p:cTn>
+                        </p:par>
+                      </p:childTnLst>
+                    </p:cTn>
+                  </p:par>
+                  <p:par>
+                    <p:cTn id="23" fill="hold">
+                      <p:stCondLst>
+                        <p:cond delay="indefinite"/>
+                      </p:stCondLst>
+                      <p:childTnLst>
+                        <p:par>
+                          <p:cTn id="24" fill="hold">
+                            <p:stCondLst>
+                              <p:cond delay="0"/>
+                            </p:stCondLst>
+                            <p:childTnLst>
+                              <p:par>
+                                <p:cTn id="25" presetID="1" presetClass="entr" presetSubtype="0" fill="hold" grpId="0" nodeType="clickEffect">
+                                  <p:stCondLst>
+                                    <p:cond delay="0"/>
+                                  </p:stCondLst>
+                                  <p:childTnLst>
+                                    <p:set>
+                                      <p:cBhvr>
+                                        <p:cTn id="26" dur="1" fill="hold">
+                                          <p:stCondLst>
+                                            <p:cond delay="0"/>
+                                          </p:stCondLst>
+                                        </p:cTn>
+                                        <p:tgtEl>
+                                          <p:spTgt spid="6"/>
+                                        </p:tgtEl>
+                                        <p:attrNameLst>
+                                          <p:attrName>style.visibility</p:attrName>
+                                        </p:attrNameLst>
+                                      </p:cBhvr>
+                                      <p:to>
+                                        <p:strVal val="visible"/>
+                                      </p:to>
+                                    </p:set>
+                                  </p:childTnLst>
+                                </p:cTn>
+                              </p:par>
+                            </p:childTnLst>
+                          </p:cTn>
+                        </p:par>
+                      </p:childTnLst>
+                    </p:cTn>
+                  </p:par>
+                  <p:par>
+                    <p:cTn id="27" fill="hold">
+                      <p:stCondLst>
+                        <p:cond delay="indefinite"/>
+                      </p:stCondLst>
+                      <p:childTnLst>
+                        <p:par>
+                          <p:cTn id="28" fill="hold">
+                            <p:stCondLst>
+                              <p:cond delay="0"/>
+                            </p:stCondLst>
+                            <p:childTnLst>
+                              <p:par>
+                                <p:cTn id="29" presetID="1" presetClass="entr" presetSubtype="0" fill="hold" grpId="0" nodeType="clickEffect">
+                                  <p:stCondLst>
+                                    <p:cond delay="0"/>
+                                  </p:stCondLst>
+                                  <p:childTnLst>
+                                    <p:set>
+                                      <p:cBhvr>
+                                        <p:cTn id="30" dur="1" fill="hold">
+                                          <p:stCondLst>
+                                            <p:cond delay="0"/>
+                                          </p:stCondLst>
+                                        </p:cTn>
+                                        <p:tgtEl>
+                                          <p:spTgt spid="14"/>
+                                        </p:tgtEl>
+                                        <p:attrNameLst>
+                                          <p:attrName>style.visibility</p:attrName>
+                                        </p:attrNameLst>
+                                      </p:cBhvr>
+                                      <p:to>
+                                        <p:strVal val="visible"/>
+                                      </p:to>
+                                    </p:set>
+                                  </p:childTnLst>
+                                </p:cTn>
+                              </p:par>
+                            </p:childTnLst>
+                          </p:cTn>
+                        </p:par>
+                      </p:childTnLst>
+                    </p:cTn>
+                  </p:par>
+                  <p:par>
+                    <p:cTn id="31" fill="hold">
+                      <p:stCondLst>
+                        <p:cond delay="indefinite"/>
+                      </p:stCondLst>
+                      <p:childTnLst>
+                        <p:par>
+                          <p:cTn id="32" fill="hold">
+                            <p:stCondLst>
+                              <p:cond delay="0"/>
+                            </p:stCondLst>
+                            <p:childTnLst>
+                              <p:par>
+                                <p:cTn id="33" presetID="1" presetClass="entr" presetSubtype="0" fill="hold" grpId="0" nodeType="clickEffect">
+                                  <p:stCondLst>
+                                    <p:cond delay="0"/>
+                                  </p:stCondLst>
+                                  <p:childTnLst>
+                                    <p:set>
+                                      <p:cBhvr>
+                                        <p:cTn id="34" dur="1" fill="hold">
+                                          <p:stCondLst>
+                                            <p:cond delay="0"/>
+                                          </p:stCondLst>
+                                        </p:cTn>
+                                        <p:tgtEl>
+                                          <p:spTgt spid="16"/>
+                                        </p:tgtEl>
+                                        <p:attrNameLst>
+                                          <p:attrName>style.visibility</p:attrName>
+                                        </p:attrNameLst>
+                                      </p:cBhvr>
+                                      <p:to>
+                                        <p:strVal val="visible"/>
+                                      </p:to>
+                                    </p:set>
+                                  </p:childTnLst>
+                                </p:cTn>
+                              </p:par>
+                            </p:childTnLst>
+                          </p:cTn>
+                        </p:par>
+                      </p:childTnLst>
+                    </p:cTn>
+                  </p:par>
+                  <p:par>
+                    <p:cTn id="35" fill="hold">
+                      <p:stCondLst>
+                        <p:cond delay="indefinite"/>
+                      </p:stCondLst>
+                      <p:childTnLst>
+                        <p:par>
+                          <p:cTn id="36" fill="hold">
+                            <p:stCondLst>
+                              <p:cond delay="0"/>
+                            </p:stCondLst>
+                            <p:childTnLst>
+                              <p:par>
+                                <p:cTn id="37" presetID="1" presetClass="entr" presetSubtype="0" fill="hold" grpId="0" nodeType="clickEffect">
+                                  <p:stCondLst>
+                                    <p:cond delay="0"/>
+                                  </p:stCondLst>
+                                  <p:childTnLst>
+                                    <p:set>
+                                      <p:cBhvr>
+                                        <p:cTn id="38" dur="1" fill="hold">
+                                          <p:stCondLst>
+                                            <p:cond delay="0"/>
+                                          </p:stCondLst>
+                                        </p:cTn>
+                                        <p:tgtEl>
+                                          <p:spTgt spid="5"/>
+                                        </p:tgtEl>
+                                        <p:attrNameLst>
+                                          <p:attrName>style.visibility</p:attrName>
+                                        </p:attrNameLst>
+                                      </p:cBhvr>
+                                      <p:to>
+                                        <p:strVal val="visible"/>
+                                      </p:to>
+                                    </p:set>
+                                  </p:childTnLst>
+                                </p:cTn>
+                              </p:par>
+                            </p:childTnLst>
+                          </p:cTn>
+                        </p:par>
+                      </p:childTnLst>
+                    </p:cTn>
+                  </p:par>
+                  <p:par>
+                    <p:cTn id="39" fill="hold">
+                      <p:stCondLst>
+                        <p:cond delay="indefinite"/>
+                      </p:stCondLst>
+                      <p:childTnLst>
+                        <p:par>
+                          <p:cTn id="40" fill="hold">
+                            <p:stCondLst>
+                              <p:cond delay="0"/>
+                            </p:stCondLst>
+                            <p:childTnLst>
+                              <p:par>
+                                <p:cTn id="41" presetID="1" presetClass="entr" presetSubtype="0" fill="hold" grpId="0" nodeType="clickEffect">
+                                  <p:stCondLst>
+                                    <p:cond delay="0"/>
+                                  </p:stCondLst>
+                                  <p:childTnLst>
+                                    <p:set>
+                                      <p:cBhvr>
+                                        <p:cTn id="42" dur="1" fill="hold">
+                                          <p:stCondLst>
+                                            <p:cond delay="0"/>
+                                          </p:stCondLst>
+                                        </p:cTn>
+                                        <p:tgtEl>
+                                          <p:spTgt spid="18"/>
+                                        </p:tgtEl>
+                                        <p:attrNameLst>
+                                          <p:attrName>style.visibility</p:attrName>
+                                        </p:attrNameLst>
+                                      </p:cBhvr>
+                                      <p:to>
+                                        <p:strVal val="visible"/>
+                                      </p:to>
+                                    </p:set>
+                                  </p:childTnLst>
+                                </p:cTn>
+                              </p:par>
+                            </p:childTnLst>
+                          </p:cTn>
+                        </p:par>
+                      </p:childTnLst>
+                    </p:cTn>
+                  </p:par>
+                </p:childTnLst>
+              </p:cTn>
+              <p:prevCondLst>
+                <p:cond evt="onPrev" delay="0">
+                  <p:tgtEl>
+                    <p:sldTgt/>
+                  </p:tgtEl>
+                </p:cond>
+              </p:prevCondLst>
+              <p:nextCondLst>
+                <p:cond evt="onNext" delay="0">
+                  <p:tgtEl>
+                    <p:sldTgt/>
+                  </p:tgtEl>
+                </p:cond>
+              </p:nextCondLst>
+            </p:seq>
+          </p:childTnLst>
+        </p:cTn>
+      </p:par>
+    </p:tnLst>
+    <p:bldLst>
+      <p:bldP spid="6" grpId="0" animBg="1"/>
+      <p:bldP spid="17" grpId="0"/>
+      <p:bldP spid="2" grpId="0"/>
+      <p:bldP spid="5" grpId="0" animBg="1"/>
+      <p:bldP spid="7" grpId="0"/>
+      <p:bldP spid="11" grpId="0"/>
+      <p:bldP spid="13" grpId="0"/>
+      <p:bldP spid="14" grpId="0"/>
+      <p:bldP spid="16" grpId="0" animBg="1"/>
+      <p:bldP spid="18" grpId="0" animBg="1"/>
+    </p:bldLst>
+  </p:timing>
+  <p:extLst>
+    <p:ext uri="{6950BFC3-D8DA-4A85-94F7-54DA5524770B}">
+      <p188:commentRel xmlns:p188="http://schemas.microsoft.com/office/powerpoint/2018/8/main" r:id="rId2"/>
+    </p:ext>
+  </p:extLst>
+</p:sld>
+</file>
+
+<file path=ppt/slides/slide28.xml><?xml version="1.0" encoding="utf-8"?>
+<p:sld xmlns:a="http://schemas.openxmlformats.org/drawingml/2006/main" xmlns:r="http://schemas.openxmlformats.org/officeDocument/2006/relationships" xmlns:p="http://schemas.openxmlformats.org/presentationml/2006/main">
+  <p:cSld>
+    <p:spTree>
+      <p:nvGrpSpPr>
+        <p:cNvPr id="1" name=""/>
+        <p:cNvGrpSpPr/>
+        <p:nvPr/>
+      </p:nvGrpSpPr>
+      <p:grpSpPr>
+        <a:xfrm>
+          <a:off x="0" y="0"/>
+          <a:ext cx="0" cy="0"/>
+          <a:chOff x="0" y="0"/>
+          <a:chExt cx="0" cy="0"/>
+        </a:xfrm>
+      </p:grpSpPr>
+      <p:sp>
+        <p:nvSpPr>
+          <p:cNvPr id="8" name="Rectangle 7">
+            <a:extLst>
+              <a:ext uri="{FF2B5EF4-FFF2-40B4-BE49-F238E27FC236}">
+                <a16:creationId xmlns:a16="http://schemas.microsoft.com/office/drawing/2014/main" id="{158F95D5-BE54-3736-1783-2E5501BC5DA8}"/>
+              </a:ext>
+            </a:extLst>
+          </p:cNvPr>
+          <p:cNvSpPr/>
+          <p:nvPr/>
+        </p:nvSpPr>
+        <p:spPr>
+          <a:xfrm>
+            <a:off x="517180" y="0"/>
+            <a:ext cx="6505051" cy="923330"/>
+          </a:xfrm>
+          <a:prstGeom prst="rect">
+            <a:avLst/>
+          </a:prstGeom>
+          <a:noFill/>
+        </p:spPr>
+        <p:txBody>
+          <a:bodyPr wrap="none" lIns="91440" tIns="45720" rIns="91440" bIns="45720">
+            <a:spAutoFit/>
+          </a:bodyPr>
+          <a:lstStyle/>
+          <a:p>
+            <a:pPr algn="ctr"/>
+            <a:r>
+              <a:rPr lang="en-US" sz="5400" b="0" cap="none" spc="0" dirty="0">
+                <a:ln w="0"/>
+                <a:solidFill>
+                  <a:schemeClr val="tx1"/>
+                </a:solidFill>
+                <a:effectLst>
+                  <a:outerShdw blurRad="38100" dist="19050" dir="2700000" algn="tl" rotWithShape="0">
+                    <a:schemeClr val="dk1">
+                      <a:alpha val="40000"/>
+                    </a:schemeClr>
+                  </a:outerShdw>
+                </a:effectLst>
+              </a:rPr>
+              <a:t>Our Project - </a:t>
+            </a:r>
+            <a:r>
+              <a:rPr lang="en-US" sz="5400" dirty="0">
+                <a:ln w="0"/>
+                <a:effectLst>
+                  <a:outerShdw blurRad="38100" dist="19050" dir="2700000" algn="tl" rotWithShape="0">
+                    <a:schemeClr val="dk1">
+                      <a:alpha val="40000"/>
+                    </a:schemeClr>
+                  </a:outerShdw>
+                </a:effectLst>
+                <a:highlight>
+                  <a:srgbClr val="FFFF00"/>
+                </a:highlight>
+              </a:rPr>
+              <a:t>F</a:t>
+            </a:r>
+            <a:r>
+              <a:rPr lang="en-US" sz="5400" dirty="0">
+                <a:ln w="0"/>
+                <a:effectLst>
+                  <a:outerShdw blurRad="38100" dist="19050" dir="2700000" algn="tl" rotWithShape="0">
+                    <a:schemeClr val="dk1">
+                      <a:alpha val="40000"/>
+                    </a:schemeClr>
+                  </a:outerShdw>
+                </a:effectLst>
+              </a:rPr>
+              <a:t>ooter</a:t>
+            </a:r>
+            <a:endParaRPr lang="en-US" sz="5400" b="0" cap="none" spc="0" dirty="0">
+              <a:ln w="0"/>
+              <a:solidFill>
+                <a:schemeClr val="tx1"/>
+              </a:solidFill>
+              <a:effectLst>
+                <a:outerShdw blurRad="38100" dist="19050" dir="2700000" algn="tl" rotWithShape="0">
+                  <a:schemeClr val="dk1">
+                    <a:alpha val="40000"/>
+                  </a:schemeClr>
+                </a:outerShdw>
+              </a:effectLst>
+            </a:endParaRPr>
+          </a:p>
+        </p:txBody>
+      </p:sp>
+      <p:sp>
+        <p:nvSpPr>
+          <p:cNvPr id="6" name="TextBox 5">
+            <a:extLst>
+              <a:ext uri="{FF2B5EF4-FFF2-40B4-BE49-F238E27FC236}">
+                <a16:creationId xmlns:a16="http://schemas.microsoft.com/office/drawing/2014/main" id="{F21C8A41-49AB-D2C6-7D76-2BB17503FD43}"/>
+              </a:ext>
+            </a:extLst>
+          </p:cNvPr>
+          <p:cNvSpPr txBox="1"/>
+          <p:nvPr/>
+        </p:nvSpPr>
+        <p:spPr>
+          <a:xfrm>
+            <a:off x="145704" y="2421604"/>
+            <a:ext cx="7361067" cy="923330"/>
+          </a:xfrm>
+          <a:prstGeom prst="rect">
+            <a:avLst/>
+          </a:prstGeom>
+          <a:noFill/>
+          <a:ln w="28575">
+            <a:solidFill>
+              <a:schemeClr val="tx1"/>
+            </a:solidFill>
+          </a:ln>
+        </p:spPr>
+        <p:txBody>
+          <a:bodyPr wrap="square">
+            <a:spAutoFit/>
+          </a:bodyPr>
+          <a:lstStyle/>
+          <a:p>
+            <a:r>
+              <a:rPr lang="en-CA" dirty="0"/>
+              <a:t>import Button from 'react-bootstrap/Button';</a:t>
+            </a:r>
+          </a:p>
+          <a:p>
+            <a:r>
+              <a:rPr lang="en-CA" dirty="0"/>
+              <a:t>import 'bootstrap/</a:t>
+            </a:r>
+            <a:r>
+              <a:rPr lang="en-CA" dirty="0" err="1"/>
+              <a:t>dist</a:t>
+            </a:r>
+            <a:r>
+              <a:rPr lang="en-CA" dirty="0"/>
+              <a:t>/</a:t>
+            </a:r>
+            <a:r>
+              <a:rPr lang="en-CA" dirty="0" err="1"/>
+              <a:t>css</a:t>
+            </a:r>
+            <a:r>
+              <a:rPr lang="en-CA" dirty="0"/>
+              <a:t>/bootstrap.css';</a:t>
+            </a:r>
+          </a:p>
+          <a:p>
+            <a:r>
+              <a:rPr lang="en-CA" dirty="0"/>
+              <a:t>import Container from 'react-bootstrap/Container';</a:t>
+            </a:r>
+          </a:p>
+        </p:txBody>
+      </p:sp>
+      <p:sp>
+        <p:nvSpPr>
+          <p:cNvPr id="5" name="TextBox 4">
+            <a:extLst>
+              <a:ext uri="{FF2B5EF4-FFF2-40B4-BE49-F238E27FC236}">
+                <a16:creationId xmlns:a16="http://schemas.microsoft.com/office/drawing/2014/main" id="{68CCD43A-3F42-D946-4616-FDA89915E8F1}"/>
+              </a:ext>
+            </a:extLst>
+          </p:cNvPr>
+          <p:cNvSpPr txBox="1"/>
+          <p:nvPr/>
+        </p:nvSpPr>
+        <p:spPr>
+          <a:xfrm>
+            <a:off x="5508527" y="3456451"/>
+            <a:ext cx="2076466" cy="369332"/>
+          </a:xfrm>
+          <a:prstGeom prst="rect">
+            <a:avLst/>
+          </a:prstGeom>
+          <a:solidFill>
+            <a:schemeClr val="accent2"/>
+          </a:solidFill>
+          <a:ln w="19050">
+            <a:solidFill>
+              <a:schemeClr val="tx1"/>
+            </a:solidFill>
+          </a:ln>
+        </p:spPr>
+        <p:txBody>
+          <a:bodyPr wrap="none" rtlCol="0">
+            <a:spAutoFit/>
+          </a:bodyPr>
+          <a:lstStyle/>
+          <a:p>
+            <a:r>
+              <a:rPr lang="en-CA" dirty="0"/>
+              <a:t>Test your changes</a:t>
+            </a:r>
+          </a:p>
+        </p:txBody>
+      </p:sp>
+      <p:sp>
+        <p:nvSpPr>
+          <p:cNvPr id="14" name="TextBox 13">
+            <a:extLst>
+              <a:ext uri="{FF2B5EF4-FFF2-40B4-BE49-F238E27FC236}">
+                <a16:creationId xmlns:a16="http://schemas.microsoft.com/office/drawing/2014/main" id="{ABD0861B-2C8B-4BC2-BA6A-5CD0DFF70086}"/>
+              </a:ext>
+            </a:extLst>
+          </p:cNvPr>
+          <p:cNvSpPr txBox="1"/>
+          <p:nvPr/>
+        </p:nvSpPr>
+        <p:spPr>
+          <a:xfrm>
+            <a:off x="89171" y="3480174"/>
+            <a:ext cx="3740495" cy="369332"/>
+          </a:xfrm>
+          <a:prstGeom prst="rect">
+            <a:avLst/>
+          </a:prstGeom>
+          <a:noFill/>
+        </p:spPr>
+        <p:txBody>
+          <a:bodyPr wrap="square">
+            <a:spAutoFit/>
+          </a:bodyPr>
+          <a:lstStyle/>
+          <a:p>
+            <a:r>
+              <a:rPr lang="en-US" dirty="0">
+                <a:solidFill>
+                  <a:srgbClr val="00B050"/>
+                </a:solidFill>
+                <a:latin typeface="Segoe UI" panose="020B0502040204020203" pitchFamily="34" charset="0"/>
+              </a:rPr>
+              <a:t>//Add your Footer()</a:t>
+            </a:r>
+            <a:endParaRPr lang="en-US" sz="2000" dirty="0">
+              <a:solidFill>
+                <a:srgbClr val="00B050"/>
+              </a:solidFill>
+              <a:effectLst/>
+              <a:latin typeface="Arial" panose="020B0604020202020204" pitchFamily="34" charset="0"/>
+            </a:endParaRPr>
+          </a:p>
+        </p:txBody>
+      </p:sp>
+      <p:sp>
+        <p:nvSpPr>
+          <p:cNvPr id="16" name="TextBox 15">
+            <a:extLst>
+              <a:ext uri="{FF2B5EF4-FFF2-40B4-BE49-F238E27FC236}">
+                <a16:creationId xmlns:a16="http://schemas.microsoft.com/office/drawing/2014/main" id="{67D8CD63-89DC-AAC1-4006-198E85165659}"/>
+              </a:ext>
+            </a:extLst>
+          </p:cNvPr>
+          <p:cNvSpPr txBox="1"/>
+          <p:nvPr/>
+        </p:nvSpPr>
+        <p:spPr>
+          <a:xfrm>
+            <a:off x="177398" y="3825783"/>
+            <a:ext cx="7417600" cy="4247317"/>
+          </a:xfrm>
+          <a:prstGeom prst="rect">
+            <a:avLst/>
+          </a:prstGeom>
+          <a:noFill/>
+          <a:ln w="28575">
+            <a:solidFill>
+              <a:schemeClr val="tx1"/>
+            </a:solidFill>
+          </a:ln>
+        </p:spPr>
+        <p:txBody>
+          <a:bodyPr wrap="square">
+            <a:spAutoFit/>
+          </a:bodyPr>
+          <a:lstStyle/>
+          <a:p>
+            <a:r>
+              <a:rPr lang="en-CA" dirty="0"/>
+              <a:t>const Footer = (props) =&gt; {</a:t>
+            </a:r>
+          </a:p>
+          <a:p>
+            <a:br>
+              <a:rPr lang="en-CA" dirty="0"/>
+            </a:br>
+            <a:r>
+              <a:rPr lang="en-CA" dirty="0"/>
+              <a:t>    return (</a:t>
+            </a:r>
+          </a:p>
+          <a:p>
+            <a:r>
+              <a:rPr lang="en-CA" dirty="0"/>
+              <a:t>      &lt;Container </a:t>
+            </a:r>
+            <a:r>
+              <a:rPr lang="en-CA" dirty="0" err="1"/>
+              <a:t>className</a:t>
+            </a:r>
+            <a:r>
+              <a:rPr lang="en-CA" dirty="0"/>
+              <a:t> = {</a:t>
+            </a:r>
+            <a:r>
+              <a:rPr lang="en-CA" dirty="0" err="1"/>
+              <a:t>props.className</a:t>
+            </a:r>
+            <a:r>
+              <a:rPr lang="en-CA" dirty="0"/>
+              <a:t>} &gt;</a:t>
+            </a:r>
+          </a:p>
+          <a:p>
+            <a:endParaRPr lang="en-CA" dirty="0"/>
+          </a:p>
+          <a:p>
+            <a:r>
+              <a:rPr lang="en-CA" dirty="0"/>
+              <a:t>            &lt;Button </a:t>
+            </a:r>
+            <a:r>
+              <a:rPr lang="en-CA" dirty="0" err="1"/>
+              <a:t>className</a:t>
+            </a:r>
+            <a:r>
+              <a:rPr lang="en-CA" dirty="0"/>
+              <a:t>="text-uppercase  </a:t>
+            </a:r>
+            <a:r>
+              <a:rPr lang="en-CA" dirty="0" err="1"/>
+              <a:t>btn</a:t>
+            </a:r>
+            <a:r>
+              <a:rPr lang="en-CA" dirty="0"/>
+              <a:t>-outline-danger gap" </a:t>
+            </a:r>
+          </a:p>
+          <a:p>
+            <a:r>
+              <a:rPr lang="en-CA" dirty="0"/>
+              <a:t>                          variant='none'&gt;  add/update</a:t>
+            </a:r>
+          </a:p>
+          <a:p>
+            <a:r>
+              <a:rPr lang="en-CA" dirty="0"/>
+              <a:t>            &lt;/Button&gt;</a:t>
+            </a:r>
+          </a:p>
+          <a:p>
+            <a:endParaRPr lang="en-CA" dirty="0"/>
+          </a:p>
+          <a:p>
+            <a:r>
+              <a:rPr lang="en-CA" dirty="0"/>
+              <a:t>            &lt;Button </a:t>
+            </a:r>
+            <a:r>
+              <a:rPr lang="en-CA" dirty="0" err="1"/>
+              <a:t>className</a:t>
+            </a:r>
+            <a:r>
+              <a:rPr lang="en-CA" dirty="0"/>
+              <a:t>="text-uppercase  </a:t>
+            </a:r>
+            <a:r>
+              <a:rPr lang="en-CA" dirty="0" err="1"/>
+              <a:t>btn</a:t>
+            </a:r>
+            <a:r>
+              <a:rPr lang="en-CA" dirty="0"/>
+              <a:t>-outline-warning" </a:t>
+            </a:r>
+          </a:p>
+          <a:p>
+            <a:r>
+              <a:rPr lang="en-CA" dirty="0"/>
+              <a:t>                           variant='none’ &gt; clear</a:t>
+            </a:r>
+          </a:p>
+          <a:p>
+            <a:r>
+              <a:rPr lang="en-CA" dirty="0"/>
+              <a:t>            &lt;/Button&gt;</a:t>
+            </a:r>
+          </a:p>
+          <a:p>
+            <a:r>
+              <a:rPr lang="en-CA" dirty="0"/>
+              <a:t>          </a:t>
+            </a:r>
+          </a:p>
+          <a:p>
+            <a:r>
+              <a:rPr lang="en-CA" dirty="0"/>
+              <a:t>      &lt;/Container&gt;</a:t>
+            </a:r>
+          </a:p>
+          <a:p>
+            <a:r>
+              <a:rPr lang="en-CA" dirty="0"/>
+              <a:t>    );  } export default Footer;</a:t>
+            </a:r>
+          </a:p>
+        </p:txBody>
+      </p:sp>
+      <p:sp>
+        <p:nvSpPr>
+          <p:cNvPr id="18" name="TextBox 17">
+            <a:extLst>
+              <a:ext uri="{FF2B5EF4-FFF2-40B4-BE49-F238E27FC236}">
+                <a16:creationId xmlns:a16="http://schemas.microsoft.com/office/drawing/2014/main" id="{F1D8E5AA-40A3-4DEA-CC38-55B9C34378B6}"/>
+              </a:ext>
+            </a:extLst>
+          </p:cNvPr>
+          <p:cNvSpPr txBox="1"/>
+          <p:nvPr/>
+        </p:nvSpPr>
+        <p:spPr>
+          <a:xfrm>
+            <a:off x="5704957" y="3833216"/>
+            <a:ext cx="1860061" cy="369332"/>
+          </a:xfrm>
+          <a:prstGeom prst="rect">
+            <a:avLst/>
+          </a:prstGeom>
+          <a:solidFill>
+            <a:srgbClr val="FF0000"/>
+          </a:solidFill>
+          <a:ln w="19050">
+            <a:solidFill>
+              <a:schemeClr val="tx1"/>
+            </a:solidFill>
+          </a:ln>
+        </p:spPr>
+        <p:txBody>
+          <a:bodyPr wrap="none" rtlCol="0">
+            <a:spAutoFit/>
+          </a:bodyPr>
+          <a:lstStyle/>
+          <a:p>
+            <a:r>
+              <a:rPr lang="en-CA" dirty="0">
+                <a:solidFill>
+                  <a:schemeClr val="bg1"/>
+                </a:solidFill>
+              </a:rPr>
+              <a:t>What’s missing?</a:t>
+            </a:r>
+          </a:p>
+        </p:txBody>
+      </p:sp>
+      <p:sp>
+        <p:nvSpPr>
+          <p:cNvPr id="10" name="TextBox 9">
+            <a:extLst>
+              <a:ext uri="{FF2B5EF4-FFF2-40B4-BE49-F238E27FC236}">
+                <a16:creationId xmlns:a16="http://schemas.microsoft.com/office/drawing/2014/main" id="{515891F8-8DE9-B221-5E24-D033601046E4}"/>
+              </a:ext>
+            </a:extLst>
+          </p:cNvPr>
+          <p:cNvSpPr txBox="1"/>
+          <p:nvPr/>
+        </p:nvSpPr>
+        <p:spPr>
+          <a:xfrm>
+            <a:off x="60905" y="9412069"/>
+            <a:ext cx="7417600" cy="646331"/>
+          </a:xfrm>
+          <a:prstGeom prst="rect">
+            <a:avLst/>
+          </a:prstGeom>
+          <a:noFill/>
+        </p:spPr>
+        <p:txBody>
+          <a:bodyPr wrap="square">
+            <a:spAutoFit/>
+          </a:bodyPr>
+          <a:lstStyle/>
+          <a:p>
+            <a:pPr algn="just"/>
+            <a:r>
+              <a:rPr lang="en-US" dirty="0">
+                <a:highlight>
+                  <a:srgbClr val="FFFF00"/>
+                </a:highlight>
+                <a:latin typeface="Segoe UI" panose="020B0502040204020203" pitchFamily="34" charset="0"/>
+              </a:rPr>
+              <a:t>&lt;&gt;: </a:t>
+            </a:r>
+            <a:r>
+              <a:rPr lang="en-US" dirty="0">
+                <a:latin typeface="Segoe UI" panose="020B0502040204020203" pitchFamily="34" charset="0"/>
+              </a:rPr>
+              <a:t>return must return one element only. One way is to use &lt;&gt; to wrap elements. You may use &lt;div&gt; instead.</a:t>
+            </a:r>
+            <a:endParaRPr lang="en-US" sz="2000" dirty="0">
+              <a:effectLst/>
+              <a:latin typeface="Arial" panose="020B0604020202020204" pitchFamily="34" charset="0"/>
+            </a:endParaRPr>
+          </a:p>
+        </p:txBody>
+      </p:sp>
+      <p:pic>
+        <p:nvPicPr>
+          <p:cNvPr id="9" name="Picture 8">
+            <a:extLst>
+              <a:ext uri="{FF2B5EF4-FFF2-40B4-BE49-F238E27FC236}">
+                <a16:creationId xmlns:a16="http://schemas.microsoft.com/office/drawing/2014/main" id="{7D6B754E-977F-0645-9F90-2D1BC3502B08}"/>
+              </a:ext>
+            </a:extLst>
+          </p:cNvPr>
+          <p:cNvPicPr>
+            <a:picLocks noChangeAspect="1"/>
+          </p:cNvPicPr>
+          <p:nvPr/>
+        </p:nvPicPr>
+        <p:blipFill>
+          <a:blip r:embed="rId3"/>
+          <a:stretch>
+            <a:fillRect/>
+          </a:stretch>
+        </p:blipFill>
+        <p:spPr>
+          <a:xfrm>
+            <a:off x="0" y="921913"/>
+            <a:ext cx="7772400" cy="1195754"/>
+          </a:xfrm>
+          <a:prstGeom prst="rect">
+            <a:avLst/>
+          </a:prstGeom>
+        </p:spPr>
+      </p:pic>
+      <p:sp>
+        <p:nvSpPr>
+          <p:cNvPr id="13" name="TextBox 12">
+            <a:extLst>
+              <a:ext uri="{FF2B5EF4-FFF2-40B4-BE49-F238E27FC236}">
+                <a16:creationId xmlns:a16="http://schemas.microsoft.com/office/drawing/2014/main" id="{513C14BC-EF27-D201-1A57-7B3F9A99AA2B}"/>
+              </a:ext>
+            </a:extLst>
+          </p:cNvPr>
+          <p:cNvSpPr txBox="1"/>
+          <p:nvPr/>
+        </p:nvSpPr>
+        <p:spPr>
+          <a:xfrm>
+            <a:off x="145704" y="1986187"/>
+            <a:ext cx="6910934" cy="369332"/>
+          </a:xfrm>
+          <a:prstGeom prst="rect">
+            <a:avLst/>
+          </a:prstGeom>
+          <a:noFill/>
+        </p:spPr>
+        <p:txBody>
+          <a:bodyPr wrap="square">
+            <a:spAutoFit/>
+          </a:bodyPr>
+          <a:lstStyle/>
+          <a:p>
+            <a:r>
+              <a:rPr lang="en-US" dirty="0">
+                <a:solidFill>
+                  <a:srgbClr val="00B050"/>
+                </a:solidFill>
+                <a:latin typeface="Segoe UI" panose="020B0502040204020203" pitchFamily="34" charset="0"/>
+              </a:rPr>
+              <a:t>//add imports to Footer.js</a:t>
+            </a:r>
+            <a:endParaRPr lang="en-US" sz="2000" dirty="0">
+              <a:solidFill>
+                <a:srgbClr val="00B050"/>
+              </a:solidFill>
+              <a:effectLst/>
+              <a:latin typeface="Arial" panose="020B0604020202020204" pitchFamily="34" charset="0"/>
+            </a:endParaRPr>
+          </a:p>
+        </p:txBody>
+      </p:sp>
+      <p:pic>
+        <p:nvPicPr>
+          <p:cNvPr id="20" name="Picture 19">
+            <a:extLst>
+              <a:ext uri="{FF2B5EF4-FFF2-40B4-BE49-F238E27FC236}">
+                <a16:creationId xmlns:a16="http://schemas.microsoft.com/office/drawing/2014/main" id="{374C00F7-1216-8526-DEB5-FFCECBDEB7AF}"/>
+              </a:ext>
+            </a:extLst>
+          </p:cNvPr>
+          <p:cNvPicPr>
+            <a:picLocks noChangeAspect="1"/>
+          </p:cNvPicPr>
+          <p:nvPr/>
+        </p:nvPicPr>
+        <p:blipFill>
+          <a:blip r:embed="rId4"/>
+          <a:stretch>
+            <a:fillRect/>
+          </a:stretch>
+        </p:blipFill>
+        <p:spPr>
+          <a:xfrm>
+            <a:off x="177398" y="8442432"/>
+            <a:ext cx="6334125" cy="1038225"/>
+          </a:xfrm>
+          <a:prstGeom prst="rect">
+            <a:avLst/>
+          </a:prstGeom>
+        </p:spPr>
+      </p:pic>
+      <p:sp>
+        <p:nvSpPr>
+          <p:cNvPr id="22" name="TextBox 21">
+            <a:extLst>
+              <a:ext uri="{FF2B5EF4-FFF2-40B4-BE49-F238E27FC236}">
+                <a16:creationId xmlns:a16="http://schemas.microsoft.com/office/drawing/2014/main" id="{61D0DBF9-FA13-F0A1-24ED-BC47C06F0BDC}"/>
+              </a:ext>
+            </a:extLst>
+          </p:cNvPr>
+          <p:cNvSpPr txBox="1"/>
+          <p:nvPr/>
+        </p:nvSpPr>
+        <p:spPr>
+          <a:xfrm>
+            <a:off x="145704" y="8049377"/>
+            <a:ext cx="4174760" cy="369332"/>
+          </a:xfrm>
+          <a:prstGeom prst="rect">
+            <a:avLst/>
+          </a:prstGeom>
+          <a:noFill/>
+        </p:spPr>
+        <p:txBody>
+          <a:bodyPr wrap="square">
+            <a:spAutoFit/>
+          </a:bodyPr>
+          <a:lstStyle/>
+          <a:p>
+            <a:pPr algn="just"/>
+            <a:r>
+              <a:rPr lang="en-US" b="1" u="sng" dirty="0">
+                <a:latin typeface="Segoe UI" panose="020B0502040204020203" pitchFamily="34" charset="0"/>
+              </a:rPr>
+              <a:t>Main() Error</a:t>
+            </a:r>
+          </a:p>
+        </p:txBody>
+      </p:sp>
+    </p:spTree>
+    <p:extLst>
+      <p:ext uri="{BB962C8B-B14F-4D97-AF65-F5344CB8AC3E}">
+        <p14:creationId xmlns:p14="http://schemas.microsoft.com/office/powerpoint/2010/main" val="531484508"/>
+      </p:ext>
+    </p:extLst>
+  </p:cSld>
+  <p:clrMapOvr>
+    <a:masterClrMapping/>
+  </p:clrMapOvr>
+  <p:timing>
+    <p:tnLst>
+      <p:par>
+        <p:cTn id="1" dur="indefinite" restart="never" nodeType="tmRoot">
+          <p:childTnLst>
+            <p:seq concurrent="1" nextAc="seek">
+              <p:cTn id="2" dur="indefinite" nodeType="mainSeq">
+                <p:childTnLst>
+                  <p:par>
+                    <p:cTn id="3" fill="hold">
+                      <p:stCondLst>
+                        <p:cond delay="indefinite"/>
+                      </p:stCondLst>
+                      <p:childTnLst>
+                        <p:par>
+                          <p:cTn id="4" fill="hold">
+                            <p:stCondLst>
+                              <p:cond delay="0"/>
+                            </p:stCondLst>
+                            <p:childTnLst>
+                              <p:par>
+                                <p:cTn id="5" presetID="1" presetClass="entr" presetSubtype="0" fill="hold" grpId="0" nodeType="clickEffect">
+                                  <p:stCondLst>
+                                    <p:cond delay="0"/>
+                                  </p:stCondLst>
+                                  <p:childTnLst>
+                                    <p:set>
+                                      <p:cBhvr>
+                                        <p:cTn id="6" dur="1" fill="hold">
+                                          <p:stCondLst>
+                                            <p:cond delay="0"/>
+                                          </p:stCondLst>
+                                        </p:cTn>
+                                        <p:tgtEl>
+                                          <p:spTgt spid="13"/>
+                                        </p:tgtEl>
+                                        <p:attrNameLst>
+                                          <p:attrName>style.visibility</p:attrName>
+                                        </p:attrNameLst>
+                                      </p:cBhvr>
+                                      <p:to>
+                                        <p:strVal val="visible"/>
+                                      </p:to>
+                                    </p:set>
+                                  </p:childTnLst>
+                                </p:cTn>
+                              </p:par>
+                            </p:childTnLst>
+                          </p:cTn>
+                        </p:par>
+                      </p:childTnLst>
+                    </p:cTn>
+                  </p:par>
+                  <p:par>
+                    <p:cTn id="7" fill="hold">
+                      <p:stCondLst>
+                        <p:cond delay="indefinite"/>
+                      </p:stCondLst>
+                      <p:childTnLst>
+                        <p:par>
+                          <p:cTn id="8" fill="hold">
+                            <p:stCondLst>
+                              <p:cond delay="0"/>
+                            </p:stCondLst>
+                            <p:childTnLst>
+                              <p:par>
+                                <p:cTn id="9" presetID="1" presetClass="entr" presetSubtype="0" fill="hold" grpId="0" nodeType="clickEffect">
+                                  <p:stCondLst>
+                                    <p:cond delay="0"/>
+                                  </p:stCondLst>
+                                  <p:childTnLst>
+                                    <p:set>
+                                      <p:cBhvr>
+                                        <p:cTn id="10" dur="1" fill="hold">
+                                          <p:stCondLst>
+                                            <p:cond delay="0"/>
+                                          </p:stCondLst>
+                                        </p:cTn>
+                                        <p:tgtEl>
+                                          <p:spTgt spid="6"/>
+                                        </p:tgtEl>
+                                        <p:attrNameLst>
+                                          <p:attrName>style.visibility</p:attrName>
+                                        </p:attrNameLst>
+                                      </p:cBhvr>
+                                      <p:to>
+                                        <p:strVal val="visible"/>
+                                      </p:to>
+                                    </p:set>
+                                  </p:childTnLst>
+                                </p:cTn>
+                              </p:par>
+                            </p:childTnLst>
+                          </p:cTn>
+                        </p:par>
+                      </p:childTnLst>
+                    </p:cTn>
+                  </p:par>
+                  <p:par>
+                    <p:cTn id="11" fill="hold">
+                      <p:stCondLst>
+                        <p:cond delay="indefinite"/>
+                      </p:stCondLst>
+                      <p:childTnLst>
+                        <p:par>
+                          <p:cTn id="12" fill="hold">
+                            <p:stCondLst>
+                              <p:cond delay="0"/>
+                            </p:stCondLst>
+                            <p:childTnLst>
+                              <p:par>
+                                <p:cTn id="13" presetID="1" presetClass="entr" presetSubtype="0" fill="hold" grpId="0" nodeType="clickEffect">
+                                  <p:stCondLst>
+                                    <p:cond delay="0"/>
+                                  </p:stCondLst>
+                                  <p:childTnLst>
+                                    <p:set>
+                                      <p:cBhvr>
+                                        <p:cTn id="14" dur="1" fill="hold">
+                                          <p:stCondLst>
+                                            <p:cond delay="0"/>
+                                          </p:stCondLst>
+                                        </p:cTn>
+                                        <p:tgtEl>
+                                          <p:spTgt spid="14"/>
+                                        </p:tgtEl>
+                                        <p:attrNameLst>
+                                          <p:attrName>style.visibility</p:attrName>
+                                        </p:attrNameLst>
+                                      </p:cBhvr>
+                                      <p:to>
+                                        <p:strVal val="visible"/>
+                                      </p:to>
+                                    </p:set>
+                                  </p:childTnLst>
+                                </p:cTn>
+                              </p:par>
+                            </p:childTnLst>
+                          </p:cTn>
+                        </p:par>
+                      </p:childTnLst>
+                    </p:cTn>
+                  </p:par>
+                  <p:par>
+                    <p:cTn id="15" fill="hold">
+                      <p:stCondLst>
+                        <p:cond delay="indefinite"/>
+                      </p:stCondLst>
+                      <p:childTnLst>
+                        <p:par>
+                          <p:cTn id="16" fill="hold">
+                            <p:stCondLst>
+                              <p:cond delay="0"/>
+                            </p:stCondLst>
+                            <p:childTnLst>
+                              <p:par>
+                                <p:cTn id="17" presetID="1" presetClass="entr" presetSubtype="0" fill="hold" grpId="0" nodeType="clickEffect">
+                                  <p:stCondLst>
+                                    <p:cond delay="0"/>
+                                  </p:stCondLst>
+                                  <p:childTnLst>
+                                    <p:set>
+                                      <p:cBhvr>
+                                        <p:cTn id="18" dur="1" fill="hold">
+                                          <p:stCondLst>
+                                            <p:cond delay="0"/>
+                                          </p:stCondLst>
+                                        </p:cTn>
+                                        <p:tgtEl>
                                           <p:spTgt spid="16"/>
                                         </p:tgtEl>
                                         <p:attrNameLst>
@@ -17884,7 +21076,7 @@
                                           </p:stCondLst>
                                         </p:cTn>
                                         <p:tgtEl>
-                                          <p:spTgt spid="2"/>
+                                          <p:spTgt spid="5"/>
                                         </p:tgtEl>
                                         <p:attrNameLst>
                                           <p:attrName>style.visibility</p:attrName>
@@ -17929,7 +21121,7 @@
                                           </p:stCondLst>
                                         </p:cTn>
                                         <p:tgtEl>
-                                          <p:spTgt spid="9"/>
+                                          <p:spTgt spid="18"/>
                                         </p:tgtEl>
                                         <p:attrNameLst>
                                           <p:attrName>style.visibility</p:attrName>
@@ -17974,7 +21166,7 @@
                                           </p:stCondLst>
                                         </p:cTn>
                                         <p:tgtEl>
-                                          <p:spTgt spid="10"/>
+                                          <p:spTgt spid="22"/>
                                         </p:tgtEl>
                                         <p:attrNameLst>
                                           <p:attrName>style.visibility</p:attrName>
@@ -17987,26 +21179,35 @@
                                   </p:childTnLst>
                                 </p:cTn>
                               </p:par>
-                            </p:childTnLst>
-                          </p:cTn>
-                        </p:par>
-                      </p:childTnLst>
-                    </p:cTn>
-                  </p:par>
-                  <p:par>
-                    <p:cTn id="31" fill="hold">
-                      <p:stCondLst>
-                        <p:cond delay="indefinite"/>
-                      </p:stCondLst>
-                      <p:childTnLst>
-                        <p:par>
-                          <p:cTn id="32" fill="hold">
-                            <p:stCondLst>
-                              <p:cond delay="0"/>
-                            </p:stCondLst>
-                            <p:childTnLst>
                               <p:par>
-                                <p:cTn id="33" presetID="1" presetClass="entr" presetSubtype="0" fill="hold" grpId="0" nodeType="clickEffect">
+                                <p:cTn id="31" presetID="1" presetClass="entr" presetSubtype="0" fill="hold" nodeType="withEffect">
+                                  <p:stCondLst>
+                                    <p:cond delay="0"/>
+                                  </p:stCondLst>
+                                  <p:childTnLst>
+                                    <p:set>
+                                      <p:cBhvr>
+                                        <p:cTn id="32" dur="1" fill="hold">
+                                          <p:stCondLst>
+                                            <p:cond delay="0"/>
+                                          </p:stCondLst>
+                                        </p:cTn>
+                                        <p:tgtEl>
+                                          <p:spTgt spid="20"/>
+                                        </p:tgtEl>
+                                        <p:attrNameLst>
+                                          <p:attrName>style.visibility</p:attrName>
+                                        </p:attrNameLst>
+                                      </p:cBhvr>
+                                      <p:to>
+                                        <p:strVal val="visible"/>
+                                      </p:to>
+                                    </p:set>
+                                  </p:childTnLst>
+                                </p:cTn>
+                              </p:par>
+                              <p:par>
+                                <p:cTn id="33" presetID="1" presetClass="entr" presetSubtype="0" fill="hold" grpId="0" nodeType="withEffect">
                                   <p:stCondLst>
                                     <p:cond delay="0"/>
                                   </p:stCondLst>
@@ -18019,7 +21220,7 @@
                                           </p:stCondLst>
                                         </p:cTn>
                                         <p:tgtEl>
-                                          <p:spTgt spid="12"/>
+                                          <p:spTgt spid="10"/>
                                         </p:tgtEl>
                                         <p:attrNameLst>
                                           <p:attrName>style.visibility</p:attrName>
@@ -18061,13 +21262,13 @@
     </p:tnLst>
     <p:bldLst>
       <p:bldP spid="6" grpId="0" animBg="1"/>
-      <p:bldP spid="15" grpId="0"/>
-      <p:bldP spid="16" grpId="0"/>
-      <p:bldP spid="17" grpId="0"/>
-      <p:bldP spid="2" grpId="0"/>
-      <p:bldP spid="9" grpId="0"/>
+      <p:bldP spid="5" grpId="0" animBg="1"/>
+      <p:bldP spid="14" grpId="0"/>
+      <p:bldP spid="16" grpId="0" animBg="1"/>
+      <p:bldP spid="18" grpId="0" animBg="1"/>
       <p:bldP spid="10" grpId="0"/>
-      <p:bldP spid="12" grpId="0" animBg="1"/>
+      <p:bldP spid="13" grpId="0"/>
+      <p:bldP spid="22" grpId="0"/>
     </p:bldLst>
   </p:timing>
   <p:extLst>
@@ -18075,96 +21276,6 @@
       <p188:commentRel xmlns:p188="http://schemas.microsoft.com/office/powerpoint/2018/8/main" r:id="rId2"/>
     </p:ext>
   </p:extLst>
-</p:sld>
-</file>
-
-<file path=ppt/slides/slide26.xml><?xml version="1.0" encoding="utf-8"?>
-<p:sld xmlns:a="http://schemas.openxmlformats.org/drawingml/2006/main" xmlns:r="http://schemas.openxmlformats.org/officeDocument/2006/relationships" xmlns:p="http://schemas.openxmlformats.org/presentationml/2006/main">
-  <p:cSld>
-    <p:spTree>
-      <p:nvGrpSpPr>
-        <p:cNvPr id="1" name=""/>
-        <p:cNvGrpSpPr/>
-        <p:nvPr/>
-      </p:nvGrpSpPr>
-      <p:grpSpPr>
-        <a:xfrm>
-          <a:off x="0" y="0"/>
-          <a:ext cx="0" cy="0"/>
-          <a:chOff x="0" y="0"/>
-          <a:chExt cx="0" cy="0"/>
-        </a:xfrm>
-      </p:grpSpPr>
-    </p:spTree>
-    <p:extLst>
-      <p:ext uri="{BB962C8B-B14F-4D97-AF65-F5344CB8AC3E}">
-        <p14:creationId xmlns:p14="http://schemas.microsoft.com/office/powerpoint/2010/main" val="1145679654"/>
-      </p:ext>
-    </p:extLst>
-  </p:cSld>
-  <p:clrMapOvr>
-    <a:masterClrMapping/>
-  </p:clrMapOvr>
-</p:sld>
-</file>
-
-<file path=ppt/slides/slide27.xml><?xml version="1.0" encoding="utf-8"?>
-<p:sld xmlns:a="http://schemas.openxmlformats.org/drawingml/2006/main" xmlns:r="http://schemas.openxmlformats.org/officeDocument/2006/relationships" xmlns:p="http://schemas.openxmlformats.org/presentationml/2006/main">
-  <p:cSld>
-    <p:spTree>
-      <p:nvGrpSpPr>
-        <p:cNvPr id="1" name=""/>
-        <p:cNvGrpSpPr/>
-        <p:nvPr/>
-      </p:nvGrpSpPr>
-      <p:grpSpPr>
-        <a:xfrm>
-          <a:off x="0" y="0"/>
-          <a:ext cx="0" cy="0"/>
-          <a:chOff x="0" y="0"/>
-          <a:chExt cx="0" cy="0"/>
-        </a:xfrm>
-      </p:grpSpPr>
-    </p:spTree>
-    <p:extLst>
-      <p:ext uri="{BB962C8B-B14F-4D97-AF65-F5344CB8AC3E}">
-        <p14:creationId xmlns:p14="http://schemas.microsoft.com/office/powerpoint/2010/main" val="2120646761"/>
-      </p:ext>
-    </p:extLst>
-  </p:cSld>
-  <p:clrMapOvr>
-    <a:masterClrMapping/>
-  </p:clrMapOvr>
-</p:sld>
-</file>
-
-<file path=ppt/slides/slide28.xml><?xml version="1.0" encoding="utf-8"?>
-<p:sld xmlns:a="http://schemas.openxmlformats.org/drawingml/2006/main" xmlns:r="http://schemas.openxmlformats.org/officeDocument/2006/relationships" xmlns:p="http://schemas.openxmlformats.org/presentationml/2006/main">
-  <p:cSld>
-    <p:spTree>
-      <p:nvGrpSpPr>
-        <p:cNvPr id="1" name=""/>
-        <p:cNvGrpSpPr/>
-        <p:nvPr/>
-      </p:nvGrpSpPr>
-      <p:grpSpPr>
-        <a:xfrm>
-          <a:off x="0" y="0"/>
-          <a:ext cx="0" cy="0"/>
-          <a:chOff x="0" y="0"/>
-          <a:chExt cx="0" cy="0"/>
-        </a:xfrm>
-      </p:grpSpPr>
-    </p:spTree>
-    <p:extLst>
-      <p:ext uri="{BB962C8B-B14F-4D97-AF65-F5344CB8AC3E}">
-        <p14:creationId xmlns:p14="http://schemas.microsoft.com/office/powerpoint/2010/main" val="717334263"/>
-      </p:ext>
-    </p:extLst>
-  </p:cSld>
-  <p:clrMapOvr>
-    <a:masterClrMapping/>
-  </p:clrMapOvr>
 </p:sld>
 </file>
 
@@ -18185,16 +21296,544 @@
           <a:chExt cx="0" cy="0"/>
         </a:xfrm>
       </p:grpSpPr>
+      <p:sp>
+        <p:nvSpPr>
+          <p:cNvPr id="8" name="Rectangle 7">
+            <a:extLst>
+              <a:ext uri="{FF2B5EF4-FFF2-40B4-BE49-F238E27FC236}">
+                <a16:creationId xmlns:a16="http://schemas.microsoft.com/office/drawing/2014/main" id="{158F95D5-BE54-3736-1783-2E5501BC5DA8}"/>
+              </a:ext>
+            </a:extLst>
+          </p:cNvPr>
+          <p:cNvSpPr/>
+          <p:nvPr/>
+        </p:nvSpPr>
+        <p:spPr>
+          <a:xfrm>
+            <a:off x="75075" y="0"/>
+            <a:ext cx="7389267" cy="923330"/>
+          </a:xfrm>
+          <a:prstGeom prst="rect">
+            <a:avLst/>
+          </a:prstGeom>
+          <a:noFill/>
+        </p:spPr>
+        <p:txBody>
+          <a:bodyPr wrap="none" lIns="91440" tIns="45720" rIns="91440" bIns="45720">
+            <a:spAutoFit/>
+          </a:bodyPr>
+          <a:lstStyle/>
+          <a:p>
+            <a:pPr algn="ctr"/>
+            <a:r>
+              <a:rPr lang="en-US" sz="5400" b="0" cap="none" spc="0" dirty="0">
+                <a:ln w="0"/>
+                <a:solidFill>
+                  <a:schemeClr val="tx1"/>
+                </a:solidFill>
+                <a:effectLst>
+                  <a:outerShdw blurRad="38100" dist="19050" dir="2700000" algn="tl" rotWithShape="0">
+                    <a:schemeClr val="dk1">
+                      <a:alpha val="40000"/>
+                    </a:schemeClr>
+                  </a:outerShdw>
+                </a:effectLst>
+              </a:rPr>
+              <a:t>Our Project – </a:t>
+            </a:r>
+            <a:r>
+              <a:rPr lang="en-US" sz="5400" dirty="0">
+                <a:ln w="0"/>
+                <a:effectLst>
+                  <a:outerShdw blurRad="38100" dist="19050" dir="2700000" algn="tl" rotWithShape="0">
+                    <a:schemeClr val="dk1">
+                      <a:alpha val="40000"/>
+                    </a:schemeClr>
+                  </a:outerShdw>
+                </a:effectLst>
+                <a:highlight>
+                  <a:srgbClr val="FFFF00"/>
+                </a:highlight>
+              </a:rPr>
+              <a:t>L</a:t>
+            </a:r>
+            <a:r>
+              <a:rPr lang="en-US" sz="5400" dirty="0">
+                <a:ln w="0"/>
+                <a:effectLst>
+                  <a:outerShdw blurRad="38100" dist="19050" dir="2700000" algn="tl" rotWithShape="0">
+                    <a:schemeClr val="dk1">
+                      <a:alpha val="40000"/>
+                    </a:schemeClr>
+                  </a:outerShdw>
+                </a:effectLst>
+              </a:rPr>
+              <a:t>ist_Tasks</a:t>
+            </a:r>
+            <a:endParaRPr lang="en-US" sz="5400" b="0" cap="none" spc="0" dirty="0">
+              <a:ln w="0"/>
+              <a:solidFill>
+                <a:schemeClr val="tx1"/>
+              </a:solidFill>
+              <a:effectLst>
+                <a:outerShdw blurRad="38100" dist="19050" dir="2700000" algn="tl" rotWithShape="0">
+                  <a:schemeClr val="dk1">
+                    <a:alpha val="40000"/>
+                  </a:schemeClr>
+                </a:outerShdw>
+              </a:effectLst>
+            </a:endParaRPr>
+          </a:p>
+        </p:txBody>
+      </p:sp>
+      <p:sp>
+        <p:nvSpPr>
+          <p:cNvPr id="14" name="TextBox 13">
+            <a:extLst>
+              <a:ext uri="{FF2B5EF4-FFF2-40B4-BE49-F238E27FC236}">
+                <a16:creationId xmlns:a16="http://schemas.microsoft.com/office/drawing/2014/main" id="{ABD0861B-2C8B-4BC2-BA6A-5CD0DFF70086}"/>
+              </a:ext>
+            </a:extLst>
+          </p:cNvPr>
+          <p:cNvSpPr txBox="1"/>
+          <p:nvPr/>
+        </p:nvSpPr>
+        <p:spPr>
+          <a:xfrm>
+            <a:off x="75075" y="3429417"/>
+            <a:ext cx="3740495" cy="369332"/>
+          </a:xfrm>
+          <a:prstGeom prst="rect">
+            <a:avLst/>
+          </a:prstGeom>
+          <a:noFill/>
+        </p:spPr>
+        <p:txBody>
+          <a:bodyPr wrap="square">
+            <a:spAutoFit/>
+          </a:bodyPr>
+          <a:lstStyle/>
+          <a:p>
+            <a:r>
+              <a:rPr lang="en-US" dirty="0">
+                <a:solidFill>
+                  <a:srgbClr val="00B050"/>
+                </a:solidFill>
+                <a:latin typeface="Segoe UI" panose="020B0502040204020203" pitchFamily="34" charset="0"/>
+              </a:rPr>
+              <a:t>//Add your </a:t>
+            </a:r>
+            <a:r>
+              <a:rPr lang="en-US" dirty="0" err="1">
+                <a:solidFill>
+                  <a:srgbClr val="00B050"/>
+                </a:solidFill>
+                <a:latin typeface="Segoe UI" panose="020B0502040204020203" pitchFamily="34" charset="0"/>
+              </a:rPr>
+              <a:t>ListTasks</a:t>
+            </a:r>
+            <a:r>
+              <a:rPr lang="en-US" dirty="0">
+                <a:solidFill>
+                  <a:srgbClr val="00B050"/>
+                </a:solidFill>
+                <a:latin typeface="Segoe UI" panose="020B0502040204020203" pitchFamily="34" charset="0"/>
+              </a:rPr>
+              <a:t>()</a:t>
+            </a:r>
+            <a:endParaRPr lang="en-US" sz="2000" dirty="0">
+              <a:solidFill>
+                <a:srgbClr val="00B050"/>
+              </a:solidFill>
+              <a:effectLst/>
+              <a:latin typeface="Arial" panose="020B0604020202020204" pitchFamily="34" charset="0"/>
+            </a:endParaRPr>
+          </a:p>
+        </p:txBody>
+      </p:sp>
+      <p:sp>
+        <p:nvSpPr>
+          <p:cNvPr id="10" name="TextBox 9">
+            <a:extLst>
+              <a:ext uri="{FF2B5EF4-FFF2-40B4-BE49-F238E27FC236}">
+                <a16:creationId xmlns:a16="http://schemas.microsoft.com/office/drawing/2014/main" id="{515891F8-8DE9-B221-5E24-D033601046E4}"/>
+              </a:ext>
+            </a:extLst>
+          </p:cNvPr>
+          <p:cNvSpPr txBox="1"/>
+          <p:nvPr/>
+        </p:nvSpPr>
+        <p:spPr>
+          <a:xfrm>
+            <a:off x="0" y="4986458"/>
+            <a:ext cx="7417600" cy="369332"/>
+          </a:xfrm>
+          <a:prstGeom prst="rect">
+            <a:avLst/>
+          </a:prstGeom>
+          <a:noFill/>
+        </p:spPr>
+        <p:txBody>
+          <a:bodyPr wrap="square">
+            <a:spAutoFit/>
+          </a:bodyPr>
+          <a:lstStyle/>
+          <a:p>
+            <a:pPr algn="just"/>
+            <a:r>
+              <a:rPr lang="en-US" dirty="0">
+                <a:latin typeface="Segoe UI" panose="020B0502040204020203" pitchFamily="34" charset="0"/>
+              </a:rPr>
+              <a:t>Update your Main.js to add </a:t>
+            </a:r>
+            <a:r>
+              <a:rPr lang="en-US" dirty="0" err="1">
+                <a:latin typeface="Segoe UI" panose="020B0502040204020203" pitchFamily="34" charset="0"/>
+              </a:rPr>
+              <a:t>ListTasks</a:t>
+            </a:r>
+            <a:r>
+              <a:rPr lang="en-US" dirty="0">
+                <a:latin typeface="Segoe UI" panose="020B0502040204020203" pitchFamily="34" charset="0"/>
+              </a:rPr>
+              <a:t> and pass </a:t>
+            </a:r>
+            <a:r>
+              <a:rPr lang="en-US" dirty="0" err="1">
+                <a:latin typeface="Segoe UI" panose="020B0502040204020203" pitchFamily="34" charset="0"/>
+              </a:rPr>
+              <a:t>className</a:t>
+            </a:r>
+            <a:r>
+              <a:rPr lang="en-US" dirty="0">
+                <a:latin typeface="Segoe UI" panose="020B0502040204020203" pitchFamily="34" charset="0"/>
+              </a:rPr>
+              <a:t>: list-border</a:t>
+            </a:r>
+            <a:endParaRPr lang="en-US" sz="2000" dirty="0">
+              <a:effectLst/>
+              <a:latin typeface="Arial" panose="020B0604020202020204" pitchFamily="34" charset="0"/>
+            </a:endParaRPr>
+          </a:p>
+        </p:txBody>
+      </p:sp>
+      <p:pic>
+        <p:nvPicPr>
+          <p:cNvPr id="7" name="Picture 6">
+            <a:extLst>
+              <a:ext uri="{FF2B5EF4-FFF2-40B4-BE49-F238E27FC236}">
+                <a16:creationId xmlns:a16="http://schemas.microsoft.com/office/drawing/2014/main" id="{29A761C9-D0AD-F847-ADA6-4895B2429AE1}"/>
+              </a:ext>
+            </a:extLst>
+          </p:cNvPr>
+          <p:cNvPicPr>
+            <a:picLocks noChangeAspect="1"/>
+          </p:cNvPicPr>
+          <p:nvPr/>
+        </p:nvPicPr>
+        <p:blipFill>
+          <a:blip r:embed="rId2"/>
+          <a:stretch>
+            <a:fillRect/>
+          </a:stretch>
+        </p:blipFill>
+        <p:spPr>
+          <a:xfrm>
+            <a:off x="75075" y="1064780"/>
+            <a:ext cx="7654958" cy="2458387"/>
+          </a:xfrm>
+          <a:prstGeom prst="rect">
+            <a:avLst/>
+          </a:prstGeom>
+        </p:spPr>
+      </p:pic>
+      <p:sp>
+        <p:nvSpPr>
+          <p:cNvPr id="12" name="TextBox 11">
+            <a:extLst>
+              <a:ext uri="{FF2B5EF4-FFF2-40B4-BE49-F238E27FC236}">
+                <a16:creationId xmlns:a16="http://schemas.microsoft.com/office/drawing/2014/main" id="{FDAB553A-4D2B-8D97-AA60-C26E279E5701}"/>
+              </a:ext>
+            </a:extLst>
+          </p:cNvPr>
+          <p:cNvSpPr txBox="1"/>
+          <p:nvPr/>
+        </p:nvSpPr>
+        <p:spPr>
+          <a:xfrm>
+            <a:off x="75076" y="3798749"/>
+            <a:ext cx="7622250" cy="369332"/>
+          </a:xfrm>
+          <a:prstGeom prst="rect">
+            <a:avLst/>
+          </a:prstGeom>
+          <a:noFill/>
+        </p:spPr>
+        <p:txBody>
+          <a:bodyPr wrap="square">
+            <a:spAutoFit/>
+          </a:bodyPr>
+          <a:lstStyle/>
+          <a:p>
+            <a:r>
+              <a:rPr lang="en-CA" dirty="0"/>
+              <a:t>Copy your Footer.js to your ListTasks.js and update it to meet our needs</a:t>
+            </a:r>
+          </a:p>
+        </p:txBody>
+      </p:sp>
+      <p:sp>
+        <p:nvSpPr>
+          <p:cNvPr id="15" name="TextBox 14">
+            <a:extLst>
+              <a:ext uri="{FF2B5EF4-FFF2-40B4-BE49-F238E27FC236}">
+                <a16:creationId xmlns:a16="http://schemas.microsoft.com/office/drawing/2014/main" id="{814C1F0A-CB54-BEFD-5A72-9E54216C865D}"/>
+              </a:ext>
+            </a:extLst>
+          </p:cNvPr>
+          <p:cNvSpPr txBox="1"/>
+          <p:nvPr/>
+        </p:nvSpPr>
+        <p:spPr>
+          <a:xfrm>
+            <a:off x="60905" y="4393312"/>
+            <a:ext cx="7622250" cy="369332"/>
+          </a:xfrm>
+          <a:prstGeom prst="rect">
+            <a:avLst/>
+          </a:prstGeom>
+          <a:noFill/>
+        </p:spPr>
+        <p:txBody>
+          <a:bodyPr wrap="square">
+            <a:spAutoFit/>
+          </a:bodyPr>
+          <a:lstStyle/>
+          <a:p>
+            <a:r>
+              <a:rPr lang="en-CA" dirty="0"/>
+              <a:t>A copy of ListTasks.is available among: </a:t>
+            </a:r>
+            <a:r>
+              <a:rPr lang="en-CA" dirty="0">
+                <a:highlight>
+                  <a:srgbClr val="FFFF00"/>
+                </a:highlight>
+              </a:rPr>
+              <a:t>react-hackathon.7z</a:t>
+            </a:r>
+            <a:endParaRPr lang="en-CA" dirty="0"/>
+          </a:p>
+        </p:txBody>
+      </p:sp>
     </p:spTree>
     <p:extLst>
       <p:ext uri="{BB962C8B-B14F-4D97-AF65-F5344CB8AC3E}">
-        <p14:creationId xmlns:p14="http://schemas.microsoft.com/office/powerpoint/2010/main" val="2938707316"/>
+        <p14:creationId xmlns:p14="http://schemas.microsoft.com/office/powerpoint/2010/main" val="295747663"/>
       </p:ext>
     </p:extLst>
   </p:cSld>
   <p:clrMapOvr>
     <a:masterClrMapping/>
   </p:clrMapOvr>
+  <p:timing>
+    <p:tnLst>
+      <p:par>
+        <p:cTn id="1" dur="indefinite" restart="never" nodeType="tmRoot">
+          <p:childTnLst>
+            <p:seq concurrent="1" nextAc="seek">
+              <p:cTn id="2" dur="indefinite" nodeType="mainSeq">
+                <p:childTnLst>
+                  <p:par>
+                    <p:cTn id="3" fill="hold">
+                      <p:stCondLst>
+                        <p:cond delay="indefinite"/>
+                      </p:stCondLst>
+                      <p:childTnLst>
+                        <p:par>
+                          <p:cTn id="4" fill="hold">
+                            <p:stCondLst>
+                              <p:cond delay="0"/>
+                            </p:stCondLst>
+                            <p:childTnLst>
+                              <p:par>
+                                <p:cTn id="5" presetID="1" presetClass="entr" presetSubtype="0" fill="hold" grpId="0" nodeType="clickEffect">
+                                  <p:stCondLst>
+                                    <p:cond delay="0"/>
+                                  </p:stCondLst>
+                                  <p:childTnLst>
+                                    <p:set>
+                                      <p:cBhvr>
+                                        <p:cTn id="6" dur="1" fill="hold">
+                                          <p:stCondLst>
+                                            <p:cond delay="0"/>
+                                          </p:stCondLst>
+                                        </p:cTn>
+                                        <p:tgtEl>
+                                          <p:spTgt spid="14"/>
+                                        </p:tgtEl>
+                                        <p:attrNameLst>
+                                          <p:attrName>style.visibility</p:attrName>
+                                        </p:attrNameLst>
+                                      </p:cBhvr>
+                                      <p:to>
+                                        <p:strVal val="visible"/>
+                                      </p:to>
+                                    </p:set>
+                                  </p:childTnLst>
+                                </p:cTn>
+                              </p:par>
+                              <p:par>
+                                <p:cTn id="7" presetID="1" presetClass="entr" presetSubtype="0" fill="hold" grpId="0" nodeType="withEffect">
+                                  <p:stCondLst>
+                                    <p:cond delay="0"/>
+                                  </p:stCondLst>
+                                  <p:childTnLst>
+                                    <p:set>
+                                      <p:cBhvr>
+                                        <p:cTn id="8" dur="1" fill="hold">
+                                          <p:stCondLst>
+                                            <p:cond delay="0"/>
+                                          </p:stCondLst>
+                                        </p:cTn>
+                                        <p:tgtEl>
+                                          <p:spTgt spid="12"/>
+                                        </p:tgtEl>
+                                        <p:attrNameLst>
+                                          <p:attrName>style.visibility</p:attrName>
+                                        </p:attrNameLst>
+                                      </p:cBhvr>
+                                      <p:to>
+                                        <p:strVal val="visible"/>
+                                      </p:to>
+                                    </p:set>
+                                  </p:childTnLst>
+                                </p:cTn>
+                              </p:par>
+                            </p:childTnLst>
+                          </p:cTn>
+                        </p:par>
+                      </p:childTnLst>
+                    </p:cTn>
+                  </p:par>
+                  <p:par>
+                    <p:cTn id="9" fill="hold">
+                      <p:stCondLst>
+                        <p:cond delay="indefinite"/>
+                      </p:stCondLst>
+                      <p:childTnLst>
+                        <p:par>
+                          <p:cTn id="10" fill="hold">
+                            <p:stCondLst>
+                              <p:cond delay="0"/>
+                            </p:stCondLst>
+                            <p:childTnLst>
+                              <p:par>
+                                <p:cTn id="11" presetID="1" presetClass="entr" presetSubtype="0" fill="hold" grpId="0" nodeType="clickEffect">
+                                  <p:stCondLst>
+                                    <p:cond delay="0"/>
+                                  </p:stCondLst>
+                                  <p:childTnLst>
+                                    <p:set>
+                                      <p:cBhvr>
+                                        <p:cTn id="12" dur="1" fill="hold">
+                                          <p:stCondLst>
+                                            <p:cond delay="0"/>
+                                          </p:stCondLst>
+                                        </p:cTn>
+                                        <p:tgtEl>
+                                          <p:spTgt spid="15"/>
+                                        </p:tgtEl>
+                                        <p:attrNameLst>
+                                          <p:attrName>style.visibility</p:attrName>
+                                        </p:attrNameLst>
+                                      </p:cBhvr>
+                                      <p:to>
+                                        <p:strVal val="visible"/>
+                                      </p:to>
+                                    </p:set>
+                                  </p:childTnLst>
+                                </p:cTn>
+                              </p:par>
+                            </p:childTnLst>
+                          </p:cTn>
+                        </p:par>
+                      </p:childTnLst>
+                    </p:cTn>
+                  </p:par>
+                  <p:par>
+                    <p:cTn id="13" fill="hold">
+                      <p:stCondLst>
+                        <p:cond delay="indefinite"/>
+                      </p:stCondLst>
+                      <p:childTnLst>
+                        <p:par>
+                          <p:cTn id="14" fill="hold">
+                            <p:stCondLst>
+                              <p:cond delay="0"/>
+                            </p:stCondLst>
+                            <p:childTnLst>
+                              <p:par>
+                                <p:cTn id="15" presetID="1" presetClass="entr" presetSubtype="0" fill="hold" grpId="0" nodeType="clickEffect">
+                                  <p:stCondLst>
+                                    <p:cond delay="0"/>
+                                  </p:stCondLst>
+                                  <p:childTnLst>
+                                    <p:set>
+                                      <p:cBhvr>
+                                        <p:cTn id="16" dur="1" fill="hold">
+                                          <p:stCondLst>
+                                            <p:cond delay="0"/>
+                                          </p:stCondLst>
+                                        </p:cTn>
+                                        <p:tgtEl>
+                                          <p:spTgt spid="10"/>
+                                        </p:tgtEl>
+                                        <p:attrNameLst>
+                                          <p:attrName>style.visibility</p:attrName>
+                                        </p:attrNameLst>
+                                      </p:cBhvr>
+                                      <p:to>
+                                        <p:strVal val="visible"/>
+                                      </p:to>
+                                    </p:set>
+                                  </p:childTnLst>
+                                </p:cTn>
+                              </p:par>
+                            </p:childTnLst>
+                          </p:cTn>
+                        </p:par>
+                      </p:childTnLst>
+                    </p:cTn>
+                  </p:par>
+                </p:childTnLst>
+              </p:cTn>
+              <p:prevCondLst>
+                <p:cond evt="onPrev" delay="0">
+                  <p:tgtEl>
+                    <p:sldTgt/>
+                  </p:tgtEl>
+                </p:cond>
+              </p:prevCondLst>
+              <p:nextCondLst>
+                <p:cond evt="onNext" delay="0">
+                  <p:tgtEl>
+                    <p:sldTgt/>
+                  </p:tgtEl>
+                </p:cond>
+              </p:nextCondLst>
+            </p:seq>
+          </p:childTnLst>
+        </p:cTn>
+      </p:par>
+    </p:tnLst>
+    <p:bldLst>
+      <p:bldP spid="14" grpId="0"/>
+      <p:bldP spid="10" grpId="0"/>
+      <p:bldP spid="12" grpId="0"/>
+      <p:bldP spid="15" grpId="0"/>
+    </p:bldLst>
+  </p:timing>
 </p:sld>
 </file>
 
@@ -18901,7 +22540,7 @@
           <a:p>
             <a:r>
               <a:rPr lang="en-CA" dirty="0"/>
-              <a:t>The docker-compose is available via slack: </a:t>
+              <a:t>The docker-compose is available among: </a:t>
             </a:r>
             <a:r>
               <a:rPr lang="en-CA" dirty="0">
@@ -18909,11 +22548,7 @@
                   <a:srgbClr val="FFFF00"/>
                 </a:highlight>
               </a:rPr>
-              <a:t>#react-hackathon</a:t>
-            </a:r>
-            <a:r>
-              <a:rPr lang="en-CA" dirty="0"/>
-              <a:t>.</a:t>
+              <a:t>react-hackathon.7z</a:t>
             </a:r>
           </a:p>
         </p:txBody>
@@ -20516,7 +24151,7 @@
           <a:p>
             <a:r>
               <a:rPr lang="en-CA" dirty="0"/>
-              <a:t>For testing, a copy of post request is available via slack: </a:t>
+              <a:t>For testing, a copy of post request is available among: </a:t>
             </a:r>
             <a:r>
               <a:rPr lang="en-CA" dirty="0">
@@ -20524,7 +24159,7 @@
                   <a:srgbClr val="FFFF00"/>
                 </a:highlight>
               </a:rPr>
-              <a:t>#react-hackathon</a:t>
+              <a:t>react-hackathon.7z</a:t>
             </a:r>
             <a:r>
               <a:rPr lang="en-CA" dirty="0"/>
@@ -20579,7 +24214,7 @@
           <a:p>
             <a:r>
               <a:rPr lang="en-CA" dirty="0"/>
-              <a:t>Download the backend images. The docker-compose is available via slack: </a:t>
+              <a:t>Download the backend images. The docker-compose is available among: </a:t>
             </a:r>
             <a:r>
               <a:rPr lang="en-CA" dirty="0">
@@ -20587,11 +24222,7 @@
                   <a:srgbClr val="FFFF00"/>
                 </a:highlight>
               </a:rPr>
-              <a:t>#react-hackathon</a:t>
-            </a:r>
-            <a:r>
-              <a:rPr lang="en-CA" dirty="0"/>
-              <a:t>.</a:t>
+              <a:t>react-hackathon.7z</a:t>
             </a:r>
           </a:p>
         </p:txBody>

--- a/doc/React.pptx
+++ b/doc/React.pptx
@@ -5,7 +5,7 @@
     <p:sldMasterId id="2147483660" r:id="rId1"/>
   </p:sldMasterIdLst>
   <p:notesMasterIdLst>
-    <p:notesMasterId r:id="rId32"/>
+    <p:notesMasterId r:id="rId39"/>
   </p:notesMasterIdLst>
   <p:sldIdLst>
     <p:sldId id="270" r:id="rId2"/>
@@ -37,7 +37,14 @@
     <p:sldId id="306" r:id="rId28"/>
     <p:sldId id="307" r:id="rId29"/>
     <p:sldId id="308" r:id="rId30"/>
-    <p:sldId id="281" r:id="rId31"/>
+    <p:sldId id="309" r:id="rId31"/>
+    <p:sldId id="311" r:id="rId32"/>
+    <p:sldId id="310" r:id="rId33"/>
+    <p:sldId id="312" r:id="rId34"/>
+    <p:sldId id="313" r:id="rId35"/>
+    <p:sldId id="314" r:id="rId36"/>
+    <p:sldId id="315" r:id="rId37"/>
+    <p:sldId id="281" r:id="rId38"/>
   </p:sldIdLst>
   <p:sldSz cx="7772400" cy="10058400"/>
   <p:notesSz cx="6858000" cy="9144000"/>
@@ -562,6 +569,42 @@
           <a:t>Missing:
 click functionality. But this should not affect the display
 add Footer Element to Main and pass the correct parameter</a:t>
+        </a:r>
+      </a:p>
+    </p188:txBody>
+  </p188:cm>
+</p188:cmLst>
+</file>
+
+<file path=ppt/comments/modernComment_13A_46C3D3D6.xml><?xml version="1.0" encoding="utf-8"?>
+<p188:cmLst xmlns:a="http://schemas.openxmlformats.org/drawingml/2006/main" xmlns:r="http://schemas.openxmlformats.org/officeDocument/2006/relationships" xmlns:p188="http://schemas.microsoft.com/office/powerpoint/2018/8/main">
+  <p188:cm id="{FAC8258C-39F4-492B-967E-781014B3A9C9}" authorId="{4DC68FF1-9336-A390-AB80-FC8E420981B7}" created="2023-04-15T18:27:32.395">
+    <ac:deMkLst xmlns:ac="http://schemas.microsoft.com/office/drawing/2013/main/command">
+      <pc:docMk xmlns:pc="http://schemas.microsoft.com/office/powerpoint/2013/main/command"/>
+      <pc:sldMk xmlns:pc="http://schemas.microsoft.com/office/powerpoint/2013/main/command" cId="1187238870" sldId="314"/>
+      <ac:picMk id="20" creationId="{03CFB37F-475F-8656-F19E-505066C34F76}"/>
+    </ac:deMkLst>
+    <p188:replyLst>
+      <p188:reply id="{A71751F2-62AA-465C-98B0-3B7DB147472C}" authorId="{4DC68FF1-9336-A390-AB80-FC8E420981B7}" created="2023-04-15T18:29:36.423">
+        <p188:txBody>
+          <a:bodyPr/>
+          <a:lstStyle/>
+          <a:p>
+            <a:r>
+              <a:rPr lang="en-CA"/>
+              <a:t>This is a react-hook that returns 2 elements: name and setName()</a:t>
+            </a:r>
+          </a:p>
+        </p188:txBody>
+      </p188:reply>
+    </p188:replyLst>
+    <p188:txBody>
+      <a:bodyPr/>
+      <a:lstStyle/>
+      <a:p>
+        <a:r>
+          <a:rPr lang="en-CA"/>
+          <a:t>Notice for useState, we used {} to import it. This means that this function which is defined in react is exported but not as a default one.</a:t>
         </a:r>
       </a:p>
     </p188:txBody>
@@ -20670,8 +20713,8 @@
         </p:nvSpPr>
         <p:spPr>
           <a:xfrm>
-            <a:off x="60905" y="9412069"/>
-            <a:ext cx="7417600" cy="646331"/>
+            <a:off x="60904" y="9412069"/>
+            <a:ext cx="7711495" cy="646331"/>
           </a:xfrm>
           <a:prstGeom prst="rect">
             <a:avLst/>
@@ -20684,7 +20727,6 @@
           </a:bodyPr>
           <a:lstStyle/>
           <a:p>
-            <a:pPr algn="just"/>
             <a:r>
               <a:rPr lang="en-US" dirty="0">
                 <a:highlight>
@@ -20698,7 +20740,7 @@
               <a:rPr lang="en-US" dirty="0">
                 <a:latin typeface="Segoe UI" panose="020B0502040204020203" pitchFamily="34" charset="0"/>
               </a:rPr>
-              <a:t>return must return one element only. One way is to use &lt;&gt; to wrap elements. You may use &lt;div&gt; instead.</a:t>
+              <a:t>return must return one element only. One way is to use &lt;&gt; to wrap elements. You may use &lt;div&gt;or other suitable html wrapping tag instead.</a:t>
             </a:r>
             <a:endParaRPr lang="en-US" sz="2000" dirty="0">
               <a:effectLst/>
@@ -21612,7 +21654,7 @@
           <a:p>
             <a:r>
               <a:rPr lang="en-CA" dirty="0"/>
-              <a:t>A copy of ListTasks.is available among: </a:t>
+              <a:t>We can share a copy of current ListTask.js via slack: </a:t>
             </a:r>
             <a:r>
               <a:rPr lang="en-CA" dirty="0">
@@ -21620,9 +21662,51 @@
                   <a:srgbClr val="FFFF00"/>
                 </a:highlight>
               </a:rPr>
-              <a:t>react-hackathon.7z</a:t>
+              <a:t>#react-hackathon</a:t>
             </a:r>
             <a:endParaRPr lang="en-CA" dirty="0"/>
+          </a:p>
+        </p:txBody>
+      </p:sp>
+      <p:sp>
+        <p:nvSpPr>
+          <p:cNvPr id="2" name="TextBox 1">
+            <a:extLst>
+              <a:ext uri="{FF2B5EF4-FFF2-40B4-BE49-F238E27FC236}">
+                <a16:creationId xmlns:a16="http://schemas.microsoft.com/office/drawing/2014/main" id="{E0CF47B7-B697-4D6A-9D62-07E432DA17A9}"/>
+              </a:ext>
+            </a:extLst>
+          </p:cNvPr>
+          <p:cNvSpPr txBox="1"/>
+          <p:nvPr/>
+        </p:nvSpPr>
+        <p:spPr>
+          <a:xfrm>
+            <a:off x="5387876" y="5614468"/>
+            <a:ext cx="2076466" cy="369332"/>
+          </a:xfrm>
+          <a:prstGeom prst="rect">
+            <a:avLst/>
+          </a:prstGeom>
+          <a:solidFill>
+            <a:schemeClr val="accent2"/>
+          </a:solidFill>
+          <a:ln w="19050">
+            <a:solidFill>
+              <a:schemeClr val="tx1"/>
+            </a:solidFill>
+          </a:ln>
+        </p:spPr>
+        <p:txBody>
+          <a:bodyPr wrap="none" rtlCol="0">
+            <a:spAutoFit/>
+          </a:bodyPr>
+          <a:lstStyle/>
+          <a:p>
+            <a:r>
+              <a:rPr lang="en-CA" dirty="0"/>
+              <a:t>Test your changes</a:t>
+            </a:r>
           </a:p>
         </p:txBody>
       </p:sp>
@@ -21806,6 +21890,51 @@
                       </p:childTnLst>
                     </p:cTn>
                   </p:par>
+                  <p:par>
+                    <p:cTn id="17" fill="hold">
+                      <p:stCondLst>
+                        <p:cond delay="indefinite"/>
+                      </p:stCondLst>
+                      <p:childTnLst>
+                        <p:par>
+                          <p:cTn id="18" fill="hold">
+                            <p:stCondLst>
+                              <p:cond delay="0"/>
+                            </p:stCondLst>
+                            <p:childTnLst>
+                              <p:par>
+                                <p:cTn id="19" presetID="1" presetClass="entr" presetSubtype="0" fill="hold" grpId="0" nodeType="clickEffect">
+                                  <p:stCondLst>
+                                    <p:cond delay="0"/>
+                                  </p:stCondLst>
+                                  <p:childTnLst>
+                                    <p:set>
+                                      <p:cBhvr>
+                                        <p:cTn id="20" dur="1" fill="hold">
+                                          <p:stCondLst>
+                                            <p:cond delay="0"/>
+                                          </p:stCondLst>
+                                        </p:cTn>
+                                        <p:tgtEl>
+                                          <p:spTgt spid="2"/>
+                                        </p:tgtEl>
+                                        <p:attrNameLst>
+                                          <p:attrName>style.visibility</p:attrName>
+                                        </p:attrNameLst>
+                                      </p:cBhvr>
+                                      <p:to>
+                                        <p:strVal val="visible"/>
+                                      </p:to>
+                                    </p:set>
+                                  </p:childTnLst>
+                                </p:cTn>
+                              </p:par>
+                            </p:childTnLst>
+                          </p:cTn>
+                        </p:par>
+                      </p:childTnLst>
+                    </p:cTn>
+                  </p:par>
                 </p:childTnLst>
               </p:cTn>
               <p:prevCondLst>
@@ -21832,6 +21961,7 @@
       <p:bldP spid="10" grpId="0"/>
       <p:bldP spid="12" grpId="0"/>
       <p:bldP spid="15" grpId="0"/>
+      <p:bldP spid="2" grpId="0" animBg="1"/>
     </p:bldLst>
   </p:timing>
 </p:sld>
@@ -21916,6 +22046,6049 @@
 </file>
 
 <file path=ppt/slides/slide30.xml><?xml version="1.0" encoding="utf-8"?>
+<p:sld xmlns:a="http://schemas.openxmlformats.org/drawingml/2006/main" xmlns:r="http://schemas.openxmlformats.org/officeDocument/2006/relationships" xmlns:p="http://schemas.openxmlformats.org/presentationml/2006/main">
+  <p:cSld>
+    <p:spTree>
+      <p:nvGrpSpPr>
+        <p:cNvPr id="1" name=""/>
+        <p:cNvGrpSpPr/>
+        <p:nvPr/>
+      </p:nvGrpSpPr>
+      <p:grpSpPr>
+        <a:xfrm>
+          <a:off x="0" y="0"/>
+          <a:ext cx="0" cy="0"/>
+          <a:chOff x="0" y="0"/>
+          <a:chExt cx="0" cy="0"/>
+        </a:xfrm>
+      </p:grpSpPr>
+      <p:sp>
+        <p:nvSpPr>
+          <p:cNvPr id="8" name="Rectangle 7">
+            <a:extLst>
+              <a:ext uri="{FF2B5EF4-FFF2-40B4-BE49-F238E27FC236}">
+                <a16:creationId xmlns:a16="http://schemas.microsoft.com/office/drawing/2014/main" id="{158F95D5-BE54-3736-1783-2E5501BC5DA8}"/>
+              </a:ext>
+            </a:extLst>
+          </p:cNvPr>
+          <p:cNvSpPr/>
+          <p:nvPr/>
+        </p:nvSpPr>
+        <p:spPr>
+          <a:xfrm>
+            <a:off x="797965" y="0"/>
+            <a:ext cx="5943487" cy="923330"/>
+          </a:xfrm>
+          <a:prstGeom prst="rect">
+            <a:avLst/>
+          </a:prstGeom>
+          <a:noFill/>
+        </p:spPr>
+        <p:txBody>
+          <a:bodyPr wrap="none" lIns="91440" tIns="45720" rIns="91440" bIns="45720">
+            <a:spAutoFit/>
+          </a:bodyPr>
+          <a:lstStyle/>
+          <a:p>
+            <a:pPr algn="ctr"/>
+            <a:r>
+              <a:rPr lang="en-US" sz="5400" b="0" cap="none" spc="0" dirty="0">
+                <a:ln w="0"/>
+                <a:solidFill>
+                  <a:schemeClr val="tx1"/>
+                </a:solidFill>
+                <a:effectLst>
+                  <a:outerShdw blurRad="38100" dist="19050" dir="2700000" algn="tl" rotWithShape="0">
+                    <a:schemeClr val="dk1">
+                      <a:alpha val="40000"/>
+                    </a:schemeClr>
+                  </a:outerShdw>
+                </a:effectLst>
+              </a:rPr>
+              <a:t>Our Project – </a:t>
+            </a:r>
+            <a:r>
+              <a:rPr lang="en-US" sz="5400" dirty="0">
+                <a:ln w="0"/>
+                <a:effectLst>
+                  <a:outerShdw blurRad="38100" dist="19050" dir="2700000" algn="tl" rotWithShape="0">
+                    <a:schemeClr val="dk1">
+                      <a:alpha val="40000"/>
+                    </a:schemeClr>
+                  </a:outerShdw>
+                </a:effectLst>
+                <a:highlight>
+                  <a:srgbClr val="FFFF00"/>
+                </a:highlight>
+              </a:rPr>
+              <a:t>M</a:t>
+            </a:r>
+            <a:r>
+              <a:rPr lang="en-US" sz="5400" dirty="0">
+                <a:ln w="0"/>
+                <a:effectLst>
+                  <a:outerShdw blurRad="38100" dist="19050" dir="2700000" algn="tl" rotWithShape="0">
+                    <a:schemeClr val="dk1">
+                      <a:alpha val="40000"/>
+                    </a:schemeClr>
+                  </a:outerShdw>
+                </a:effectLst>
+              </a:rPr>
+              <a:t>ain</a:t>
+            </a:r>
+            <a:endParaRPr lang="en-US" sz="5400" b="0" cap="none" spc="0" dirty="0">
+              <a:ln w="0"/>
+              <a:solidFill>
+                <a:schemeClr val="tx1"/>
+              </a:solidFill>
+              <a:effectLst>
+                <a:outerShdw blurRad="38100" dist="19050" dir="2700000" algn="tl" rotWithShape="0">
+                  <a:schemeClr val="dk1">
+                    <a:alpha val="40000"/>
+                  </a:schemeClr>
+                </a:outerShdw>
+              </a:effectLst>
+            </a:endParaRPr>
+          </a:p>
+        </p:txBody>
+      </p:sp>
+      <p:sp>
+        <p:nvSpPr>
+          <p:cNvPr id="14" name="TextBox 13">
+            <a:extLst>
+              <a:ext uri="{FF2B5EF4-FFF2-40B4-BE49-F238E27FC236}">
+                <a16:creationId xmlns:a16="http://schemas.microsoft.com/office/drawing/2014/main" id="{ABD0861B-2C8B-4BC2-BA6A-5CD0DFF70086}"/>
+              </a:ext>
+            </a:extLst>
+          </p:cNvPr>
+          <p:cNvSpPr txBox="1"/>
+          <p:nvPr/>
+        </p:nvSpPr>
+        <p:spPr>
+          <a:xfrm>
+            <a:off x="145705" y="2831467"/>
+            <a:ext cx="3740495" cy="369332"/>
+          </a:xfrm>
+          <a:prstGeom prst="rect">
+            <a:avLst/>
+          </a:prstGeom>
+          <a:noFill/>
+        </p:spPr>
+        <p:txBody>
+          <a:bodyPr wrap="square">
+            <a:spAutoFit/>
+          </a:bodyPr>
+          <a:lstStyle/>
+          <a:p>
+            <a:r>
+              <a:rPr lang="en-US" dirty="0">
+                <a:solidFill>
+                  <a:srgbClr val="00B050"/>
+                </a:solidFill>
+                <a:latin typeface="Segoe UI" panose="020B0502040204020203" pitchFamily="34" charset="0"/>
+              </a:rPr>
+              <a:t>//Update your Main()</a:t>
+            </a:r>
+            <a:endParaRPr lang="en-US" sz="2000" dirty="0">
+              <a:solidFill>
+                <a:srgbClr val="00B050"/>
+              </a:solidFill>
+              <a:effectLst/>
+              <a:latin typeface="Arial" panose="020B0604020202020204" pitchFamily="34" charset="0"/>
+            </a:endParaRPr>
+          </a:p>
+        </p:txBody>
+      </p:sp>
+      <p:sp>
+        <p:nvSpPr>
+          <p:cNvPr id="15" name="TextBox 14">
+            <a:extLst>
+              <a:ext uri="{FF2B5EF4-FFF2-40B4-BE49-F238E27FC236}">
+                <a16:creationId xmlns:a16="http://schemas.microsoft.com/office/drawing/2014/main" id="{814C1F0A-CB54-BEFD-5A72-9E54216C865D}"/>
+              </a:ext>
+            </a:extLst>
+          </p:cNvPr>
+          <p:cNvSpPr txBox="1"/>
+          <p:nvPr/>
+        </p:nvSpPr>
+        <p:spPr>
+          <a:xfrm>
+            <a:off x="75075" y="3337150"/>
+            <a:ext cx="7622250" cy="3693319"/>
+          </a:xfrm>
+          <a:prstGeom prst="rect">
+            <a:avLst/>
+          </a:prstGeom>
+          <a:noFill/>
+          <a:ln w="28575">
+            <a:solidFill>
+              <a:schemeClr val="tx1">
+                <a:lumMod val="95000"/>
+                <a:lumOff val="5000"/>
+              </a:schemeClr>
+            </a:solidFill>
+          </a:ln>
+        </p:spPr>
+        <p:txBody>
+          <a:bodyPr wrap="square">
+            <a:spAutoFit/>
+          </a:bodyPr>
+          <a:lstStyle/>
+          <a:p>
+            <a:r>
+              <a:rPr lang="en-CA" dirty="0"/>
+              <a:t> return (</a:t>
+            </a:r>
+          </a:p>
+          <a:p>
+            <a:r>
+              <a:rPr lang="en-CA" dirty="0"/>
+              <a:t>      &lt;Container&gt;</a:t>
+            </a:r>
+          </a:p>
+          <a:p>
+            <a:r>
+              <a:rPr lang="en-CA" dirty="0"/>
+              <a:t>        &lt;Header version = '1.0' </a:t>
+            </a:r>
+            <a:r>
+              <a:rPr lang="en-CA" dirty="0" err="1"/>
+              <a:t>className</a:t>
+            </a:r>
+            <a:r>
+              <a:rPr lang="en-CA" dirty="0"/>
+              <a:t>='general-border' /&gt;</a:t>
+            </a:r>
+          </a:p>
+          <a:p>
+            <a:r>
+              <a:rPr lang="en-CA" dirty="0"/>
+              <a:t>        &lt;Row&gt;</a:t>
+            </a:r>
+          </a:p>
+          <a:p>
+            <a:r>
+              <a:rPr lang="en-CA" dirty="0"/>
+              <a:t>          &lt;Col&gt;</a:t>
+            </a:r>
+          </a:p>
+          <a:p>
+            <a:r>
+              <a:rPr lang="en-CA" dirty="0"/>
+              <a:t>              &lt;Footer </a:t>
+            </a:r>
+            <a:r>
+              <a:rPr lang="en-CA" dirty="0" err="1"/>
+              <a:t>className</a:t>
+            </a:r>
+            <a:r>
+              <a:rPr lang="en-CA" dirty="0"/>
+              <a:t>='general-border center' /&gt;</a:t>
+            </a:r>
+          </a:p>
+          <a:p>
+            <a:r>
+              <a:rPr lang="en-CA" dirty="0"/>
+              <a:t>          &lt;/Col&gt;</a:t>
+            </a:r>
+          </a:p>
+          <a:p>
+            <a:r>
+              <a:rPr lang="en-CA" dirty="0"/>
+              <a:t>          &lt;Col&gt;</a:t>
+            </a:r>
+          </a:p>
+          <a:p>
+            <a:r>
+              <a:rPr lang="en-CA" dirty="0"/>
+              <a:t>              &lt;</a:t>
+            </a:r>
+            <a:r>
+              <a:rPr lang="en-CA" dirty="0" err="1"/>
+              <a:t>ListTasks</a:t>
+            </a:r>
+            <a:r>
+              <a:rPr lang="en-CA" dirty="0"/>
+              <a:t> </a:t>
+            </a:r>
+            <a:r>
+              <a:rPr lang="en-CA" dirty="0" err="1"/>
+              <a:t>className</a:t>
+            </a:r>
+            <a:r>
+              <a:rPr lang="en-CA" dirty="0"/>
+              <a:t> = "list-border"/&gt;</a:t>
+            </a:r>
+          </a:p>
+          <a:p>
+            <a:r>
+              <a:rPr lang="en-CA" dirty="0"/>
+              <a:t>          &lt;/Col&gt;</a:t>
+            </a:r>
+          </a:p>
+          <a:p>
+            <a:r>
+              <a:rPr lang="en-CA" dirty="0"/>
+              <a:t>        &lt;/Row&gt;</a:t>
+            </a:r>
+          </a:p>
+          <a:p>
+            <a:r>
+              <a:rPr lang="en-CA" dirty="0"/>
+              <a:t>        &lt;/Container&gt;</a:t>
+            </a:r>
+          </a:p>
+          <a:p>
+            <a:r>
+              <a:rPr lang="en-CA" dirty="0"/>
+              <a:t>    );</a:t>
+            </a:r>
+          </a:p>
+        </p:txBody>
+      </p:sp>
+      <p:pic>
+        <p:nvPicPr>
+          <p:cNvPr id="3" name="Picture 2">
+            <a:extLst>
+              <a:ext uri="{FF2B5EF4-FFF2-40B4-BE49-F238E27FC236}">
+                <a16:creationId xmlns:a16="http://schemas.microsoft.com/office/drawing/2014/main" id="{F6478A53-4B8D-1CE8-C55E-56396DE36D32}"/>
+              </a:ext>
+            </a:extLst>
+          </p:cNvPr>
+          <p:cNvPicPr>
+            <a:picLocks noChangeAspect="1"/>
+          </p:cNvPicPr>
+          <p:nvPr/>
+        </p:nvPicPr>
+        <p:blipFill>
+          <a:blip r:embed="rId2"/>
+          <a:stretch>
+            <a:fillRect/>
+          </a:stretch>
+        </p:blipFill>
+        <p:spPr>
+          <a:xfrm>
+            <a:off x="0" y="1379306"/>
+            <a:ext cx="7772400" cy="1180851"/>
+          </a:xfrm>
+          <a:prstGeom prst="rect">
+            <a:avLst/>
+          </a:prstGeom>
+        </p:spPr>
+      </p:pic>
+      <p:sp>
+        <p:nvSpPr>
+          <p:cNvPr id="4" name="TextBox 3">
+            <a:extLst>
+              <a:ext uri="{FF2B5EF4-FFF2-40B4-BE49-F238E27FC236}">
+                <a16:creationId xmlns:a16="http://schemas.microsoft.com/office/drawing/2014/main" id="{5271DDB0-AB3E-C190-F527-0760A1185823}"/>
+              </a:ext>
+            </a:extLst>
+          </p:cNvPr>
+          <p:cNvSpPr txBox="1"/>
+          <p:nvPr/>
+        </p:nvSpPr>
+        <p:spPr>
+          <a:xfrm>
+            <a:off x="-41417" y="7166820"/>
+            <a:ext cx="7622250" cy="369332"/>
+          </a:xfrm>
+          <a:prstGeom prst="rect">
+            <a:avLst/>
+          </a:prstGeom>
+          <a:noFill/>
+        </p:spPr>
+        <p:txBody>
+          <a:bodyPr wrap="square">
+            <a:spAutoFit/>
+          </a:bodyPr>
+          <a:lstStyle/>
+          <a:p>
+            <a:r>
+              <a:rPr lang="en-CA" dirty="0"/>
+              <a:t>Notice that we have removed &lt;&gt; and it’s sufficient to use &lt;container&gt;</a:t>
+            </a:r>
+          </a:p>
+        </p:txBody>
+      </p:sp>
+      <p:sp>
+        <p:nvSpPr>
+          <p:cNvPr id="5" name="TextBox 4">
+            <a:extLst>
+              <a:ext uri="{FF2B5EF4-FFF2-40B4-BE49-F238E27FC236}">
+                <a16:creationId xmlns:a16="http://schemas.microsoft.com/office/drawing/2014/main" id="{E5741123-8739-1030-D35B-A931505AE587}"/>
+              </a:ext>
+            </a:extLst>
+          </p:cNvPr>
+          <p:cNvSpPr txBox="1"/>
+          <p:nvPr/>
+        </p:nvSpPr>
+        <p:spPr>
+          <a:xfrm>
+            <a:off x="-41417" y="7622796"/>
+            <a:ext cx="7622250" cy="369332"/>
+          </a:xfrm>
+          <a:prstGeom prst="rect">
+            <a:avLst/>
+          </a:prstGeom>
+          <a:noFill/>
+        </p:spPr>
+        <p:txBody>
+          <a:bodyPr wrap="square">
+            <a:spAutoFit/>
+          </a:bodyPr>
+          <a:lstStyle/>
+          <a:p>
+            <a:r>
+              <a:rPr lang="en-CA" dirty="0"/>
+              <a:t>Don’t forget to add the required imports.</a:t>
+            </a:r>
+          </a:p>
+        </p:txBody>
+      </p:sp>
+      <p:sp>
+        <p:nvSpPr>
+          <p:cNvPr id="6" name="TextBox 5">
+            <a:extLst>
+              <a:ext uri="{FF2B5EF4-FFF2-40B4-BE49-F238E27FC236}">
+                <a16:creationId xmlns:a16="http://schemas.microsoft.com/office/drawing/2014/main" id="{A82B444D-43B0-9076-A0DB-3CFB0E16E83E}"/>
+              </a:ext>
+            </a:extLst>
+          </p:cNvPr>
+          <p:cNvSpPr txBox="1"/>
+          <p:nvPr/>
+        </p:nvSpPr>
+        <p:spPr>
+          <a:xfrm>
+            <a:off x="5504367" y="7998165"/>
+            <a:ext cx="2076466" cy="369332"/>
+          </a:xfrm>
+          <a:prstGeom prst="rect">
+            <a:avLst/>
+          </a:prstGeom>
+          <a:solidFill>
+            <a:schemeClr val="accent2"/>
+          </a:solidFill>
+          <a:ln w="19050">
+            <a:solidFill>
+              <a:schemeClr val="tx1"/>
+            </a:solidFill>
+          </a:ln>
+        </p:spPr>
+        <p:txBody>
+          <a:bodyPr wrap="none" rtlCol="0">
+            <a:spAutoFit/>
+          </a:bodyPr>
+          <a:lstStyle/>
+          <a:p>
+            <a:r>
+              <a:rPr lang="en-CA" dirty="0"/>
+              <a:t>Test your changes</a:t>
+            </a:r>
+          </a:p>
+        </p:txBody>
+      </p:sp>
+    </p:spTree>
+    <p:extLst>
+      <p:ext uri="{BB962C8B-B14F-4D97-AF65-F5344CB8AC3E}">
+        <p14:creationId xmlns:p14="http://schemas.microsoft.com/office/powerpoint/2010/main" val="669598859"/>
+      </p:ext>
+    </p:extLst>
+  </p:cSld>
+  <p:clrMapOvr>
+    <a:masterClrMapping/>
+  </p:clrMapOvr>
+  <p:timing>
+    <p:tnLst>
+      <p:par>
+        <p:cTn id="1" dur="indefinite" restart="never" nodeType="tmRoot">
+          <p:childTnLst>
+            <p:seq concurrent="1" nextAc="seek">
+              <p:cTn id="2" dur="indefinite" nodeType="mainSeq">
+                <p:childTnLst>
+                  <p:par>
+                    <p:cTn id="3" fill="hold">
+                      <p:stCondLst>
+                        <p:cond delay="indefinite"/>
+                      </p:stCondLst>
+                      <p:childTnLst>
+                        <p:par>
+                          <p:cTn id="4" fill="hold">
+                            <p:stCondLst>
+                              <p:cond delay="0"/>
+                            </p:stCondLst>
+                            <p:childTnLst>
+                              <p:par>
+                                <p:cTn id="5" presetID="1" presetClass="entr" presetSubtype="0" fill="hold" grpId="0" nodeType="clickEffect">
+                                  <p:stCondLst>
+                                    <p:cond delay="0"/>
+                                  </p:stCondLst>
+                                  <p:childTnLst>
+                                    <p:set>
+                                      <p:cBhvr>
+                                        <p:cTn id="6" dur="1" fill="hold">
+                                          <p:stCondLst>
+                                            <p:cond delay="0"/>
+                                          </p:stCondLst>
+                                        </p:cTn>
+                                        <p:tgtEl>
+                                          <p:spTgt spid="14"/>
+                                        </p:tgtEl>
+                                        <p:attrNameLst>
+                                          <p:attrName>style.visibility</p:attrName>
+                                        </p:attrNameLst>
+                                      </p:cBhvr>
+                                      <p:to>
+                                        <p:strVal val="visible"/>
+                                      </p:to>
+                                    </p:set>
+                                  </p:childTnLst>
+                                </p:cTn>
+                              </p:par>
+                              <p:par>
+                                <p:cTn id="7" presetID="1" presetClass="entr" presetSubtype="0" fill="hold" grpId="0" nodeType="withEffect">
+                                  <p:stCondLst>
+                                    <p:cond delay="0"/>
+                                  </p:stCondLst>
+                                  <p:childTnLst>
+                                    <p:set>
+                                      <p:cBhvr>
+                                        <p:cTn id="8" dur="1" fill="hold">
+                                          <p:stCondLst>
+                                            <p:cond delay="0"/>
+                                          </p:stCondLst>
+                                        </p:cTn>
+                                        <p:tgtEl>
+                                          <p:spTgt spid="15"/>
+                                        </p:tgtEl>
+                                        <p:attrNameLst>
+                                          <p:attrName>style.visibility</p:attrName>
+                                        </p:attrNameLst>
+                                      </p:cBhvr>
+                                      <p:to>
+                                        <p:strVal val="visible"/>
+                                      </p:to>
+                                    </p:set>
+                                  </p:childTnLst>
+                                </p:cTn>
+                              </p:par>
+                            </p:childTnLst>
+                          </p:cTn>
+                        </p:par>
+                      </p:childTnLst>
+                    </p:cTn>
+                  </p:par>
+                  <p:par>
+                    <p:cTn id="9" fill="hold">
+                      <p:stCondLst>
+                        <p:cond delay="indefinite"/>
+                      </p:stCondLst>
+                      <p:childTnLst>
+                        <p:par>
+                          <p:cTn id="10" fill="hold">
+                            <p:stCondLst>
+                              <p:cond delay="0"/>
+                            </p:stCondLst>
+                            <p:childTnLst>
+                              <p:par>
+                                <p:cTn id="11" presetID="1" presetClass="entr" presetSubtype="0" fill="hold" grpId="0" nodeType="clickEffect">
+                                  <p:stCondLst>
+                                    <p:cond delay="0"/>
+                                  </p:stCondLst>
+                                  <p:childTnLst>
+                                    <p:set>
+                                      <p:cBhvr>
+                                        <p:cTn id="12" dur="1" fill="hold">
+                                          <p:stCondLst>
+                                            <p:cond delay="0"/>
+                                          </p:stCondLst>
+                                        </p:cTn>
+                                        <p:tgtEl>
+                                          <p:spTgt spid="4"/>
+                                        </p:tgtEl>
+                                        <p:attrNameLst>
+                                          <p:attrName>style.visibility</p:attrName>
+                                        </p:attrNameLst>
+                                      </p:cBhvr>
+                                      <p:to>
+                                        <p:strVal val="visible"/>
+                                      </p:to>
+                                    </p:set>
+                                  </p:childTnLst>
+                                </p:cTn>
+                              </p:par>
+                            </p:childTnLst>
+                          </p:cTn>
+                        </p:par>
+                      </p:childTnLst>
+                    </p:cTn>
+                  </p:par>
+                  <p:par>
+                    <p:cTn id="13" fill="hold">
+                      <p:stCondLst>
+                        <p:cond delay="indefinite"/>
+                      </p:stCondLst>
+                      <p:childTnLst>
+                        <p:par>
+                          <p:cTn id="14" fill="hold">
+                            <p:stCondLst>
+                              <p:cond delay="0"/>
+                            </p:stCondLst>
+                            <p:childTnLst>
+                              <p:par>
+                                <p:cTn id="15" presetID="1" presetClass="entr" presetSubtype="0" fill="hold" grpId="0" nodeType="clickEffect">
+                                  <p:stCondLst>
+                                    <p:cond delay="0"/>
+                                  </p:stCondLst>
+                                  <p:childTnLst>
+                                    <p:set>
+                                      <p:cBhvr>
+                                        <p:cTn id="16" dur="1" fill="hold">
+                                          <p:stCondLst>
+                                            <p:cond delay="0"/>
+                                          </p:stCondLst>
+                                        </p:cTn>
+                                        <p:tgtEl>
+                                          <p:spTgt spid="5"/>
+                                        </p:tgtEl>
+                                        <p:attrNameLst>
+                                          <p:attrName>style.visibility</p:attrName>
+                                        </p:attrNameLst>
+                                      </p:cBhvr>
+                                      <p:to>
+                                        <p:strVal val="visible"/>
+                                      </p:to>
+                                    </p:set>
+                                  </p:childTnLst>
+                                </p:cTn>
+                              </p:par>
+                            </p:childTnLst>
+                          </p:cTn>
+                        </p:par>
+                      </p:childTnLst>
+                    </p:cTn>
+                  </p:par>
+                  <p:par>
+                    <p:cTn id="17" fill="hold">
+                      <p:stCondLst>
+                        <p:cond delay="indefinite"/>
+                      </p:stCondLst>
+                      <p:childTnLst>
+                        <p:par>
+                          <p:cTn id="18" fill="hold">
+                            <p:stCondLst>
+                              <p:cond delay="0"/>
+                            </p:stCondLst>
+                            <p:childTnLst>
+                              <p:par>
+                                <p:cTn id="19" presetID="1" presetClass="entr" presetSubtype="0" fill="hold" grpId="0" nodeType="clickEffect">
+                                  <p:stCondLst>
+                                    <p:cond delay="0"/>
+                                  </p:stCondLst>
+                                  <p:childTnLst>
+                                    <p:set>
+                                      <p:cBhvr>
+                                        <p:cTn id="20" dur="1" fill="hold">
+                                          <p:stCondLst>
+                                            <p:cond delay="0"/>
+                                          </p:stCondLst>
+                                        </p:cTn>
+                                        <p:tgtEl>
+                                          <p:spTgt spid="6"/>
+                                        </p:tgtEl>
+                                        <p:attrNameLst>
+                                          <p:attrName>style.visibility</p:attrName>
+                                        </p:attrNameLst>
+                                      </p:cBhvr>
+                                      <p:to>
+                                        <p:strVal val="visible"/>
+                                      </p:to>
+                                    </p:set>
+                                  </p:childTnLst>
+                                </p:cTn>
+                              </p:par>
+                            </p:childTnLst>
+                          </p:cTn>
+                        </p:par>
+                      </p:childTnLst>
+                    </p:cTn>
+                  </p:par>
+                </p:childTnLst>
+              </p:cTn>
+              <p:prevCondLst>
+                <p:cond evt="onPrev" delay="0">
+                  <p:tgtEl>
+                    <p:sldTgt/>
+                  </p:tgtEl>
+                </p:cond>
+              </p:prevCondLst>
+              <p:nextCondLst>
+                <p:cond evt="onNext" delay="0">
+                  <p:tgtEl>
+                    <p:sldTgt/>
+                  </p:tgtEl>
+                </p:cond>
+              </p:nextCondLst>
+            </p:seq>
+          </p:childTnLst>
+        </p:cTn>
+      </p:par>
+    </p:tnLst>
+    <p:bldLst>
+      <p:bldP spid="14" grpId="0"/>
+      <p:bldP spid="15" grpId="0" animBg="1"/>
+      <p:bldP spid="4" grpId="0"/>
+      <p:bldP spid="5" grpId="0"/>
+      <p:bldP spid="6" grpId="0" animBg="1"/>
+    </p:bldLst>
+  </p:timing>
+</p:sld>
+</file>
+
+<file path=ppt/slides/slide31.xml><?xml version="1.0" encoding="utf-8"?>
+<p:sld xmlns:a="http://schemas.openxmlformats.org/drawingml/2006/main" xmlns:r="http://schemas.openxmlformats.org/officeDocument/2006/relationships" xmlns:p="http://schemas.openxmlformats.org/presentationml/2006/main">
+  <p:cSld>
+    <p:spTree>
+      <p:nvGrpSpPr>
+        <p:cNvPr id="1" name=""/>
+        <p:cNvGrpSpPr/>
+        <p:nvPr/>
+      </p:nvGrpSpPr>
+      <p:grpSpPr>
+        <a:xfrm>
+          <a:off x="0" y="0"/>
+          <a:ext cx="0" cy="0"/>
+          <a:chOff x="0" y="0"/>
+          <a:chExt cx="0" cy="0"/>
+        </a:xfrm>
+      </p:grpSpPr>
+      <p:sp>
+        <p:nvSpPr>
+          <p:cNvPr id="8" name="Rectangle 7">
+            <a:extLst>
+              <a:ext uri="{FF2B5EF4-FFF2-40B4-BE49-F238E27FC236}">
+                <a16:creationId xmlns:a16="http://schemas.microsoft.com/office/drawing/2014/main" id="{158F95D5-BE54-3736-1783-2E5501BC5DA8}"/>
+              </a:ext>
+            </a:extLst>
+          </p:cNvPr>
+          <p:cNvSpPr/>
+          <p:nvPr/>
+        </p:nvSpPr>
+        <p:spPr>
+          <a:xfrm>
+            <a:off x="797965" y="0"/>
+            <a:ext cx="5943487" cy="923330"/>
+          </a:xfrm>
+          <a:prstGeom prst="rect">
+            <a:avLst/>
+          </a:prstGeom>
+          <a:noFill/>
+        </p:spPr>
+        <p:txBody>
+          <a:bodyPr wrap="none" lIns="91440" tIns="45720" rIns="91440" bIns="45720">
+            <a:spAutoFit/>
+          </a:bodyPr>
+          <a:lstStyle/>
+          <a:p>
+            <a:pPr algn="ctr"/>
+            <a:r>
+              <a:rPr lang="en-US" sz="5400" b="0" cap="none" spc="0" dirty="0">
+                <a:ln w="0"/>
+                <a:solidFill>
+                  <a:schemeClr val="tx1"/>
+                </a:solidFill>
+                <a:effectLst>
+                  <a:outerShdw blurRad="38100" dist="19050" dir="2700000" algn="tl" rotWithShape="0">
+                    <a:schemeClr val="dk1">
+                      <a:alpha val="40000"/>
+                    </a:schemeClr>
+                  </a:outerShdw>
+                </a:effectLst>
+              </a:rPr>
+              <a:t>Our Project – </a:t>
+            </a:r>
+            <a:r>
+              <a:rPr lang="en-US" sz="5400" dirty="0">
+                <a:ln w="0"/>
+                <a:effectLst>
+                  <a:outerShdw blurRad="38100" dist="19050" dir="2700000" algn="tl" rotWithShape="0">
+                    <a:schemeClr val="dk1">
+                      <a:alpha val="40000"/>
+                    </a:schemeClr>
+                  </a:outerShdw>
+                </a:effectLst>
+                <a:highlight>
+                  <a:srgbClr val="FFFF00"/>
+                </a:highlight>
+              </a:rPr>
+              <a:t>M</a:t>
+            </a:r>
+            <a:r>
+              <a:rPr lang="en-US" sz="5400" dirty="0">
+                <a:ln w="0"/>
+                <a:effectLst>
+                  <a:outerShdw blurRad="38100" dist="19050" dir="2700000" algn="tl" rotWithShape="0">
+                    <a:schemeClr val="dk1">
+                      <a:alpha val="40000"/>
+                    </a:schemeClr>
+                  </a:outerShdw>
+                </a:effectLst>
+              </a:rPr>
+              <a:t>ain</a:t>
+            </a:r>
+            <a:endParaRPr lang="en-US" sz="5400" b="0" cap="none" spc="0" dirty="0">
+              <a:ln w="0"/>
+              <a:solidFill>
+                <a:schemeClr val="tx1"/>
+              </a:solidFill>
+              <a:effectLst>
+                <a:outerShdw blurRad="38100" dist="19050" dir="2700000" algn="tl" rotWithShape="0">
+                  <a:schemeClr val="dk1">
+                    <a:alpha val="40000"/>
+                  </a:schemeClr>
+                </a:outerShdw>
+              </a:effectLst>
+            </a:endParaRPr>
+          </a:p>
+        </p:txBody>
+      </p:sp>
+      <p:sp>
+        <p:nvSpPr>
+          <p:cNvPr id="14" name="TextBox 13">
+            <a:extLst>
+              <a:ext uri="{FF2B5EF4-FFF2-40B4-BE49-F238E27FC236}">
+                <a16:creationId xmlns:a16="http://schemas.microsoft.com/office/drawing/2014/main" id="{ABD0861B-2C8B-4BC2-BA6A-5CD0DFF70086}"/>
+              </a:ext>
+            </a:extLst>
+          </p:cNvPr>
+          <p:cNvSpPr txBox="1"/>
+          <p:nvPr/>
+        </p:nvSpPr>
+        <p:spPr>
+          <a:xfrm>
+            <a:off x="145705" y="4506395"/>
+            <a:ext cx="4501246" cy="369332"/>
+          </a:xfrm>
+          <a:prstGeom prst="rect">
+            <a:avLst/>
+          </a:prstGeom>
+          <a:noFill/>
+        </p:spPr>
+        <p:txBody>
+          <a:bodyPr wrap="square">
+            <a:spAutoFit/>
+          </a:bodyPr>
+          <a:lstStyle/>
+          <a:p>
+            <a:r>
+              <a:rPr lang="en-US" dirty="0">
+                <a:solidFill>
+                  <a:srgbClr val="00B050"/>
+                </a:solidFill>
+                <a:latin typeface="Segoe UI" panose="020B0502040204020203" pitchFamily="34" charset="0"/>
+              </a:rPr>
+              <a:t>//Update your Main()  - </a:t>
+            </a:r>
+            <a:r>
+              <a:rPr lang="en-US" dirty="0">
+                <a:solidFill>
+                  <a:srgbClr val="00B050"/>
+                </a:solidFill>
+                <a:highlight>
+                  <a:srgbClr val="FFFF00"/>
+                </a:highlight>
+                <a:latin typeface="Segoe UI" panose="020B0502040204020203" pitchFamily="34" charset="0"/>
+              </a:rPr>
+              <a:t>Add Date Picker</a:t>
+            </a:r>
+            <a:endParaRPr lang="en-US" sz="2000" dirty="0">
+              <a:solidFill>
+                <a:srgbClr val="00B050"/>
+              </a:solidFill>
+              <a:effectLst/>
+              <a:highlight>
+                <a:srgbClr val="FFFF00"/>
+              </a:highlight>
+              <a:latin typeface="Arial" panose="020B0604020202020204" pitchFamily="34" charset="0"/>
+            </a:endParaRPr>
+          </a:p>
+        </p:txBody>
+      </p:sp>
+      <p:sp>
+        <p:nvSpPr>
+          <p:cNvPr id="15" name="TextBox 14">
+            <a:extLst>
+              <a:ext uri="{FF2B5EF4-FFF2-40B4-BE49-F238E27FC236}">
+                <a16:creationId xmlns:a16="http://schemas.microsoft.com/office/drawing/2014/main" id="{814C1F0A-CB54-BEFD-5A72-9E54216C865D}"/>
+              </a:ext>
+            </a:extLst>
+          </p:cNvPr>
+          <p:cNvSpPr txBox="1"/>
+          <p:nvPr/>
+        </p:nvSpPr>
+        <p:spPr>
+          <a:xfrm>
+            <a:off x="191567" y="5011850"/>
+            <a:ext cx="7389266" cy="2585323"/>
+          </a:xfrm>
+          <a:prstGeom prst="rect">
+            <a:avLst/>
+          </a:prstGeom>
+          <a:noFill/>
+          <a:ln w="28575">
+            <a:solidFill>
+              <a:schemeClr val="tx1">
+                <a:lumMod val="95000"/>
+                <a:lumOff val="5000"/>
+              </a:schemeClr>
+            </a:solidFill>
+          </a:ln>
+        </p:spPr>
+        <p:txBody>
+          <a:bodyPr wrap="square">
+            <a:spAutoFit/>
+          </a:bodyPr>
+          <a:lstStyle/>
+          <a:p>
+            <a:r>
+              <a:rPr lang="en-CA" dirty="0"/>
+              <a:t>&lt;Col&gt;</a:t>
+            </a:r>
+          </a:p>
+          <a:p>
+            <a:r>
+              <a:rPr lang="en-CA" dirty="0"/>
+              <a:t>              </a:t>
+            </a:r>
+            <a:r>
+              <a:rPr lang="en-CA" b="1" dirty="0"/>
+              <a:t>&lt;Form&gt;</a:t>
+            </a:r>
+          </a:p>
+          <a:p>
+            <a:r>
+              <a:rPr lang="en-CA" b="1" dirty="0"/>
+              <a:t>                  &lt;</a:t>
+            </a:r>
+            <a:r>
+              <a:rPr lang="en-CA" b="1" dirty="0" err="1"/>
+              <a:t>Form.Group</a:t>
+            </a:r>
+            <a:r>
+              <a:rPr lang="en-CA" b="1" dirty="0"/>
+              <a:t> &gt;</a:t>
+            </a:r>
+          </a:p>
+          <a:p>
+            <a:r>
+              <a:rPr lang="en-CA" b="1" dirty="0"/>
+              <a:t>                    &lt;</a:t>
+            </a:r>
+            <a:r>
+              <a:rPr lang="en-CA" b="1" dirty="0" err="1"/>
+              <a:t>Form.Label</a:t>
+            </a:r>
+            <a:r>
+              <a:rPr lang="en-CA" b="1" dirty="0"/>
+              <a:t>&gt;Pick Date&lt;/</a:t>
+            </a:r>
+            <a:r>
+              <a:rPr lang="en-CA" b="1" dirty="0" err="1"/>
+              <a:t>Form.Label</a:t>
+            </a:r>
+            <a:r>
+              <a:rPr lang="en-CA" b="1" dirty="0"/>
+              <a:t>&gt; </a:t>
+            </a:r>
+          </a:p>
+          <a:p>
+            <a:r>
+              <a:rPr lang="en-CA" b="1" dirty="0"/>
+              <a:t>                    &lt;</a:t>
+            </a:r>
+            <a:r>
+              <a:rPr lang="en-CA" b="1" dirty="0" err="1"/>
+              <a:t>DatePicker</a:t>
+            </a:r>
+            <a:r>
+              <a:rPr lang="en-CA" b="1" dirty="0"/>
+              <a:t> </a:t>
+            </a:r>
+            <a:r>
+              <a:rPr lang="en-CA" b="1" dirty="0" err="1"/>
+              <a:t>className</a:t>
+            </a:r>
+            <a:r>
+              <a:rPr lang="en-CA" b="1" dirty="0"/>
+              <a:t>='</a:t>
+            </a:r>
+            <a:r>
+              <a:rPr lang="en-CA" b="1" dirty="0" err="1"/>
+              <a:t>datePicker</a:t>
+            </a:r>
+            <a:r>
+              <a:rPr lang="en-CA" b="1" dirty="0"/>
+              <a:t>' /&gt;</a:t>
+            </a:r>
+          </a:p>
+          <a:p>
+            <a:r>
+              <a:rPr lang="en-CA" b="1" dirty="0"/>
+              <a:t>                  &lt;/</a:t>
+            </a:r>
+            <a:r>
+              <a:rPr lang="en-CA" b="1" dirty="0" err="1"/>
+              <a:t>Form.Group</a:t>
+            </a:r>
+            <a:r>
+              <a:rPr lang="en-CA" b="1" dirty="0"/>
+              <a:t>&gt;</a:t>
+            </a:r>
+          </a:p>
+          <a:p>
+            <a:r>
+              <a:rPr lang="en-CA" b="1" dirty="0"/>
+              <a:t>               &lt;/Form&gt;</a:t>
+            </a:r>
+          </a:p>
+          <a:p>
+            <a:r>
+              <a:rPr lang="en-CA" dirty="0"/>
+              <a:t>              &lt;Footer </a:t>
+            </a:r>
+            <a:r>
+              <a:rPr lang="en-CA" dirty="0" err="1"/>
+              <a:t>className</a:t>
+            </a:r>
+            <a:r>
+              <a:rPr lang="en-CA" dirty="0"/>
+              <a:t>='general-border center' /&gt;</a:t>
+            </a:r>
+          </a:p>
+          <a:p>
+            <a:r>
+              <a:rPr lang="en-CA" dirty="0"/>
+              <a:t>          &lt;/Col&gt;</a:t>
+            </a:r>
+          </a:p>
+        </p:txBody>
+      </p:sp>
+      <p:pic>
+        <p:nvPicPr>
+          <p:cNvPr id="6" name="Picture 5">
+            <a:extLst>
+              <a:ext uri="{FF2B5EF4-FFF2-40B4-BE49-F238E27FC236}">
+                <a16:creationId xmlns:a16="http://schemas.microsoft.com/office/drawing/2014/main" id="{7CF123F6-F5AA-8172-0121-A60ADAF78339}"/>
+              </a:ext>
+            </a:extLst>
+          </p:cNvPr>
+          <p:cNvPicPr>
+            <a:picLocks noChangeAspect="1"/>
+          </p:cNvPicPr>
+          <p:nvPr/>
+        </p:nvPicPr>
+        <p:blipFill>
+          <a:blip r:embed="rId2"/>
+          <a:stretch>
+            <a:fillRect/>
+          </a:stretch>
+        </p:blipFill>
+        <p:spPr>
+          <a:xfrm>
+            <a:off x="381358" y="923330"/>
+            <a:ext cx="7199475" cy="3350637"/>
+          </a:xfrm>
+          <a:prstGeom prst="rect">
+            <a:avLst/>
+          </a:prstGeom>
+          <a:ln w="38100" cap="sq">
+            <a:solidFill>
+              <a:srgbClr val="000000"/>
+            </a:solidFill>
+            <a:prstDash val="solid"/>
+            <a:miter lim="800000"/>
+          </a:ln>
+          <a:effectLst>
+            <a:outerShdw blurRad="50800" dist="38100" dir="2700000" algn="tl" rotWithShape="0">
+              <a:srgbClr val="000000">
+                <a:alpha val="43000"/>
+              </a:srgbClr>
+            </a:outerShdw>
+          </a:effectLst>
+        </p:spPr>
+      </p:pic>
+      <p:sp>
+        <p:nvSpPr>
+          <p:cNvPr id="7" name="TextBox 6">
+            <a:extLst>
+              <a:ext uri="{FF2B5EF4-FFF2-40B4-BE49-F238E27FC236}">
+                <a16:creationId xmlns:a16="http://schemas.microsoft.com/office/drawing/2014/main" id="{149BD1F5-C657-DE64-3FDE-7DC280BAC323}"/>
+              </a:ext>
+            </a:extLst>
+          </p:cNvPr>
+          <p:cNvSpPr txBox="1"/>
+          <p:nvPr/>
+        </p:nvSpPr>
+        <p:spPr>
+          <a:xfrm>
+            <a:off x="0" y="7733296"/>
+            <a:ext cx="4501246" cy="369332"/>
+          </a:xfrm>
+          <a:prstGeom prst="rect">
+            <a:avLst/>
+          </a:prstGeom>
+          <a:noFill/>
+        </p:spPr>
+        <p:txBody>
+          <a:bodyPr wrap="square">
+            <a:spAutoFit/>
+          </a:bodyPr>
+          <a:lstStyle/>
+          <a:p>
+            <a:r>
+              <a:rPr lang="en-US" dirty="0">
+                <a:solidFill>
+                  <a:srgbClr val="00B050"/>
+                </a:solidFill>
+                <a:latin typeface="Segoe UI" panose="020B0502040204020203" pitchFamily="34" charset="0"/>
+              </a:rPr>
+              <a:t>//Update your Main()  - </a:t>
+            </a:r>
+            <a:r>
+              <a:rPr lang="en-US" dirty="0">
+                <a:solidFill>
+                  <a:srgbClr val="00B050"/>
+                </a:solidFill>
+                <a:highlight>
+                  <a:srgbClr val="FFFF00"/>
+                </a:highlight>
+                <a:latin typeface="Segoe UI" panose="020B0502040204020203" pitchFamily="34" charset="0"/>
+              </a:rPr>
+              <a:t>Add imports</a:t>
+            </a:r>
+            <a:endParaRPr lang="en-US" sz="2000" dirty="0">
+              <a:solidFill>
+                <a:srgbClr val="00B050"/>
+              </a:solidFill>
+              <a:effectLst/>
+              <a:highlight>
+                <a:srgbClr val="FFFF00"/>
+              </a:highlight>
+              <a:latin typeface="Arial" panose="020B0604020202020204" pitchFamily="34" charset="0"/>
+            </a:endParaRPr>
+          </a:p>
+        </p:txBody>
+      </p:sp>
+      <p:sp>
+        <p:nvSpPr>
+          <p:cNvPr id="9" name="TextBox 8">
+            <a:extLst>
+              <a:ext uri="{FF2B5EF4-FFF2-40B4-BE49-F238E27FC236}">
+                <a16:creationId xmlns:a16="http://schemas.microsoft.com/office/drawing/2014/main" id="{94537A1F-57D7-748A-CC97-3BF9389FB018}"/>
+              </a:ext>
+            </a:extLst>
+          </p:cNvPr>
+          <p:cNvSpPr txBox="1"/>
+          <p:nvPr/>
+        </p:nvSpPr>
+        <p:spPr>
+          <a:xfrm>
+            <a:off x="145705" y="8238751"/>
+            <a:ext cx="7389266" cy="923330"/>
+          </a:xfrm>
+          <a:prstGeom prst="rect">
+            <a:avLst/>
+          </a:prstGeom>
+          <a:noFill/>
+          <a:ln w="28575">
+            <a:solidFill>
+              <a:schemeClr val="tx1">
+                <a:lumMod val="95000"/>
+                <a:lumOff val="5000"/>
+              </a:schemeClr>
+            </a:solidFill>
+          </a:ln>
+        </p:spPr>
+        <p:txBody>
+          <a:bodyPr wrap="square">
+            <a:spAutoFit/>
+          </a:bodyPr>
+          <a:lstStyle/>
+          <a:p>
+            <a:r>
+              <a:rPr lang="en-CA" dirty="0"/>
+              <a:t>import </a:t>
+            </a:r>
+            <a:r>
+              <a:rPr lang="en-CA" dirty="0" err="1"/>
+              <a:t>DatePicker</a:t>
+            </a:r>
+            <a:r>
+              <a:rPr lang="en-CA" dirty="0"/>
+              <a:t> from 'react-</a:t>
+            </a:r>
+            <a:r>
+              <a:rPr lang="en-CA" dirty="0" err="1"/>
+              <a:t>datepicker</a:t>
+            </a:r>
+            <a:r>
+              <a:rPr lang="en-CA" dirty="0"/>
+              <a:t>';</a:t>
+            </a:r>
+          </a:p>
+          <a:p>
+            <a:r>
+              <a:rPr lang="en-CA" dirty="0"/>
+              <a:t>import 'react-</a:t>
+            </a:r>
+            <a:r>
+              <a:rPr lang="en-CA" dirty="0" err="1"/>
+              <a:t>datepicker</a:t>
+            </a:r>
+            <a:r>
+              <a:rPr lang="en-CA" dirty="0"/>
+              <a:t>/</a:t>
+            </a:r>
+            <a:r>
+              <a:rPr lang="en-CA" dirty="0" err="1"/>
+              <a:t>dist</a:t>
+            </a:r>
+            <a:r>
+              <a:rPr lang="en-CA" dirty="0"/>
+              <a:t>/react-datepicker.css';</a:t>
+            </a:r>
+          </a:p>
+          <a:p>
+            <a:r>
+              <a:rPr lang="en-CA" dirty="0"/>
+              <a:t>import Form from 'react-bootstrap/Form';</a:t>
+            </a:r>
+          </a:p>
+        </p:txBody>
+      </p:sp>
+      <p:sp>
+        <p:nvSpPr>
+          <p:cNvPr id="10" name="TextBox 9">
+            <a:extLst>
+              <a:ext uri="{FF2B5EF4-FFF2-40B4-BE49-F238E27FC236}">
+                <a16:creationId xmlns:a16="http://schemas.microsoft.com/office/drawing/2014/main" id="{4B117592-5C69-36DC-A92B-92EE48367A3E}"/>
+              </a:ext>
+            </a:extLst>
+          </p:cNvPr>
+          <p:cNvSpPr txBox="1"/>
+          <p:nvPr/>
+        </p:nvSpPr>
+        <p:spPr>
+          <a:xfrm>
+            <a:off x="145705" y="9298204"/>
+            <a:ext cx="7622250" cy="646331"/>
+          </a:xfrm>
+          <a:prstGeom prst="rect">
+            <a:avLst/>
+          </a:prstGeom>
+          <a:noFill/>
+        </p:spPr>
+        <p:txBody>
+          <a:bodyPr wrap="square">
+            <a:spAutoFit/>
+          </a:bodyPr>
+          <a:lstStyle/>
+          <a:p>
+            <a:r>
+              <a:rPr lang="en-CA" dirty="0">
+                <a:solidFill>
+                  <a:srgbClr val="00B050"/>
+                </a:solidFill>
+              </a:rPr>
+              <a:t>//install required library</a:t>
+            </a:r>
+          </a:p>
+          <a:p>
+            <a:r>
+              <a:rPr lang="en-CA" dirty="0" err="1"/>
+              <a:t>npm</a:t>
+            </a:r>
+            <a:r>
+              <a:rPr lang="en-CA" dirty="0"/>
+              <a:t> install react-</a:t>
+            </a:r>
+            <a:r>
+              <a:rPr lang="en-CA" dirty="0" err="1"/>
+              <a:t>datepicker</a:t>
+            </a:r>
+            <a:endParaRPr lang="en-CA" dirty="0"/>
+          </a:p>
+        </p:txBody>
+      </p:sp>
+      <p:sp>
+        <p:nvSpPr>
+          <p:cNvPr id="2" name="TextBox 1">
+            <a:extLst>
+              <a:ext uri="{FF2B5EF4-FFF2-40B4-BE49-F238E27FC236}">
+                <a16:creationId xmlns:a16="http://schemas.microsoft.com/office/drawing/2014/main" id="{D4C16299-B720-7E3F-7506-2CCE1525E819}"/>
+              </a:ext>
+            </a:extLst>
+          </p:cNvPr>
+          <p:cNvSpPr txBox="1"/>
+          <p:nvPr/>
+        </p:nvSpPr>
+        <p:spPr>
+          <a:xfrm>
+            <a:off x="5458505" y="9434327"/>
+            <a:ext cx="2076466" cy="369332"/>
+          </a:xfrm>
+          <a:prstGeom prst="rect">
+            <a:avLst/>
+          </a:prstGeom>
+          <a:solidFill>
+            <a:schemeClr val="accent2"/>
+          </a:solidFill>
+          <a:ln w="19050">
+            <a:solidFill>
+              <a:schemeClr val="tx1"/>
+            </a:solidFill>
+          </a:ln>
+        </p:spPr>
+        <p:txBody>
+          <a:bodyPr wrap="none" rtlCol="0">
+            <a:spAutoFit/>
+          </a:bodyPr>
+          <a:lstStyle/>
+          <a:p>
+            <a:r>
+              <a:rPr lang="en-CA" dirty="0"/>
+              <a:t>Test your changes</a:t>
+            </a:r>
+          </a:p>
+        </p:txBody>
+      </p:sp>
+    </p:spTree>
+    <p:extLst>
+      <p:ext uri="{BB962C8B-B14F-4D97-AF65-F5344CB8AC3E}">
+        <p14:creationId xmlns:p14="http://schemas.microsoft.com/office/powerpoint/2010/main" val="340845286"/>
+      </p:ext>
+    </p:extLst>
+  </p:cSld>
+  <p:clrMapOvr>
+    <a:masterClrMapping/>
+  </p:clrMapOvr>
+  <p:timing>
+    <p:tnLst>
+      <p:par>
+        <p:cTn id="1" dur="indefinite" restart="never" nodeType="tmRoot">
+          <p:childTnLst>
+            <p:seq concurrent="1" nextAc="seek">
+              <p:cTn id="2" dur="indefinite" nodeType="mainSeq">
+                <p:childTnLst>
+                  <p:par>
+                    <p:cTn id="3" fill="hold">
+                      <p:stCondLst>
+                        <p:cond delay="indefinite"/>
+                      </p:stCondLst>
+                      <p:childTnLst>
+                        <p:par>
+                          <p:cTn id="4" fill="hold">
+                            <p:stCondLst>
+                              <p:cond delay="0"/>
+                            </p:stCondLst>
+                            <p:childTnLst>
+                              <p:par>
+                                <p:cTn id="5" presetID="1" presetClass="entr" presetSubtype="0" fill="hold" grpId="0" nodeType="clickEffect">
+                                  <p:stCondLst>
+                                    <p:cond delay="0"/>
+                                  </p:stCondLst>
+                                  <p:childTnLst>
+                                    <p:set>
+                                      <p:cBhvr>
+                                        <p:cTn id="6" dur="1" fill="hold">
+                                          <p:stCondLst>
+                                            <p:cond delay="0"/>
+                                          </p:stCondLst>
+                                        </p:cTn>
+                                        <p:tgtEl>
+                                          <p:spTgt spid="14"/>
+                                        </p:tgtEl>
+                                        <p:attrNameLst>
+                                          <p:attrName>style.visibility</p:attrName>
+                                        </p:attrNameLst>
+                                      </p:cBhvr>
+                                      <p:to>
+                                        <p:strVal val="visible"/>
+                                      </p:to>
+                                    </p:set>
+                                  </p:childTnLst>
+                                </p:cTn>
+                              </p:par>
+                              <p:par>
+                                <p:cTn id="7" presetID="1" presetClass="entr" presetSubtype="0" fill="hold" grpId="0" nodeType="withEffect">
+                                  <p:stCondLst>
+                                    <p:cond delay="0"/>
+                                  </p:stCondLst>
+                                  <p:childTnLst>
+                                    <p:set>
+                                      <p:cBhvr>
+                                        <p:cTn id="8" dur="1" fill="hold">
+                                          <p:stCondLst>
+                                            <p:cond delay="0"/>
+                                          </p:stCondLst>
+                                        </p:cTn>
+                                        <p:tgtEl>
+                                          <p:spTgt spid="15"/>
+                                        </p:tgtEl>
+                                        <p:attrNameLst>
+                                          <p:attrName>style.visibility</p:attrName>
+                                        </p:attrNameLst>
+                                      </p:cBhvr>
+                                      <p:to>
+                                        <p:strVal val="visible"/>
+                                      </p:to>
+                                    </p:set>
+                                  </p:childTnLst>
+                                </p:cTn>
+                              </p:par>
+                            </p:childTnLst>
+                          </p:cTn>
+                        </p:par>
+                      </p:childTnLst>
+                    </p:cTn>
+                  </p:par>
+                  <p:par>
+                    <p:cTn id="9" fill="hold">
+                      <p:stCondLst>
+                        <p:cond delay="indefinite"/>
+                      </p:stCondLst>
+                      <p:childTnLst>
+                        <p:par>
+                          <p:cTn id="10" fill="hold">
+                            <p:stCondLst>
+                              <p:cond delay="0"/>
+                            </p:stCondLst>
+                            <p:childTnLst>
+                              <p:par>
+                                <p:cTn id="11" presetID="1" presetClass="entr" presetSubtype="0" fill="hold" grpId="0" nodeType="clickEffect">
+                                  <p:stCondLst>
+                                    <p:cond delay="0"/>
+                                  </p:stCondLst>
+                                  <p:childTnLst>
+                                    <p:set>
+                                      <p:cBhvr>
+                                        <p:cTn id="12" dur="1" fill="hold">
+                                          <p:stCondLst>
+                                            <p:cond delay="0"/>
+                                          </p:stCondLst>
+                                        </p:cTn>
+                                        <p:tgtEl>
+                                          <p:spTgt spid="7"/>
+                                        </p:tgtEl>
+                                        <p:attrNameLst>
+                                          <p:attrName>style.visibility</p:attrName>
+                                        </p:attrNameLst>
+                                      </p:cBhvr>
+                                      <p:to>
+                                        <p:strVal val="visible"/>
+                                      </p:to>
+                                    </p:set>
+                                  </p:childTnLst>
+                                </p:cTn>
+                              </p:par>
+                              <p:par>
+                                <p:cTn id="13" presetID="1" presetClass="entr" presetSubtype="0" fill="hold" grpId="0" nodeType="withEffect">
+                                  <p:stCondLst>
+                                    <p:cond delay="0"/>
+                                  </p:stCondLst>
+                                  <p:childTnLst>
+                                    <p:set>
+                                      <p:cBhvr>
+                                        <p:cTn id="14" dur="1" fill="hold">
+                                          <p:stCondLst>
+                                            <p:cond delay="0"/>
+                                          </p:stCondLst>
+                                        </p:cTn>
+                                        <p:tgtEl>
+                                          <p:spTgt spid="9"/>
+                                        </p:tgtEl>
+                                        <p:attrNameLst>
+                                          <p:attrName>style.visibility</p:attrName>
+                                        </p:attrNameLst>
+                                      </p:cBhvr>
+                                      <p:to>
+                                        <p:strVal val="visible"/>
+                                      </p:to>
+                                    </p:set>
+                                  </p:childTnLst>
+                                </p:cTn>
+                              </p:par>
+                            </p:childTnLst>
+                          </p:cTn>
+                        </p:par>
+                      </p:childTnLst>
+                    </p:cTn>
+                  </p:par>
+                  <p:par>
+                    <p:cTn id="15" fill="hold">
+                      <p:stCondLst>
+                        <p:cond delay="indefinite"/>
+                      </p:stCondLst>
+                      <p:childTnLst>
+                        <p:par>
+                          <p:cTn id="16" fill="hold">
+                            <p:stCondLst>
+                              <p:cond delay="0"/>
+                            </p:stCondLst>
+                            <p:childTnLst>
+                              <p:par>
+                                <p:cTn id="17" presetID="1" presetClass="entr" presetSubtype="0" fill="hold" grpId="0" nodeType="clickEffect">
+                                  <p:stCondLst>
+                                    <p:cond delay="0"/>
+                                  </p:stCondLst>
+                                  <p:childTnLst>
+                                    <p:set>
+                                      <p:cBhvr>
+                                        <p:cTn id="18" dur="1" fill="hold">
+                                          <p:stCondLst>
+                                            <p:cond delay="0"/>
+                                          </p:stCondLst>
+                                        </p:cTn>
+                                        <p:tgtEl>
+                                          <p:spTgt spid="10"/>
+                                        </p:tgtEl>
+                                        <p:attrNameLst>
+                                          <p:attrName>style.visibility</p:attrName>
+                                        </p:attrNameLst>
+                                      </p:cBhvr>
+                                      <p:to>
+                                        <p:strVal val="visible"/>
+                                      </p:to>
+                                    </p:set>
+                                  </p:childTnLst>
+                                </p:cTn>
+                              </p:par>
+                            </p:childTnLst>
+                          </p:cTn>
+                        </p:par>
+                      </p:childTnLst>
+                    </p:cTn>
+                  </p:par>
+                  <p:par>
+                    <p:cTn id="19" fill="hold">
+                      <p:stCondLst>
+                        <p:cond delay="indefinite"/>
+                      </p:stCondLst>
+                      <p:childTnLst>
+                        <p:par>
+                          <p:cTn id="20" fill="hold">
+                            <p:stCondLst>
+                              <p:cond delay="0"/>
+                            </p:stCondLst>
+                            <p:childTnLst>
+                              <p:par>
+                                <p:cTn id="21" presetID="1" presetClass="entr" presetSubtype="0" fill="hold" grpId="0" nodeType="clickEffect">
+                                  <p:stCondLst>
+                                    <p:cond delay="0"/>
+                                  </p:stCondLst>
+                                  <p:childTnLst>
+                                    <p:set>
+                                      <p:cBhvr>
+                                        <p:cTn id="22" dur="1" fill="hold">
+                                          <p:stCondLst>
+                                            <p:cond delay="0"/>
+                                          </p:stCondLst>
+                                        </p:cTn>
+                                        <p:tgtEl>
+                                          <p:spTgt spid="2"/>
+                                        </p:tgtEl>
+                                        <p:attrNameLst>
+                                          <p:attrName>style.visibility</p:attrName>
+                                        </p:attrNameLst>
+                                      </p:cBhvr>
+                                      <p:to>
+                                        <p:strVal val="visible"/>
+                                      </p:to>
+                                    </p:set>
+                                  </p:childTnLst>
+                                </p:cTn>
+                              </p:par>
+                            </p:childTnLst>
+                          </p:cTn>
+                        </p:par>
+                      </p:childTnLst>
+                    </p:cTn>
+                  </p:par>
+                </p:childTnLst>
+              </p:cTn>
+              <p:prevCondLst>
+                <p:cond evt="onPrev" delay="0">
+                  <p:tgtEl>
+                    <p:sldTgt/>
+                  </p:tgtEl>
+                </p:cond>
+              </p:prevCondLst>
+              <p:nextCondLst>
+                <p:cond evt="onNext" delay="0">
+                  <p:tgtEl>
+                    <p:sldTgt/>
+                  </p:tgtEl>
+                </p:cond>
+              </p:nextCondLst>
+            </p:seq>
+          </p:childTnLst>
+        </p:cTn>
+      </p:par>
+    </p:tnLst>
+    <p:bldLst>
+      <p:bldP spid="14" grpId="0"/>
+      <p:bldP spid="15" grpId="0" animBg="1"/>
+      <p:bldP spid="7" grpId="0"/>
+      <p:bldP spid="9" grpId="0" animBg="1"/>
+      <p:bldP spid="10" grpId="0"/>
+      <p:bldP spid="2" grpId="0" animBg="1"/>
+    </p:bldLst>
+  </p:timing>
+</p:sld>
+</file>
+
+<file path=ppt/slides/slide32.xml><?xml version="1.0" encoding="utf-8"?>
+<p:sld xmlns:a="http://schemas.openxmlformats.org/drawingml/2006/main" xmlns:r="http://schemas.openxmlformats.org/officeDocument/2006/relationships" xmlns:p="http://schemas.openxmlformats.org/presentationml/2006/main">
+  <p:cSld>
+    <p:spTree>
+      <p:nvGrpSpPr>
+        <p:cNvPr id="1" name=""/>
+        <p:cNvGrpSpPr/>
+        <p:nvPr/>
+      </p:nvGrpSpPr>
+      <p:grpSpPr>
+        <a:xfrm>
+          <a:off x="0" y="0"/>
+          <a:ext cx="0" cy="0"/>
+          <a:chOff x="0" y="0"/>
+          <a:chExt cx="0" cy="0"/>
+        </a:xfrm>
+      </p:grpSpPr>
+      <p:sp>
+        <p:nvSpPr>
+          <p:cNvPr id="8" name="Rectangle 7">
+            <a:extLst>
+              <a:ext uri="{FF2B5EF4-FFF2-40B4-BE49-F238E27FC236}">
+                <a16:creationId xmlns:a16="http://schemas.microsoft.com/office/drawing/2014/main" id="{158F95D5-BE54-3736-1783-2E5501BC5DA8}"/>
+              </a:ext>
+            </a:extLst>
+          </p:cNvPr>
+          <p:cNvSpPr/>
+          <p:nvPr/>
+        </p:nvSpPr>
+        <p:spPr>
+          <a:xfrm>
+            <a:off x="797965" y="0"/>
+            <a:ext cx="5943487" cy="923330"/>
+          </a:xfrm>
+          <a:prstGeom prst="rect">
+            <a:avLst/>
+          </a:prstGeom>
+          <a:noFill/>
+        </p:spPr>
+        <p:txBody>
+          <a:bodyPr wrap="none" lIns="91440" tIns="45720" rIns="91440" bIns="45720">
+            <a:spAutoFit/>
+          </a:bodyPr>
+          <a:lstStyle/>
+          <a:p>
+            <a:pPr algn="ctr"/>
+            <a:r>
+              <a:rPr lang="en-US" sz="5400" b="0" cap="none" spc="0" dirty="0">
+                <a:ln w="0"/>
+                <a:solidFill>
+                  <a:schemeClr val="tx1"/>
+                </a:solidFill>
+                <a:effectLst>
+                  <a:outerShdw blurRad="38100" dist="19050" dir="2700000" algn="tl" rotWithShape="0">
+                    <a:schemeClr val="dk1">
+                      <a:alpha val="40000"/>
+                    </a:schemeClr>
+                  </a:outerShdw>
+                </a:effectLst>
+              </a:rPr>
+              <a:t>Our Project – </a:t>
+            </a:r>
+            <a:r>
+              <a:rPr lang="en-US" sz="5400" dirty="0">
+                <a:ln w="0"/>
+                <a:effectLst>
+                  <a:outerShdw blurRad="38100" dist="19050" dir="2700000" algn="tl" rotWithShape="0">
+                    <a:schemeClr val="dk1">
+                      <a:alpha val="40000"/>
+                    </a:schemeClr>
+                  </a:outerShdw>
+                </a:effectLst>
+                <a:highlight>
+                  <a:srgbClr val="FFFF00"/>
+                </a:highlight>
+              </a:rPr>
+              <a:t>M</a:t>
+            </a:r>
+            <a:r>
+              <a:rPr lang="en-US" sz="5400" dirty="0">
+                <a:ln w="0"/>
+                <a:effectLst>
+                  <a:outerShdw blurRad="38100" dist="19050" dir="2700000" algn="tl" rotWithShape="0">
+                    <a:schemeClr val="dk1">
+                      <a:alpha val="40000"/>
+                    </a:schemeClr>
+                  </a:outerShdw>
+                </a:effectLst>
+              </a:rPr>
+              <a:t>ain</a:t>
+            </a:r>
+            <a:endParaRPr lang="en-US" sz="5400" b="0" cap="none" spc="0" dirty="0">
+              <a:ln w="0"/>
+              <a:solidFill>
+                <a:schemeClr val="tx1"/>
+              </a:solidFill>
+              <a:effectLst>
+                <a:outerShdw blurRad="38100" dist="19050" dir="2700000" algn="tl" rotWithShape="0">
+                  <a:schemeClr val="dk1">
+                    <a:alpha val="40000"/>
+                  </a:schemeClr>
+                </a:outerShdw>
+              </a:effectLst>
+            </a:endParaRPr>
+          </a:p>
+        </p:txBody>
+      </p:sp>
+      <p:sp>
+        <p:nvSpPr>
+          <p:cNvPr id="14" name="TextBox 13">
+            <a:extLst>
+              <a:ext uri="{FF2B5EF4-FFF2-40B4-BE49-F238E27FC236}">
+                <a16:creationId xmlns:a16="http://schemas.microsoft.com/office/drawing/2014/main" id="{ABD0861B-2C8B-4BC2-BA6A-5CD0DFF70086}"/>
+              </a:ext>
+            </a:extLst>
+          </p:cNvPr>
+          <p:cNvSpPr txBox="1"/>
+          <p:nvPr/>
+        </p:nvSpPr>
+        <p:spPr>
+          <a:xfrm>
+            <a:off x="145705" y="1300367"/>
+            <a:ext cx="4501246" cy="369332"/>
+          </a:xfrm>
+          <a:prstGeom prst="rect">
+            <a:avLst/>
+          </a:prstGeom>
+          <a:noFill/>
+        </p:spPr>
+        <p:txBody>
+          <a:bodyPr wrap="square">
+            <a:spAutoFit/>
+          </a:bodyPr>
+          <a:lstStyle/>
+          <a:p>
+            <a:r>
+              <a:rPr lang="en-US" dirty="0">
+                <a:solidFill>
+                  <a:srgbClr val="00B050"/>
+                </a:solidFill>
+                <a:latin typeface="Segoe UI" panose="020B0502040204020203" pitchFamily="34" charset="0"/>
+              </a:rPr>
+              <a:t>//Update your Main()  - </a:t>
+            </a:r>
+            <a:r>
+              <a:rPr lang="en-US" dirty="0">
+                <a:solidFill>
+                  <a:srgbClr val="00B050"/>
+                </a:solidFill>
+                <a:highlight>
+                  <a:srgbClr val="FFFF00"/>
+                </a:highlight>
+                <a:latin typeface="Segoe UI" panose="020B0502040204020203" pitchFamily="34" charset="0"/>
+              </a:rPr>
+              <a:t>Add Task Name</a:t>
+            </a:r>
+            <a:endParaRPr lang="en-US" sz="2000" dirty="0">
+              <a:solidFill>
+                <a:srgbClr val="00B050"/>
+              </a:solidFill>
+              <a:effectLst/>
+              <a:highlight>
+                <a:srgbClr val="FFFF00"/>
+              </a:highlight>
+              <a:latin typeface="Arial" panose="020B0604020202020204" pitchFamily="34" charset="0"/>
+            </a:endParaRPr>
+          </a:p>
+        </p:txBody>
+      </p:sp>
+      <p:sp>
+        <p:nvSpPr>
+          <p:cNvPr id="15" name="TextBox 14">
+            <a:extLst>
+              <a:ext uri="{FF2B5EF4-FFF2-40B4-BE49-F238E27FC236}">
+                <a16:creationId xmlns:a16="http://schemas.microsoft.com/office/drawing/2014/main" id="{814C1F0A-CB54-BEFD-5A72-9E54216C865D}"/>
+              </a:ext>
+            </a:extLst>
+          </p:cNvPr>
+          <p:cNvSpPr txBox="1"/>
+          <p:nvPr/>
+        </p:nvSpPr>
+        <p:spPr>
+          <a:xfrm>
+            <a:off x="191567" y="1805822"/>
+            <a:ext cx="7389266" cy="2585323"/>
+          </a:xfrm>
+          <a:prstGeom prst="rect">
+            <a:avLst/>
+          </a:prstGeom>
+          <a:noFill/>
+          <a:ln w="28575">
+            <a:solidFill>
+              <a:schemeClr val="tx1">
+                <a:lumMod val="95000"/>
+                <a:lumOff val="5000"/>
+              </a:schemeClr>
+            </a:solidFill>
+          </a:ln>
+        </p:spPr>
+        <p:txBody>
+          <a:bodyPr wrap="square">
+            <a:spAutoFit/>
+          </a:bodyPr>
+          <a:lstStyle/>
+          <a:p>
+            <a:r>
+              <a:rPr lang="en-CA" dirty="0"/>
+              <a:t>…</a:t>
+            </a:r>
+          </a:p>
+          <a:p>
+            <a:r>
+              <a:rPr lang="en-CA" b="1" dirty="0"/>
+              <a:t>                &lt;</a:t>
+            </a:r>
+            <a:r>
+              <a:rPr lang="en-CA" b="1" dirty="0" err="1"/>
+              <a:t>Form.Group</a:t>
+            </a:r>
+            <a:r>
+              <a:rPr lang="en-CA" b="1" dirty="0"/>
+              <a:t>  </a:t>
+            </a:r>
+            <a:r>
+              <a:rPr lang="en-CA" b="1" dirty="0" err="1"/>
+              <a:t>controlId</a:t>
+            </a:r>
+            <a:r>
+              <a:rPr lang="en-CA" b="1" dirty="0"/>
+              <a:t>="</a:t>
+            </a:r>
+            <a:r>
+              <a:rPr lang="en-CA" b="1" dirty="0" err="1"/>
+              <a:t>formTaskName</a:t>
+            </a:r>
+            <a:r>
+              <a:rPr lang="en-CA" b="1" dirty="0"/>
+              <a:t>"&gt;</a:t>
+            </a:r>
+          </a:p>
+          <a:p>
+            <a:r>
+              <a:rPr lang="en-CA" b="1" dirty="0"/>
+              <a:t>                     &lt;</a:t>
+            </a:r>
+            <a:r>
+              <a:rPr lang="en-CA" b="1" dirty="0" err="1"/>
+              <a:t>Form.Label</a:t>
+            </a:r>
+            <a:r>
+              <a:rPr lang="en-CA" b="1" dirty="0"/>
+              <a:t>&gt;Task Name&lt;/</a:t>
+            </a:r>
+            <a:r>
+              <a:rPr lang="en-CA" b="1" dirty="0" err="1"/>
+              <a:t>Form.Label</a:t>
+            </a:r>
+            <a:r>
+              <a:rPr lang="en-CA" b="1" dirty="0"/>
+              <a:t>&gt;</a:t>
+            </a:r>
+          </a:p>
+          <a:p>
+            <a:r>
+              <a:rPr lang="en-CA" b="1" dirty="0"/>
+              <a:t>                     &lt;</a:t>
+            </a:r>
+            <a:r>
+              <a:rPr lang="en-CA" b="1" dirty="0" err="1"/>
+              <a:t>Form.Control</a:t>
+            </a:r>
+            <a:r>
+              <a:rPr lang="en-CA" b="1" dirty="0"/>
+              <a:t> type="text" placeholder="Enter name </a:t>
+            </a:r>
+          </a:p>
+          <a:p>
+            <a:r>
+              <a:rPr lang="en-CA" b="1" dirty="0"/>
+              <a:t>                          or   #" /&gt;</a:t>
+            </a:r>
+          </a:p>
+          <a:p>
+            <a:r>
+              <a:rPr lang="en-CA" b="1" dirty="0"/>
+              <a:t>                &lt;/</a:t>
+            </a:r>
+            <a:r>
+              <a:rPr lang="en-CA" b="1" dirty="0" err="1"/>
+              <a:t>Form.Group</a:t>
+            </a:r>
+            <a:r>
+              <a:rPr lang="en-CA" b="1" dirty="0"/>
+              <a:t>&gt;</a:t>
+            </a:r>
+          </a:p>
+          <a:p>
+            <a:r>
+              <a:rPr lang="en-CA" dirty="0"/>
+              <a:t>             &lt;/Form&gt;</a:t>
+            </a:r>
+          </a:p>
+          <a:p>
+            <a:r>
+              <a:rPr lang="en-CA" dirty="0"/>
+              <a:t>              &lt;Footer </a:t>
+            </a:r>
+            <a:r>
+              <a:rPr lang="en-CA" dirty="0" err="1"/>
+              <a:t>className</a:t>
+            </a:r>
+            <a:r>
+              <a:rPr lang="en-CA" dirty="0"/>
+              <a:t>='general-border center' /&gt;</a:t>
+            </a:r>
+          </a:p>
+          <a:p>
+            <a:r>
+              <a:rPr lang="en-CA" dirty="0"/>
+              <a:t>          &lt;/Col&gt;</a:t>
+            </a:r>
+          </a:p>
+        </p:txBody>
+      </p:sp>
+      <p:sp>
+        <p:nvSpPr>
+          <p:cNvPr id="11" name="TextBox 10">
+            <a:extLst>
+              <a:ext uri="{FF2B5EF4-FFF2-40B4-BE49-F238E27FC236}">
+                <a16:creationId xmlns:a16="http://schemas.microsoft.com/office/drawing/2014/main" id="{D77C5925-C3C1-D0C2-D66E-D153A0FD2BA5}"/>
+              </a:ext>
+            </a:extLst>
+          </p:cNvPr>
+          <p:cNvSpPr txBox="1"/>
+          <p:nvPr/>
+        </p:nvSpPr>
+        <p:spPr>
+          <a:xfrm>
+            <a:off x="5504367" y="4667363"/>
+            <a:ext cx="2076466" cy="369332"/>
+          </a:xfrm>
+          <a:prstGeom prst="rect">
+            <a:avLst/>
+          </a:prstGeom>
+          <a:solidFill>
+            <a:schemeClr val="accent2"/>
+          </a:solidFill>
+          <a:ln w="19050">
+            <a:solidFill>
+              <a:schemeClr val="tx1"/>
+            </a:solidFill>
+          </a:ln>
+        </p:spPr>
+        <p:txBody>
+          <a:bodyPr wrap="none" rtlCol="0">
+            <a:spAutoFit/>
+          </a:bodyPr>
+          <a:lstStyle/>
+          <a:p>
+            <a:r>
+              <a:rPr lang="en-CA" dirty="0"/>
+              <a:t>Test your changes</a:t>
+            </a:r>
+          </a:p>
+        </p:txBody>
+      </p:sp>
+    </p:spTree>
+    <p:extLst>
+      <p:ext uri="{BB962C8B-B14F-4D97-AF65-F5344CB8AC3E}">
+        <p14:creationId xmlns:p14="http://schemas.microsoft.com/office/powerpoint/2010/main" val="1660817050"/>
+      </p:ext>
+    </p:extLst>
+  </p:cSld>
+  <p:clrMapOvr>
+    <a:masterClrMapping/>
+  </p:clrMapOvr>
+  <p:timing>
+    <p:tnLst>
+      <p:par>
+        <p:cTn id="1" dur="indefinite" restart="never" nodeType="tmRoot">
+          <p:childTnLst>
+            <p:seq concurrent="1" nextAc="seek">
+              <p:cTn id="2" dur="indefinite" nodeType="mainSeq">
+                <p:childTnLst>
+                  <p:par>
+                    <p:cTn id="3" fill="hold">
+                      <p:stCondLst>
+                        <p:cond delay="indefinite"/>
+                      </p:stCondLst>
+                      <p:childTnLst>
+                        <p:par>
+                          <p:cTn id="4" fill="hold">
+                            <p:stCondLst>
+                              <p:cond delay="0"/>
+                            </p:stCondLst>
+                            <p:childTnLst>
+                              <p:par>
+                                <p:cTn id="5" presetID="1" presetClass="entr" presetSubtype="0" fill="hold" grpId="0" nodeType="clickEffect">
+                                  <p:stCondLst>
+                                    <p:cond delay="0"/>
+                                  </p:stCondLst>
+                                  <p:childTnLst>
+                                    <p:set>
+                                      <p:cBhvr>
+                                        <p:cTn id="6" dur="1" fill="hold">
+                                          <p:stCondLst>
+                                            <p:cond delay="0"/>
+                                          </p:stCondLst>
+                                        </p:cTn>
+                                        <p:tgtEl>
+                                          <p:spTgt spid="14"/>
+                                        </p:tgtEl>
+                                        <p:attrNameLst>
+                                          <p:attrName>style.visibility</p:attrName>
+                                        </p:attrNameLst>
+                                      </p:cBhvr>
+                                      <p:to>
+                                        <p:strVal val="visible"/>
+                                      </p:to>
+                                    </p:set>
+                                  </p:childTnLst>
+                                </p:cTn>
+                              </p:par>
+                              <p:par>
+                                <p:cTn id="7" presetID="1" presetClass="entr" presetSubtype="0" fill="hold" grpId="0" nodeType="withEffect">
+                                  <p:stCondLst>
+                                    <p:cond delay="0"/>
+                                  </p:stCondLst>
+                                  <p:childTnLst>
+                                    <p:set>
+                                      <p:cBhvr>
+                                        <p:cTn id="8" dur="1" fill="hold">
+                                          <p:stCondLst>
+                                            <p:cond delay="0"/>
+                                          </p:stCondLst>
+                                        </p:cTn>
+                                        <p:tgtEl>
+                                          <p:spTgt spid="15"/>
+                                        </p:tgtEl>
+                                        <p:attrNameLst>
+                                          <p:attrName>style.visibility</p:attrName>
+                                        </p:attrNameLst>
+                                      </p:cBhvr>
+                                      <p:to>
+                                        <p:strVal val="visible"/>
+                                      </p:to>
+                                    </p:set>
+                                  </p:childTnLst>
+                                </p:cTn>
+                              </p:par>
+                            </p:childTnLst>
+                          </p:cTn>
+                        </p:par>
+                      </p:childTnLst>
+                    </p:cTn>
+                  </p:par>
+                  <p:par>
+                    <p:cTn id="9" fill="hold">
+                      <p:stCondLst>
+                        <p:cond delay="indefinite"/>
+                      </p:stCondLst>
+                      <p:childTnLst>
+                        <p:par>
+                          <p:cTn id="10" fill="hold">
+                            <p:stCondLst>
+                              <p:cond delay="0"/>
+                            </p:stCondLst>
+                            <p:childTnLst>
+                              <p:par>
+                                <p:cTn id="11" presetID="1" presetClass="entr" presetSubtype="0" fill="hold" grpId="0" nodeType="clickEffect">
+                                  <p:stCondLst>
+                                    <p:cond delay="0"/>
+                                  </p:stCondLst>
+                                  <p:childTnLst>
+                                    <p:set>
+                                      <p:cBhvr>
+                                        <p:cTn id="12" dur="1" fill="hold">
+                                          <p:stCondLst>
+                                            <p:cond delay="0"/>
+                                          </p:stCondLst>
+                                        </p:cTn>
+                                        <p:tgtEl>
+                                          <p:spTgt spid="11"/>
+                                        </p:tgtEl>
+                                        <p:attrNameLst>
+                                          <p:attrName>style.visibility</p:attrName>
+                                        </p:attrNameLst>
+                                      </p:cBhvr>
+                                      <p:to>
+                                        <p:strVal val="visible"/>
+                                      </p:to>
+                                    </p:set>
+                                  </p:childTnLst>
+                                </p:cTn>
+                              </p:par>
+                            </p:childTnLst>
+                          </p:cTn>
+                        </p:par>
+                      </p:childTnLst>
+                    </p:cTn>
+                  </p:par>
+                </p:childTnLst>
+              </p:cTn>
+              <p:prevCondLst>
+                <p:cond evt="onPrev" delay="0">
+                  <p:tgtEl>
+                    <p:sldTgt/>
+                  </p:tgtEl>
+                </p:cond>
+              </p:prevCondLst>
+              <p:nextCondLst>
+                <p:cond evt="onNext" delay="0">
+                  <p:tgtEl>
+                    <p:sldTgt/>
+                  </p:tgtEl>
+                </p:cond>
+              </p:nextCondLst>
+            </p:seq>
+          </p:childTnLst>
+        </p:cTn>
+      </p:par>
+    </p:tnLst>
+    <p:bldLst>
+      <p:bldP spid="14" grpId="0"/>
+      <p:bldP spid="15" grpId="0" animBg="1"/>
+      <p:bldP spid="11" grpId="0" animBg="1"/>
+    </p:bldLst>
+  </p:timing>
+</p:sld>
+</file>
+
+<file path=ppt/slides/slide33.xml><?xml version="1.0" encoding="utf-8"?>
+<p:sld xmlns:a="http://schemas.openxmlformats.org/drawingml/2006/main" xmlns:r="http://schemas.openxmlformats.org/officeDocument/2006/relationships" xmlns:p="http://schemas.openxmlformats.org/presentationml/2006/main">
+  <p:cSld>
+    <p:spTree>
+      <p:nvGrpSpPr>
+        <p:cNvPr id="1" name=""/>
+        <p:cNvGrpSpPr/>
+        <p:nvPr/>
+      </p:nvGrpSpPr>
+      <p:grpSpPr>
+        <a:xfrm>
+          <a:off x="0" y="0"/>
+          <a:ext cx="0" cy="0"/>
+          <a:chOff x="0" y="0"/>
+          <a:chExt cx="0" cy="0"/>
+        </a:xfrm>
+      </p:grpSpPr>
+      <p:sp>
+        <p:nvSpPr>
+          <p:cNvPr id="8" name="Rectangle 7">
+            <a:extLst>
+              <a:ext uri="{FF2B5EF4-FFF2-40B4-BE49-F238E27FC236}">
+                <a16:creationId xmlns:a16="http://schemas.microsoft.com/office/drawing/2014/main" id="{158F95D5-BE54-3736-1783-2E5501BC5DA8}"/>
+              </a:ext>
+            </a:extLst>
+          </p:cNvPr>
+          <p:cNvSpPr/>
+          <p:nvPr/>
+        </p:nvSpPr>
+        <p:spPr>
+          <a:xfrm>
+            <a:off x="797965" y="0"/>
+            <a:ext cx="5943487" cy="923330"/>
+          </a:xfrm>
+          <a:prstGeom prst="rect">
+            <a:avLst/>
+          </a:prstGeom>
+          <a:noFill/>
+        </p:spPr>
+        <p:txBody>
+          <a:bodyPr wrap="none" lIns="91440" tIns="45720" rIns="91440" bIns="45720">
+            <a:spAutoFit/>
+          </a:bodyPr>
+          <a:lstStyle/>
+          <a:p>
+            <a:pPr algn="ctr"/>
+            <a:r>
+              <a:rPr lang="en-US" sz="5400" b="0" cap="none" spc="0" dirty="0">
+                <a:ln w="0"/>
+                <a:solidFill>
+                  <a:schemeClr val="tx1"/>
+                </a:solidFill>
+                <a:effectLst>
+                  <a:outerShdw blurRad="38100" dist="19050" dir="2700000" algn="tl" rotWithShape="0">
+                    <a:schemeClr val="dk1">
+                      <a:alpha val="40000"/>
+                    </a:schemeClr>
+                  </a:outerShdw>
+                </a:effectLst>
+              </a:rPr>
+              <a:t>Our Project – </a:t>
+            </a:r>
+            <a:r>
+              <a:rPr lang="en-US" sz="5400" dirty="0">
+                <a:ln w="0"/>
+                <a:effectLst>
+                  <a:outerShdw blurRad="38100" dist="19050" dir="2700000" algn="tl" rotWithShape="0">
+                    <a:schemeClr val="dk1">
+                      <a:alpha val="40000"/>
+                    </a:schemeClr>
+                  </a:outerShdw>
+                </a:effectLst>
+                <a:highlight>
+                  <a:srgbClr val="FFFF00"/>
+                </a:highlight>
+              </a:rPr>
+              <a:t>M</a:t>
+            </a:r>
+            <a:r>
+              <a:rPr lang="en-US" sz="5400" dirty="0">
+                <a:ln w="0"/>
+                <a:effectLst>
+                  <a:outerShdw blurRad="38100" dist="19050" dir="2700000" algn="tl" rotWithShape="0">
+                    <a:schemeClr val="dk1">
+                      <a:alpha val="40000"/>
+                    </a:schemeClr>
+                  </a:outerShdw>
+                </a:effectLst>
+              </a:rPr>
+              <a:t>ain</a:t>
+            </a:r>
+            <a:endParaRPr lang="en-US" sz="5400" b="0" cap="none" spc="0" dirty="0">
+              <a:ln w="0"/>
+              <a:solidFill>
+                <a:schemeClr val="tx1"/>
+              </a:solidFill>
+              <a:effectLst>
+                <a:outerShdw blurRad="38100" dist="19050" dir="2700000" algn="tl" rotWithShape="0">
+                  <a:schemeClr val="dk1">
+                    <a:alpha val="40000"/>
+                  </a:schemeClr>
+                </a:outerShdw>
+              </a:effectLst>
+            </a:endParaRPr>
+          </a:p>
+        </p:txBody>
+      </p:sp>
+      <p:sp>
+        <p:nvSpPr>
+          <p:cNvPr id="14" name="TextBox 13">
+            <a:extLst>
+              <a:ext uri="{FF2B5EF4-FFF2-40B4-BE49-F238E27FC236}">
+                <a16:creationId xmlns:a16="http://schemas.microsoft.com/office/drawing/2014/main" id="{ABD0861B-2C8B-4BC2-BA6A-5CD0DFF70086}"/>
+              </a:ext>
+            </a:extLst>
+          </p:cNvPr>
+          <p:cNvSpPr txBox="1"/>
+          <p:nvPr/>
+        </p:nvSpPr>
+        <p:spPr>
+          <a:xfrm>
+            <a:off x="0" y="887705"/>
+            <a:ext cx="4501246" cy="369332"/>
+          </a:xfrm>
+          <a:prstGeom prst="rect">
+            <a:avLst/>
+          </a:prstGeom>
+          <a:noFill/>
+        </p:spPr>
+        <p:txBody>
+          <a:bodyPr wrap="square">
+            <a:spAutoFit/>
+          </a:bodyPr>
+          <a:lstStyle/>
+          <a:p>
+            <a:r>
+              <a:rPr lang="en-US" dirty="0">
+                <a:solidFill>
+                  <a:srgbClr val="00B050"/>
+                </a:solidFill>
+                <a:latin typeface="Segoe UI" panose="020B0502040204020203" pitchFamily="34" charset="0"/>
+              </a:rPr>
+              <a:t>//Update your Main()  - </a:t>
+            </a:r>
+            <a:r>
+              <a:rPr lang="en-US" dirty="0">
+                <a:solidFill>
+                  <a:srgbClr val="00B050"/>
+                </a:solidFill>
+                <a:highlight>
+                  <a:srgbClr val="FFFF00"/>
+                </a:highlight>
+                <a:latin typeface="Segoe UI" panose="020B0502040204020203" pitchFamily="34" charset="0"/>
+              </a:rPr>
+              <a:t>Add </a:t>
+            </a:r>
+            <a:r>
+              <a:rPr lang="en-US" dirty="0" err="1">
+                <a:solidFill>
+                  <a:srgbClr val="00B050"/>
+                </a:solidFill>
+                <a:highlight>
+                  <a:srgbClr val="FFFF00"/>
+                </a:highlight>
+                <a:latin typeface="Segoe UI" panose="020B0502040204020203" pitchFamily="34" charset="0"/>
+              </a:rPr>
+              <a:t>Hour:Min</a:t>
+            </a:r>
+            <a:endParaRPr lang="en-US" sz="2000" dirty="0">
+              <a:solidFill>
+                <a:srgbClr val="00B050"/>
+              </a:solidFill>
+              <a:effectLst/>
+              <a:highlight>
+                <a:srgbClr val="FFFF00"/>
+              </a:highlight>
+              <a:latin typeface="Arial" panose="020B0604020202020204" pitchFamily="34" charset="0"/>
+            </a:endParaRPr>
+          </a:p>
+        </p:txBody>
+      </p:sp>
+      <p:sp>
+        <p:nvSpPr>
+          <p:cNvPr id="15" name="TextBox 14">
+            <a:extLst>
+              <a:ext uri="{FF2B5EF4-FFF2-40B4-BE49-F238E27FC236}">
+                <a16:creationId xmlns:a16="http://schemas.microsoft.com/office/drawing/2014/main" id="{814C1F0A-CB54-BEFD-5A72-9E54216C865D}"/>
+              </a:ext>
+            </a:extLst>
+          </p:cNvPr>
+          <p:cNvSpPr txBox="1"/>
+          <p:nvPr/>
+        </p:nvSpPr>
+        <p:spPr>
+          <a:xfrm>
+            <a:off x="95783" y="1489161"/>
+            <a:ext cx="7580833" cy="6186309"/>
+          </a:xfrm>
+          <a:prstGeom prst="rect">
+            <a:avLst/>
+          </a:prstGeom>
+          <a:noFill/>
+          <a:ln w="28575">
+            <a:solidFill>
+              <a:schemeClr val="tx1">
+                <a:lumMod val="95000"/>
+                <a:lumOff val="5000"/>
+              </a:schemeClr>
+            </a:solidFill>
+          </a:ln>
+        </p:spPr>
+        <p:txBody>
+          <a:bodyPr wrap="square">
+            <a:spAutoFit/>
+          </a:bodyPr>
+          <a:lstStyle/>
+          <a:p>
+            <a:r>
+              <a:rPr lang="en-CA" dirty="0"/>
+              <a:t>…</a:t>
+            </a:r>
+          </a:p>
+          <a:p>
+            <a:r>
+              <a:rPr lang="en-CA" b="1" dirty="0"/>
+              <a:t> &lt;</a:t>
+            </a:r>
+            <a:r>
+              <a:rPr lang="en-CA" b="1" dirty="0" err="1"/>
+              <a:t>Form.Group</a:t>
+            </a:r>
+            <a:r>
+              <a:rPr lang="en-CA" b="1" dirty="0"/>
+              <a:t> </a:t>
+            </a:r>
+            <a:r>
+              <a:rPr lang="en-CA" b="1" dirty="0" err="1"/>
+              <a:t>controlId</a:t>
+            </a:r>
+            <a:r>
+              <a:rPr lang="en-CA" b="1" dirty="0"/>
+              <a:t>="</a:t>
+            </a:r>
+            <a:r>
+              <a:rPr lang="en-CA" b="1" dirty="0" err="1"/>
+              <a:t>formTaskTime</a:t>
+            </a:r>
+            <a:r>
+              <a:rPr lang="en-CA" b="1" dirty="0"/>
+              <a:t>"&gt;</a:t>
+            </a:r>
+          </a:p>
+          <a:p>
+            <a:r>
+              <a:rPr lang="en-CA" sz="2000" b="1" dirty="0"/>
+              <a:t>    </a:t>
+            </a:r>
+            <a:r>
+              <a:rPr lang="en-CA" b="1" dirty="0"/>
+              <a:t>&lt;</a:t>
+            </a:r>
+            <a:r>
+              <a:rPr lang="en-CA" sz="1600" b="1" dirty="0" err="1"/>
+              <a:t>Form.Label</a:t>
+            </a:r>
+            <a:r>
+              <a:rPr lang="en-CA" sz="1600" b="1" dirty="0"/>
+              <a:t> </a:t>
+            </a:r>
+            <a:r>
+              <a:rPr lang="en-CA" sz="1600" b="1" dirty="0" err="1"/>
+              <a:t>className</a:t>
+            </a:r>
+            <a:r>
+              <a:rPr lang="en-CA" sz="1600" b="1" dirty="0"/>
+              <a:t>="control-block label"&gt;</a:t>
+            </a:r>
+            <a:r>
+              <a:rPr lang="en-CA" sz="1600" b="1" dirty="0" err="1"/>
+              <a:t>Hour:Min</a:t>
+            </a:r>
+            <a:r>
+              <a:rPr lang="en-CA" sz="1600" b="1" dirty="0"/>
+              <a:t>&lt;/</a:t>
+            </a:r>
+            <a:r>
+              <a:rPr lang="en-CA" sz="1600" b="1" dirty="0" err="1"/>
+              <a:t>Form.Label</a:t>
+            </a:r>
+            <a:r>
+              <a:rPr lang="en-CA" sz="1600" b="1" dirty="0"/>
+              <a:t>&gt;</a:t>
+            </a:r>
+          </a:p>
+          <a:p>
+            <a:r>
+              <a:rPr lang="en-CA" b="1" dirty="0"/>
+              <a:t>         &lt;</a:t>
+            </a:r>
+            <a:r>
+              <a:rPr lang="en-CA" b="1" dirty="0" err="1"/>
+              <a:t>Form.Control</a:t>
+            </a:r>
+            <a:endParaRPr lang="en-CA" b="1" dirty="0"/>
+          </a:p>
+          <a:p>
+            <a:r>
+              <a:rPr lang="en-CA" b="1" dirty="0"/>
+              <a:t>                      type="number"</a:t>
+            </a:r>
+          </a:p>
+          <a:p>
+            <a:r>
+              <a:rPr lang="en-CA" b="1" dirty="0"/>
+              <a:t>                      step="1"</a:t>
+            </a:r>
+          </a:p>
+          <a:p>
+            <a:r>
+              <a:rPr lang="en-CA" b="1" dirty="0"/>
+              <a:t>                      min="0"</a:t>
+            </a:r>
+          </a:p>
+          <a:p>
+            <a:r>
+              <a:rPr lang="en-CA" b="1" dirty="0"/>
+              <a:t>                      max="24"</a:t>
+            </a:r>
+          </a:p>
+          <a:p>
+            <a:r>
+              <a:rPr lang="en-CA" b="1" dirty="0"/>
+              <a:t>                      placeholder="0"</a:t>
+            </a:r>
+          </a:p>
+          <a:p>
+            <a:r>
+              <a:rPr lang="en-CA" b="1" dirty="0"/>
+              <a:t>                      </a:t>
+            </a:r>
+            <a:r>
+              <a:rPr lang="en-CA" b="1" dirty="0" err="1"/>
+              <a:t>className</a:t>
+            </a:r>
+            <a:r>
+              <a:rPr lang="en-CA" b="1" dirty="0"/>
+              <a:t>="control-inline"/&gt;</a:t>
+            </a:r>
+          </a:p>
+          <a:p>
+            <a:r>
+              <a:rPr lang="en-CA" sz="1600" b="1" dirty="0"/>
+              <a:t>      &lt;</a:t>
+            </a:r>
+            <a:r>
+              <a:rPr lang="en-CA" sz="1600" b="1" dirty="0" err="1"/>
+              <a:t>Form.Label</a:t>
+            </a:r>
+            <a:r>
+              <a:rPr lang="en-CA" sz="1600" b="1" dirty="0"/>
+              <a:t> </a:t>
+            </a:r>
+            <a:r>
+              <a:rPr lang="en-CA" sz="1600" b="1" dirty="0" err="1"/>
+              <a:t>className</a:t>
+            </a:r>
+            <a:r>
+              <a:rPr lang="en-CA" sz="1600" b="1" dirty="0"/>
+              <a:t>="control-dot"&gt;:&lt;/</a:t>
+            </a:r>
+            <a:r>
+              <a:rPr lang="en-CA" sz="1600" b="1" dirty="0" err="1"/>
+              <a:t>Form.Label</a:t>
+            </a:r>
+            <a:r>
+              <a:rPr lang="en-CA" sz="1600" b="1" dirty="0"/>
+              <a:t>&gt;</a:t>
+            </a:r>
+          </a:p>
+          <a:p>
+            <a:r>
+              <a:rPr lang="en-CA" b="1" dirty="0"/>
+              <a:t>         &lt;</a:t>
+            </a:r>
+            <a:r>
+              <a:rPr lang="en-CA" b="1" dirty="0" err="1"/>
+              <a:t>Form.Control</a:t>
+            </a:r>
+            <a:endParaRPr lang="en-CA" b="1" dirty="0"/>
+          </a:p>
+          <a:p>
+            <a:r>
+              <a:rPr lang="en-CA" b="1" dirty="0"/>
+              <a:t>                      </a:t>
+            </a:r>
+            <a:r>
+              <a:rPr lang="en-CA" b="1" dirty="0" err="1"/>
+              <a:t>className</a:t>
+            </a:r>
+            <a:r>
+              <a:rPr lang="en-CA" b="1" dirty="0"/>
+              <a:t>="control-inline"</a:t>
+            </a:r>
+          </a:p>
+          <a:p>
+            <a:r>
+              <a:rPr lang="en-CA" b="1" dirty="0"/>
+              <a:t>                      type=“number"</a:t>
+            </a:r>
+          </a:p>
+          <a:p>
+            <a:r>
+              <a:rPr lang="en-CA" b="1" dirty="0"/>
+              <a:t>                      step="1"</a:t>
+            </a:r>
+          </a:p>
+          <a:p>
+            <a:r>
+              <a:rPr lang="en-CA" b="1" dirty="0"/>
+              <a:t>                      min="0"</a:t>
+            </a:r>
+          </a:p>
+          <a:p>
+            <a:r>
+              <a:rPr lang="en-CA" b="1" dirty="0"/>
+              <a:t>                      max="59"</a:t>
+            </a:r>
+          </a:p>
+          <a:p>
+            <a:r>
+              <a:rPr lang="en-CA" b="1" dirty="0"/>
+              <a:t>                      placeholder="0"/&gt;</a:t>
+            </a:r>
+          </a:p>
+          <a:p>
+            <a:r>
+              <a:rPr lang="en-CA" b="1" dirty="0"/>
+              <a:t>  &lt;/</a:t>
+            </a:r>
+            <a:r>
+              <a:rPr lang="en-CA" b="1" dirty="0" err="1"/>
+              <a:t>Form.Group</a:t>
+            </a:r>
+            <a:r>
+              <a:rPr lang="en-CA" b="1" dirty="0"/>
+              <a:t>&gt;</a:t>
+            </a:r>
+          </a:p>
+          <a:p>
+            <a:r>
+              <a:rPr lang="en-CA" dirty="0"/>
+              <a:t> &lt;/Form&gt;</a:t>
+            </a:r>
+            <a:endParaRPr lang="en-CA" b="1" dirty="0"/>
+          </a:p>
+          <a:p>
+            <a:r>
+              <a:rPr lang="en-CA" dirty="0"/>
+              <a:t>  &lt;Footer </a:t>
+            </a:r>
+            <a:r>
+              <a:rPr lang="en-CA" dirty="0" err="1"/>
+              <a:t>className</a:t>
+            </a:r>
+            <a:r>
+              <a:rPr lang="en-CA" dirty="0"/>
+              <a:t>='general-border center' /&gt;</a:t>
+            </a:r>
+          </a:p>
+          <a:p>
+            <a:r>
+              <a:rPr lang="en-CA" dirty="0"/>
+              <a:t> &lt;/Col&gt;</a:t>
+            </a:r>
+          </a:p>
+        </p:txBody>
+      </p:sp>
+      <p:sp>
+        <p:nvSpPr>
+          <p:cNvPr id="11" name="TextBox 10">
+            <a:extLst>
+              <a:ext uri="{FF2B5EF4-FFF2-40B4-BE49-F238E27FC236}">
+                <a16:creationId xmlns:a16="http://schemas.microsoft.com/office/drawing/2014/main" id="{D77C5925-C3C1-D0C2-D66E-D153A0FD2BA5}"/>
+              </a:ext>
+            </a:extLst>
+          </p:cNvPr>
+          <p:cNvSpPr txBox="1"/>
+          <p:nvPr/>
+        </p:nvSpPr>
+        <p:spPr>
+          <a:xfrm>
+            <a:off x="5600150" y="7630595"/>
+            <a:ext cx="2076466" cy="369332"/>
+          </a:xfrm>
+          <a:prstGeom prst="rect">
+            <a:avLst/>
+          </a:prstGeom>
+          <a:solidFill>
+            <a:schemeClr val="accent2"/>
+          </a:solidFill>
+          <a:ln w="19050">
+            <a:solidFill>
+              <a:schemeClr val="tx1"/>
+            </a:solidFill>
+          </a:ln>
+        </p:spPr>
+        <p:txBody>
+          <a:bodyPr wrap="none" rtlCol="0">
+            <a:spAutoFit/>
+          </a:bodyPr>
+          <a:lstStyle/>
+          <a:p>
+            <a:r>
+              <a:rPr lang="en-CA" dirty="0"/>
+              <a:t>Test your changes</a:t>
+            </a:r>
+          </a:p>
+        </p:txBody>
+      </p:sp>
+    </p:spTree>
+    <p:extLst>
+      <p:ext uri="{BB962C8B-B14F-4D97-AF65-F5344CB8AC3E}">
+        <p14:creationId xmlns:p14="http://schemas.microsoft.com/office/powerpoint/2010/main" val="3034180821"/>
+      </p:ext>
+    </p:extLst>
+  </p:cSld>
+  <p:clrMapOvr>
+    <a:masterClrMapping/>
+  </p:clrMapOvr>
+  <p:timing>
+    <p:tnLst>
+      <p:par>
+        <p:cTn id="1" dur="indefinite" restart="never" nodeType="tmRoot">
+          <p:childTnLst>
+            <p:seq concurrent="1" nextAc="seek">
+              <p:cTn id="2" dur="indefinite" nodeType="mainSeq">
+                <p:childTnLst>
+                  <p:par>
+                    <p:cTn id="3" fill="hold">
+                      <p:stCondLst>
+                        <p:cond delay="indefinite"/>
+                      </p:stCondLst>
+                      <p:childTnLst>
+                        <p:par>
+                          <p:cTn id="4" fill="hold">
+                            <p:stCondLst>
+                              <p:cond delay="0"/>
+                            </p:stCondLst>
+                            <p:childTnLst>
+                              <p:par>
+                                <p:cTn id="5" presetID="1" presetClass="entr" presetSubtype="0" fill="hold" grpId="0" nodeType="clickEffect">
+                                  <p:stCondLst>
+                                    <p:cond delay="0"/>
+                                  </p:stCondLst>
+                                  <p:childTnLst>
+                                    <p:set>
+                                      <p:cBhvr>
+                                        <p:cTn id="6" dur="1" fill="hold">
+                                          <p:stCondLst>
+                                            <p:cond delay="0"/>
+                                          </p:stCondLst>
+                                        </p:cTn>
+                                        <p:tgtEl>
+                                          <p:spTgt spid="14"/>
+                                        </p:tgtEl>
+                                        <p:attrNameLst>
+                                          <p:attrName>style.visibility</p:attrName>
+                                        </p:attrNameLst>
+                                      </p:cBhvr>
+                                      <p:to>
+                                        <p:strVal val="visible"/>
+                                      </p:to>
+                                    </p:set>
+                                  </p:childTnLst>
+                                </p:cTn>
+                              </p:par>
+                              <p:par>
+                                <p:cTn id="7" presetID="1" presetClass="entr" presetSubtype="0" fill="hold" grpId="0" nodeType="withEffect">
+                                  <p:stCondLst>
+                                    <p:cond delay="0"/>
+                                  </p:stCondLst>
+                                  <p:childTnLst>
+                                    <p:set>
+                                      <p:cBhvr>
+                                        <p:cTn id="8" dur="1" fill="hold">
+                                          <p:stCondLst>
+                                            <p:cond delay="0"/>
+                                          </p:stCondLst>
+                                        </p:cTn>
+                                        <p:tgtEl>
+                                          <p:spTgt spid="15"/>
+                                        </p:tgtEl>
+                                        <p:attrNameLst>
+                                          <p:attrName>style.visibility</p:attrName>
+                                        </p:attrNameLst>
+                                      </p:cBhvr>
+                                      <p:to>
+                                        <p:strVal val="visible"/>
+                                      </p:to>
+                                    </p:set>
+                                  </p:childTnLst>
+                                </p:cTn>
+                              </p:par>
+                            </p:childTnLst>
+                          </p:cTn>
+                        </p:par>
+                      </p:childTnLst>
+                    </p:cTn>
+                  </p:par>
+                  <p:par>
+                    <p:cTn id="9" fill="hold">
+                      <p:stCondLst>
+                        <p:cond delay="indefinite"/>
+                      </p:stCondLst>
+                      <p:childTnLst>
+                        <p:par>
+                          <p:cTn id="10" fill="hold">
+                            <p:stCondLst>
+                              <p:cond delay="0"/>
+                            </p:stCondLst>
+                            <p:childTnLst>
+                              <p:par>
+                                <p:cTn id="11" presetID="1" presetClass="entr" presetSubtype="0" fill="hold" grpId="0" nodeType="clickEffect">
+                                  <p:stCondLst>
+                                    <p:cond delay="0"/>
+                                  </p:stCondLst>
+                                  <p:childTnLst>
+                                    <p:set>
+                                      <p:cBhvr>
+                                        <p:cTn id="12" dur="1" fill="hold">
+                                          <p:stCondLst>
+                                            <p:cond delay="0"/>
+                                          </p:stCondLst>
+                                        </p:cTn>
+                                        <p:tgtEl>
+                                          <p:spTgt spid="11"/>
+                                        </p:tgtEl>
+                                        <p:attrNameLst>
+                                          <p:attrName>style.visibility</p:attrName>
+                                        </p:attrNameLst>
+                                      </p:cBhvr>
+                                      <p:to>
+                                        <p:strVal val="visible"/>
+                                      </p:to>
+                                    </p:set>
+                                  </p:childTnLst>
+                                </p:cTn>
+                              </p:par>
+                            </p:childTnLst>
+                          </p:cTn>
+                        </p:par>
+                      </p:childTnLst>
+                    </p:cTn>
+                  </p:par>
+                </p:childTnLst>
+              </p:cTn>
+              <p:prevCondLst>
+                <p:cond evt="onPrev" delay="0">
+                  <p:tgtEl>
+                    <p:sldTgt/>
+                  </p:tgtEl>
+                </p:cond>
+              </p:prevCondLst>
+              <p:nextCondLst>
+                <p:cond evt="onNext" delay="0">
+                  <p:tgtEl>
+                    <p:sldTgt/>
+                  </p:tgtEl>
+                </p:cond>
+              </p:nextCondLst>
+            </p:seq>
+          </p:childTnLst>
+        </p:cTn>
+      </p:par>
+    </p:tnLst>
+    <p:bldLst>
+      <p:bldP spid="14" grpId="0"/>
+      <p:bldP spid="15" grpId="0" animBg="1"/>
+      <p:bldP spid="11" grpId="0" animBg="1"/>
+    </p:bldLst>
+  </p:timing>
+</p:sld>
+</file>
+
+<file path=ppt/slides/slide34.xml><?xml version="1.0" encoding="utf-8"?>
+<p:sld xmlns:a="http://schemas.openxmlformats.org/drawingml/2006/main" xmlns:r="http://schemas.openxmlformats.org/officeDocument/2006/relationships" xmlns:p="http://schemas.openxmlformats.org/presentationml/2006/main">
+  <p:cSld>
+    <p:spTree>
+      <p:nvGrpSpPr>
+        <p:cNvPr id="1" name=""/>
+        <p:cNvGrpSpPr/>
+        <p:nvPr/>
+      </p:nvGrpSpPr>
+      <p:grpSpPr>
+        <a:xfrm>
+          <a:off x="0" y="0"/>
+          <a:ext cx="0" cy="0"/>
+          <a:chOff x="0" y="0"/>
+          <a:chExt cx="0" cy="0"/>
+        </a:xfrm>
+      </p:grpSpPr>
+      <p:sp>
+        <p:nvSpPr>
+          <p:cNvPr id="8" name="Rectangle 7">
+            <a:extLst>
+              <a:ext uri="{FF2B5EF4-FFF2-40B4-BE49-F238E27FC236}">
+                <a16:creationId xmlns:a16="http://schemas.microsoft.com/office/drawing/2014/main" id="{158F95D5-BE54-3736-1783-2E5501BC5DA8}"/>
+              </a:ext>
+            </a:extLst>
+          </p:cNvPr>
+          <p:cNvSpPr/>
+          <p:nvPr/>
+        </p:nvSpPr>
+        <p:spPr>
+          <a:xfrm>
+            <a:off x="797965" y="0"/>
+            <a:ext cx="5943487" cy="923330"/>
+          </a:xfrm>
+          <a:prstGeom prst="rect">
+            <a:avLst/>
+          </a:prstGeom>
+          <a:noFill/>
+        </p:spPr>
+        <p:txBody>
+          <a:bodyPr wrap="none" lIns="91440" tIns="45720" rIns="91440" bIns="45720">
+            <a:spAutoFit/>
+          </a:bodyPr>
+          <a:lstStyle/>
+          <a:p>
+            <a:pPr algn="ctr"/>
+            <a:r>
+              <a:rPr lang="en-US" sz="5400" b="0" cap="none" spc="0" dirty="0">
+                <a:ln w="0"/>
+                <a:solidFill>
+                  <a:schemeClr val="tx1"/>
+                </a:solidFill>
+                <a:effectLst>
+                  <a:outerShdw blurRad="38100" dist="19050" dir="2700000" algn="tl" rotWithShape="0">
+                    <a:schemeClr val="dk1">
+                      <a:alpha val="40000"/>
+                    </a:schemeClr>
+                  </a:outerShdw>
+                </a:effectLst>
+              </a:rPr>
+              <a:t>Our Project – </a:t>
+            </a:r>
+            <a:r>
+              <a:rPr lang="en-US" sz="5400" dirty="0">
+                <a:ln w="0"/>
+                <a:effectLst>
+                  <a:outerShdw blurRad="38100" dist="19050" dir="2700000" algn="tl" rotWithShape="0">
+                    <a:schemeClr val="dk1">
+                      <a:alpha val="40000"/>
+                    </a:schemeClr>
+                  </a:outerShdw>
+                </a:effectLst>
+                <a:highlight>
+                  <a:srgbClr val="FFFF00"/>
+                </a:highlight>
+              </a:rPr>
+              <a:t>M</a:t>
+            </a:r>
+            <a:r>
+              <a:rPr lang="en-US" sz="5400" dirty="0">
+                <a:ln w="0"/>
+                <a:effectLst>
+                  <a:outerShdw blurRad="38100" dist="19050" dir="2700000" algn="tl" rotWithShape="0">
+                    <a:schemeClr val="dk1">
+                      <a:alpha val="40000"/>
+                    </a:schemeClr>
+                  </a:outerShdw>
+                </a:effectLst>
+              </a:rPr>
+              <a:t>ain</a:t>
+            </a:r>
+            <a:endParaRPr lang="en-US" sz="5400" b="0" cap="none" spc="0" dirty="0">
+              <a:ln w="0"/>
+              <a:solidFill>
+                <a:schemeClr val="tx1"/>
+              </a:solidFill>
+              <a:effectLst>
+                <a:outerShdw blurRad="38100" dist="19050" dir="2700000" algn="tl" rotWithShape="0">
+                  <a:schemeClr val="dk1">
+                    <a:alpha val="40000"/>
+                  </a:schemeClr>
+                </a:outerShdw>
+              </a:effectLst>
+            </a:endParaRPr>
+          </a:p>
+        </p:txBody>
+      </p:sp>
+      <p:sp>
+        <p:nvSpPr>
+          <p:cNvPr id="14" name="TextBox 13">
+            <a:extLst>
+              <a:ext uri="{FF2B5EF4-FFF2-40B4-BE49-F238E27FC236}">
+                <a16:creationId xmlns:a16="http://schemas.microsoft.com/office/drawing/2014/main" id="{ABD0861B-2C8B-4BC2-BA6A-5CD0DFF70086}"/>
+              </a:ext>
+            </a:extLst>
+          </p:cNvPr>
+          <p:cNvSpPr txBox="1"/>
+          <p:nvPr/>
+        </p:nvSpPr>
+        <p:spPr>
+          <a:xfrm>
+            <a:off x="0" y="887705"/>
+            <a:ext cx="4501246" cy="369332"/>
+          </a:xfrm>
+          <a:prstGeom prst="rect">
+            <a:avLst/>
+          </a:prstGeom>
+          <a:noFill/>
+        </p:spPr>
+        <p:txBody>
+          <a:bodyPr wrap="square">
+            <a:spAutoFit/>
+          </a:bodyPr>
+          <a:lstStyle/>
+          <a:p>
+            <a:r>
+              <a:rPr lang="en-US" dirty="0">
+                <a:solidFill>
+                  <a:srgbClr val="00B050"/>
+                </a:solidFill>
+                <a:latin typeface="Segoe UI" panose="020B0502040204020203" pitchFamily="34" charset="0"/>
+              </a:rPr>
+              <a:t>//Update your Main()  - </a:t>
+            </a:r>
+            <a:r>
+              <a:rPr lang="en-US" dirty="0">
+                <a:solidFill>
+                  <a:srgbClr val="00B050"/>
+                </a:solidFill>
+                <a:highlight>
+                  <a:srgbClr val="FFFF00"/>
+                </a:highlight>
+                <a:latin typeface="Segoe UI" panose="020B0502040204020203" pitchFamily="34" charset="0"/>
+              </a:rPr>
+              <a:t>Add comment</a:t>
+            </a:r>
+            <a:endParaRPr lang="en-US" sz="2000" dirty="0">
+              <a:solidFill>
+                <a:srgbClr val="00B050"/>
+              </a:solidFill>
+              <a:effectLst/>
+              <a:highlight>
+                <a:srgbClr val="FFFF00"/>
+              </a:highlight>
+              <a:latin typeface="Arial" panose="020B0604020202020204" pitchFamily="34" charset="0"/>
+            </a:endParaRPr>
+          </a:p>
+        </p:txBody>
+      </p:sp>
+      <p:sp>
+        <p:nvSpPr>
+          <p:cNvPr id="15" name="TextBox 14">
+            <a:extLst>
+              <a:ext uri="{FF2B5EF4-FFF2-40B4-BE49-F238E27FC236}">
+                <a16:creationId xmlns:a16="http://schemas.microsoft.com/office/drawing/2014/main" id="{814C1F0A-CB54-BEFD-5A72-9E54216C865D}"/>
+              </a:ext>
+            </a:extLst>
+          </p:cNvPr>
+          <p:cNvSpPr txBox="1"/>
+          <p:nvPr/>
+        </p:nvSpPr>
+        <p:spPr>
+          <a:xfrm>
+            <a:off x="95783" y="1489161"/>
+            <a:ext cx="7580833" cy="3139321"/>
+          </a:xfrm>
+          <a:prstGeom prst="rect">
+            <a:avLst/>
+          </a:prstGeom>
+          <a:noFill/>
+          <a:ln w="28575">
+            <a:solidFill>
+              <a:schemeClr val="tx1">
+                <a:lumMod val="95000"/>
+                <a:lumOff val="5000"/>
+              </a:schemeClr>
+            </a:solidFill>
+          </a:ln>
+        </p:spPr>
+        <p:txBody>
+          <a:bodyPr wrap="square">
+            <a:spAutoFit/>
+          </a:bodyPr>
+          <a:lstStyle/>
+          <a:p>
+            <a:r>
+              <a:rPr lang="en-CA" dirty="0"/>
+              <a:t>…</a:t>
+            </a:r>
+          </a:p>
+          <a:p>
+            <a:r>
+              <a:rPr lang="en-CA" b="1" dirty="0"/>
+              <a:t>  &lt;</a:t>
+            </a:r>
+            <a:r>
+              <a:rPr lang="en-CA" b="1" dirty="0" err="1"/>
+              <a:t>Form.Group</a:t>
+            </a:r>
+            <a:r>
+              <a:rPr lang="en-CA" b="1" dirty="0"/>
+              <a:t>  </a:t>
+            </a:r>
+            <a:r>
+              <a:rPr lang="en-CA" b="1" dirty="0" err="1"/>
+              <a:t>controlId</a:t>
+            </a:r>
+            <a:r>
+              <a:rPr lang="en-CA" b="1" dirty="0"/>
+              <a:t>="</a:t>
+            </a:r>
+            <a:r>
+              <a:rPr lang="en-CA" b="1" dirty="0" err="1"/>
+              <a:t>formComment</a:t>
+            </a:r>
+            <a:r>
+              <a:rPr lang="en-CA" b="1" dirty="0"/>
+              <a:t>"&gt;</a:t>
+            </a:r>
+          </a:p>
+          <a:p>
+            <a:r>
+              <a:rPr lang="en-CA" b="1" dirty="0"/>
+              <a:t>        &lt;</a:t>
+            </a:r>
+            <a:r>
+              <a:rPr lang="en-CA" b="1" dirty="0" err="1"/>
+              <a:t>Form.Label</a:t>
+            </a:r>
+            <a:r>
+              <a:rPr lang="en-CA" b="1" dirty="0"/>
+              <a:t>&gt;Comment&lt;/</a:t>
+            </a:r>
+            <a:r>
+              <a:rPr lang="en-CA" b="1" dirty="0" err="1"/>
+              <a:t>Form.Label</a:t>
+            </a:r>
+            <a:r>
+              <a:rPr lang="en-CA" b="1" dirty="0"/>
+              <a:t>&gt;</a:t>
+            </a:r>
+          </a:p>
+          <a:p>
+            <a:r>
+              <a:rPr lang="en-CA" b="1" dirty="0"/>
+              <a:t>        &lt;</a:t>
+            </a:r>
+            <a:r>
+              <a:rPr lang="en-CA" b="1" dirty="0" err="1"/>
+              <a:t>Form.Control</a:t>
+            </a:r>
+            <a:r>
+              <a:rPr lang="en-CA" b="1" dirty="0"/>
+              <a:t> type="text" placeholder="Enter Comment" /&gt;</a:t>
+            </a:r>
+          </a:p>
+          <a:p>
+            <a:r>
+              <a:rPr lang="en-CA" b="1" dirty="0"/>
+              <a:t>        &lt;</a:t>
+            </a:r>
+            <a:r>
+              <a:rPr lang="en-CA" b="1" dirty="0" err="1"/>
+              <a:t>Form.Text</a:t>
+            </a:r>
+            <a:r>
+              <a:rPr lang="en-CA" b="1" dirty="0"/>
+              <a:t> </a:t>
+            </a:r>
+            <a:r>
+              <a:rPr lang="en-CA" b="1" dirty="0" err="1"/>
+              <a:t>className</a:t>
+            </a:r>
+            <a:r>
+              <a:rPr lang="en-CA" b="1" dirty="0"/>
+              <a:t>="text-muted"&gt;</a:t>
+            </a:r>
+          </a:p>
+          <a:p>
+            <a:r>
+              <a:rPr lang="en-CA" b="1" dirty="0"/>
+              <a:t>                          You can write a short comment.</a:t>
+            </a:r>
+          </a:p>
+          <a:p>
+            <a:r>
+              <a:rPr lang="en-CA" b="1" dirty="0"/>
+              <a:t>         &lt;/</a:t>
+            </a:r>
+            <a:r>
+              <a:rPr lang="en-CA" b="1" dirty="0" err="1"/>
+              <a:t>Form.Text</a:t>
+            </a:r>
+            <a:r>
+              <a:rPr lang="en-CA" b="1" dirty="0"/>
+              <a:t>&gt;</a:t>
+            </a:r>
+          </a:p>
+          <a:p>
+            <a:r>
+              <a:rPr lang="en-CA" b="1" dirty="0"/>
+              <a:t>  &lt;/</a:t>
+            </a:r>
+            <a:r>
+              <a:rPr lang="en-CA" b="1" dirty="0" err="1"/>
+              <a:t>Form.Group</a:t>
+            </a:r>
+            <a:r>
+              <a:rPr lang="en-CA" b="1" dirty="0"/>
+              <a:t>&gt;</a:t>
+            </a:r>
+          </a:p>
+          <a:p>
+            <a:r>
+              <a:rPr lang="en-CA" dirty="0"/>
+              <a:t> &lt;/Form&gt;</a:t>
+            </a:r>
+            <a:endParaRPr lang="en-CA" b="1" dirty="0"/>
+          </a:p>
+          <a:p>
+            <a:r>
+              <a:rPr lang="en-CA" dirty="0"/>
+              <a:t>  &lt;Footer </a:t>
+            </a:r>
+            <a:r>
+              <a:rPr lang="en-CA" dirty="0" err="1"/>
+              <a:t>className</a:t>
+            </a:r>
+            <a:r>
+              <a:rPr lang="en-CA" dirty="0"/>
+              <a:t>='general-border center' /&gt;</a:t>
+            </a:r>
+          </a:p>
+          <a:p>
+            <a:r>
+              <a:rPr lang="en-CA" dirty="0"/>
+              <a:t> &lt;/Col&gt;</a:t>
+            </a:r>
+          </a:p>
+        </p:txBody>
+      </p:sp>
+      <p:sp>
+        <p:nvSpPr>
+          <p:cNvPr id="11" name="TextBox 10">
+            <a:extLst>
+              <a:ext uri="{FF2B5EF4-FFF2-40B4-BE49-F238E27FC236}">
+                <a16:creationId xmlns:a16="http://schemas.microsoft.com/office/drawing/2014/main" id="{D77C5925-C3C1-D0C2-D66E-D153A0FD2BA5}"/>
+              </a:ext>
+            </a:extLst>
+          </p:cNvPr>
+          <p:cNvSpPr txBox="1"/>
+          <p:nvPr/>
+        </p:nvSpPr>
+        <p:spPr>
+          <a:xfrm>
+            <a:off x="5600150" y="4732648"/>
+            <a:ext cx="2076466" cy="369332"/>
+          </a:xfrm>
+          <a:prstGeom prst="rect">
+            <a:avLst/>
+          </a:prstGeom>
+          <a:solidFill>
+            <a:schemeClr val="accent2"/>
+          </a:solidFill>
+          <a:ln w="19050">
+            <a:solidFill>
+              <a:schemeClr val="tx1"/>
+            </a:solidFill>
+          </a:ln>
+        </p:spPr>
+        <p:txBody>
+          <a:bodyPr wrap="none" rtlCol="0">
+            <a:spAutoFit/>
+          </a:bodyPr>
+          <a:lstStyle/>
+          <a:p>
+            <a:r>
+              <a:rPr lang="en-CA" dirty="0"/>
+              <a:t>Test your changes</a:t>
+            </a:r>
+          </a:p>
+        </p:txBody>
+      </p:sp>
+    </p:spTree>
+    <p:extLst>
+      <p:ext uri="{BB962C8B-B14F-4D97-AF65-F5344CB8AC3E}">
+        <p14:creationId xmlns:p14="http://schemas.microsoft.com/office/powerpoint/2010/main" val="3701318983"/>
+      </p:ext>
+    </p:extLst>
+  </p:cSld>
+  <p:clrMapOvr>
+    <a:masterClrMapping/>
+  </p:clrMapOvr>
+  <p:timing>
+    <p:tnLst>
+      <p:par>
+        <p:cTn id="1" dur="indefinite" restart="never" nodeType="tmRoot">
+          <p:childTnLst>
+            <p:seq concurrent="1" nextAc="seek">
+              <p:cTn id="2" dur="indefinite" nodeType="mainSeq">
+                <p:childTnLst>
+                  <p:par>
+                    <p:cTn id="3" fill="hold">
+                      <p:stCondLst>
+                        <p:cond delay="indefinite"/>
+                      </p:stCondLst>
+                      <p:childTnLst>
+                        <p:par>
+                          <p:cTn id="4" fill="hold">
+                            <p:stCondLst>
+                              <p:cond delay="0"/>
+                            </p:stCondLst>
+                            <p:childTnLst>
+                              <p:par>
+                                <p:cTn id="5" presetID="1" presetClass="entr" presetSubtype="0" fill="hold" grpId="0" nodeType="clickEffect">
+                                  <p:stCondLst>
+                                    <p:cond delay="0"/>
+                                  </p:stCondLst>
+                                  <p:childTnLst>
+                                    <p:set>
+                                      <p:cBhvr>
+                                        <p:cTn id="6" dur="1" fill="hold">
+                                          <p:stCondLst>
+                                            <p:cond delay="0"/>
+                                          </p:stCondLst>
+                                        </p:cTn>
+                                        <p:tgtEl>
+                                          <p:spTgt spid="14"/>
+                                        </p:tgtEl>
+                                        <p:attrNameLst>
+                                          <p:attrName>style.visibility</p:attrName>
+                                        </p:attrNameLst>
+                                      </p:cBhvr>
+                                      <p:to>
+                                        <p:strVal val="visible"/>
+                                      </p:to>
+                                    </p:set>
+                                  </p:childTnLst>
+                                </p:cTn>
+                              </p:par>
+                              <p:par>
+                                <p:cTn id="7" presetID="1" presetClass="entr" presetSubtype="0" fill="hold" grpId="0" nodeType="withEffect">
+                                  <p:stCondLst>
+                                    <p:cond delay="0"/>
+                                  </p:stCondLst>
+                                  <p:childTnLst>
+                                    <p:set>
+                                      <p:cBhvr>
+                                        <p:cTn id="8" dur="1" fill="hold">
+                                          <p:stCondLst>
+                                            <p:cond delay="0"/>
+                                          </p:stCondLst>
+                                        </p:cTn>
+                                        <p:tgtEl>
+                                          <p:spTgt spid="15"/>
+                                        </p:tgtEl>
+                                        <p:attrNameLst>
+                                          <p:attrName>style.visibility</p:attrName>
+                                        </p:attrNameLst>
+                                      </p:cBhvr>
+                                      <p:to>
+                                        <p:strVal val="visible"/>
+                                      </p:to>
+                                    </p:set>
+                                  </p:childTnLst>
+                                </p:cTn>
+                              </p:par>
+                            </p:childTnLst>
+                          </p:cTn>
+                        </p:par>
+                      </p:childTnLst>
+                    </p:cTn>
+                  </p:par>
+                  <p:par>
+                    <p:cTn id="9" fill="hold">
+                      <p:stCondLst>
+                        <p:cond delay="indefinite"/>
+                      </p:stCondLst>
+                      <p:childTnLst>
+                        <p:par>
+                          <p:cTn id="10" fill="hold">
+                            <p:stCondLst>
+                              <p:cond delay="0"/>
+                            </p:stCondLst>
+                            <p:childTnLst>
+                              <p:par>
+                                <p:cTn id="11" presetID="1" presetClass="entr" presetSubtype="0" fill="hold" grpId="0" nodeType="clickEffect">
+                                  <p:stCondLst>
+                                    <p:cond delay="0"/>
+                                  </p:stCondLst>
+                                  <p:childTnLst>
+                                    <p:set>
+                                      <p:cBhvr>
+                                        <p:cTn id="12" dur="1" fill="hold">
+                                          <p:stCondLst>
+                                            <p:cond delay="0"/>
+                                          </p:stCondLst>
+                                        </p:cTn>
+                                        <p:tgtEl>
+                                          <p:spTgt spid="11"/>
+                                        </p:tgtEl>
+                                        <p:attrNameLst>
+                                          <p:attrName>style.visibility</p:attrName>
+                                        </p:attrNameLst>
+                                      </p:cBhvr>
+                                      <p:to>
+                                        <p:strVal val="visible"/>
+                                      </p:to>
+                                    </p:set>
+                                  </p:childTnLst>
+                                </p:cTn>
+                              </p:par>
+                            </p:childTnLst>
+                          </p:cTn>
+                        </p:par>
+                      </p:childTnLst>
+                    </p:cTn>
+                  </p:par>
+                </p:childTnLst>
+              </p:cTn>
+              <p:prevCondLst>
+                <p:cond evt="onPrev" delay="0">
+                  <p:tgtEl>
+                    <p:sldTgt/>
+                  </p:tgtEl>
+                </p:cond>
+              </p:prevCondLst>
+              <p:nextCondLst>
+                <p:cond evt="onNext" delay="0">
+                  <p:tgtEl>
+                    <p:sldTgt/>
+                  </p:tgtEl>
+                </p:cond>
+              </p:nextCondLst>
+            </p:seq>
+          </p:childTnLst>
+        </p:cTn>
+      </p:par>
+    </p:tnLst>
+    <p:bldLst>
+      <p:bldP spid="14" grpId="0"/>
+      <p:bldP spid="15" grpId="0" animBg="1"/>
+      <p:bldP spid="11" grpId="0" animBg="1"/>
+    </p:bldLst>
+  </p:timing>
+</p:sld>
+</file>
+
+<file path=ppt/slides/slide35.xml><?xml version="1.0" encoding="utf-8"?>
+<p:sld xmlns:a="http://schemas.openxmlformats.org/drawingml/2006/main" xmlns:r="http://schemas.openxmlformats.org/officeDocument/2006/relationships" xmlns:p="http://schemas.openxmlformats.org/presentationml/2006/main">
+  <p:cSld>
+    <p:spTree>
+      <p:nvGrpSpPr>
+        <p:cNvPr id="1" name=""/>
+        <p:cNvGrpSpPr/>
+        <p:nvPr/>
+      </p:nvGrpSpPr>
+      <p:grpSpPr>
+        <a:xfrm>
+          <a:off x="0" y="0"/>
+          <a:ext cx="0" cy="0"/>
+          <a:chOff x="0" y="0"/>
+          <a:chExt cx="0" cy="0"/>
+        </a:xfrm>
+      </p:grpSpPr>
+      <p:sp>
+        <p:nvSpPr>
+          <p:cNvPr id="8" name="Rectangle 7">
+            <a:extLst>
+              <a:ext uri="{FF2B5EF4-FFF2-40B4-BE49-F238E27FC236}">
+                <a16:creationId xmlns:a16="http://schemas.microsoft.com/office/drawing/2014/main" id="{158F95D5-BE54-3736-1783-2E5501BC5DA8}"/>
+              </a:ext>
+            </a:extLst>
+          </p:cNvPr>
+          <p:cNvSpPr/>
+          <p:nvPr/>
+        </p:nvSpPr>
+        <p:spPr>
+          <a:xfrm>
+            <a:off x="797965" y="0"/>
+            <a:ext cx="5943487" cy="923330"/>
+          </a:xfrm>
+          <a:prstGeom prst="rect">
+            <a:avLst/>
+          </a:prstGeom>
+          <a:noFill/>
+        </p:spPr>
+        <p:txBody>
+          <a:bodyPr wrap="none" lIns="91440" tIns="45720" rIns="91440" bIns="45720">
+            <a:spAutoFit/>
+          </a:bodyPr>
+          <a:lstStyle/>
+          <a:p>
+            <a:pPr algn="ctr"/>
+            <a:r>
+              <a:rPr lang="en-US" sz="5400" b="0" cap="none" spc="0" dirty="0">
+                <a:ln w="0"/>
+                <a:solidFill>
+                  <a:schemeClr val="tx1"/>
+                </a:solidFill>
+                <a:effectLst>
+                  <a:outerShdw blurRad="38100" dist="19050" dir="2700000" algn="tl" rotWithShape="0">
+                    <a:schemeClr val="dk1">
+                      <a:alpha val="40000"/>
+                    </a:schemeClr>
+                  </a:outerShdw>
+                </a:effectLst>
+              </a:rPr>
+              <a:t>Our Project – </a:t>
+            </a:r>
+            <a:r>
+              <a:rPr lang="en-US" sz="5400" dirty="0">
+                <a:ln w="0"/>
+                <a:effectLst>
+                  <a:outerShdw blurRad="38100" dist="19050" dir="2700000" algn="tl" rotWithShape="0">
+                    <a:schemeClr val="dk1">
+                      <a:alpha val="40000"/>
+                    </a:schemeClr>
+                  </a:outerShdw>
+                </a:effectLst>
+                <a:highlight>
+                  <a:srgbClr val="FFFF00"/>
+                </a:highlight>
+              </a:rPr>
+              <a:t>M</a:t>
+            </a:r>
+            <a:r>
+              <a:rPr lang="en-US" sz="5400" dirty="0">
+                <a:ln w="0"/>
+                <a:effectLst>
+                  <a:outerShdw blurRad="38100" dist="19050" dir="2700000" algn="tl" rotWithShape="0">
+                    <a:schemeClr val="dk1">
+                      <a:alpha val="40000"/>
+                    </a:schemeClr>
+                  </a:outerShdw>
+                </a:effectLst>
+              </a:rPr>
+              <a:t>ain</a:t>
+            </a:r>
+            <a:endParaRPr lang="en-US" sz="5400" b="0" cap="none" spc="0" dirty="0">
+              <a:ln w="0"/>
+              <a:solidFill>
+                <a:schemeClr val="tx1"/>
+              </a:solidFill>
+              <a:effectLst>
+                <a:outerShdw blurRad="38100" dist="19050" dir="2700000" algn="tl" rotWithShape="0">
+                  <a:schemeClr val="dk1">
+                    <a:alpha val="40000"/>
+                  </a:schemeClr>
+                </a:outerShdw>
+              </a:effectLst>
+            </a:endParaRPr>
+          </a:p>
+        </p:txBody>
+      </p:sp>
+      <p:sp>
+        <p:nvSpPr>
+          <p:cNvPr id="14" name="TextBox 13">
+            <a:extLst>
+              <a:ext uri="{FF2B5EF4-FFF2-40B4-BE49-F238E27FC236}">
+                <a16:creationId xmlns:a16="http://schemas.microsoft.com/office/drawing/2014/main" id="{ABD0861B-2C8B-4BC2-BA6A-5CD0DFF70086}"/>
+              </a:ext>
+            </a:extLst>
+          </p:cNvPr>
+          <p:cNvSpPr txBox="1"/>
+          <p:nvPr/>
+        </p:nvSpPr>
+        <p:spPr>
+          <a:xfrm>
+            <a:off x="0" y="1387211"/>
+            <a:ext cx="7772400" cy="646331"/>
+          </a:xfrm>
+          <a:prstGeom prst="rect">
+            <a:avLst/>
+          </a:prstGeom>
+          <a:noFill/>
+        </p:spPr>
+        <p:txBody>
+          <a:bodyPr wrap="square">
+            <a:spAutoFit/>
+          </a:bodyPr>
+          <a:lstStyle/>
+          <a:p>
+            <a:r>
+              <a:rPr lang="en-US" dirty="0">
+                <a:latin typeface="Segoe UI" panose="020B0502040204020203" pitchFamily="34" charset="0"/>
+              </a:rPr>
+              <a:t>To manipulate form elements values [Read/Update], define state handling mechanism</a:t>
+            </a:r>
+            <a:endParaRPr lang="en-US" sz="2000" dirty="0">
+              <a:effectLst/>
+              <a:highlight>
+                <a:srgbClr val="FFFF00"/>
+              </a:highlight>
+              <a:latin typeface="Arial" panose="020B0604020202020204" pitchFamily="34" charset="0"/>
+            </a:endParaRPr>
+          </a:p>
+        </p:txBody>
+      </p:sp>
+      <p:sp>
+        <p:nvSpPr>
+          <p:cNvPr id="2" name="TextBox 1">
+            <a:extLst>
+              <a:ext uri="{FF2B5EF4-FFF2-40B4-BE49-F238E27FC236}">
+                <a16:creationId xmlns:a16="http://schemas.microsoft.com/office/drawing/2014/main" id="{E94F6949-04C1-D252-52E9-F8ED758502C2}"/>
+              </a:ext>
+            </a:extLst>
+          </p:cNvPr>
+          <p:cNvSpPr txBox="1"/>
+          <p:nvPr/>
+        </p:nvSpPr>
+        <p:spPr>
+          <a:xfrm>
+            <a:off x="0" y="2079585"/>
+            <a:ext cx="7772400" cy="646331"/>
+          </a:xfrm>
+          <a:prstGeom prst="rect">
+            <a:avLst/>
+          </a:prstGeom>
+          <a:noFill/>
+        </p:spPr>
+        <p:txBody>
+          <a:bodyPr wrap="square">
+            <a:spAutoFit/>
+          </a:bodyPr>
+          <a:lstStyle/>
+          <a:p>
+            <a:r>
+              <a:rPr lang="en-US" dirty="0">
+                <a:latin typeface="Segoe UI" panose="020B0502040204020203" pitchFamily="34" charset="0"/>
+              </a:rPr>
+              <a:t>Take </a:t>
+            </a:r>
+            <a:r>
+              <a:rPr lang="en-US" dirty="0">
+                <a:highlight>
+                  <a:srgbClr val="FFFF00"/>
+                </a:highlight>
+                <a:latin typeface="Segoe UI" panose="020B0502040204020203" pitchFamily="34" charset="0"/>
+              </a:rPr>
+              <a:t>Task Name </a:t>
+            </a:r>
+            <a:r>
+              <a:rPr lang="en-US" dirty="0">
+                <a:latin typeface="Segoe UI" panose="020B0502040204020203" pitchFamily="34" charset="0"/>
+              </a:rPr>
+              <a:t>as an example, and apply the change below for other elements as well.</a:t>
+            </a:r>
+            <a:endParaRPr lang="en-US" sz="2000" dirty="0">
+              <a:effectLst/>
+              <a:highlight>
+                <a:srgbClr val="FFFF00"/>
+              </a:highlight>
+              <a:latin typeface="Arial" panose="020B0604020202020204" pitchFamily="34" charset="0"/>
+            </a:endParaRPr>
+          </a:p>
+        </p:txBody>
+      </p:sp>
+      <p:sp>
+        <p:nvSpPr>
+          <p:cNvPr id="4" name="TextBox 3">
+            <a:extLst>
+              <a:ext uri="{FF2B5EF4-FFF2-40B4-BE49-F238E27FC236}">
+                <a16:creationId xmlns:a16="http://schemas.microsoft.com/office/drawing/2014/main" id="{34B1821E-5988-ED66-E278-70D1E185B82E}"/>
+              </a:ext>
+            </a:extLst>
+          </p:cNvPr>
+          <p:cNvSpPr txBox="1"/>
+          <p:nvPr/>
+        </p:nvSpPr>
+        <p:spPr>
+          <a:xfrm>
+            <a:off x="1217188" y="2825285"/>
+            <a:ext cx="5227491" cy="369332"/>
+          </a:xfrm>
+          <a:prstGeom prst="rect">
+            <a:avLst/>
+          </a:prstGeom>
+          <a:noFill/>
+        </p:spPr>
+        <p:txBody>
+          <a:bodyPr wrap="square">
+            <a:spAutoFit/>
+          </a:bodyPr>
+          <a:lstStyle/>
+          <a:p>
+            <a:r>
+              <a:rPr lang="en-CA" b="0" dirty="0">
+                <a:effectLst/>
+                <a:latin typeface="Consolas" panose="020B0609020204030204" pitchFamily="49" charset="0"/>
+              </a:rPr>
+              <a:t>  const [name, </a:t>
+            </a:r>
+            <a:r>
+              <a:rPr lang="en-CA" b="0" dirty="0" err="1">
+                <a:effectLst/>
+                <a:latin typeface="Consolas" panose="020B0609020204030204" pitchFamily="49" charset="0"/>
+              </a:rPr>
+              <a:t>setName</a:t>
+            </a:r>
+            <a:r>
+              <a:rPr lang="en-CA" b="0" dirty="0">
+                <a:effectLst/>
+                <a:latin typeface="Consolas" panose="020B0609020204030204" pitchFamily="49" charset="0"/>
+              </a:rPr>
+              <a:t>] = </a:t>
+            </a:r>
+            <a:r>
+              <a:rPr lang="en-CA" b="0" dirty="0" err="1">
+                <a:effectLst/>
+                <a:latin typeface="Consolas" panose="020B0609020204030204" pitchFamily="49" charset="0"/>
+              </a:rPr>
+              <a:t>useState</a:t>
+            </a:r>
+            <a:r>
+              <a:rPr lang="en-CA" b="0" dirty="0">
+                <a:effectLst/>
+                <a:latin typeface="Consolas" panose="020B0609020204030204" pitchFamily="49" charset="0"/>
+              </a:rPr>
+              <a:t>('');</a:t>
+            </a:r>
+          </a:p>
+        </p:txBody>
+      </p:sp>
+      <p:sp>
+        <p:nvSpPr>
+          <p:cNvPr id="5" name="TextBox 4">
+            <a:extLst>
+              <a:ext uri="{FF2B5EF4-FFF2-40B4-BE49-F238E27FC236}">
+                <a16:creationId xmlns:a16="http://schemas.microsoft.com/office/drawing/2014/main" id="{3651CF1D-FC24-6D78-0A7E-022E389B43A8}"/>
+              </a:ext>
+            </a:extLst>
+          </p:cNvPr>
+          <p:cNvSpPr txBox="1"/>
+          <p:nvPr/>
+        </p:nvSpPr>
+        <p:spPr>
+          <a:xfrm>
+            <a:off x="5118812" y="3450803"/>
+            <a:ext cx="1366080" cy="369332"/>
+          </a:xfrm>
+          <a:prstGeom prst="rect">
+            <a:avLst/>
+          </a:prstGeom>
+          <a:solidFill>
+            <a:schemeClr val="accent2"/>
+          </a:solidFill>
+          <a:ln w="19050">
+            <a:solidFill>
+              <a:schemeClr val="tx1"/>
+            </a:solidFill>
+          </a:ln>
+        </p:spPr>
+        <p:txBody>
+          <a:bodyPr wrap="none" rtlCol="0">
+            <a:spAutoFit/>
+          </a:bodyPr>
+          <a:lstStyle/>
+          <a:p>
+            <a:r>
+              <a:rPr lang="en-CA" dirty="0"/>
+              <a:t>Initial value</a:t>
+            </a:r>
+          </a:p>
+        </p:txBody>
+      </p:sp>
+      <p:sp>
+        <p:nvSpPr>
+          <p:cNvPr id="6" name="TextBox 5">
+            <a:extLst>
+              <a:ext uri="{FF2B5EF4-FFF2-40B4-BE49-F238E27FC236}">
+                <a16:creationId xmlns:a16="http://schemas.microsoft.com/office/drawing/2014/main" id="{73D58C55-40EB-4EA5-17A6-E32E13E07A3F}"/>
+              </a:ext>
+            </a:extLst>
+          </p:cNvPr>
+          <p:cNvSpPr txBox="1"/>
+          <p:nvPr/>
+        </p:nvSpPr>
+        <p:spPr>
+          <a:xfrm>
+            <a:off x="2505066" y="3467873"/>
+            <a:ext cx="2102820" cy="369332"/>
+          </a:xfrm>
+          <a:prstGeom prst="rect">
+            <a:avLst/>
+          </a:prstGeom>
+          <a:solidFill>
+            <a:schemeClr val="accent2"/>
+          </a:solidFill>
+          <a:ln w="19050">
+            <a:solidFill>
+              <a:schemeClr val="tx1"/>
+            </a:solidFill>
+          </a:ln>
+        </p:spPr>
+        <p:txBody>
+          <a:bodyPr wrap="none" rtlCol="0">
+            <a:spAutoFit/>
+          </a:bodyPr>
+          <a:lstStyle/>
+          <a:p>
+            <a:r>
+              <a:rPr lang="en-CA" dirty="0"/>
+              <a:t>Method to update</a:t>
+            </a:r>
+          </a:p>
+        </p:txBody>
+      </p:sp>
+      <p:sp>
+        <p:nvSpPr>
+          <p:cNvPr id="7" name="TextBox 6">
+            <a:extLst>
+              <a:ext uri="{FF2B5EF4-FFF2-40B4-BE49-F238E27FC236}">
+                <a16:creationId xmlns:a16="http://schemas.microsoft.com/office/drawing/2014/main" id="{0B5024FB-DB75-D375-BE96-6B98962BEC44}"/>
+              </a:ext>
+            </a:extLst>
+          </p:cNvPr>
+          <p:cNvSpPr txBox="1"/>
+          <p:nvPr/>
+        </p:nvSpPr>
+        <p:spPr>
+          <a:xfrm>
+            <a:off x="146783" y="3443662"/>
+            <a:ext cx="1581843" cy="369332"/>
+          </a:xfrm>
+          <a:prstGeom prst="rect">
+            <a:avLst/>
+          </a:prstGeom>
+          <a:solidFill>
+            <a:schemeClr val="accent2"/>
+          </a:solidFill>
+          <a:ln w="19050">
+            <a:solidFill>
+              <a:schemeClr val="tx1"/>
+            </a:solidFill>
+          </a:ln>
+        </p:spPr>
+        <p:txBody>
+          <a:bodyPr wrap="none" rtlCol="0">
+            <a:spAutoFit/>
+          </a:bodyPr>
+          <a:lstStyle/>
+          <a:p>
+            <a:r>
+              <a:rPr lang="en-CA" dirty="0"/>
+              <a:t>state variable</a:t>
+            </a:r>
+          </a:p>
+        </p:txBody>
+      </p:sp>
+      <p:cxnSp>
+        <p:nvCxnSpPr>
+          <p:cNvPr id="10" name="Straight Arrow Connector 9">
+            <a:extLst>
+              <a:ext uri="{FF2B5EF4-FFF2-40B4-BE49-F238E27FC236}">
+                <a16:creationId xmlns:a16="http://schemas.microsoft.com/office/drawing/2014/main" id="{B119A07D-E2E1-AF78-AE5A-F746DDED0241}"/>
+              </a:ext>
+            </a:extLst>
+          </p:cNvPr>
+          <p:cNvCxnSpPr>
+            <a:cxnSpLocks/>
+            <a:endCxn id="5" idx="0"/>
+          </p:cNvCxnSpPr>
+          <p:nvPr/>
+        </p:nvCxnSpPr>
+        <p:spPr>
+          <a:xfrm>
+            <a:off x="5801852" y="3009951"/>
+            <a:ext cx="0" cy="440852"/>
+          </a:xfrm>
+          <a:prstGeom prst="straightConnector1">
+            <a:avLst/>
+          </a:prstGeom>
+          <a:ln>
+            <a:tailEnd type="triangle"/>
+          </a:ln>
+        </p:spPr>
+        <p:style>
+          <a:lnRef idx="3">
+            <a:schemeClr val="dk1"/>
+          </a:lnRef>
+          <a:fillRef idx="0">
+            <a:schemeClr val="dk1"/>
+          </a:fillRef>
+          <a:effectRef idx="2">
+            <a:schemeClr val="dk1"/>
+          </a:effectRef>
+          <a:fontRef idx="minor">
+            <a:schemeClr val="tx1"/>
+          </a:fontRef>
+        </p:style>
+      </p:cxnSp>
+      <p:cxnSp>
+        <p:nvCxnSpPr>
+          <p:cNvPr id="12" name="Straight Arrow Connector 11">
+            <a:extLst>
+              <a:ext uri="{FF2B5EF4-FFF2-40B4-BE49-F238E27FC236}">
+                <a16:creationId xmlns:a16="http://schemas.microsoft.com/office/drawing/2014/main" id="{4BE0C294-9C3A-F817-D0F3-AAE44F8C0E92}"/>
+              </a:ext>
+            </a:extLst>
+          </p:cNvPr>
+          <p:cNvCxnSpPr>
+            <a:cxnSpLocks/>
+            <a:endCxn id="6" idx="0"/>
+          </p:cNvCxnSpPr>
+          <p:nvPr/>
+        </p:nvCxnSpPr>
+        <p:spPr>
+          <a:xfrm flipH="1">
+            <a:off x="3556476" y="3027021"/>
+            <a:ext cx="141438" cy="440852"/>
+          </a:xfrm>
+          <a:prstGeom prst="straightConnector1">
+            <a:avLst/>
+          </a:prstGeom>
+          <a:ln>
+            <a:tailEnd type="triangle"/>
+          </a:ln>
+        </p:spPr>
+        <p:style>
+          <a:lnRef idx="3">
+            <a:schemeClr val="dk1"/>
+          </a:lnRef>
+          <a:fillRef idx="0">
+            <a:schemeClr val="dk1"/>
+          </a:fillRef>
+          <a:effectRef idx="2">
+            <a:schemeClr val="dk1"/>
+          </a:effectRef>
+          <a:fontRef idx="minor">
+            <a:schemeClr val="tx1"/>
+          </a:fontRef>
+        </p:style>
+      </p:cxnSp>
+      <p:cxnSp>
+        <p:nvCxnSpPr>
+          <p:cNvPr id="13" name="Straight Arrow Connector 12">
+            <a:extLst>
+              <a:ext uri="{FF2B5EF4-FFF2-40B4-BE49-F238E27FC236}">
+                <a16:creationId xmlns:a16="http://schemas.microsoft.com/office/drawing/2014/main" id="{10DA4C53-18F6-2F46-608E-94E19B8B15F2}"/>
+              </a:ext>
+            </a:extLst>
+          </p:cNvPr>
+          <p:cNvCxnSpPr>
+            <a:cxnSpLocks/>
+            <a:endCxn id="7" idx="0"/>
+          </p:cNvCxnSpPr>
+          <p:nvPr/>
+        </p:nvCxnSpPr>
+        <p:spPr>
+          <a:xfrm flipH="1">
+            <a:off x="937705" y="3027021"/>
+            <a:ext cx="1505242" cy="416641"/>
+          </a:xfrm>
+          <a:prstGeom prst="straightConnector1">
+            <a:avLst/>
+          </a:prstGeom>
+          <a:ln>
+            <a:tailEnd type="triangle"/>
+          </a:ln>
+        </p:spPr>
+        <p:style>
+          <a:lnRef idx="3">
+            <a:schemeClr val="dk1"/>
+          </a:lnRef>
+          <a:fillRef idx="0">
+            <a:schemeClr val="dk1"/>
+          </a:fillRef>
+          <a:effectRef idx="2">
+            <a:schemeClr val="dk1"/>
+          </a:effectRef>
+          <a:fontRef idx="minor">
+            <a:schemeClr val="tx1"/>
+          </a:fontRef>
+        </p:style>
+      </p:cxnSp>
+      <p:pic>
+        <p:nvPicPr>
+          <p:cNvPr id="20" name="Picture 19">
+            <a:extLst>
+              <a:ext uri="{FF2B5EF4-FFF2-40B4-BE49-F238E27FC236}">
+                <a16:creationId xmlns:a16="http://schemas.microsoft.com/office/drawing/2014/main" id="{03CFB37F-475F-8656-F19E-505066C34F76}"/>
+              </a:ext>
+            </a:extLst>
+          </p:cNvPr>
+          <p:cNvPicPr>
+            <a:picLocks noChangeAspect="1"/>
+          </p:cNvPicPr>
+          <p:nvPr/>
+        </p:nvPicPr>
+        <p:blipFill>
+          <a:blip r:embed="rId3"/>
+          <a:stretch>
+            <a:fillRect/>
+          </a:stretch>
+        </p:blipFill>
+        <p:spPr>
+          <a:xfrm>
+            <a:off x="347554" y="3912363"/>
+            <a:ext cx="5303596" cy="6090967"/>
+          </a:xfrm>
+          <a:prstGeom prst="rect">
+            <a:avLst/>
+          </a:prstGeom>
+        </p:spPr>
+      </p:pic>
+      <p:sp>
+        <p:nvSpPr>
+          <p:cNvPr id="21" name="Rectangle: Rounded Corners 20">
+            <a:extLst>
+              <a:ext uri="{FF2B5EF4-FFF2-40B4-BE49-F238E27FC236}">
+                <a16:creationId xmlns:a16="http://schemas.microsoft.com/office/drawing/2014/main" id="{9B4EF5C9-63F4-CC1A-F6D9-939D3E6B2C03}"/>
+              </a:ext>
+            </a:extLst>
+          </p:cNvPr>
+          <p:cNvSpPr/>
+          <p:nvPr/>
+        </p:nvSpPr>
+        <p:spPr>
+          <a:xfrm>
+            <a:off x="403572" y="4099192"/>
+            <a:ext cx="2417077" cy="198250"/>
+          </a:xfrm>
+          <a:prstGeom prst="roundRect">
+            <a:avLst/>
+          </a:prstGeom>
+          <a:solidFill>
+            <a:srgbClr val="58B4AE">
+              <a:alpha val="38824"/>
+            </a:srgbClr>
+          </a:solidFill>
+        </p:spPr>
+        <p:style>
+          <a:lnRef idx="2">
+            <a:schemeClr val="accent1">
+              <a:shade val="50000"/>
+            </a:schemeClr>
+          </a:lnRef>
+          <a:fillRef idx="1">
+            <a:schemeClr val="accent1"/>
+          </a:fillRef>
+          <a:effectRef idx="0">
+            <a:schemeClr val="accent1"/>
+          </a:effectRef>
+          <a:fontRef idx="minor">
+            <a:schemeClr val="lt1"/>
+          </a:fontRef>
+        </p:style>
+        <p:txBody>
+          <a:bodyPr rtlCol="0" anchor="ctr"/>
+          <a:lstStyle/>
+          <a:p>
+            <a:pPr algn="ctr"/>
+            <a:endParaRPr lang="en-CA"/>
+          </a:p>
+        </p:txBody>
+      </p:sp>
+      <p:sp>
+        <p:nvSpPr>
+          <p:cNvPr id="26" name="Rectangle: Rounded Corners 25">
+            <a:extLst>
+              <a:ext uri="{FF2B5EF4-FFF2-40B4-BE49-F238E27FC236}">
+                <a16:creationId xmlns:a16="http://schemas.microsoft.com/office/drawing/2014/main" id="{FC087648-08EF-B600-4B3B-B17D922A7AAE}"/>
+              </a:ext>
+            </a:extLst>
+          </p:cNvPr>
+          <p:cNvSpPr/>
+          <p:nvPr/>
+        </p:nvSpPr>
+        <p:spPr>
+          <a:xfrm>
+            <a:off x="582275" y="4783128"/>
+            <a:ext cx="2675275" cy="198250"/>
+          </a:xfrm>
+          <a:prstGeom prst="roundRect">
+            <a:avLst/>
+          </a:prstGeom>
+          <a:solidFill>
+            <a:srgbClr val="58B4AE">
+              <a:alpha val="38824"/>
+            </a:srgbClr>
+          </a:solidFill>
+        </p:spPr>
+        <p:style>
+          <a:lnRef idx="2">
+            <a:schemeClr val="accent1">
+              <a:shade val="50000"/>
+            </a:schemeClr>
+          </a:lnRef>
+          <a:fillRef idx="1">
+            <a:schemeClr val="accent1"/>
+          </a:fillRef>
+          <a:effectRef idx="0">
+            <a:schemeClr val="accent1"/>
+          </a:effectRef>
+          <a:fontRef idx="minor">
+            <a:schemeClr val="lt1"/>
+          </a:fontRef>
+        </p:style>
+        <p:txBody>
+          <a:bodyPr rtlCol="0" anchor="ctr"/>
+          <a:lstStyle/>
+          <a:p>
+            <a:pPr algn="ctr"/>
+            <a:endParaRPr lang="en-CA"/>
+          </a:p>
+        </p:txBody>
+      </p:sp>
+      <p:sp>
+        <p:nvSpPr>
+          <p:cNvPr id="27" name="Rectangle: Rounded Corners 26">
+            <a:extLst>
+              <a:ext uri="{FF2B5EF4-FFF2-40B4-BE49-F238E27FC236}">
+                <a16:creationId xmlns:a16="http://schemas.microsoft.com/office/drawing/2014/main" id="{9144D0EC-AE91-BF03-9FA1-1F66797477B7}"/>
+              </a:ext>
+            </a:extLst>
+          </p:cNvPr>
+          <p:cNvSpPr/>
+          <p:nvPr/>
+        </p:nvSpPr>
+        <p:spPr>
+          <a:xfrm>
+            <a:off x="2063413" y="9287210"/>
+            <a:ext cx="1072694" cy="198250"/>
+          </a:xfrm>
+          <a:prstGeom prst="roundRect">
+            <a:avLst/>
+          </a:prstGeom>
+          <a:solidFill>
+            <a:srgbClr val="58B4AE">
+              <a:alpha val="38824"/>
+            </a:srgbClr>
+          </a:solidFill>
+        </p:spPr>
+        <p:style>
+          <a:lnRef idx="2">
+            <a:schemeClr val="accent1">
+              <a:shade val="50000"/>
+            </a:schemeClr>
+          </a:lnRef>
+          <a:fillRef idx="1">
+            <a:schemeClr val="accent1"/>
+          </a:fillRef>
+          <a:effectRef idx="0">
+            <a:schemeClr val="accent1"/>
+          </a:effectRef>
+          <a:fontRef idx="minor">
+            <a:schemeClr val="lt1"/>
+          </a:fontRef>
+        </p:style>
+        <p:txBody>
+          <a:bodyPr rtlCol="0" anchor="ctr"/>
+          <a:lstStyle/>
+          <a:p>
+            <a:pPr algn="ctr"/>
+            <a:endParaRPr lang="en-CA"/>
+          </a:p>
+        </p:txBody>
+      </p:sp>
+      <p:sp>
+        <p:nvSpPr>
+          <p:cNvPr id="28" name="Rectangle: Rounded Corners 27">
+            <a:extLst>
+              <a:ext uri="{FF2B5EF4-FFF2-40B4-BE49-F238E27FC236}">
+                <a16:creationId xmlns:a16="http://schemas.microsoft.com/office/drawing/2014/main" id="{7B3F87CC-70B7-B6C1-BF0A-E2A41CA39BC2}"/>
+              </a:ext>
+            </a:extLst>
+          </p:cNvPr>
+          <p:cNvSpPr/>
+          <p:nvPr/>
+        </p:nvSpPr>
+        <p:spPr>
+          <a:xfrm>
+            <a:off x="2063412" y="9051380"/>
+            <a:ext cx="1987093" cy="235829"/>
+          </a:xfrm>
+          <a:prstGeom prst="roundRect">
+            <a:avLst/>
+          </a:prstGeom>
+          <a:solidFill>
+            <a:srgbClr val="58B4AE">
+              <a:alpha val="38824"/>
+            </a:srgbClr>
+          </a:solidFill>
+        </p:spPr>
+        <p:style>
+          <a:lnRef idx="2">
+            <a:schemeClr val="accent1">
+              <a:shade val="50000"/>
+            </a:schemeClr>
+          </a:lnRef>
+          <a:fillRef idx="1">
+            <a:schemeClr val="accent1"/>
+          </a:fillRef>
+          <a:effectRef idx="0">
+            <a:schemeClr val="accent1"/>
+          </a:effectRef>
+          <a:fontRef idx="minor">
+            <a:schemeClr val="lt1"/>
+          </a:fontRef>
+        </p:style>
+        <p:txBody>
+          <a:bodyPr rtlCol="0" anchor="ctr"/>
+          <a:lstStyle/>
+          <a:p>
+            <a:pPr algn="ctr"/>
+            <a:endParaRPr lang="en-CA"/>
+          </a:p>
+        </p:txBody>
+      </p:sp>
+      <p:sp>
+        <p:nvSpPr>
+          <p:cNvPr id="29" name="Rectangle: Rounded Corners 28">
+            <a:extLst>
+              <a:ext uri="{FF2B5EF4-FFF2-40B4-BE49-F238E27FC236}">
+                <a16:creationId xmlns:a16="http://schemas.microsoft.com/office/drawing/2014/main" id="{665C3DFE-D797-0F80-DD73-564B7EA40B19}"/>
+              </a:ext>
+            </a:extLst>
+          </p:cNvPr>
+          <p:cNvSpPr/>
+          <p:nvPr/>
+        </p:nvSpPr>
+        <p:spPr>
+          <a:xfrm>
+            <a:off x="501137" y="5176672"/>
+            <a:ext cx="2927863" cy="675471"/>
+          </a:xfrm>
+          <a:prstGeom prst="roundRect">
+            <a:avLst/>
+          </a:prstGeom>
+          <a:solidFill>
+            <a:srgbClr val="58B4AE">
+              <a:alpha val="38824"/>
+            </a:srgbClr>
+          </a:solidFill>
+        </p:spPr>
+        <p:style>
+          <a:lnRef idx="2">
+            <a:schemeClr val="accent1">
+              <a:shade val="50000"/>
+            </a:schemeClr>
+          </a:lnRef>
+          <a:fillRef idx="1">
+            <a:schemeClr val="accent1"/>
+          </a:fillRef>
+          <a:effectRef idx="0">
+            <a:schemeClr val="accent1"/>
+          </a:effectRef>
+          <a:fontRef idx="minor">
+            <a:schemeClr val="lt1"/>
+          </a:fontRef>
+        </p:style>
+        <p:txBody>
+          <a:bodyPr rtlCol="0" anchor="ctr"/>
+          <a:lstStyle/>
+          <a:p>
+            <a:pPr algn="ctr"/>
+            <a:endParaRPr lang="en-CA"/>
+          </a:p>
+        </p:txBody>
+      </p:sp>
+      <p:sp>
+        <p:nvSpPr>
+          <p:cNvPr id="30" name="TextBox 29">
+            <a:extLst>
+              <a:ext uri="{FF2B5EF4-FFF2-40B4-BE49-F238E27FC236}">
+                <a16:creationId xmlns:a16="http://schemas.microsoft.com/office/drawing/2014/main" id="{C568CAB9-E888-DC53-DAF0-084DC96A8BE6}"/>
+              </a:ext>
+            </a:extLst>
+          </p:cNvPr>
+          <p:cNvSpPr txBox="1"/>
+          <p:nvPr/>
+        </p:nvSpPr>
+        <p:spPr>
+          <a:xfrm>
+            <a:off x="5752230" y="4929631"/>
+            <a:ext cx="1978444" cy="1169551"/>
+          </a:xfrm>
+          <a:prstGeom prst="rect">
+            <a:avLst/>
+          </a:prstGeom>
+          <a:noFill/>
+          <a:ln w="28575">
+            <a:solidFill>
+              <a:schemeClr val="tx1"/>
+            </a:solidFill>
+          </a:ln>
+        </p:spPr>
+        <p:txBody>
+          <a:bodyPr wrap="square">
+            <a:spAutoFit/>
+          </a:bodyPr>
+          <a:lstStyle/>
+          <a:p>
+            <a:r>
+              <a:rPr lang="en-CA" dirty="0"/>
+              <a:t>We can share a copy of current Main.js via slack: </a:t>
+            </a:r>
+          </a:p>
+          <a:p>
+            <a:r>
+              <a:rPr lang="en-CA" sz="1600" dirty="0">
+                <a:highlight>
+                  <a:srgbClr val="FFFF00"/>
+                </a:highlight>
+              </a:rPr>
+              <a:t>#react-hackathon</a:t>
+            </a:r>
+            <a:endParaRPr lang="en-CA" sz="1600" dirty="0"/>
+          </a:p>
+        </p:txBody>
+      </p:sp>
+    </p:spTree>
+    <p:extLst>
+      <p:ext uri="{BB962C8B-B14F-4D97-AF65-F5344CB8AC3E}">
+        <p14:creationId xmlns:p14="http://schemas.microsoft.com/office/powerpoint/2010/main" val="1187238870"/>
+      </p:ext>
+    </p:extLst>
+  </p:cSld>
+  <p:clrMapOvr>
+    <a:masterClrMapping/>
+  </p:clrMapOvr>
+  <p:timing>
+    <p:tnLst>
+      <p:par>
+        <p:cTn id="1" dur="indefinite" restart="never" nodeType="tmRoot">
+          <p:childTnLst>
+            <p:seq concurrent="1" nextAc="seek">
+              <p:cTn id="2" dur="indefinite" nodeType="mainSeq">
+                <p:childTnLst>
+                  <p:par>
+                    <p:cTn id="3" fill="hold">
+                      <p:stCondLst>
+                        <p:cond delay="indefinite"/>
+                      </p:stCondLst>
+                      <p:childTnLst>
+                        <p:par>
+                          <p:cTn id="4" fill="hold">
+                            <p:stCondLst>
+                              <p:cond delay="0"/>
+                            </p:stCondLst>
+                            <p:childTnLst>
+                              <p:par>
+                                <p:cTn id="5" presetID="1" presetClass="entr" presetSubtype="0" fill="hold" grpId="0" nodeType="clickEffect">
+                                  <p:stCondLst>
+                                    <p:cond delay="0"/>
+                                  </p:stCondLst>
+                                  <p:childTnLst>
+                                    <p:set>
+                                      <p:cBhvr>
+                                        <p:cTn id="6" dur="1" fill="hold">
+                                          <p:stCondLst>
+                                            <p:cond delay="0"/>
+                                          </p:stCondLst>
+                                        </p:cTn>
+                                        <p:tgtEl>
+                                          <p:spTgt spid="14"/>
+                                        </p:tgtEl>
+                                        <p:attrNameLst>
+                                          <p:attrName>style.visibility</p:attrName>
+                                        </p:attrNameLst>
+                                      </p:cBhvr>
+                                      <p:to>
+                                        <p:strVal val="visible"/>
+                                      </p:to>
+                                    </p:set>
+                                  </p:childTnLst>
+                                </p:cTn>
+                              </p:par>
+                            </p:childTnLst>
+                          </p:cTn>
+                        </p:par>
+                      </p:childTnLst>
+                    </p:cTn>
+                  </p:par>
+                  <p:par>
+                    <p:cTn id="7" fill="hold">
+                      <p:stCondLst>
+                        <p:cond delay="indefinite"/>
+                      </p:stCondLst>
+                      <p:childTnLst>
+                        <p:par>
+                          <p:cTn id="8" fill="hold">
+                            <p:stCondLst>
+                              <p:cond delay="0"/>
+                            </p:stCondLst>
+                            <p:childTnLst>
+                              <p:par>
+                                <p:cTn id="9" presetID="1" presetClass="entr" presetSubtype="0" fill="hold" grpId="0" nodeType="clickEffect">
+                                  <p:stCondLst>
+                                    <p:cond delay="0"/>
+                                  </p:stCondLst>
+                                  <p:childTnLst>
+                                    <p:set>
+                                      <p:cBhvr>
+                                        <p:cTn id="10" dur="1" fill="hold">
+                                          <p:stCondLst>
+                                            <p:cond delay="0"/>
+                                          </p:stCondLst>
+                                        </p:cTn>
+                                        <p:tgtEl>
+                                          <p:spTgt spid="2"/>
+                                        </p:tgtEl>
+                                        <p:attrNameLst>
+                                          <p:attrName>style.visibility</p:attrName>
+                                        </p:attrNameLst>
+                                      </p:cBhvr>
+                                      <p:to>
+                                        <p:strVal val="visible"/>
+                                      </p:to>
+                                    </p:set>
+                                  </p:childTnLst>
+                                </p:cTn>
+                              </p:par>
+                            </p:childTnLst>
+                          </p:cTn>
+                        </p:par>
+                      </p:childTnLst>
+                    </p:cTn>
+                  </p:par>
+                  <p:par>
+                    <p:cTn id="11" fill="hold">
+                      <p:stCondLst>
+                        <p:cond delay="indefinite"/>
+                      </p:stCondLst>
+                      <p:childTnLst>
+                        <p:par>
+                          <p:cTn id="12" fill="hold">
+                            <p:stCondLst>
+                              <p:cond delay="0"/>
+                            </p:stCondLst>
+                            <p:childTnLst>
+                              <p:par>
+                                <p:cTn id="13" presetID="1" presetClass="entr" presetSubtype="0" fill="hold" grpId="0" nodeType="clickEffect">
+                                  <p:stCondLst>
+                                    <p:cond delay="0"/>
+                                  </p:stCondLst>
+                                  <p:childTnLst>
+                                    <p:set>
+                                      <p:cBhvr>
+                                        <p:cTn id="14" dur="1" fill="hold">
+                                          <p:stCondLst>
+                                            <p:cond delay="0"/>
+                                          </p:stCondLst>
+                                        </p:cTn>
+                                        <p:tgtEl>
+                                          <p:spTgt spid="4"/>
+                                        </p:tgtEl>
+                                        <p:attrNameLst>
+                                          <p:attrName>style.visibility</p:attrName>
+                                        </p:attrNameLst>
+                                      </p:cBhvr>
+                                      <p:to>
+                                        <p:strVal val="visible"/>
+                                      </p:to>
+                                    </p:set>
+                                  </p:childTnLst>
+                                </p:cTn>
+                              </p:par>
+                            </p:childTnLst>
+                          </p:cTn>
+                        </p:par>
+                      </p:childTnLst>
+                    </p:cTn>
+                  </p:par>
+                  <p:par>
+                    <p:cTn id="15" fill="hold">
+                      <p:stCondLst>
+                        <p:cond delay="indefinite"/>
+                      </p:stCondLst>
+                      <p:childTnLst>
+                        <p:par>
+                          <p:cTn id="16" fill="hold">
+                            <p:stCondLst>
+                              <p:cond delay="0"/>
+                            </p:stCondLst>
+                            <p:childTnLst>
+                              <p:par>
+                                <p:cTn id="17" presetID="1" presetClass="entr" presetSubtype="0" fill="hold" nodeType="clickEffect">
+                                  <p:stCondLst>
+                                    <p:cond delay="0"/>
+                                  </p:stCondLst>
+                                  <p:childTnLst>
+                                    <p:set>
+                                      <p:cBhvr>
+                                        <p:cTn id="18" dur="1" fill="hold">
+                                          <p:stCondLst>
+                                            <p:cond delay="0"/>
+                                          </p:stCondLst>
+                                        </p:cTn>
+                                        <p:tgtEl>
+                                          <p:spTgt spid="10"/>
+                                        </p:tgtEl>
+                                        <p:attrNameLst>
+                                          <p:attrName>style.visibility</p:attrName>
+                                        </p:attrNameLst>
+                                      </p:cBhvr>
+                                      <p:to>
+                                        <p:strVal val="visible"/>
+                                      </p:to>
+                                    </p:set>
+                                  </p:childTnLst>
+                                </p:cTn>
+                              </p:par>
+                              <p:par>
+                                <p:cTn id="19" presetID="1" presetClass="entr" presetSubtype="0" fill="hold" grpId="0" nodeType="withEffect">
+                                  <p:stCondLst>
+                                    <p:cond delay="0"/>
+                                  </p:stCondLst>
+                                  <p:childTnLst>
+                                    <p:set>
+                                      <p:cBhvr>
+                                        <p:cTn id="20" dur="1" fill="hold">
+                                          <p:stCondLst>
+                                            <p:cond delay="0"/>
+                                          </p:stCondLst>
+                                        </p:cTn>
+                                        <p:tgtEl>
+                                          <p:spTgt spid="5"/>
+                                        </p:tgtEl>
+                                        <p:attrNameLst>
+                                          <p:attrName>style.visibility</p:attrName>
+                                        </p:attrNameLst>
+                                      </p:cBhvr>
+                                      <p:to>
+                                        <p:strVal val="visible"/>
+                                      </p:to>
+                                    </p:set>
+                                  </p:childTnLst>
+                                </p:cTn>
+                              </p:par>
+                            </p:childTnLst>
+                          </p:cTn>
+                        </p:par>
+                      </p:childTnLst>
+                    </p:cTn>
+                  </p:par>
+                  <p:par>
+                    <p:cTn id="21" fill="hold">
+                      <p:stCondLst>
+                        <p:cond delay="indefinite"/>
+                      </p:stCondLst>
+                      <p:childTnLst>
+                        <p:par>
+                          <p:cTn id="22" fill="hold">
+                            <p:stCondLst>
+                              <p:cond delay="0"/>
+                            </p:stCondLst>
+                            <p:childTnLst>
+                              <p:par>
+                                <p:cTn id="23" presetID="1" presetClass="entr" presetSubtype="0" fill="hold" nodeType="clickEffect">
+                                  <p:stCondLst>
+                                    <p:cond delay="0"/>
+                                  </p:stCondLst>
+                                  <p:childTnLst>
+                                    <p:set>
+                                      <p:cBhvr>
+                                        <p:cTn id="24" dur="1" fill="hold">
+                                          <p:stCondLst>
+                                            <p:cond delay="0"/>
+                                          </p:stCondLst>
+                                        </p:cTn>
+                                        <p:tgtEl>
+                                          <p:spTgt spid="12"/>
+                                        </p:tgtEl>
+                                        <p:attrNameLst>
+                                          <p:attrName>style.visibility</p:attrName>
+                                        </p:attrNameLst>
+                                      </p:cBhvr>
+                                      <p:to>
+                                        <p:strVal val="visible"/>
+                                      </p:to>
+                                    </p:set>
+                                  </p:childTnLst>
+                                </p:cTn>
+                              </p:par>
+                              <p:par>
+                                <p:cTn id="25" presetID="1" presetClass="entr" presetSubtype="0" fill="hold" grpId="0" nodeType="withEffect">
+                                  <p:stCondLst>
+                                    <p:cond delay="0"/>
+                                  </p:stCondLst>
+                                  <p:childTnLst>
+                                    <p:set>
+                                      <p:cBhvr>
+                                        <p:cTn id="26" dur="1" fill="hold">
+                                          <p:stCondLst>
+                                            <p:cond delay="0"/>
+                                          </p:stCondLst>
+                                        </p:cTn>
+                                        <p:tgtEl>
+                                          <p:spTgt spid="6"/>
+                                        </p:tgtEl>
+                                        <p:attrNameLst>
+                                          <p:attrName>style.visibility</p:attrName>
+                                        </p:attrNameLst>
+                                      </p:cBhvr>
+                                      <p:to>
+                                        <p:strVal val="visible"/>
+                                      </p:to>
+                                    </p:set>
+                                  </p:childTnLst>
+                                </p:cTn>
+                              </p:par>
+                            </p:childTnLst>
+                          </p:cTn>
+                        </p:par>
+                      </p:childTnLst>
+                    </p:cTn>
+                  </p:par>
+                  <p:par>
+                    <p:cTn id="27" fill="hold">
+                      <p:stCondLst>
+                        <p:cond delay="indefinite"/>
+                      </p:stCondLst>
+                      <p:childTnLst>
+                        <p:par>
+                          <p:cTn id="28" fill="hold">
+                            <p:stCondLst>
+                              <p:cond delay="0"/>
+                            </p:stCondLst>
+                            <p:childTnLst>
+                              <p:par>
+                                <p:cTn id="29" presetID="1" presetClass="entr" presetSubtype="0" fill="hold" nodeType="clickEffect">
+                                  <p:stCondLst>
+                                    <p:cond delay="0"/>
+                                  </p:stCondLst>
+                                  <p:childTnLst>
+                                    <p:set>
+                                      <p:cBhvr>
+                                        <p:cTn id="30" dur="1" fill="hold">
+                                          <p:stCondLst>
+                                            <p:cond delay="0"/>
+                                          </p:stCondLst>
+                                        </p:cTn>
+                                        <p:tgtEl>
+                                          <p:spTgt spid="13"/>
+                                        </p:tgtEl>
+                                        <p:attrNameLst>
+                                          <p:attrName>style.visibility</p:attrName>
+                                        </p:attrNameLst>
+                                      </p:cBhvr>
+                                      <p:to>
+                                        <p:strVal val="visible"/>
+                                      </p:to>
+                                    </p:set>
+                                  </p:childTnLst>
+                                </p:cTn>
+                              </p:par>
+                              <p:par>
+                                <p:cTn id="31" presetID="1" presetClass="entr" presetSubtype="0" fill="hold" grpId="0" nodeType="withEffect">
+                                  <p:stCondLst>
+                                    <p:cond delay="0"/>
+                                  </p:stCondLst>
+                                  <p:childTnLst>
+                                    <p:set>
+                                      <p:cBhvr>
+                                        <p:cTn id="32" dur="1" fill="hold">
+                                          <p:stCondLst>
+                                            <p:cond delay="0"/>
+                                          </p:stCondLst>
+                                        </p:cTn>
+                                        <p:tgtEl>
+                                          <p:spTgt spid="7"/>
+                                        </p:tgtEl>
+                                        <p:attrNameLst>
+                                          <p:attrName>style.visibility</p:attrName>
+                                        </p:attrNameLst>
+                                      </p:cBhvr>
+                                      <p:to>
+                                        <p:strVal val="visible"/>
+                                      </p:to>
+                                    </p:set>
+                                  </p:childTnLst>
+                                </p:cTn>
+                              </p:par>
+                            </p:childTnLst>
+                          </p:cTn>
+                        </p:par>
+                      </p:childTnLst>
+                    </p:cTn>
+                  </p:par>
+                  <p:par>
+                    <p:cTn id="33" fill="hold">
+                      <p:stCondLst>
+                        <p:cond delay="indefinite"/>
+                      </p:stCondLst>
+                      <p:childTnLst>
+                        <p:par>
+                          <p:cTn id="34" fill="hold">
+                            <p:stCondLst>
+                              <p:cond delay="0"/>
+                            </p:stCondLst>
+                            <p:childTnLst>
+                              <p:par>
+                                <p:cTn id="35" presetID="1" presetClass="entr" presetSubtype="0" fill="hold" nodeType="clickEffect">
+                                  <p:stCondLst>
+                                    <p:cond delay="0"/>
+                                  </p:stCondLst>
+                                  <p:childTnLst>
+                                    <p:set>
+                                      <p:cBhvr>
+                                        <p:cTn id="36" dur="1" fill="hold">
+                                          <p:stCondLst>
+                                            <p:cond delay="0"/>
+                                          </p:stCondLst>
+                                        </p:cTn>
+                                        <p:tgtEl>
+                                          <p:spTgt spid="20"/>
+                                        </p:tgtEl>
+                                        <p:attrNameLst>
+                                          <p:attrName>style.visibility</p:attrName>
+                                        </p:attrNameLst>
+                                      </p:cBhvr>
+                                      <p:to>
+                                        <p:strVal val="visible"/>
+                                      </p:to>
+                                    </p:set>
+                                  </p:childTnLst>
+                                </p:cTn>
+                              </p:par>
+                            </p:childTnLst>
+                          </p:cTn>
+                        </p:par>
+                      </p:childTnLst>
+                    </p:cTn>
+                  </p:par>
+                  <p:par>
+                    <p:cTn id="37" fill="hold">
+                      <p:stCondLst>
+                        <p:cond delay="indefinite"/>
+                      </p:stCondLst>
+                      <p:childTnLst>
+                        <p:par>
+                          <p:cTn id="38" fill="hold">
+                            <p:stCondLst>
+                              <p:cond delay="0"/>
+                            </p:stCondLst>
+                            <p:childTnLst>
+                              <p:par>
+                                <p:cTn id="39" presetID="1" presetClass="entr" presetSubtype="0" fill="hold" grpId="0" nodeType="clickEffect">
+                                  <p:stCondLst>
+                                    <p:cond delay="0"/>
+                                  </p:stCondLst>
+                                  <p:childTnLst>
+                                    <p:set>
+                                      <p:cBhvr>
+                                        <p:cTn id="40" dur="1" fill="hold">
+                                          <p:stCondLst>
+                                            <p:cond delay="0"/>
+                                          </p:stCondLst>
+                                        </p:cTn>
+                                        <p:tgtEl>
+                                          <p:spTgt spid="21"/>
+                                        </p:tgtEl>
+                                        <p:attrNameLst>
+                                          <p:attrName>style.visibility</p:attrName>
+                                        </p:attrNameLst>
+                                      </p:cBhvr>
+                                      <p:to>
+                                        <p:strVal val="visible"/>
+                                      </p:to>
+                                    </p:set>
+                                  </p:childTnLst>
+                                </p:cTn>
+                              </p:par>
+                            </p:childTnLst>
+                          </p:cTn>
+                        </p:par>
+                      </p:childTnLst>
+                    </p:cTn>
+                  </p:par>
+                  <p:par>
+                    <p:cTn id="41" fill="hold">
+                      <p:stCondLst>
+                        <p:cond delay="indefinite"/>
+                      </p:stCondLst>
+                      <p:childTnLst>
+                        <p:par>
+                          <p:cTn id="42" fill="hold">
+                            <p:stCondLst>
+                              <p:cond delay="0"/>
+                            </p:stCondLst>
+                            <p:childTnLst>
+                              <p:par>
+                                <p:cTn id="43" presetID="1" presetClass="exit" presetSubtype="0" fill="hold" grpId="1" nodeType="clickEffect">
+                                  <p:stCondLst>
+                                    <p:cond delay="0"/>
+                                  </p:stCondLst>
+                                  <p:childTnLst>
+                                    <p:set>
+                                      <p:cBhvr>
+                                        <p:cTn id="44" dur="1" fill="hold">
+                                          <p:stCondLst>
+                                            <p:cond delay="0"/>
+                                          </p:stCondLst>
+                                        </p:cTn>
+                                        <p:tgtEl>
+                                          <p:spTgt spid="21"/>
+                                        </p:tgtEl>
+                                        <p:attrNameLst>
+                                          <p:attrName>style.visibility</p:attrName>
+                                        </p:attrNameLst>
+                                      </p:cBhvr>
+                                      <p:to>
+                                        <p:strVal val="hidden"/>
+                                      </p:to>
+                                    </p:set>
+                                  </p:childTnLst>
+                                </p:cTn>
+                              </p:par>
+                            </p:childTnLst>
+                          </p:cTn>
+                        </p:par>
+                      </p:childTnLst>
+                    </p:cTn>
+                  </p:par>
+                  <p:par>
+                    <p:cTn id="45" fill="hold">
+                      <p:stCondLst>
+                        <p:cond delay="indefinite"/>
+                      </p:stCondLst>
+                      <p:childTnLst>
+                        <p:par>
+                          <p:cTn id="46" fill="hold">
+                            <p:stCondLst>
+                              <p:cond delay="0"/>
+                            </p:stCondLst>
+                            <p:childTnLst>
+                              <p:par>
+                                <p:cTn id="47" presetID="1" presetClass="entr" presetSubtype="0" fill="hold" grpId="0" nodeType="clickEffect">
+                                  <p:stCondLst>
+                                    <p:cond delay="0"/>
+                                  </p:stCondLst>
+                                  <p:childTnLst>
+                                    <p:set>
+                                      <p:cBhvr>
+                                        <p:cTn id="48" dur="1" fill="hold">
+                                          <p:stCondLst>
+                                            <p:cond delay="0"/>
+                                          </p:stCondLst>
+                                        </p:cTn>
+                                        <p:tgtEl>
+                                          <p:spTgt spid="26"/>
+                                        </p:tgtEl>
+                                        <p:attrNameLst>
+                                          <p:attrName>style.visibility</p:attrName>
+                                        </p:attrNameLst>
+                                      </p:cBhvr>
+                                      <p:to>
+                                        <p:strVal val="visible"/>
+                                      </p:to>
+                                    </p:set>
+                                  </p:childTnLst>
+                                </p:cTn>
+                              </p:par>
+                            </p:childTnLst>
+                          </p:cTn>
+                        </p:par>
+                      </p:childTnLst>
+                    </p:cTn>
+                  </p:par>
+                  <p:par>
+                    <p:cTn id="49" fill="hold">
+                      <p:stCondLst>
+                        <p:cond delay="indefinite"/>
+                      </p:stCondLst>
+                      <p:childTnLst>
+                        <p:par>
+                          <p:cTn id="50" fill="hold">
+                            <p:stCondLst>
+                              <p:cond delay="0"/>
+                            </p:stCondLst>
+                            <p:childTnLst>
+                              <p:par>
+                                <p:cTn id="51" presetID="1" presetClass="exit" presetSubtype="0" fill="hold" grpId="1" nodeType="clickEffect">
+                                  <p:stCondLst>
+                                    <p:cond delay="0"/>
+                                  </p:stCondLst>
+                                  <p:childTnLst>
+                                    <p:set>
+                                      <p:cBhvr>
+                                        <p:cTn id="52" dur="1" fill="hold">
+                                          <p:stCondLst>
+                                            <p:cond delay="0"/>
+                                          </p:stCondLst>
+                                        </p:cTn>
+                                        <p:tgtEl>
+                                          <p:spTgt spid="26"/>
+                                        </p:tgtEl>
+                                        <p:attrNameLst>
+                                          <p:attrName>style.visibility</p:attrName>
+                                        </p:attrNameLst>
+                                      </p:cBhvr>
+                                      <p:to>
+                                        <p:strVal val="hidden"/>
+                                      </p:to>
+                                    </p:set>
+                                  </p:childTnLst>
+                                </p:cTn>
+                              </p:par>
+                            </p:childTnLst>
+                          </p:cTn>
+                        </p:par>
+                      </p:childTnLst>
+                    </p:cTn>
+                  </p:par>
+                  <p:par>
+                    <p:cTn id="53" fill="hold">
+                      <p:stCondLst>
+                        <p:cond delay="indefinite"/>
+                      </p:stCondLst>
+                      <p:childTnLst>
+                        <p:par>
+                          <p:cTn id="54" fill="hold">
+                            <p:stCondLst>
+                              <p:cond delay="0"/>
+                            </p:stCondLst>
+                            <p:childTnLst>
+                              <p:par>
+                                <p:cTn id="55" presetID="1" presetClass="entr" presetSubtype="0" fill="hold" grpId="0" nodeType="clickEffect">
+                                  <p:stCondLst>
+                                    <p:cond delay="0"/>
+                                  </p:stCondLst>
+                                  <p:childTnLst>
+                                    <p:set>
+                                      <p:cBhvr>
+                                        <p:cTn id="56" dur="1" fill="hold">
+                                          <p:stCondLst>
+                                            <p:cond delay="0"/>
+                                          </p:stCondLst>
+                                        </p:cTn>
+                                        <p:tgtEl>
+                                          <p:spTgt spid="27"/>
+                                        </p:tgtEl>
+                                        <p:attrNameLst>
+                                          <p:attrName>style.visibility</p:attrName>
+                                        </p:attrNameLst>
+                                      </p:cBhvr>
+                                      <p:to>
+                                        <p:strVal val="visible"/>
+                                      </p:to>
+                                    </p:set>
+                                  </p:childTnLst>
+                                </p:cTn>
+                              </p:par>
+                            </p:childTnLst>
+                          </p:cTn>
+                        </p:par>
+                      </p:childTnLst>
+                    </p:cTn>
+                  </p:par>
+                  <p:par>
+                    <p:cTn id="57" fill="hold">
+                      <p:stCondLst>
+                        <p:cond delay="indefinite"/>
+                      </p:stCondLst>
+                      <p:childTnLst>
+                        <p:par>
+                          <p:cTn id="58" fill="hold">
+                            <p:stCondLst>
+                              <p:cond delay="0"/>
+                            </p:stCondLst>
+                            <p:childTnLst>
+                              <p:par>
+                                <p:cTn id="59" presetID="1" presetClass="exit" presetSubtype="0" fill="hold" grpId="1" nodeType="clickEffect">
+                                  <p:stCondLst>
+                                    <p:cond delay="0"/>
+                                  </p:stCondLst>
+                                  <p:childTnLst>
+                                    <p:set>
+                                      <p:cBhvr>
+                                        <p:cTn id="60" dur="1" fill="hold">
+                                          <p:stCondLst>
+                                            <p:cond delay="0"/>
+                                          </p:stCondLst>
+                                        </p:cTn>
+                                        <p:tgtEl>
+                                          <p:spTgt spid="27"/>
+                                        </p:tgtEl>
+                                        <p:attrNameLst>
+                                          <p:attrName>style.visibility</p:attrName>
+                                        </p:attrNameLst>
+                                      </p:cBhvr>
+                                      <p:to>
+                                        <p:strVal val="hidden"/>
+                                      </p:to>
+                                    </p:set>
+                                  </p:childTnLst>
+                                </p:cTn>
+                              </p:par>
+                            </p:childTnLst>
+                          </p:cTn>
+                        </p:par>
+                      </p:childTnLst>
+                    </p:cTn>
+                  </p:par>
+                  <p:par>
+                    <p:cTn id="61" fill="hold">
+                      <p:stCondLst>
+                        <p:cond delay="indefinite"/>
+                      </p:stCondLst>
+                      <p:childTnLst>
+                        <p:par>
+                          <p:cTn id="62" fill="hold">
+                            <p:stCondLst>
+                              <p:cond delay="0"/>
+                            </p:stCondLst>
+                            <p:childTnLst>
+                              <p:par>
+                                <p:cTn id="63" presetID="1" presetClass="entr" presetSubtype="0" fill="hold" grpId="0" nodeType="clickEffect">
+                                  <p:stCondLst>
+                                    <p:cond delay="0"/>
+                                  </p:stCondLst>
+                                  <p:childTnLst>
+                                    <p:set>
+                                      <p:cBhvr>
+                                        <p:cTn id="64" dur="1" fill="hold">
+                                          <p:stCondLst>
+                                            <p:cond delay="0"/>
+                                          </p:stCondLst>
+                                        </p:cTn>
+                                        <p:tgtEl>
+                                          <p:spTgt spid="28"/>
+                                        </p:tgtEl>
+                                        <p:attrNameLst>
+                                          <p:attrName>style.visibility</p:attrName>
+                                        </p:attrNameLst>
+                                      </p:cBhvr>
+                                      <p:to>
+                                        <p:strVal val="visible"/>
+                                      </p:to>
+                                    </p:set>
+                                  </p:childTnLst>
+                                </p:cTn>
+                              </p:par>
+                            </p:childTnLst>
+                          </p:cTn>
+                        </p:par>
+                      </p:childTnLst>
+                    </p:cTn>
+                  </p:par>
+                  <p:par>
+                    <p:cTn id="65" fill="hold">
+                      <p:stCondLst>
+                        <p:cond delay="indefinite"/>
+                      </p:stCondLst>
+                      <p:childTnLst>
+                        <p:par>
+                          <p:cTn id="66" fill="hold">
+                            <p:stCondLst>
+                              <p:cond delay="0"/>
+                            </p:stCondLst>
+                            <p:childTnLst>
+                              <p:par>
+                                <p:cTn id="67" presetID="1" presetClass="exit" presetSubtype="0" fill="hold" grpId="1" nodeType="clickEffect">
+                                  <p:stCondLst>
+                                    <p:cond delay="0"/>
+                                  </p:stCondLst>
+                                  <p:childTnLst>
+                                    <p:set>
+                                      <p:cBhvr>
+                                        <p:cTn id="68" dur="1" fill="hold">
+                                          <p:stCondLst>
+                                            <p:cond delay="0"/>
+                                          </p:stCondLst>
+                                        </p:cTn>
+                                        <p:tgtEl>
+                                          <p:spTgt spid="28"/>
+                                        </p:tgtEl>
+                                        <p:attrNameLst>
+                                          <p:attrName>style.visibility</p:attrName>
+                                        </p:attrNameLst>
+                                      </p:cBhvr>
+                                      <p:to>
+                                        <p:strVal val="hidden"/>
+                                      </p:to>
+                                    </p:set>
+                                  </p:childTnLst>
+                                </p:cTn>
+                              </p:par>
+                            </p:childTnLst>
+                          </p:cTn>
+                        </p:par>
+                      </p:childTnLst>
+                    </p:cTn>
+                  </p:par>
+                  <p:par>
+                    <p:cTn id="69" fill="hold">
+                      <p:stCondLst>
+                        <p:cond delay="indefinite"/>
+                      </p:stCondLst>
+                      <p:childTnLst>
+                        <p:par>
+                          <p:cTn id="70" fill="hold">
+                            <p:stCondLst>
+                              <p:cond delay="0"/>
+                            </p:stCondLst>
+                            <p:childTnLst>
+                              <p:par>
+                                <p:cTn id="71" presetID="1" presetClass="entr" presetSubtype="0" fill="hold" grpId="0" nodeType="clickEffect">
+                                  <p:stCondLst>
+                                    <p:cond delay="0"/>
+                                  </p:stCondLst>
+                                  <p:childTnLst>
+                                    <p:set>
+                                      <p:cBhvr>
+                                        <p:cTn id="72" dur="1" fill="hold">
+                                          <p:stCondLst>
+                                            <p:cond delay="0"/>
+                                          </p:stCondLst>
+                                        </p:cTn>
+                                        <p:tgtEl>
+                                          <p:spTgt spid="29"/>
+                                        </p:tgtEl>
+                                        <p:attrNameLst>
+                                          <p:attrName>style.visibility</p:attrName>
+                                        </p:attrNameLst>
+                                      </p:cBhvr>
+                                      <p:to>
+                                        <p:strVal val="visible"/>
+                                      </p:to>
+                                    </p:set>
+                                  </p:childTnLst>
+                                </p:cTn>
+                              </p:par>
+                            </p:childTnLst>
+                          </p:cTn>
+                        </p:par>
+                      </p:childTnLst>
+                    </p:cTn>
+                  </p:par>
+                  <p:par>
+                    <p:cTn id="73" fill="hold">
+                      <p:stCondLst>
+                        <p:cond delay="indefinite"/>
+                      </p:stCondLst>
+                      <p:childTnLst>
+                        <p:par>
+                          <p:cTn id="74" fill="hold">
+                            <p:stCondLst>
+                              <p:cond delay="0"/>
+                            </p:stCondLst>
+                            <p:childTnLst>
+                              <p:par>
+                                <p:cTn id="75" presetID="1" presetClass="exit" presetSubtype="0" fill="hold" grpId="1" nodeType="clickEffect">
+                                  <p:stCondLst>
+                                    <p:cond delay="0"/>
+                                  </p:stCondLst>
+                                  <p:childTnLst>
+                                    <p:set>
+                                      <p:cBhvr>
+                                        <p:cTn id="76" dur="1" fill="hold">
+                                          <p:stCondLst>
+                                            <p:cond delay="0"/>
+                                          </p:stCondLst>
+                                        </p:cTn>
+                                        <p:tgtEl>
+                                          <p:spTgt spid="29"/>
+                                        </p:tgtEl>
+                                        <p:attrNameLst>
+                                          <p:attrName>style.visibility</p:attrName>
+                                        </p:attrNameLst>
+                                      </p:cBhvr>
+                                      <p:to>
+                                        <p:strVal val="hidden"/>
+                                      </p:to>
+                                    </p:set>
+                                  </p:childTnLst>
+                                </p:cTn>
+                              </p:par>
+                            </p:childTnLst>
+                          </p:cTn>
+                        </p:par>
+                      </p:childTnLst>
+                    </p:cTn>
+                  </p:par>
+                  <p:par>
+                    <p:cTn id="77" fill="hold">
+                      <p:stCondLst>
+                        <p:cond delay="indefinite"/>
+                      </p:stCondLst>
+                      <p:childTnLst>
+                        <p:par>
+                          <p:cTn id="78" fill="hold">
+                            <p:stCondLst>
+                              <p:cond delay="0"/>
+                            </p:stCondLst>
+                            <p:childTnLst>
+                              <p:par>
+                                <p:cTn id="79" presetID="1" presetClass="entr" presetSubtype="0" fill="hold" grpId="0" nodeType="clickEffect">
+                                  <p:stCondLst>
+                                    <p:cond delay="0"/>
+                                  </p:stCondLst>
+                                  <p:childTnLst>
+                                    <p:set>
+                                      <p:cBhvr>
+                                        <p:cTn id="80" dur="1" fill="hold">
+                                          <p:stCondLst>
+                                            <p:cond delay="0"/>
+                                          </p:stCondLst>
+                                        </p:cTn>
+                                        <p:tgtEl>
+                                          <p:spTgt spid="30"/>
+                                        </p:tgtEl>
+                                        <p:attrNameLst>
+                                          <p:attrName>style.visibility</p:attrName>
+                                        </p:attrNameLst>
+                                      </p:cBhvr>
+                                      <p:to>
+                                        <p:strVal val="visible"/>
+                                      </p:to>
+                                    </p:set>
+                                  </p:childTnLst>
+                                </p:cTn>
+                              </p:par>
+                            </p:childTnLst>
+                          </p:cTn>
+                        </p:par>
+                      </p:childTnLst>
+                    </p:cTn>
+                  </p:par>
+                </p:childTnLst>
+              </p:cTn>
+              <p:prevCondLst>
+                <p:cond evt="onPrev" delay="0">
+                  <p:tgtEl>
+                    <p:sldTgt/>
+                  </p:tgtEl>
+                </p:cond>
+              </p:prevCondLst>
+              <p:nextCondLst>
+                <p:cond evt="onNext" delay="0">
+                  <p:tgtEl>
+                    <p:sldTgt/>
+                  </p:tgtEl>
+                </p:cond>
+              </p:nextCondLst>
+            </p:seq>
+          </p:childTnLst>
+        </p:cTn>
+      </p:par>
+    </p:tnLst>
+    <p:bldLst>
+      <p:bldP spid="14" grpId="0"/>
+      <p:bldP spid="2" grpId="0"/>
+      <p:bldP spid="4" grpId="0"/>
+      <p:bldP spid="5" grpId="0" animBg="1"/>
+      <p:bldP spid="6" grpId="0" animBg="1"/>
+      <p:bldP spid="7" grpId="0" animBg="1"/>
+      <p:bldP spid="21" grpId="0" animBg="1"/>
+      <p:bldP spid="21" grpId="1" animBg="1"/>
+      <p:bldP spid="26" grpId="0" animBg="1"/>
+      <p:bldP spid="26" grpId="1" animBg="1"/>
+      <p:bldP spid="27" grpId="0" animBg="1"/>
+      <p:bldP spid="27" grpId="1" animBg="1"/>
+      <p:bldP spid="28" grpId="0" animBg="1"/>
+      <p:bldP spid="28" grpId="1" animBg="1"/>
+      <p:bldP spid="29" grpId="0" animBg="1"/>
+      <p:bldP spid="29" grpId="1" animBg="1"/>
+      <p:bldP spid="30" grpId="0"/>
+    </p:bldLst>
+  </p:timing>
+  <p:extLst>
+    <p:ext uri="{6950BFC3-D8DA-4A85-94F7-54DA5524770B}">
+      <p188:commentRel xmlns:p188="http://schemas.microsoft.com/office/powerpoint/2018/8/main" r:id="rId2"/>
+    </p:ext>
+  </p:extLst>
+</p:sld>
+</file>
+
+<file path=ppt/slides/slide36.xml><?xml version="1.0" encoding="utf-8"?>
+<p:sld xmlns:a="http://schemas.openxmlformats.org/drawingml/2006/main" xmlns:r="http://schemas.openxmlformats.org/officeDocument/2006/relationships" xmlns:p="http://schemas.openxmlformats.org/presentationml/2006/main">
+  <p:cSld>
+    <p:spTree>
+      <p:nvGrpSpPr>
+        <p:cNvPr id="1" name=""/>
+        <p:cNvGrpSpPr/>
+        <p:nvPr/>
+      </p:nvGrpSpPr>
+      <p:grpSpPr>
+        <a:xfrm>
+          <a:off x="0" y="0"/>
+          <a:ext cx="0" cy="0"/>
+          <a:chOff x="0" y="0"/>
+          <a:chExt cx="0" cy="0"/>
+        </a:xfrm>
+      </p:grpSpPr>
+      <p:sp>
+        <p:nvSpPr>
+          <p:cNvPr id="8" name="Rectangle 7">
+            <a:extLst>
+              <a:ext uri="{FF2B5EF4-FFF2-40B4-BE49-F238E27FC236}">
+                <a16:creationId xmlns:a16="http://schemas.microsoft.com/office/drawing/2014/main" id="{158F95D5-BE54-3736-1783-2E5501BC5DA8}"/>
+              </a:ext>
+            </a:extLst>
+          </p:cNvPr>
+          <p:cNvSpPr/>
+          <p:nvPr/>
+        </p:nvSpPr>
+        <p:spPr>
+          <a:xfrm>
+            <a:off x="797965" y="0"/>
+            <a:ext cx="5943487" cy="923330"/>
+          </a:xfrm>
+          <a:prstGeom prst="rect">
+            <a:avLst/>
+          </a:prstGeom>
+          <a:noFill/>
+        </p:spPr>
+        <p:txBody>
+          <a:bodyPr wrap="none" lIns="91440" tIns="45720" rIns="91440" bIns="45720">
+            <a:spAutoFit/>
+          </a:bodyPr>
+          <a:lstStyle/>
+          <a:p>
+            <a:pPr algn="ctr"/>
+            <a:r>
+              <a:rPr lang="en-US" sz="5400" b="0" cap="none" spc="0" dirty="0">
+                <a:ln w="0"/>
+                <a:solidFill>
+                  <a:schemeClr val="tx1"/>
+                </a:solidFill>
+                <a:effectLst>
+                  <a:outerShdw blurRad="38100" dist="19050" dir="2700000" algn="tl" rotWithShape="0">
+                    <a:schemeClr val="dk1">
+                      <a:alpha val="40000"/>
+                    </a:schemeClr>
+                  </a:outerShdw>
+                </a:effectLst>
+              </a:rPr>
+              <a:t>Our Project – </a:t>
+            </a:r>
+            <a:r>
+              <a:rPr lang="en-US" sz="5400" dirty="0">
+                <a:ln w="0"/>
+                <a:effectLst>
+                  <a:outerShdw blurRad="38100" dist="19050" dir="2700000" algn="tl" rotWithShape="0">
+                    <a:schemeClr val="dk1">
+                      <a:alpha val="40000"/>
+                    </a:schemeClr>
+                  </a:outerShdw>
+                </a:effectLst>
+                <a:highlight>
+                  <a:srgbClr val="FFFF00"/>
+                </a:highlight>
+              </a:rPr>
+              <a:t>M</a:t>
+            </a:r>
+            <a:r>
+              <a:rPr lang="en-US" sz="5400" dirty="0">
+                <a:ln w="0"/>
+                <a:effectLst>
+                  <a:outerShdw blurRad="38100" dist="19050" dir="2700000" algn="tl" rotWithShape="0">
+                    <a:schemeClr val="dk1">
+                      <a:alpha val="40000"/>
+                    </a:schemeClr>
+                  </a:outerShdw>
+                </a:effectLst>
+              </a:rPr>
+              <a:t>ain</a:t>
+            </a:r>
+            <a:endParaRPr lang="en-US" sz="5400" b="0" cap="none" spc="0" dirty="0">
+              <a:ln w="0"/>
+              <a:solidFill>
+                <a:schemeClr val="tx1"/>
+              </a:solidFill>
+              <a:effectLst>
+                <a:outerShdw blurRad="38100" dist="19050" dir="2700000" algn="tl" rotWithShape="0">
+                  <a:schemeClr val="dk1">
+                    <a:alpha val="40000"/>
+                  </a:schemeClr>
+                </a:outerShdw>
+              </a:effectLst>
+            </a:endParaRPr>
+          </a:p>
+        </p:txBody>
+      </p:sp>
+      <p:sp>
+        <p:nvSpPr>
+          <p:cNvPr id="14" name="TextBox 13">
+            <a:extLst>
+              <a:ext uri="{FF2B5EF4-FFF2-40B4-BE49-F238E27FC236}">
+                <a16:creationId xmlns:a16="http://schemas.microsoft.com/office/drawing/2014/main" id="{ABD0861B-2C8B-4BC2-BA6A-5CD0DFF70086}"/>
+              </a:ext>
+            </a:extLst>
+          </p:cNvPr>
+          <p:cNvSpPr txBox="1"/>
+          <p:nvPr/>
+        </p:nvSpPr>
+        <p:spPr>
+          <a:xfrm>
+            <a:off x="0" y="887705"/>
+            <a:ext cx="4501246" cy="369332"/>
+          </a:xfrm>
+          <a:prstGeom prst="rect">
+            <a:avLst/>
+          </a:prstGeom>
+          <a:noFill/>
+        </p:spPr>
+        <p:txBody>
+          <a:bodyPr wrap="square">
+            <a:spAutoFit/>
+          </a:bodyPr>
+          <a:lstStyle/>
+          <a:p>
+            <a:r>
+              <a:rPr lang="en-US" dirty="0">
+                <a:solidFill>
+                  <a:srgbClr val="00B050"/>
+                </a:solidFill>
+                <a:latin typeface="Segoe UI" panose="020B0502040204020203" pitchFamily="34" charset="0"/>
+              </a:rPr>
+              <a:t>//</a:t>
+            </a:r>
+            <a:r>
+              <a:rPr lang="en-US" dirty="0">
+                <a:solidFill>
+                  <a:srgbClr val="00B050"/>
+                </a:solidFill>
+                <a:highlight>
+                  <a:srgbClr val="FFFF00"/>
+                </a:highlight>
+                <a:latin typeface="Segoe UI" panose="020B0502040204020203" pitchFamily="34" charset="0"/>
+              </a:rPr>
+              <a:t>Add Clear Action</a:t>
+            </a:r>
+            <a:endParaRPr lang="en-US" sz="2000" dirty="0">
+              <a:solidFill>
+                <a:srgbClr val="00B050"/>
+              </a:solidFill>
+              <a:effectLst/>
+              <a:highlight>
+                <a:srgbClr val="FFFF00"/>
+              </a:highlight>
+              <a:latin typeface="Arial" panose="020B0604020202020204" pitchFamily="34" charset="0"/>
+            </a:endParaRPr>
+          </a:p>
+        </p:txBody>
+      </p:sp>
+      <p:sp>
+        <p:nvSpPr>
+          <p:cNvPr id="15" name="TextBox 14">
+            <a:extLst>
+              <a:ext uri="{FF2B5EF4-FFF2-40B4-BE49-F238E27FC236}">
+                <a16:creationId xmlns:a16="http://schemas.microsoft.com/office/drawing/2014/main" id="{814C1F0A-CB54-BEFD-5A72-9E54216C865D}"/>
+              </a:ext>
+            </a:extLst>
+          </p:cNvPr>
+          <p:cNvSpPr txBox="1"/>
+          <p:nvPr/>
+        </p:nvSpPr>
+        <p:spPr>
+          <a:xfrm>
+            <a:off x="95783" y="2144742"/>
+            <a:ext cx="7580833" cy="2862322"/>
+          </a:xfrm>
+          <a:prstGeom prst="rect">
+            <a:avLst/>
+          </a:prstGeom>
+          <a:noFill/>
+          <a:ln w="28575">
+            <a:solidFill>
+              <a:schemeClr val="tx1">
+                <a:lumMod val="95000"/>
+                <a:lumOff val="5000"/>
+              </a:schemeClr>
+            </a:solidFill>
+          </a:ln>
+        </p:spPr>
+        <p:txBody>
+          <a:bodyPr wrap="square">
+            <a:spAutoFit/>
+          </a:bodyPr>
+          <a:lstStyle/>
+          <a:p>
+            <a:r>
+              <a:rPr lang="en-US" dirty="0"/>
+              <a:t>…</a:t>
+            </a:r>
+          </a:p>
+          <a:p>
+            <a:r>
+              <a:rPr lang="en-US" b="1" dirty="0"/>
+              <a:t>const </a:t>
+            </a:r>
+            <a:r>
+              <a:rPr lang="en-US" b="1" dirty="0" err="1"/>
+              <a:t>clearDisplay</a:t>
+            </a:r>
+            <a:r>
+              <a:rPr lang="en-US" b="1" dirty="0"/>
+              <a:t> = () =&gt; {</a:t>
+            </a:r>
+          </a:p>
+          <a:p>
+            <a:r>
+              <a:rPr lang="en-US" b="1" dirty="0"/>
+              <a:t>    </a:t>
+            </a:r>
+            <a:r>
+              <a:rPr lang="en-US" b="1" dirty="0" err="1"/>
+              <a:t>setName</a:t>
+            </a:r>
+            <a:r>
+              <a:rPr lang="en-US" b="1" dirty="0"/>
+              <a:t>('');</a:t>
+            </a:r>
+          </a:p>
+          <a:p>
+            <a:r>
+              <a:rPr lang="en-US" b="1" dirty="0"/>
+              <a:t>    </a:t>
+            </a:r>
+            <a:r>
+              <a:rPr lang="en-US" b="1" dirty="0" err="1"/>
+              <a:t>setHour</a:t>
+            </a:r>
+            <a:r>
+              <a:rPr lang="en-US" b="1" dirty="0"/>
+              <a:t>(0);</a:t>
+            </a:r>
+          </a:p>
+          <a:p>
+            <a:r>
+              <a:rPr lang="en-US" b="1" dirty="0"/>
+              <a:t>    </a:t>
+            </a:r>
+            <a:r>
+              <a:rPr lang="en-US" b="1" dirty="0" err="1"/>
+              <a:t>setMin</a:t>
+            </a:r>
+            <a:r>
+              <a:rPr lang="en-US" b="1" dirty="0"/>
+              <a:t>(0);</a:t>
+            </a:r>
+          </a:p>
+          <a:p>
+            <a:r>
+              <a:rPr lang="en-US" b="1" dirty="0"/>
+              <a:t>    </a:t>
+            </a:r>
+            <a:r>
+              <a:rPr lang="en-US" b="1" dirty="0" err="1"/>
+              <a:t>setComment</a:t>
+            </a:r>
+            <a:r>
+              <a:rPr lang="en-US" b="1" dirty="0"/>
+              <a:t>('');</a:t>
+            </a:r>
+          </a:p>
+          <a:p>
+            <a:r>
+              <a:rPr lang="en-US" b="1" dirty="0"/>
+              <a:t>   };</a:t>
+            </a:r>
+          </a:p>
+          <a:p>
+            <a:r>
+              <a:rPr lang="en-US" dirty="0"/>
+              <a:t>    return (</a:t>
+            </a:r>
+          </a:p>
+          <a:p>
+            <a:r>
+              <a:rPr lang="en-US" dirty="0"/>
+              <a:t> …</a:t>
+            </a:r>
+          </a:p>
+          <a:p>
+            <a:r>
+              <a:rPr lang="en-US" dirty="0"/>
+              <a:t>   &lt;Footer </a:t>
+            </a:r>
+            <a:r>
+              <a:rPr lang="en-US" dirty="0" err="1"/>
+              <a:t>className</a:t>
+            </a:r>
+            <a:r>
+              <a:rPr lang="en-US" dirty="0"/>
+              <a:t>='general-border center' </a:t>
+            </a:r>
+            <a:r>
+              <a:rPr lang="en-US" b="1" dirty="0"/>
+              <a:t>clear = {</a:t>
+            </a:r>
+            <a:r>
+              <a:rPr lang="en-US" b="1" dirty="0" err="1"/>
+              <a:t>clearDisplay</a:t>
+            </a:r>
+            <a:r>
+              <a:rPr lang="en-US" b="1" dirty="0"/>
+              <a:t>}</a:t>
+            </a:r>
+            <a:r>
+              <a:rPr lang="en-US" dirty="0"/>
+              <a:t>/&gt;</a:t>
+            </a:r>
+          </a:p>
+        </p:txBody>
+      </p:sp>
+      <p:sp>
+        <p:nvSpPr>
+          <p:cNvPr id="11" name="TextBox 10">
+            <a:extLst>
+              <a:ext uri="{FF2B5EF4-FFF2-40B4-BE49-F238E27FC236}">
+                <a16:creationId xmlns:a16="http://schemas.microsoft.com/office/drawing/2014/main" id="{D77C5925-C3C1-D0C2-D66E-D153A0FD2BA5}"/>
+              </a:ext>
+            </a:extLst>
+          </p:cNvPr>
+          <p:cNvSpPr txBox="1"/>
+          <p:nvPr/>
+        </p:nvSpPr>
+        <p:spPr>
+          <a:xfrm>
+            <a:off x="5703219" y="6847133"/>
+            <a:ext cx="2076466" cy="369332"/>
+          </a:xfrm>
+          <a:prstGeom prst="rect">
+            <a:avLst/>
+          </a:prstGeom>
+          <a:solidFill>
+            <a:schemeClr val="accent2"/>
+          </a:solidFill>
+          <a:ln w="19050">
+            <a:solidFill>
+              <a:schemeClr val="tx1"/>
+            </a:solidFill>
+          </a:ln>
+        </p:spPr>
+        <p:txBody>
+          <a:bodyPr wrap="none" rtlCol="0">
+            <a:spAutoFit/>
+          </a:bodyPr>
+          <a:lstStyle/>
+          <a:p>
+            <a:r>
+              <a:rPr lang="en-CA" dirty="0"/>
+              <a:t>Test your changes</a:t>
+            </a:r>
+          </a:p>
+        </p:txBody>
+      </p:sp>
+      <p:sp>
+        <p:nvSpPr>
+          <p:cNvPr id="3" name="TextBox 2">
+            <a:extLst>
+              <a:ext uri="{FF2B5EF4-FFF2-40B4-BE49-F238E27FC236}">
+                <a16:creationId xmlns:a16="http://schemas.microsoft.com/office/drawing/2014/main" id="{E418B884-3089-582F-C0DC-213D448CD447}"/>
+              </a:ext>
+            </a:extLst>
+          </p:cNvPr>
+          <p:cNvSpPr txBox="1"/>
+          <p:nvPr/>
+        </p:nvSpPr>
+        <p:spPr>
+          <a:xfrm>
+            <a:off x="0" y="1627905"/>
+            <a:ext cx="4086518" cy="369332"/>
+          </a:xfrm>
+          <a:prstGeom prst="rect">
+            <a:avLst/>
+          </a:prstGeom>
+          <a:noFill/>
+        </p:spPr>
+        <p:txBody>
+          <a:bodyPr wrap="square">
+            <a:spAutoFit/>
+          </a:bodyPr>
+          <a:lstStyle/>
+          <a:p>
+            <a:r>
+              <a:rPr lang="en-US" dirty="0">
+                <a:solidFill>
+                  <a:srgbClr val="00B050"/>
+                </a:solidFill>
+                <a:latin typeface="Segoe UI" panose="020B0502040204020203" pitchFamily="34" charset="0"/>
+              </a:rPr>
+              <a:t>//Update Main()  - </a:t>
+            </a:r>
+            <a:endParaRPr lang="en-CA" dirty="0"/>
+          </a:p>
+        </p:txBody>
+      </p:sp>
+      <p:sp>
+        <p:nvSpPr>
+          <p:cNvPr id="4" name="TextBox 3">
+            <a:extLst>
+              <a:ext uri="{FF2B5EF4-FFF2-40B4-BE49-F238E27FC236}">
+                <a16:creationId xmlns:a16="http://schemas.microsoft.com/office/drawing/2014/main" id="{83458EDD-5CB8-05A7-8602-410990877F11}"/>
+              </a:ext>
+            </a:extLst>
+          </p:cNvPr>
+          <p:cNvSpPr txBox="1"/>
+          <p:nvPr/>
+        </p:nvSpPr>
+        <p:spPr>
+          <a:xfrm>
+            <a:off x="0" y="5101723"/>
+            <a:ext cx="4086518" cy="369332"/>
+          </a:xfrm>
+          <a:prstGeom prst="rect">
+            <a:avLst/>
+          </a:prstGeom>
+          <a:noFill/>
+        </p:spPr>
+        <p:txBody>
+          <a:bodyPr wrap="square">
+            <a:spAutoFit/>
+          </a:bodyPr>
+          <a:lstStyle/>
+          <a:p>
+            <a:r>
+              <a:rPr lang="en-US" dirty="0">
+                <a:solidFill>
+                  <a:srgbClr val="00B050"/>
+                </a:solidFill>
+                <a:latin typeface="Segoe UI" panose="020B0502040204020203" pitchFamily="34" charset="0"/>
+              </a:rPr>
+              <a:t>//Update Footer()  - </a:t>
+            </a:r>
+            <a:endParaRPr lang="en-CA" dirty="0"/>
+          </a:p>
+        </p:txBody>
+      </p:sp>
+      <p:sp>
+        <p:nvSpPr>
+          <p:cNvPr id="5" name="TextBox 4">
+            <a:extLst>
+              <a:ext uri="{FF2B5EF4-FFF2-40B4-BE49-F238E27FC236}">
+                <a16:creationId xmlns:a16="http://schemas.microsoft.com/office/drawing/2014/main" id="{1249F9F1-702A-2C73-3A34-1CE73DDAFB78}"/>
+              </a:ext>
+            </a:extLst>
+          </p:cNvPr>
+          <p:cNvSpPr txBox="1"/>
+          <p:nvPr/>
+        </p:nvSpPr>
+        <p:spPr>
+          <a:xfrm>
+            <a:off x="191567" y="5510739"/>
+            <a:ext cx="7580833" cy="1200329"/>
+          </a:xfrm>
+          <a:prstGeom prst="rect">
+            <a:avLst/>
+          </a:prstGeom>
+          <a:noFill/>
+          <a:ln w="28575">
+            <a:solidFill>
+              <a:schemeClr val="tx1">
+                <a:lumMod val="95000"/>
+                <a:lumOff val="5000"/>
+              </a:schemeClr>
+            </a:solidFill>
+          </a:ln>
+        </p:spPr>
+        <p:txBody>
+          <a:bodyPr wrap="square">
+            <a:spAutoFit/>
+          </a:bodyPr>
+          <a:lstStyle/>
+          <a:p>
+            <a:r>
+              <a:rPr lang="en-US" dirty="0"/>
+              <a:t>…</a:t>
+            </a:r>
+          </a:p>
+          <a:p>
+            <a:r>
+              <a:rPr lang="en-CA" dirty="0"/>
+              <a:t>&lt;Button </a:t>
+            </a:r>
+            <a:r>
+              <a:rPr lang="en-CA" dirty="0" err="1"/>
+              <a:t>className</a:t>
+            </a:r>
+            <a:r>
+              <a:rPr lang="en-CA" dirty="0"/>
+              <a:t>="text-uppercase  </a:t>
+            </a:r>
+            <a:r>
+              <a:rPr lang="en-CA" dirty="0" err="1"/>
+              <a:t>btn</a:t>
+            </a:r>
+            <a:r>
+              <a:rPr lang="en-CA" dirty="0"/>
+              <a:t>-outline-warning" </a:t>
+            </a:r>
+          </a:p>
+          <a:p>
+            <a:r>
+              <a:rPr lang="en-CA" dirty="0"/>
+              <a:t>                   variant='none'  </a:t>
+            </a:r>
+            <a:r>
+              <a:rPr lang="en-CA" b="1" dirty="0" err="1"/>
+              <a:t>onClick</a:t>
+            </a:r>
+            <a:r>
+              <a:rPr lang="en-CA" b="1" dirty="0"/>
+              <a:t>={</a:t>
+            </a:r>
+            <a:r>
+              <a:rPr lang="en-CA" b="1" dirty="0" err="1"/>
+              <a:t>props.clear</a:t>
+            </a:r>
+            <a:r>
+              <a:rPr lang="en-CA" b="1" dirty="0"/>
+              <a:t>}</a:t>
+            </a:r>
+            <a:r>
+              <a:rPr lang="en-CA" dirty="0"/>
+              <a:t>&gt;  clear</a:t>
+            </a:r>
+          </a:p>
+          <a:p>
+            <a:r>
+              <a:rPr lang="en-CA" dirty="0"/>
+              <a:t> &lt;/Button&gt;</a:t>
+            </a:r>
+          </a:p>
+        </p:txBody>
+      </p:sp>
+    </p:spTree>
+    <p:extLst>
+      <p:ext uri="{BB962C8B-B14F-4D97-AF65-F5344CB8AC3E}">
+        <p14:creationId xmlns:p14="http://schemas.microsoft.com/office/powerpoint/2010/main" val="2549189943"/>
+      </p:ext>
+    </p:extLst>
+  </p:cSld>
+  <p:clrMapOvr>
+    <a:masterClrMapping/>
+  </p:clrMapOvr>
+  <p:timing>
+    <p:tnLst>
+      <p:par>
+        <p:cTn id="1" dur="indefinite" restart="never" nodeType="tmRoot">
+          <p:childTnLst>
+            <p:seq concurrent="1" nextAc="seek">
+              <p:cTn id="2" dur="indefinite" nodeType="mainSeq">
+                <p:childTnLst>
+                  <p:par>
+                    <p:cTn id="3" fill="hold">
+                      <p:stCondLst>
+                        <p:cond delay="indefinite"/>
+                      </p:stCondLst>
+                      <p:childTnLst>
+                        <p:par>
+                          <p:cTn id="4" fill="hold">
+                            <p:stCondLst>
+                              <p:cond delay="0"/>
+                            </p:stCondLst>
+                            <p:childTnLst>
+                              <p:par>
+                                <p:cTn id="5" presetID="1" presetClass="entr" presetSubtype="0" fill="hold" grpId="0" nodeType="clickEffect">
+                                  <p:stCondLst>
+                                    <p:cond delay="0"/>
+                                  </p:stCondLst>
+                                  <p:childTnLst>
+                                    <p:set>
+                                      <p:cBhvr>
+                                        <p:cTn id="6" dur="1" fill="hold">
+                                          <p:stCondLst>
+                                            <p:cond delay="0"/>
+                                          </p:stCondLst>
+                                        </p:cTn>
+                                        <p:tgtEl>
+                                          <p:spTgt spid="14"/>
+                                        </p:tgtEl>
+                                        <p:attrNameLst>
+                                          <p:attrName>style.visibility</p:attrName>
+                                        </p:attrNameLst>
+                                      </p:cBhvr>
+                                      <p:to>
+                                        <p:strVal val="visible"/>
+                                      </p:to>
+                                    </p:set>
+                                  </p:childTnLst>
+                                </p:cTn>
+                              </p:par>
+                            </p:childTnLst>
+                          </p:cTn>
+                        </p:par>
+                      </p:childTnLst>
+                    </p:cTn>
+                  </p:par>
+                  <p:par>
+                    <p:cTn id="7" fill="hold">
+                      <p:stCondLst>
+                        <p:cond delay="indefinite"/>
+                      </p:stCondLst>
+                      <p:childTnLst>
+                        <p:par>
+                          <p:cTn id="8" fill="hold">
+                            <p:stCondLst>
+                              <p:cond delay="0"/>
+                            </p:stCondLst>
+                            <p:childTnLst>
+                              <p:par>
+                                <p:cTn id="9" presetID="1" presetClass="entr" presetSubtype="0" fill="hold" grpId="0" nodeType="clickEffect">
+                                  <p:stCondLst>
+                                    <p:cond delay="0"/>
+                                  </p:stCondLst>
+                                  <p:childTnLst>
+                                    <p:set>
+                                      <p:cBhvr>
+                                        <p:cTn id="10" dur="1" fill="hold">
+                                          <p:stCondLst>
+                                            <p:cond delay="0"/>
+                                          </p:stCondLst>
+                                        </p:cTn>
+                                        <p:tgtEl>
+                                          <p:spTgt spid="3"/>
+                                        </p:tgtEl>
+                                        <p:attrNameLst>
+                                          <p:attrName>style.visibility</p:attrName>
+                                        </p:attrNameLst>
+                                      </p:cBhvr>
+                                      <p:to>
+                                        <p:strVal val="visible"/>
+                                      </p:to>
+                                    </p:set>
+                                  </p:childTnLst>
+                                </p:cTn>
+                              </p:par>
+                              <p:par>
+                                <p:cTn id="11" presetID="1" presetClass="entr" presetSubtype="0" fill="hold" grpId="0" nodeType="withEffect">
+                                  <p:stCondLst>
+                                    <p:cond delay="0"/>
+                                  </p:stCondLst>
+                                  <p:childTnLst>
+                                    <p:set>
+                                      <p:cBhvr>
+                                        <p:cTn id="12" dur="1" fill="hold">
+                                          <p:stCondLst>
+                                            <p:cond delay="0"/>
+                                          </p:stCondLst>
+                                        </p:cTn>
+                                        <p:tgtEl>
+                                          <p:spTgt spid="15"/>
+                                        </p:tgtEl>
+                                        <p:attrNameLst>
+                                          <p:attrName>style.visibility</p:attrName>
+                                        </p:attrNameLst>
+                                      </p:cBhvr>
+                                      <p:to>
+                                        <p:strVal val="visible"/>
+                                      </p:to>
+                                    </p:set>
+                                  </p:childTnLst>
+                                </p:cTn>
+                              </p:par>
+                            </p:childTnLst>
+                          </p:cTn>
+                        </p:par>
+                      </p:childTnLst>
+                    </p:cTn>
+                  </p:par>
+                  <p:par>
+                    <p:cTn id="13" fill="hold">
+                      <p:stCondLst>
+                        <p:cond delay="indefinite"/>
+                      </p:stCondLst>
+                      <p:childTnLst>
+                        <p:par>
+                          <p:cTn id="14" fill="hold">
+                            <p:stCondLst>
+                              <p:cond delay="0"/>
+                            </p:stCondLst>
+                            <p:childTnLst>
+                              <p:par>
+                                <p:cTn id="15" presetID="1" presetClass="entr" presetSubtype="0" fill="hold" grpId="0" nodeType="clickEffect">
+                                  <p:stCondLst>
+                                    <p:cond delay="0"/>
+                                  </p:stCondLst>
+                                  <p:childTnLst>
+                                    <p:set>
+                                      <p:cBhvr>
+                                        <p:cTn id="16" dur="1" fill="hold">
+                                          <p:stCondLst>
+                                            <p:cond delay="0"/>
+                                          </p:stCondLst>
+                                        </p:cTn>
+                                        <p:tgtEl>
+                                          <p:spTgt spid="4"/>
+                                        </p:tgtEl>
+                                        <p:attrNameLst>
+                                          <p:attrName>style.visibility</p:attrName>
+                                        </p:attrNameLst>
+                                      </p:cBhvr>
+                                      <p:to>
+                                        <p:strVal val="visible"/>
+                                      </p:to>
+                                    </p:set>
+                                  </p:childTnLst>
+                                </p:cTn>
+                              </p:par>
+                              <p:par>
+                                <p:cTn id="17" presetID="1" presetClass="entr" presetSubtype="0" fill="hold" grpId="0" nodeType="withEffect">
+                                  <p:stCondLst>
+                                    <p:cond delay="0"/>
+                                  </p:stCondLst>
+                                  <p:childTnLst>
+                                    <p:set>
+                                      <p:cBhvr>
+                                        <p:cTn id="18" dur="1" fill="hold">
+                                          <p:stCondLst>
+                                            <p:cond delay="0"/>
+                                          </p:stCondLst>
+                                        </p:cTn>
+                                        <p:tgtEl>
+                                          <p:spTgt spid="5"/>
+                                        </p:tgtEl>
+                                        <p:attrNameLst>
+                                          <p:attrName>style.visibility</p:attrName>
+                                        </p:attrNameLst>
+                                      </p:cBhvr>
+                                      <p:to>
+                                        <p:strVal val="visible"/>
+                                      </p:to>
+                                    </p:set>
+                                  </p:childTnLst>
+                                </p:cTn>
+                              </p:par>
+                            </p:childTnLst>
+                          </p:cTn>
+                        </p:par>
+                      </p:childTnLst>
+                    </p:cTn>
+                  </p:par>
+                  <p:par>
+                    <p:cTn id="19" fill="hold">
+                      <p:stCondLst>
+                        <p:cond delay="indefinite"/>
+                      </p:stCondLst>
+                      <p:childTnLst>
+                        <p:par>
+                          <p:cTn id="20" fill="hold">
+                            <p:stCondLst>
+                              <p:cond delay="0"/>
+                            </p:stCondLst>
+                            <p:childTnLst>
+                              <p:par>
+                                <p:cTn id="21" presetID="1" presetClass="entr" presetSubtype="0" fill="hold" grpId="0" nodeType="clickEffect">
+                                  <p:stCondLst>
+                                    <p:cond delay="0"/>
+                                  </p:stCondLst>
+                                  <p:childTnLst>
+                                    <p:set>
+                                      <p:cBhvr>
+                                        <p:cTn id="22" dur="1" fill="hold">
+                                          <p:stCondLst>
+                                            <p:cond delay="0"/>
+                                          </p:stCondLst>
+                                        </p:cTn>
+                                        <p:tgtEl>
+                                          <p:spTgt spid="11"/>
+                                        </p:tgtEl>
+                                        <p:attrNameLst>
+                                          <p:attrName>style.visibility</p:attrName>
+                                        </p:attrNameLst>
+                                      </p:cBhvr>
+                                      <p:to>
+                                        <p:strVal val="visible"/>
+                                      </p:to>
+                                    </p:set>
+                                  </p:childTnLst>
+                                </p:cTn>
+                              </p:par>
+                            </p:childTnLst>
+                          </p:cTn>
+                        </p:par>
+                      </p:childTnLst>
+                    </p:cTn>
+                  </p:par>
+                </p:childTnLst>
+              </p:cTn>
+              <p:prevCondLst>
+                <p:cond evt="onPrev" delay="0">
+                  <p:tgtEl>
+                    <p:sldTgt/>
+                  </p:tgtEl>
+                </p:cond>
+              </p:prevCondLst>
+              <p:nextCondLst>
+                <p:cond evt="onNext" delay="0">
+                  <p:tgtEl>
+                    <p:sldTgt/>
+                  </p:tgtEl>
+                </p:cond>
+              </p:nextCondLst>
+            </p:seq>
+          </p:childTnLst>
+        </p:cTn>
+      </p:par>
+    </p:tnLst>
+    <p:bldLst>
+      <p:bldP spid="14" grpId="0"/>
+      <p:bldP spid="15" grpId="0" animBg="1"/>
+      <p:bldP spid="11" grpId="0" animBg="1"/>
+      <p:bldP spid="3" grpId="0"/>
+      <p:bldP spid="4" grpId="0"/>
+      <p:bldP spid="5" grpId="0" animBg="1"/>
+    </p:bldLst>
+  </p:timing>
+</p:sld>
+</file>
+
+<file path=ppt/slides/slide37.xml><?xml version="1.0" encoding="utf-8"?>
 <p:sld xmlns:a="http://schemas.openxmlformats.org/drawingml/2006/main" xmlns:r="http://schemas.openxmlformats.org/officeDocument/2006/relationships" xmlns:p="http://schemas.openxmlformats.org/presentationml/2006/main">
   <p:cSld>
     <p:spTree>
